--- a/RAG.pptx
+++ b/RAG.pptx
@@ -7,14 +7,16 @@
   <p:sldIdLst>
     <p:sldId id="256" r:id="rId2"/>
     <p:sldId id="257" r:id="rId3"/>
-    <p:sldId id="258" r:id="rId4"/>
-    <p:sldId id="260" r:id="rId5"/>
-    <p:sldId id="261" r:id="rId6"/>
-    <p:sldId id="262" r:id="rId7"/>
-    <p:sldId id="263" r:id="rId8"/>
-    <p:sldId id="264" r:id="rId9"/>
-    <p:sldId id="265" r:id="rId10"/>
-    <p:sldId id="259" r:id="rId11"/>
+    <p:sldId id="266" r:id="rId4"/>
+    <p:sldId id="258" r:id="rId5"/>
+    <p:sldId id="260" r:id="rId6"/>
+    <p:sldId id="261" r:id="rId7"/>
+    <p:sldId id="267" r:id="rId8"/>
+    <p:sldId id="262" r:id="rId9"/>
+    <p:sldId id="263" r:id="rId10"/>
+    <p:sldId id="264" r:id="rId11"/>
+    <p:sldId id="265" r:id="rId12"/>
+    <p:sldId id="259" r:id="rId13"/>
   </p:sldIdLst>
   <p:sldSz cx="12192000" cy="6858000"/>
   <p:notesSz cx="6858000" cy="9144000"/>
@@ -270,7 +272,7 @@
           <a:p>
             <a:fld id="{749F0CB5-BAA6-4AB1-867C-C29921453313}" type="datetimeFigureOut">
               <a:rPr lang="fa-IR" smtClean="0"/>
-              <a:t>10/08/1445</a:t>
+              <a:t>11/08/1445</a:t>
             </a:fld>
             <a:endParaRPr lang="fa-IR"/>
           </a:p>
@@ -470,7 +472,7 @@
           <a:p>
             <a:fld id="{749F0CB5-BAA6-4AB1-867C-C29921453313}" type="datetimeFigureOut">
               <a:rPr lang="fa-IR" smtClean="0"/>
-              <a:t>10/08/1445</a:t>
+              <a:t>11/08/1445</a:t>
             </a:fld>
             <a:endParaRPr lang="fa-IR"/>
           </a:p>
@@ -680,7 +682,7 @@
           <a:p>
             <a:fld id="{749F0CB5-BAA6-4AB1-867C-C29921453313}" type="datetimeFigureOut">
               <a:rPr lang="fa-IR" smtClean="0"/>
-              <a:t>10/08/1445</a:t>
+              <a:t>11/08/1445</a:t>
             </a:fld>
             <a:endParaRPr lang="fa-IR"/>
           </a:p>
@@ -880,7 +882,7 @@
           <a:p>
             <a:fld id="{749F0CB5-BAA6-4AB1-867C-C29921453313}" type="datetimeFigureOut">
               <a:rPr lang="fa-IR" smtClean="0"/>
-              <a:t>10/08/1445</a:t>
+              <a:t>11/08/1445</a:t>
             </a:fld>
             <a:endParaRPr lang="fa-IR"/>
           </a:p>
@@ -1156,7 +1158,7 @@
           <a:p>
             <a:fld id="{749F0CB5-BAA6-4AB1-867C-C29921453313}" type="datetimeFigureOut">
               <a:rPr lang="fa-IR" smtClean="0"/>
-              <a:t>10/08/1445</a:t>
+              <a:t>11/08/1445</a:t>
             </a:fld>
             <a:endParaRPr lang="fa-IR"/>
           </a:p>
@@ -1424,7 +1426,7 @@
           <a:p>
             <a:fld id="{749F0CB5-BAA6-4AB1-867C-C29921453313}" type="datetimeFigureOut">
               <a:rPr lang="fa-IR" smtClean="0"/>
-              <a:t>10/08/1445</a:t>
+              <a:t>11/08/1445</a:t>
             </a:fld>
             <a:endParaRPr lang="fa-IR"/>
           </a:p>
@@ -1839,7 +1841,7 @@
           <a:p>
             <a:fld id="{749F0CB5-BAA6-4AB1-867C-C29921453313}" type="datetimeFigureOut">
               <a:rPr lang="fa-IR" smtClean="0"/>
-              <a:t>10/08/1445</a:t>
+              <a:t>11/08/1445</a:t>
             </a:fld>
             <a:endParaRPr lang="fa-IR"/>
           </a:p>
@@ -1981,7 +1983,7 @@
           <a:p>
             <a:fld id="{749F0CB5-BAA6-4AB1-867C-C29921453313}" type="datetimeFigureOut">
               <a:rPr lang="fa-IR" smtClean="0"/>
-              <a:t>10/08/1445</a:t>
+              <a:t>11/08/1445</a:t>
             </a:fld>
             <a:endParaRPr lang="fa-IR"/>
           </a:p>
@@ -2094,7 +2096,7 @@
           <a:p>
             <a:fld id="{749F0CB5-BAA6-4AB1-867C-C29921453313}" type="datetimeFigureOut">
               <a:rPr lang="fa-IR" smtClean="0"/>
-              <a:t>10/08/1445</a:t>
+              <a:t>11/08/1445</a:t>
             </a:fld>
             <a:endParaRPr lang="fa-IR"/>
           </a:p>
@@ -2407,7 +2409,7 @@
           <a:p>
             <a:fld id="{749F0CB5-BAA6-4AB1-867C-C29921453313}" type="datetimeFigureOut">
               <a:rPr lang="fa-IR" smtClean="0"/>
-              <a:t>10/08/1445</a:t>
+              <a:t>11/08/1445</a:t>
             </a:fld>
             <a:endParaRPr lang="fa-IR"/>
           </a:p>
@@ -2696,7 +2698,7 @@
           <a:p>
             <a:fld id="{749F0CB5-BAA6-4AB1-867C-C29921453313}" type="datetimeFigureOut">
               <a:rPr lang="fa-IR" smtClean="0"/>
-              <a:t>10/08/1445</a:t>
+              <a:t>11/08/1445</a:t>
             </a:fld>
             <a:endParaRPr lang="fa-IR"/>
           </a:p>
@@ -2939,7 +2941,7 @@
           <a:p>
             <a:fld id="{749F0CB5-BAA6-4AB1-867C-C29921453313}" type="datetimeFigureOut">
               <a:rPr lang="fa-IR" smtClean="0"/>
-              <a:t>10/08/1445</a:t>
+              <a:t>11/08/1445</a:t>
             </a:fld>
             <a:endParaRPr lang="fa-IR"/>
           </a:p>
@@ -3583,6 +3585,166 @@
           <p:cNvPr id="2" name="Title 1">
             <a:extLst>
               <a:ext uri="{FF2B5EF4-FFF2-40B4-BE49-F238E27FC236}">
+                <a16:creationId xmlns:a16="http://schemas.microsoft.com/office/drawing/2014/main" id="{49692620-32EF-ED06-86F4-F45D4D2DEC61}"/>
+              </a:ext>
+            </a:extLst>
+          </p:cNvPr>
+          <p:cNvSpPr>
+            <a:spLocks noGrp="1"/>
+          </p:cNvSpPr>
+          <p:nvPr>
+            <p:ph type="title"/>
+          </p:nvPr>
+        </p:nvSpPr>
+        <p:spPr/>
+        <p:txBody>
+          <a:bodyPr/>
+          <a:lstStyle/>
+          <a:p>
+            <a:endParaRPr lang="fa-IR"/>
+          </a:p>
+        </p:txBody>
+      </p:sp>
+      <p:sp>
+        <p:nvSpPr>
+          <p:cNvPr id="3" name="Content Placeholder 2">
+            <a:extLst>
+              <a:ext uri="{FF2B5EF4-FFF2-40B4-BE49-F238E27FC236}">
+                <a16:creationId xmlns:a16="http://schemas.microsoft.com/office/drawing/2014/main" id="{64609014-3E9C-3A54-C1CE-4FC924A4FF30}"/>
+              </a:ext>
+            </a:extLst>
+          </p:cNvPr>
+          <p:cNvSpPr>
+            <a:spLocks noGrp="1"/>
+          </p:cNvSpPr>
+          <p:nvPr>
+            <p:ph idx="1"/>
+          </p:nvPr>
+        </p:nvSpPr>
+        <p:spPr/>
+        <p:txBody>
+          <a:bodyPr/>
+          <a:lstStyle/>
+          <a:p>
+            <a:endParaRPr lang="fa-IR"/>
+          </a:p>
+        </p:txBody>
+      </p:sp>
+    </p:spTree>
+    <p:extLst>
+      <p:ext uri="{BB962C8B-B14F-4D97-AF65-F5344CB8AC3E}">
+        <p14:creationId xmlns:p14="http://schemas.microsoft.com/office/powerpoint/2010/main" val="4022629440"/>
+      </p:ext>
+    </p:extLst>
+  </p:cSld>
+  <p:clrMapOvr>
+    <a:masterClrMapping/>
+  </p:clrMapOvr>
+</p:sld>
+</file>
+
+<file path=ppt/slides/slide11.xml><?xml version="1.0" encoding="utf-8"?>
+<p:sld xmlns:a="http://schemas.openxmlformats.org/drawingml/2006/main" xmlns:r="http://schemas.openxmlformats.org/officeDocument/2006/relationships" xmlns:p="http://schemas.openxmlformats.org/presentationml/2006/main">
+  <p:cSld>
+    <p:spTree>
+      <p:nvGrpSpPr>
+        <p:cNvPr id="1" name=""/>
+        <p:cNvGrpSpPr/>
+        <p:nvPr/>
+      </p:nvGrpSpPr>
+      <p:grpSpPr>
+        <a:xfrm>
+          <a:off x="0" y="0"/>
+          <a:ext cx="0" cy="0"/>
+          <a:chOff x="0" y="0"/>
+          <a:chExt cx="0" cy="0"/>
+        </a:xfrm>
+      </p:grpSpPr>
+      <p:sp>
+        <p:nvSpPr>
+          <p:cNvPr id="2" name="Title 1">
+            <a:extLst>
+              <a:ext uri="{FF2B5EF4-FFF2-40B4-BE49-F238E27FC236}">
+                <a16:creationId xmlns:a16="http://schemas.microsoft.com/office/drawing/2014/main" id="{43199FBF-A5B5-58B6-5DBF-490086264C30}"/>
+              </a:ext>
+            </a:extLst>
+          </p:cNvPr>
+          <p:cNvSpPr>
+            <a:spLocks noGrp="1"/>
+          </p:cNvSpPr>
+          <p:nvPr>
+            <p:ph type="title"/>
+          </p:nvPr>
+        </p:nvSpPr>
+        <p:spPr/>
+        <p:txBody>
+          <a:bodyPr/>
+          <a:lstStyle/>
+          <a:p>
+            <a:endParaRPr lang="fa-IR"/>
+          </a:p>
+        </p:txBody>
+      </p:sp>
+      <p:sp>
+        <p:nvSpPr>
+          <p:cNvPr id="3" name="Content Placeholder 2">
+            <a:extLst>
+              <a:ext uri="{FF2B5EF4-FFF2-40B4-BE49-F238E27FC236}">
+                <a16:creationId xmlns:a16="http://schemas.microsoft.com/office/drawing/2014/main" id="{B2F063A0-3C26-B4A0-17C9-9E6666A0B941}"/>
+              </a:ext>
+            </a:extLst>
+          </p:cNvPr>
+          <p:cNvSpPr>
+            <a:spLocks noGrp="1"/>
+          </p:cNvSpPr>
+          <p:nvPr>
+            <p:ph idx="1"/>
+          </p:nvPr>
+        </p:nvSpPr>
+        <p:spPr/>
+        <p:txBody>
+          <a:bodyPr/>
+          <a:lstStyle/>
+          <a:p>
+            <a:endParaRPr lang="fa-IR"/>
+          </a:p>
+        </p:txBody>
+      </p:sp>
+    </p:spTree>
+    <p:extLst>
+      <p:ext uri="{BB962C8B-B14F-4D97-AF65-F5344CB8AC3E}">
+        <p14:creationId xmlns:p14="http://schemas.microsoft.com/office/powerpoint/2010/main" val="2144957078"/>
+      </p:ext>
+    </p:extLst>
+  </p:cSld>
+  <p:clrMapOvr>
+    <a:masterClrMapping/>
+  </p:clrMapOvr>
+</p:sld>
+</file>
+
+<file path=ppt/slides/slide12.xml><?xml version="1.0" encoding="utf-8"?>
+<p:sld xmlns:a="http://schemas.openxmlformats.org/drawingml/2006/main" xmlns:r="http://schemas.openxmlformats.org/officeDocument/2006/relationships" xmlns:p="http://schemas.openxmlformats.org/presentationml/2006/main">
+  <p:cSld>
+    <p:spTree>
+      <p:nvGrpSpPr>
+        <p:cNvPr id="1" name=""/>
+        <p:cNvGrpSpPr/>
+        <p:nvPr/>
+      </p:nvGrpSpPr>
+      <p:grpSpPr>
+        <a:xfrm>
+          <a:off x="0" y="0"/>
+          <a:ext cx="0" cy="0"/>
+          <a:chOff x="0" y="0"/>
+          <a:chExt cx="0" cy="0"/>
+        </a:xfrm>
+      </p:grpSpPr>
+      <p:sp>
+        <p:nvSpPr>
+          <p:cNvPr id="2" name="Title 1">
+            <a:extLst>
+              <a:ext uri="{FF2B5EF4-FFF2-40B4-BE49-F238E27FC236}">
                 <a16:creationId xmlns:a16="http://schemas.microsoft.com/office/drawing/2014/main" id="{FD653F25-7463-D548-EE2C-C95508242A65}"/>
               </a:ext>
             </a:extLst>
@@ -3676,8 +3838,8 @@
         </p:nvSpPr>
         <p:spPr>
           <a:xfrm>
-            <a:off x="838200" y="18535"/>
-            <a:ext cx="10515600" cy="1325563"/>
+            <a:off x="416859" y="274872"/>
+            <a:ext cx="11300012" cy="940687"/>
           </a:xfrm>
         </p:spPr>
         <p:txBody>
@@ -3710,8 +3872,8 @@
         </p:nvSpPr>
         <p:spPr>
           <a:xfrm>
-            <a:off x="838200" y="1215558"/>
-            <a:ext cx="10515600" cy="5436253"/>
+            <a:off x="838200" y="1215559"/>
+            <a:ext cx="10515600" cy="5239030"/>
           </a:xfrm>
         </p:spPr>
         <p:txBody>
@@ -3965,8 +4127,72 @@
               <a:rPr lang="fa-IR" sz="2000" dirty="0">
                 <a:cs typeface="B Nazanin" panose="00000400000000000000" pitchFamily="2" charset="-78"/>
               </a:rPr>
-              <a:t>)</a:t>
-            </a:r>
+              <a:t>) ، تحلیل داده ، نگارش گزارش ، سیستم </a:t>
+            </a:r>
+            <a:r>
+              <a:rPr lang="en-US" sz="2000" dirty="0">
+                <a:cs typeface="B Nazanin" panose="00000400000000000000" pitchFamily="2" charset="-78"/>
+              </a:rPr>
+              <a:t>FAQ</a:t>
+            </a:r>
+            <a:r>
+              <a:rPr lang="fa-IR" sz="2000" dirty="0">
+                <a:cs typeface="B Nazanin" panose="00000400000000000000" pitchFamily="2" charset="-78"/>
+              </a:rPr>
+              <a:t> ، </a:t>
+            </a:r>
+            <a:r>
+              <a:rPr lang="en-US" sz="1400" b="1" i="0" dirty="0">
+                <a:solidFill>
+                  <a:srgbClr val="050A12"/>
+                </a:solidFill>
+                <a:effectLst/>
+                <a:latin typeface="Poppins" panose="00000500000000000000" pitchFamily="2" charset="0"/>
+              </a:rPr>
+              <a:t>Open-Domain QA</a:t>
+            </a:r>
+            <a:r>
+              <a:rPr lang="fa-IR" sz="1400" b="1" i="0" dirty="0">
+                <a:solidFill>
+                  <a:srgbClr val="050A12"/>
+                </a:solidFill>
+                <a:effectLst/>
+                <a:latin typeface="Poppins" panose="00000500000000000000" pitchFamily="2" charset="0"/>
+              </a:rPr>
+              <a:t> (کنار هم گذاشتن اطلاعات از منابع </a:t>
+            </a:r>
+            <a:r>
+              <a:rPr lang="fa-IR" sz="1400" b="1" i="0" dirty="0" err="1">
+                <a:solidFill>
+                  <a:srgbClr val="050A12"/>
+                </a:solidFill>
+                <a:effectLst/>
+                <a:latin typeface="Poppins" panose="00000500000000000000" pitchFamily="2" charset="0"/>
+              </a:rPr>
+              <a:t>مختف</a:t>
+            </a:r>
+            <a:r>
+              <a:rPr lang="fa-IR" sz="1400" b="1" i="0" dirty="0">
+                <a:solidFill>
+                  <a:srgbClr val="050A12"/>
+                </a:solidFill>
+                <a:effectLst/>
+                <a:latin typeface="Poppins" panose="00000500000000000000" pitchFamily="2" charset="0"/>
+              </a:rPr>
+              <a:t> و ارائه تحلیل) </a:t>
+            </a:r>
+            <a:r>
+              <a:rPr lang="fa-IR" sz="1400" b="1" dirty="0">
+                <a:solidFill>
+                  <a:srgbClr val="050A12"/>
+                </a:solidFill>
+                <a:latin typeface="Poppins" panose="00000500000000000000" pitchFamily="2" charset="0"/>
+              </a:rPr>
+              <a:t>، گزارش خبری (گزارش بر پایه اطلاعات از منابع مختلف) ، دستیار تحلیلی و تحقیقاتی</a:t>
+            </a:r>
+            <a:endParaRPr lang="fa-IR" sz="2000" dirty="0">
+              <a:cs typeface="B Nazanin" panose="00000400000000000000" pitchFamily="2" charset="-78"/>
+            </a:endParaRPr>
           </a:p>
           <a:p>
             <a:pPr algn="r" rtl="1"/>
@@ -4025,7 +4251,7 @@
               <a:rPr lang="fa-IR" sz="2000" dirty="0">
                 <a:cs typeface="B Nazanin" panose="00000400000000000000" pitchFamily="2" charset="-78"/>
               </a:rPr>
-              <a:t> و شرایط استفاده از هر کدام</a:t>
+              <a:t> و شرایط استفاده از هر کدام (مثلا کنترل میزان دسترسی کاربران)</a:t>
             </a:r>
           </a:p>
           <a:p>
@@ -4161,7 +4387,7 @@
           <p:cNvPr id="2" name="Title 1">
             <a:extLst>
               <a:ext uri="{FF2B5EF4-FFF2-40B4-BE49-F238E27FC236}">
-                <a16:creationId xmlns:a16="http://schemas.microsoft.com/office/drawing/2014/main" id="{FFD97552-E2A9-701A-91DB-CE3F94F03725}"/>
+                <a16:creationId xmlns:a16="http://schemas.microsoft.com/office/drawing/2014/main" id="{27695DC2-4FC5-DBCA-97F0-E1A25B00D62C}"/>
               </a:ext>
             </a:extLst>
           </p:cNvPr>
@@ -4172,44 +4398,173 @@
             <p:ph type="title"/>
           </p:nvPr>
         </p:nvSpPr>
-        <p:spPr/>
-        <p:txBody>
-          <a:bodyPr/>
+        <p:spPr>
+          <a:xfrm>
+            <a:off x="838199" y="1448733"/>
+            <a:ext cx="10515600" cy="1701800"/>
+          </a:xfrm>
+        </p:spPr>
+        <p:txBody>
+          <a:bodyPr>
+            <a:noAutofit/>
+          </a:bodyPr>
           <a:lstStyle/>
           <a:p>
-            <a:endParaRPr lang="fa-IR"/>
-          </a:p>
-        </p:txBody>
-      </p:sp>
-      <p:sp>
-        <p:nvSpPr>
-          <p:cNvPr id="3" name="Content Placeholder 2">
-            <a:extLst>
-              <a:ext uri="{FF2B5EF4-FFF2-40B4-BE49-F238E27FC236}">
-                <a16:creationId xmlns:a16="http://schemas.microsoft.com/office/drawing/2014/main" id="{ECB6581D-A476-6160-3058-B12CE4146C32}"/>
-              </a:ext>
-            </a:extLst>
-          </p:cNvPr>
-          <p:cNvSpPr>
-            <a:spLocks noGrp="1"/>
-          </p:cNvSpPr>
-          <p:nvPr>
-            <p:ph idx="1"/>
-          </p:nvPr>
-        </p:nvSpPr>
-        <p:spPr/>
-        <p:txBody>
-          <a:bodyPr/>
+            <a:r>
+              <a:rPr lang="en-US" sz="5400" dirty="0">
+                <a:latin typeface="Arial Black" panose="020B0A04020102020204" pitchFamily="34" charset="0"/>
+              </a:rPr>
+              <a:t>RAG </a:t>
+            </a:r>
+            <a:br>
+              <a:rPr lang="en-US" sz="5400" dirty="0">
+                <a:latin typeface="Arial Black" panose="020B0A04020102020204" pitchFamily="34" charset="0"/>
+              </a:rPr>
+            </a:br>
+            <a:r>
+              <a:rPr lang="en-US" sz="5400" b="0" i="0" dirty="0">
+                <a:solidFill>
+                  <a:srgbClr val="4B4F58"/>
+                </a:solidFill>
+                <a:effectLst/>
+                <a:latin typeface="lists-font"/>
+              </a:rPr>
+              <a:t>Retrieval-Augmented Generation</a:t>
+            </a:r>
+            <a:br>
+              <a:rPr lang="fa-IR" sz="5400" dirty="0"/>
+            </a:br>
+            <a:endParaRPr lang="fa-IR" sz="5400" dirty="0">
+              <a:latin typeface="Arial Black" panose="020B0A04020102020204" pitchFamily="34" charset="0"/>
+            </a:endParaRPr>
+          </a:p>
+        </p:txBody>
+      </p:sp>
+      <p:sp>
+        <p:nvSpPr>
+          <p:cNvPr id="4" name="Title 1">
+            <a:extLst>
+              <a:ext uri="{FF2B5EF4-FFF2-40B4-BE49-F238E27FC236}">
+                <a16:creationId xmlns:a16="http://schemas.microsoft.com/office/drawing/2014/main" id="{A1CE3807-789B-EE42-3807-0BB2285F5845}"/>
+              </a:ext>
+            </a:extLst>
+          </p:cNvPr>
+          <p:cNvSpPr txBox="1">
+            <a:spLocks/>
+          </p:cNvSpPr>
+          <p:nvPr/>
+        </p:nvSpPr>
+        <p:spPr>
+          <a:xfrm>
+            <a:off x="3164540" y="4052802"/>
+            <a:ext cx="8525434" cy="617632"/>
+          </a:xfrm>
+          <a:prstGeom prst="rect">
+            <a:avLst/>
+          </a:prstGeom>
+        </p:spPr>
+        <p:txBody>
+          <a:bodyPr vert="horz" lIns="91440" tIns="45720" rIns="91440" bIns="45720" rtlCol="0" anchor="b">
+            <a:normAutofit fontScale="55000" lnSpcReduction="20000"/>
+          </a:bodyPr>
+          <a:lstStyle>
+            <a:lvl1pPr algn="ctr" defTabSz="914400" rtl="0" eaLnBrk="1" latinLnBrk="0" hangingPunct="1">
+              <a:lnSpc>
+                <a:spcPct val="90000"/>
+              </a:lnSpc>
+              <a:spcBef>
+                <a:spcPct val="0"/>
+              </a:spcBef>
+              <a:buNone/>
+              <a:defRPr sz="6000" kern="1200">
+                <a:solidFill>
+                  <a:schemeClr val="tx1"/>
+                </a:solidFill>
+                <a:latin typeface="+mj-lt"/>
+                <a:ea typeface="+mj-ea"/>
+                <a:cs typeface="+mj-cs"/>
+              </a:defRPr>
+            </a:lvl1pPr>
+          </a:lstStyle>
+          <a:p>
+            <a:pPr rtl="1"/>
+            <a:r>
+              <a:rPr lang="fa-IR" b="1" dirty="0">
+                <a:cs typeface="B Nazanin" panose="00000400000000000000" pitchFamily="2" charset="-78"/>
+              </a:rPr>
+              <a:t>تقویت مدل زبانی بزرگ (</a:t>
+            </a:r>
+            <a:r>
+              <a:rPr lang="en-US" b="1" dirty="0">
+                <a:latin typeface="+mn-lt"/>
+              </a:rPr>
+              <a:t>LLM</a:t>
+            </a:r>
+            <a:r>
+              <a:rPr lang="fa-IR" b="1" dirty="0">
+                <a:cs typeface="B Nazanin" panose="00000400000000000000" pitchFamily="2" charset="-78"/>
+              </a:rPr>
+              <a:t>) با دانش و اطلاعات افزوده</a:t>
+            </a:r>
+          </a:p>
+        </p:txBody>
+      </p:sp>
+      <p:sp>
+        <p:nvSpPr>
+          <p:cNvPr id="5" name="TextBox 4">
+            <a:extLst>
+              <a:ext uri="{FF2B5EF4-FFF2-40B4-BE49-F238E27FC236}">
+                <a16:creationId xmlns:a16="http://schemas.microsoft.com/office/drawing/2014/main" id="{D6D785DD-B2D4-4E5A-BC6F-27AD1E999C63}"/>
+              </a:ext>
+            </a:extLst>
+          </p:cNvPr>
+          <p:cNvSpPr txBox="1"/>
+          <p:nvPr/>
+        </p:nvSpPr>
+        <p:spPr>
+          <a:xfrm>
+            <a:off x="5558117" y="207910"/>
+            <a:ext cx="1075765" cy="369332"/>
+          </a:xfrm>
+          <a:prstGeom prst="rect">
+            <a:avLst/>
+          </a:prstGeom>
+          <a:noFill/>
+        </p:spPr>
+        <p:txBody>
+          <a:bodyPr wrap="square" rtlCol="1">
+            <a:spAutoFit/>
+          </a:bodyPr>
           <a:lstStyle/>
           <a:p>
-            <a:endParaRPr lang="fa-IR"/>
+            <a:r>
+              <a:rPr lang="fa-IR" sz="1600" b="1" dirty="0" err="1">
+                <a:cs typeface="B Nazanin" panose="00000400000000000000" pitchFamily="2" charset="-78"/>
+              </a:rPr>
+              <a:t>بسمه</a:t>
+            </a:r>
+            <a:r>
+              <a:rPr lang="fa-IR" sz="1600" b="1" dirty="0">
+                <a:cs typeface="B Nazanin" panose="00000400000000000000" pitchFamily="2" charset="-78"/>
+              </a:rPr>
+              <a:t> </a:t>
+            </a:r>
+            <a:r>
+              <a:rPr lang="fa-IR" b="1" dirty="0">
+                <a:cs typeface="B Nazanin" panose="00000400000000000000" pitchFamily="2" charset="-78"/>
+              </a:rPr>
+              <a:t>تعالی</a:t>
+            </a:r>
+            <a:endParaRPr lang="fa-IR" sz="1600" b="1" dirty="0">
+              <a:cs typeface="B Nazanin" panose="00000400000000000000" pitchFamily="2" charset="-78"/>
+            </a:endParaRPr>
           </a:p>
         </p:txBody>
       </p:sp>
     </p:spTree>
     <p:extLst>
       <p:ext uri="{BB962C8B-B14F-4D97-AF65-F5344CB8AC3E}">
-        <p14:creationId xmlns:p14="http://schemas.microsoft.com/office/powerpoint/2010/main" val="3857308538"/>
+        <p14:creationId xmlns:p14="http://schemas.microsoft.com/office/powerpoint/2010/main" val="3788898413"/>
       </p:ext>
     </p:extLst>
   </p:cSld>
@@ -4241,7 +4596,7 @@
           <p:cNvPr id="2" name="Title 1">
             <a:extLst>
               <a:ext uri="{FF2B5EF4-FFF2-40B4-BE49-F238E27FC236}">
-                <a16:creationId xmlns:a16="http://schemas.microsoft.com/office/drawing/2014/main" id="{F059C65C-9AB1-3C1D-EBDE-657B9D948B7D}"/>
+                <a16:creationId xmlns:a16="http://schemas.microsoft.com/office/drawing/2014/main" id="{FFD97552-E2A9-701A-91DB-CE3F94F03725}"/>
               </a:ext>
             </a:extLst>
           </p:cNvPr>
@@ -4254,10 +4609,30 @@
         </p:nvSpPr>
         <p:spPr/>
         <p:txBody>
-          <a:bodyPr/>
+          <a:bodyPr>
+            <a:normAutofit/>
+          </a:bodyPr>
           <a:lstStyle/>
           <a:p>
-            <a:endParaRPr lang="fa-IR"/>
+            <a:pPr algn="r"/>
+            <a:r>
+              <a:rPr lang="fa-IR" sz="4000" b="1" dirty="0">
+                <a:cs typeface="B Nazanin" panose="00000400000000000000" pitchFamily="2" charset="-78"/>
+              </a:rPr>
+              <a:t>ضعف دانشی </a:t>
+            </a:r>
+            <a:r>
+              <a:rPr lang="fa-IR" sz="4000" b="1" dirty="0" err="1">
+                <a:cs typeface="B Nazanin" panose="00000400000000000000" pitchFamily="2" charset="-78"/>
+              </a:rPr>
+              <a:t>مدل‌های</a:t>
+            </a:r>
+            <a:r>
+              <a:rPr lang="fa-IR" sz="4000" b="1" dirty="0">
+                <a:cs typeface="B Nazanin" panose="00000400000000000000" pitchFamily="2" charset="-78"/>
+              </a:rPr>
+              <a:t> زبانی</a:t>
+            </a:r>
           </a:p>
         </p:txBody>
       </p:sp>
@@ -4266,7 +4641,7 @@
           <p:cNvPr id="3" name="Content Placeholder 2">
             <a:extLst>
               <a:ext uri="{FF2B5EF4-FFF2-40B4-BE49-F238E27FC236}">
-                <a16:creationId xmlns:a16="http://schemas.microsoft.com/office/drawing/2014/main" id="{25DB0DC6-9E86-838A-281B-D80913953163}"/>
+                <a16:creationId xmlns:a16="http://schemas.microsoft.com/office/drawing/2014/main" id="{ECB6581D-A476-6160-3058-B12CE4146C32}"/>
               </a:ext>
             </a:extLst>
           </p:cNvPr>
@@ -4277,19 +4652,368 @@
             <p:ph idx="1"/>
           </p:nvPr>
         </p:nvSpPr>
-        <p:spPr/>
-        <p:txBody>
-          <a:bodyPr/>
+        <p:spPr>
+          <a:xfrm>
+            <a:off x="838200" y="1882448"/>
+            <a:ext cx="10515600" cy="3093104"/>
+          </a:xfrm>
+        </p:spPr>
+        <p:txBody>
+          <a:bodyPr>
+            <a:normAutofit/>
+          </a:bodyPr>
           <a:lstStyle/>
           <a:p>
-            <a:endParaRPr lang="fa-IR"/>
+            <a:pPr algn="r" rtl="1"/>
+            <a:r>
+              <a:rPr lang="fa-IR" sz="2400" b="1" dirty="0">
+                <a:cs typeface="B Nazanin" panose="00000400000000000000" pitchFamily="2" charset="-78"/>
+              </a:rPr>
+              <a:t>نداشتن دانش و اطلاعات به روز (امکان ارائه اطلاعات منسوخ)</a:t>
+            </a:r>
+          </a:p>
+          <a:p>
+            <a:pPr algn="r" rtl="1"/>
+            <a:r>
+              <a:rPr lang="fa-IR" sz="2400" b="1" dirty="0">
+                <a:cs typeface="B Nazanin" panose="00000400000000000000" pitchFamily="2" charset="-78"/>
+              </a:rPr>
+              <a:t>توهم (</a:t>
+            </a:r>
+            <a:r>
+              <a:rPr lang="en-US" sz="2400" b="1" dirty="0" err="1">
+                <a:cs typeface="B Nazanin" panose="00000400000000000000" pitchFamily="2" charset="-78"/>
+              </a:rPr>
+              <a:t>Halluincation</a:t>
+            </a:r>
+            <a:r>
+              <a:rPr lang="fa-IR" sz="2400" b="1" dirty="0">
+                <a:cs typeface="B Nazanin" panose="00000400000000000000" pitchFamily="2" charset="-78"/>
+              </a:rPr>
+              <a:t>): امکان ارائه پاسخ نادرست با قاطعیت در بیان</a:t>
+            </a:r>
+          </a:p>
+          <a:p>
+            <a:pPr algn="r" rtl="1"/>
+            <a:r>
+              <a:rPr lang="fa-IR" sz="2400" b="1" dirty="0">
+                <a:cs typeface="B Nazanin" panose="00000400000000000000" pitchFamily="2" charset="-78"/>
+              </a:rPr>
+              <a:t>پیروی از </a:t>
+            </a:r>
+            <a:r>
+              <a:rPr lang="fa-IR" sz="2400" b="1" dirty="0" err="1">
+                <a:cs typeface="B Nazanin" panose="00000400000000000000" pitchFamily="2" charset="-78"/>
+              </a:rPr>
+              <a:t>جهت‌گیری</a:t>
+            </a:r>
+            <a:r>
+              <a:rPr lang="fa-IR" sz="2400" b="1" dirty="0">
+                <a:cs typeface="B Nazanin" panose="00000400000000000000" pitchFamily="2" charset="-78"/>
+              </a:rPr>
+              <a:t>‎ (</a:t>
+            </a:r>
+            <a:r>
+              <a:rPr lang="en-US" sz="2400" b="1" dirty="0">
+                <a:cs typeface="B Nazanin" panose="00000400000000000000" pitchFamily="2" charset="-78"/>
+              </a:rPr>
+              <a:t>Bias</a:t>
+            </a:r>
+            <a:r>
+              <a:rPr lang="fa-IR" sz="2400" b="1" dirty="0">
+                <a:cs typeface="B Nazanin" panose="00000400000000000000" pitchFamily="2" charset="-78"/>
+              </a:rPr>
+              <a:t>) و ادبیات </a:t>
+            </a:r>
+            <a:r>
+              <a:rPr lang="fa-IR" sz="2400" b="1" dirty="0" err="1">
+                <a:cs typeface="B Nazanin" panose="00000400000000000000" pitchFamily="2" charset="-78"/>
+              </a:rPr>
+              <a:t>داده‌های</a:t>
+            </a:r>
+            <a:r>
+              <a:rPr lang="fa-IR" sz="2400" b="1" dirty="0">
+                <a:cs typeface="B Nazanin" panose="00000400000000000000" pitchFamily="2" charset="-78"/>
+              </a:rPr>
+              <a:t> آموزش</a:t>
+            </a:r>
+          </a:p>
+          <a:p>
+            <a:pPr algn="r" rtl="1"/>
+            <a:r>
+              <a:rPr lang="fa-IR" sz="2400" b="1" dirty="0">
+                <a:cs typeface="B Nazanin" panose="00000400000000000000" pitchFamily="2" charset="-78"/>
+              </a:rPr>
+              <a:t>سردرگمی اصطلاحات: امکان </a:t>
+            </a:r>
+            <a:r>
+              <a:rPr lang="fa-IR" sz="2400" b="1" dirty="0" err="1">
+                <a:cs typeface="B Nazanin" panose="00000400000000000000" pitchFamily="2" charset="-78"/>
+              </a:rPr>
+              <a:t>ناهمگونی</a:t>
+            </a:r>
+            <a:r>
+              <a:rPr lang="fa-IR" sz="2400" b="1" dirty="0">
+                <a:cs typeface="B Nazanin" panose="00000400000000000000" pitchFamily="2" charset="-78"/>
+              </a:rPr>
+              <a:t> کلمات و اصطلاحات </a:t>
+            </a:r>
+            <a:r>
+              <a:rPr lang="fa-IR" sz="2400" b="1" dirty="0" err="1">
+                <a:cs typeface="B Nazanin" panose="00000400000000000000" pitchFamily="2" charset="-78"/>
+              </a:rPr>
+              <a:t>مدل‌زبانی</a:t>
+            </a:r>
+            <a:r>
+              <a:rPr lang="fa-IR" sz="2400" b="1" dirty="0">
+                <a:cs typeface="B Nazanin" panose="00000400000000000000" pitchFamily="2" charset="-78"/>
+              </a:rPr>
+              <a:t> و کاربر</a:t>
+            </a:r>
+          </a:p>
+          <a:p>
+            <a:pPr algn="r" rtl="1"/>
+            <a:r>
+              <a:rPr lang="fa-IR" sz="2400" b="1" dirty="0">
+                <a:cs typeface="B Nazanin" panose="00000400000000000000" pitchFamily="2" charset="-78"/>
+              </a:rPr>
+              <a:t>پرهزینه بودن یادگیری اطلاعات و دانش جدید (مثل اطلاعات سازمانی)</a:t>
+            </a:r>
+          </a:p>
+          <a:p>
+            <a:pPr algn="r" rtl="1"/>
+            <a:endParaRPr lang="fa-IR" sz="2400" b="1" dirty="0">
+              <a:cs typeface="B Nazanin" panose="00000400000000000000" pitchFamily="2" charset="-78"/>
+            </a:endParaRPr>
+          </a:p>
+          <a:p>
+            <a:pPr algn="r" rtl="1"/>
+            <a:endParaRPr lang="fa-IR" sz="2400" b="1" dirty="0">
+              <a:cs typeface="B Nazanin" panose="00000400000000000000" pitchFamily="2" charset="-78"/>
+            </a:endParaRPr>
+          </a:p>
+        </p:txBody>
+      </p:sp>
+      <p:sp>
+        <p:nvSpPr>
+          <p:cNvPr id="4" name="Content Placeholder 2">
+            <a:extLst>
+              <a:ext uri="{FF2B5EF4-FFF2-40B4-BE49-F238E27FC236}">
+                <a16:creationId xmlns:a16="http://schemas.microsoft.com/office/drawing/2014/main" id="{ACD1F31F-B8E5-F8C4-73E4-478608A1A773}"/>
+              </a:ext>
+            </a:extLst>
+          </p:cNvPr>
+          <p:cNvSpPr txBox="1">
+            <a:spLocks/>
+          </p:cNvSpPr>
+          <p:nvPr/>
+        </p:nvSpPr>
+        <p:spPr>
+          <a:xfrm>
+            <a:off x="1196787" y="5287962"/>
+            <a:ext cx="10515600" cy="667030"/>
+          </a:xfrm>
+          <a:prstGeom prst="rect">
+            <a:avLst/>
+          </a:prstGeom>
+        </p:spPr>
+        <p:txBody>
+          <a:bodyPr vert="horz" lIns="91440" tIns="45720" rIns="91440" bIns="45720" rtlCol="0">
+            <a:normAutofit/>
+          </a:bodyPr>
+          <a:lstStyle>
+            <a:lvl1pPr marL="228600" indent="-228600" algn="l" defTabSz="914400" rtl="0" eaLnBrk="1" latinLnBrk="0" hangingPunct="1">
+              <a:lnSpc>
+                <a:spcPct val="90000"/>
+              </a:lnSpc>
+              <a:spcBef>
+                <a:spcPts val="1000"/>
+              </a:spcBef>
+              <a:buFont typeface="Arial" panose="020B0604020202020204" pitchFamily="34" charset="0"/>
+              <a:buChar char="•"/>
+              <a:defRPr sz="2800" kern="1200">
+                <a:solidFill>
+                  <a:schemeClr val="tx1"/>
+                </a:solidFill>
+                <a:latin typeface="+mn-lt"/>
+                <a:ea typeface="+mn-ea"/>
+                <a:cs typeface="+mn-cs"/>
+              </a:defRPr>
+            </a:lvl1pPr>
+            <a:lvl2pPr marL="685800" indent="-228600" algn="l" defTabSz="914400" rtl="0" eaLnBrk="1" latinLnBrk="0" hangingPunct="1">
+              <a:lnSpc>
+                <a:spcPct val="90000"/>
+              </a:lnSpc>
+              <a:spcBef>
+                <a:spcPts val="500"/>
+              </a:spcBef>
+              <a:buFont typeface="Arial" panose="020B0604020202020204" pitchFamily="34" charset="0"/>
+              <a:buChar char="•"/>
+              <a:defRPr sz="2400" kern="1200">
+                <a:solidFill>
+                  <a:schemeClr val="tx1"/>
+                </a:solidFill>
+                <a:latin typeface="+mn-lt"/>
+                <a:ea typeface="+mn-ea"/>
+                <a:cs typeface="+mn-cs"/>
+              </a:defRPr>
+            </a:lvl2pPr>
+            <a:lvl3pPr marL="1143000" indent="-228600" algn="l" defTabSz="914400" rtl="0" eaLnBrk="1" latinLnBrk="0" hangingPunct="1">
+              <a:lnSpc>
+                <a:spcPct val="90000"/>
+              </a:lnSpc>
+              <a:spcBef>
+                <a:spcPts val="500"/>
+              </a:spcBef>
+              <a:buFont typeface="Arial" panose="020B0604020202020204" pitchFamily="34" charset="0"/>
+              <a:buChar char="•"/>
+              <a:defRPr sz="2000" kern="1200">
+                <a:solidFill>
+                  <a:schemeClr val="tx1"/>
+                </a:solidFill>
+                <a:latin typeface="+mn-lt"/>
+                <a:ea typeface="+mn-ea"/>
+                <a:cs typeface="+mn-cs"/>
+              </a:defRPr>
+            </a:lvl3pPr>
+            <a:lvl4pPr marL="1600200" indent="-228600" algn="l" defTabSz="914400" rtl="0" eaLnBrk="1" latinLnBrk="0" hangingPunct="1">
+              <a:lnSpc>
+                <a:spcPct val="90000"/>
+              </a:lnSpc>
+              <a:spcBef>
+                <a:spcPts val="500"/>
+              </a:spcBef>
+              <a:buFont typeface="Arial" panose="020B0604020202020204" pitchFamily="34" charset="0"/>
+              <a:buChar char="•"/>
+              <a:defRPr sz="1800" kern="1200">
+                <a:solidFill>
+                  <a:schemeClr val="tx1"/>
+                </a:solidFill>
+                <a:latin typeface="+mn-lt"/>
+                <a:ea typeface="+mn-ea"/>
+                <a:cs typeface="+mn-cs"/>
+              </a:defRPr>
+            </a:lvl4pPr>
+            <a:lvl5pPr marL="2057400" indent="-228600" algn="l" defTabSz="914400" rtl="0" eaLnBrk="1" latinLnBrk="0" hangingPunct="1">
+              <a:lnSpc>
+                <a:spcPct val="90000"/>
+              </a:lnSpc>
+              <a:spcBef>
+                <a:spcPts val="500"/>
+              </a:spcBef>
+              <a:buFont typeface="Arial" panose="020B0604020202020204" pitchFamily="34" charset="0"/>
+              <a:buChar char="•"/>
+              <a:defRPr sz="1800" kern="1200">
+                <a:solidFill>
+                  <a:schemeClr val="tx1"/>
+                </a:solidFill>
+                <a:latin typeface="+mn-lt"/>
+                <a:ea typeface="+mn-ea"/>
+                <a:cs typeface="+mn-cs"/>
+              </a:defRPr>
+            </a:lvl5pPr>
+            <a:lvl6pPr marL="2514600" indent="-228600" algn="l" defTabSz="914400" rtl="0" eaLnBrk="1" latinLnBrk="0" hangingPunct="1">
+              <a:lnSpc>
+                <a:spcPct val="90000"/>
+              </a:lnSpc>
+              <a:spcBef>
+                <a:spcPts val="500"/>
+              </a:spcBef>
+              <a:buFont typeface="Arial" panose="020B0604020202020204" pitchFamily="34" charset="0"/>
+              <a:buChar char="•"/>
+              <a:defRPr sz="1800" kern="1200">
+                <a:solidFill>
+                  <a:schemeClr val="tx1"/>
+                </a:solidFill>
+                <a:latin typeface="+mn-lt"/>
+                <a:ea typeface="+mn-ea"/>
+                <a:cs typeface="+mn-cs"/>
+              </a:defRPr>
+            </a:lvl6pPr>
+            <a:lvl7pPr marL="2971800" indent="-228600" algn="l" defTabSz="914400" rtl="0" eaLnBrk="1" latinLnBrk="0" hangingPunct="1">
+              <a:lnSpc>
+                <a:spcPct val="90000"/>
+              </a:lnSpc>
+              <a:spcBef>
+                <a:spcPts val="500"/>
+              </a:spcBef>
+              <a:buFont typeface="Arial" panose="020B0604020202020204" pitchFamily="34" charset="0"/>
+              <a:buChar char="•"/>
+              <a:defRPr sz="1800" kern="1200">
+                <a:solidFill>
+                  <a:schemeClr val="tx1"/>
+                </a:solidFill>
+                <a:latin typeface="+mn-lt"/>
+                <a:ea typeface="+mn-ea"/>
+                <a:cs typeface="+mn-cs"/>
+              </a:defRPr>
+            </a:lvl7pPr>
+            <a:lvl8pPr marL="3429000" indent="-228600" algn="l" defTabSz="914400" rtl="0" eaLnBrk="1" latinLnBrk="0" hangingPunct="1">
+              <a:lnSpc>
+                <a:spcPct val="90000"/>
+              </a:lnSpc>
+              <a:spcBef>
+                <a:spcPts val="500"/>
+              </a:spcBef>
+              <a:buFont typeface="Arial" panose="020B0604020202020204" pitchFamily="34" charset="0"/>
+              <a:buChar char="•"/>
+              <a:defRPr sz="1800" kern="1200">
+                <a:solidFill>
+                  <a:schemeClr val="tx1"/>
+                </a:solidFill>
+                <a:latin typeface="+mn-lt"/>
+                <a:ea typeface="+mn-ea"/>
+                <a:cs typeface="+mn-cs"/>
+              </a:defRPr>
+            </a:lvl8pPr>
+            <a:lvl9pPr marL="3886200" indent="-228600" algn="l" defTabSz="914400" rtl="0" eaLnBrk="1" latinLnBrk="0" hangingPunct="1">
+              <a:lnSpc>
+                <a:spcPct val="90000"/>
+              </a:lnSpc>
+              <a:spcBef>
+                <a:spcPts val="500"/>
+              </a:spcBef>
+              <a:buFont typeface="Arial" panose="020B0604020202020204" pitchFamily="34" charset="0"/>
+              <a:buChar char="•"/>
+              <a:defRPr sz="1800" kern="1200">
+                <a:solidFill>
+                  <a:schemeClr val="tx1"/>
+                </a:solidFill>
+                <a:latin typeface="+mn-lt"/>
+                <a:ea typeface="+mn-ea"/>
+                <a:cs typeface="+mn-cs"/>
+              </a:defRPr>
+            </a:lvl9pPr>
+          </a:lstStyle>
+          <a:p>
+            <a:pPr marL="0" indent="0" algn="r" rtl="1">
+              <a:buNone/>
+            </a:pPr>
+            <a:r>
+              <a:rPr lang="fa-IR" sz="2400" b="1" dirty="0">
+                <a:cs typeface="B Nazanin" panose="00000400000000000000" pitchFamily="2" charset="-78"/>
+              </a:rPr>
+              <a:t>دانش یک مدل‌ زبانی محدود به </a:t>
+            </a:r>
+            <a:r>
+              <a:rPr lang="fa-IR" sz="2400" b="1" dirty="0" err="1">
+                <a:cs typeface="B Nazanin" panose="00000400000000000000" pitchFamily="2" charset="-78"/>
+              </a:rPr>
+              <a:t>داده‌هایی</a:t>
+            </a:r>
+            <a:r>
+              <a:rPr lang="fa-IR" sz="2400" b="1" dirty="0">
+                <a:cs typeface="B Nazanin" panose="00000400000000000000" pitchFamily="2" charset="-78"/>
+              </a:rPr>
+              <a:t> است که روی آن آموزش دیده است. </a:t>
+            </a:r>
           </a:p>
         </p:txBody>
       </p:sp>
     </p:spTree>
     <p:extLst>
       <p:ext uri="{BB962C8B-B14F-4D97-AF65-F5344CB8AC3E}">
-        <p14:creationId xmlns:p14="http://schemas.microsoft.com/office/powerpoint/2010/main" val="3181932350"/>
+        <p14:creationId xmlns:p14="http://schemas.microsoft.com/office/powerpoint/2010/main" val="3857308538"/>
       </p:ext>
     </p:extLst>
   </p:cSld>
@@ -4321,7 +5045,7 @@
           <p:cNvPr id="2" name="Title 1">
             <a:extLst>
               <a:ext uri="{FF2B5EF4-FFF2-40B4-BE49-F238E27FC236}">
-                <a16:creationId xmlns:a16="http://schemas.microsoft.com/office/drawing/2014/main" id="{BEB20751-D6F9-8204-5F56-650410C2500D}"/>
+                <a16:creationId xmlns:a16="http://schemas.microsoft.com/office/drawing/2014/main" id="{F059C65C-9AB1-3C1D-EBDE-657B9D948B7D}"/>
               </a:ext>
             </a:extLst>
           </p:cNvPr>
@@ -4333,43 +5057,1139 @@
           </p:nvPr>
         </p:nvSpPr>
         <p:spPr/>
+        <p:txBody>
+          <a:bodyPr>
+            <a:normAutofit/>
+          </a:bodyPr>
+          <a:lstStyle/>
+          <a:p>
+            <a:pPr algn="r" rtl="1"/>
+            <a:r>
+              <a:rPr lang="fa-IR" sz="3200" b="1" dirty="0" err="1">
+                <a:cs typeface="B Nazanin" panose="00000400000000000000" pitchFamily="2" charset="-78"/>
+              </a:rPr>
+              <a:t>راه‌های</a:t>
+            </a:r>
+            <a:r>
+              <a:rPr lang="fa-IR" sz="3200" b="1" dirty="0">
+                <a:cs typeface="B Nazanin" panose="00000400000000000000" pitchFamily="2" charset="-78"/>
+              </a:rPr>
+              <a:t> افزودن دانش و اطلاعات جدید به </a:t>
+            </a:r>
+            <a:r>
+              <a:rPr lang="fa-IR" sz="3200" b="1" dirty="0" err="1">
+                <a:cs typeface="B Nazanin" panose="00000400000000000000" pitchFamily="2" charset="-78"/>
+              </a:rPr>
+              <a:t>مدل‌های</a:t>
+            </a:r>
+            <a:r>
+              <a:rPr lang="fa-IR" sz="3200" b="1" dirty="0">
+                <a:cs typeface="B Nazanin" panose="00000400000000000000" pitchFamily="2" charset="-78"/>
+              </a:rPr>
+              <a:t> زبانی</a:t>
+            </a:r>
+          </a:p>
+        </p:txBody>
+      </p:sp>
+      <p:sp>
+        <p:nvSpPr>
+          <p:cNvPr id="3" name="Content Placeholder 2">
+            <a:extLst>
+              <a:ext uri="{FF2B5EF4-FFF2-40B4-BE49-F238E27FC236}">
+                <a16:creationId xmlns:a16="http://schemas.microsoft.com/office/drawing/2014/main" id="{25DB0DC6-9E86-838A-281B-D80913953163}"/>
+              </a:ext>
+            </a:extLst>
+          </p:cNvPr>
+          <p:cNvSpPr>
+            <a:spLocks noGrp="1"/>
+          </p:cNvSpPr>
+          <p:nvPr>
+            <p:ph idx="1"/>
+          </p:nvPr>
+        </p:nvSpPr>
+        <p:spPr>
+          <a:xfrm>
+            <a:off x="838200" y="1825625"/>
+            <a:ext cx="10515600" cy="567951"/>
+          </a:xfrm>
+        </p:spPr>
         <p:txBody>
           <a:bodyPr/>
           <a:lstStyle/>
           <a:p>
-            <a:endParaRPr lang="fa-IR"/>
-          </a:p>
-        </p:txBody>
-      </p:sp>
-      <p:sp>
-        <p:nvSpPr>
-          <p:cNvPr id="3" name="Content Placeholder 2">
-            <a:extLst>
-              <a:ext uri="{FF2B5EF4-FFF2-40B4-BE49-F238E27FC236}">
-                <a16:creationId xmlns:a16="http://schemas.microsoft.com/office/drawing/2014/main" id="{8132F8F4-479C-C1F1-B1A6-9BD9ECF61F89}"/>
-              </a:ext>
-            </a:extLst>
-          </p:cNvPr>
-          <p:cNvSpPr>
-            <a:spLocks noGrp="1"/>
-          </p:cNvSpPr>
-          <p:nvPr>
-            <p:ph idx="1"/>
-          </p:nvPr>
-        </p:nvSpPr>
-        <p:spPr/>
-        <p:txBody>
-          <a:bodyPr/>
-          <a:lstStyle/>
-          <a:p>
-            <a:endParaRPr lang="fa-IR"/>
+            <a:pPr algn="r" rtl="1"/>
+            <a:r>
+              <a:rPr lang="fa-IR" dirty="0">
+                <a:cs typeface="B Nazanin" panose="00000400000000000000" pitchFamily="2" charset="-78"/>
+              </a:rPr>
+              <a:t>آموزش دادن یک مدل زبانی از ابتدا بر روی کل </a:t>
+            </a:r>
+            <a:r>
+              <a:rPr lang="fa-IR" dirty="0" err="1">
+                <a:cs typeface="B Nazanin" panose="00000400000000000000" pitchFamily="2" charset="-78"/>
+              </a:rPr>
+              <a:t>داده‌های</a:t>
+            </a:r>
+            <a:r>
+              <a:rPr lang="fa-IR" dirty="0">
+                <a:cs typeface="B Nazanin" panose="00000400000000000000" pitchFamily="2" charset="-78"/>
+              </a:rPr>
+              <a:t> مورد نظر</a:t>
+            </a:r>
+          </a:p>
+          <a:p>
+            <a:pPr algn="r" rtl="1"/>
+            <a:endParaRPr lang="fa-IR" dirty="0"/>
+          </a:p>
+        </p:txBody>
+      </p:sp>
+      <p:sp>
+        <p:nvSpPr>
+          <p:cNvPr id="4" name="Content Placeholder 2">
+            <a:extLst>
+              <a:ext uri="{FF2B5EF4-FFF2-40B4-BE49-F238E27FC236}">
+                <a16:creationId xmlns:a16="http://schemas.microsoft.com/office/drawing/2014/main" id="{6131E06A-8F9E-AC76-BC2F-4F3C74C8F3B0}"/>
+              </a:ext>
+            </a:extLst>
+          </p:cNvPr>
+          <p:cNvSpPr txBox="1">
+            <a:spLocks/>
+          </p:cNvSpPr>
+          <p:nvPr/>
+        </p:nvSpPr>
+        <p:spPr>
+          <a:xfrm>
+            <a:off x="9565342" y="2341935"/>
+            <a:ext cx="1420906" cy="368674"/>
+          </a:xfrm>
+          <a:prstGeom prst="rect">
+            <a:avLst/>
+          </a:prstGeom>
+        </p:spPr>
+        <p:txBody>
+          <a:bodyPr vert="horz" lIns="91440" tIns="45720" rIns="91440" bIns="45720" rtlCol="0">
+            <a:normAutofit/>
+          </a:bodyPr>
+          <a:lstStyle>
+            <a:lvl1pPr marL="228600" indent="-228600" algn="l" defTabSz="914400" rtl="0" eaLnBrk="1" latinLnBrk="0" hangingPunct="1">
+              <a:lnSpc>
+                <a:spcPct val="90000"/>
+              </a:lnSpc>
+              <a:spcBef>
+                <a:spcPts val="1000"/>
+              </a:spcBef>
+              <a:buFont typeface="Arial" panose="020B0604020202020204" pitchFamily="34" charset="0"/>
+              <a:buChar char="•"/>
+              <a:defRPr sz="2800" kern="1200">
+                <a:solidFill>
+                  <a:schemeClr val="tx1"/>
+                </a:solidFill>
+                <a:latin typeface="+mn-lt"/>
+                <a:ea typeface="+mn-ea"/>
+                <a:cs typeface="+mn-cs"/>
+              </a:defRPr>
+            </a:lvl1pPr>
+            <a:lvl2pPr marL="685800" indent="-228600" algn="l" defTabSz="914400" rtl="0" eaLnBrk="1" latinLnBrk="0" hangingPunct="1">
+              <a:lnSpc>
+                <a:spcPct val="90000"/>
+              </a:lnSpc>
+              <a:spcBef>
+                <a:spcPts val="500"/>
+              </a:spcBef>
+              <a:buFont typeface="Arial" panose="020B0604020202020204" pitchFamily="34" charset="0"/>
+              <a:buChar char="•"/>
+              <a:defRPr sz="2400" kern="1200">
+                <a:solidFill>
+                  <a:schemeClr val="tx1"/>
+                </a:solidFill>
+                <a:latin typeface="+mn-lt"/>
+                <a:ea typeface="+mn-ea"/>
+                <a:cs typeface="+mn-cs"/>
+              </a:defRPr>
+            </a:lvl2pPr>
+            <a:lvl3pPr marL="1143000" indent="-228600" algn="l" defTabSz="914400" rtl="0" eaLnBrk="1" latinLnBrk="0" hangingPunct="1">
+              <a:lnSpc>
+                <a:spcPct val="90000"/>
+              </a:lnSpc>
+              <a:spcBef>
+                <a:spcPts val="500"/>
+              </a:spcBef>
+              <a:buFont typeface="Arial" panose="020B0604020202020204" pitchFamily="34" charset="0"/>
+              <a:buChar char="•"/>
+              <a:defRPr sz="2000" kern="1200">
+                <a:solidFill>
+                  <a:schemeClr val="tx1"/>
+                </a:solidFill>
+                <a:latin typeface="+mn-lt"/>
+                <a:ea typeface="+mn-ea"/>
+                <a:cs typeface="+mn-cs"/>
+              </a:defRPr>
+            </a:lvl3pPr>
+            <a:lvl4pPr marL="1600200" indent="-228600" algn="l" defTabSz="914400" rtl="0" eaLnBrk="1" latinLnBrk="0" hangingPunct="1">
+              <a:lnSpc>
+                <a:spcPct val="90000"/>
+              </a:lnSpc>
+              <a:spcBef>
+                <a:spcPts val="500"/>
+              </a:spcBef>
+              <a:buFont typeface="Arial" panose="020B0604020202020204" pitchFamily="34" charset="0"/>
+              <a:buChar char="•"/>
+              <a:defRPr sz="1800" kern="1200">
+                <a:solidFill>
+                  <a:schemeClr val="tx1"/>
+                </a:solidFill>
+                <a:latin typeface="+mn-lt"/>
+                <a:ea typeface="+mn-ea"/>
+                <a:cs typeface="+mn-cs"/>
+              </a:defRPr>
+            </a:lvl4pPr>
+            <a:lvl5pPr marL="2057400" indent="-228600" algn="l" defTabSz="914400" rtl="0" eaLnBrk="1" latinLnBrk="0" hangingPunct="1">
+              <a:lnSpc>
+                <a:spcPct val="90000"/>
+              </a:lnSpc>
+              <a:spcBef>
+                <a:spcPts val="500"/>
+              </a:spcBef>
+              <a:buFont typeface="Arial" panose="020B0604020202020204" pitchFamily="34" charset="0"/>
+              <a:buChar char="•"/>
+              <a:defRPr sz="1800" kern="1200">
+                <a:solidFill>
+                  <a:schemeClr val="tx1"/>
+                </a:solidFill>
+                <a:latin typeface="+mn-lt"/>
+                <a:ea typeface="+mn-ea"/>
+                <a:cs typeface="+mn-cs"/>
+              </a:defRPr>
+            </a:lvl5pPr>
+            <a:lvl6pPr marL="2514600" indent="-228600" algn="l" defTabSz="914400" rtl="0" eaLnBrk="1" latinLnBrk="0" hangingPunct="1">
+              <a:lnSpc>
+                <a:spcPct val="90000"/>
+              </a:lnSpc>
+              <a:spcBef>
+                <a:spcPts val="500"/>
+              </a:spcBef>
+              <a:buFont typeface="Arial" panose="020B0604020202020204" pitchFamily="34" charset="0"/>
+              <a:buChar char="•"/>
+              <a:defRPr sz="1800" kern="1200">
+                <a:solidFill>
+                  <a:schemeClr val="tx1"/>
+                </a:solidFill>
+                <a:latin typeface="+mn-lt"/>
+                <a:ea typeface="+mn-ea"/>
+                <a:cs typeface="+mn-cs"/>
+              </a:defRPr>
+            </a:lvl6pPr>
+            <a:lvl7pPr marL="2971800" indent="-228600" algn="l" defTabSz="914400" rtl="0" eaLnBrk="1" latinLnBrk="0" hangingPunct="1">
+              <a:lnSpc>
+                <a:spcPct val="90000"/>
+              </a:lnSpc>
+              <a:spcBef>
+                <a:spcPts val="500"/>
+              </a:spcBef>
+              <a:buFont typeface="Arial" panose="020B0604020202020204" pitchFamily="34" charset="0"/>
+              <a:buChar char="•"/>
+              <a:defRPr sz="1800" kern="1200">
+                <a:solidFill>
+                  <a:schemeClr val="tx1"/>
+                </a:solidFill>
+                <a:latin typeface="+mn-lt"/>
+                <a:ea typeface="+mn-ea"/>
+                <a:cs typeface="+mn-cs"/>
+              </a:defRPr>
+            </a:lvl7pPr>
+            <a:lvl8pPr marL="3429000" indent="-228600" algn="l" defTabSz="914400" rtl="0" eaLnBrk="1" latinLnBrk="0" hangingPunct="1">
+              <a:lnSpc>
+                <a:spcPct val="90000"/>
+              </a:lnSpc>
+              <a:spcBef>
+                <a:spcPts val="500"/>
+              </a:spcBef>
+              <a:buFont typeface="Arial" panose="020B0604020202020204" pitchFamily="34" charset="0"/>
+              <a:buChar char="•"/>
+              <a:defRPr sz="1800" kern="1200">
+                <a:solidFill>
+                  <a:schemeClr val="tx1"/>
+                </a:solidFill>
+                <a:latin typeface="+mn-lt"/>
+                <a:ea typeface="+mn-ea"/>
+                <a:cs typeface="+mn-cs"/>
+              </a:defRPr>
+            </a:lvl8pPr>
+            <a:lvl9pPr marL="3886200" indent="-228600" algn="l" defTabSz="914400" rtl="0" eaLnBrk="1" latinLnBrk="0" hangingPunct="1">
+              <a:lnSpc>
+                <a:spcPct val="90000"/>
+              </a:lnSpc>
+              <a:spcBef>
+                <a:spcPts val="500"/>
+              </a:spcBef>
+              <a:buFont typeface="Arial" panose="020B0604020202020204" pitchFamily="34" charset="0"/>
+              <a:buChar char="•"/>
+              <a:defRPr sz="1800" kern="1200">
+                <a:solidFill>
+                  <a:schemeClr val="tx1"/>
+                </a:solidFill>
+                <a:latin typeface="+mn-lt"/>
+                <a:ea typeface="+mn-ea"/>
+                <a:cs typeface="+mn-cs"/>
+              </a:defRPr>
+            </a:lvl9pPr>
+          </a:lstStyle>
+          <a:p>
+            <a:pPr marL="0" indent="0" algn="r" rtl="1">
+              <a:buNone/>
+            </a:pPr>
+            <a:r>
+              <a:rPr lang="en-US" sz="2000" dirty="0">
+                <a:solidFill>
+                  <a:srgbClr val="4B4F58"/>
+                </a:solidFill>
+                <a:latin typeface="lists-font"/>
+              </a:rPr>
+              <a:t>Pre-training</a:t>
+            </a:r>
+            <a:endParaRPr lang="fa-IR" sz="2000" dirty="0">
+              <a:solidFill>
+                <a:srgbClr val="4B4F58"/>
+              </a:solidFill>
+              <a:latin typeface="lists-font"/>
+            </a:endParaRPr>
+          </a:p>
+        </p:txBody>
+      </p:sp>
+      <p:sp>
+        <p:nvSpPr>
+          <p:cNvPr id="5" name="Content Placeholder 2">
+            <a:extLst>
+              <a:ext uri="{FF2B5EF4-FFF2-40B4-BE49-F238E27FC236}">
+                <a16:creationId xmlns:a16="http://schemas.microsoft.com/office/drawing/2014/main" id="{821A89D6-D8EC-D6EB-E031-72C9AA7284D5}"/>
+              </a:ext>
+            </a:extLst>
+          </p:cNvPr>
+          <p:cNvSpPr txBox="1">
+            <a:spLocks/>
+          </p:cNvSpPr>
+          <p:nvPr/>
+        </p:nvSpPr>
+        <p:spPr>
+          <a:xfrm>
+            <a:off x="936811" y="3009527"/>
+            <a:ext cx="10515600" cy="567951"/>
+          </a:xfrm>
+          <a:prstGeom prst="rect">
+            <a:avLst/>
+          </a:prstGeom>
+        </p:spPr>
+        <p:txBody>
+          <a:bodyPr vert="horz" lIns="91440" tIns="45720" rIns="91440" bIns="45720" rtlCol="0">
+            <a:normAutofit/>
+          </a:bodyPr>
+          <a:lstStyle>
+            <a:lvl1pPr marL="228600" indent="-228600" algn="l" defTabSz="914400" rtl="0" eaLnBrk="1" latinLnBrk="0" hangingPunct="1">
+              <a:lnSpc>
+                <a:spcPct val="90000"/>
+              </a:lnSpc>
+              <a:spcBef>
+                <a:spcPts val="1000"/>
+              </a:spcBef>
+              <a:buFont typeface="Arial" panose="020B0604020202020204" pitchFamily="34" charset="0"/>
+              <a:buChar char="•"/>
+              <a:defRPr sz="2800" kern="1200">
+                <a:solidFill>
+                  <a:schemeClr val="tx1"/>
+                </a:solidFill>
+                <a:latin typeface="+mn-lt"/>
+                <a:ea typeface="+mn-ea"/>
+                <a:cs typeface="+mn-cs"/>
+              </a:defRPr>
+            </a:lvl1pPr>
+            <a:lvl2pPr marL="685800" indent="-228600" algn="l" defTabSz="914400" rtl="0" eaLnBrk="1" latinLnBrk="0" hangingPunct="1">
+              <a:lnSpc>
+                <a:spcPct val="90000"/>
+              </a:lnSpc>
+              <a:spcBef>
+                <a:spcPts val="500"/>
+              </a:spcBef>
+              <a:buFont typeface="Arial" panose="020B0604020202020204" pitchFamily="34" charset="0"/>
+              <a:buChar char="•"/>
+              <a:defRPr sz="2400" kern="1200">
+                <a:solidFill>
+                  <a:schemeClr val="tx1"/>
+                </a:solidFill>
+                <a:latin typeface="+mn-lt"/>
+                <a:ea typeface="+mn-ea"/>
+                <a:cs typeface="+mn-cs"/>
+              </a:defRPr>
+            </a:lvl2pPr>
+            <a:lvl3pPr marL="1143000" indent="-228600" algn="l" defTabSz="914400" rtl="0" eaLnBrk="1" latinLnBrk="0" hangingPunct="1">
+              <a:lnSpc>
+                <a:spcPct val="90000"/>
+              </a:lnSpc>
+              <a:spcBef>
+                <a:spcPts val="500"/>
+              </a:spcBef>
+              <a:buFont typeface="Arial" panose="020B0604020202020204" pitchFamily="34" charset="0"/>
+              <a:buChar char="•"/>
+              <a:defRPr sz="2000" kern="1200">
+                <a:solidFill>
+                  <a:schemeClr val="tx1"/>
+                </a:solidFill>
+                <a:latin typeface="+mn-lt"/>
+                <a:ea typeface="+mn-ea"/>
+                <a:cs typeface="+mn-cs"/>
+              </a:defRPr>
+            </a:lvl3pPr>
+            <a:lvl4pPr marL="1600200" indent="-228600" algn="l" defTabSz="914400" rtl="0" eaLnBrk="1" latinLnBrk="0" hangingPunct="1">
+              <a:lnSpc>
+                <a:spcPct val="90000"/>
+              </a:lnSpc>
+              <a:spcBef>
+                <a:spcPts val="500"/>
+              </a:spcBef>
+              <a:buFont typeface="Arial" panose="020B0604020202020204" pitchFamily="34" charset="0"/>
+              <a:buChar char="•"/>
+              <a:defRPr sz="1800" kern="1200">
+                <a:solidFill>
+                  <a:schemeClr val="tx1"/>
+                </a:solidFill>
+                <a:latin typeface="+mn-lt"/>
+                <a:ea typeface="+mn-ea"/>
+                <a:cs typeface="+mn-cs"/>
+              </a:defRPr>
+            </a:lvl4pPr>
+            <a:lvl5pPr marL="2057400" indent="-228600" algn="l" defTabSz="914400" rtl="0" eaLnBrk="1" latinLnBrk="0" hangingPunct="1">
+              <a:lnSpc>
+                <a:spcPct val="90000"/>
+              </a:lnSpc>
+              <a:spcBef>
+                <a:spcPts val="500"/>
+              </a:spcBef>
+              <a:buFont typeface="Arial" panose="020B0604020202020204" pitchFamily="34" charset="0"/>
+              <a:buChar char="•"/>
+              <a:defRPr sz="1800" kern="1200">
+                <a:solidFill>
+                  <a:schemeClr val="tx1"/>
+                </a:solidFill>
+                <a:latin typeface="+mn-lt"/>
+                <a:ea typeface="+mn-ea"/>
+                <a:cs typeface="+mn-cs"/>
+              </a:defRPr>
+            </a:lvl5pPr>
+            <a:lvl6pPr marL="2514600" indent="-228600" algn="l" defTabSz="914400" rtl="0" eaLnBrk="1" latinLnBrk="0" hangingPunct="1">
+              <a:lnSpc>
+                <a:spcPct val="90000"/>
+              </a:lnSpc>
+              <a:spcBef>
+                <a:spcPts val="500"/>
+              </a:spcBef>
+              <a:buFont typeface="Arial" panose="020B0604020202020204" pitchFamily="34" charset="0"/>
+              <a:buChar char="•"/>
+              <a:defRPr sz="1800" kern="1200">
+                <a:solidFill>
+                  <a:schemeClr val="tx1"/>
+                </a:solidFill>
+                <a:latin typeface="+mn-lt"/>
+                <a:ea typeface="+mn-ea"/>
+                <a:cs typeface="+mn-cs"/>
+              </a:defRPr>
+            </a:lvl6pPr>
+            <a:lvl7pPr marL="2971800" indent="-228600" algn="l" defTabSz="914400" rtl="0" eaLnBrk="1" latinLnBrk="0" hangingPunct="1">
+              <a:lnSpc>
+                <a:spcPct val="90000"/>
+              </a:lnSpc>
+              <a:spcBef>
+                <a:spcPts val="500"/>
+              </a:spcBef>
+              <a:buFont typeface="Arial" panose="020B0604020202020204" pitchFamily="34" charset="0"/>
+              <a:buChar char="•"/>
+              <a:defRPr sz="1800" kern="1200">
+                <a:solidFill>
+                  <a:schemeClr val="tx1"/>
+                </a:solidFill>
+                <a:latin typeface="+mn-lt"/>
+                <a:ea typeface="+mn-ea"/>
+                <a:cs typeface="+mn-cs"/>
+              </a:defRPr>
+            </a:lvl7pPr>
+            <a:lvl8pPr marL="3429000" indent="-228600" algn="l" defTabSz="914400" rtl="0" eaLnBrk="1" latinLnBrk="0" hangingPunct="1">
+              <a:lnSpc>
+                <a:spcPct val="90000"/>
+              </a:lnSpc>
+              <a:spcBef>
+                <a:spcPts val="500"/>
+              </a:spcBef>
+              <a:buFont typeface="Arial" panose="020B0604020202020204" pitchFamily="34" charset="0"/>
+              <a:buChar char="•"/>
+              <a:defRPr sz="1800" kern="1200">
+                <a:solidFill>
+                  <a:schemeClr val="tx1"/>
+                </a:solidFill>
+                <a:latin typeface="+mn-lt"/>
+                <a:ea typeface="+mn-ea"/>
+                <a:cs typeface="+mn-cs"/>
+              </a:defRPr>
+            </a:lvl8pPr>
+            <a:lvl9pPr marL="3886200" indent="-228600" algn="l" defTabSz="914400" rtl="0" eaLnBrk="1" latinLnBrk="0" hangingPunct="1">
+              <a:lnSpc>
+                <a:spcPct val="90000"/>
+              </a:lnSpc>
+              <a:spcBef>
+                <a:spcPts val="500"/>
+              </a:spcBef>
+              <a:buFont typeface="Arial" panose="020B0604020202020204" pitchFamily="34" charset="0"/>
+              <a:buChar char="•"/>
+              <a:defRPr sz="1800" kern="1200">
+                <a:solidFill>
+                  <a:schemeClr val="tx1"/>
+                </a:solidFill>
+                <a:latin typeface="+mn-lt"/>
+                <a:ea typeface="+mn-ea"/>
+                <a:cs typeface="+mn-cs"/>
+              </a:defRPr>
+            </a:lvl9pPr>
+          </a:lstStyle>
+          <a:p>
+            <a:pPr algn="r" rtl="1"/>
+            <a:r>
+              <a:rPr lang="fa-IR" dirty="0">
+                <a:cs typeface="B Nazanin" panose="00000400000000000000" pitchFamily="2" charset="-78"/>
+              </a:rPr>
+              <a:t>تنظیم مجدد یک مدل آموزش دیده بر روی داده های جدید</a:t>
+            </a:r>
+          </a:p>
+          <a:p>
+            <a:pPr algn="r" rtl="1"/>
+            <a:endParaRPr lang="fa-IR" dirty="0"/>
+          </a:p>
+        </p:txBody>
+      </p:sp>
+      <p:sp>
+        <p:nvSpPr>
+          <p:cNvPr id="6" name="Content Placeholder 2">
+            <a:extLst>
+              <a:ext uri="{FF2B5EF4-FFF2-40B4-BE49-F238E27FC236}">
+                <a16:creationId xmlns:a16="http://schemas.microsoft.com/office/drawing/2014/main" id="{63972AEA-2CC9-FECB-AB72-5145623F3272}"/>
+              </a:ext>
+            </a:extLst>
+          </p:cNvPr>
+          <p:cNvSpPr txBox="1">
+            <a:spLocks/>
+          </p:cNvSpPr>
+          <p:nvPr/>
+        </p:nvSpPr>
+        <p:spPr>
+          <a:xfrm>
+            <a:off x="936811" y="4211545"/>
+            <a:ext cx="10515600" cy="567951"/>
+          </a:xfrm>
+          <a:prstGeom prst="rect">
+            <a:avLst/>
+          </a:prstGeom>
+        </p:spPr>
+        <p:txBody>
+          <a:bodyPr vert="horz" lIns="91440" tIns="45720" rIns="91440" bIns="45720" rtlCol="0">
+            <a:normAutofit/>
+          </a:bodyPr>
+          <a:lstStyle>
+            <a:lvl1pPr marL="228600" indent="-228600" algn="l" defTabSz="914400" rtl="0" eaLnBrk="1" latinLnBrk="0" hangingPunct="1">
+              <a:lnSpc>
+                <a:spcPct val="90000"/>
+              </a:lnSpc>
+              <a:spcBef>
+                <a:spcPts val="1000"/>
+              </a:spcBef>
+              <a:buFont typeface="Arial" panose="020B0604020202020204" pitchFamily="34" charset="0"/>
+              <a:buChar char="•"/>
+              <a:defRPr sz="2800" kern="1200">
+                <a:solidFill>
+                  <a:schemeClr val="tx1"/>
+                </a:solidFill>
+                <a:latin typeface="+mn-lt"/>
+                <a:ea typeface="+mn-ea"/>
+                <a:cs typeface="+mn-cs"/>
+              </a:defRPr>
+            </a:lvl1pPr>
+            <a:lvl2pPr marL="685800" indent="-228600" algn="l" defTabSz="914400" rtl="0" eaLnBrk="1" latinLnBrk="0" hangingPunct="1">
+              <a:lnSpc>
+                <a:spcPct val="90000"/>
+              </a:lnSpc>
+              <a:spcBef>
+                <a:spcPts val="500"/>
+              </a:spcBef>
+              <a:buFont typeface="Arial" panose="020B0604020202020204" pitchFamily="34" charset="0"/>
+              <a:buChar char="•"/>
+              <a:defRPr sz="2400" kern="1200">
+                <a:solidFill>
+                  <a:schemeClr val="tx1"/>
+                </a:solidFill>
+                <a:latin typeface="+mn-lt"/>
+                <a:ea typeface="+mn-ea"/>
+                <a:cs typeface="+mn-cs"/>
+              </a:defRPr>
+            </a:lvl2pPr>
+            <a:lvl3pPr marL="1143000" indent="-228600" algn="l" defTabSz="914400" rtl="0" eaLnBrk="1" latinLnBrk="0" hangingPunct="1">
+              <a:lnSpc>
+                <a:spcPct val="90000"/>
+              </a:lnSpc>
+              <a:spcBef>
+                <a:spcPts val="500"/>
+              </a:spcBef>
+              <a:buFont typeface="Arial" panose="020B0604020202020204" pitchFamily="34" charset="0"/>
+              <a:buChar char="•"/>
+              <a:defRPr sz="2000" kern="1200">
+                <a:solidFill>
+                  <a:schemeClr val="tx1"/>
+                </a:solidFill>
+                <a:latin typeface="+mn-lt"/>
+                <a:ea typeface="+mn-ea"/>
+                <a:cs typeface="+mn-cs"/>
+              </a:defRPr>
+            </a:lvl3pPr>
+            <a:lvl4pPr marL="1600200" indent="-228600" algn="l" defTabSz="914400" rtl="0" eaLnBrk="1" latinLnBrk="0" hangingPunct="1">
+              <a:lnSpc>
+                <a:spcPct val="90000"/>
+              </a:lnSpc>
+              <a:spcBef>
+                <a:spcPts val="500"/>
+              </a:spcBef>
+              <a:buFont typeface="Arial" panose="020B0604020202020204" pitchFamily="34" charset="0"/>
+              <a:buChar char="•"/>
+              <a:defRPr sz="1800" kern="1200">
+                <a:solidFill>
+                  <a:schemeClr val="tx1"/>
+                </a:solidFill>
+                <a:latin typeface="+mn-lt"/>
+                <a:ea typeface="+mn-ea"/>
+                <a:cs typeface="+mn-cs"/>
+              </a:defRPr>
+            </a:lvl4pPr>
+            <a:lvl5pPr marL="2057400" indent="-228600" algn="l" defTabSz="914400" rtl="0" eaLnBrk="1" latinLnBrk="0" hangingPunct="1">
+              <a:lnSpc>
+                <a:spcPct val="90000"/>
+              </a:lnSpc>
+              <a:spcBef>
+                <a:spcPts val="500"/>
+              </a:spcBef>
+              <a:buFont typeface="Arial" panose="020B0604020202020204" pitchFamily="34" charset="0"/>
+              <a:buChar char="•"/>
+              <a:defRPr sz="1800" kern="1200">
+                <a:solidFill>
+                  <a:schemeClr val="tx1"/>
+                </a:solidFill>
+                <a:latin typeface="+mn-lt"/>
+                <a:ea typeface="+mn-ea"/>
+                <a:cs typeface="+mn-cs"/>
+              </a:defRPr>
+            </a:lvl5pPr>
+            <a:lvl6pPr marL="2514600" indent="-228600" algn="l" defTabSz="914400" rtl="0" eaLnBrk="1" latinLnBrk="0" hangingPunct="1">
+              <a:lnSpc>
+                <a:spcPct val="90000"/>
+              </a:lnSpc>
+              <a:spcBef>
+                <a:spcPts val="500"/>
+              </a:spcBef>
+              <a:buFont typeface="Arial" panose="020B0604020202020204" pitchFamily="34" charset="0"/>
+              <a:buChar char="•"/>
+              <a:defRPr sz="1800" kern="1200">
+                <a:solidFill>
+                  <a:schemeClr val="tx1"/>
+                </a:solidFill>
+                <a:latin typeface="+mn-lt"/>
+                <a:ea typeface="+mn-ea"/>
+                <a:cs typeface="+mn-cs"/>
+              </a:defRPr>
+            </a:lvl6pPr>
+            <a:lvl7pPr marL="2971800" indent="-228600" algn="l" defTabSz="914400" rtl="0" eaLnBrk="1" latinLnBrk="0" hangingPunct="1">
+              <a:lnSpc>
+                <a:spcPct val="90000"/>
+              </a:lnSpc>
+              <a:spcBef>
+                <a:spcPts val="500"/>
+              </a:spcBef>
+              <a:buFont typeface="Arial" panose="020B0604020202020204" pitchFamily="34" charset="0"/>
+              <a:buChar char="•"/>
+              <a:defRPr sz="1800" kern="1200">
+                <a:solidFill>
+                  <a:schemeClr val="tx1"/>
+                </a:solidFill>
+                <a:latin typeface="+mn-lt"/>
+                <a:ea typeface="+mn-ea"/>
+                <a:cs typeface="+mn-cs"/>
+              </a:defRPr>
+            </a:lvl7pPr>
+            <a:lvl8pPr marL="3429000" indent="-228600" algn="l" defTabSz="914400" rtl="0" eaLnBrk="1" latinLnBrk="0" hangingPunct="1">
+              <a:lnSpc>
+                <a:spcPct val="90000"/>
+              </a:lnSpc>
+              <a:spcBef>
+                <a:spcPts val="500"/>
+              </a:spcBef>
+              <a:buFont typeface="Arial" panose="020B0604020202020204" pitchFamily="34" charset="0"/>
+              <a:buChar char="•"/>
+              <a:defRPr sz="1800" kern="1200">
+                <a:solidFill>
+                  <a:schemeClr val="tx1"/>
+                </a:solidFill>
+                <a:latin typeface="+mn-lt"/>
+                <a:ea typeface="+mn-ea"/>
+                <a:cs typeface="+mn-cs"/>
+              </a:defRPr>
+            </a:lvl8pPr>
+            <a:lvl9pPr marL="3886200" indent="-228600" algn="l" defTabSz="914400" rtl="0" eaLnBrk="1" latinLnBrk="0" hangingPunct="1">
+              <a:lnSpc>
+                <a:spcPct val="90000"/>
+              </a:lnSpc>
+              <a:spcBef>
+                <a:spcPts val="500"/>
+              </a:spcBef>
+              <a:buFont typeface="Arial" panose="020B0604020202020204" pitchFamily="34" charset="0"/>
+              <a:buChar char="•"/>
+              <a:defRPr sz="1800" kern="1200">
+                <a:solidFill>
+                  <a:schemeClr val="tx1"/>
+                </a:solidFill>
+                <a:latin typeface="+mn-lt"/>
+                <a:ea typeface="+mn-ea"/>
+                <a:cs typeface="+mn-cs"/>
+              </a:defRPr>
+            </a:lvl9pPr>
+          </a:lstStyle>
+          <a:p>
+            <a:pPr algn="r" rtl="1"/>
+            <a:r>
+              <a:rPr lang="fa-IR" dirty="0">
+                <a:cs typeface="B Nazanin" panose="00000400000000000000" pitchFamily="2" charset="-78"/>
+              </a:rPr>
+              <a:t>تقویت ورودی مدل زبانی با ضمیمه کردن دانش و اطلاعات مربوط به سوال</a:t>
+            </a:r>
+          </a:p>
+        </p:txBody>
+      </p:sp>
+      <p:sp>
+        <p:nvSpPr>
+          <p:cNvPr id="7" name="Content Placeholder 2">
+            <a:extLst>
+              <a:ext uri="{FF2B5EF4-FFF2-40B4-BE49-F238E27FC236}">
+                <a16:creationId xmlns:a16="http://schemas.microsoft.com/office/drawing/2014/main" id="{518F708B-4116-A8D0-BE04-F2300237C74E}"/>
+              </a:ext>
+            </a:extLst>
+          </p:cNvPr>
+          <p:cNvSpPr txBox="1">
+            <a:spLocks/>
+          </p:cNvSpPr>
+          <p:nvPr/>
+        </p:nvSpPr>
+        <p:spPr>
+          <a:xfrm>
+            <a:off x="9565342" y="3485310"/>
+            <a:ext cx="1420906" cy="368674"/>
+          </a:xfrm>
+          <a:prstGeom prst="rect">
+            <a:avLst/>
+          </a:prstGeom>
+        </p:spPr>
+        <p:txBody>
+          <a:bodyPr vert="horz" lIns="91440" tIns="45720" rIns="91440" bIns="45720" rtlCol="0">
+            <a:normAutofit/>
+          </a:bodyPr>
+          <a:lstStyle>
+            <a:lvl1pPr marL="228600" indent="-228600" algn="l" defTabSz="914400" rtl="0" eaLnBrk="1" latinLnBrk="0" hangingPunct="1">
+              <a:lnSpc>
+                <a:spcPct val="90000"/>
+              </a:lnSpc>
+              <a:spcBef>
+                <a:spcPts val="1000"/>
+              </a:spcBef>
+              <a:buFont typeface="Arial" panose="020B0604020202020204" pitchFamily="34" charset="0"/>
+              <a:buChar char="•"/>
+              <a:defRPr sz="2800" kern="1200">
+                <a:solidFill>
+                  <a:schemeClr val="tx1"/>
+                </a:solidFill>
+                <a:latin typeface="+mn-lt"/>
+                <a:ea typeface="+mn-ea"/>
+                <a:cs typeface="+mn-cs"/>
+              </a:defRPr>
+            </a:lvl1pPr>
+            <a:lvl2pPr marL="685800" indent="-228600" algn="l" defTabSz="914400" rtl="0" eaLnBrk="1" latinLnBrk="0" hangingPunct="1">
+              <a:lnSpc>
+                <a:spcPct val="90000"/>
+              </a:lnSpc>
+              <a:spcBef>
+                <a:spcPts val="500"/>
+              </a:spcBef>
+              <a:buFont typeface="Arial" panose="020B0604020202020204" pitchFamily="34" charset="0"/>
+              <a:buChar char="•"/>
+              <a:defRPr sz="2400" kern="1200">
+                <a:solidFill>
+                  <a:schemeClr val="tx1"/>
+                </a:solidFill>
+                <a:latin typeface="+mn-lt"/>
+                <a:ea typeface="+mn-ea"/>
+                <a:cs typeface="+mn-cs"/>
+              </a:defRPr>
+            </a:lvl2pPr>
+            <a:lvl3pPr marL="1143000" indent="-228600" algn="l" defTabSz="914400" rtl="0" eaLnBrk="1" latinLnBrk="0" hangingPunct="1">
+              <a:lnSpc>
+                <a:spcPct val="90000"/>
+              </a:lnSpc>
+              <a:spcBef>
+                <a:spcPts val="500"/>
+              </a:spcBef>
+              <a:buFont typeface="Arial" panose="020B0604020202020204" pitchFamily="34" charset="0"/>
+              <a:buChar char="•"/>
+              <a:defRPr sz="2000" kern="1200">
+                <a:solidFill>
+                  <a:schemeClr val="tx1"/>
+                </a:solidFill>
+                <a:latin typeface="+mn-lt"/>
+                <a:ea typeface="+mn-ea"/>
+                <a:cs typeface="+mn-cs"/>
+              </a:defRPr>
+            </a:lvl3pPr>
+            <a:lvl4pPr marL="1600200" indent="-228600" algn="l" defTabSz="914400" rtl="0" eaLnBrk="1" latinLnBrk="0" hangingPunct="1">
+              <a:lnSpc>
+                <a:spcPct val="90000"/>
+              </a:lnSpc>
+              <a:spcBef>
+                <a:spcPts val="500"/>
+              </a:spcBef>
+              <a:buFont typeface="Arial" panose="020B0604020202020204" pitchFamily="34" charset="0"/>
+              <a:buChar char="•"/>
+              <a:defRPr sz="1800" kern="1200">
+                <a:solidFill>
+                  <a:schemeClr val="tx1"/>
+                </a:solidFill>
+                <a:latin typeface="+mn-lt"/>
+                <a:ea typeface="+mn-ea"/>
+                <a:cs typeface="+mn-cs"/>
+              </a:defRPr>
+            </a:lvl4pPr>
+            <a:lvl5pPr marL="2057400" indent="-228600" algn="l" defTabSz="914400" rtl="0" eaLnBrk="1" latinLnBrk="0" hangingPunct="1">
+              <a:lnSpc>
+                <a:spcPct val="90000"/>
+              </a:lnSpc>
+              <a:spcBef>
+                <a:spcPts val="500"/>
+              </a:spcBef>
+              <a:buFont typeface="Arial" panose="020B0604020202020204" pitchFamily="34" charset="0"/>
+              <a:buChar char="•"/>
+              <a:defRPr sz="1800" kern="1200">
+                <a:solidFill>
+                  <a:schemeClr val="tx1"/>
+                </a:solidFill>
+                <a:latin typeface="+mn-lt"/>
+                <a:ea typeface="+mn-ea"/>
+                <a:cs typeface="+mn-cs"/>
+              </a:defRPr>
+            </a:lvl5pPr>
+            <a:lvl6pPr marL="2514600" indent="-228600" algn="l" defTabSz="914400" rtl="0" eaLnBrk="1" latinLnBrk="0" hangingPunct="1">
+              <a:lnSpc>
+                <a:spcPct val="90000"/>
+              </a:lnSpc>
+              <a:spcBef>
+                <a:spcPts val="500"/>
+              </a:spcBef>
+              <a:buFont typeface="Arial" panose="020B0604020202020204" pitchFamily="34" charset="0"/>
+              <a:buChar char="•"/>
+              <a:defRPr sz="1800" kern="1200">
+                <a:solidFill>
+                  <a:schemeClr val="tx1"/>
+                </a:solidFill>
+                <a:latin typeface="+mn-lt"/>
+                <a:ea typeface="+mn-ea"/>
+                <a:cs typeface="+mn-cs"/>
+              </a:defRPr>
+            </a:lvl6pPr>
+            <a:lvl7pPr marL="2971800" indent="-228600" algn="l" defTabSz="914400" rtl="0" eaLnBrk="1" latinLnBrk="0" hangingPunct="1">
+              <a:lnSpc>
+                <a:spcPct val="90000"/>
+              </a:lnSpc>
+              <a:spcBef>
+                <a:spcPts val="500"/>
+              </a:spcBef>
+              <a:buFont typeface="Arial" panose="020B0604020202020204" pitchFamily="34" charset="0"/>
+              <a:buChar char="•"/>
+              <a:defRPr sz="1800" kern="1200">
+                <a:solidFill>
+                  <a:schemeClr val="tx1"/>
+                </a:solidFill>
+                <a:latin typeface="+mn-lt"/>
+                <a:ea typeface="+mn-ea"/>
+                <a:cs typeface="+mn-cs"/>
+              </a:defRPr>
+            </a:lvl7pPr>
+            <a:lvl8pPr marL="3429000" indent="-228600" algn="l" defTabSz="914400" rtl="0" eaLnBrk="1" latinLnBrk="0" hangingPunct="1">
+              <a:lnSpc>
+                <a:spcPct val="90000"/>
+              </a:lnSpc>
+              <a:spcBef>
+                <a:spcPts val="500"/>
+              </a:spcBef>
+              <a:buFont typeface="Arial" panose="020B0604020202020204" pitchFamily="34" charset="0"/>
+              <a:buChar char="•"/>
+              <a:defRPr sz="1800" kern="1200">
+                <a:solidFill>
+                  <a:schemeClr val="tx1"/>
+                </a:solidFill>
+                <a:latin typeface="+mn-lt"/>
+                <a:ea typeface="+mn-ea"/>
+                <a:cs typeface="+mn-cs"/>
+              </a:defRPr>
+            </a:lvl8pPr>
+            <a:lvl9pPr marL="3886200" indent="-228600" algn="l" defTabSz="914400" rtl="0" eaLnBrk="1" latinLnBrk="0" hangingPunct="1">
+              <a:lnSpc>
+                <a:spcPct val="90000"/>
+              </a:lnSpc>
+              <a:spcBef>
+                <a:spcPts val="500"/>
+              </a:spcBef>
+              <a:buFont typeface="Arial" panose="020B0604020202020204" pitchFamily="34" charset="0"/>
+              <a:buChar char="•"/>
+              <a:defRPr sz="1800" kern="1200">
+                <a:solidFill>
+                  <a:schemeClr val="tx1"/>
+                </a:solidFill>
+                <a:latin typeface="+mn-lt"/>
+                <a:ea typeface="+mn-ea"/>
+                <a:cs typeface="+mn-cs"/>
+              </a:defRPr>
+            </a:lvl9pPr>
+          </a:lstStyle>
+          <a:p>
+            <a:pPr marL="0" indent="0" algn="r" rtl="1">
+              <a:buNone/>
+            </a:pPr>
+            <a:r>
+              <a:rPr lang="en-US" sz="2000" dirty="0">
+                <a:solidFill>
+                  <a:srgbClr val="4B4F58"/>
+                </a:solidFill>
+                <a:latin typeface="lists-font"/>
+              </a:rPr>
+              <a:t>Fine-tuning</a:t>
+            </a:r>
+            <a:endParaRPr lang="fa-IR" sz="2000" dirty="0">
+              <a:solidFill>
+                <a:srgbClr val="4B4F58"/>
+              </a:solidFill>
+              <a:latin typeface="lists-font"/>
+            </a:endParaRPr>
+          </a:p>
+        </p:txBody>
+      </p:sp>
+      <p:sp>
+        <p:nvSpPr>
+          <p:cNvPr id="8" name="Content Placeholder 2">
+            <a:extLst>
+              <a:ext uri="{FF2B5EF4-FFF2-40B4-BE49-F238E27FC236}">
+                <a16:creationId xmlns:a16="http://schemas.microsoft.com/office/drawing/2014/main" id="{37B62F38-B838-6AE5-5198-2550871061F5}"/>
+              </a:ext>
+            </a:extLst>
+          </p:cNvPr>
+          <p:cNvSpPr txBox="1">
+            <a:spLocks/>
+          </p:cNvSpPr>
+          <p:nvPr/>
+        </p:nvSpPr>
+        <p:spPr>
+          <a:xfrm>
+            <a:off x="2200837" y="4711980"/>
+            <a:ext cx="9054352" cy="368674"/>
+          </a:xfrm>
+          <a:prstGeom prst="rect">
+            <a:avLst/>
+          </a:prstGeom>
+        </p:spPr>
+        <p:txBody>
+          <a:bodyPr vert="horz" lIns="91440" tIns="45720" rIns="91440" bIns="45720" rtlCol="0">
+            <a:normAutofit/>
+          </a:bodyPr>
+          <a:lstStyle>
+            <a:lvl1pPr marL="228600" indent="-228600" algn="l" defTabSz="914400" rtl="0" eaLnBrk="1" latinLnBrk="0" hangingPunct="1">
+              <a:lnSpc>
+                <a:spcPct val="90000"/>
+              </a:lnSpc>
+              <a:spcBef>
+                <a:spcPts val="1000"/>
+              </a:spcBef>
+              <a:buFont typeface="Arial" panose="020B0604020202020204" pitchFamily="34" charset="0"/>
+              <a:buChar char="•"/>
+              <a:defRPr sz="2800" kern="1200">
+                <a:solidFill>
+                  <a:schemeClr val="tx1"/>
+                </a:solidFill>
+                <a:latin typeface="+mn-lt"/>
+                <a:ea typeface="+mn-ea"/>
+                <a:cs typeface="+mn-cs"/>
+              </a:defRPr>
+            </a:lvl1pPr>
+            <a:lvl2pPr marL="685800" indent="-228600" algn="l" defTabSz="914400" rtl="0" eaLnBrk="1" latinLnBrk="0" hangingPunct="1">
+              <a:lnSpc>
+                <a:spcPct val="90000"/>
+              </a:lnSpc>
+              <a:spcBef>
+                <a:spcPts val="500"/>
+              </a:spcBef>
+              <a:buFont typeface="Arial" panose="020B0604020202020204" pitchFamily="34" charset="0"/>
+              <a:buChar char="•"/>
+              <a:defRPr sz="2400" kern="1200">
+                <a:solidFill>
+                  <a:schemeClr val="tx1"/>
+                </a:solidFill>
+                <a:latin typeface="+mn-lt"/>
+                <a:ea typeface="+mn-ea"/>
+                <a:cs typeface="+mn-cs"/>
+              </a:defRPr>
+            </a:lvl2pPr>
+            <a:lvl3pPr marL="1143000" indent="-228600" algn="l" defTabSz="914400" rtl="0" eaLnBrk="1" latinLnBrk="0" hangingPunct="1">
+              <a:lnSpc>
+                <a:spcPct val="90000"/>
+              </a:lnSpc>
+              <a:spcBef>
+                <a:spcPts val="500"/>
+              </a:spcBef>
+              <a:buFont typeface="Arial" panose="020B0604020202020204" pitchFamily="34" charset="0"/>
+              <a:buChar char="•"/>
+              <a:defRPr sz="2000" kern="1200">
+                <a:solidFill>
+                  <a:schemeClr val="tx1"/>
+                </a:solidFill>
+                <a:latin typeface="+mn-lt"/>
+                <a:ea typeface="+mn-ea"/>
+                <a:cs typeface="+mn-cs"/>
+              </a:defRPr>
+            </a:lvl3pPr>
+            <a:lvl4pPr marL="1600200" indent="-228600" algn="l" defTabSz="914400" rtl="0" eaLnBrk="1" latinLnBrk="0" hangingPunct="1">
+              <a:lnSpc>
+                <a:spcPct val="90000"/>
+              </a:lnSpc>
+              <a:spcBef>
+                <a:spcPts val="500"/>
+              </a:spcBef>
+              <a:buFont typeface="Arial" panose="020B0604020202020204" pitchFamily="34" charset="0"/>
+              <a:buChar char="•"/>
+              <a:defRPr sz="1800" kern="1200">
+                <a:solidFill>
+                  <a:schemeClr val="tx1"/>
+                </a:solidFill>
+                <a:latin typeface="+mn-lt"/>
+                <a:ea typeface="+mn-ea"/>
+                <a:cs typeface="+mn-cs"/>
+              </a:defRPr>
+            </a:lvl4pPr>
+            <a:lvl5pPr marL="2057400" indent="-228600" algn="l" defTabSz="914400" rtl="0" eaLnBrk="1" latinLnBrk="0" hangingPunct="1">
+              <a:lnSpc>
+                <a:spcPct val="90000"/>
+              </a:lnSpc>
+              <a:spcBef>
+                <a:spcPts val="500"/>
+              </a:spcBef>
+              <a:buFont typeface="Arial" panose="020B0604020202020204" pitchFamily="34" charset="0"/>
+              <a:buChar char="•"/>
+              <a:defRPr sz="1800" kern="1200">
+                <a:solidFill>
+                  <a:schemeClr val="tx1"/>
+                </a:solidFill>
+                <a:latin typeface="+mn-lt"/>
+                <a:ea typeface="+mn-ea"/>
+                <a:cs typeface="+mn-cs"/>
+              </a:defRPr>
+            </a:lvl5pPr>
+            <a:lvl6pPr marL="2514600" indent="-228600" algn="l" defTabSz="914400" rtl="0" eaLnBrk="1" latinLnBrk="0" hangingPunct="1">
+              <a:lnSpc>
+                <a:spcPct val="90000"/>
+              </a:lnSpc>
+              <a:spcBef>
+                <a:spcPts val="500"/>
+              </a:spcBef>
+              <a:buFont typeface="Arial" panose="020B0604020202020204" pitchFamily="34" charset="0"/>
+              <a:buChar char="•"/>
+              <a:defRPr sz="1800" kern="1200">
+                <a:solidFill>
+                  <a:schemeClr val="tx1"/>
+                </a:solidFill>
+                <a:latin typeface="+mn-lt"/>
+                <a:ea typeface="+mn-ea"/>
+                <a:cs typeface="+mn-cs"/>
+              </a:defRPr>
+            </a:lvl6pPr>
+            <a:lvl7pPr marL="2971800" indent="-228600" algn="l" defTabSz="914400" rtl="0" eaLnBrk="1" latinLnBrk="0" hangingPunct="1">
+              <a:lnSpc>
+                <a:spcPct val="90000"/>
+              </a:lnSpc>
+              <a:spcBef>
+                <a:spcPts val="500"/>
+              </a:spcBef>
+              <a:buFont typeface="Arial" panose="020B0604020202020204" pitchFamily="34" charset="0"/>
+              <a:buChar char="•"/>
+              <a:defRPr sz="1800" kern="1200">
+                <a:solidFill>
+                  <a:schemeClr val="tx1"/>
+                </a:solidFill>
+                <a:latin typeface="+mn-lt"/>
+                <a:ea typeface="+mn-ea"/>
+                <a:cs typeface="+mn-cs"/>
+              </a:defRPr>
+            </a:lvl7pPr>
+            <a:lvl8pPr marL="3429000" indent="-228600" algn="l" defTabSz="914400" rtl="0" eaLnBrk="1" latinLnBrk="0" hangingPunct="1">
+              <a:lnSpc>
+                <a:spcPct val="90000"/>
+              </a:lnSpc>
+              <a:spcBef>
+                <a:spcPts val="500"/>
+              </a:spcBef>
+              <a:buFont typeface="Arial" panose="020B0604020202020204" pitchFamily="34" charset="0"/>
+              <a:buChar char="•"/>
+              <a:defRPr sz="1800" kern="1200">
+                <a:solidFill>
+                  <a:schemeClr val="tx1"/>
+                </a:solidFill>
+                <a:latin typeface="+mn-lt"/>
+                <a:ea typeface="+mn-ea"/>
+                <a:cs typeface="+mn-cs"/>
+              </a:defRPr>
+            </a:lvl8pPr>
+            <a:lvl9pPr marL="3886200" indent="-228600" algn="l" defTabSz="914400" rtl="0" eaLnBrk="1" latinLnBrk="0" hangingPunct="1">
+              <a:lnSpc>
+                <a:spcPct val="90000"/>
+              </a:lnSpc>
+              <a:spcBef>
+                <a:spcPts val="500"/>
+              </a:spcBef>
+              <a:buFont typeface="Arial" panose="020B0604020202020204" pitchFamily="34" charset="0"/>
+              <a:buChar char="•"/>
+              <a:defRPr sz="1800" kern="1200">
+                <a:solidFill>
+                  <a:schemeClr val="tx1"/>
+                </a:solidFill>
+                <a:latin typeface="+mn-lt"/>
+                <a:ea typeface="+mn-ea"/>
+                <a:cs typeface="+mn-cs"/>
+              </a:defRPr>
+            </a:lvl9pPr>
+          </a:lstStyle>
+          <a:p>
+            <a:pPr marL="0" indent="0" algn="r" rtl="1">
+              <a:buNone/>
+            </a:pPr>
+            <a:r>
+              <a:rPr lang="en-US" sz="2000" b="0" i="0" dirty="0">
+                <a:solidFill>
+                  <a:srgbClr val="4B4F58"/>
+                </a:solidFill>
+                <a:effectLst/>
+                <a:latin typeface="lists-font"/>
+              </a:rPr>
+              <a:t>Retrieval-Augmented Generation (RAG)</a:t>
+            </a:r>
+            <a:endParaRPr lang="fa-IR" sz="2000" dirty="0"/>
           </a:p>
         </p:txBody>
       </p:sp>
     </p:spTree>
     <p:extLst>
       <p:ext uri="{BB962C8B-B14F-4D97-AF65-F5344CB8AC3E}">
-        <p14:creationId xmlns:p14="http://schemas.microsoft.com/office/powerpoint/2010/main" val="1909735869"/>
+        <p14:creationId xmlns:p14="http://schemas.microsoft.com/office/powerpoint/2010/main" val="3181932350"/>
       </p:ext>
     </p:extLst>
   </p:cSld>
@@ -4401,7 +6221,7 @@
           <p:cNvPr id="2" name="Title 1">
             <a:extLst>
               <a:ext uri="{FF2B5EF4-FFF2-40B4-BE49-F238E27FC236}">
-                <a16:creationId xmlns:a16="http://schemas.microsoft.com/office/drawing/2014/main" id="{0DEEE280-61D4-C51E-550B-D6416CECC62B}"/>
+                <a16:creationId xmlns:a16="http://schemas.microsoft.com/office/drawing/2014/main" id="{BEB20751-D6F9-8204-5F56-650410C2500D}"/>
               </a:ext>
             </a:extLst>
           </p:cNvPr>
@@ -4412,44 +6232,664 @@
             <p:ph type="title"/>
           </p:nvPr>
         </p:nvSpPr>
-        <p:spPr/>
-        <p:txBody>
-          <a:bodyPr/>
+        <p:spPr>
+          <a:xfrm>
+            <a:off x="838200" y="302372"/>
+            <a:ext cx="10515600" cy="1325563"/>
+          </a:xfrm>
+        </p:spPr>
+        <p:txBody>
+          <a:bodyPr>
+            <a:normAutofit/>
+          </a:bodyPr>
           <a:lstStyle/>
           <a:p>
-            <a:endParaRPr lang="fa-IR"/>
-          </a:p>
-        </p:txBody>
-      </p:sp>
-      <p:sp>
-        <p:nvSpPr>
-          <p:cNvPr id="3" name="Content Placeholder 2">
-            <a:extLst>
-              <a:ext uri="{FF2B5EF4-FFF2-40B4-BE49-F238E27FC236}">
-                <a16:creationId xmlns:a16="http://schemas.microsoft.com/office/drawing/2014/main" id="{543A5400-804E-F8B5-03A3-429E5191212B}"/>
-              </a:ext>
-            </a:extLst>
-          </p:cNvPr>
-          <p:cNvSpPr>
-            <a:spLocks noGrp="1"/>
-          </p:cNvSpPr>
+            <a:pPr algn="r" rtl="1"/>
+            <a:r>
+              <a:rPr lang="fa-IR" sz="3600" b="1" dirty="0">
+                <a:cs typeface="B Nazanin" panose="00000400000000000000" pitchFamily="2" charset="-78"/>
+              </a:rPr>
+              <a:t>مقایسه سه </a:t>
+            </a:r>
+            <a:r>
+              <a:rPr lang="fa-IR" sz="3600" b="1" dirty="0" err="1">
+                <a:cs typeface="B Nazanin" panose="00000400000000000000" pitchFamily="2" charset="-78"/>
+              </a:rPr>
+              <a:t>راهکار</a:t>
+            </a:r>
+            <a:r>
+              <a:rPr lang="en-US" sz="3600" b="1" dirty="0">
+                <a:cs typeface="B Nazanin" panose="00000400000000000000" pitchFamily="2" charset="-78"/>
+              </a:rPr>
+              <a:t>Pre-training </a:t>
+            </a:r>
+            <a:r>
+              <a:rPr lang="fa-IR" sz="3600" b="1" dirty="0">
+                <a:cs typeface="B Nazanin" panose="00000400000000000000" pitchFamily="2" charset="-78"/>
+              </a:rPr>
+              <a:t>، </a:t>
+            </a:r>
+            <a:r>
+              <a:rPr lang="en-US" sz="3600" b="1" dirty="0">
+                <a:cs typeface="B Nazanin" panose="00000400000000000000" pitchFamily="2" charset="-78"/>
+              </a:rPr>
+              <a:t> Finetuning</a:t>
+            </a:r>
+            <a:r>
+              <a:rPr lang="fa-IR" sz="3600" b="1" dirty="0">
+                <a:cs typeface="B Nazanin" panose="00000400000000000000" pitchFamily="2" charset="-78"/>
+              </a:rPr>
+              <a:t>و </a:t>
+            </a:r>
+            <a:r>
+              <a:rPr lang="en-US" sz="3600" b="1" dirty="0">
+                <a:cs typeface="B Nazanin" panose="00000400000000000000" pitchFamily="2" charset="-78"/>
+              </a:rPr>
+              <a:t>RAG</a:t>
+            </a:r>
+            <a:endParaRPr lang="fa-IR" sz="3600" b="1" dirty="0">
+              <a:cs typeface="B Nazanin" panose="00000400000000000000" pitchFamily="2" charset="-78"/>
+            </a:endParaRPr>
+          </a:p>
+        </p:txBody>
+      </p:sp>
+      <p:graphicFrame>
+        <p:nvGraphicFramePr>
+          <p:cNvPr id="4" name="Content Placeholder 3">
+            <a:extLst>
+              <a:ext uri="{FF2B5EF4-FFF2-40B4-BE49-F238E27FC236}">
+                <a16:creationId xmlns:a16="http://schemas.microsoft.com/office/drawing/2014/main" id="{681F7A35-33E6-1D7F-927A-A00B2531866C}"/>
+              </a:ext>
+            </a:extLst>
+          </p:cNvPr>
+          <p:cNvGraphicFramePr>
+            <a:graphicFrameLocks noGrp="1"/>
+          </p:cNvGraphicFramePr>
           <p:nvPr>
             <p:ph idx="1"/>
-          </p:nvPr>
-        </p:nvSpPr>
-        <p:spPr/>
-        <p:txBody>
-          <a:bodyPr/>
-          <a:lstStyle/>
-          <a:p>
-            <a:endParaRPr lang="fa-IR"/>
-          </a:p>
-        </p:txBody>
-      </p:sp>
+            <p:extLst>
+              <p:ext uri="{D42A27DB-BD31-4B8C-83A1-F6EECF244321}">
+                <p14:modId xmlns:p14="http://schemas.microsoft.com/office/powerpoint/2010/main" val="4048027755"/>
+              </p:ext>
+            </p:extLst>
+          </p:nvPr>
+        </p:nvGraphicFramePr>
+        <p:xfrm>
+          <a:off x="838200" y="1350495"/>
+          <a:ext cx="10515600" cy="5271322"/>
+        </p:xfrm>
+        <a:graphic>
+          <a:graphicData uri="http://schemas.openxmlformats.org/drawingml/2006/table">
+            <a:tbl>
+              <a:tblPr rtl="1" firstRow="1" bandRow="1">
+                <a:tableStyleId>{5C22544A-7EE6-4342-B048-85BDC9FD1C3A}</a:tableStyleId>
+              </a:tblPr>
+              <a:tblGrid>
+                <a:gridCol w="2156012">
+                  <a:extLst>
+                    <a:ext uri="{9D8B030D-6E8A-4147-A177-3AD203B41FA5}">
+                      <a16:colId xmlns:a16="http://schemas.microsoft.com/office/drawing/2014/main" val="3606271277"/>
+                    </a:ext>
+                  </a:extLst>
+                </a:gridCol>
+                <a:gridCol w="3101788">
+                  <a:extLst>
+                    <a:ext uri="{9D8B030D-6E8A-4147-A177-3AD203B41FA5}">
+                      <a16:colId xmlns:a16="http://schemas.microsoft.com/office/drawing/2014/main" val="3450439336"/>
+                    </a:ext>
+                  </a:extLst>
+                </a:gridCol>
+                <a:gridCol w="2628900">
+                  <a:extLst>
+                    <a:ext uri="{9D8B030D-6E8A-4147-A177-3AD203B41FA5}">
+                      <a16:colId xmlns:a16="http://schemas.microsoft.com/office/drawing/2014/main" val="1743241370"/>
+                    </a:ext>
+                  </a:extLst>
+                </a:gridCol>
+                <a:gridCol w="2628900">
+                  <a:extLst>
+                    <a:ext uri="{9D8B030D-6E8A-4147-A177-3AD203B41FA5}">
+                      <a16:colId xmlns:a16="http://schemas.microsoft.com/office/drawing/2014/main" val="4055511178"/>
+                    </a:ext>
+                  </a:extLst>
+                </a:gridCol>
+              </a:tblGrid>
+              <a:tr h="966358">
+                <a:tc>
+                  <a:txBody>
+                    <a:bodyPr/>
+                    <a:lstStyle/>
+                    <a:p>
+                      <a:pPr algn="ctr" rtl="1">
+                        <a:lnSpc>
+                          <a:spcPct val="250000"/>
+                        </a:lnSpc>
+                      </a:pPr>
+                      <a:r>
+                        <a:rPr lang="fa-IR" dirty="0">
+                          <a:cs typeface="B Nazanin" panose="00000400000000000000" pitchFamily="2" charset="-78"/>
+                        </a:rPr>
+                        <a:t>شاخصه / روش</a:t>
+                      </a:r>
+                    </a:p>
+                  </a:txBody>
+                  <a:tcPr/>
+                </a:tc>
+                <a:tc>
+                  <a:txBody>
+                    <a:bodyPr/>
+                    <a:lstStyle/>
+                    <a:p>
+                      <a:pPr marL="0" algn="ctr" defTabSz="914400" rtl="1" eaLnBrk="1" latinLnBrk="0" hangingPunct="1">
+                        <a:lnSpc>
+                          <a:spcPct val="250000"/>
+                        </a:lnSpc>
+                      </a:pPr>
+                      <a:r>
+                        <a:rPr lang="en-US" sz="2000" b="1" kern="1200" dirty="0">
+                          <a:solidFill>
+                            <a:schemeClr val="lt1"/>
+                          </a:solidFill>
+                          <a:latin typeface="+mn-lt"/>
+                          <a:ea typeface="+mn-ea"/>
+                          <a:cs typeface="+mj-cs"/>
+                        </a:rPr>
+                        <a:t>Pre-training</a:t>
+                      </a:r>
+                      <a:endParaRPr lang="fa-IR" sz="2000" b="1" kern="1200" dirty="0">
+                        <a:solidFill>
+                          <a:schemeClr val="lt1"/>
+                        </a:solidFill>
+                        <a:latin typeface="+mn-lt"/>
+                        <a:ea typeface="+mn-ea"/>
+                        <a:cs typeface="+mj-cs"/>
+                      </a:endParaRPr>
+                    </a:p>
+                  </a:txBody>
+                  <a:tcPr/>
+                </a:tc>
+                <a:tc>
+                  <a:txBody>
+                    <a:bodyPr/>
+                    <a:lstStyle/>
+                    <a:p>
+                      <a:pPr marL="0" algn="ctr" defTabSz="914400" rtl="1" eaLnBrk="1" latinLnBrk="0" hangingPunct="1">
+                        <a:lnSpc>
+                          <a:spcPct val="250000"/>
+                        </a:lnSpc>
+                      </a:pPr>
+                      <a:r>
+                        <a:rPr lang="en-US" sz="2000" b="1" kern="1200" dirty="0">
+                          <a:solidFill>
+                            <a:schemeClr val="lt1"/>
+                          </a:solidFill>
+                          <a:latin typeface="+mn-lt"/>
+                          <a:ea typeface="+mn-ea"/>
+                          <a:cs typeface="+mj-cs"/>
+                        </a:rPr>
+                        <a:t>Finetuning</a:t>
+                      </a:r>
+                      <a:endParaRPr lang="fa-IR" sz="2000" b="1" kern="1200" dirty="0">
+                        <a:solidFill>
+                          <a:schemeClr val="lt1"/>
+                        </a:solidFill>
+                        <a:latin typeface="+mn-lt"/>
+                        <a:ea typeface="+mn-ea"/>
+                        <a:cs typeface="+mj-cs"/>
+                      </a:endParaRPr>
+                    </a:p>
+                  </a:txBody>
+                  <a:tcPr/>
+                </a:tc>
+                <a:tc>
+                  <a:txBody>
+                    <a:bodyPr/>
+                    <a:lstStyle/>
+                    <a:p>
+                      <a:pPr marL="0" algn="ctr" defTabSz="914400" rtl="1" eaLnBrk="1" latinLnBrk="0" hangingPunct="1">
+                        <a:lnSpc>
+                          <a:spcPct val="250000"/>
+                        </a:lnSpc>
+                      </a:pPr>
+                      <a:r>
+                        <a:rPr lang="en-US" sz="2000" b="1" kern="1200" dirty="0">
+                          <a:solidFill>
+                            <a:schemeClr val="lt1"/>
+                          </a:solidFill>
+                          <a:latin typeface="+mn-lt"/>
+                          <a:ea typeface="+mn-ea"/>
+                          <a:cs typeface="+mj-cs"/>
+                        </a:rPr>
+                        <a:t>RAG</a:t>
+                      </a:r>
+                      <a:endParaRPr lang="fa-IR" sz="2000" b="1" kern="1200" dirty="0">
+                        <a:solidFill>
+                          <a:schemeClr val="lt1"/>
+                        </a:solidFill>
+                        <a:latin typeface="+mn-lt"/>
+                        <a:ea typeface="+mn-ea"/>
+                        <a:cs typeface="+mj-cs"/>
+                      </a:endParaRPr>
+                    </a:p>
+                  </a:txBody>
+                  <a:tcPr/>
+                </a:tc>
+                <a:extLst>
+                  <a:ext uri="{0D108BD9-81ED-4DB2-BD59-A6C34878D82A}">
+                    <a16:rowId xmlns:a16="http://schemas.microsoft.com/office/drawing/2014/main" val="3600483953"/>
+                  </a:ext>
+                </a:extLst>
+              </a:tr>
+              <a:tr h="966358">
+                <a:tc>
+                  <a:txBody>
+                    <a:bodyPr/>
+                    <a:lstStyle/>
+                    <a:p>
+                      <a:pPr algn="ctr" rtl="1">
+                        <a:lnSpc>
+                          <a:spcPct val="250000"/>
+                        </a:lnSpc>
+                      </a:pPr>
+                      <a:r>
+                        <a:rPr lang="fa-IR" b="1" dirty="0">
+                          <a:cs typeface="B Nazanin" panose="00000400000000000000" pitchFamily="2" charset="-78"/>
+                        </a:rPr>
+                        <a:t>تعریف</a:t>
+                      </a:r>
+                    </a:p>
+                  </a:txBody>
+                  <a:tcPr/>
+                </a:tc>
+                <a:tc>
+                  <a:txBody>
+                    <a:bodyPr/>
+                    <a:lstStyle/>
+                    <a:p>
+                      <a:pPr algn="ctr" rtl="1">
+                        <a:lnSpc>
+                          <a:spcPct val="250000"/>
+                        </a:lnSpc>
+                      </a:pPr>
+                      <a:r>
+                        <a:rPr lang="fa-IR" dirty="0">
+                          <a:cs typeface="B Nazanin" panose="00000400000000000000" pitchFamily="2" charset="-78"/>
+                        </a:rPr>
+                        <a:t>آموزش </a:t>
+                      </a:r>
+                      <a:r>
+                        <a:rPr lang="en-US" dirty="0">
+                          <a:cs typeface="B Nazanin" panose="00000400000000000000" pitchFamily="2" charset="-78"/>
+                        </a:rPr>
+                        <a:t> LLM</a:t>
+                      </a:r>
+                      <a:r>
+                        <a:rPr lang="fa-IR" dirty="0">
+                          <a:cs typeface="B Nazanin" panose="00000400000000000000" pitchFamily="2" charset="-78"/>
+                        </a:rPr>
+                        <a:t>از ابتدا</a:t>
+                      </a:r>
+                    </a:p>
+                  </a:txBody>
+                  <a:tcPr/>
+                </a:tc>
+                <a:tc>
+                  <a:txBody>
+                    <a:bodyPr/>
+                    <a:lstStyle/>
+                    <a:p>
+                      <a:pPr algn="ctr" rtl="1">
+                        <a:lnSpc>
+                          <a:spcPct val="250000"/>
+                        </a:lnSpc>
+                      </a:pPr>
+                      <a:r>
+                        <a:rPr lang="fa-IR" dirty="0">
+                          <a:cs typeface="B Nazanin" panose="00000400000000000000" pitchFamily="2" charset="-78"/>
+                        </a:rPr>
+                        <a:t>تنظیم دقیق روی </a:t>
+                      </a:r>
+                      <a:r>
+                        <a:rPr lang="fa-IR" dirty="0" err="1">
+                          <a:cs typeface="B Nazanin" panose="00000400000000000000" pitchFamily="2" charset="-78"/>
+                        </a:rPr>
+                        <a:t>داده‌های</a:t>
+                      </a:r>
+                      <a:r>
+                        <a:rPr lang="fa-IR" dirty="0">
+                          <a:cs typeface="B Nazanin" panose="00000400000000000000" pitchFamily="2" charset="-78"/>
+                        </a:rPr>
+                        <a:t> جدید</a:t>
+                      </a:r>
+                    </a:p>
+                  </a:txBody>
+                  <a:tcPr/>
+                </a:tc>
+                <a:tc>
+                  <a:txBody>
+                    <a:bodyPr/>
+                    <a:lstStyle/>
+                    <a:p>
+                      <a:pPr algn="ctr" rtl="1">
+                        <a:lnSpc>
+                          <a:spcPct val="250000"/>
+                        </a:lnSpc>
+                      </a:pPr>
+                      <a:r>
+                        <a:rPr lang="fa-IR" dirty="0">
+                          <a:cs typeface="B Nazanin" panose="00000400000000000000" pitchFamily="2" charset="-78"/>
+                        </a:rPr>
+                        <a:t> تقویت ورودی مدل </a:t>
+                      </a:r>
+                    </a:p>
+                  </a:txBody>
+                  <a:tcPr/>
+                </a:tc>
+                <a:extLst>
+                  <a:ext uri="{0D108BD9-81ED-4DB2-BD59-A6C34878D82A}">
+                    <a16:rowId xmlns:a16="http://schemas.microsoft.com/office/drawing/2014/main" val="3251915678"/>
+                  </a:ext>
+                </a:extLst>
+              </a:tr>
+              <a:tr h="966358">
+                <a:tc>
+                  <a:txBody>
+                    <a:bodyPr/>
+                    <a:lstStyle/>
+                    <a:p>
+                      <a:pPr algn="ctr" rtl="1">
+                        <a:lnSpc>
+                          <a:spcPct val="250000"/>
+                        </a:lnSpc>
+                      </a:pPr>
+                      <a:r>
+                        <a:rPr lang="fa-IR" b="1" dirty="0">
+                          <a:cs typeface="B Nazanin" panose="00000400000000000000" pitchFamily="2" charset="-78"/>
+                        </a:rPr>
+                        <a:t>هزینه </a:t>
+                      </a:r>
+                      <a:r>
+                        <a:rPr lang="fa-IR" b="1" dirty="0" err="1">
+                          <a:cs typeface="B Nazanin" panose="00000400000000000000" pitchFamily="2" charset="-78"/>
+                        </a:rPr>
+                        <a:t>پردازشی</a:t>
+                      </a:r>
+                      <a:r>
+                        <a:rPr lang="fa-IR" b="1" dirty="0">
+                          <a:cs typeface="B Nazanin" panose="00000400000000000000" pitchFamily="2" charset="-78"/>
+                        </a:rPr>
+                        <a:t> و زمانی</a:t>
+                      </a:r>
+                    </a:p>
+                  </a:txBody>
+                  <a:tcPr/>
+                </a:tc>
+                <a:tc>
+                  <a:txBody>
+                    <a:bodyPr/>
+                    <a:lstStyle/>
+                    <a:p>
+                      <a:pPr algn="ctr" rtl="1">
+                        <a:lnSpc>
+                          <a:spcPct val="250000"/>
+                        </a:lnSpc>
+                      </a:pPr>
+                      <a:endParaRPr lang="fa-IR" dirty="0">
+                        <a:cs typeface="B Nazanin" panose="00000400000000000000" pitchFamily="2" charset="-78"/>
+                      </a:endParaRPr>
+                    </a:p>
+                  </a:txBody>
+                  <a:tcPr/>
+                </a:tc>
+                <a:tc>
+                  <a:txBody>
+                    <a:bodyPr/>
+                    <a:lstStyle/>
+                    <a:p>
+                      <a:pPr algn="ctr" rtl="1">
+                        <a:lnSpc>
+                          <a:spcPct val="250000"/>
+                        </a:lnSpc>
+                      </a:pPr>
+                      <a:endParaRPr lang="fa-IR" dirty="0">
+                        <a:cs typeface="B Nazanin" panose="00000400000000000000" pitchFamily="2" charset="-78"/>
+                      </a:endParaRPr>
+                    </a:p>
+                  </a:txBody>
+                  <a:tcPr/>
+                </a:tc>
+                <a:tc>
+                  <a:txBody>
+                    <a:bodyPr/>
+                    <a:lstStyle/>
+                    <a:p>
+                      <a:pPr algn="ctr" rtl="1">
+                        <a:lnSpc>
+                          <a:spcPct val="250000"/>
+                        </a:lnSpc>
+                      </a:pPr>
+                      <a:endParaRPr lang="fa-IR" dirty="0">
+                        <a:cs typeface="B Nazanin" panose="00000400000000000000" pitchFamily="2" charset="-78"/>
+                      </a:endParaRPr>
+                    </a:p>
+                  </a:txBody>
+                  <a:tcPr/>
+                </a:tc>
+                <a:extLst>
+                  <a:ext uri="{0D108BD9-81ED-4DB2-BD59-A6C34878D82A}">
+                    <a16:rowId xmlns:a16="http://schemas.microsoft.com/office/drawing/2014/main" val="4123008050"/>
+                  </a:ext>
+                </a:extLst>
+              </a:tr>
+              <a:tr h="966358">
+                <a:tc>
+                  <a:txBody>
+                    <a:bodyPr/>
+                    <a:lstStyle/>
+                    <a:p>
+                      <a:pPr algn="ctr" rtl="1">
+                        <a:lnSpc>
+                          <a:spcPct val="250000"/>
+                        </a:lnSpc>
+                      </a:pPr>
+                      <a:r>
+                        <a:rPr lang="fa-IR" b="1" dirty="0">
+                          <a:cs typeface="B Nazanin" panose="00000400000000000000" pitchFamily="2" charset="-78"/>
+                        </a:rPr>
+                        <a:t>نکات مثبت و منفی</a:t>
+                      </a:r>
+                    </a:p>
+                  </a:txBody>
+                  <a:tcPr/>
+                </a:tc>
+                <a:tc>
+                  <a:txBody>
+                    <a:bodyPr/>
+                    <a:lstStyle/>
+                    <a:p>
+                      <a:pPr algn="ctr" rtl="1">
+                        <a:lnSpc>
+                          <a:spcPct val="250000"/>
+                        </a:lnSpc>
+                      </a:pPr>
+                      <a:endParaRPr lang="fa-IR" dirty="0">
+                        <a:cs typeface="B Nazanin" panose="00000400000000000000" pitchFamily="2" charset="-78"/>
+                      </a:endParaRPr>
+                    </a:p>
+                  </a:txBody>
+                  <a:tcPr/>
+                </a:tc>
+                <a:tc>
+                  <a:txBody>
+                    <a:bodyPr/>
+                    <a:lstStyle/>
+                    <a:p>
+                      <a:pPr algn="ctr" rtl="1">
+                        <a:lnSpc>
+                          <a:spcPct val="250000"/>
+                        </a:lnSpc>
+                      </a:pPr>
+                      <a:endParaRPr lang="fa-IR" dirty="0">
+                        <a:cs typeface="B Nazanin" panose="00000400000000000000" pitchFamily="2" charset="-78"/>
+                      </a:endParaRPr>
+                    </a:p>
+                  </a:txBody>
+                  <a:tcPr/>
+                </a:tc>
+                <a:tc>
+                  <a:txBody>
+                    <a:bodyPr/>
+                    <a:lstStyle/>
+                    <a:p>
+                      <a:pPr algn="ctr" rtl="1">
+                        <a:lnSpc>
+                          <a:spcPct val="250000"/>
+                        </a:lnSpc>
+                      </a:pPr>
+                      <a:endParaRPr lang="fa-IR" dirty="0">
+                        <a:cs typeface="B Nazanin" panose="00000400000000000000" pitchFamily="2" charset="-78"/>
+                      </a:endParaRPr>
+                    </a:p>
+                  </a:txBody>
+                  <a:tcPr/>
+                </a:tc>
+                <a:extLst>
+                  <a:ext uri="{0D108BD9-81ED-4DB2-BD59-A6C34878D82A}">
+                    <a16:rowId xmlns:a16="http://schemas.microsoft.com/office/drawing/2014/main" val="3833215576"/>
+                  </a:ext>
+                </a:extLst>
+              </a:tr>
+              <a:tr h="1339701">
+                <a:tc>
+                  <a:txBody>
+                    <a:bodyPr/>
+                    <a:lstStyle/>
+                    <a:p>
+                      <a:pPr algn="ctr" rtl="1">
+                        <a:lnSpc>
+                          <a:spcPct val="250000"/>
+                        </a:lnSpc>
+                      </a:pPr>
+                      <a:r>
+                        <a:rPr lang="fa-IR" b="1" dirty="0">
+                          <a:cs typeface="B Nazanin" panose="00000400000000000000" pitchFamily="2" charset="-78"/>
+                        </a:rPr>
+                        <a:t>موارد درست استفاده</a:t>
+                      </a:r>
+                    </a:p>
+                  </a:txBody>
+                  <a:tcPr/>
+                </a:tc>
+                <a:tc>
+                  <a:txBody>
+                    <a:bodyPr/>
+                    <a:lstStyle/>
+                    <a:p>
+                      <a:pPr marL="285750" indent="-285750" algn="r" rtl="1">
+                        <a:lnSpc>
+                          <a:spcPct val="150000"/>
+                        </a:lnSpc>
+                        <a:buFont typeface="Arial" panose="020B0604020202020204" pitchFamily="34" charset="0"/>
+                        <a:buChar char="•"/>
+                      </a:pPr>
+                      <a:r>
+                        <a:rPr lang="fa-IR" sz="1600" dirty="0">
+                          <a:cs typeface="B Nazanin" panose="00000400000000000000" pitchFamily="2" charset="-78"/>
+                        </a:rPr>
+                        <a:t>آموزش </a:t>
+                      </a:r>
+                      <a:r>
+                        <a:rPr lang="fa-IR" sz="1600" dirty="0" err="1">
+                          <a:cs typeface="B Nazanin" panose="00000400000000000000" pitchFamily="2" charset="-78"/>
+                        </a:rPr>
+                        <a:t>مدل‌زبانی</a:t>
+                      </a:r>
+                      <a:r>
+                        <a:rPr lang="fa-IR" sz="1600" dirty="0">
+                          <a:cs typeface="B Nazanin" panose="00000400000000000000" pitchFamily="2" charset="-78"/>
+                        </a:rPr>
+                        <a:t> بر روی زبانی جدید</a:t>
+                      </a:r>
+                    </a:p>
+                    <a:p>
+                      <a:pPr marL="285750" indent="-285750" algn="r" rtl="1">
+                        <a:lnSpc>
+                          <a:spcPct val="150000"/>
+                        </a:lnSpc>
+                        <a:buFont typeface="Arial" panose="020B0604020202020204" pitchFamily="34" charset="0"/>
+                        <a:buChar char="•"/>
+                      </a:pPr>
+                      <a:r>
+                        <a:rPr lang="fa-IR" sz="1600" dirty="0">
+                          <a:cs typeface="B Nazanin" panose="00000400000000000000" pitchFamily="2" charset="-78"/>
+                        </a:rPr>
+                        <a:t>بهبود ارکان اصلی یا معماری مدل</a:t>
+                      </a:r>
+                    </a:p>
+                    <a:p>
+                      <a:pPr algn="r" rtl="1">
+                        <a:lnSpc>
+                          <a:spcPct val="250000"/>
+                        </a:lnSpc>
+                      </a:pPr>
+                      <a:r>
+                        <a:rPr lang="fa-IR" dirty="0">
+                          <a:cs typeface="B Nazanin" panose="00000400000000000000" pitchFamily="2" charset="-78"/>
+                        </a:rPr>
+                        <a:t> </a:t>
+                      </a:r>
+                    </a:p>
+                  </a:txBody>
+                  <a:tcPr/>
+                </a:tc>
+                <a:tc>
+                  <a:txBody>
+                    <a:bodyPr/>
+                    <a:lstStyle/>
+                    <a:p>
+                      <a:pPr algn="ctr" rtl="1">
+                        <a:lnSpc>
+                          <a:spcPct val="250000"/>
+                        </a:lnSpc>
+                      </a:pPr>
+                      <a:endParaRPr lang="fa-IR" dirty="0">
+                        <a:cs typeface="B Nazanin" panose="00000400000000000000" pitchFamily="2" charset="-78"/>
+                      </a:endParaRPr>
+                    </a:p>
+                  </a:txBody>
+                  <a:tcPr/>
+                </a:tc>
+                <a:tc>
+                  <a:txBody>
+                    <a:bodyPr/>
+                    <a:lstStyle/>
+                    <a:p>
+                      <a:pPr algn="ctr" rtl="1">
+                        <a:lnSpc>
+                          <a:spcPct val="250000"/>
+                        </a:lnSpc>
+                      </a:pPr>
+                      <a:endParaRPr lang="fa-IR" dirty="0">
+                        <a:cs typeface="B Nazanin" panose="00000400000000000000" pitchFamily="2" charset="-78"/>
+                      </a:endParaRPr>
+                    </a:p>
+                  </a:txBody>
+                  <a:tcPr/>
+                </a:tc>
+                <a:extLst>
+                  <a:ext uri="{0D108BD9-81ED-4DB2-BD59-A6C34878D82A}">
+                    <a16:rowId xmlns:a16="http://schemas.microsoft.com/office/drawing/2014/main" val="3170194775"/>
+                  </a:ext>
+                </a:extLst>
+              </a:tr>
+            </a:tbl>
+          </a:graphicData>
+        </a:graphic>
+      </p:graphicFrame>
     </p:spTree>
     <p:extLst>
       <p:ext uri="{BB962C8B-B14F-4D97-AF65-F5344CB8AC3E}">
-        <p14:creationId xmlns:p14="http://schemas.microsoft.com/office/powerpoint/2010/main" val="3515634735"/>
+        <p14:creationId xmlns:p14="http://schemas.microsoft.com/office/powerpoint/2010/main" val="1909735869"/>
       </p:ext>
     </p:extLst>
   </p:cSld>
@@ -4481,7 +6921,7 @@
           <p:cNvPr id="2" name="Title 1">
             <a:extLst>
               <a:ext uri="{FF2B5EF4-FFF2-40B4-BE49-F238E27FC236}">
-                <a16:creationId xmlns:a16="http://schemas.microsoft.com/office/drawing/2014/main" id="{134A17B7-0BDC-47F3-5396-E81FD66A36EA}"/>
+                <a16:creationId xmlns:a16="http://schemas.microsoft.com/office/drawing/2014/main" id="{9B0479D0-88FE-F28A-E61A-8E58FB181443}"/>
               </a:ext>
             </a:extLst>
           </p:cNvPr>
@@ -4497,7 +6937,19 @@
           <a:bodyPr/>
           <a:lstStyle/>
           <a:p>
-            <a:endParaRPr lang="fa-IR"/>
+            <a:pPr algn="r" rtl="1"/>
+            <a:r>
+              <a:rPr lang="fa-IR" dirty="0"/>
+              <a:t>چرا </a:t>
+            </a:r>
+            <a:r>
+              <a:rPr lang="en-US" dirty="0"/>
+              <a:t>RAG</a:t>
+            </a:r>
+            <a:r>
+              <a:rPr lang="fa-IR" dirty="0"/>
+              <a:t>؟</a:t>
+            </a:r>
           </a:p>
         </p:txBody>
       </p:sp>
@@ -4506,7 +6958,7 @@
           <p:cNvPr id="3" name="Content Placeholder 2">
             <a:extLst>
               <a:ext uri="{FF2B5EF4-FFF2-40B4-BE49-F238E27FC236}">
-                <a16:creationId xmlns:a16="http://schemas.microsoft.com/office/drawing/2014/main" id="{8BC3FECF-C53F-7E00-90C0-6919419B52FA}"/>
+                <a16:creationId xmlns:a16="http://schemas.microsoft.com/office/drawing/2014/main" id="{BBF4A23D-98D7-EBD0-0C6E-FBABC69569C1}"/>
               </a:ext>
             </a:extLst>
           </p:cNvPr>
@@ -4522,14 +6974,54 @@
           <a:bodyPr/>
           <a:lstStyle/>
           <a:p>
-            <a:endParaRPr lang="fa-IR"/>
+            <a:pPr algn="r" rtl="1"/>
+            <a:r>
+              <a:rPr lang="fa-IR" dirty="0" err="1"/>
+              <a:t>مدل‌های</a:t>
+            </a:r>
+            <a:r>
+              <a:rPr lang="fa-IR" dirty="0"/>
+              <a:t> زبانی </a:t>
+            </a:r>
+            <a:r>
+              <a:rPr lang="fa-IR" dirty="0" err="1"/>
+              <a:t>متن‌باز</a:t>
+            </a:r>
+            <a:r>
+              <a:rPr lang="fa-IR" dirty="0"/>
+              <a:t> (</a:t>
+            </a:r>
+            <a:r>
+              <a:rPr lang="en-US" dirty="0"/>
+              <a:t>Open-source</a:t>
+            </a:r>
+            <a:r>
+              <a:rPr lang="fa-IR" dirty="0"/>
+              <a:t>) به خوبی درک زبانی، </a:t>
+            </a:r>
+            <a:r>
+              <a:rPr lang="fa-IR" dirty="0" err="1"/>
+              <a:t>دانش‌های</a:t>
+            </a:r>
+            <a:r>
+              <a:rPr lang="fa-IR" dirty="0"/>
+              <a:t> پایه و استدلال منطقی را یاد </a:t>
+            </a:r>
+            <a:r>
+              <a:rPr lang="fa-IR" dirty="0" err="1"/>
+              <a:t>گرفته‌اند</a:t>
+            </a:r>
+            <a:r>
+              <a:rPr lang="fa-IR" dirty="0"/>
+              <a:t> و آموزش مجدد یک مدل اغلب اتلاف هزینه است.</a:t>
+            </a:r>
           </a:p>
         </p:txBody>
       </p:sp>
     </p:spTree>
     <p:extLst>
       <p:ext uri="{BB962C8B-B14F-4D97-AF65-F5344CB8AC3E}">
-        <p14:creationId xmlns:p14="http://schemas.microsoft.com/office/powerpoint/2010/main" val="3492333029"/>
+        <p14:creationId xmlns:p14="http://schemas.microsoft.com/office/powerpoint/2010/main" val="813789335"/>
       </p:ext>
     </p:extLst>
   </p:cSld>
@@ -4561,7 +7053,7 @@
           <p:cNvPr id="2" name="Title 1">
             <a:extLst>
               <a:ext uri="{FF2B5EF4-FFF2-40B4-BE49-F238E27FC236}">
-                <a16:creationId xmlns:a16="http://schemas.microsoft.com/office/drawing/2014/main" id="{49692620-32EF-ED06-86F4-F45D4D2DEC61}"/>
+                <a16:creationId xmlns:a16="http://schemas.microsoft.com/office/drawing/2014/main" id="{0DEEE280-61D4-C51E-550B-D6416CECC62B}"/>
               </a:ext>
             </a:extLst>
           </p:cNvPr>
@@ -4574,10 +7066,23 @@
         </p:nvSpPr>
         <p:spPr/>
         <p:txBody>
-          <a:bodyPr/>
+          <a:bodyPr>
+            <a:normAutofit/>
+          </a:bodyPr>
           <a:lstStyle/>
           <a:p>
-            <a:endParaRPr lang="fa-IR"/>
+            <a:pPr algn="r" rtl="1"/>
+            <a:r>
+              <a:rPr lang="fa-IR" sz="4000" b="1" dirty="0">
+                <a:cs typeface="B Nazanin" panose="00000400000000000000" pitchFamily="2" charset="-78"/>
+              </a:rPr>
+              <a:t>نحوه عملکرد </a:t>
+            </a:r>
+            <a:r>
+              <a:rPr lang="en-US" sz="4000" b="1" dirty="0"/>
+              <a:t>RAG</a:t>
+            </a:r>
+            <a:endParaRPr lang="fa-IR" sz="4000" b="1" dirty="0"/>
           </a:p>
         </p:txBody>
       </p:sp>
@@ -4586,7 +7091,7 @@
           <p:cNvPr id="3" name="Content Placeholder 2">
             <a:extLst>
               <a:ext uri="{FF2B5EF4-FFF2-40B4-BE49-F238E27FC236}">
-                <a16:creationId xmlns:a16="http://schemas.microsoft.com/office/drawing/2014/main" id="{64609014-3E9C-3A54-C1CE-4FC924A4FF30}"/>
+                <a16:creationId xmlns:a16="http://schemas.microsoft.com/office/drawing/2014/main" id="{543A5400-804E-F8B5-03A3-429E5191212B}"/>
               </a:ext>
             </a:extLst>
           </p:cNvPr>
@@ -4609,7 +7114,7 @@
     </p:spTree>
     <p:extLst>
       <p:ext uri="{BB962C8B-B14F-4D97-AF65-F5344CB8AC3E}">
-        <p14:creationId xmlns:p14="http://schemas.microsoft.com/office/powerpoint/2010/main" val="4022629440"/>
+        <p14:creationId xmlns:p14="http://schemas.microsoft.com/office/powerpoint/2010/main" val="3515634735"/>
       </p:ext>
     </p:extLst>
   </p:cSld>
@@ -4641,7 +7146,7 @@
           <p:cNvPr id="2" name="Title 1">
             <a:extLst>
               <a:ext uri="{FF2B5EF4-FFF2-40B4-BE49-F238E27FC236}">
-                <a16:creationId xmlns:a16="http://schemas.microsoft.com/office/drawing/2014/main" id="{43199FBF-A5B5-58B6-5DBF-490086264C30}"/>
+                <a16:creationId xmlns:a16="http://schemas.microsoft.com/office/drawing/2014/main" id="{134A17B7-0BDC-47F3-5396-E81FD66A36EA}"/>
               </a:ext>
             </a:extLst>
           </p:cNvPr>
@@ -4666,7 +7171,7 @@
           <p:cNvPr id="3" name="Content Placeholder 2">
             <a:extLst>
               <a:ext uri="{FF2B5EF4-FFF2-40B4-BE49-F238E27FC236}">
-                <a16:creationId xmlns:a16="http://schemas.microsoft.com/office/drawing/2014/main" id="{B2F063A0-3C26-B4A0-17C9-9E6666A0B941}"/>
+                <a16:creationId xmlns:a16="http://schemas.microsoft.com/office/drawing/2014/main" id="{8BC3FECF-C53F-7E00-90C0-6919419B52FA}"/>
               </a:ext>
             </a:extLst>
           </p:cNvPr>
@@ -4689,7 +7194,7 @@
     </p:spTree>
     <p:extLst>
       <p:ext uri="{BB962C8B-B14F-4D97-AF65-F5344CB8AC3E}">
-        <p14:creationId xmlns:p14="http://schemas.microsoft.com/office/powerpoint/2010/main" val="2144957078"/>
+        <p14:creationId xmlns:p14="http://schemas.microsoft.com/office/powerpoint/2010/main" val="3492333029"/>
       </p:ext>
     </p:extLst>
   </p:cSld>

--- a/RAG.pptx
+++ b/RAG.pptx
@@ -4400,8 +4400,8 @@
         </p:nvSpPr>
         <p:spPr>
           <a:xfrm>
-            <a:off x="838199" y="1448733"/>
-            <a:ext cx="10515600" cy="1701800"/>
+            <a:off x="838199" y="1242545"/>
+            <a:ext cx="10515600" cy="628743"/>
           </a:xfrm>
         </p:spPr>
         <p:txBody>
@@ -4411,29 +4411,22 @@
           <a:lstStyle/>
           <a:p>
             <a:r>
+              <a:rPr lang="en-US" sz="6000" dirty="0">
+                <a:solidFill>
+                  <a:schemeClr val="accent1">
+                    <a:lumMod val="75000"/>
+                  </a:schemeClr>
+                </a:solidFill>
+                <a:latin typeface="Arial Black" panose="020B0A04020102020204" pitchFamily="34" charset="0"/>
+              </a:rPr>
+              <a:t>RAG</a:t>
+            </a:r>
+            <a:r>
               <a:rPr lang="en-US" sz="5400" dirty="0">
                 <a:latin typeface="Arial Black" panose="020B0A04020102020204" pitchFamily="34" charset="0"/>
               </a:rPr>
-              <a:t>RAG </a:t>
-            </a:r>
-            <a:br>
-              <a:rPr lang="en-US" sz="5400" dirty="0">
-                <a:latin typeface="Arial Black" panose="020B0A04020102020204" pitchFamily="34" charset="0"/>
-              </a:rPr>
-            </a:br>
-            <a:r>
-              <a:rPr lang="en-US" sz="5400" b="0" i="0" dirty="0">
-                <a:solidFill>
-                  <a:srgbClr val="4B4F58"/>
-                </a:solidFill>
-                <a:effectLst/>
-                <a:latin typeface="lists-font"/>
-              </a:rPr>
-              <a:t>Retrieval-Augmented Generation</a:t>
-            </a:r>
-            <a:br>
-              <a:rPr lang="fa-IR" sz="5400" dirty="0"/>
-            </a:br>
+              <a:t> </a:t>
+            </a:r>
             <a:endParaRPr lang="fa-IR" sz="5400" dirty="0">
               <a:latin typeface="Arial Black" panose="020B0A04020102020204" pitchFamily="34" charset="0"/>
             </a:endParaRPr>
@@ -4557,6 +4550,68 @@
             </a:r>
             <a:endParaRPr lang="fa-IR" sz="1600" b="1" dirty="0">
               <a:cs typeface="B Nazanin" panose="00000400000000000000" pitchFamily="2" charset="-78"/>
+            </a:endParaRPr>
+          </a:p>
+        </p:txBody>
+      </p:sp>
+      <p:sp>
+        <p:nvSpPr>
+          <p:cNvPr id="3" name="Title 1">
+            <a:extLst>
+              <a:ext uri="{FF2B5EF4-FFF2-40B4-BE49-F238E27FC236}">
+                <a16:creationId xmlns:a16="http://schemas.microsoft.com/office/drawing/2014/main" id="{D39AD3B7-2442-918C-A431-4C6037C71AF3}"/>
+              </a:ext>
+            </a:extLst>
+          </p:cNvPr>
+          <p:cNvSpPr txBox="1">
+            <a:spLocks/>
+          </p:cNvSpPr>
+          <p:nvPr/>
+        </p:nvSpPr>
+        <p:spPr>
+          <a:xfrm>
+            <a:off x="838199" y="2077476"/>
+            <a:ext cx="10515600" cy="444314"/>
+          </a:xfrm>
+          <a:prstGeom prst="rect">
+            <a:avLst/>
+          </a:prstGeom>
+        </p:spPr>
+        <p:txBody>
+          <a:bodyPr vert="horz" lIns="91440" tIns="45720" rIns="91440" bIns="45720" rtlCol="0" anchor="ctr">
+            <a:noAutofit/>
+          </a:bodyPr>
+          <a:lstStyle>
+            <a:lvl1pPr algn="l" defTabSz="914400" rtl="0" eaLnBrk="1" latinLnBrk="0" hangingPunct="1">
+              <a:lnSpc>
+                <a:spcPct val="90000"/>
+              </a:lnSpc>
+              <a:spcBef>
+                <a:spcPct val="0"/>
+              </a:spcBef>
+              <a:buNone/>
+              <a:defRPr sz="4400" kern="1200">
+                <a:solidFill>
+                  <a:schemeClr val="tx1"/>
+                </a:solidFill>
+                <a:latin typeface="+mj-lt"/>
+                <a:ea typeface="+mj-ea"/>
+                <a:cs typeface="+mj-cs"/>
+              </a:defRPr>
+            </a:lvl1pPr>
+          </a:lstStyle>
+          <a:p>
+            <a:r>
+              <a:rPr lang="en-US" dirty="0">
+                <a:solidFill>
+                  <a:srgbClr val="4B4F58"/>
+                </a:solidFill>
+                <a:latin typeface="lists-font"/>
+              </a:rPr>
+              <a:t>Retrieval-Augmented Generation</a:t>
+            </a:r>
+            <a:endParaRPr lang="fa-IR" dirty="0">
+              <a:latin typeface="Arial Black" panose="020B0A04020102020204" pitchFamily="34" charset="0"/>
             </a:endParaRPr>
           </a:p>
         </p:txBody>
@@ -4617,18 +4672,33 @@
             <a:pPr algn="r"/>
             <a:r>
               <a:rPr lang="fa-IR" sz="4000" b="1" dirty="0">
+                <a:solidFill>
+                  <a:schemeClr val="accent1">
+                    <a:lumMod val="75000"/>
+                  </a:schemeClr>
+                </a:solidFill>
                 <a:cs typeface="B Nazanin" panose="00000400000000000000" pitchFamily="2" charset="-78"/>
               </a:rPr>
               <a:t>ضعف دانشی </a:t>
             </a:r>
             <a:r>
               <a:rPr lang="fa-IR" sz="4000" b="1" dirty="0" err="1">
+                <a:solidFill>
+                  <a:schemeClr val="accent1">
+                    <a:lumMod val="75000"/>
+                  </a:schemeClr>
+                </a:solidFill>
                 <a:cs typeface="B Nazanin" panose="00000400000000000000" pitchFamily="2" charset="-78"/>
               </a:rPr>
               <a:t>مدل‌های</a:t>
             </a:r>
             <a:r>
               <a:rPr lang="fa-IR" sz="4000" b="1" dirty="0">
+                <a:solidFill>
+                  <a:schemeClr val="accent1">
+                    <a:lumMod val="75000"/>
+                  </a:schemeClr>
+                </a:solidFill>
                 <a:cs typeface="B Nazanin" panose="00000400000000000000" pitchFamily="2" charset="-78"/>
               </a:rPr>
               <a:t> زبانی</a:t>
@@ -5066,24 +5136,44 @@
             <a:pPr algn="r" rtl="1"/>
             <a:r>
               <a:rPr lang="fa-IR" sz="3200" b="1" dirty="0" err="1">
+                <a:solidFill>
+                  <a:schemeClr val="accent1">
+                    <a:lumMod val="75000"/>
+                  </a:schemeClr>
+                </a:solidFill>
                 <a:cs typeface="B Nazanin" panose="00000400000000000000" pitchFamily="2" charset="-78"/>
               </a:rPr>
               <a:t>راه‌های</a:t>
             </a:r>
             <a:r>
               <a:rPr lang="fa-IR" sz="3200" b="1" dirty="0">
+                <a:solidFill>
+                  <a:schemeClr val="accent1">
+                    <a:lumMod val="75000"/>
+                  </a:schemeClr>
+                </a:solidFill>
                 <a:cs typeface="B Nazanin" panose="00000400000000000000" pitchFamily="2" charset="-78"/>
               </a:rPr>
               <a:t> افزودن دانش و اطلاعات جدید به </a:t>
             </a:r>
             <a:r>
               <a:rPr lang="fa-IR" sz="3200" b="1" dirty="0" err="1">
+                <a:solidFill>
+                  <a:schemeClr val="accent1">
+                    <a:lumMod val="75000"/>
+                  </a:schemeClr>
+                </a:solidFill>
                 <a:cs typeface="B Nazanin" panose="00000400000000000000" pitchFamily="2" charset="-78"/>
               </a:rPr>
               <a:t>مدل‌های</a:t>
             </a:r>
             <a:r>
               <a:rPr lang="fa-IR" sz="3200" b="1" dirty="0">
+                <a:solidFill>
+                  <a:schemeClr val="accent1">
+                    <a:lumMod val="75000"/>
+                  </a:schemeClr>
+                </a:solidFill>
                 <a:cs typeface="B Nazanin" panose="00000400000000000000" pitchFamily="2" charset="-78"/>
               </a:rPr>
               <a:t> زبانی</a:t>
@@ -5119,19 +5209,19 @@
           <a:p>
             <a:pPr algn="r" rtl="1"/>
             <a:r>
-              <a:rPr lang="fa-IR" dirty="0">
+              <a:rPr lang="fa-IR" sz="2400" b="1" dirty="0">
                 <a:cs typeface="B Nazanin" panose="00000400000000000000" pitchFamily="2" charset="-78"/>
               </a:rPr>
               <a:t>آموزش دادن یک مدل زبانی از ابتدا بر روی کل </a:t>
             </a:r>
             <a:r>
-              <a:rPr lang="fa-IR" dirty="0" err="1">
+              <a:rPr lang="fa-IR" sz="2400" b="1" dirty="0" err="1">
                 <a:cs typeface="B Nazanin" panose="00000400000000000000" pitchFamily="2" charset="-78"/>
               </a:rPr>
               <a:t>داده‌های</a:t>
             </a:r>
             <a:r>
-              <a:rPr lang="fa-IR" dirty="0">
+              <a:rPr lang="fa-IR" sz="2400" b="1" dirty="0">
                 <a:cs typeface="B Nazanin" panose="00000400000000000000" pitchFamily="2" charset="-78"/>
               </a:rPr>
               <a:t> مورد نظر</a:t>
@@ -5550,7 +5640,7 @@
           <a:p>
             <a:pPr algn="r" rtl="1"/>
             <a:r>
-              <a:rPr lang="fa-IR" dirty="0">
+              <a:rPr lang="fa-IR" sz="2400" b="1" dirty="0">
                 <a:cs typeface="B Nazanin" panose="00000400000000000000" pitchFamily="2" charset="-78"/>
               </a:rPr>
               <a:t>تنظیم مجدد یک مدل آموزش دیده بر روی داده های جدید</a:t>
@@ -5756,7 +5846,7 @@
           <a:p>
             <a:pPr algn="r" rtl="1"/>
             <a:r>
-              <a:rPr lang="fa-IR" dirty="0">
+              <a:rPr lang="fa-IR" sz="2400" b="1" dirty="0">
                 <a:cs typeface="B Nazanin" panose="00000400000000000000" pitchFamily="2" charset="-78"/>
               </a:rPr>
               <a:t>تقویت ورودی مدل زبانی با ضمیمه کردن دانش و اطلاعات مربوط به سوال</a:t>
@@ -6234,8 +6324,8 @@
         </p:nvSpPr>
         <p:spPr>
           <a:xfrm>
-            <a:off x="838200" y="302372"/>
-            <a:ext cx="10515600" cy="1325563"/>
+            <a:off x="1241612" y="80685"/>
+            <a:ext cx="10515600" cy="956123"/>
           </a:xfrm>
         </p:spPr>
         <p:txBody>
@@ -6261,7 +6351,7 @@
               <a:rPr lang="en-US" sz="3600" b="1" dirty="0">
                 <a:cs typeface="B Nazanin" panose="00000400000000000000" pitchFamily="2" charset="-78"/>
               </a:rPr>
-              <a:t>Pre-training </a:t>
+              <a:t> Pre-training </a:t>
             </a:r>
             <a:r>
               <a:rPr lang="fa-IR" sz="3600" b="1" dirty="0">
@@ -6273,7 +6363,7 @@
               <a:rPr lang="en-US" sz="3600" b="1" dirty="0">
                 <a:cs typeface="B Nazanin" panose="00000400000000000000" pitchFamily="2" charset="-78"/>
               </a:rPr>
-              <a:t> Finetuning</a:t>
+              <a:t> Fine-tuning</a:t>
             </a:r>
             <a:r>
               <a:rPr lang="fa-IR" sz="3600" b="1" dirty="0">
@@ -6309,14 +6399,14 @@
             <p:ph idx="1"/>
             <p:extLst>
               <p:ext uri="{D42A27DB-BD31-4B8C-83A1-F6EECF244321}">
-                <p14:modId xmlns:p14="http://schemas.microsoft.com/office/powerpoint/2010/main" val="4048027755"/>
+                <p14:modId xmlns:p14="http://schemas.microsoft.com/office/powerpoint/2010/main" val="1336978911"/>
               </p:ext>
             </p:extLst>
           </p:nvPr>
         </p:nvGraphicFramePr>
         <p:xfrm>
-          <a:off x="838200" y="1350495"/>
-          <a:ext cx="10515600" cy="5271322"/>
+          <a:off x="316704" y="1036808"/>
+          <a:ext cx="11558591" cy="5419565"/>
         </p:xfrm>
         <a:graphic>
           <a:graphicData uri="http://schemas.openxmlformats.org/drawingml/2006/table">
@@ -6325,28 +6415,28 @@
                 <a:tableStyleId>{5C22544A-7EE6-4342-B048-85BDC9FD1C3A}</a:tableStyleId>
               </a:tblPr>
               <a:tblGrid>
-                <a:gridCol w="2156012">
+                <a:gridCol w="1682424">
                   <a:extLst>
                     <a:ext uri="{9D8B030D-6E8A-4147-A177-3AD203B41FA5}">
                       <a16:colId xmlns:a16="http://schemas.microsoft.com/office/drawing/2014/main" val="3606271277"/>
                     </a:ext>
                   </a:extLst>
                 </a:gridCol>
-                <a:gridCol w="3101788">
+                <a:gridCol w="3862579">
                   <a:extLst>
                     <a:ext uri="{9D8B030D-6E8A-4147-A177-3AD203B41FA5}">
                       <a16:colId xmlns:a16="http://schemas.microsoft.com/office/drawing/2014/main" val="3450439336"/>
                     </a:ext>
                   </a:extLst>
                 </a:gridCol>
-                <a:gridCol w="2628900">
+                <a:gridCol w="3297283">
                   <a:extLst>
                     <a:ext uri="{9D8B030D-6E8A-4147-A177-3AD203B41FA5}">
                       <a16:colId xmlns:a16="http://schemas.microsoft.com/office/drawing/2014/main" val="1743241370"/>
                     </a:ext>
                   </a:extLst>
                 </a:gridCol>
-                <a:gridCol w="2628900">
+                <a:gridCol w="2716305">
                   <a:extLst>
                     <a:ext uri="{9D8B030D-6E8A-4147-A177-3AD203B41FA5}">
                       <a16:colId xmlns:a16="http://schemas.microsoft.com/office/drawing/2014/main" val="4055511178"/>
@@ -6354,7 +6444,7 @@
                   </a:extLst>
                 </a:gridCol>
               </a:tblGrid>
-              <a:tr h="966358">
+              <a:tr h="549945">
                 <a:tc>
                   <a:txBody>
                     <a:bodyPr/>
@@ -6362,7 +6452,7 @@
                     <a:p>
                       <a:pPr algn="ctr" rtl="1">
                         <a:lnSpc>
-                          <a:spcPct val="250000"/>
+                          <a:spcPct val="200000"/>
                         </a:lnSpc>
                       </a:pPr>
                       <a:r>
@@ -6382,7 +6472,7 @@
                     <a:p>
                       <a:pPr marL="0" algn="ctr" defTabSz="914400" rtl="1" eaLnBrk="1" latinLnBrk="0" hangingPunct="1">
                         <a:lnSpc>
-                          <a:spcPct val="250000"/>
+                          <a:spcPct val="150000"/>
                         </a:lnSpc>
                       </a:pPr>
                       <a:r>
@@ -6415,7 +6505,7 @@
                     <a:p>
                       <a:pPr marL="0" algn="ctr" defTabSz="914400" rtl="1" eaLnBrk="1" latinLnBrk="0" hangingPunct="1">
                         <a:lnSpc>
-                          <a:spcPct val="250000"/>
+                          <a:spcPct val="150000"/>
                         </a:lnSpc>
                       </a:pPr>
                       <a:r>
@@ -6427,7 +6517,7 @@
                           <a:ea typeface="+mn-ea"/>
                           <a:cs typeface="+mj-cs"/>
                         </a:rPr>
-                        <a:t>Finetuning</a:t>
+                        <a:t>Fine-tuning</a:t>
                       </a:r>
                       <a:endParaRPr lang="fa-IR" sz="2000" b="1" kern="1200" dirty="0">
                         <a:solidFill>
@@ -6448,7 +6538,7 @@
                     <a:p>
                       <a:pPr marL="0" algn="ctr" defTabSz="914400" rtl="1" eaLnBrk="1" latinLnBrk="0" hangingPunct="1">
                         <a:lnSpc>
-                          <a:spcPct val="250000"/>
+                          <a:spcPct val="150000"/>
                         </a:lnSpc>
                       </a:pPr>
                       <a:r>
@@ -6480,7 +6570,7 @@
                   </a:ext>
                 </a:extLst>
               </a:tr>
-              <a:tr h="966358">
+              <a:tr h="566490">
                 <a:tc>
                   <a:txBody>
                     <a:bodyPr/>
@@ -6488,11 +6578,16 @@
                     <a:p>
                       <a:pPr algn="ctr" rtl="1">
                         <a:lnSpc>
-                          <a:spcPct val="250000"/>
+                          <a:spcPct val="150000"/>
                         </a:lnSpc>
                       </a:pPr>
                       <a:r>
                         <a:rPr lang="fa-IR" b="1" dirty="0">
+                          <a:solidFill>
+                            <a:schemeClr val="accent1">
+                              <a:lumMod val="50000"/>
+                            </a:schemeClr>
+                          </a:solidFill>
                           <a:cs typeface="B Nazanin" panose="00000400000000000000" pitchFamily="2" charset="-78"/>
                         </a:rPr>
                         <a:t>تعریف</a:t>
@@ -6508,26 +6603,14 @@
                     <a:p>
                       <a:pPr algn="ctr" rtl="1">
                         <a:lnSpc>
-                          <a:spcPct val="250000"/>
+                          <a:spcPct val="150000"/>
                         </a:lnSpc>
                       </a:pPr>
                       <a:r>
-                        <a:rPr lang="fa-IR" dirty="0">
+                        <a:rPr lang="fa-IR" sz="1600" b="1" dirty="0">
                           <a:cs typeface="B Nazanin" panose="00000400000000000000" pitchFamily="2" charset="-78"/>
                         </a:rPr>
-                        <a:t>آموزش </a:t>
-                      </a:r>
-                      <a:r>
-                        <a:rPr lang="en-US" dirty="0">
-                          <a:cs typeface="B Nazanin" panose="00000400000000000000" pitchFamily="2" charset="-78"/>
-                        </a:rPr>
-                        <a:t> LLM</a:t>
-                      </a:r>
-                      <a:r>
-                        <a:rPr lang="fa-IR" dirty="0">
-                          <a:cs typeface="B Nazanin" panose="00000400000000000000" pitchFamily="2" charset="-78"/>
-                        </a:rPr>
-                        <a:t>از ابتدا</a:t>
+                        <a:t>آموزش مدل زبانی از ابتدا</a:t>
                       </a:r>
                     </a:p>
                   </a:txBody>
@@ -6540,23 +6623,23 @@
                     <a:p>
                       <a:pPr algn="ctr" rtl="1">
                         <a:lnSpc>
-                          <a:spcPct val="250000"/>
+                          <a:spcPct val="150000"/>
                         </a:lnSpc>
                       </a:pPr>
                       <a:r>
-                        <a:rPr lang="fa-IR" dirty="0">
+                        <a:rPr lang="fa-IR" sz="1600" b="1" dirty="0">
                           <a:cs typeface="B Nazanin" panose="00000400000000000000" pitchFamily="2" charset="-78"/>
                         </a:rPr>
-                        <a:t>تنظیم دقیق روی </a:t>
+                        <a:t>تنظیم دقیق مدل ‌زبانی روی </a:t>
                       </a:r>
                       <a:r>
-                        <a:rPr lang="fa-IR" dirty="0" err="1">
+                        <a:rPr lang="fa-IR" sz="1600" b="1" dirty="0" err="1">
                           <a:cs typeface="B Nazanin" panose="00000400000000000000" pitchFamily="2" charset="-78"/>
                         </a:rPr>
                         <a:t>داده‌های</a:t>
                       </a:r>
                       <a:r>
-                        <a:rPr lang="fa-IR" dirty="0">
+                        <a:rPr lang="fa-IR" sz="1600" b="1" dirty="0">
                           <a:cs typeface="B Nazanin" panose="00000400000000000000" pitchFamily="2" charset="-78"/>
                         </a:rPr>
                         <a:t> جدید</a:t>
@@ -6572,11 +6655,11 @@
                     <a:p>
                       <a:pPr algn="ctr" rtl="1">
                         <a:lnSpc>
-                          <a:spcPct val="250000"/>
+                          <a:spcPct val="150000"/>
                         </a:lnSpc>
                       </a:pPr>
                       <a:r>
-                        <a:rPr lang="fa-IR" dirty="0">
+                        <a:rPr lang="fa-IR" sz="1600" b="1" dirty="0">
                           <a:cs typeface="B Nazanin" panose="00000400000000000000" pitchFamily="2" charset="-78"/>
                         </a:rPr>
                         <a:t> تقویت ورودی مدل </a:t>
@@ -6591,7 +6674,7 @@
                   </a:ext>
                 </a:extLst>
               </a:tr>
-              <a:tr h="966358">
+              <a:tr h="1476212">
                 <a:tc>
                   <a:txBody>
                     <a:bodyPr/>
@@ -6599,23 +6682,53 @@
                     <a:p>
                       <a:pPr algn="ctr" rtl="1">
                         <a:lnSpc>
-                          <a:spcPct val="250000"/>
+                          <a:spcPct val="150000"/>
+                        </a:lnSpc>
+                      </a:pPr>
+                      <a:endParaRPr lang="fa-IR" b="1" dirty="0">
+                        <a:solidFill>
+                          <a:schemeClr val="accent1">
+                            <a:lumMod val="50000"/>
+                          </a:schemeClr>
+                        </a:solidFill>
+                        <a:cs typeface="B Nazanin" panose="00000400000000000000" pitchFamily="2" charset="-78"/>
+                      </a:endParaRPr>
+                    </a:p>
+                    <a:p>
+                      <a:pPr algn="ctr" rtl="1">
+                        <a:lnSpc>
+                          <a:spcPct val="150000"/>
                         </a:lnSpc>
                       </a:pPr>
                       <a:r>
                         <a:rPr lang="fa-IR" b="1" dirty="0">
+                          <a:solidFill>
+                            <a:schemeClr val="accent1">
+                              <a:lumMod val="50000"/>
+                            </a:schemeClr>
+                          </a:solidFill>
                           <a:cs typeface="B Nazanin" panose="00000400000000000000" pitchFamily="2" charset="-78"/>
                         </a:rPr>
                         <a:t>هزینه </a:t>
                       </a:r>
                       <a:r>
                         <a:rPr lang="fa-IR" b="1" dirty="0" err="1">
+                          <a:solidFill>
+                            <a:schemeClr val="accent1">
+                              <a:lumMod val="50000"/>
+                            </a:schemeClr>
+                          </a:solidFill>
                           <a:cs typeface="B Nazanin" panose="00000400000000000000" pitchFamily="2" charset="-78"/>
                         </a:rPr>
                         <a:t>پردازشی</a:t>
                       </a:r>
                       <a:r>
                         <a:rPr lang="fa-IR" b="1" dirty="0">
+                          <a:solidFill>
+                            <a:schemeClr val="accent1">
+                              <a:lumMod val="50000"/>
+                            </a:schemeClr>
+                          </a:solidFill>
                           <a:cs typeface="B Nazanin" panose="00000400000000000000" pitchFamily="2" charset="-78"/>
                         </a:rPr>
                         <a:t> و زمانی</a:t>
@@ -6629,12 +6742,150 @@
                     <a:bodyPr/>
                     <a:lstStyle/>
                     <a:p>
-                      <a:pPr algn="ctr" rtl="1">
+                      <a:pPr marL="0" indent="0" algn="r" rtl="1">
                         <a:lnSpc>
-                          <a:spcPct val="250000"/>
+                          <a:spcPct val="150000"/>
                         </a:lnSpc>
+                        <a:buFont typeface="Arial" panose="020B0604020202020204" pitchFamily="34" charset="0"/>
+                        <a:buNone/>
                       </a:pPr>
-                      <a:endParaRPr lang="fa-IR" dirty="0">
+                      <a:r>
+                        <a:rPr lang="fa-IR" sz="1600" b="1" dirty="0">
+                          <a:cs typeface="B Nazanin" panose="00000400000000000000" pitchFamily="2" charset="-78"/>
+                        </a:rPr>
+                        <a:t>صدها هزار </a:t>
+                      </a:r>
+                      <a:r>
+                        <a:rPr lang="fa-IR" sz="1600" b="1" dirty="0" err="1">
+                          <a:cs typeface="B Nazanin" panose="00000400000000000000" pitchFamily="2" charset="-78"/>
+                        </a:rPr>
+                        <a:t>گیگابایت</a:t>
+                      </a:r>
+                      <a:r>
+                        <a:rPr lang="fa-IR" sz="1600" b="1" dirty="0">
+                          <a:cs typeface="B Nazanin" panose="00000400000000000000" pitchFamily="2" charset="-78"/>
+                        </a:rPr>
+                        <a:t> ظرفیت </a:t>
+                      </a:r>
+                      <a:r>
+                        <a:rPr lang="fa-IR" sz="1600" b="1" dirty="0" err="1">
+                          <a:cs typeface="B Nazanin" panose="00000400000000000000" pitchFamily="2" charset="-78"/>
+                        </a:rPr>
+                        <a:t>پردازشی</a:t>
+                      </a:r>
+                      <a:r>
+                        <a:rPr lang="fa-IR" sz="1600" b="1" dirty="0">
+                          <a:cs typeface="B Nazanin" panose="00000400000000000000" pitchFamily="2" charset="-78"/>
+                        </a:rPr>
+                        <a:t> </a:t>
+                      </a:r>
+                      <a:r>
+                        <a:rPr lang="fa-IR" sz="1600" b="1" dirty="0" err="1">
+                          <a:cs typeface="B Nazanin" panose="00000400000000000000" pitchFamily="2" charset="-78"/>
+                        </a:rPr>
+                        <a:t>گرافیکی</a:t>
+                      </a:r>
+                      <a:endParaRPr lang="fa-IR" sz="1600" b="1" dirty="0">
+                        <a:cs typeface="B Nazanin" panose="00000400000000000000" pitchFamily="2" charset="-78"/>
+                      </a:endParaRPr>
+                    </a:p>
+                    <a:p>
+                      <a:pPr marL="0" indent="0" algn="r" rtl="1">
+                        <a:lnSpc>
+                          <a:spcPct val="150000"/>
+                        </a:lnSpc>
+                        <a:buFont typeface="Arial" panose="020B0604020202020204" pitchFamily="34" charset="0"/>
+                        <a:buNone/>
+                      </a:pPr>
+                      <a:r>
+                        <a:rPr lang="fa-IR" sz="1600" b="1" dirty="0">
+                          <a:cs typeface="B Nazanin" panose="00000400000000000000" pitchFamily="2" charset="-78"/>
+                        </a:rPr>
+                        <a:t>چندین ماه یا سال</a:t>
+                      </a:r>
+                    </a:p>
+                    <a:p>
+                      <a:pPr marL="0" indent="0" algn="r" rtl="1">
+                        <a:lnSpc>
+                          <a:spcPct val="150000"/>
+                        </a:lnSpc>
+                        <a:buFont typeface="Arial" panose="020B0604020202020204" pitchFamily="34" charset="0"/>
+                        <a:buNone/>
+                      </a:pPr>
+                      <a:r>
+                        <a:rPr lang="fa-IR" sz="1600" b="1" dirty="0" err="1">
+                          <a:cs typeface="B Nazanin" panose="00000400000000000000" pitchFamily="2" charset="-78"/>
+                        </a:rPr>
+                        <a:t>ده‌ها</a:t>
+                      </a:r>
+                      <a:r>
+                        <a:rPr lang="fa-IR" sz="1600" b="1" dirty="0">
+                          <a:cs typeface="B Nazanin" panose="00000400000000000000" pitchFamily="2" charset="-78"/>
+                        </a:rPr>
+                        <a:t> متخصص و </a:t>
+                      </a:r>
+                      <a:r>
+                        <a:rPr lang="fa-IR" sz="1600" b="1" dirty="0" err="1">
+                          <a:cs typeface="B Nazanin" panose="00000400000000000000" pitchFamily="2" charset="-78"/>
+                        </a:rPr>
+                        <a:t>توسعه‌دهنده</a:t>
+                      </a:r>
+                      <a:endParaRPr lang="fa-IR" sz="1600" b="1" dirty="0">
+                        <a:cs typeface="B Nazanin" panose="00000400000000000000" pitchFamily="2" charset="-78"/>
+                      </a:endParaRPr>
+                    </a:p>
+                    <a:p>
+                      <a:pPr marL="0" marR="0" lvl="0" indent="0" algn="r" defTabSz="914400" rtl="1" eaLnBrk="1" fontAlgn="auto" latinLnBrk="0" hangingPunct="1">
+                        <a:lnSpc>
+                          <a:spcPct val="150000"/>
+                        </a:lnSpc>
+                        <a:spcBef>
+                          <a:spcPts val="0"/>
+                        </a:spcBef>
+                        <a:spcAft>
+                          <a:spcPts val="0"/>
+                        </a:spcAft>
+                        <a:buClrTx/>
+                        <a:buSzTx/>
+                        <a:buFont typeface="Arial" panose="020B0604020202020204" pitchFamily="34" charset="0"/>
+                        <a:buNone/>
+                        <a:tabLst/>
+                        <a:defRPr/>
+                      </a:pPr>
+                      <a:r>
+                        <a:rPr lang="fa-IR" sz="1600" b="1" kern="1200" dirty="0">
+                          <a:solidFill>
+                            <a:schemeClr val="dk1"/>
+                          </a:solidFill>
+                          <a:latin typeface="+mn-lt"/>
+                          <a:ea typeface="+mn-ea"/>
+                          <a:cs typeface="B Nazanin" panose="00000400000000000000" pitchFamily="2" charset="-78"/>
+                        </a:rPr>
+                        <a:t>نیاز به تهیه مجموعه داده(</a:t>
+                      </a:r>
+                      <a:r>
+                        <a:rPr lang="en-US" sz="1600" b="1" kern="1200" dirty="0">
+                          <a:solidFill>
+                            <a:schemeClr val="dk1"/>
+                          </a:solidFill>
+                          <a:latin typeface="+mn-lt"/>
+                          <a:ea typeface="+mn-ea"/>
+                          <a:cs typeface="B Nazanin" panose="00000400000000000000" pitchFamily="2" charset="-78"/>
+                        </a:rPr>
+                        <a:t>Dataset</a:t>
+                      </a:r>
+                      <a:r>
+                        <a:rPr lang="fa-IR" sz="1600" b="1" kern="1200" dirty="0">
+                          <a:solidFill>
+                            <a:schemeClr val="dk1"/>
+                          </a:solidFill>
+                          <a:latin typeface="+mn-lt"/>
+                          <a:ea typeface="+mn-ea"/>
+                          <a:cs typeface="B Nazanin" panose="00000400000000000000" pitchFamily="2" charset="-78"/>
+                        </a:rPr>
+                        <a:t>)‌ عظیم </a:t>
+                      </a:r>
+                      <a:endParaRPr lang="fa-IR" sz="1600" b="1" dirty="0">
                         <a:cs typeface="B Nazanin" panose="00000400000000000000" pitchFamily="2" charset="-78"/>
                       </a:endParaRPr>
                     </a:p>
@@ -6646,14 +6897,187 @@
                     <a:bodyPr/>
                     <a:lstStyle/>
                     <a:p>
-                      <a:pPr algn="ctr" rtl="1">
+                      <a:pPr marL="0" indent="0" algn="r" defTabSz="914400" rtl="1" eaLnBrk="1" latinLnBrk="0" hangingPunct="1">
                         <a:lnSpc>
-                          <a:spcPct val="250000"/>
+                          <a:spcPct val="150000"/>
                         </a:lnSpc>
+                        <a:buFont typeface="Arial" panose="020B0604020202020204" pitchFamily="34" charset="0"/>
+                        <a:buNone/>
                       </a:pPr>
-                      <a:endParaRPr lang="fa-IR" dirty="0">
+                      <a:r>
+                        <a:rPr lang="fa-IR" sz="1600" b="1" kern="1200" dirty="0" err="1">
+                          <a:solidFill>
+                            <a:schemeClr val="dk1"/>
+                          </a:solidFill>
+                          <a:latin typeface="+mn-lt"/>
+                          <a:ea typeface="+mn-ea"/>
+                          <a:cs typeface="B Nazanin" panose="00000400000000000000" pitchFamily="2" charset="-78"/>
+                        </a:rPr>
+                        <a:t>صد‌ها</a:t>
+                      </a:r>
+                      <a:r>
+                        <a:rPr lang="fa-IR" sz="1600" b="1" kern="1200" dirty="0">
+                          <a:solidFill>
+                            <a:schemeClr val="dk1"/>
+                          </a:solidFill>
+                          <a:latin typeface="+mn-lt"/>
+                          <a:ea typeface="+mn-ea"/>
+                          <a:cs typeface="B Nazanin" panose="00000400000000000000" pitchFamily="2" charset="-78"/>
+                        </a:rPr>
+                        <a:t> </a:t>
+                      </a:r>
+                      <a:r>
+                        <a:rPr lang="fa-IR" sz="1600" b="1" kern="1200" dirty="0" err="1">
+                          <a:solidFill>
+                            <a:schemeClr val="dk1"/>
+                          </a:solidFill>
+                          <a:latin typeface="+mn-lt"/>
+                          <a:ea typeface="+mn-ea"/>
+                          <a:cs typeface="B Nazanin" panose="00000400000000000000" pitchFamily="2" charset="-78"/>
+                        </a:rPr>
+                        <a:t>گیگابایت</a:t>
+                      </a:r>
+                      <a:r>
+                        <a:rPr lang="fa-IR" sz="1600" b="1" kern="1200" dirty="0">
+                          <a:solidFill>
+                            <a:schemeClr val="dk1"/>
+                          </a:solidFill>
+                          <a:latin typeface="+mn-lt"/>
+                          <a:ea typeface="+mn-ea"/>
+                          <a:cs typeface="B Nazanin" panose="00000400000000000000" pitchFamily="2" charset="-78"/>
+                        </a:rPr>
+                        <a:t> ظرفیت </a:t>
+                      </a:r>
+                      <a:r>
+                        <a:rPr lang="fa-IR" sz="1600" b="1" kern="1200" dirty="0" err="1">
+                          <a:solidFill>
+                            <a:schemeClr val="dk1"/>
+                          </a:solidFill>
+                          <a:latin typeface="+mn-lt"/>
+                          <a:ea typeface="+mn-ea"/>
+                          <a:cs typeface="B Nazanin" panose="00000400000000000000" pitchFamily="2" charset="-78"/>
+                        </a:rPr>
+                        <a:t>پردازشی</a:t>
+                      </a:r>
+                      <a:r>
+                        <a:rPr lang="fa-IR" sz="1600" b="1" kern="1200" dirty="0">
+                          <a:solidFill>
+                            <a:schemeClr val="dk1"/>
+                          </a:solidFill>
+                          <a:latin typeface="+mn-lt"/>
+                          <a:ea typeface="+mn-ea"/>
+                          <a:cs typeface="B Nazanin" panose="00000400000000000000" pitchFamily="2" charset="-78"/>
+                        </a:rPr>
+                        <a:t> </a:t>
+                      </a:r>
+                      <a:r>
+                        <a:rPr lang="fa-IR" sz="1600" b="1" kern="1200" dirty="0" err="1">
+                          <a:solidFill>
+                            <a:schemeClr val="dk1"/>
+                          </a:solidFill>
+                          <a:latin typeface="+mn-lt"/>
+                          <a:ea typeface="+mn-ea"/>
+                          <a:cs typeface="B Nazanin" panose="00000400000000000000" pitchFamily="2" charset="-78"/>
+                        </a:rPr>
+                        <a:t>گرافیکی</a:t>
+                      </a:r>
+                      <a:endParaRPr lang="fa-IR" sz="1600" b="1" kern="1200" dirty="0">
+                        <a:solidFill>
+                          <a:schemeClr val="dk1"/>
+                        </a:solidFill>
+                        <a:latin typeface="+mn-lt"/>
+                        <a:ea typeface="+mn-ea"/>
                         <a:cs typeface="B Nazanin" panose="00000400000000000000" pitchFamily="2" charset="-78"/>
                       </a:endParaRPr>
+                    </a:p>
+                    <a:p>
+                      <a:pPr marL="0" indent="0" algn="r" defTabSz="914400" rtl="1" eaLnBrk="1" latinLnBrk="0" hangingPunct="1">
+                        <a:lnSpc>
+                          <a:spcPct val="150000"/>
+                        </a:lnSpc>
+                        <a:buFont typeface="Arial" panose="020B0604020202020204" pitchFamily="34" charset="0"/>
+                        <a:buNone/>
+                      </a:pPr>
+                      <a:r>
+                        <a:rPr lang="fa-IR" sz="1600" b="1" kern="1200" dirty="0">
+                          <a:solidFill>
+                            <a:schemeClr val="dk1"/>
+                          </a:solidFill>
+                          <a:latin typeface="+mn-lt"/>
+                          <a:ea typeface="+mn-ea"/>
+                          <a:cs typeface="B Nazanin" panose="00000400000000000000" pitchFamily="2" charset="-78"/>
+                        </a:rPr>
+                        <a:t>چندین ساعت یا روز</a:t>
+                      </a:r>
+                    </a:p>
+                    <a:p>
+                      <a:pPr marL="0" indent="0" algn="r" defTabSz="914400" rtl="1" eaLnBrk="1" latinLnBrk="0" hangingPunct="1">
+                        <a:lnSpc>
+                          <a:spcPct val="150000"/>
+                        </a:lnSpc>
+                        <a:buFont typeface="Arial" panose="020B0604020202020204" pitchFamily="34" charset="0"/>
+                        <a:buNone/>
+                      </a:pPr>
+                      <a:r>
+                        <a:rPr lang="fa-IR" sz="1600" b="1" kern="1200" dirty="0">
+                          <a:solidFill>
+                            <a:schemeClr val="dk1"/>
+                          </a:solidFill>
+                          <a:latin typeface="+mn-lt"/>
+                          <a:ea typeface="+mn-ea"/>
+                          <a:cs typeface="B Nazanin" panose="00000400000000000000" pitchFamily="2" charset="-78"/>
+                        </a:rPr>
+                        <a:t>یک </a:t>
+                      </a:r>
+                      <a:r>
+                        <a:rPr lang="fa-IR" sz="1600" b="1" kern="1200" dirty="0" err="1">
+                          <a:solidFill>
+                            <a:schemeClr val="dk1"/>
+                          </a:solidFill>
+                          <a:latin typeface="+mn-lt"/>
+                          <a:ea typeface="+mn-ea"/>
+                          <a:cs typeface="B Nazanin" panose="00000400000000000000" pitchFamily="2" charset="-78"/>
+                        </a:rPr>
+                        <a:t>توسعه‌دهنده</a:t>
+                      </a:r>
+                      <a:endParaRPr lang="fa-IR" sz="1600" b="1" kern="1200" dirty="0">
+                        <a:solidFill>
+                          <a:schemeClr val="dk1"/>
+                        </a:solidFill>
+                        <a:latin typeface="+mn-lt"/>
+                        <a:ea typeface="+mn-ea"/>
+                        <a:cs typeface="B Nazanin" panose="00000400000000000000" pitchFamily="2" charset="-78"/>
+                      </a:endParaRPr>
+                    </a:p>
+                    <a:p>
+                      <a:pPr marL="0" marR="0" lvl="0" indent="0" algn="r" defTabSz="914400" rtl="1" eaLnBrk="1" fontAlgn="auto" latinLnBrk="0" hangingPunct="1">
+                        <a:lnSpc>
+                          <a:spcPct val="150000"/>
+                        </a:lnSpc>
+                        <a:spcBef>
+                          <a:spcPts val="0"/>
+                        </a:spcBef>
+                        <a:spcAft>
+                          <a:spcPts val="0"/>
+                        </a:spcAft>
+                        <a:buClrTx/>
+                        <a:buSzTx/>
+                        <a:buFont typeface="Arial" panose="020B0604020202020204" pitchFamily="34" charset="0"/>
+                        <a:buNone/>
+                        <a:tabLst/>
+                        <a:defRPr/>
+                      </a:pPr>
+                      <a:r>
+                        <a:rPr lang="fa-IR" sz="1600" b="1" kern="1200" dirty="0">
+                          <a:solidFill>
+                            <a:schemeClr val="dk1"/>
+                          </a:solidFill>
+                          <a:latin typeface="+mn-lt"/>
+                          <a:ea typeface="+mn-ea"/>
+                          <a:cs typeface="B Nazanin" panose="00000400000000000000" pitchFamily="2" charset="-78"/>
+                        </a:rPr>
+                        <a:t>نیاز به تهیه مجموعه داده‌ پرسش و پاسخ</a:t>
+                      </a:r>
                     </a:p>
                   </a:txBody>
                   <a:tcPr/>
@@ -6663,12 +7087,62 @@
                     <a:bodyPr/>
                     <a:lstStyle/>
                     <a:p>
-                      <a:pPr algn="ctr" rtl="1">
+                      <a:pPr algn="r" rtl="1">
                         <a:lnSpc>
-                          <a:spcPct val="250000"/>
+                          <a:spcPct val="150000"/>
                         </a:lnSpc>
                       </a:pPr>
-                      <a:endParaRPr lang="fa-IR" dirty="0">
+                      <a:r>
+                        <a:rPr lang="fa-IR" b="1" dirty="0">
+                          <a:cs typeface="B Nazanin" panose="00000400000000000000" pitchFamily="2" charset="-78"/>
+                        </a:rPr>
+                        <a:t>قابلیت </a:t>
+                      </a:r>
+                      <a:r>
+                        <a:rPr lang="fa-IR" b="1" dirty="0" err="1">
+                          <a:cs typeface="B Nazanin" panose="00000400000000000000" pitchFamily="2" charset="-78"/>
+                        </a:rPr>
+                        <a:t>بهره‌برداری</a:t>
+                      </a:r>
+                      <a:r>
+                        <a:rPr lang="fa-IR" b="1" dirty="0">
+                          <a:cs typeface="B Nazanin" panose="00000400000000000000" pitchFamily="2" charset="-78"/>
+                        </a:rPr>
+                        <a:t> آنی</a:t>
+                      </a:r>
+                    </a:p>
+                    <a:p>
+                      <a:pPr algn="r" rtl="1">
+                        <a:lnSpc>
+                          <a:spcPct val="150000"/>
+                        </a:lnSpc>
+                      </a:pPr>
+                      <a:r>
+                        <a:rPr lang="fa-IR" b="1" dirty="0">
+                          <a:cs typeface="B Nazanin" panose="00000400000000000000" pitchFamily="2" charset="-78"/>
+                        </a:rPr>
+                        <a:t>نیاز به مجموعه داده ندارد</a:t>
+                      </a:r>
+                    </a:p>
+                    <a:p>
+                      <a:pPr algn="r" rtl="1">
+                        <a:lnSpc>
+                          <a:spcPct val="150000"/>
+                        </a:lnSpc>
+                      </a:pPr>
+                      <a:r>
+                        <a:rPr lang="fa-IR" b="1" dirty="0">
+                          <a:cs typeface="B Nazanin" panose="00000400000000000000" pitchFamily="2" charset="-78"/>
+                        </a:rPr>
+                        <a:t>یک </a:t>
+                      </a:r>
+                      <a:r>
+                        <a:rPr lang="fa-IR" b="1" dirty="0" err="1">
+                          <a:cs typeface="B Nazanin" panose="00000400000000000000" pitchFamily="2" charset="-78"/>
+                        </a:rPr>
+                        <a:t>توسعه‌دهنده</a:t>
+                      </a:r>
+                      <a:endParaRPr lang="fa-IR" b="1" dirty="0">
                         <a:cs typeface="B Nazanin" panose="00000400000000000000" pitchFamily="2" charset="-78"/>
                       </a:endParaRPr>
                     </a:p>
@@ -6681,7 +7155,7 @@
                   </a:ext>
                 </a:extLst>
               </a:tr>
-              <a:tr h="966358">
+              <a:tr h="1050716">
                 <a:tc>
                   <a:txBody>
                     <a:bodyPr/>
@@ -6689,14 +7163,34 @@
                     <a:p>
                       <a:pPr algn="ctr" rtl="1">
                         <a:lnSpc>
-                          <a:spcPct val="250000"/>
+                          <a:spcPct val="150000"/>
+                        </a:lnSpc>
+                      </a:pPr>
+                      <a:endParaRPr lang="fa-IR" b="1" dirty="0">
+                        <a:solidFill>
+                          <a:schemeClr val="accent1">
+                            <a:lumMod val="50000"/>
+                          </a:schemeClr>
+                        </a:solidFill>
+                        <a:cs typeface="B Nazanin" panose="00000400000000000000" pitchFamily="2" charset="-78"/>
+                      </a:endParaRPr>
+                    </a:p>
+                    <a:p>
+                      <a:pPr algn="ctr" rtl="1">
+                        <a:lnSpc>
+                          <a:spcPct val="150000"/>
                         </a:lnSpc>
                       </a:pPr>
                       <a:r>
                         <a:rPr lang="fa-IR" b="1" dirty="0">
+                          <a:solidFill>
+                            <a:schemeClr val="accent1">
+                              <a:lumMod val="50000"/>
+                            </a:schemeClr>
+                          </a:solidFill>
                           <a:cs typeface="B Nazanin" panose="00000400000000000000" pitchFamily="2" charset="-78"/>
                         </a:rPr>
-                        <a:t>نکات مثبت و منفی</a:t>
+                        <a:t>نکات</a:t>
                       </a:r>
                     </a:p>
                   </a:txBody>
@@ -6707,14 +7201,17 @@
                     <a:bodyPr/>
                     <a:lstStyle/>
                     <a:p>
-                      <a:pPr algn="ctr" rtl="1">
+                      <a:pPr algn="r" rtl="1">
                         <a:lnSpc>
-                          <a:spcPct val="250000"/>
+                          <a:spcPct val="150000"/>
                         </a:lnSpc>
                       </a:pPr>
-                      <a:endParaRPr lang="fa-IR" dirty="0">
-                        <a:cs typeface="B Nazanin" panose="00000400000000000000" pitchFamily="2" charset="-78"/>
-                      </a:endParaRPr>
+                      <a:r>
+                        <a:rPr lang="fa-IR" sz="1600" b="1" dirty="0">
+                          <a:cs typeface="B Nazanin" panose="00000400000000000000" pitchFamily="2" charset="-78"/>
+                        </a:rPr>
+                        <a:t>عدم امکان کنترل دسترسی کاربران به اطلاعات مدل توسط مدیر</a:t>
+                      </a:r>
                     </a:p>
                   </a:txBody>
                   <a:tcPr/>
@@ -6724,14 +7221,51 @@
                     <a:bodyPr/>
                     <a:lstStyle/>
                     <a:p>
-                      <a:pPr algn="ctr" rtl="1">
+                      <a:pPr algn="r" rtl="1">
                         <a:lnSpc>
-                          <a:spcPct val="250000"/>
+                          <a:spcPct val="100000"/>
                         </a:lnSpc>
                       </a:pPr>
-                      <a:endParaRPr lang="fa-IR" dirty="0">
+                      <a:r>
+                        <a:rPr lang="fa-IR" sz="1600" b="1" dirty="0">
+                          <a:cs typeface="B Nazanin" panose="00000400000000000000" pitchFamily="2" charset="-78"/>
+                        </a:rPr>
+                        <a:t>هر بار افزودن اطلاعات </a:t>
+                      </a:r>
+                      <a:r>
+                        <a:rPr lang="fa-IR" sz="1600" b="1" dirty="0" err="1">
+                          <a:cs typeface="B Nazanin" panose="00000400000000000000" pitchFamily="2" charset="-78"/>
+                        </a:rPr>
+                        <a:t>ساعت‌ها</a:t>
+                      </a:r>
+                      <a:r>
+                        <a:rPr lang="fa-IR" sz="1600" b="1" dirty="0">
+                          <a:cs typeface="B Nazanin" panose="00000400000000000000" pitchFamily="2" charset="-78"/>
+                        </a:rPr>
+                        <a:t> وقت </a:t>
+                      </a:r>
+                      <a:r>
+                        <a:rPr lang="fa-IR" sz="1600" b="1" dirty="0" err="1">
+                          <a:cs typeface="B Nazanin" panose="00000400000000000000" pitchFamily="2" charset="-78"/>
+                        </a:rPr>
+                        <a:t>می‌گیرد</a:t>
+                      </a:r>
+                      <a:endParaRPr lang="fa-IR" sz="1600" b="1" dirty="0">
                         <a:cs typeface="B Nazanin" panose="00000400000000000000" pitchFamily="2" charset="-78"/>
                       </a:endParaRPr>
+                    </a:p>
+                    <a:p>
+                      <a:pPr algn="r" rtl="1">
+                        <a:lnSpc>
+                          <a:spcPct val="150000"/>
+                        </a:lnSpc>
+                      </a:pPr>
+                      <a:r>
+                        <a:rPr lang="fa-IR" sz="1600" b="1" dirty="0">
+                          <a:cs typeface="B Nazanin" panose="00000400000000000000" pitchFamily="2" charset="-78"/>
+                        </a:rPr>
+                        <a:t>عدم امکان کنترل دسترسی کاربران به اطلاعات مدل توسط مدیر</a:t>
+                      </a:r>
                     </a:p>
                   </a:txBody>
                   <a:tcPr/>
@@ -6741,14 +7275,30 @@
                     <a:bodyPr/>
                     <a:lstStyle/>
                     <a:p>
-                      <a:pPr algn="ctr" rtl="1">
+                      <a:pPr algn="r" rtl="1">
                         <a:lnSpc>
-                          <a:spcPct val="250000"/>
+                          <a:spcPct val="150000"/>
                         </a:lnSpc>
                       </a:pPr>
-                      <a:endParaRPr lang="fa-IR" dirty="0">
-                        <a:cs typeface="B Nazanin" panose="00000400000000000000" pitchFamily="2" charset="-78"/>
-                      </a:endParaRPr>
+                      <a:r>
+                        <a:rPr lang="fa-IR" sz="1600" b="1" dirty="0">
+                          <a:cs typeface="B Nazanin" panose="00000400000000000000" pitchFamily="2" charset="-78"/>
+                        </a:rPr>
+                        <a:t>امکان افزودن سریع و آسان مدارک</a:t>
+                      </a:r>
+                    </a:p>
+                    <a:p>
+                      <a:pPr algn="r" rtl="1">
+                        <a:lnSpc>
+                          <a:spcPct val="150000"/>
+                        </a:lnSpc>
+                      </a:pPr>
+                      <a:r>
+                        <a:rPr lang="fa-IR" sz="1600" b="1" dirty="0">
+                          <a:cs typeface="B Nazanin" panose="00000400000000000000" pitchFamily="2" charset="-78"/>
+                        </a:rPr>
+                        <a:t>امکان کنترل دسترسی کاربران به اطلاعات مدل توسط مدیر</a:t>
+                      </a:r>
                     </a:p>
                   </a:txBody>
                   <a:tcPr/>
@@ -6759,7 +7309,7 @@
                   </a:ext>
                 </a:extLst>
               </a:tr>
-              <a:tr h="1339701">
+              <a:tr h="1599335">
                 <a:tc>
                   <a:txBody>
                     <a:bodyPr/>
@@ -6767,11 +7317,16 @@
                     <a:p>
                       <a:pPr algn="ctr" rtl="1">
                         <a:lnSpc>
-                          <a:spcPct val="250000"/>
+                          <a:spcPct val="150000"/>
                         </a:lnSpc>
                       </a:pPr>
                       <a:r>
                         <a:rPr lang="fa-IR" b="1" dirty="0">
+                          <a:solidFill>
+                            <a:schemeClr val="accent1">
+                              <a:lumMod val="50000"/>
+                            </a:schemeClr>
+                          </a:solidFill>
                           <a:cs typeface="B Nazanin" panose="00000400000000000000" pitchFamily="2" charset="-78"/>
                         </a:rPr>
                         <a:t>موارد درست استفاده</a:t>
@@ -6793,19 +7348,19 @@
                         <a:buChar char="•"/>
                       </a:pPr>
                       <a:r>
-                        <a:rPr lang="fa-IR" sz="1600" dirty="0">
+                        <a:rPr lang="fa-IR" sz="1600" b="1" dirty="0">
                           <a:cs typeface="B Nazanin" panose="00000400000000000000" pitchFamily="2" charset="-78"/>
                         </a:rPr>
-                        <a:t>آموزش </a:t>
+                        <a:t>تهیه </a:t>
                       </a:r>
                       <a:r>
-                        <a:rPr lang="fa-IR" sz="1600" dirty="0" err="1">
+                        <a:rPr lang="fa-IR" sz="1600" b="1" dirty="0" err="1">
                           <a:cs typeface="B Nazanin" panose="00000400000000000000" pitchFamily="2" charset="-78"/>
                         </a:rPr>
                         <a:t>مدل‌زبانی</a:t>
                       </a:r>
                       <a:r>
-                        <a:rPr lang="fa-IR" sz="1600" dirty="0">
+                        <a:rPr lang="fa-IR" sz="1600" b="1" dirty="0">
                           <a:cs typeface="B Nazanin" panose="00000400000000000000" pitchFamily="2" charset="-78"/>
                         </a:rPr>
                         <a:t> بر روی زبانی جدید</a:t>
@@ -6820,7 +7375,7 @@
                         <a:buChar char="•"/>
                       </a:pPr>
                       <a:r>
-                        <a:rPr lang="fa-IR" sz="1600" dirty="0">
+                        <a:rPr lang="fa-IR" sz="1600" b="1" dirty="0">
                           <a:cs typeface="B Nazanin" panose="00000400000000000000" pitchFamily="2" charset="-78"/>
                         </a:rPr>
                         <a:t>بهبود ارکان اصلی یا معماری مدل</a:t>
@@ -6847,14 +7402,206 @@
                     <a:bodyPr/>
                     <a:lstStyle/>
                     <a:p>
-                      <a:pPr algn="ctr" rtl="1">
+                      <a:pPr marL="285750" indent="-285750" algn="r" defTabSz="914400" rtl="1" eaLnBrk="1" latinLnBrk="0" hangingPunct="1">
                         <a:lnSpc>
-                          <a:spcPct val="250000"/>
+                          <a:spcPct val="150000"/>
                         </a:lnSpc>
+                        <a:buFont typeface="Arial" panose="020B0604020202020204" pitchFamily="34" charset="0"/>
+                        <a:buChar char="•"/>
                       </a:pPr>
-                      <a:endParaRPr lang="fa-IR" dirty="0">
+                      <a:r>
+                        <a:rPr lang="fa-IR" sz="1600" b="1" kern="1200" dirty="0">
+                          <a:solidFill>
+                            <a:schemeClr val="dk1"/>
+                          </a:solidFill>
+                          <a:latin typeface="+mn-lt"/>
+                          <a:ea typeface="+mn-ea"/>
+                          <a:cs typeface="B Nazanin" panose="00000400000000000000" pitchFamily="2" charset="-78"/>
+                        </a:rPr>
+                        <a:t>تربیت </a:t>
+                      </a:r>
+                      <a:r>
+                        <a:rPr lang="fa-IR" sz="1600" b="1" kern="1200" dirty="0" err="1">
+                          <a:solidFill>
+                            <a:schemeClr val="dk1"/>
+                          </a:solidFill>
+                          <a:latin typeface="+mn-lt"/>
+                          <a:ea typeface="+mn-ea"/>
+                          <a:cs typeface="B Nazanin" panose="00000400000000000000" pitchFamily="2" charset="-78"/>
+                        </a:rPr>
+                        <a:t>مدل‌های</a:t>
+                      </a:r>
+                      <a:r>
+                        <a:rPr lang="fa-IR" sz="1600" b="1" kern="1200" dirty="0">
+                          <a:solidFill>
+                            <a:schemeClr val="dk1"/>
+                          </a:solidFill>
+                          <a:latin typeface="+mn-lt"/>
+                          <a:ea typeface="+mn-ea"/>
+                          <a:cs typeface="B Nazanin" panose="00000400000000000000" pitchFamily="2" charset="-78"/>
+                        </a:rPr>
+                        <a:t> </a:t>
+                      </a:r>
+                      <a:r>
+                        <a:rPr lang="fa-IR" sz="1600" b="1" kern="1200" dirty="0" err="1">
+                          <a:solidFill>
+                            <a:schemeClr val="dk1"/>
+                          </a:solidFill>
+                          <a:latin typeface="+mn-lt"/>
+                          <a:ea typeface="+mn-ea"/>
+                          <a:cs typeface="B Nazanin" panose="00000400000000000000" pitchFamily="2" charset="-78"/>
+                        </a:rPr>
+                        <a:t>وظیفه‌ای</a:t>
+                      </a:r>
+                      <a:endParaRPr lang="fa-IR" sz="1600" b="1" kern="1200" dirty="0">
+                        <a:solidFill>
+                          <a:schemeClr val="dk1"/>
+                        </a:solidFill>
+                        <a:latin typeface="+mn-lt"/>
+                        <a:ea typeface="+mn-ea"/>
                         <a:cs typeface="B Nazanin" panose="00000400000000000000" pitchFamily="2" charset="-78"/>
                       </a:endParaRPr>
+                    </a:p>
+                    <a:p>
+                      <a:pPr marL="285750" marR="0" lvl="0" indent="-285750" algn="r" defTabSz="914400" rtl="1" eaLnBrk="1" fontAlgn="auto" latinLnBrk="0" hangingPunct="1">
+                        <a:lnSpc>
+                          <a:spcPct val="150000"/>
+                        </a:lnSpc>
+                        <a:spcBef>
+                          <a:spcPts val="0"/>
+                        </a:spcBef>
+                        <a:spcAft>
+                          <a:spcPts val="0"/>
+                        </a:spcAft>
+                        <a:buClrTx/>
+                        <a:buSzTx/>
+                        <a:buFont typeface="Arial" panose="020B0604020202020204" pitchFamily="34" charset="0"/>
+                        <a:buChar char="•"/>
+                        <a:tabLst/>
+                        <a:defRPr/>
+                      </a:pPr>
+                      <a:r>
+                        <a:rPr lang="fa-IR" sz="1600" b="1" kern="1200" dirty="0">
+                          <a:solidFill>
+                            <a:schemeClr val="dk1"/>
+                          </a:solidFill>
+                          <a:latin typeface="+mn-lt"/>
+                          <a:ea typeface="+mn-ea"/>
+                          <a:cs typeface="B Nazanin" panose="00000400000000000000" pitchFamily="2" charset="-78"/>
+                        </a:rPr>
+                        <a:t>تغییر ادبیات و بیان </a:t>
+                      </a:r>
+                      <a:r>
+                        <a:rPr lang="fa-IR" sz="1600" b="1" kern="1200" dirty="0" err="1">
+                          <a:solidFill>
+                            <a:schemeClr val="dk1"/>
+                          </a:solidFill>
+                          <a:latin typeface="+mn-lt"/>
+                          <a:ea typeface="+mn-ea"/>
+                          <a:cs typeface="B Nazanin" panose="00000400000000000000" pitchFamily="2" charset="-78"/>
+                        </a:rPr>
+                        <a:t>مدل‌زبانی</a:t>
+                      </a:r>
+                      <a:endParaRPr lang="fa-IR" sz="1600" b="1" kern="1200" dirty="0">
+                        <a:solidFill>
+                          <a:schemeClr val="dk1"/>
+                        </a:solidFill>
+                        <a:latin typeface="+mn-lt"/>
+                        <a:ea typeface="+mn-ea"/>
+                        <a:cs typeface="B Nazanin" panose="00000400000000000000" pitchFamily="2" charset="-78"/>
+                      </a:endParaRPr>
+                    </a:p>
+                    <a:p>
+                      <a:pPr marL="285750" indent="-285750" algn="r" defTabSz="914400" rtl="1" eaLnBrk="1" latinLnBrk="0" hangingPunct="1">
+                        <a:lnSpc>
+                          <a:spcPct val="150000"/>
+                        </a:lnSpc>
+                        <a:buFont typeface="Arial" panose="020B0604020202020204" pitchFamily="34" charset="0"/>
+                        <a:buChar char="•"/>
+                      </a:pPr>
+                      <a:r>
+                        <a:rPr lang="fa-IR" sz="1600" b="1" kern="1200" dirty="0" err="1">
+                          <a:solidFill>
+                            <a:schemeClr val="dk1"/>
+                          </a:solidFill>
+                          <a:latin typeface="+mn-lt"/>
+                          <a:ea typeface="+mn-ea"/>
+                          <a:cs typeface="B Nazanin" panose="00000400000000000000" pitchFamily="2" charset="-78"/>
+                        </a:rPr>
+                        <a:t>شخصیت‌سازی</a:t>
+                      </a:r>
+                      <a:r>
+                        <a:rPr lang="fa-IR" sz="1600" b="1" kern="1200" dirty="0">
+                          <a:solidFill>
+                            <a:schemeClr val="dk1"/>
+                          </a:solidFill>
+                          <a:latin typeface="+mn-lt"/>
+                          <a:ea typeface="+mn-ea"/>
+                          <a:cs typeface="B Nazanin" panose="00000400000000000000" pitchFamily="2" charset="-78"/>
+                        </a:rPr>
+                        <a:t> برای </a:t>
+                      </a:r>
+                      <a:r>
+                        <a:rPr lang="fa-IR" sz="1600" b="1" kern="1200" dirty="0" err="1">
+                          <a:solidFill>
+                            <a:schemeClr val="dk1"/>
+                          </a:solidFill>
+                          <a:latin typeface="+mn-lt"/>
+                          <a:ea typeface="+mn-ea"/>
+                          <a:cs typeface="B Nazanin" panose="00000400000000000000" pitchFamily="2" charset="-78"/>
+                        </a:rPr>
+                        <a:t>مدل‌زبانی</a:t>
+                      </a:r>
+                      <a:endParaRPr lang="fa-IR" sz="1600" b="1" kern="1200" dirty="0">
+                        <a:solidFill>
+                          <a:schemeClr val="dk1"/>
+                        </a:solidFill>
+                        <a:latin typeface="+mn-lt"/>
+                        <a:ea typeface="+mn-ea"/>
+                        <a:cs typeface="B Nazanin" panose="00000400000000000000" pitchFamily="2" charset="-78"/>
+                      </a:endParaRPr>
+                    </a:p>
+                    <a:p>
+                      <a:pPr marL="285750" indent="-285750" algn="r" defTabSz="914400" rtl="1" eaLnBrk="1" latinLnBrk="0" hangingPunct="1">
+                        <a:lnSpc>
+                          <a:spcPct val="150000"/>
+                        </a:lnSpc>
+                        <a:buFont typeface="Arial" panose="020B0604020202020204" pitchFamily="34" charset="0"/>
+                        <a:buChar char="•"/>
+                      </a:pPr>
+                      <a:r>
+                        <a:rPr lang="fa-IR" sz="1600" b="1" kern="1200" dirty="0">
+                          <a:solidFill>
+                            <a:schemeClr val="dk1"/>
+                          </a:solidFill>
+                          <a:latin typeface="+mn-lt"/>
+                          <a:ea typeface="+mn-ea"/>
+                          <a:cs typeface="B Nazanin" panose="00000400000000000000" pitchFamily="2" charset="-78"/>
+                        </a:rPr>
+                        <a:t>تقویت دانش مدل در </a:t>
+                      </a:r>
+                      <a:r>
+                        <a:rPr lang="fa-IR" sz="1600" b="1" kern="1200" dirty="0" err="1">
+                          <a:solidFill>
+                            <a:schemeClr val="dk1"/>
+                          </a:solidFill>
+                          <a:latin typeface="+mn-lt"/>
+                          <a:ea typeface="+mn-ea"/>
+                          <a:cs typeface="B Nazanin" panose="00000400000000000000" pitchFamily="2" charset="-78"/>
+                        </a:rPr>
+                        <a:t>زمینه‌ای</a:t>
+                      </a:r>
+                      <a:r>
+                        <a:rPr lang="fa-IR" sz="1600" b="1" kern="1200" dirty="0">
+                          <a:solidFill>
+                            <a:schemeClr val="dk1"/>
+                          </a:solidFill>
+                          <a:latin typeface="+mn-lt"/>
+                          <a:ea typeface="+mn-ea"/>
+                          <a:cs typeface="B Nazanin" panose="00000400000000000000" pitchFamily="2" charset="-78"/>
+                        </a:rPr>
+                        <a:t> خاص</a:t>
+                      </a:r>
                     </a:p>
                   </a:txBody>
                   <a:tcPr/>
@@ -6969,51 +7716,90 @@
             <p:ph idx="1"/>
           </p:nvPr>
         </p:nvSpPr>
-        <p:spPr/>
-        <p:txBody>
-          <a:bodyPr/>
+        <p:spPr>
+          <a:xfrm>
+            <a:off x="838200" y="1568824"/>
+            <a:ext cx="10515600" cy="4608139"/>
+          </a:xfrm>
+        </p:spPr>
+        <p:txBody>
+          <a:bodyPr>
+            <a:normAutofit/>
+          </a:bodyPr>
           <a:lstStyle/>
           <a:p>
             <a:pPr algn="r" rtl="1"/>
             <a:r>
-              <a:rPr lang="fa-IR" dirty="0" err="1"/>
+              <a:rPr lang="fa-IR" sz="2000" b="1" dirty="0" err="1">
+                <a:cs typeface="B Nazanin" panose="00000400000000000000" pitchFamily="2" charset="-78"/>
+              </a:rPr>
               <a:t>مدل‌های</a:t>
             </a:r>
             <a:r>
-              <a:rPr lang="fa-IR" dirty="0"/>
-              <a:t> زبانی </a:t>
-            </a:r>
-            <a:r>
-              <a:rPr lang="fa-IR" dirty="0" err="1"/>
-              <a:t>متن‌باز</a:t>
-            </a:r>
-            <a:r>
-              <a:rPr lang="fa-IR" dirty="0"/>
-              <a:t> (</a:t>
-            </a:r>
-            <a:r>
-              <a:rPr lang="en-US" dirty="0"/>
-              <a:t>Open-source</a:t>
-            </a:r>
-            <a:r>
-              <a:rPr lang="fa-IR" dirty="0"/>
-              <a:t>) به خوبی درک زبانی، </a:t>
-            </a:r>
-            <a:r>
-              <a:rPr lang="fa-IR" dirty="0" err="1"/>
+              <a:rPr lang="fa-IR" sz="2000" b="1" dirty="0">
+                <a:cs typeface="B Nazanin" panose="00000400000000000000" pitchFamily="2" charset="-78"/>
+              </a:rPr>
+              <a:t> زبانی موجود به خوبی درک زبانی، </a:t>
+            </a:r>
+            <a:r>
+              <a:rPr lang="fa-IR" sz="2000" b="1" dirty="0" err="1">
+                <a:cs typeface="B Nazanin" panose="00000400000000000000" pitchFamily="2" charset="-78"/>
+              </a:rPr>
               <a:t>دانش‌های</a:t>
             </a:r>
             <a:r>
-              <a:rPr lang="fa-IR" dirty="0"/>
-              <a:t> پایه و استدلال منطقی را یاد </a:t>
-            </a:r>
-            <a:r>
-              <a:rPr lang="fa-IR" dirty="0" err="1"/>
-              <a:t>گرفته‌اند</a:t>
-            </a:r>
-            <a:r>
-              <a:rPr lang="fa-IR" dirty="0"/>
-              <a:t> و آموزش مجدد یک مدل اغلب اتلاف هزینه است.</a:t>
+              <a:rPr lang="fa-IR" sz="2000" b="1" dirty="0">
+                <a:cs typeface="B Nazanin" panose="00000400000000000000" pitchFamily="2" charset="-78"/>
+              </a:rPr>
+              <a:t> پایه و استدلال منطقی را </a:t>
+            </a:r>
+            <a:r>
+              <a:rPr lang="fa-IR" sz="2000" b="1" dirty="0" err="1">
+                <a:cs typeface="B Nazanin" panose="00000400000000000000" pitchFamily="2" charset="-78"/>
+              </a:rPr>
+              <a:t>فراگرفته‌اند</a:t>
+            </a:r>
+            <a:r>
+              <a:rPr lang="fa-IR" sz="2000" b="1" dirty="0">
+                <a:cs typeface="B Nazanin" panose="00000400000000000000" pitchFamily="2" charset="-78"/>
+              </a:rPr>
+              <a:t> و آموزش یک </a:t>
+            </a:r>
+            <a:r>
+              <a:rPr lang="fa-IR" sz="2000" b="1" dirty="0" err="1">
+                <a:cs typeface="B Nazanin" panose="00000400000000000000" pitchFamily="2" charset="-78"/>
+              </a:rPr>
+              <a:t>مدل‌زبانی</a:t>
+            </a:r>
+            <a:r>
+              <a:rPr lang="fa-IR" sz="2000" b="1" dirty="0">
+                <a:cs typeface="B Nazanin" panose="00000400000000000000" pitchFamily="2" charset="-78"/>
+              </a:rPr>
+              <a:t> جدید صرفا برای </a:t>
+            </a:r>
+            <a:r>
+              <a:rPr lang="fa-IR" sz="2000" b="1" dirty="0" err="1">
+                <a:cs typeface="B Nazanin" panose="00000400000000000000" pitchFamily="2" charset="-78"/>
+              </a:rPr>
+              <a:t>بهره‌مندی</a:t>
+            </a:r>
+            <a:r>
+              <a:rPr lang="fa-IR" sz="2000" b="1" dirty="0">
+                <a:cs typeface="B Nazanin" panose="00000400000000000000" pitchFamily="2" charset="-78"/>
+              </a:rPr>
+              <a:t> از دانش و اطلاعات سفارشی، توجیه اقتصادی و </a:t>
+            </a:r>
+            <a:r>
+              <a:rPr lang="fa-IR" sz="2000" b="1" dirty="0" err="1">
+                <a:cs typeface="B Nazanin" panose="00000400000000000000" pitchFamily="2" charset="-78"/>
+              </a:rPr>
+              <a:t>محاسباتی</a:t>
+            </a:r>
+            <a:r>
+              <a:rPr lang="fa-IR" sz="2000" b="1" dirty="0">
+                <a:cs typeface="B Nazanin" panose="00000400000000000000" pitchFamily="2" charset="-78"/>
+              </a:rPr>
+              <a:t> ندارد.</a:t>
             </a:r>
           </a:p>
         </p:txBody>

--- a/RAG.pptx
+++ b/RAG.pptx
@@ -12,11 +12,12 @@
     <p:sldId id="260" r:id="rId6"/>
     <p:sldId id="261" r:id="rId7"/>
     <p:sldId id="267" r:id="rId8"/>
-    <p:sldId id="262" r:id="rId9"/>
-    <p:sldId id="263" r:id="rId10"/>
-    <p:sldId id="264" r:id="rId11"/>
-    <p:sldId id="265" r:id="rId12"/>
-    <p:sldId id="259" r:id="rId13"/>
+    <p:sldId id="268" r:id="rId9"/>
+    <p:sldId id="262" r:id="rId10"/>
+    <p:sldId id="263" r:id="rId11"/>
+    <p:sldId id="264" r:id="rId12"/>
+    <p:sldId id="265" r:id="rId13"/>
+    <p:sldId id="259" r:id="rId14"/>
   </p:sldIdLst>
   <p:sldSz cx="12192000" cy="6858000"/>
   <p:notesSz cx="6858000" cy="9144000"/>
@@ -3585,7 +3586,7 @@
           <p:cNvPr id="2" name="Title 1">
             <a:extLst>
               <a:ext uri="{FF2B5EF4-FFF2-40B4-BE49-F238E27FC236}">
-                <a16:creationId xmlns:a16="http://schemas.microsoft.com/office/drawing/2014/main" id="{49692620-32EF-ED06-86F4-F45D4D2DEC61}"/>
+                <a16:creationId xmlns:a16="http://schemas.microsoft.com/office/drawing/2014/main" id="{134A17B7-0BDC-47F3-5396-E81FD66A36EA}"/>
               </a:ext>
             </a:extLst>
           </p:cNvPr>
@@ -3610,7 +3611,7 @@
           <p:cNvPr id="3" name="Content Placeholder 2">
             <a:extLst>
               <a:ext uri="{FF2B5EF4-FFF2-40B4-BE49-F238E27FC236}">
-                <a16:creationId xmlns:a16="http://schemas.microsoft.com/office/drawing/2014/main" id="{64609014-3E9C-3A54-C1CE-4FC924A4FF30}"/>
+                <a16:creationId xmlns:a16="http://schemas.microsoft.com/office/drawing/2014/main" id="{8BC3FECF-C53F-7E00-90C0-6919419B52FA}"/>
               </a:ext>
             </a:extLst>
           </p:cNvPr>
@@ -3633,7 +3634,7 @@
     </p:spTree>
     <p:extLst>
       <p:ext uri="{BB962C8B-B14F-4D97-AF65-F5344CB8AC3E}">
-        <p14:creationId xmlns:p14="http://schemas.microsoft.com/office/powerpoint/2010/main" val="4022629440"/>
+        <p14:creationId xmlns:p14="http://schemas.microsoft.com/office/powerpoint/2010/main" val="3492333029"/>
       </p:ext>
     </p:extLst>
   </p:cSld>
@@ -3665,6 +3666,86 @@
           <p:cNvPr id="2" name="Title 1">
             <a:extLst>
               <a:ext uri="{FF2B5EF4-FFF2-40B4-BE49-F238E27FC236}">
+                <a16:creationId xmlns:a16="http://schemas.microsoft.com/office/drawing/2014/main" id="{49692620-32EF-ED06-86F4-F45D4D2DEC61}"/>
+              </a:ext>
+            </a:extLst>
+          </p:cNvPr>
+          <p:cNvSpPr>
+            <a:spLocks noGrp="1"/>
+          </p:cNvSpPr>
+          <p:nvPr>
+            <p:ph type="title"/>
+          </p:nvPr>
+        </p:nvSpPr>
+        <p:spPr/>
+        <p:txBody>
+          <a:bodyPr/>
+          <a:lstStyle/>
+          <a:p>
+            <a:endParaRPr lang="fa-IR"/>
+          </a:p>
+        </p:txBody>
+      </p:sp>
+      <p:sp>
+        <p:nvSpPr>
+          <p:cNvPr id="3" name="Content Placeholder 2">
+            <a:extLst>
+              <a:ext uri="{FF2B5EF4-FFF2-40B4-BE49-F238E27FC236}">
+                <a16:creationId xmlns:a16="http://schemas.microsoft.com/office/drawing/2014/main" id="{64609014-3E9C-3A54-C1CE-4FC924A4FF30}"/>
+              </a:ext>
+            </a:extLst>
+          </p:cNvPr>
+          <p:cNvSpPr>
+            <a:spLocks noGrp="1"/>
+          </p:cNvSpPr>
+          <p:nvPr>
+            <p:ph idx="1"/>
+          </p:nvPr>
+        </p:nvSpPr>
+        <p:spPr/>
+        <p:txBody>
+          <a:bodyPr/>
+          <a:lstStyle/>
+          <a:p>
+            <a:endParaRPr lang="fa-IR"/>
+          </a:p>
+        </p:txBody>
+      </p:sp>
+    </p:spTree>
+    <p:extLst>
+      <p:ext uri="{BB962C8B-B14F-4D97-AF65-F5344CB8AC3E}">
+        <p14:creationId xmlns:p14="http://schemas.microsoft.com/office/powerpoint/2010/main" val="4022629440"/>
+      </p:ext>
+    </p:extLst>
+  </p:cSld>
+  <p:clrMapOvr>
+    <a:masterClrMapping/>
+  </p:clrMapOvr>
+</p:sld>
+</file>
+
+<file path=ppt/slides/slide12.xml><?xml version="1.0" encoding="utf-8"?>
+<p:sld xmlns:a="http://schemas.openxmlformats.org/drawingml/2006/main" xmlns:r="http://schemas.openxmlformats.org/officeDocument/2006/relationships" xmlns:p="http://schemas.openxmlformats.org/presentationml/2006/main">
+  <p:cSld>
+    <p:spTree>
+      <p:nvGrpSpPr>
+        <p:cNvPr id="1" name=""/>
+        <p:cNvGrpSpPr/>
+        <p:nvPr/>
+      </p:nvGrpSpPr>
+      <p:grpSpPr>
+        <a:xfrm>
+          <a:off x="0" y="0"/>
+          <a:ext cx="0" cy="0"/>
+          <a:chOff x="0" y="0"/>
+          <a:chExt cx="0" cy="0"/>
+        </a:xfrm>
+      </p:grpSpPr>
+      <p:sp>
+        <p:nvSpPr>
+          <p:cNvPr id="2" name="Title 1">
+            <a:extLst>
+              <a:ext uri="{FF2B5EF4-FFF2-40B4-BE49-F238E27FC236}">
                 <a16:creationId xmlns:a16="http://schemas.microsoft.com/office/drawing/2014/main" id="{43199FBF-A5B5-58B6-5DBF-490086264C30}"/>
               </a:ext>
             </a:extLst>
@@ -3723,7 +3804,7 @@
 </p:sld>
 </file>
 
-<file path=ppt/slides/slide12.xml><?xml version="1.0" encoding="utf-8"?>
+<file path=ppt/slides/slide13.xml><?xml version="1.0" encoding="utf-8"?>
 <p:sld xmlns:a="http://schemas.openxmlformats.org/drawingml/2006/main" xmlns:r="http://schemas.openxmlformats.org/officeDocument/2006/relationships" xmlns:p="http://schemas.openxmlformats.org/presentationml/2006/main">
   <p:cSld>
     <p:spTree>
@@ -6399,7 +6480,7 @@
             <p:ph idx="1"/>
             <p:extLst>
               <p:ext uri="{D42A27DB-BD31-4B8C-83A1-F6EECF244321}">
-                <p14:modId xmlns:p14="http://schemas.microsoft.com/office/powerpoint/2010/main" val="1336978911"/>
+                <p14:modId xmlns:p14="http://schemas.microsoft.com/office/powerpoint/2010/main" val="104938913"/>
               </p:ext>
             </p:extLst>
           </p:nvPr>
@@ -6662,7 +6743,7 @@
                         <a:rPr lang="fa-IR" sz="1600" b="1" dirty="0">
                           <a:cs typeface="B Nazanin" panose="00000400000000000000" pitchFamily="2" charset="-78"/>
                         </a:rPr>
-                        <a:t> تقویت ورودی مدل </a:t>
+                        <a:t> تقویت ورودی مدل ‌زبانی</a:t>
                       </a:r>
                     </a:p>
                   </a:txBody>
@@ -6720,7 +6801,7 @@
                           </a:solidFill>
                           <a:cs typeface="B Nazanin" panose="00000400000000000000" pitchFamily="2" charset="-78"/>
                         </a:rPr>
-                        <a:t>پردازشی</a:t>
+                        <a:t>محاسباتی</a:t>
                       </a:r>
                       <a:r>
                         <a:rPr lang="fa-IR" b="1" dirty="0">
@@ -6913,7 +6994,7 @@
                           <a:ea typeface="+mn-ea"/>
                           <a:cs typeface="B Nazanin" panose="00000400000000000000" pitchFamily="2" charset="-78"/>
                         </a:rPr>
-                        <a:t>صد‌ها</a:t>
+                        <a:t>ده‌ها</a:t>
                       </a:r>
                       <a:r>
                         <a:rPr lang="fa-IR" sz="1600" b="1" kern="1200" dirty="0">
@@ -7087,62 +7168,103 @@
                     <a:bodyPr/>
                     <a:lstStyle/>
                     <a:p>
-                      <a:pPr algn="r" rtl="1">
+                      <a:pPr marL="0" indent="0" algn="r" defTabSz="914400" rtl="1" eaLnBrk="1" latinLnBrk="0" hangingPunct="1">
                         <a:lnSpc>
                           <a:spcPct val="150000"/>
                         </a:lnSpc>
+                        <a:buFont typeface="Arial" panose="020B0604020202020204" pitchFamily="34" charset="0"/>
+                        <a:buNone/>
                       </a:pPr>
                       <a:r>
-                        <a:rPr lang="fa-IR" b="1" dirty="0">
+                        <a:rPr lang="fa-IR" sz="1600" b="1" kern="1200" dirty="0">
+                          <a:solidFill>
+                            <a:schemeClr val="dk1"/>
+                          </a:solidFill>
+                          <a:latin typeface="+mn-lt"/>
+                          <a:ea typeface="+mn-ea"/>
                           <a:cs typeface="B Nazanin" panose="00000400000000000000" pitchFamily="2" charset="-78"/>
                         </a:rPr>
                         <a:t>قابلیت </a:t>
                       </a:r>
                       <a:r>
-                        <a:rPr lang="fa-IR" b="1" dirty="0" err="1">
+                        <a:rPr lang="fa-IR" sz="1600" b="1" kern="1200" dirty="0" err="1">
+                          <a:solidFill>
+                            <a:schemeClr val="dk1"/>
+                          </a:solidFill>
+                          <a:latin typeface="+mn-lt"/>
+                          <a:ea typeface="+mn-ea"/>
                           <a:cs typeface="B Nazanin" panose="00000400000000000000" pitchFamily="2" charset="-78"/>
                         </a:rPr>
                         <a:t>بهره‌برداری</a:t>
                       </a:r>
                       <a:r>
-                        <a:rPr lang="fa-IR" b="1" dirty="0">
+                        <a:rPr lang="fa-IR" sz="1600" b="1" kern="1200" dirty="0">
+                          <a:solidFill>
+                            <a:schemeClr val="dk1"/>
+                          </a:solidFill>
+                          <a:latin typeface="+mn-lt"/>
+                          <a:ea typeface="+mn-ea"/>
                           <a:cs typeface="B Nazanin" panose="00000400000000000000" pitchFamily="2" charset="-78"/>
                         </a:rPr>
                         <a:t> آنی</a:t>
                       </a:r>
                     </a:p>
                     <a:p>
-                      <a:pPr algn="r" rtl="1">
+                      <a:pPr marL="0" indent="0" algn="r" defTabSz="914400" rtl="1" eaLnBrk="1" latinLnBrk="0" hangingPunct="1">
                         <a:lnSpc>
                           <a:spcPct val="150000"/>
                         </a:lnSpc>
+                        <a:buFont typeface="Arial" panose="020B0604020202020204" pitchFamily="34" charset="0"/>
+                        <a:buNone/>
                       </a:pPr>
                       <a:r>
-                        <a:rPr lang="fa-IR" b="1" dirty="0">
+                        <a:rPr lang="fa-IR" sz="1600" b="1" kern="1200" dirty="0">
+                          <a:solidFill>
+                            <a:schemeClr val="dk1"/>
+                          </a:solidFill>
+                          <a:latin typeface="+mn-lt"/>
+                          <a:ea typeface="+mn-ea"/>
                           <a:cs typeface="B Nazanin" panose="00000400000000000000" pitchFamily="2" charset="-78"/>
                         </a:rPr>
                         <a:t>نیاز به مجموعه داده ندارد</a:t>
                       </a:r>
                     </a:p>
                     <a:p>
-                      <a:pPr algn="r" rtl="1">
+                      <a:pPr marL="0" indent="0" algn="r" defTabSz="914400" rtl="1" eaLnBrk="1" latinLnBrk="0" hangingPunct="1">
                         <a:lnSpc>
                           <a:spcPct val="150000"/>
                         </a:lnSpc>
+                        <a:buFont typeface="Arial" panose="020B0604020202020204" pitchFamily="34" charset="0"/>
+                        <a:buNone/>
                       </a:pPr>
                       <a:r>
-                        <a:rPr lang="fa-IR" b="1" dirty="0">
+                        <a:rPr lang="fa-IR" sz="1600" b="1" kern="1200" dirty="0">
+                          <a:solidFill>
+                            <a:schemeClr val="dk1"/>
+                          </a:solidFill>
+                          <a:latin typeface="+mn-lt"/>
+                          <a:ea typeface="+mn-ea"/>
                           <a:cs typeface="B Nazanin" panose="00000400000000000000" pitchFamily="2" charset="-78"/>
                         </a:rPr>
                         <a:t>یک </a:t>
                       </a:r>
                       <a:r>
-                        <a:rPr lang="fa-IR" b="1" dirty="0" err="1">
+                        <a:rPr lang="fa-IR" sz="1600" b="1" kern="1200" dirty="0" err="1">
+                          <a:solidFill>
+                            <a:schemeClr val="dk1"/>
+                          </a:solidFill>
+                          <a:latin typeface="+mn-lt"/>
+                          <a:ea typeface="+mn-ea"/>
                           <a:cs typeface="B Nazanin" panose="00000400000000000000" pitchFamily="2" charset="-78"/>
                         </a:rPr>
                         <a:t>توسعه‌دهنده</a:t>
                       </a:r>
-                      <a:endParaRPr lang="fa-IR" b="1" dirty="0">
+                      <a:endParaRPr lang="fa-IR" sz="1600" b="1" kern="1200" dirty="0">
+                        <a:solidFill>
+                          <a:schemeClr val="dk1"/>
+                        </a:solidFill>
+                        <a:latin typeface="+mn-lt"/>
+                        <a:ea typeface="+mn-ea"/>
                         <a:cs typeface="B Nazanin" panose="00000400000000000000" pitchFamily="2" charset="-78"/>
                       </a:endParaRPr>
                     </a:p>
@@ -7242,13 +7364,13 @@
                         <a:rPr lang="fa-IR" sz="1600" b="1" dirty="0">
                           <a:cs typeface="B Nazanin" panose="00000400000000000000" pitchFamily="2" charset="-78"/>
                         </a:rPr>
-                        <a:t> وقت </a:t>
+                        <a:t> زمان </a:t>
                       </a:r>
                       <a:r>
                         <a:rPr lang="fa-IR" sz="1600" b="1" dirty="0" err="1">
                           <a:cs typeface="B Nazanin" panose="00000400000000000000" pitchFamily="2" charset="-78"/>
                         </a:rPr>
-                        <a:t>می‌گیرد</a:t>
+                        <a:t>می‌برد</a:t>
                       </a:r>
                       <a:endParaRPr lang="fa-IR" sz="1600" b="1" dirty="0">
                         <a:cs typeface="B Nazanin" panose="00000400000000000000" pitchFamily="2" charset="-78"/>
@@ -7264,7 +7386,7 @@
                         <a:rPr lang="fa-IR" sz="1600" b="1" dirty="0">
                           <a:cs typeface="B Nazanin" panose="00000400000000000000" pitchFamily="2" charset="-78"/>
                         </a:rPr>
-                        <a:t>عدم امکان کنترل دسترسی کاربران به اطلاعات مدل توسط مدیر</a:t>
+                        <a:t>عدم امکان کنترل دسترسی کاربران به اطلاعات توسط مدیر</a:t>
                       </a:r>
                     </a:p>
                   </a:txBody>
@@ -7297,7 +7419,7 @@
                         <a:rPr lang="fa-IR" sz="1600" b="1" dirty="0">
                           <a:cs typeface="B Nazanin" panose="00000400000000000000" pitchFamily="2" charset="-78"/>
                         </a:rPr>
-                        <a:t>امکان کنترل دسترسی کاربران به اطلاعات مدل توسط مدیر</a:t>
+                        <a:t>امکان کنترل دسترسی کاربران به اطلاعات توسط مدیر</a:t>
                       </a:r>
                     </a:p>
                   </a:txBody>
@@ -7329,7 +7451,7 @@
                           </a:solidFill>
                           <a:cs typeface="B Nazanin" panose="00000400000000000000" pitchFamily="2" charset="-78"/>
                         </a:rPr>
-                        <a:t>موارد درست استفاده</a:t>
+                        <a:t>موارد مناسب استفاده</a:t>
                       </a:r>
                     </a:p>
                   </a:txBody>
@@ -7839,7 +7961,7 @@
           <p:cNvPr id="2" name="Title 1">
             <a:extLst>
               <a:ext uri="{FF2B5EF4-FFF2-40B4-BE49-F238E27FC236}">
-                <a16:creationId xmlns:a16="http://schemas.microsoft.com/office/drawing/2014/main" id="{0DEEE280-61D4-C51E-550B-D6416CECC62B}"/>
+                <a16:creationId xmlns:a16="http://schemas.microsoft.com/office/drawing/2014/main" id="{5BDA9D63-0D5C-6DEC-CA13-74CC6717AD5C}"/>
               </a:ext>
             </a:extLst>
           </p:cNvPr>
@@ -7848,44 +7970,6 @@
           </p:cNvSpPr>
           <p:nvPr>
             <p:ph type="title"/>
-          </p:nvPr>
-        </p:nvSpPr>
-        <p:spPr/>
-        <p:txBody>
-          <a:bodyPr>
-            <a:normAutofit/>
-          </a:bodyPr>
-          <a:lstStyle/>
-          <a:p>
-            <a:pPr algn="r" rtl="1"/>
-            <a:r>
-              <a:rPr lang="fa-IR" sz="4000" b="1" dirty="0">
-                <a:cs typeface="B Nazanin" panose="00000400000000000000" pitchFamily="2" charset="-78"/>
-              </a:rPr>
-              <a:t>نحوه عملکرد </a:t>
-            </a:r>
-            <a:r>
-              <a:rPr lang="en-US" sz="4000" b="1" dirty="0"/>
-              <a:t>RAG</a:t>
-            </a:r>
-            <a:endParaRPr lang="fa-IR" sz="4000" b="1" dirty="0"/>
-          </a:p>
-        </p:txBody>
-      </p:sp>
-      <p:sp>
-        <p:nvSpPr>
-          <p:cNvPr id="3" name="Content Placeholder 2">
-            <a:extLst>
-              <a:ext uri="{FF2B5EF4-FFF2-40B4-BE49-F238E27FC236}">
-                <a16:creationId xmlns:a16="http://schemas.microsoft.com/office/drawing/2014/main" id="{543A5400-804E-F8B5-03A3-429E5191212B}"/>
-              </a:ext>
-            </a:extLst>
-          </p:cNvPr>
-          <p:cNvSpPr>
-            <a:spLocks noGrp="1"/>
-          </p:cNvSpPr>
-          <p:nvPr>
-            <p:ph idx="1"/>
           </p:nvPr>
         </p:nvSpPr>
         <p:spPr/>
@@ -7893,14 +7977,48 @@
           <a:bodyPr/>
           <a:lstStyle/>
           <a:p>
-            <a:endParaRPr lang="fa-IR"/>
+            <a:pPr algn="r" rtl="1"/>
+            <a:r>
+              <a:rPr lang="fa-IR" dirty="0"/>
+              <a:t>موارد استفاده </a:t>
+            </a:r>
+            <a:r>
+              <a:rPr lang="en-US" dirty="0"/>
+              <a:t>RAG</a:t>
+            </a:r>
+            <a:endParaRPr lang="fa-IR" dirty="0"/>
+          </a:p>
+        </p:txBody>
+      </p:sp>
+      <p:sp>
+        <p:nvSpPr>
+          <p:cNvPr id="3" name="Content Placeholder 2">
+            <a:extLst>
+              <a:ext uri="{FF2B5EF4-FFF2-40B4-BE49-F238E27FC236}">
+                <a16:creationId xmlns:a16="http://schemas.microsoft.com/office/drawing/2014/main" id="{8BDD5725-6D96-2B6B-C5B1-FBACB654A1B4}"/>
+              </a:ext>
+            </a:extLst>
+          </p:cNvPr>
+          <p:cNvSpPr>
+            <a:spLocks noGrp="1"/>
+          </p:cNvSpPr>
+          <p:nvPr>
+            <p:ph idx="1"/>
+          </p:nvPr>
+        </p:nvSpPr>
+        <p:spPr/>
+        <p:txBody>
+          <a:bodyPr/>
+          <a:lstStyle/>
+          <a:p>
+            <a:endParaRPr lang="fa-IR" dirty="0"/>
           </a:p>
         </p:txBody>
       </p:sp>
     </p:spTree>
     <p:extLst>
       <p:ext uri="{BB962C8B-B14F-4D97-AF65-F5344CB8AC3E}">
-        <p14:creationId xmlns:p14="http://schemas.microsoft.com/office/powerpoint/2010/main" val="3515634735"/>
+        <p14:creationId xmlns:p14="http://schemas.microsoft.com/office/powerpoint/2010/main" val="3301929542"/>
       </p:ext>
     </p:extLst>
   </p:cSld>
@@ -7932,7 +8050,7 @@
           <p:cNvPr id="2" name="Title 1">
             <a:extLst>
               <a:ext uri="{FF2B5EF4-FFF2-40B4-BE49-F238E27FC236}">
-                <a16:creationId xmlns:a16="http://schemas.microsoft.com/office/drawing/2014/main" id="{134A17B7-0BDC-47F3-5396-E81FD66A36EA}"/>
+                <a16:creationId xmlns:a16="http://schemas.microsoft.com/office/drawing/2014/main" id="{0DEEE280-61D4-C51E-550B-D6416CECC62B}"/>
               </a:ext>
             </a:extLst>
           </p:cNvPr>
@@ -7945,10 +8063,23 @@
         </p:nvSpPr>
         <p:spPr/>
         <p:txBody>
-          <a:bodyPr/>
+          <a:bodyPr>
+            <a:normAutofit/>
+          </a:bodyPr>
           <a:lstStyle/>
           <a:p>
-            <a:endParaRPr lang="fa-IR"/>
+            <a:pPr algn="r" rtl="1"/>
+            <a:r>
+              <a:rPr lang="fa-IR" sz="4000" b="1" dirty="0">
+                <a:cs typeface="B Nazanin" panose="00000400000000000000" pitchFamily="2" charset="-78"/>
+              </a:rPr>
+              <a:t>نحوه عملکرد </a:t>
+            </a:r>
+            <a:r>
+              <a:rPr lang="en-US" sz="4000" b="1" dirty="0"/>
+              <a:t>RAG</a:t>
+            </a:r>
+            <a:endParaRPr lang="fa-IR" sz="4000" b="1" dirty="0"/>
           </a:p>
         </p:txBody>
       </p:sp>
@@ -7957,7 +8088,7 @@
           <p:cNvPr id="3" name="Content Placeholder 2">
             <a:extLst>
               <a:ext uri="{FF2B5EF4-FFF2-40B4-BE49-F238E27FC236}">
-                <a16:creationId xmlns:a16="http://schemas.microsoft.com/office/drawing/2014/main" id="{8BC3FECF-C53F-7E00-90C0-6919419B52FA}"/>
+                <a16:creationId xmlns:a16="http://schemas.microsoft.com/office/drawing/2014/main" id="{543A5400-804E-F8B5-03A3-429E5191212B}"/>
               </a:ext>
             </a:extLst>
           </p:cNvPr>
@@ -7980,7 +8111,7 @@
     </p:spTree>
     <p:extLst>
       <p:ext uri="{BB962C8B-B14F-4D97-AF65-F5344CB8AC3E}">
-        <p14:creationId xmlns:p14="http://schemas.microsoft.com/office/powerpoint/2010/main" val="3492333029"/>
+        <p14:creationId xmlns:p14="http://schemas.microsoft.com/office/powerpoint/2010/main" val="3515634735"/>
       </p:ext>
     </p:extLst>
   </p:cSld>

--- a/RAG.pptx
+++ b/RAG.pptx
@@ -11,13 +11,14 @@
     <p:sldId id="258" r:id="rId5"/>
     <p:sldId id="260" r:id="rId6"/>
     <p:sldId id="261" r:id="rId7"/>
-    <p:sldId id="267" r:id="rId8"/>
-    <p:sldId id="268" r:id="rId9"/>
-    <p:sldId id="262" r:id="rId10"/>
-    <p:sldId id="263" r:id="rId11"/>
-    <p:sldId id="264" r:id="rId12"/>
-    <p:sldId id="265" r:id="rId13"/>
-    <p:sldId id="259" r:id="rId14"/>
+    <p:sldId id="269" r:id="rId8"/>
+    <p:sldId id="267" r:id="rId9"/>
+    <p:sldId id="268" r:id="rId10"/>
+    <p:sldId id="262" r:id="rId11"/>
+    <p:sldId id="263" r:id="rId12"/>
+    <p:sldId id="264" r:id="rId13"/>
+    <p:sldId id="265" r:id="rId14"/>
+    <p:sldId id="259" r:id="rId15"/>
   </p:sldIdLst>
   <p:sldSz cx="12192000" cy="6858000"/>
   <p:notesSz cx="6858000" cy="9144000"/>
@@ -3586,7 +3587,7 @@
           <p:cNvPr id="2" name="Title 1">
             <a:extLst>
               <a:ext uri="{FF2B5EF4-FFF2-40B4-BE49-F238E27FC236}">
-                <a16:creationId xmlns:a16="http://schemas.microsoft.com/office/drawing/2014/main" id="{134A17B7-0BDC-47F3-5396-E81FD66A36EA}"/>
+                <a16:creationId xmlns:a16="http://schemas.microsoft.com/office/drawing/2014/main" id="{0DEEE280-61D4-C51E-550B-D6416CECC62B}"/>
               </a:ext>
             </a:extLst>
           </p:cNvPr>
@@ -3599,10 +3600,23 @@
         </p:nvSpPr>
         <p:spPr/>
         <p:txBody>
-          <a:bodyPr/>
+          <a:bodyPr>
+            <a:normAutofit/>
+          </a:bodyPr>
           <a:lstStyle/>
           <a:p>
-            <a:endParaRPr lang="fa-IR"/>
+            <a:pPr algn="r" rtl="1"/>
+            <a:r>
+              <a:rPr lang="fa-IR" sz="4000" b="1" dirty="0">
+                <a:cs typeface="B Nazanin" panose="00000400000000000000" pitchFamily="2" charset="-78"/>
+              </a:rPr>
+              <a:t>نحوه عملکرد </a:t>
+            </a:r>
+            <a:r>
+              <a:rPr lang="en-US" sz="4000" b="1" dirty="0"/>
+              <a:t>RAG</a:t>
+            </a:r>
+            <a:endParaRPr lang="fa-IR" sz="4000" b="1" dirty="0"/>
           </a:p>
         </p:txBody>
       </p:sp>
@@ -3611,7 +3625,7 @@
           <p:cNvPr id="3" name="Content Placeholder 2">
             <a:extLst>
               <a:ext uri="{FF2B5EF4-FFF2-40B4-BE49-F238E27FC236}">
-                <a16:creationId xmlns:a16="http://schemas.microsoft.com/office/drawing/2014/main" id="{8BC3FECF-C53F-7E00-90C0-6919419B52FA}"/>
+                <a16:creationId xmlns:a16="http://schemas.microsoft.com/office/drawing/2014/main" id="{543A5400-804E-F8B5-03A3-429E5191212B}"/>
               </a:ext>
             </a:extLst>
           </p:cNvPr>
@@ -3634,7 +3648,7 @@
     </p:spTree>
     <p:extLst>
       <p:ext uri="{BB962C8B-B14F-4D97-AF65-F5344CB8AC3E}">
-        <p14:creationId xmlns:p14="http://schemas.microsoft.com/office/powerpoint/2010/main" val="3492333029"/>
+        <p14:creationId xmlns:p14="http://schemas.microsoft.com/office/powerpoint/2010/main" val="3515634735"/>
       </p:ext>
     </p:extLst>
   </p:cSld>
@@ -3666,7 +3680,7 @@
           <p:cNvPr id="2" name="Title 1">
             <a:extLst>
               <a:ext uri="{FF2B5EF4-FFF2-40B4-BE49-F238E27FC236}">
-                <a16:creationId xmlns:a16="http://schemas.microsoft.com/office/drawing/2014/main" id="{49692620-32EF-ED06-86F4-F45D4D2DEC61}"/>
+                <a16:creationId xmlns:a16="http://schemas.microsoft.com/office/drawing/2014/main" id="{134A17B7-0BDC-47F3-5396-E81FD66A36EA}"/>
               </a:ext>
             </a:extLst>
           </p:cNvPr>
@@ -3691,7 +3705,7 @@
           <p:cNvPr id="3" name="Content Placeholder 2">
             <a:extLst>
               <a:ext uri="{FF2B5EF4-FFF2-40B4-BE49-F238E27FC236}">
-                <a16:creationId xmlns:a16="http://schemas.microsoft.com/office/drawing/2014/main" id="{64609014-3E9C-3A54-C1CE-4FC924A4FF30}"/>
+                <a16:creationId xmlns:a16="http://schemas.microsoft.com/office/drawing/2014/main" id="{8BC3FECF-C53F-7E00-90C0-6919419B52FA}"/>
               </a:ext>
             </a:extLst>
           </p:cNvPr>
@@ -3714,7 +3728,7 @@
     </p:spTree>
     <p:extLst>
       <p:ext uri="{BB962C8B-B14F-4D97-AF65-F5344CB8AC3E}">
-        <p14:creationId xmlns:p14="http://schemas.microsoft.com/office/powerpoint/2010/main" val="4022629440"/>
+        <p14:creationId xmlns:p14="http://schemas.microsoft.com/office/powerpoint/2010/main" val="3492333029"/>
       </p:ext>
     </p:extLst>
   </p:cSld>
@@ -3746,6 +3760,86 @@
           <p:cNvPr id="2" name="Title 1">
             <a:extLst>
               <a:ext uri="{FF2B5EF4-FFF2-40B4-BE49-F238E27FC236}">
+                <a16:creationId xmlns:a16="http://schemas.microsoft.com/office/drawing/2014/main" id="{49692620-32EF-ED06-86F4-F45D4D2DEC61}"/>
+              </a:ext>
+            </a:extLst>
+          </p:cNvPr>
+          <p:cNvSpPr>
+            <a:spLocks noGrp="1"/>
+          </p:cNvSpPr>
+          <p:nvPr>
+            <p:ph type="title"/>
+          </p:nvPr>
+        </p:nvSpPr>
+        <p:spPr/>
+        <p:txBody>
+          <a:bodyPr/>
+          <a:lstStyle/>
+          <a:p>
+            <a:endParaRPr lang="fa-IR"/>
+          </a:p>
+        </p:txBody>
+      </p:sp>
+      <p:sp>
+        <p:nvSpPr>
+          <p:cNvPr id="3" name="Content Placeholder 2">
+            <a:extLst>
+              <a:ext uri="{FF2B5EF4-FFF2-40B4-BE49-F238E27FC236}">
+                <a16:creationId xmlns:a16="http://schemas.microsoft.com/office/drawing/2014/main" id="{64609014-3E9C-3A54-C1CE-4FC924A4FF30}"/>
+              </a:ext>
+            </a:extLst>
+          </p:cNvPr>
+          <p:cNvSpPr>
+            <a:spLocks noGrp="1"/>
+          </p:cNvSpPr>
+          <p:nvPr>
+            <p:ph idx="1"/>
+          </p:nvPr>
+        </p:nvSpPr>
+        <p:spPr/>
+        <p:txBody>
+          <a:bodyPr/>
+          <a:lstStyle/>
+          <a:p>
+            <a:endParaRPr lang="fa-IR"/>
+          </a:p>
+        </p:txBody>
+      </p:sp>
+    </p:spTree>
+    <p:extLst>
+      <p:ext uri="{BB962C8B-B14F-4D97-AF65-F5344CB8AC3E}">
+        <p14:creationId xmlns:p14="http://schemas.microsoft.com/office/powerpoint/2010/main" val="4022629440"/>
+      </p:ext>
+    </p:extLst>
+  </p:cSld>
+  <p:clrMapOvr>
+    <a:masterClrMapping/>
+  </p:clrMapOvr>
+</p:sld>
+</file>
+
+<file path=ppt/slides/slide13.xml><?xml version="1.0" encoding="utf-8"?>
+<p:sld xmlns:a="http://schemas.openxmlformats.org/drawingml/2006/main" xmlns:r="http://schemas.openxmlformats.org/officeDocument/2006/relationships" xmlns:p="http://schemas.openxmlformats.org/presentationml/2006/main">
+  <p:cSld>
+    <p:spTree>
+      <p:nvGrpSpPr>
+        <p:cNvPr id="1" name=""/>
+        <p:cNvGrpSpPr/>
+        <p:nvPr/>
+      </p:nvGrpSpPr>
+      <p:grpSpPr>
+        <a:xfrm>
+          <a:off x="0" y="0"/>
+          <a:ext cx="0" cy="0"/>
+          <a:chOff x="0" y="0"/>
+          <a:chExt cx="0" cy="0"/>
+        </a:xfrm>
+      </p:grpSpPr>
+      <p:sp>
+        <p:nvSpPr>
+          <p:cNvPr id="2" name="Title 1">
+            <a:extLst>
+              <a:ext uri="{FF2B5EF4-FFF2-40B4-BE49-F238E27FC236}">
                 <a16:creationId xmlns:a16="http://schemas.microsoft.com/office/drawing/2014/main" id="{43199FBF-A5B5-58B6-5DBF-490086264C30}"/>
               </a:ext>
             </a:extLst>
@@ -3804,7 +3898,7 @@
 </p:sld>
 </file>
 
-<file path=ppt/slides/slide13.xml><?xml version="1.0" encoding="utf-8"?>
+<file path=ppt/slides/slide14.xml><?xml version="1.0" encoding="utf-8"?>
 <p:sld xmlns:a="http://schemas.openxmlformats.org/drawingml/2006/main" xmlns:r="http://schemas.openxmlformats.org/officeDocument/2006/relationships" xmlns:p="http://schemas.openxmlformats.org/presentationml/2006/main">
   <p:cSld>
     <p:spTree>
@@ -4820,7 +4914,7 @@
               <a:rPr lang="fa-IR" sz="2400" b="1" dirty="0">
                 <a:cs typeface="B Nazanin" panose="00000400000000000000" pitchFamily="2" charset="-78"/>
               </a:rPr>
-              <a:t>نداشتن دانش و اطلاعات به روز (امکان ارائه اطلاعات منسوخ)</a:t>
+              <a:t>نداشتن دانش و اطلاعات به روز (احتمال ارائه اطلاعات منسوخ)</a:t>
             </a:r>
           </a:p>
           <a:p>
@@ -4841,7 +4935,19 @@
               <a:rPr lang="fa-IR" sz="2400" b="1" dirty="0">
                 <a:cs typeface="B Nazanin" panose="00000400000000000000" pitchFamily="2" charset="-78"/>
               </a:rPr>
-              <a:t>): امکان ارائه پاسخ نادرست با قاطعیت در بیان</a:t>
+              <a:t>): احتمال ارائه پاسخ نادرست </a:t>
+            </a:r>
+            <a:r>
+              <a:rPr lang="fa-IR" sz="2400" b="1" dirty="0" err="1">
+                <a:cs typeface="B Nazanin" panose="00000400000000000000" pitchFamily="2" charset="-78"/>
+              </a:rPr>
+              <a:t>علی‌رغم</a:t>
+            </a:r>
+            <a:r>
+              <a:rPr lang="fa-IR" sz="2400" b="1" dirty="0">
+                <a:cs typeface="B Nazanin" panose="00000400000000000000" pitchFamily="2" charset="-78"/>
+              </a:rPr>
+              <a:t> قاطعیت در بیان</a:t>
             </a:r>
           </a:p>
           <a:p>
@@ -5144,7 +5250,7 @@
               <a:rPr lang="fa-IR" sz="2400" b="1" dirty="0">
                 <a:cs typeface="B Nazanin" panose="00000400000000000000" pitchFamily="2" charset="-78"/>
               </a:rPr>
-              <a:t>دانش یک مدل‌ زبانی محدود به </a:t>
+              <a:t>اطلاعات و دانش مدل‌ زبانی محدود به </a:t>
             </a:r>
             <a:r>
               <a:rPr lang="fa-IR" sz="2400" b="1" dirty="0" err="1">
@@ -6480,14 +6586,14 @@
             <p:ph idx="1"/>
             <p:extLst>
               <p:ext uri="{D42A27DB-BD31-4B8C-83A1-F6EECF244321}">
-                <p14:modId xmlns:p14="http://schemas.microsoft.com/office/powerpoint/2010/main" val="104938913"/>
+                <p14:modId xmlns:p14="http://schemas.microsoft.com/office/powerpoint/2010/main" val="1425344740"/>
               </p:ext>
             </p:extLst>
           </p:nvPr>
         </p:nvGraphicFramePr>
         <p:xfrm>
-          <a:off x="316704" y="1036808"/>
-          <a:ext cx="11558591" cy="5419565"/>
+          <a:off x="316704" y="1024745"/>
+          <a:ext cx="11558591" cy="5447272"/>
         </p:xfrm>
         <a:graphic>
           <a:graphicData uri="http://schemas.openxmlformats.org/drawingml/2006/table">
@@ -6496,28 +6602,28 @@
                 <a:tableStyleId>{5C22544A-7EE6-4342-B048-85BDC9FD1C3A}</a:tableStyleId>
               </a:tblPr>
               <a:tblGrid>
-                <a:gridCol w="1682424">
+                <a:gridCol w="1592777">
                   <a:extLst>
                     <a:ext uri="{9D8B030D-6E8A-4147-A177-3AD203B41FA5}">
                       <a16:colId xmlns:a16="http://schemas.microsoft.com/office/drawing/2014/main" val="3606271277"/>
                     </a:ext>
                   </a:extLst>
                 </a:gridCol>
-                <a:gridCol w="3862579">
+                <a:gridCol w="3532094">
                   <a:extLst>
                     <a:ext uri="{9D8B030D-6E8A-4147-A177-3AD203B41FA5}">
                       <a16:colId xmlns:a16="http://schemas.microsoft.com/office/drawing/2014/main" val="3450439336"/>
                     </a:ext>
                   </a:extLst>
                 </a:gridCol>
-                <a:gridCol w="3297283">
+                <a:gridCol w="3218330">
                   <a:extLst>
                     <a:ext uri="{9D8B030D-6E8A-4147-A177-3AD203B41FA5}">
                       <a16:colId xmlns:a16="http://schemas.microsoft.com/office/drawing/2014/main" val="1743241370"/>
                     </a:ext>
                   </a:extLst>
                 </a:gridCol>
-                <a:gridCol w="2716305">
+                <a:gridCol w="3215390">
                   <a:extLst>
                     <a:ext uri="{9D8B030D-6E8A-4147-A177-3AD203B41FA5}">
                       <a16:colId xmlns:a16="http://schemas.microsoft.com/office/drawing/2014/main" val="4055511178"/>
@@ -6525,7 +6631,7 @@
                   </a:extLst>
                 </a:gridCol>
               </a:tblGrid>
-              <a:tr h="549945">
+              <a:tr h="445467">
                 <a:tc>
                   <a:txBody>
                     <a:bodyPr/>
@@ -6533,18 +6639,30 @@
                     <a:p>
                       <a:pPr algn="ctr" rtl="1">
                         <a:lnSpc>
-                          <a:spcPct val="200000"/>
+                          <a:spcPct val="150000"/>
                         </a:lnSpc>
                       </a:pPr>
                       <a:r>
-                        <a:rPr lang="fa-IR" dirty="0">
+                        <a:rPr lang="fa-IR" sz="1800" b="1" kern="1200" dirty="0">
+                          <a:solidFill>
+                            <a:srgbClr val="002060"/>
+                          </a:solidFill>
+                          <a:latin typeface="+mn-lt"/>
+                          <a:ea typeface="+mn-ea"/>
                           <a:cs typeface="B Nazanin" panose="00000400000000000000" pitchFamily="2" charset="-78"/>
                         </a:rPr>
                         <a:t>شاخصه / روش</a:t>
                       </a:r>
                     </a:p>
                   </a:txBody>
-                  <a:tcPr/>
+                  <a:tcPr>
+                    <a:solidFill>
+                      <a:schemeClr val="accent5">
+                        <a:lumMod val="20000"/>
+                        <a:lumOff val="80000"/>
+                      </a:schemeClr>
+                    </a:solidFill>
+                  </a:tcPr>
                 </a:tc>
                 <a:tc>
                   <a:txBody>
@@ -6553,13 +6671,13 @@
                     <a:p>
                       <a:pPr marL="0" algn="ctr" defTabSz="914400" rtl="1" eaLnBrk="1" latinLnBrk="0" hangingPunct="1">
                         <a:lnSpc>
-                          <a:spcPct val="150000"/>
+                          <a:spcPct val="100000"/>
                         </a:lnSpc>
                       </a:pPr>
                       <a:r>
-                        <a:rPr lang="en-US" sz="2000" b="1" kern="1200" dirty="0">
+                        <a:rPr lang="en-US" sz="2400" b="1" kern="1200" dirty="0">
                           <a:solidFill>
-                            <a:schemeClr val="lt1"/>
+                            <a:srgbClr val="005DA2"/>
                           </a:solidFill>
                           <a:latin typeface="+mn-lt"/>
                           <a:ea typeface="+mn-ea"/>
@@ -6567,9 +6685,9 @@
                         </a:rPr>
                         <a:t>Pre-training</a:t>
                       </a:r>
-                      <a:endParaRPr lang="fa-IR" sz="2000" b="1" kern="1200" dirty="0">
+                      <a:endParaRPr lang="fa-IR" sz="2400" b="1" kern="1200" dirty="0">
                         <a:solidFill>
-                          <a:schemeClr val="lt1"/>
+                          <a:srgbClr val="005DA2"/>
                         </a:solidFill>
                         <a:latin typeface="+mn-lt"/>
                         <a:ea typeface="+mn-ea"/>
@@ -6577,7 +6695,14 @@
                       </a:endParaRPr>
                     </a:p>
                   </a:txBody>
-                  <a:tcPr/>
+                  <a:tcPr>
+                    <a:solidFill>
+                      <a:schemeClr val="accent5">
+                        <a:lumMod val="20000"/>
+                        <a:lumOff val="80000"/>
+                      </a:schemeClr>
+                    </a:solidFill>
+                  </a:tcPr>
                 </a:tc>
                 <a:tc>
                   <a:txBody>
@@ -6586,13 +6711,13 @@
                     <a:p>
                       <a:pPr marL="0" algn="ctr" defTabSz="914400" rtl="1" eaLnBrk="1" latinLnBrk="0" hangingPunct="1">
                         <a:lnSpc>
-                          <a:spcPct val="150000"/>
+                          <a:spcPct val="100000"/>
                         </a:lnSpc>
                       </a:pPr>
                       <a:r>
-                        <a:rPr lang="en-US" sz="2000" b="1" kern="1200" dirty="0">
+                        <a:rPr lang="en-US" sz="2400" b="1" kern="1200" dirty="0">
                           <a:solidFill>
-                            <a:schemeClr val="lt1"/>
+                            <a:srgbClr val="005DA2"/>
                           </a:solidFill>
                           <a:latin typeface="+mn-lt"/>
                           <a:ea typeface="+mn-ea"/>
@@ -6600,9 +6725,9 @@
                         </a:rPr>
                         <a:t>Fine-tuning</a:t>
                       </a:r>
-                      <a:endParaRPr lang="fa-IR" sz="2000" b="1" kern="1200" dirty="0">
+                      <a:endParaRPr lang="fa-IR" sz="2400" b="1" kern="1200" dirty="0">
                         <a:solidFill>
-                          <a:schemeClr val="lt1"/>
+                          <a:srgbClr val="005DA2"/>
                         </a:solidFill>
                         <a:latin typeface="+mn-lt"/>
                         <a:ea typeface="+mn-ea"/>
@@ -6610,7 +6735,14 @@
                       </a:endParaRPr>
                     </a:p>
                   </a:txBody>
-                  <a:tcPr/>
+                  <a:tcPr>
+                    <a:solidFill>
+                      <a:schemeClr val="accent5">
+                        <a:lumMod val="20000"/>
+                        <a:lumOff val="80000"/>
+                      </a:schemeClr>
+                    </a:solidFill>
+                  </a:tcPr>
                 </a:tc>
                 <a:tc>
                   <a:txBody>
@@ -6619,13 +6751,13 @@
                     <a:p>
                       <a:pPr marL="0" algn="ctr" defTabSz="914400" rtl="1" eaLnBrk="1" latinLnBrk="0" hangingPunct="1">
                         <a:lnSpc>
-                          <a:spcPct val="150000"/>
+                          <a:spcPct val="100000"/>
                         </a:lnSpc>
                       </a:pPr>
                       <a:r>
-                        <a:rPr lang="en-US" sz="2000" b="1" kern="1200" dirty="0">
+                        <a:rPr lang="en-US" sz="2400" b="1" kern="1200" dirty="0">
                           <a:solidFill>
-                            <a:schemeClr val="lt1"/>
+                            <a:srgbClr val="005DA2"/>
                           </a:solidFill>
                           <a:latin typeface="+mn-lt"/>
                           <a:ea typeface="+mn-ea"/>
@@ -6633,9 +6765,9 @@
                         </a:rPr>
                         <a:t>RAG</a:t>
                       </a:r>
-                      <a:endParaRPr lang="fa-IR" sz="2000" b="1" kern="1200" dirty="0">
+                      <a:endParaRPr lang="fa-IR" sz="2400" b="1" kern="1200" dirty="0">
                         <a:solidFill>
-                          <a:schemeClr val="lt1"/>
+                          <a:srgbClr val="005DA2"/>
                         </a:solidFill>
                         <a:latin typeface="+mn-lt"/>
                         <a:ea typeface="+mn-ea"/>
@@ -6643,7 +6775,14 @@
                       </a:endParaRPr>
                     </a:p>
                   </a:txBody>
-                  <a:tcPr/>
+                  <a:tcPr>
+                    <a:solidFill>
+                      <a:schemeClr val="accent5">
+                        <a:lumMod val="20000"/>
+                        <a:lumOff val="80000"/>
+                      </a:schemeClr>
+                    </a:solidFill>
+                  </a:tcPr>
                 </a:tc>
                 <a:extLst>
                   <a:ext uri="{0D108BD9-81ED-4DB2-BD59-A6C34878D82A}">
@@ -6651,7 +6790,7 @@
                   </a:ext>
                 </a:extLst>
               </a:tr>
-              <a:tr h="566490">
+              <a:tr h="304193">
                 <a:tc>
                   <a:txBody>
                     <a:bodyPr/>
@@ -6675,7 +6814,11 @@
                       </a:r>
                     </a:p>
                   </a:txBody>
-                  <a:tcPr/>
+                  <a:tcPr>
+                    <a:solidFill>
+                      <a:srgbClr val="D9DEEF"/>
+                    </a:solidFill>
+                  </a:tcPr>
                 </a:tc>
                 <a:tc>
                   <a:txBody>
@@ -6688,14 +6831,18 @@
                         </a:lnSpc>
                       </a:pPr>
                       <a:r>
-                        <a:rPr lang="fa-IR" sz="1600" b="1" dirty="0">
+                        <a:rPr lang="fa-IR" sz="1500" b="1" dirty="0">
                           <a:cs typeface="B Nazanin" panose="00000400000000000000" pitchFamily="2" charset="-78"/>
                         </a:rPr>
                         <a:t>آموزش مدل زبانی از ابتدا</a:t>
                       </a:r>
                     </a:p>
                   </a:txBody>
-                  <a:tcPr/>
+                  <a:tcPr>
+                    <a:solidFill>
+                      <a:srgbClr val="D9DEEF"/>
+                    </a:solidFill>
+                  </a:tcPr>
                 </a:tc>
                 <a:tc>
                   <a:txBody>
@@ -6708,46 +6855,78 @@
                         </a:lnSpc>
                       </a:pPr>
                       <a:r>
-                        <a:rPr lang="fa-IR" sz="1600" b="1" dirty="0">
+                        <a:rPr lang="fa-IR" sz="1500" b="1" dirty="0">
                           <a:cs typeface="B Nazanin" panose="00000400000000000000" pitchFamily="2" charset="-78"/>
                         </a:rPr>
                         <a:t>تنظیم دقیق مدل ‌زبانی روی </a:t>
                       </a:r>
                       <a:r>
-                        <a:rPr lang="fa-IR" sz="1600" b="1" dirty="0" err="1">
+                        <a:rPr lang="fa-IR" sz="1500" b="1" dirty="0" err="1">
                           <a:cs typeface="B Nazanin" panose="00000400000000000000" pitchFamily="2" charset="-78"/>
                         </a:rPr>
                         <a:t>داده‌های</a:t>
                       </a:r>
                       <a:r>
-                        <a:rPr lang="fa-IR" sz="1600" b="1" dirty="0">
+                        <a:rPr lang="fa-IR" sz="1500" b="1" dirty="0">
                           <a:cs typeface="B Nazanin" panose="00000400000000000000" pitchFamily="2" charset="-78"/>
                         </a:rPr>
                         <a:t> جدید</a:t>
                       </a:r>
                     </a:p>
                   </a:txBody>
-                  <a:tcPr/>
+                  <a:tcPr>
+                    <a:solidFill>
+                      <a:srgbClr val="D9DEEF"/>
+                    </a:solidFill>
+                  </a:tcPr>
                 </a:tc>
                 <a:tc>
                   <a:txBody>
                     <a:bodyPr/>
                     <a:lstStyle/>
                     <a:p>
-                      <a:pPr algn="ctr" rtl="1">
+                      <a:pPr marL="0" marR="0" lvl="0" indent="0" algn="r" defTabSz="914400" rtl="1" eaLnBrk="1" fontAlgn="auto" latinLnBrk="0" hangingPunct="1">
                         <a:lnSpc>
                           <a:spcPct val="150000"/>
                         </a:lnSpc>
+                        <a:spcBef>
+                          <a:spcPts val="0"/>
+                        </a:spcBef>
+                        <a:spcAft>
+                          <a:spcPts val="0"/>
+                        </a:spcAft>
+                        <a:buClrTx/>
+                        <a:buSzTx/>
+                        <a:buFontTx/>
+                        <a:buNone/>
+                        <a:tabLst/>
+                        <a:defRPr/>
                       </a:pPr>
                       <a:r>
-                        <a:rPr lang="fa-IR" sz="1600" b="1" dirty="0">
+                        <a:rPr lang="fa-IR" sz="1500" b="1" dirty="0">
                           <a:cs typeface="B Nazanin" panose="00000400000000000000" pitchFamily="2" charset="-78"/>
                         </a:rPr>
-                        <a:t> تقویت ورودی مدل ‌زبانی</a:t>
+                        <a:t> تقویت ورودی مدل ‌زبانی با اطلاعات</a:t>
+                      </a:r>
+                      <a:r>
+                        <a:rPr lang="en-US" sz="1500" b="1" dirty="0">
+                          <a:cs typeface="B Nazanin" panose="00000400000000000000" pitchFamily="2" charset="-78"/>
+                        </a:rPr>
+                        <a:t> </a:t>
+                      </a:r>
+                      <a:r>
+                        <a:rPr lang="fa-IR" sz="1500" b="1" dirty="0">
+                          <a:cs typeface="B Nazanin" panose="00000400000000000000" pitchFamily="2" charset="-78"/>
+                        </a:rPr>
+                        <a:t>مرتبط</a:t>
                       </a:r>
                     </a:p>
                   </a:txBody>
-                  <a:tcPr/>
+                  <a:tcPr>
+                    <a:solidFill>
+                      <a:srgbClr val="D9DEEF"/>
+                    </a:solidFill>
+                  </a:tcPr>
                 </a:tc>
                 <a:extLst>
                   <a:ext uri="{0D108BD9-81ED-4DB2-BD59-A6C34878D82A}">
@@ -6766,7 +6945,7 @@
                           <a:spcPct val="150000"/>
                         </a:lnSpc>
                       </a:pPr>
-                      <a:endParaRPr lang="fa-IR" b="1" dirty="0">
+                      <a:endParaRPr lang="fa-IR" sz="1100" b="1" dirty="0">
                         <a:solidFill>
                           <a:schemeClr val="accent1">
                             <a:lumMod val="50000"/>
@@ -6823,100 +7002,100 @@
                     <a:bodyPr/>
                     <a:lstStyle/>
                     <a:p>
-                      <a:pPr marL="0" indent="0" algn="r" rtl="1">
+                      <a:pPr marL="285750" indent="-285750" algn="r" rtl="1">
                         <a:lnSpc>
                           <a:spcPct val="150000"/>
                         </a:lnSpc>
                         <a:buFont typeface="Arial" panose="020B0604020202020204" pitchFamily="34" charset="0"/>
-                        <a:buNone/>
+                        <a:buChar char="•"/>
                       </a:pPr>
                       <a:r>
-                        <a:rPr lang="fa-IR" sz="1600" b="1" dirty="0">
+                        <a:rPr lang="fa-IR" sz="1500" b="1" dirty="0">
                           <a:cs typeface="B Nazanin" panose="00000400000000000000" pitchFamily="2" charset="-78"/>
                         </a:rPr>
                         <a:t>صدها هزار </a:t>
                       </a:r>
                       <a:r>
-                        <a:rPr lang="fa-IR" sz="1600" b="1" dirty="0" err="1">
+                        <a:rPr lang="fa-IR" sz="1500" b="1" dirty="0" err="1">
                           <a:cs typeface="B Nazanin" panose="00000400000000000000" pitchFamily="2" charset="-78"/>
                         </a:rPr>
                         <a:t>گیگابایت</a:t>
                       </a:r>
                       <a:r>
-                        <a:rPr lang="fa-IR" sz="1600" b="1" dirty="0">
+                        <a:rPr lang="fa-IR" sz="1500" b="1" dirty="0">
                           <a:cs typeface="B Nazanin" panose="00000400000000000000" pitchFamily="2" charset="-78"/>
                         </a:rPr>
                         <a:t> ظرفیت </a:t>
                       </a:r>
                       <a:r>
-                        <a:rPr lang="fa-IR" sz="1600" b="1" dirty="0" err="1">
+                        <a:rPr lang="fa-IR" sz="1500" b="1" dirty="0" err="1">
                           <a:cs typeface="B Nazanin" panose="00000400000000000000" pitchFamily="2" charset="-78"/>
                         </a:rPr>
                         <a:t>پردازشی</a:t>
                       </a:r>
                       <a:r>
-                        <a:rPr lang="fa-IR" sz="1600" b="1" dirty="0">
+                        <a:rPr lang="fa-IR" sz="1500" b="1" dirty="0">
                           <a:cs typeface="B Nazanin" panose="00000400000000000000" pitchFamily="2" charset="-78"/>
                         </a:rPr>
                         <a:t> </a:t>
                       </a:r>
                       <a:r>
-                        <a:rPr lang="fa-IR" sz="1600" b="1" dirty="0" err="1">
+                        <a:rPr lang="fa-IR" sz="1500" b="1" dirty="0" err="1">
                           <a:cs typeface="B Nazanin" panose="00000400000000000000" pitchFamily="2" charset="-78"/>
                         </a:rPr>
                         <a:t>گرافیکی</a:t>
                       </a:r>
-                      <a:endParaRPr lang="fa-IR" sz="1600" b="1" dirty="0">
+                      <a:endParaRPr lang="fa-IR" sz="1500" b="1" dirty="0">
                         <a:cs typeface="B Nazanin" panose="00000400000000000000" pitchFamily="2" charset="-78"/>
                       </a:endParaRPr>
                     </a:p>
                     <a:p>
-                      <a:pPr marL="0" indent="0" algn="r" rtl="1">
+                      <a:pPr marL="285750" indent="-285750" algn="r" rtl="1">
                         <a:lnSpc>
                           <a:spcPct val="150000"/>
                         </a:lnSpc>
                         <a:buFont typeface="Arial" panose="020B0604020202020204" pitchFamily="34" charset="0"/>
-                        <a:buNone/>
+                        <a:buChar char="•"/>
                       </a:pPr>
                       <a:r>
-                        <a:rPr lang="fa-IR" sz="1600" b="1" dirty="0">
+                        <a:rPr lang="fa-IR" sz="1500" b="1" dirty="0">
                           <a:cs typeface="B Nazanin" panose="00000400000000000000" pitchFamily="2" charset="-78"/>
                         </a:rPr>
                         <a:t>چندین ماه یا سال</a:t>
                       </a:r>
                     </a:p>
                     <a:p>
-                      <a:pPr marL="0" indent="0" algn="r" rtl="1">
+                      <a:pPr marL="285750" indent="-285750" algn="r" rtl="1">
                         <a:lnSpc>
                           <a:spcPct val="150000"/>
                         </a:lnSpc>
                         <a:buFont typeface="Arial" panose="020B0604020202020204" pitchFamily="34" charset="0"/>
-                        <a:buNone/>
+                        <a:buChar char="•"/>
                       </a:pPr>
                       <a:r>
-                        <a:rPr lang="fa-IR" sz="1600" b="1" dirty="0" err="1">
+                        <a:rPr lang="fa-IR" sz="1500" b="1" dirty="0" err="1">
                           <a:cs typeface="B Nazanin" panose="00000400000000000000" pitchFamily="2" charset="-78"/>
                         </a:rPr>
                         <a:t>ده‌ها</a:t>
                       </a:r>
                       <a:r>
-                        <a:rPr lang="fa-IR" sz="1600" b="1" dirty="0">
+                        <a:rPr lang="fa-IR" sz="1500" b="1" dirty="0">
                           <a:cs typeface="B Nazanin" panose="00000400000000000000" pitchFamily="2" charset="-78"/>
                         </a:rPr>
                         <a:t> متخصص و </a:t>
                       </a:r>
                       <a:r>
-                        <a:rPr lang="fa-IR" sz="1600" b="1" dirty="0" err="1">
+                        <a:rPr lang="fa-IR" sz="1500" b="1" dirty="0" err="1">
                           <a:cs typeface="B Nazanin" panose="00000400000000000000" pitchFamily="2" charset="-78"/>
                         </a:rPr>
                         <a:t>توسعه‌دهنده</a:t>
                       </a:r>
-                      <a:endParaRPr lang="fa-IR" sz="1600" b="1" dirty="0">
+                      <a:endParaRPr lang="fa-IR" sz="1500" b="1" dirty="0">
                         <a:cs typeface="B Nazanin" panose="00000400000000000000" pitchFamily="2" charset="-78"/>
                       </a:endParaRPr>
                     </a:p>
                     <a:p>
-                      <a:pPr marL="0" marR="0" lvl="0" indent="0" algn="r" defTabSz="914400" rtl="1" eaLnBrk="1" fontAlgn="auto" latinLnBrk="0" hangingPunct="1">
+                      <a:pPr marL="285750" marR="0" lvl="0" indent="-285750" algn="r" defTabSz="914400" rtl="1" eaLnBrk="1" fontAlgn="auto" latinLnBrk="0" hangingPunct="1">
                         <a:lnSpc>
                           <a:spcPct val="150000"/>
                         </a:lnSpc>
@@ -6929,12 +7108,12 @@
                         <a:buClrTx/>
                         <a:buSzTx/>
                         <a:buFont typeface="Arial" panose="020B0604020202020204" pitchFamily="34" charset="0"/>
-                        <a:buNone/>
+                        <a:buChar char="•"/>
                         <a:tabLst/>
                         <a:defRPr/>
                       </a:pPr>
                       <a:r>
-                        <a:rPr lang="fa-IR" sz="1600" b="1" kern="1200" dirty="0">
+                        <a:rPr lang="fa-IR" sz="1500" b="1" kern="1200" dirty="0">
                           <a:solidFill>
                             <a:schemeClr val="dk1"/>
                           </a:solidFill>
@@ -6945,7 +7124,7 @@
                         <a:t>نیاز به تهیه مجموعه داده(</a:t>
                       </a:r>
                       <a:r>
-                        <a:rPr lang="en-US" sz="1600" b="1" kern="1200" dirty="0">
+                        <a:rPr lang="en-US" sz="1500" b="1" kern="1200" dirty="0">
                           <a:solidFill>
                             <a:schemeClr val="dk1"/>
                           </a:solidFill>
@@ -6956,7 +7135,7 @@
                         <a:t>Dataset</a:t>
                       </a:r>
                       <a:r>
-                        <a:rPr lang="fa-IR" sz="1600" b="1" kern="1200" dirty="0">
+                        <a:rPr lang="fa-IR" sz="1500" b="1" kern="1200" dirty="0">
                           <a:solidFill>
                             <a:schemeClr val="dk1"/>
                           </a:solidFill>
@@ -6966,7 +7145,7 @@
                         </a:rPr>
                         <a:t>)‌ عظیم </a:t>
                       </a:r>
-                      <a:endParaRPr lang="fa-IR" sz="1600" b="1" dirty="0">
+                      <a:endParaRPr lang="fa-IR" sz="1500" b="1" dirty="0">
                         <a:cs typeface="B Nazanin" panose="00000400000000000000" pitchFamily="2" charset="-78"/>
                       </a:endParaRPr>
                     </a:p>
@@ -6978,15 +7157,15 @@
                     <a:bodyPr/>
                     <a:lstStyle/>
                     <a:p>
-                      <a:pPr marL="0" indent="0" algn="r" defTabSz="914400" rtl="1" eaLnBrk="1" latinLnBrk="0" hangingPunct="1">
+                      <a:pPr marL="285750" indent="-285750" algn="r" defTabSz="914400" rtl="1" eaLnBrk="1" latinLnBrk="0" hangingPunct="1">
                         <a:lnSpc>
                           <a:spcPct val="150000"/>
                         </a:lnSpc>
                         <a:buFont typeface="Arial" panose="020B0604020202020204" pitchFamily="34" charset="0"/>
-                        <a:buNone/>
+                        <a:buChar char="•"/>
                       </a:pPr>
                       <a:r>
-                        <a:rPr lang="fa-IR" sz="1600" b="1" kern="1200" dirty="0" err="1">
+                        <a:rPr lang="fa-IR" sz="1500" b="1" kern="1200" dirty="0" err="1">
                           <a:solidFill>
                             <a:schemeClr val="dk1"/>
                           </a:solidFill>
@@ -6997,7 +7176,7 @@
                         <a:t>ده‌ها</a:t>
                       </a:r>
                       <a:r>
-                        <a:rPr lang="fa-IR" sz="1600" b="1" kern="1200" dirty="0">
+                        <a:rPr lang="fa-IR" sz="1500" b="1" kern="1200" dirty="0">
                           <a:solidFill>
                             <a:schemeClr val="dk1"/>
                           </a:solidFill>
@@ -7008,7 +7187,7 @@
                         <a:t> </a:t>
                       </a:r>
                       <a:r>
-                        <a:rPr lang="fa-IR" sz="1600" b="1" kern="1200" dirty="0" err="1">
+                        <a:rPr lang="fa-IR" sz="1500" b="1" kern="1200" dirty="0" err="1">
                           <a:solidFill>
                             <a:schemeClr val="dk1"/>
                           </a:solidFill>
@@ -7019,7 +7198,7 @@
                         <a:t>گیگابایت</a:t>
                       </a:r>
                       <a:r>
-                        <a:rPr lang="fa-IR" sz="1600" b="1" kern="1200" dirty="0">
+                        <a:rPr lang="fa-IR" sz="1500" b="1" kern="1200" dirty="0">
                           <a:solidFill>
                             <a:schemeClr val="dk1"/>
                           </a:solidFill>
@@ -7030,7 +7209,7 @@
                         <a:t> ظرفیت </a:t>
                       </a:r>
                       <a:r>
-                        <a:rPr lang="fa-IR" sz="1600" b="1" kern="1200" dirty="0" err="1">
+                        <a:rPr lang="fa-IR" sz="1500" b="1" kern="1200" dirty="0" err="1">
                           <a:solidFill>
                             <a:schemeClr val="dk1"/>
                           </a:solidFill>
@@ -7041,7 +7220,7 @@
                         <a:t>پردازشی</a:t>
                       </a:r>
                       <a:r>
-                        <a:rPr lang="fa-IR" sz="1600" b="1" kern="1200" dirty="0">
+                        <a:rPr lang="fa-IR" sz="1500" b="1" kern="1200" dirty="0">
                           <a:solidFill>
                             <a:schemeClr val="dk1"/>
                           </a:solidFill>
@@ -7052,7 +7231,7 @@
                         <a:t> </a:t>
                       </a:r>
                       <a:r>
-                        <a:rPr lang="fa-IR" sz="1600" b="1" kern="1200" dirty="0" err="1">
+                        <a:rPr lang="fa-IR" sz="1500" b="1" kern="1200" dirty="0" err="1">
                           <a:solidFill>
                             <a:schemeClr val="dk1"/>
                           </a:solidFill>
@@ -7062,7 +7241,7 @@
                         </a:rPr>
                         <a:t>گرافیکی</a:t>
                       </a:r>
-                      <a:endParaRPr lang="fa-IR" sz="1600" b="1" kern="1200" dirty="0">
+                      <a:endParaRPr lang="fa-IR" sz="1500" b="1" kern="1200" dirty="0">
                         <a:solidFill>
                           <a:schemeClr val="dk1"/>
                         </a:solidFill>
@@ -7072,15 +7251,15 @@
                       </a:endParaRPr>
                     </a:p>
                     <a:p>
-                      <a:pPr marL="0" indent="0" algn="r" defTabSz="914400" rtl="1" eaLnBrk="1" latinLnBrk="0" hangingPunct="1">
+                      <a:pPr marL="285750" indent="-285750" algn="r" defTabSz="914400" rtl="1" eaLnBrk="1" latinLnBrk="0" hangingPunct="1">
                         <a:lnSpc>
                           <a:spcPct val="150000"/>
                         </a:lnSpc>
                         <a:buFont typeface="Arial" panose="020B0604020202020204" pitchFamily="34" charset="0"/>
-                        <a:buNone/>
+                        <a:buChar char="•"/>
                       </a:pPr>
                       <a:r>
-                        <a:rPr lang="fa-IR" sz="1600" b="1" kern="1200" dirty="0">
+                        <a:rPr lang="fa-IR" sz="1500" b="1" kern="1200" dirty="0">
                           <a:solidFill>
                             <a:schemeClr val="dk1"/>
                           </a:solidFill>
@@ -7092,15 +7271,15 @@
                       </a:r>
                     </a:p>
                     <a:p>
-                      <a:pPr marL="0" indent="0" algn="r" defTabSz="914400" rtl="1" eaLnBrk="1" latinLnBrk="0" hangingPunct="1">
+                      <a:pPr marL="285750" indent="-285750" algn="r" defTabSz="914400" rtl="1" eaLnBrk="1" latinLnBrk="0" hangingPunct="1">
                         <a:lnSpc>
                           <a:spcPct val="150000"/>
                         </a:lnSpc>
                         <a:buFont typeface="Arial" panose="020B0604020202020204" pitchFamily="34" charset="0"/>
-                        <a:buNone/>
+                        <a:buChar char="•"/>
                       </a:pPr>
                       <a:r>
-                        <a:rPr lang="fa-IR" sz="1600" b="1" kern="1200" dirty="0">
+                        <a:rPr lang="fa-IR" sz="1500" b="1" kern="1200" dirty="0">
                           <a:solidFill>
                             <a:schemeClr val="dk1"/>
                           </a:solidFill>
@@ -7111,7 +7290,7 @@
                         <a:t>یک </a:t>
                       </a:r>
                       <a:r>
-                        <a:rPr lang="fa-IR" sz="1600" b="1" kern="1200" dirty="0" err="1">
+                        <a:rPr lang="fa-IR" sz="1500" b="1" kern="1200" dirty="0" err="1">
                           <a:solidFill>
                             <a:schemeClr val="dk1"/>
                           </a:solidFill>
@@ -7121,7 +7300,7 @@
                         </a:rPr>
                         <a:t>توسعه‌دهنده</a:t>
                       </a:r>
-                      <a:endParaRPr lang="fa-IR" sz="1600" b="1" kern="1200" dirty="0">
+                      <a:endParaRPr lang="fa-IR" sz="1500" b="1" kern="1200" dirty="0">
                         <a:solidFill>
                           <a:schemeClr val="dk1"/>
                         </a:solidFill>
@@ -7131,7 +7310,7 @@
                       </a:endParaRPr>
                     </a:p>
                     <a:p>
-                      <a:pPr marL="0" marR="0" lvl="0" indent="0" algn="r" defTabSz="914400" rtl="1" eaLnBrk="1" fontAlgn="auto" latinLnBrk="0" hangingPunct="1">
+                      <a:pPr marL="285750" marR="0" lvl="0" indent="-285750" algn="r" defTabSz="914400" rtl="1" eaLnBrk="1" fontAlgn="auto" latinLnBrk="0" hangingPunct="1">
                         <a:lnSpc>
                           <a:spcPct val="150000"/>
                         </a:lnSpc>
@@ -7144,12 +7323,12 @@
                         <a:buClrTx/>
                         <a:buSzTx/>
                         <a:buFont typeface="Arial" panose="020B0604020202020204" pitchFamily="34" charset="0"/>
-                        <a:buNone/>
+                        <a:buChar char="•"/>
                         <a:tabLst/>
                         <a:defRPr/>
                       </a:pPr>
                       <a:r>
-                        <a:rPr lang="fa-IR" sz="1600" b="1" kern="1200" dirty="0">
+                        <a:rPr lang="fa-IR" sz="1500" b="1" kern="1200" dirty="0">
                           <a:solidFill>
                             <a:schemeClr val="dk1"/>
                           </a:solidFill>
@@ -7168,15 +7347,32 @@
                     <a:bodyPr/>
                     <a:lstStyle/>
                     <a:p>
-                      <a:pPr marL="0" indent="0" algn="r" defTabSz="914400" rtl="1" eaLnBrk="1" latinLnBrk="0" hangingPunct="1">
+                      <a:pPr marL="0" indent="0" algn="ctr" defTabSz="914400" rtl="1" eaLnBrk="1" latinLnBrk="0" hangingPunct="1">
                         <a:lnSpc>
                           <a:spcPct val="150000"/>
                         </a:lnSpc>
                         <a:buFont typeface="Arial" panose="020B0604020202020204" pitchFamily="34" charset="0"/>
                         <a:buNone/>
                       </a:pPr>
+                      <a:endParaRPr lang="fa-IR" sz="400" b="1" kern="1200" dirty="0">
+                        <a:solidFill>
+                          <a:schemeClr val="dk1"/>
+                        </a:solidFill>
+                        <a:latin typeface="+mn-lt"/>
+                        <a:ea typeface="+mn-ea"/>
+                        <a:cs typeface="B Nazanin" panose="00000400000000000000" pitchFamily="2" charset="-78"/>
+                      </a:endParaRPr>
+                    </a:p>
+                    <a:p>
+                      <a:pPr marL="285750" indent="-285750" algn="r" defTabSz="914400" rtl="1" eaLnBrk="1" latinLnBrk="0" hangingPunct="1">
+                        <a:lnSpc>
+                          <a:spcPct val="100000"/>
+                        </a:lnSpc>
+                        <a:buFont typeface="Arial" panose="020B0604020202020204" pitchFamily="34" charset="0"/>
+                        <a:buChar char="•"/>
+                      </a:pPr>
                       <a:r>
-                        <a:rPr lang="fa-IR" sz="1600" b="1" kern="1200" dirty="0">
+                        <a:rPr lang="fa-IR" sz="1500" b="1" kern="1200" dirty="0">
                           <a:solidFill>
                             <a:schemeClr val="dk1"/>
                           </a:solidFill>
@@ -7187,7 +7383,7 @@
                         <a:t>قابلیت </a:t>
                       </a:r>
                       <a:r>
-                        <a:rPr lang="fa-IR" sz="1600" b="1" kern="1200" dirty="0" err="1">
+                        <a:rPr lang="fa-IR" sz="1500" b="1" kern="1200" dirty="0" err="1">
                           <a:solidFill>
                             <a:schemeClr val="dk1"/>
                           </a:solidFill>
@@ -7198,7 +7394,7 @@
                         <a:t>بهره‌برداری</a:t>
                       </a:r>
                       <a:r>
-                        <a:rPr lang="fa-IR" sz="1600" b="1" kern="1200" dirty="0">
+                        <a:rPr lang="fa-IR" sz="1500" b="1" kern="1200" dirty="0">
                           <a:solidFill>
                             <a:schemeClr val="dk1"/>
                           </a:solidFill>
@@ -7210,15 +7406,15 @@
                       </a:r>
                     </a:p>
                     <a:p>
-                      <a:pPr marL="0" indent="0" algn="r" defTabSz="914400" rtl="1" eaLnBrk="1" latinLnBrk="0" hangingPunct="1">
+                      <a:pPr marL="285750" indent="-285750" algn="r" defTabSz="914400" rtl="1" eaLnBrk="1" latinLnBrk="0" hangingPunct="1">
                         <a:lnSpc>
                           <a:spcPct val="150000"/>
                         </a:lnSpc>
                         <a:buFont typeface="Arial" panose="020B0604020202020204" pitchFamily="34" charset="0"/>
-                        <a:buNone/>
+                        <a:buChar char="•"/>
                       </a:pPr>
                       <a:r>
-                        <a:rPr lang="fa-IR" sz="1600" b="1" kern="1200" dirty="0">
+                        <a:rPr lang="fa-IR" sz="1500" b="1" kern="1200" dirty="0">
                           <a:solidFill>
                             <a:schemeClr val="dk1"/>
                           </a:solidFill>
@@ -7226,19 +7422,10 @@
                           <a:ea typeface="+mn-ea"/>
                           <a:cs typeface="B Nazanin" panose="00000400000000000000" pitchFamily="2" charset="-78"/>
                         </a:rPr>
-                        <a:t>نیاز به مجموعه داده ندارد</a:t>
+                        <a:t>نیاز به تهیه مجموعه داده ندارد</a:t>
                       </a:r>
-                    </a:p>
-                    <a:p>
-                      <a:pPr marL="0" indent="0" algn="r" defTabSz="914400" rtl="1" eaLnBrk="1" latinLnBrk="0" hangingPunct="1">
-                        <a:lnSpc>
-                          <a:spcPct val="150000"/>
-                        </a:lnSpc>
-                        <a:buFont typeface="Arial" panose="020B0604020202020204" pitchFamily="34" charset="0"/>
-                        <a:buNone/>
-                      </a:pPr>
                       <a:r>
-                        <a:rPr lang="fa-IR" sz="1600" b="1" kern="1200" dirty="0">
+                        <a:rPr lang="en-US" sz="1500" b="1" kern="1200" dirty="0">
                           <a:solidFill>
                             <a:schemeClr val="dk1"/>
                           </a:solidFill>
@@ -7246,10 +7433,38 @@
                           <a:ea typeface="+mn-ea"/>
                           <a:cs typeface="B Nazanin" panose="00000400000000000000" pitchFamily="2" charset="-78"/>
                         </a:rPr>
-                        <a:t>یک </a:t>
+                        <a:t>.</a:t>
+                      </a:r>
+                      <a:endParaRPr lang="fa-IR" sz="1500" b="1" kern="1200" dirty="0">
+                        <a:solidFill>
+                          <a:schemeClr val="dk1"/>
+                        </a:solidFill>
+                        <a:latin typeface="+mn-lt"/>
+                        <a:ea typeface="+mn-ea"/>
+                        <a:cs typeface="B Nazanin" panose="00000400000000000000" pitchFamily="2" charset="-78"/>
+                      </a:endParaRPr>
+                    </a:p>
+                    <a:p>
+                      <a:pPr marL="285750" indent="-285750" algn="r" defTabSz="914400" rtl="1" eaLnBrk="1" latinLnBrk="0" hangingPunct="1">
+                        <a:lnSpc>
+                          <a:spcPct val="150000"/>
+                        </a:lnSpc>
+                        <a:buFont typeface="Arial" panose="020B0604020202020204" pitchFamily="34" charset="0"/>
+                        <a:buChar char="•"/>
+                      </a:pPr>
+                      <a:r>
+                        <a:rPr lang="fa-IR" sz="1500" b="1" kern="1200" dirty="0">
+                          <a:solidFill>
+                            <a:schemeClr val="dk1"/>
+                          </a:solidFill>
+                          <a:latin typeface="+mn-lt"/>
+                          <a:ea typeface="+mn-ea"/>
+                          <a:cs typeface="B Nazanin" panose="00000400000000000000" pitchFamily="2" charset="-78"/>
+                        </a:rPr>
+                        <a:t>عدم نیاز به </a:t>
                       </a:r>
                       <a:r>
-                        <a:rPr lang="fa-IR" sz="1600" b="1" kern="1200" dirty="0" err="1">
+                        <a:rPr lang="fa-IR" sz="1500" b="1" kern="1200" dirty="0" err="1">
                           <a:solidFill>
                             <a:schemeClr val="dk1"/>
                           </a:solidFill>
@@ -7259,14 +7474,17 @@
                         </a:rPr>
                         <a:t>توسعه‌دهنده</a:t>
                       </a:r>
-                      <a:endParaRPr lang="fa-IR" sz="1600" b="1" kern="1200" dirty="0">
-                        <a:solidFill>
-                          <a:schemeClr val="dk1"/>
-                        </a:solidFill>
-                        <a:latin typeface="+mn-lt"/>
-                        <a:ea typeface="+mn-ea"/>
-                        <a:cs typeface="B Nazanin" panose="00000400000000000000" pitchFamily="2" charset="-78"/>
-                      </a:endParaRPr>
+                      <a:r>
+                        <a:rPr lang="fa-IR" sz="1500" b="1" kern="1200" dirty="0">
+                          <a:solidFill>
+                            <a:schemeClr val="dk1"/>
+                          </a:solidFill>
+                          <a:latin typeface="+mn-lt"/>
+                          <a:ea typeface="+mn-ea"/>
+                          <a:cs typeface="B Nazanin" panose="00000400000000000000" pitchFamily="2" charset="-78"/>
+                        </a:rPr>
+                        <a:t> برای افزودن منابع دانشی و اطلاعات  </a:t>
+                      </a:r>
                     </a:p>
                   </a:txBody>
                   <a:tcPr/>
@@ -7277,7 +7495,7 @@
                   </a:ext>
                 </a:extLst>
               </a:tr>
-              <a:tr h="1050716">
+              <a:tr h="1004447">
                 <a:tc>
                   <a:txBody>
                     <a:bodyPr/>
@@ -7316,114 +7534,194 @@
                       </a:r>
                     </a:p>
                   </a:txBody>
-                  <a:tcPr/>
+                  <a:tcPr>
+                    <a:solidFill>
+                      <a:srgbClr val="D9DEEF"/>
+                    </a:solidFill>
+                  </a:tcPr>
                 </a:tc>
                 <a:tc>
                   <a:txBody>
                     <a:bodyPr/>
                     <a:lstStyle/>
                     <a:p>
-                      <a:pPr algn="r" rtl="1">
+                      <a:pPr marL="285750" indent="-285750" algn="r" rtl="1">
                         <a:lnSpc>
-                          <a:spcPct val="150000"/>
+                          <a:spcPct val="100000"/>
                         </a:lnSpc>
+                        <a:buFont typeface="Arial" panose="020B0604020202020204" pitchFamily="34" charset="0"/>
+                        <a:buChar char="•"/>
+                      </a:pPr>
+                      <a:endParaRPr lang="fa-IR" sz="1050" b="1" dirty="0">
+                        <a:cs typeface="B Nazanin" panose="00000400000000000000" pitchFamily="2" charset="-78"/>
+                      </a:endParaRPr>
+                    </a:p>
+                    <a:p>
+                      <a:pPr marL="285750" indent="-285750" algn="r" rtl="1">
+                        <a:lnSpc>
+                          <a:spcPct val="100000"/>
+                        </a:lnSpc>
+                        <a:buFont typeface="Arial" panose="020B0604020202020204" pitchFamily="34" charset="0"/>
+                        <a:buChar char="•"/>
                       </a:pPr>
                       <a:r>
-                        <a:rPr lang="fa-IR" sz="1600" b="1" dirty="0">
+                        <a:rPr lang="fa-IR" sz="1500" b="1" dirty="0">
                           <a:cs typeface="B Nazanin" panose="00000400000000000000" pitchFamily="2" charset="-78"/>
                         </a:rPr>
-                        <a:t>عدم امکان کنترل دسترسی کاربران به اطلاعات مدل توسط مدیر</a:t>
+                        <a:t>عدم امکان کنترل دسترسی کاربران به اطلاعات توسط مدیر</a:t>
+                      </a:r>
+                    </a:p>
+                    <a:p>
+                      <a:pPr marL="285750" indent="-285750" algn="r" rtl="1">
+                        <a:lnSpc>
+                          <a:spcPct val="100000"/>
+                        </a:lnSpc>
+                        <a:buFont typeface="Arial" panose="020B0604020202020204" pitchFamily="34" charset="0"/>
+                        <a:buChar char="•"/>
+                      </a:pPr>
+                      <a:endParaRPr lang="fa-IR" sz="1500" b="1" dirty="0">
+                        <a:cs typeface="B Nazanin" panose="00000400000000000000" pitchFamily="2" charset="-78"/>
+                      </a:endParaRPr>
+                    </a:p>
+                    <a:p>
+                      <a:pPr marL="285750" indent="-285750" algn="r" rtl="1">
+                        <a:lnSpc>
+                          <a:spcPct val="100000"/>
+                        </a:lnSpc>
+                        <a:buFont typeface="Arial" panose="020B0604020202020204" pitchFamily="34" charset="0"/>
+                        <a:buChar char="•"/>
+                      </a:pPr>
+                      <a:r>
+                        <a:rPr lang="fa-IR" sz="1500" b="1" dirty="0">
+                          <a:cs typeface="B Nazanin" panose="00000400000000000000" pitchFamily="2" charset="-78"/>
+                        </a:rPr>
+                        <a:t>فرآیندی بسیار پرهزینه است.</a:t>
                       </a:r>
                     </a:p>
                   </a:txBody>
-                  <a:tcPr/>
+                  <a:tcPr>
+                    <a:solidFill>
+                      <a:srgbClr val="D9DEEF"/>
+                    </a:solidFill>
+                  </a:tcPr>
                 </a:tc>
                 <a:tc>
                   <a:txBody>
                     <a:bodyPr/>
                     <a:lstStyle/>
                     <a:p>
-                      <a:pPr algn="r" rtl="1">
+                      <a:pPr marL="285750" indent="-285750" algn="r" rtl="1">
                         <a:lnSpc>
                           <a:spcPct val="100000"/>
                         </a:lnSpc>
+                        <a:buFont typeface="Arial" panose="020B0604020202020204" pitchFamily="34" charset="0"/>
+                        <a:buChar char="•"/>
                       </a:pPr>
-                      <a:r>
-                        <a:rPr lang="fa-IR" sz="1600" b="1" dirty="0">
-                          <a:cs typeface="B Nazanin" panose="00000400000000000000" pitchFamily="2" charset="-78"/>
-                        </a:rPr>
-                        <a:t>هر بار افزودن اطلاعات </a:t>
-                      </a:r>
-                      <a:r>
-                        <a:rPr lang="fa-IR" sz="1600" b="1" dirty="0" err="1">
-                          <a:cs typeface="B Nazanin" panose="00000400000000000000" pitchFamily="2" charset="-78"/>
-                        </a:rPr>
-                        <a:t>ساعت‌ها</a:t>
-                      </a:r>
-                      <a:r>
-                        <a:rPr lang="fa-IR" sz="1600" b="1" dirty="0">
-                          <a:cs typeface="B Nazanin" panose="00000400000000000000" pitchFamily="2" charset="-78"/>
-                        </a:rPr>
-                        <a:t> زمان </a:t>
-                      </a:r>
-                      <a:r>
-                        <a:rPr lang="fa-IR" sz="1600" b="1" dirty="0" err="1">
-                          <a:cs typeface="B Nazanin" panose="00000400000000000000" pitchFamily="2" charset="-78"/>
-                        </a:rPr>
-                        <a:t>می‌برد</a:t>
-                      </a:r>
-                      <a:endParaRPr lang="fa-IR" sz="1600" b="1" dirty="0">
+                      <a:endParaRPr lang="fa-IR" sz="600" b="1" dirty="0">
                         <a:cs typeface="B Nazanin" panose="00000400000000000000" pitchFamily="2" charset="-78"/>
                       </a:endParaRPr>
                     </a:p>
                     <a:p>
-                      <a:pPr algn="r" rtl="1">
+                      <a:pPr marL="285750" indent="-285750" algn="r" rtl="1">
                         <a:lnSpc>
-                          <a:spcPct val="150000"/>
+                          <a:spcPct val="100000"/>
                         </a:lnSpc>
+                        <a:buFont typeface="Arial" panose="020B0604020202020204" pitchFamily="34" charset="0"/>
+                        <a:buChar char="•"/>
                       </a:pPr>
                       <a:r>
-                        <a:rPr lang="fa-IR" sz="1600" b="1" dirty="0">
+                        <a:rPr lang="fa-IR" sz="1500" b="1" dirty="0">
+                          <a:cs typeface="B Nazanin" panose="00000400000000000000" pitchFamily="2" charset="-78"/>
+                        </a:rPr>
+                        <a:t>افزودن اطلاعات به مدل به این نحو، علاوه بر </a:t>
+                      </a:r>
+                      <a:r>
+                        <a:rPr lang="fa-IR" sz="1500" b="1" dirty="0" err="1">
+                          <a:cs typeface="B Nazanin" panose="00000400000000000000" pitchFamily="2" charset="-78"/>
+                        </a:rPr>
+                        <a:t>زمان‌بر</a:t>
+                      </a:r>
+                      <a:r>
+                        <a:rPr lang="fa-IR" sz="1500" b="1" dirty="0">
+                          <a:cs typeface="B Nazanin" panose="00000400000000000000" pitchFamily="2" charset="-78"/>
+                        </a:rPr>
+                        <a:t> بودن، نیاز به متخصص دارد.</a:t>
+                      </a:r>
+                    </a:p>
+                    <a:p>
+                      <a:pPr marL="285750" indent="-285750" algn="r" rtl="1">
+                        <a:lnSpc>
+                          <a:spcPct val="100000"/>
+                        </a:lnSpc>
+                        <a:buFont typeface="Arial" panose="020B0604020202020204" pitchFamily="34" charset="0"/>
+                        <a:buChar char="•"/>
+                      </a:pPr>
+                      <a:endParaRPr lang="fa-IR" sz="1500" b="1" dirty="0">
+                        <a:cs typeface="B Nazanin" panose="00000400000000000000" pitchFamily="2" charset="-78"/>
+                      </a:endParaRPr>
+                    </a:p>
+                    <a:p>
+                      <a:pPr marL="285750" indent="-285750" algn="r" rtl="1">
+                        <a:lnSpc>
+                          <a:spcPct val="100000"/>
+                        </a:lnSpc>
+                        <a:buFont typeface="Arial" panose="020B0604020202020204" pitchFamily="34" charset="0"/>
+                        <a:buChar char="•"/>
+                      </a:pPr>
+                      <a:r>
+                        <a:rPr lang="fa-IR" sz="1500" b="1" dirty="0">
                           <a:cs typeface="B Nazanin" panose="00000400000000000000" pitchFamily="2" charset="-78"/>
                         </a:rPr>
                         <a:t>عدم امکان کنترل دسترسی کاربران به اطلاعات توسط مدیر</a:t>
                       </a:r>
                     </a:p>
                   </a:txBody>
-                  <a:tcPr/>
+                  <a:tcPr>
+                    <a:solidFill>
+                      <a:srgbClr val="D9DEEF"/>
+                    </a:solidFill>
+                  </a:tcPr>
                 </a:tc>
                 <a:tc>
                   <a:txBody>
                     <a:bodyPr/>
                     <a:lstStyle/>
                     <a:p>
-                      <a:pPr algn="r" rtl="1">
+                      <a:pPr marL="285750" indent="-285750" algn="r" rtl="1">
                         <a:lnSpc>
                           <a:spcPct val="150000"/>
                         </a:lnSpc>
+                        <a:buFont typeface="Arial" panose="020B0604020202020204" pitchFamily="34" charset="0"/>
+                        <a:buChar char="•"/>
                       </a:pPr>
                       <a:r>
-                        <a:rPr lang="fa-IR" sz="1600" b="1" dirty="0">
+                        <a:rPr lang="fa-IR" sz="1500" b="1" dirty="0">
                           <a:cs typeface="B Nazanin" panose="00000400000000000000" pitchFamily="2" charset="-78"/>
                         </a:rPr>
-                        <a:t>امکان افزودن سریع و آسان مدارک</a:t>
+                        <a:t>امکان افزودن سریع و آسان منابع دانشی و اطلاعات توسط مدیر و کاربران</a:t>
                       </a:r>
                     </a:p>
                     <a:p>
-                      <a:pPr algn="r" rtl="1">
+                      <a:pPr marL="285750" indent="-285750" algn="r" rtl="1">
                         <a:lnSpc>
                           <a:spcPct val="150000"/>
                         </a:lnSpc>
+                        <a:buFont typeface="Arial" panose="020B0604020202020204" pitchFamily="34" charset="0"/>
+                        <a:buChar char="•"/>
                       </a:pPr>
                       <a:r>
-                        <a:rPr lang="fa-IR" sz="1600" b="1" dirty="0">
+                        <a:rPr lang="fa-IR" sz="1500" b="1" dirty="0">
                           <a:cs typeface="B Nazanin" panose="00000400000000000000" pitchFamily="2" charset="-78"/>
                         </a:rPr>
                         <a:t>امکان کنترل دسترسی کاربران به اطلاعات توسط مدیر</a:t>
                       </a:r>
                     </a:p>
                   </a:txBody>
-                  <a:tcPr/>
+                  <a:tcPr>
+                    <a:solidFill>
+                      <a:srgbClr val="D9DEEF"/>
+                    </a:solidFill>
+                  </a:tcPr>
                 </a:tc>
                 <a:extLst>
                   <a:ext uri="{0D108BD9-81ED-4DB2-BD59-A6C34878D82A}">
@@ -7436,6 +7734,21 @@
                   <a:txBody>
                     <a:bodyPr/>
                     <a:lstStyle/>
+                    <a:p>
+                      <a:pPr algn="ctr" rtl="1">
+                        <a:lnSpc>
+                          <a:spcPct val="150000"/>
+                        </a:lnSpc>
+                      </a:pPr>
+                      <a:endParaRPr lang="fa-IR" sz="1200" b="1" dirty="0">
+                        <a:solidFill>
+                          <a:schemeClr val="accent1">
+                            <a:lumMod val="50000"/>
+                          </a:schemeClr>
+                        </a:solidFill>
+                        <a:cs typeface="B Nazanin" panose="00000400000000000000" pitchFamily="2" charset="-78"/>
+                      </a:endParaRPr>
+                    </a:p>
                     <a:p>
                       <a:pPr algn="ctr" rtl="1">
                         <a:lnSpc>
@@ -7470,19 +7783,19 @@
                         <a:buChar char="•"/>
                       </a:pPr>
                       <a:r>
-                        <a:rPr lang="fa-IR" sz="1600" b="1" dirty="0">
+                        <a:rPr lang="fa-IR" sz="1500" b="1" dirty="0">
                           <a:cs typeface="B Nazanin" panose="00000400000000000000" pitchFamily="2" charset="-78"/>
                         </a:rPr>
                         <a:t>تهیه </a:t>
                       </a:r>
                       <a:r>
-                        <a:rPr lang="fa-IR" sz="1600" b="1" dirty="0" err="1">
+                        <a:rPr lang="fa-IR" sz="1500" b="1" dirty="0" err="1">
                           <a:cs typeface="B Nazanin" panose="00000400000000000000" pitchFamily="2" charset="-78"/>
                         </a:rPr>
                         <a:t>مدل‌زبانی</a:t>
                       </a:r>
                       <a:r>
-                        <a:rPr lang="fa-IR" sz="1600" b="1" dirty="0">
+                        <a:rPr lang="fa-IR" sz="1500" b="1" dirty="0">
                           <a:cs typeface="B Nazanin" panose="00000400000000000000" pitchFamily="2" charset="-78"/>
                         </a:rPr>
                         <a:t> بر روی زبانی جدید</a:t>
@@ -7497,7 +7810,7 @@
                         <a:buChar char="•"/>
                       </a:pPr>
                       <a:r>
-                        <a:rPr lang="fa-IR" sz="1600" b="1" dirty="0">
+                        <a:rPr lang="fa-IR" sz="1500" b="1" dirty="0">
                           <a:cs typeface="B Nazanin" panose="00000400000000000000" pitchFamily="2" charset="-78"/>
                         </a:rPr>
                         <a:t>بهبود ارکان اصلی یا معماری مدل</a:t>
@@ -7510,7 +7823,7 @@
                         </a:lnSpc>
                       </a:pPr>
                       <a:r>
-                        <a:rPr lang="fa-IR" dirty="0">
+                        <a:rPr lang="fa-IR" sz="1500" dirty="0">
                           <a:cs typeface="B Nazanin" panose="00000400000000000000" pitchFamily="2" charset="-78"/>
                         </a:rPr>
                         <a:t> </a:t>
@@ -7532,7 +7845,7 @@
                         <a:buChar char="•"/>
                       </a:pPr>
                       <a:r>
-                        <a:rPr lang="fa-IR" sz="1600" b="1" kern="1200" dirty="0">
+                        <a:rPr lang="fa-IR" sz="1500" b="1" kern="1200" dirty="0">
                           <a:solidFill>
                             <a:schemeClr val="dk1"/>
                           </a:solidFill>
@@ -7543,7 +7856,7 @@
                         <a:t>تربیت </a:t>
                       </a:r>
                       <a:r>
-                        <a:rPr lang="fa-IR" sz="1600" b="1" kern="1200" dirty="0" err="1">
+                        <a:rPr lang="fa-IR" sz="1500" b="1" kern="1200" dirty="0" err="1">
                           <a:solidFill>
                             <a:schemeClr val="dk1"/>
                           </a:solidFill>
@@ -7554,7 +7867,7 @@
                         <a:t>مدل‌های</a:t>
                       </a:r>
                       <a:r>
-                        <a:rPr lang="fa-IR" sz="1600" b="1" kern="1200" dirty="0">
+                        <a:rPr lang="fa-IR" sz="1500" b="1" kern="1200" dirty="0">
                           <a:solidFill>
                             <a:schemeClr val="dk1"/>
                           </a:solidFill>
@@ -7565,7 +7878,7 @@
                         <a:t> </a:t>
                       </a:r>
                       <a:r>
-                        <a:rPr lang="fa-IR" sz="1600" b="1" kern="1200" dirty="0" err="1">
+                        <a:rPr lang="fa-IR" sz="1500" b="1" kern="1200" dirty="0" err="1">
                           <a:solidFill>
                             <a:schemeClr val="dk1"/>
                           </a:solidFill>
@@ -7575,7 +7888,7 @@
                         </a:rPr>
                         <a:t>وظیفه‌ای</a:t>
                       </a:r>
-                      <a:endParaRPr lang="fa-IR" sz="1600" b="1" kern="1200" dirty="0">
+                      <a:endParaRPr lang="fa-IR" sz="1500" b="1" kern="1200" dirty="0">
                         <a:solidFill>
                           <a:schemeClr val="dk1"/>
                         </a:solidFill>
@@ -7603,7 +7916,7 @@
                         <a:defRPr/>
                       </a:pPr>
                       <a:r>
-                        <a:rPr lang="fa-IR" sz="1600" b="1" kern="1200" dirty="0">
+                        <a:rPr lang="fa-IR" sz="1500" b="1" kern="1200" dirty="0">
                           <a:solidFill>
                             <a:schemeClr val="dk1"/>
                           </a:solidFill>
@@ -7614,7 +7927,7 @@
                         <a:t>تغییر ادبیات و بیان </a:t>
                       </a:r>
                       <a:r>
-                        <a:rPr lang="fa-IR" sz="1600" b="1" kern="1200" dirty="0" err="1">
+                        <a:rPr lang="fa-IR" sz="1500" b="1" kern="1200" dirty="0" err="1">
                           <a:solidFill>
                             <a:schemeClr val="dk1"/>
                           </a:solidFill>
@@ -7624,7 +7937,7 @@
                         </a:rPr>
                         <a:t>مدل‌زبانی</a:t>
                       </a:r>
-                      <a:endParaRPr lang="fa-IR" sz="1600" b="1" kern="1200" dirty="0">
+                      <a:endParaRPr lang="fa-IR" sz="1500" b="1" kern="1200" dirty="0">
                         <a:solidFill>
                           <a:schemeClr val="dk1"/>
                         </a:solidFill>
@@ -7642,7 +7955,7 @@
                         <a:buChar char="•"/>
                       </a:pPr>
                       <a:r>
-                        <a:rPr lang="fa-IR" sz="1600" b="1" kern="1200" dirty="0" err="1">
+                        <a:rPr lang="fa-IR" sz="1500" b="1" kern="1200" dirty="0" err="1">
                           <a:solidFill>
                             <a:schemeClr val="dk1"/>
                           </a:solidFill>
@@ -7653,7 +7966,7 @@
                         <a:t>شخصیت‌سازی</a:t>
                       </a:r>
                       <a:r>
-                        <a:rPr lang="fa-IR" sz="1600" b="1" kern="1200" dirty="0">
+                        <a:rPr lang="fa-IR" sz="1500" b="1" kern="1200" dirty="0">
                           <a:solidFill>
                             <a:schemeClr val="dk1"/>
                           </a:solidFill>
@@ -7664,7 +7977,7 @@
                         <a:t> برای </a:t>
                       </a:r>
                       <a:r>
-                        <a:rPr lang="fa-IR" sz="1600" b="1" kern="1200" dirty="0" err="1">
+                        <a:rPr lang="fa-IR" sz="1500" b="1" kern="1200" dirty="0" err="1">
                           <a:solidFill>
                             <a:schemeClr val="dk1"/>
                           </a:solidFill>
@@ -7674,7 +7987,7 @@
                         </a:rPr>
                         <a:t>مدل‌زبانی</a:t>
                       </a:r>
-                      <a:endParaRPr lang="fa-IR" sz="1600" b="1" kern="1200" dirty="0">
+                      <a:endParaRPr lang="fa-IR" sz="1500" b="1" kern="1200" dirty="0">
                         <a:solidFill>
                           <a:schemeClr val="dk1"/>
                         </a:solidFill>
@@ -7692,7 +8005,7 @@
                         <a:buChar char="•"/>
                       </a:pPr>
                       <a:r>
-                        <a:rPr lang="fa-IR" sz="1600" b="1" kern="1200" dirty="0">
+                        <a:rPr lang="fa-IR" sz="1500" b="1" kern="1200" dirty="0">
                           <a:solidFill>
                             <a:schemeClr val="dk1"/>
                           </a:solidFill>
@@ -7703,7 +8016,7 @@
                         <a:t>تقویت دانش مدل در </a:t>
                       </a:r>
                       <a:r>
-                        <a:rPr lang="fa-IR" sz="1600" b="1" kern="1200" dirty="0" err="1">
+                        <a:rPr lang="fa-IR" sz="1500" b="1" kern="1200" dirty="0" err="1">
                           <a:solidFill>
                             <a:schemeClr val="dk1"/>
                           </a:solidFill>
@@ -7714,7 +8027,7 @@
                         <a:t>زمینه‌ای</a:t>
                       </a:r>
                       <a:r>
-                        <a:rPr lang="fa-IR" sz="1600" b="1" kern="1200" dirty="0">
+                        <a:rPr lang="fa-IR" sz="1500" b="1" kern="1200" dirty="0">
                           <a:solidFill>
                             <a:schemeClr val="dk1"/>
                           </a:solidFill>
@@ -7738,7 +8051,7 @@
                           <a:spcPct val="250000"/>
                         </a:lnSpc>
                       </a:pPr>
-                      <a:endParaRPr lang="fa-IR" dirty="0">
+                      <a:endParaRPr lang="fa-IR" sz="1500" dirty="0">
                         <a:cs typeface="B Nazanin" panose="00000400000000000000" pitchFamily="2" charset="-78"/>
                       </a:endParaRPr>
                     </a:p>
@@ -7787,18 +8100,18 @@
       </p:grpSpPr>
       <p:sp>
         <p:nvSpPr>
-          <p:cNvPr id="2" name="Title 1">
-            <a:extLst>
-              <a:ext uri="{FF2B5EF4-FFF2-40B4-BE49-F238E27FC236}">
-                <a16:creationId xmlns:a16="http://schemas.microsoft.com/office/drawing/2014/main" id="{9B0479D0-88FE-F28A-E61A-8E58FB181443}"/>
-              </a:ext>
-            </a:extLst>
-          </p:cNvPr>
-          <p:cNvSpPr>
-            <a:spLocks noGrp="1"/>
-          </p:cNvSpPr>
-          <p:nvPr>
-            <p:ph type="title"/>
+          <p:cNvPr id="7" name="Content Placeholder 6">
+            <a:extLst>
+              <a:ext uri="{FF2B5EF4-FFF2-40B4-BE49-F238E27FC236}">
+                <a16:creationId xmlns:a16="http://schemas.microsoft.com/office/drawing/2014/main" id="{021B2D9C-8512-4B24-420D-98D94A6D0CDB}"/>
+              </a:ext>
+            </a:extLst>
+          </p:cNvPr>
+          <p:cNvSpPr>
+            <a:spLocks noGrp="1"/>
+          </p:cNvSpPr>
+          <p:nvPr>
+            <p:ph idx="1"/>
           </p:nvPr>
         </p:nvSpPr>
         <p:spPr/>
@@ -7806,130 +8119,39 @@
           <a:bodyPr/>
           <a:lstStyle/>
           <a:p>
-            <a:pPr algn="r" rtl="1"/>
-            <a:r>
-              <a:rPr lang="fa-IR" dirty="0"/>
-              <a:t>چرا </a:t>
-            </a:r>
-            <a:r>
-              <a:rPr lang="en-US" dirty="0"/>
-              <a:t>RAG</a:t>
-            </a:r>
-            <a:r>
-              <a:rPr lang="fa-IR" dirty="0"/>
-              <a:t>؟</a:t>
-            </a:r>
-          </a:p>
-        </p:txBody>
-      </p:sp>
-      <p:sp>
-        <p:nvSpPr>
-          <p:cNvPr id="3" name="Content Placeholder 2">
-            <a:extLst>
-              <a:ext uri="{FF2B5EF4-FFF2-40B4-BE49-F238E27FC236}">
-                <a16:creationId xmlns:a16="http://schemas.microsoft.com/office/drawing/2014/main" id="{BBF4A23D-98D7-EBD0-0C6E-FBABC69569C1}"/>
-              </a:ext>
-            </a:extLst>
-          </p:cNvPr>
-          <p:cNvSpPr>
-            <a:spLocks noGrp="1"/>
-          </p:cNvSpPr>
-          <p:nvPr>
-            <p:ph idx="1"/>
-          </p:nvPr>
-        </p:nvSpPr>
-        <p:spPr>
-          <a:xfrm>
-            <a:off x="838200" y="1568824"/>
-            <a:ext cx="10515600" cy="4608139"/>
-          </a:xfrm>
-        </p:spPr>
-        <p:txBody>
-          <a:bodyPr>
-            <a:normAutofit/>
-          </a:bodyPr>
+            <a:endParaRPr lang="fa-IR"/>
+          </a:p>
+        </p:txBody>
+      </p:sp>
+      <p:sp>
+        <p:nvSpPr>
+          <p:cNvPr id="9" name="Title 8">
+            <a:extLst>
+              <a:ext uri="{FF2B5EF4-FFF2-40B4-BE49-F238E27FC236}">
+                <a16:creationId xmlns:a16="http://schemas.microsoft.com/office/drawing/2014/main" id="{766DB0E6-5804-FE0C-6F08-EB442E7BD38D}"/>
+              </a:ext>
+            </a:extLst>
+          </p:cNvPr>
+          <p:cNvSpPr>
+            <a:spLocks noGrp="1"/>
+          </p:cNvSpPr>
+          <p:nvPr>
+            <p:ph type="title"/>
+          </p:nvPr>
+        </p:nvSpPr>
+        <p:spPr/>
+        <p:txBody>
+          <a:bodyPr/>
           <a:lstStyle/>
           <a:p>
-            <a:pPr algn="r" rtl="1"/>
-            <a:r>
-              <a:rPr lang="fa-IR" sz="2000" b="1" dirty="0" err="1">
-                <a:cs typeface="B Nazanin" panose="00000400000000000000" pitchFamily="2" charset="-78"/>
-              </a:rPr>
-              <a:t>مدل‌های</a:t>
-            </a:r>
-            <a:r>
-              <a:rPr lang="fa-IR" sz="2000" b="1" dirty="0">
-                <a:cs typeface="B Nazanin" panose="00000400000000000000" pitchFamily="2" charset="-78"/>
-              </a:rPr>
-              <a:t> زبانی موجود به خوبی درک زبانی، </a:t>
-            </a:r>
-            <a:r>
-              <a:rPr lang="fa-IR" sz="2000" b="1" dirty="0" err="1">
-                <a:cs typeface="B Nazanin" panose="00000400000000000000" pitchFamily="2" charset="-78"/>
-              </a:rPr>
-              <a:t>دانش‌های</a:t>
-            </a:r>
-            <a:r>
-              <a:rPr lang="fa-IR" sz="2000" b="1" dirty="0">
-                <a:cs typeface="B Nazanin" panose="00000400000000000000" pitchFamily="2" charset="-78"/>
-              </a:rPr>
-              <a:t> پایه و استدلال منطقی را </a:t>
-            </a:r>
-            <a:r>
-              <a:rPr lang="fa-IR" sz="2000" b="1" dirty="0" err="1">
-                <a:cs typeface="B Nazanin" panose="00000400000000000000" pitchFamily="2" charset="-78"/>
-              </a:rPr>
-              <a:t>فراگرفته‌اند</a:t>
-            </a:r>
-            <a:r>
-              <a:rPr lang="fa-IR" sz="2000" b="1" dirty="0">
-                <a:cs typeface="B Nazanin" panose="00000400000000000000" pitchFamily="2" charset="-78"/>
-              </a:rPr>
-              <a:t> و آموزش یک </a:t>
-            </a:r>
-            <a:r>
-              <a:rPr lang="fa-IR" sz="2000" b="1" dirty="0" err="1">
-                <a:cs typeface="B Nazanin" panose="00000400000000000000" pitchFamily="2" charset="-78"/>
-              </a:rPr>
-              <a:t>مدل‌زبانی</a:t>
-            </a:r>
-            <a:r>
-              <a:rPr lang="fa-IR" sz="2000" b="1" dirty="0">
-                <a:cs typeface="B Nazanin" panose="00000400000000000000" pitchFamily="2" charset="-78"/>
-              </a:rPr>
-              <a:t> جدید صرفا برای </a:t>
-            </a:r>
-            <a:r>
-              <a:rPr lang="fa-IR" sz="2000" b="1" dirty="0" err="1">
-                <a:cs typeface="B Nazanin" panose="00000400000000000000" pitchFamily="2" charset="-78"/>
-              </a:rPr>
-              <a:t>بهره‌مندی</a:t>
-            </a:r>
-            <a:r>
-              <a:rPr lang="fa-IR" sz="2000" b="1" dirty="0">
-                <a:cs typeface="B Nazanin" panose="00000400000000000000" pitchFamily="2" charset="-78"/>
-              </a:rPr>
-              <a:t> از دانش و اطلاعات سفارشی، توجیه اقتصادی و </a:t>
-            </a:r>
-            <a:r>
-              <a:rPr lang="fa-IR" sz="2000" b="1" dirty="0" err="1">
-                <a:cs typeface="B Nazanin" panose="00000400000000000000" pitchFamily="2" charset="-78"/>
-              </a:rPr>
-              <a:t>محاسباتی</a:t>
-            </a:r>
-            <a:r>
-              <a:rPr lang="fa-IR" sz="2000" b="1" dirty="0">
-                <a:cs typeface="B Nazanin" panose="00000400000000000000" pitchFamily="2" charset="-78"/>
-              </a:rPr>
-              <a:t> ندارد.</a:t>
-            </a:r>
+            <a:endParaRPr lang="fa-IR"/>
           </a:p>
         </p:txBody>
       </p:sp>
     </p:spTree>
     <p:extLst>
       <p:ext uri="{BB962C8B-B14F-4D97-AF65-F5344CB8AC3E}">
-        <p14:creationId xmlns:p14="http://schemas.microsoft.com/office/powerpoint/2010/main" val="813789335"/>
+        <p14:creationId xmlns:p14="http://schemas.microsoft.com/office/powerpoint/2010/main" val="2052196163"/>
       </p:ext>
     </p:extLst>
   </p:cSld>
@@ -7961,7 +8183,7 @@
           <p:cNvPr id="2" name="Title 1">
             <a:extLst>
               <a:ext uri="{FF2B5EF4-FFF2-40B4-BE49-F238E27FC236}">
-                <a16:creationId xmlns:a16="http://schemas.microsoft.com/office/drawing/2014/main" id="{5BDA9D63-0D5C-6DEC-CA13-74CC6717AD5C}"/>
+                <a16:creationId xmlns:a16="http://schemas.microsoft.com/office/drawing/2014/main" id="{9B0479D0-88FE-F28A-E61A-8E58FB181443}"/>
               </a:ext>
             </a:extLst>
           </p:cNvPr>
@@ -7980,13 +8202,16 @@
             <a:pPr algn="r" rtl="1"/>
             <a:r>
               <a:rPr lang="fa-IR" dirty="0"/>
-              <a:t>موارد استفاده </a:t>
+              <a:t>چرا </a:t>
             </a:r>
             <a:r>
               <a:rPr lang="en-US" dirty="0"/>
               <a:t>RAG</a:t>
             </a:r>
-            <a:endParaRPr lang="fa-IR" dirty="0"/>
+            <a:r>
+              <a:rPr lang="fa-IR" dirty="0"/>
+              <a:t>؟</a:t>
+            </a:r>
           </a:p>
         </p:txBody>
       </p:sp>
@@ -7995,7 +8220,7 @@
           <p:cNvPr id="3" name="Content Placeholder 2">
             <a:extLst>
               <a:ext uri="{FF2B5EF4-FFF2-40B4-BE49-F238E27FC236}">
-                <a16:creationId xmlns:a16="http://schemas.microsoft.com/office/drawing/2014/main" id="{8BDD5725-6D96-2B6B-C5B1-FBACB654A1B4}"/>
+                <a16:creationId xmlns:a16="http://schemas.microsoft.com/office/drawing/2014/main" id="{BBF4A23D-98D7-EBD0-0C6E-FBABC69569C1}"/>
               </a:ext>
             </a:extLst>
           </p:cNvPr>
@@ -8006,19 +8231,98 @@
             <p:ph idx="1"/>
           </p:nvPr>
         </p:nvSpPr>
-        <p:spPr/>
-        <p:txBody>
-          <a:bodyPr/>
+        <p:spPr>
+          <a:xfrm>
+            <a:off x="838200" y="1568824"/>
+            <a:ext cx="10515600" cy="4608139"/>
+          </a:xfrm>
+        </p:spPr>
+        <p:txBody>
+          <a:bodyPr>
+            <a:normAutofit/>
+          </a:bodyPr>
           <a:lstStyle/>
           <a:p>
-            <a:endParaRPr lang="fa-IR" dirty="0"/>
+            <a:pPr algn="r" rtl="1"/>
+            <a:r>
+              <a:rPr lang="fa-IR" sz="2000" b="1" dirty="0" err="1">
+                <a:cs typeface="B Nazanin" panose="00000400000000000000" pitchFamily="2" charset="-78"/>
+              </a:rPr>
+              <a:t>مدل‌های</a:t>
+            </a:r>
+            <a:r>
+              <a:rPr lang="fa-IR" sz="2000" b="1" dirty="0">
+                <a:cs typeface="B Nazanin" panose="00000400000000000000" pitchFamily="2" charset="-78"/>
+              </a:rPr>
+              <a:t> زبانی موجود به خوبی درک زبانی، </a:t>
+            </a:r>
+            <a:r>
+              <a:rPr lang="fa-IR" sz="2000" b="1" dirty="0" err="1">
+                <a:cs typeface="B Nazanin" panose="00000400000000000000" pitchFamily="2" charset="-78"/>
+              </a:rPr>
+              <a:t>دانش‌های</a:t>
+            </a:r>
+            <a:r>
+              <a:rPr lang="fa-IR" sz="2000" b="1" dirty="0">
+                <a:cs typeface="B Nazanin" panose="00000400000000000000" pitchFamily="2" charset="-78"/>
+              </a:rPr>
+              <a:t> پایه و استدلال منطقی را </a:t>
+            </a:r>
+            <a:r>
+              <a:rPr lang="fa-IR" sz="2000" b="1" dirty="0" err="1">
+                <a:cs typeface="B Nazanin" panose="00000400000000000000" pitchFamily="2" charset="-78"/>
+              </a:rPr>
+              <a:t>فراگرفته‌اند</a:t>
+            </a:r>
+            <a:r>
+              <a:rPr lang="fa-IR" sz="2000" b="1" dirty="0">
+                <a:cs typeface="B Nazanin" panose="00000400000000000000" pitchFamily="2" charset="-78"/>
+              </a:rPr>
+              <a:t> و آموزش یک </a:t>
+            </a:r>
+            <a:r>
+              <a:rPr lang="fa-IR" sz="2000" b="1" dirty="0" err="1">
+                <a:cs typeface="B Nazanin" panose="00000400000000000000" pitchFamily="2" charset="-78"/>
+              </a:rPr>
+              <a:t>مدل‌زبانی</a:t>
+            </a:r>
+            <a:r>
+              <a:rPr lang="fa-IR" sz="2000" b="1" dirty="0">
+                <a:cs typeface="B Nazanin" panose="00000400000000000000" pitchFamily="2" charset="-78"/>
+              </a:rPr>
+              <a:t> جدید صرفا برای </a:t>
+            </a:r>
+            <a:r>
+              <a:rPr lang="fa-IR" sz="2000" b="1" dirty="0" err="1">
+                <a:cs typeface="B Nazanin" panose="00000400000000000000" pitchFamily="2" charset="-78"/>
+              </a:rPr>
+              <a:t>بهره‌مندی</a:t>
+            </a:r>
+            <a:r>
+              <a:rPr lang="fa-IR" sz="2000" b="1" dirty="0">
+                <a:cs typeface="B Nazanin" panose="00000400000000000000" pitchFamily="2" charset="-78"/>
+              </a:rPr>
+              <a:t> از دانش و اطلاعات سفارشی، توجیه اقتصادی و </a:t>
+            </a:r>
+            <a:r>
+              <a:rPr lang="fa-IR" sz="2000" b="1" dirty="0" err="1">
+                <a:cs typeface="B Nazanin" panose="00000400000000000000" pitchFamily="2" charset="-78"/>
+              </a:rPr>
+              <a:t>محاسباتی</a:t>
+            </a:r>
+            <a:r>
+              <a:rPr lang="fa-IR" sz="2000" b="1" dirty="0">
+                <a:cs typeface="B Nazanin" panose="00000400000000000000" pitchFamily="2" charset="-78"/>
+              </a:rPr>
+              <a:t> ندارد.</a:t>
+            </a:r>
           </a:p>
         </p:txBody>
       </p:sp>
     </p:spTree>
     <p:extLst>
       <p:ext uri="{BB962C8B-B14F-4D97-AF65-F5344CB8AC3E}">
-        <p14:creationId xmlns:p14="http://schemas.microsoft.com/office/powerpoint/2010/main" val="3301929542"/>
+        <p14:creationId xmlns:p14="http://schemas.microsoft.com/office/powerpoint/2010/main" val="813789335"/>
       </p:ext>
     </p:extLst>
   </p:cSld>
@@ -8050,7 +8354,7 @@
           <p:cNvPr id="2" name="Title 1">
             <a:extLst>
               <a:ext uri="{FF2B5EF4-FFF2-40B4-BE49-F238E27FC236}">
-                <a16:creationId xmlns:a16="http://schemas.microsoft.com/office/drawing/2014/main" id="{0DEEE280-61D4-C51E-550B-D6416CECC62B}"/>
+                <a16:creationId xmlns:a16="http://schemas.microsoft.com/office/drawing/2014/main" id="{5BDA9D63-0D5C-6DEC-CA13-74CC6717AD5C}"/>
               </a:ext>
             </a:extLst>
           </p:cNvPr>
@@ -8059,44 +8363,6 @@
           </p:cNvSpPr>
           <p:nvPr>
             <p:ph type="title"/>
-          </p:nvPr>
-        </p:nvSpPr>
-        <p:spPr/>
-        <p:txBody>
-          <a:bodyPr>
-            <a:normAutofit/>
-          </a:bodyPr>
-          <a:lstStyle/>
-          <a:p>
-            <a:pPr algn="r" rtl="1"/>
-            <a:r>
-              <a:rPr lang="fa-IR" sz="4000" b="1" dirty="0">
-                <a:cs typeface="B Nazanin" panose="00000400000000000000" pitchFamily="2" charset="-78"/>
-              </a:rPr>
-              <a:t>نحوه عملکرد </a:t>
-            </a:r>
-            <a:r>
-              <a:rPr lang="en-US" sz="4000" b="1" dirty="0"/>
-              <a:t>RAG</a:t>
-            </a:r>
-            <a:endParaRPr lang="fa-IR" sz="4000" b="1" dirty="0"/>
-          </a:p>
-        </p:txBody>
-      </p:sp>
-      <p:sp>
-        <p:nvSpPr>
-          <p:cNvPr id="3" name="Content Placeholder 2">
-            <a:extLst>
-              <a:ext uri="{FF2B5EF4-FFF2-40B4-BE49-F238E27FC236}">
-                <a16:creationId xmlns:a16="http://schemas.microsoft.com/office/drawing/2014/main" id="{543A5400-804E-F8B5-03A3-429E5191212B}"/>
-              </a:ext>
-            </a:extLst>
-          </p:cNvPr>
-          <p:cNvSpPr>
-            <a:spLocks noGrp="1"/>
-          </p:cNvSpPr>
-          <p:nvPr>
-            <p:ph idx="1"/>
           </p:nvPr>
         </p:nvSpPr>
         <p:spPr/>
@@ -8104,14 +8370,48 @@
           <a:bodyPr/>
           <a:lstStyle/>
           <a:p>
-            <a:endParaRPr lang="fa-IR"/>
+            <a:pPr algn="r" rtl="1"/>
+            <a:r>
+              <a:rPr lang="fa-IR" dirty="0"/>
+              <a:t>موارد استفاده </a:t>
+            </a:r>
+            <a:r>
+              <a:rPr lang="en-US" dirty="0"/>
+              <a:t>RAG</a:t>
+            </a:r>
+            <a:endParaRPr lang="fa-IR" dirty="0"/>
+          </a:p>
+        </p:txBody>
+      </p:sp>
+      <p:sp>
+        <p:nvSpPr>
+          <p:cNvPr id="3" name="Content Placeholder 2">
+            <a:extLst>
+              <a:ext uri="{FF2B5EF4-FFF2-40B4-BE49-F238E27FC236}">
+                <a16:creationId xmlns:a16="http://schemas.microsoft.com/office/drawing/2014/main" id="{8BDD5725-6D96-2B6B-C5B1-FBACB654A1B4}"/>
+              </a:ext>
+            </a:extLst>
+          </p:cNvPr>
+          <p:cNvSpPr>
+            <a:spLocks noGrp="1"/>
+          </p:cNvSpPr>
+          <p:nvPr>
+            <p:ph idx="1"/>
+          </p:nvPr>
+        </p:nvSpPr>
+        <p:spPr/>
+        <p:txBody>
+          <a:bodyPr/>
+          <a:lstStyle/>
+          <a:p>
+            <a:endParaRPr lang="fa-IR" dirty="0"/>
           </a:p>
         </p:txBody>
       </p:sp>
     </p:spTree>
     <p:extLst>
       <p:ext uri="{BB962C8B-B14F-4D97-AF65-F5344CB8AC3E}">
-        <p14:creationId xmlns:p14="http://schemas.microsoft.com/office/powerpoint/2010/main" val="3515634735"/>
+        <p14:creationId xmlns:p14="http://schemas.microsoft.com/office/powerpoint/2010/main" val="3301929542"/>
       </p:ext>
     </p:extLst>
   </p:cSld>

--- a/RAG.pptx
+++ b/RAG.pptx
@@ -4543,6 +4543,14 @@
 <file path=ppt/slides/slide3.xml><?xml version="1.0" encoding="utf-8"?>
 <p:sld xmlns:a="http://schemas.openxmlformats.org/drawingml/2006/main" xmlns:r="http://schemas.openxmlformats.org/officeDocument/2006/relationships" xmlns:p="http://schemas.openxmlformats.org/presentationml/2006/main">
   <p:cSld>
+    <p:bg>
+      <p:bgPr>
+        <a:solidFill>
+          <a:schemeClr val="bg1"/>
+        </a:solidFill>
+        <a:effectLst/>
+      </p:bgPr>
+    </p:bg>
     <p:spTree>
       <p:nvGrpSpPr>
         <p:cNvPr id="1" name=""/>
@@ -4575,9 +4583,10 @@
         </p:nvSpPr>
         <p:spPr>
           <a:xfrm>
-            <a:off x="838199" y="1242545"/>
-            <a:ext cx="10515600" cy="628743"/>
+            <a:off x="838199" y="1419097"/>
+            <a:ext cx="2998510" cy="628743"/>
           </a:xfrm>
+          <a:noFill/>
         </p:spPr>
         <p:txBody>
           <a:bodyPr>
@@ -4586,23 +4595,89 @@
           <a:lstStyle/>
           <a:p>
             <a:r>
-              <a:rPr lang="en-US" sz="6000" dirty="0">
-                <a:solidFill>
-                  <a:schemeClr val="accent1">
-                    <a:lumMod val="75000"/>
-                  </a:schemeClr>
-                </a:solidFill>
+              <a:rPr lang="en-US" sz="8800" dirty="0">
+                <a:gradFill>
+                  <a:gsLst>
+                    <a:gs pos="0">
+                      <a:schemeClr val="accent1">
+                        <a:lumMod val="60000"/>
+                        <a:lumOff val="40000"/>
+                      </a:schemeClr>
+                    </a:gs>
+                    <a:gs pos="46000">
+                      <a:schemeClr val="accent1">
+                        <a:lumMod val="95000"/>
+                        <a:lumOff val="5000"/>
+                      </a:schemeClr>
+                    </a:gs>
+                    <a:gs pos="100000">
+                      <a:schemeClr val="accent1">
+                        <a:lumMod val="60000"/>
+                      </a:schemeClr>
+                    </a:gs>
+                  </a:gsLst>
+                  <a:lin ang="10800000" scaled="1"/>
+                </a:gradFill>
+                <a:effectLst>
+                  <a:reflection stA="70000" endPos="12000" dir="5400000" sy="-100000" algn="bl" rotWithShape="0"/>
+                </a:effectLst>
                 <a:latin typeface="Arial Black" panose="020B0A04020102020204" pitchFamily="34" charset="0"/>
               </a:rPr>
               <a:t>RAG</a:t>
             </a:r>
             <a:r>
-              <a:rPr lang="en-US" sz="5400" dirty="0">
+              <a:rPr lang="en-US" sz="8000" dirty="0">
+                <a:gradFill flip="none" rotWithShape="1">
+                  <a:gsLst>
+                    <a:gs pos="0">
+                      <a:schemeClr val="accent1">
+                        <a:lumMod val="60000"/>
+                        <a:lumOff val="40000"/>
+                      </a:schemeClr>
+                    </a:gs>
+                    <a:gs pos="46000">
+                      <a:schemeClr val="accent1">
+                        <a:lumMod val="95000"/>
+                        <a:lumOff val="5000"/>
+                      </a:schemeClr>
+                    </a:gs>
+                    <a:gs pos="100000">
+                      <a:schemeClr val="accent1">
+                        <a:lumMod val="60000"/>
+                      </a:schemeClr>
+                    </a:gs>
+                  </a:gsLst>
+                  <a:lin ang="10800000" scaled="1"/>
+                  <a:tileRect/>
+                </a:gradFill>
                 <a:latin typeface="Arial Black" panose="020B0A04020102020204" pitchFamily="34" charset="0"/>
               </a:rPr>
               <a:t> </a:t>
             </a:r>
-            <a:endParaRPr lang="fa-IR" sz="5400" dirty="0">
+            <a:endParaRPr lang="fa-IR" sz="8000" dirty="0">
+              <a:gradFill flip="none" rotWithShape="1">
+                <a:gsLst>
+                  <a:gs pos="0">
+                    <a:schemeClr val="accent1">
+                      <a:lumMod val="60000"/>
+                      <a:lumOff val="40000"/>
+                    </a:schemeClr>
+                  </a:gs>
+                  <a:gs pos="46000">
+                    <a:schemeClr val="accent1">
+                      <a:lumMod val="95000"/>
+                      <a:lumOff val="5000"/>
+                    </a:schemeClr>
+                  </a:gs>
+                  <a:gs pos="100000">
+                    <a:schemeClr val="accent1">
+                      <a:lumMod val="60000"/>
+                    </a:schemeClr>
+                  </a:gs>
+                </a:gsLst>
+                <a:lin ang="10800000" scaled="1"/>
+                <a:tileRect/>
+              </a:gradFill>
               <a:latin typeface="Arial Black" panose="020B0A04020102020204" pitchFamily="34" charset="0"/>
             </a:endParaRPr>
           </a:p>
@@ -4624,7 +4699,7 @@
         </p:nvSpPr>
         <p:spPr>
           <a:xfrm>
-            <a:off x="3164540" y="4052802"/>
+            <a:off x="3118358" y="3468255"/>
             <a:ext cx="8525434" cy="617632"/>
           </a:xfrm>
           <a:prstGeom prst="rect">
@@ -4658,18 +4733,33 @@
             <a:pPr rtl="1"/>
             <a:r>
               <a:rPr lang="fa-IR" b="1" dirty="0">
+                <a:solidFill>
+                  <a:schemeClr val="accent1">
+                    <a:lumMod val="50000"/>
+                  </a:schemeClr>
+                </a:solidFill>
                 <a:cs typeface="B Nazanin" panose="00000400000000000000" pitchFamily="2" charset="-78"/>
               </a:rPr>
               <a:t>تقویت مدل زبانی بزرگ (</a:t>
             </a:r>
             <a:r>
               <a:rPr lang="en-US" b="1" dirty="0">
+                <a:solidFill>
+                  <a:schemeClr val="accent1">
+                    <a:lumMod val="50000"/>
+                  </a:schemeClr>
+                </a:solidFill>
                 <a:latin typeface="+mn-lt"/>
               </a:rPr>
               <a:t>LLM</a:t>
             </a:r>
             <a:r>
               <a:rPr lang="fa-IR" b="1" dirty="0">
+                <a:solidFill>
+                  <a:schemeClr val="accent1">
+                    <a:lumMod val="50000"/>
+                  </a:schemeClr>
+                </a:solidFill>
                 <a:cs typeface="B Nazanin" panose="00000400000000000000" pitchFamily="2" charset="-78"/>
               </a:rPr>
               <a:t>) با دانش و اطلاعات افزوده</a:t>
@@ -4745,7 +4835,7 @@
         </p:nvSpPr>
         <p:spPr>
           <a:xfrm>
-            <a:off x="838199" y="2077476"/>
+            <a:off x="838199" y="2373207"/>
             <a:ext cx="10515600" cy="444314"/>
           </a:xfrm>
           <a:prstGeom prst="rect">
@@ -4791,6 +4881,42 @@
           </a:p>
         </p:txBody>
       </p:sp>
+      <p:pic>
+        <p:nvPicPr>
+          <p:cNvPr id="11" name="Picture 10">
+            <a:extLst>
+              <a:ext uri="{FF2B5EF4-FFF2-40B4-BE49-F238E27FC236}">
+                <a16:creationId xmlns:a16="http://schemas.microsoft.com/office/drawing/2014/main" id="{5B7A88DB-9AC8-D0B3-D9B6-D1393842B9B7}"/>
+              </a:ext>
+            </a:extLst>
+          </p:cNvPr>
+          <p:cNvPicPr>
+            <a:picLocks noChangeAspect="1"/>
+          </p:cNvPicPr>
+          <p:nvPr/>
+        </p:nvPicPr>
+        <p:blipFill>
+          <a:blip r:embed="rId2">
+            <a:extLst>
+              <a:ext uri="{28A0092B-C50C-407E-A947-70E740481C1C}">
+                <a14:useLocalDpi xmlns:a14="http://schemas.microsoft.com/office/drawing/2010/main" val="0"/>
+              </a:ext>
+            </a:extLst>
+          </a:blip>
+          <a:stretch>
+            <a:fillRect/>
+          </a:stretch>
+        </p:blipFill>
+        <p:spPr>
+          <a:xfrm>
+            <a:off x="8542061" y="-258526"/>
+            <a:ext cx="3789696" cy="3726781"/>
+          </a:xfrm>
+          <a:prstGeom prst="rect">
+            <a:avLst/>
+          </a:prstGeom>
+        </p:spPr>
+      </p:pic>
     </p:spTree>
     <p:extLst>
       <p:ext uri="{BB962C8B-B14F-4D97-AF65-F5344CB8AC3E}">
@@ -4899,153 +5025,173 @@
         </p:nvSpPr>
         <p:spPr>
           <a:xfrm>
-            <a:off x="838200" y="1882448"/>
-            <a:ext cx="10515600" cy="3093104"/>
+            <a:off x="838200" y="1690688"/>
+            <a:ext cx="10515600" cy="3675638"/>
           </a:xfrm>
         </p:spPr>
         <p:txBody>
           <a:bodyPr>
-            <a:normAutofit/>
+            <a:normAutofit lnSpcReduction="10000"/>
           </a:bodyPr>
           <a:lstStyle/>
           <a:p>
+            <a:pPr algn="r" rtl="1">
+              <a:lnSpc>
+                <a:spcPct val="210000"/>
+              </a:lnSpc>
+            </a:pPr>
+            <a:r>
+              <a:rPr lang="fa-IR" sz="2000" b="1" dirty="0">
+                <a:cs typeface="B Nazanin" panose="00000400000000000000" pitchFamily="2" charset="-78"/>
+              </a:rPr>
+              <a:t>نداشتن دانش و اطلاعات به روز (احتمال ارائه اطلاعات منسوخ)</a:t>
+            </a:r>
+          </a:p>
+          <a:p>
+            <a:pPr algn="r" rtl="1">
+              <a:lnSpc>
+                <a:spcPct val="210000"/>
+              </a:lnSpc>
+            </a:pPr>
+            <a:r>
+              <a:rPr lang="fa-IR" sz="2000" b="1" dirty="0">
+                <a:cs typeface="B Nazanin" panose="00000400000000000000" pitchFamily="2" charset="-78"/>
+              </a:rPr>
+              <a:t>توهم (</a:t>
+            </a:r>
+            <a:r>
+              <a:rPr lang="en-US" sz="2000" b="1" dirty="0" err="1">
+                <a:cs typeface="B Nazanin" panose="00000400000000000000" pitchFamily="2" charset="-78"/>
+              </a:rPr>
+              <a:t>Halluincation</a:t>
+            </a:r>
+            <a:r>
+              <a:rPr lang="fa-IR" sz="2000" b="1" dirty="0">
+                <a:cs typeface="B Nazanin" panose="00000400000000000000" pitchFamily="2" charset="-78"/>
+              </a:rPr>
+              <a:t>): احتمال ارائه پاسخ نادرست </a:t>
+            </a:r>
+            <a:r>
+              <a:rPr lang="fa-IR" sz="2000" b="1" dirty="0" err="1">
+                <a:cs typeface="B Nazanin" panose="00000400000000000000" pitchFamily="2" charset="-78"/>
+              </a:rPr>
+              <a:t>علی‌رغم</a:t>
+            </a:r>
+            <a:r>
+              <a:rPr lang="fa-IR" sz="2000" b="1" dirty="0">
+                <a:cs typeface="B Nazanin" panose="00000400000000000000" pitchFamily="2" charset="-78"/>
+              </a:rPr>
+              <a:t> قاطعیت در بیان</a:t>
+            </a:r>
+          </a:p>
+          <a:p>
+            <a:pPr algn="r" rtl="1">
+              <a:lnSpc>
+                <a:spcPct val="210000"/>
+              </a:lnSpc>
+            </a:pPr>
+            <a:r>
+              <a:rPr lang="fa-IR" sz="2000" b="1" dirty="0">
+                <a:cs typeface="B Nazanin" panose="00000400000000000000" pitchFamily="2" charset="-78"/>
+              </a:rPr>
+              <a:t>پیروی از </a:t>
+            </a:r>
+            <a:r>
+              <a:rPr lang="fa-IR" sz="2000" b="1" dirty="0" err="1">
+                <a:cs typeface="B Nazanin" panose="00000400000000000000" pitchFamily="2" charset="-78"/>
+              </a:rPr>
+              <a:t>جهت‌گیری</a:t>
+            </a:r>
+            <a:r>
+              <a:rPr lang="fa-IR" sz="2000" b="1" dirty="0">
+                <a:cs typeface="B Nazanin" panose="00000400000000000000" pitchFamily="2" charset="-78"/>
+              </a:rPr>
+              <a:t>‎ (</a:t>
+            </a:r>
+            <a:r>
+              <a:rPr lang="en-US" sz="2000" b="1" dirty="0">
+                <a:cs typeface="B Nazanin" panose="00000400000000000000" pitchFamily="2" charset="-78"/>
+              </a:rPr>
+              <a:t>Bias</a:t>
+            </a:r>
+            <a:r>
+              <a:rPr lang="fa-IR" sz="2000" b="1" dirty="0">
+                <a:cs typeface="B Nazanin" panose="00000400000000000000" pitchFamily="2" charset="-78"/>
+              </a:rPr>
+              <a:t>) و ادبیات </a:t>
+            </a:r>
+            <a:r>
+              <a:rPr lang="fa-IR" sz="2000" b="1" dirty="0" err="1">
+                <a:cs typeface="B Nazanin" panose="00000400000000000000" pitchFamily="2" charset="-78"/>
+              </a:rPr>
+              <a:t>داده‌های</a:t>
+            </a:r>
+            <a:r>
+              <a:rPr lang="fa-IR" sz="2000" b="1" dirty="0">
+                <a:cs typeface="B Nazanin" panose="00000400000000000000" pitchFamily="2" charset="-78"/>
+              </a:rPr>
+              <a:t> آموزش</a:t>
+            </a:r>
+          </a:p>
+          <a:p>
+            <a:pPr algn="r" rtl="1">
+              <a:lnSpc>
+                <a:spcPct val="210000"/>
+              </a:lnSpc>
+            </a:pPr>
+            <a:r>
+              <a:rPr lang="fa-IR" sz="2000" b="1" dirty="0">
+                <a:cs typeface="B Nazanin" panose="00000400000000000000" pitchFamily="2" charset="-78"/>
+              </a:rPr>
+              <a:t>سردرگمی اصطلاحات: امکان </a:t>
+            </a:r>
+            <a:r>
+              <a:rPr lang="fa-IR" sz="2000" b="1" dirty="0" err="1">
+                <a:cs typeface="B Nazanin" panose="00000400000000000000" pitchFamily="2" charset="-78"/>
+              </a:rPr>
+              <a:t>ناهمگونی</a:t>
+            </a:r>
+            <a:r>
+              <a:rPr lang="fa-IR" sz="2000" b="1" dirty="0">
+                <a:cs typeface="B Nazanin" panose="00000400000000000000" pitchFamily="2" charset="-78"/>
+              </a:rPr>
+              <a:t> کلمات و اصطلاحات </a:t>
+            </a:r>
+            <a:r>
+              <a:rPr lang="fa-IR" sz="2000" b="1" dirty="0" err="1">
+                <a:cs typeface="B Nazanin" panose="00000400000000000000" pitchFamily="2" charset="-78"/>
+              </a:rPr>
+              <a:t>مدل‌زبانی</a:t>
+            </a:r>
+            <a:r>
+              <a:rPr lang="fa-IR" sz="2000" b="1" dirty="0">
+                <a:cs typeface="B Nazanin" panose="00000400000000000000" pitchFamily="2" charset="-78"/>
+              </a:rPr>
+              <a:t> و کاربر</a:t>
+            </a:r>
+          </a:p>
+          <a:p>
+            <a:pPr algn="r" rtl="1">
+              <a:lnSpc>
+                <a:spcPct val="210000"/>
+              </a:lnSpc>
+            </a:pPr>
+            <a:r>
+              <a:rPr lang="fa-IR" sz="2000" b="1" dirty="0">
+                <a:cs typeface="B Nazanin" panose="00000400000000000000" pitchFamily="2" charset="-78"/>
+              </a:rPr>
+              <a:t>پرهزینه بودن یادگیری اطلاعات و دانش جدید (مثل اطلاعات سازمانی)</a:t>
+            </a:r>
+          </a:p>
+          <a:p>
             <a:pPr algn="r" rtl="1"/>
-            <a:r>
-              <a:rPr lang="fa-IR" sz="2400" b="1" dirty="0">
-                <a:cs typeface="B Nazanin" panose="00000400000000000000" pitchFamily="2" charset="-78"/>
-              </a:rPr>
-              <a:t>نداشتن دانش و اطلاعات به روز (احتمال ارائه اطلاعات منسوخ)</a:t>
-            </a:r>
-          </a:p>
-          <a:p>
-            <a:pPr algn="r" rtl="1"/>
-            <a:r>
-              <a:rPr lang="fa-IR" sz="2400" b="1" dirty="0">
-                <a:cs typeface="B Nazanin" panose="00000400000000000000" pitchFamily="2" charset="-78"/>
-              </a:rPr>
-              <a:t>توهم (</a:t>
-            </a:r>
-            <a:r>
-              <a:rPr lang="en-US" sz="2400" b="1" dirty="0" err="1">
-                <a:cs typeface="B Nazanin" panose="00000400000000000000" pitchFamily="2" charset="-78"/>
-              </a:rPr>
-              <a:t>Halluincation</a:t>
-            </a:r>
-            <a:r>
-              <a:rPr lang="fa-IR" sz="2400" b="1" dirty="0">
-                <a:cs typeface="B Nazanin" panose="00000400000000000000" pitchFamily="2" charset="-78"/>
-              </a:rPr>
-              <a:t>): احتمال ارائه پاسخ نادرست </a:t>
-            </a:r>
-            <a:r>
-              <a:rPr lang="fa-IR" sz="2400" b="1" dirty="0" err="1">
-                <a:cs typeface="B Nazanin" panose="00000400000000000000" pitchFamily="2" charset="-78"/>
-              </a:rPr>
-              <a:t>علی‌رغم</a:t>
-            </a:r>
-            <a:r>
-              <a:rPr lang="fa-IR" sz="2400" b="1" dirty="0">
-                <a:cs typeface="B Nazanin" panose="00000400000000000000" pitchFamily="2" charset="-78"/>
-              </a:rPr>
-              <a:t> قاطعیت در بیان</a:t>
-            </a:r>
-          </a:p>
-          <a:p>
-            <a:pPr algn="r" rtl="1"/>
-            <a:r>
-              <a:rPr lang="fa-IR" sz="2400" b="1" dirty="0">
-                <a:cs typeface="B Nazanin" panose="00000400000000000000" pitchFamily="2" charset="-78"/>
-              </a:rPr>
-              <a:t>پیروی از </a:t>
-            </a:r>
-            <a:r>
-              <a:rPr lang="fa-IR" sz="2400" b="1" dirty="0" err="1">
-                <a:cs typeface="B Nazanin" panose="00000400000000000000" pitchFamily="2" charset="-78"/>
-              </a:rPr>
-              <a:t>جهت‌گیری</a:t>
-            </a:r>
-            <a:r>
-              <a:rPr lang="fa-IR" sz="2400" b="1" dirty="0">
-                <a:cs typeface="B Nazanin" panose="00000400000000000000" pitchFamily="2" charset="-78"/>
-              </a:rPr>
-              <a:t>‎ (</a:t>
-            </a:r>
-            <a:r>
-              <a:rPr lang="en-US" sz="2400" b="1" dirty="0">
-                <a:cs typeface="B Nazanin" panose="00000400000000000000" pitchFamily="2" charset="-78"/>
-              </a:rPr>
-              <a:t>Bias</a:t>
-            </a:r>
-            <a:r>
-              <a:rPr lang="fa-IR" sz="2400" b="1" dirty="0">
-                <a:cs typeface="B Nazanin" panose="00000400000000000000" pitchFamily="2" charset="-78"/>
-              </a:rPr>
-              <a:t>) و ادبیات </a:t>
-            </a:r>
-            <a:r>
-              <a:rPr lang="fa-IR" sz="2400" b="1" dirty="0" err="1">
-                <a:cs typeface="B Nazanin" panose="00000400000000000000" pitchFamily="2" charset="-78"/>
-              </a:rPr>
-              <a:t>داده‌های</a:t>
-            </a:r>
-            <a:r>
-              <a:rPr lang="fa-IR" sz="2400" b="1" dirty="0">
-                <a:cs typeface="B Nazanin" panose="00000400000000000000" pitchFamily="2" charset="-78"/>
-              </a:rPr>
-              <a:t> آموزش</a:t>
-            </a:r>
-          </a:p>
-          <a:p>
-            <a:pPr algn="r" rtl="1"/>
-            <a:r>
-              <a:rPr lang="fa-IR" sz="2400" b="1" dirty="0">
-                <a:cs typeface="B Nazanin" panose="00000400000000000000" pitchFamily="2" charset="-78"/>
-              </a:rPr>
-              <a:t>سردرگمی اصطلاحات: امکان </a:t>
-            </a:r>
-            <a:r>
-              <a:rPr lang="fa-IR" sz="2400" b="1" dirty="0" err="1">
-                <a:cs typeface="B Nazanin" panose="00000400000000000000" pitchFamily="2" charset="-78"/>
-              </a:rPr>
-              <a:t>ناهمگونی</a:t>
-            </a:r>
-            <a:r>
-              <a:rPr lang="fa-IR" sz="2400" b="1" dirty="0">
-                <a:cs typeface="B Nazanin" panose="00000400000000000000" pitchFamily="2" charset="-78"/>
-              </a:rPr>
-              <a:t> کلمات و اصطلاحات </a:t>
-            </a:r>
-            <a:r>
-              <a:rPr lang="fa-IR" sz="2400" b="1" dirty="0" err="1">
-                <a:cs typeface="B Nazanin" panose="00000400000000000000" pitchFamily="2" charset="-78"/>
-              </a:rPr>
-              <a:t>مدل‌زبانی</a:t>
-            </a:r>
-            <a:r>
-              <a:rPr lang="fa-IR" sz="2400" b="1" dirty="0">
-                <a:cs typeface="B Nazanin" panose="00000400000000000000" pitchFamily="2" charset="-78"/>
-              </a:rPr>
-              <a:t> و کاربر</a:t>
-            </a:r>
-          </a:p>
-          <a:p>
-            <a:pPr algn="r" rtl="1"/>
-            <a:r>
-              <a:rPr lang="fa-IR" sz="2400" b="1" dirty="0">
-                <a:cs typeface="B Nazanin" panose="00000400000000000000" pitchFamily="2" charset="-78"/>
-              </a:rPr>
-              <a:t>پرهزینه بودن یادگیری اطلاعات و دانش جدید (مثل اطلاعات سازمانی)</a:t>
-            </a:r>
-          </a:p>
-          <a:p>
-            <a:pPr algn="r" rtl="1"/>
-            <a:endParaRPr lang="fa-IR" sz="2400" b="1" dirty="0">
+            <a:endParaRPr lang="fa-IR" sz="1400" b="1" dirty="0">
               <a:cs typeface="B Nazanin" panose="00000400000000000000" pitchFamily="2" charset="-78"/>
             </a:endParaRPr>
           </a:p>
           <a:p>
             <a:pPr algn="r" rtl="1"/>
-            <a:endParaRPr lang="fa-IR" sz="2400" b="1" dirty="0">
+            <a:endParaRPr lang="fa-IR" sz="1400" b="1" dirty="0">
               <a:cs typeface="B Nazanin" panose="00000400000000000000" pitchFamily="2" charset="-78"/>
             </a:endParaRPr>
           </a:p>
@@ -5067,8 +5213,8 @@
         </p:nvSpPr>
         <p:spPr>
           <a:xfrm>
-            <a:off x="1196787" y="5287962"/>
-            <a:ext cx="10515600" cy="667030"/>
+            <a:off x="949037" y="5862791"/>
+            <a:ext cx="10735642" cy="445646"/>
           </a:xfrm>
           <a:prstGeom prst="rect">
             <a:avLst/>
@@ -5248,18 +5394,33 @@
             </a:pPr>
             <a:r>
               <a:rPr lang="fa-IR" sz="2400" b="1" dirty="0">
+                <a:solidFill>
+                  <a:schemeClr val="accent1">
+                    <a:lumMod val="75000"/>
+                  </a:schemeClr>
+                </a:solidFill>
                 <a:cs typeface="B Nazanin" panose="00000400000000000000" pitchFamily="2" charset="-78"/>
               </a:rPr>
               <a:t>اطلاعات و دانش مدل‌ زبانی محدود به </a:t>
             </a:r>
             <a:r>
               <a:rPr lang="fa-IR" sz="2400" b="1" dirty="0" err="1">
+                <a:solidFill>
+                  <a:schemeClr val="accent1">
+                    <a:lumMod val="75000"/>
+                  </a:schemeClr>
+                </a:solidFill>
                 <a:cs typeface="B Nazanin" panose="00000400000000000000" pitchFamily="2" charset="-78"/>
               </a:rPr>
               <a:t>داده‌هایی</a:t>
             </a:r>
             <a:r>
               <a:rPr lang="fa-IR" sz="2400" b="1" dirty="0">
+                <a:solidFill>
+                  <a:schemeClr val="accent1">
+                    <a:lumMod val="75000"/>
+                  </a:schemeClr>
+                </a:solidFill>
                 <a:cs typeface="B Nazanin" panose="00000400000000000000" pitchFamily="2" charset="-78"/>
               </a:rPr>
               <a:t> است که روی آن آموزش دیده است. </a:t>
@@ -5436,7 +5597,7 @@
         </p:nvSpPr>
         <p:spPr>
           <a:xfrm>
-            <a:off x="9565342" y="2341935"/>
+            <a:off x="9648470" y="2306639"/>
             <a:ext cx="1420906" cy="368674"/>
           </a:xfrm>
           <a:prstGeom prst="rect">
@@ -6057,7 +6218,7 @@
         </p:nvSpPr>
         <p:spPr>
           <a:xfrm>
-            <a:off x="9565342" y="3485310"/>
+            <a:off x="9648470" y="3541713"/>
             <a:ext cx="1420906" cy="368674"/>
           </a:xfrm>
           <a:prstGeom prst="rect">
@@ -6270,7 +6431,7 @@
         </p:nvSpPr>
         <p:spPr>
           <a:xfrm>
-            <a:off x="2200837" y="4711980"/>
+            <a:off x="2116624" y="4711980"/>
             <a:ext cx="9054352" cy="368674"/>
           </a:xfrm>
           <a:prstGeom prst="rect">
@@ -6511,8 +6672,8 @@
         </p:nvSpPr>
         <p:spPr>
           <a:xfrm>
-            <a:off x="1241612" y="80685"/>
-            <a:ext cx="10515600" cy="956123"/>
+            <a:off x="316702" y="57370"/>
+            <a:ext cx="11558591" cy="750588"/>
           </a:xfrm>
         </p:spPr>
         <p:txBody>
@@ -6523,49 +6684,44 @@
           <a:p>
             <a:pPr algn="r" rtl="1"/>
             <a:r>
-              <a:rPr lang="fa-IR" sz="3600" b="1" dirty="0">
-                <a:cs typeface="B Nazanin" panose="00000400000000000000" pitchFamily="2" charset="-78"/>
-              </a:rPr>
-              <a:t>مقایسه سه </a:t>
-            </a:r>
-            <a:r>
-              <a:rPr lang="fa-IR" sz="3600" b="1" dirty="0" err="1">
-                <a:cs typeface="B Nazanin" panose="00000400000000000000" pitchFamily="2" charset="-78"/>
-              </a:rPr>
-              <a:t>راهکار</a:t>
-            </a:r>
-            <a:r>
-              <a:rPr lang="en-US" sz="3600" b="1" dirty="0">
-                <a:cs typeface="B Nazanin" panose="00000400000000000000" pitchFamily="2" charset="-78"/>
-              </a:rPr>
-              <a:t> Pre-training </a:t>
-            </a:r>
-            <a:r>
-              <a:rPr lang="fa-IR" sz="3600" b="1" dirty="0">
-                <a:cs typeface="B Nazanin" panose="00000400000000000000" pitchFamily="2" charset="-78"/>
-              </a:rPr>
-              <a:t>، </a:t>
-            </a:r>
-            <a:r>
-              <a:rPr lang="en-US" sz="3600" b="1" dirty="0">
-                <a:cs typeface="B Nazanin" panose="00000400000000000000" pitchFamily="2" charset="-78"/>
-              </a:rPr>
-              <a:t> Fine-tuning</a:t>
-            </a:r>
-            <a:r>
-              <a:rPr lang="fa-IR" sz="3600" b="1" dirty="0">
-                <a:cs typeface="B Nazanin" panose="00000400000000000000" pitchFamily="2" charset="-78"/>
-              </a:rPr>
-              <a:t>و </a:t>
-            </a:r>
-            <a:r>
-              <a:rPr lang="en-US" sz="3600" b="1" dirty="0">
-                <a:cs typeface="B Nazanin" panose="00000400000000000000" pitchFamily="2" charset="-78"/>
-              </a:rPr>
-              <a:t>RAG</a:t>
+              <a:rPr lang="fa-IR" sz="3200" b="1" dirty="0">
+                <a:solidFill>
+                  <a:schemeClr val="accent1">
+                    <a:lumMod val="75000"/>
+                  </a:schemeClr>
+                </a:solidFill>
+                <a:cs typeface="B Nazanin" panose="00000400000000000000" pitchFamily="2" charset="-78"/>
+              </a:rPr>
+              <a:t>مقایسه راهکارهای ایجاد دانش جدید در </a:t>
+            </a:r>
+            <a:r>
+              <a:rPr lang="fa-IR" sz="3200" b="1" dirty="0" err="1">
+                <a:solidFill>
+                  <a:schemeClr val="accent1">
+                    <a:lumMod val="75000"/>
+                  </a:schemeClr>
+                </a:solidFill>
+                <a:cs typeface="B Nazanin" panose="00000400000000000000" pitchFamily="2" charset="-78"/>
+              </a:rPr>
+              <a:t>مدل‌های</a:t>
+            </a:r>
+            <a:r>
+              <a:rPr lang="fa-IR" sz="3200" b="1" dirty="0">
+                <a:solidFill>
+                  <a:schemeClr val="accent1">
+                    <a:lumMod val="75000"/>
+                  </a:schemeClr>
+                </a:solidFill>
+                <a:cs typeface="B Nazanin" panose="00000400000000000000" pitchFamily="2" charset="-78"/>
+              </a:rPr>
+              <a:t> زبانی</a:t>
             </a:r>
             <a:endParaRPr lang="fa-IR" sz="3600" b="1" dirty="0">
-              <a:cs typeface="B Nazanin" panose="00000400000000000000" pitchFamily="2" charset="-78"/>
+              <a:solidFill>
+                <a:schemeClr val="accent1">
+                  <a:lumMod val="75000"/>
+                </a:schemeClr>
+              </a:solidFill>
             </a:endParaRPr>
           </a:p>
         </p:txBody>
@@ -6586,14 +6742,14 @@
             <p:ph idx="1"/>
             <p:extLst>
               <p:ext uri="{D42A27DB-BD31-4B8C-83A1-F6EECF244321}">
-                <p14:modId xmlns:p14="http://schemas.microsoft.com/office/powerpoint/2010/main" val="1425344740"/>
+                <p14:modId xmlns:p14="http://schemas.microsoft.com/office/powerpoint/2010/main" val="3239241291"/>
               </p:ext>
             </p:extLst>
           </p:nvPr>
         </p:nvGraphicFramePr>
         <p:xfrm>
-          <a:off x="316704" y="1024745"/>
-          <a:ext cx="11558591" cy="5447272"/>
+          <a:off x="241479" y="858983"/>
+          <a:ext cx="11709039" cy="5830811"/>
         </p:xfrm>
         <a:graphic>
           <a:graphicData uri="http://schemas.openxmlformats.org/drawingml/2006/table">
@@ -6602,28 +6758,28 @@
                 <a:tableStyleId>{5C22544A-7EE6-4342-B048-85BDC9FD1C3A}</a:tableStyleId>
               </a:tblPr>
               <a:tblGrid>
-                <a:gridCol w="1592777">
+                <a:gridCol w="1559846">
                   <a:extLst>
                     <a:ext uri="{9D8B030D-6E8A-4147-A177-3AD203B41FA5}">
                       <a16:colId xmlns:a16="http://schemas.microsoft.com/office/drawing/2014/main" val="3606271277"/>
                     </a:ext>
                   </a:extLst>
                 </a:gridCol>
-                <a:gridCol w="3532094">
+                <a:gridCol w="3803812">
                   <a:extLst>
                     <a:ext uri="{9D8B030D-6E8A-4147-A177-3AD203B41FA5}">
                       <a16:colId xmlns:a16="http://schemas.microsoft.com/office/drawing/2014/main" val="3450439336"/>
                     </a:ext>
                   </a:extLst>
                 </a:gridCol>
-                <a:gridCol w="3218330">
+                <a:gridCol w="3186545">
                   <a:extLst>
                     <a:ext uri="{9D8B030D-6E8A-4147-A177-3AD203B41FA5}">
                       <a16:colId xmlns:a16="http://schemas.microsoft.com/office/drawing/2014/main" val="1743241370"/>
                     </a:ext>
                   </a:extLst>
                 </a:gridCol>
-                <a:gridCol w="3215390">
+                <a:gridCol w="3158836">
                   <a:extLst>
                     <a:ext uri="{9D8B030D-6E8A-4147-A177-3AD203B41FA5}">
                       <a16:colId xmlns:a16="http://schemas.microsoft.com/office/drawing/2014/main" val="4055511178"/>
@@ -6631,7 +6787,7 @@
                   </a:extLst>
                 </a:gridCol>
               </a:tblGrid>
-              <a:tr h="445467">
+              <a:tr h="460221">
                 <a:tc>
                   <a:txBody>
                     <a:bodyPr/>
@@ -6645,7 +6801,9 @@
                       <a:r>
                         <a:rPr lang="fa-IR" sz="1800" b="1" kern="1200" dirty="0">
                           <a:solidFill>
-                            <a:srgbClr val="002060"/>
+                            <a:schemeClr val="accent1">
+                              <a:lumMod val="50000"/>
+                            </a:schemeClr>
                           </a:solidFill>
                           <a:latin typeface="+mn-lt"/>
                           <a:ea typeface="+mn-ea"/>
@@ -6675,9 +6833,9 @@
                         </a:lnSpc>
                       </a:pPr>
                       <a:r>
-                        <a:rPr lang="en-US" sz="2400" b="1" kern="1200" dirty="0">
+                        <a:rPr lang="en-US" sz="2800" b="1" kern="1200" dirty="0">
                           <a:solidFill>
-                            <a:srgbClr val="005DA2"/>
+                            <a:srgbClr val="007CA8"/>
                           </a:solidFill>
                           <a:latin typeface="+mn-lt"/>
                           <a:ea typeface="+mn-ea"/>
@@ -6685,9 +6843,9 @@
                         </a:rPr>
                         <a:t>Pre-training</a:t>
                       </a:r>
-                      <a:endParaRPr lang="fa-IR" sz="2400" b="1" kern="1200" dirty="0">
+                      <a:endParaRPr lang="fa-IR" sz="2800" b="1" kern="1200" dirty="0">
                         <a:solidFill>
-                          <a:srgbClr val="005DA2"/>
+                          <a:srgbClr val="007CA8"/>
                         </a:solidFill>
                         <a:latin typeface="+mn-lt"/>
                         <a:ea typeface="+mn-ea"/>
@@ -6715,9 +6873,9 @@
                         </a:lnSpc>
                       </a:pPr>
                       <a:r>
-                        <a:rPr lang="en-US" sz="2400" b="1" kern="1200" dirty="0">
+                        <a:rPr lang="en-US" sz="2800" b="1" kern="1200" dirty="0">
                           <a:solidFill>
-                            <a:srgbClr val="005DA2"/>
+                            <a:srgbClr val="007CA8"/>
                           </a:solidFill>
                           <a:latin typeface="+mn-lt"/>
                           <a:ea typeface="+mn-ea"/>
@@ -6725,9 +6883,9 @@
                         </a:rPr>
                         <a:t>Fine-tuning</a:t>
                       </a:r>
-                      <a:endParaRPr lang="fa-IR" sz="2400" b="1" kern="1200" dirty="0">
+                      <a:endParaRPr lang="fa-IR" sz="2800" b="1" kern="1200" dirty="0">
                         <a:solidFill>
-                          <a:srgbClr val="005DA2"/>
+                          <a:srgbClr val="007CA8"/>
                         </a:solidFill>
                         <a:latin typeface="+mn-lt"/>
                         <a:ea typeface="+mn-ea"/>
@@ -6755,9 +6913,9 @@
                         </a:lnSpc>
                       </a:pPr>
                       <a:r>
-                        <a:rPr lang="en-US" sz="2400" b="1" kern="1200" dirty="0">
+                        <a:rPr lang="en-US" sz="2800" b="1" kern="1200" dirty="0">
                           <a:solidFill>
-                            <a:srgbClr val="005DA2"/>
+                            <a:srgbClr val="007CA8"/>
                           </a:solidFill>
                           <a:latin typeface="+mn-lt"/>
                           <a:ea typeface="+mn-ea"/>
@@ -6765,9 +6923,9 @@
                         </a:rPr>
                         <a:t>RAG</a:t>
                       </a:r>
-                      <a:endParaRPr lang="fa-IR" sz="2400" b="1" kern="1200" dirty="0">
+                      <a:endParaRPr lang="fa-IR" sz="2800" b="1" kern="1200" dirty="0">
                         <a:solidFill>
-                          <a:srgbClr val="005DA2"/>
+                          <a:srgbClr val="007CA8"/>
                         </a:solidFill>
                         <a:latin typeface="+mn-lt"/>
                         <a:ea typeface="+mn-ea"/>
@@ -6790,7 +6948,7 @@
                   </a:ext>
                 </a:extLst>
               </a:tr>
-              <a:tr h="304193">
+              <a:tr h="460221">
                 <a:tc>
                   <a:txBody>
                     <a:bodyPr/>
@@ -6831,7 +6989,7 @@
                         </a:lnSpc>
                       </a:pPr>
                       <a:r>
-                        <a:rPr lang="fa-IR" sz="1500" b="1" dirty="0">
+                        <a:rPr lang="fa-IR" sz="1600" b="1" dirty="0">
                           <a:cs typeface="B Nazanin" panose="00000400000000000000" pitchFamily="2" charset="-78"/>
                         </a:rPr>
                         <a:t>آموزش مدل زبانی از ابتدا</a:t>
@@ -6855,19 +7013,19 @@
                         </a:lnSpc>
                       </a:pPr>
                       <a:r>
-                        <a:rPr lang="fa-IR" sz="1500" b="1" dirty="0">
+                        <a:rPr lang="fa-IR" sz="1600" b="1" dirty="0">
                           <a:cs typeface="B Nazanin" panose="00000400000000000000" pitchFamily="2" charset="-78"/>
                         </a:rPr>
                         <a:t>تنظیم دقیق مدل ‌زبانی روی </a:t>
                       </a:r>
                       <a:r>
-                        <a:rPr lang="fa-IR" sz="1500" b="1" dirty="0" err="1">
+                        <a:rPr lang="fa-IR" sz="1600" b="1" dirty="0" err="1">
                           <a:cs typeface="B Nazanin" panose="00000400000000000000" pitchFamily="2" charset="-78"/>
                         </a:rPr>
                         <a:t>داده‌های</a:t>
                       </a:r>
                       <a:r>
-                        <a:rPr lang="fa-IR" sz="1500" b="1" dirty="0">
+                        <a:rPr lang="fa-IR" sz="1600" b="1" dirty="0">
                           <a:cs typeface="B Nazanin" panose="00000400000000000000" pitchFamily="2" charset="-78"/>
                         </a:rPr>
                         <a:t> جدید</a:t>
@@ -6903,19 +7061,19 @@
                         <a:defRPr/>
                       </a:pPr>
                       <a:r>
-                        <a:rPr lang="fa-IR" sz="1500" b="1" dirty="0">
+                        <a:rPr lang="fa-IR" sz="1600" b="1" dirty="0">
                           <a:cs typeface="B Nazanin" panose="00000400000000000000" pitchFamily="2" charset="-78"/>
                         </a:rPr>
                         <a:t> تقویت ورودی مدل ‌زبانی با اطلاعات</a:t>
                       </a:r>
                       <a:r>
-                        <a:rPr lang="en-US" sz="1500" b="1" dirty="0">
+                        <a:rPr lang="en-US" sz="1600" b="1" dirty="0">
                           <a:cs typeface="B Nazanin" panose="00000400000000000000" pitchFamily="2" charset="-78"/>
                         </a:rPr>
                         <a:t> </a:t>
                       </a:r>
                       <a:r>
-                        <a:rPr lang="fa-IR" sz="1500" b="1" dirty="0">
+                        <a:rPr lang="fa-IR" sz="1600" b="1" dirty="0">
                           <a:cs typeface="B Nazanin" panose="00000400000000000000" pitchFamily="2" charset="-78"/>
                         </a:rPr>
                         <a:t>مرتبط</a:t>
@@ -6934,7 +7092,7 @@
                   </a:ext>
                 </a:extLst>
               </a:tr>
-              <a:tr h="1476212">
+              <a:tr h="1466655">
                 <a:tc>
                   <a:txBody>
                     <a:bodyPr/>
@@ -7422,27 +7580,8 @@
                           <a:ea typeface="+mn-ea"/>
                           <a:cs typeface="B Nazanin" panose="00000400000000000000" pitchFamily="2" charset="-78"/>
                         </a:rPr>
-                        <a:t>نیاز به تهیه مجموعه داده ندارد</a:t>
+                        <a:t>عدم نیاز به تهیه مجموعه داده</a:t>
                       </a:r>
-                      <a:r>
-                        <a:rPr lang="en-US" sz="1500" b="1" kern="1200" dirty="0">
-                          <a:solidFill>
-                            <a:schemeClr val="dk1"/>
-                          </a:solidFill>
-                          <a:latin typeface="+mn-lt"/>
-                          <a:ea typeface="+mn-ea"/>
-                          <a:cs typeface="B Nazanin" panose="00000400000000000000" pitchFamily="2" charset="-78"/>
-                        </a:rPr>
-                        <a:t>.</a:t>
-                      </a:r>
-                      <a:endParaRPr lang="fa-IR" sz="1500" b="1" kern="1200" dirty="0">
-                        <a:solidFill>
-                          <a:schemeClr val="dk1"/>
-                        </a:solidFill>
-                        <a:latin typeface="+mn-lt"/>
-                        <a:ea typeface="+mn-ea"/>
-                        <a:cs typeface="B Nazanin" panose="00000400000000000000" pitchFamily="2" charset="-78"/>
-                      </a:endParaRPr>
                     </a:p>
                     <a:p>
                       <a:pPr marL="285750" indent="-285750" algn="r" defTabSz="914400" rtl="1" eaLnBrk="1" latinLnBrk="0" hangingPunct="1">
@@ -7495,7 +7634,7 @@
                   </a:ext>
                 </a:extLst>
               </a:tr>
-              <a:tr h="1004447">
+              <a:tr h="1408727">
                 <a:tc>
                   <a:txBody>
                     <a:bodyPr/>
@@ -7557,45 +7696,75 @@
                       </a:endParaRPr>
                     </a:p>
                     <a:p>
-                      <a:pPr marL="285750" indent="-285750" algn="r" rtl="1">
+                      <a:pPr marL="285750" marR="0" lvl="0" indent="-285750" algn="r" defTabSz="914400" rtl="1" eaLnBrk="1" fontAlgn="auto" latinLnBrk="0" hangingPunct="1">
                         <a:lnSpc>
                           <a:spcPct val="100000"/>
                         </a:lnSpc>
+                        <a:spcBef>
+                          <a:spcPts val="0"/>
+                        </a:spcBef>
+                        <a:spcAft>
+                          <a:spcPts val="0"/>
+                        </a:spcAft>
+                        <a:buClrTx/>
+                        <a:buSzTx/>
                         <a:buFont typeface="Arial" panose="020B0604020202020204" pitchFamily="34" charset="0"/>
                         <a:buChar char="•"/>
+                        <a:tabLst/>
+                        <a:defRPr/>
+                      </a:pPr>
+                      <a:r>
+                        <a:rPr lang="fa-IR" sz="1500" b="1" dirty="0">
+                          <a:cs typeface="B Nazanin" panose="00000400000000000000" pitchFamily="2" charset="-78"/>
+                        </a:rPr>
+                        <a:t>فرآیندی بسیار پرهزینه و تخصصی‌ است.</a:t>
+                      </a:r>
+                    </a:p>
+                    <a:p>
+                      <a:pPr marL="0" marR="0" lvl="0" indent="0" algn="r" defTabSz="914400" rtl="1" eaLnBrk="1" fontAlgn="auto" latinLnBrk="0" hangingPunct="1">
+                        <a:lnSpc>
+                          <a:spcPct val="100000"/>
+                        </a:lnSpc>
+                        <a:spcBef>
+                          <a:spcPts val="0"/>
+                        </a:spcBef>
+                        <a:spcAft>
+                          <a:spcPts val="0"/>
+                        </a:spcAft>
+                        <a:buClrTx/>
+                        <a:buSzTx/>
+                        <a:buFont typeface="Arial" panose="020B0604020202020204" pitchFamily="34" charset="0"/>
+                        <a:buNone/>
+                        <a:tabLst/>
+                        <a:defRPr/>
+                      </a:pPr>
+                      <a:endParaRPr lang="fa-IR" sz="1500" b="1" dirty="0">
+                        <a:cs typeface="B Nazanin" panose="00000400000000000000" pitchFamily="2" charset="-78"/>
+                      </a:endParaRPr>
+                    </a:p>
+                    <a:p>
+                      <a:pPr marL="285750" marR="0" lvl="0" indent="-285750" algn="r" defTabSz="914400" rtl="1" eaLnBrk="1" fontAlgn="auto" latinLnBrk="0" hangingPunct="1">
+                        <a:lnSpc>
+                          <a:spcPct val="100000"/>
+                        </a:lnSpc>
+                        <a:spcBef>
+                          <a:spcPts val="0"/>
+                        </a:spcBef>
+                        <a:spcAft>
+                          <a:spcPts val="0"/>
+                        </a:spcAft>
+                        <a:buClrTx/>
+                        <a:buSzTx/>
+                        <a:buFont typeface="Arial" panose="020B0604020202020204" pitchFamily="34" charset="0"/>
+                        <a:buChar char="•"/>
+                        <a:tabLst/>
+                        <a:defRPr/>
                       </a:pPr>
                       <a:r>
                         <a:rPr lang="fa-IR" sz="1500" b="1" dirty="0">
                           <a:cs typeface="B Nazanin" panose="00000400000000000000" pitchFamily="2" charset="-78"/>
                         </a:rPr>
                         <a:t>عدم امکان کنترل دسترسی کاربران به اطلاعات توسط مدیر</a:t>
-                      </a:r>
-                    </a:p>
-                    <a:p>
-                      <a:pPr marL="285750" indent="-285750" algn="r" rtl="1">
-                        <a:lnSpc>
-                          <a:spcPct val="100000"/>
-                        </a:lnSpc>
-                        <a:buFont typeface="Arial" panose="020B0604020202020204" pitchFamily="34" charset="0"/>
-                        <a:buChar char="•"/>
-                      </a:pPr>
-                      <a:endParaRPr lang="fa-IR" sz="1500" b="1" dirty="0">
-                        <a:cs typeface="B Nazanin" panose="00000400000000000000" pitchFamily="2" charset="-78"/>
-                      </a:endParaRPr>
-                    </a:p>
-                    <a:p>
-                      <a:pPr marL="285750" indent="-285750" algn="r" rtl="1">
-                        <a:lnSpc>
-                          <a:spcPct val="100000"/>
-                        </a:lnSpc>
-                        <a:buFont typeface="Arial" panose="020B0604020202020204" pitchFamily="34" charset="0"/>
-                        <a:buChar char="•"/>
-                      </a:pPr>
-                      <a:r>
-                        <a:rPr lang="fa-IR" sz="1500" b="1" dirty="0">
-                          <a:cs typeface="B Nazanin" panose="00000400000000000000" pitchFamily="2" charset="-78"/>
-                        </a:rPr>
-                        <a:t>فرآیندی بسیار پرهزینه است.</a:t>
                       </a:r>
                     </a:p>
                   </a:txBody>
@@ -7633,7 +7802,7 @@
                         <a:rPr lang="fa-IR" sz="1500" b="1" dirty="0">
                           <a:cs typeface="B Nazanin" panose="00000400000000000000" pitchFamily="2" charset="-78"/>
                         </a:rPr>
-                        <a:t>افزودن اطلاعات به مدل به این نحو، علاوه بر </a:t>
+                        <a:t>افزودن هر بار اطلاعات به مدل با این روش، علاوه بر </a:t>
                       </a:r>
                       <a:r>
                         <a:rPr lang="fa-IR" sz="1500" b="1" dirty="0" err="1">
@@ -7645,7 +7814,7 @@
                         <a:rPr lang="fa-IR" sz="1500" b="1" dirty="0">
                           <a:cs typeface="B Nazanin" panose="00000400000000000000" pitchFamily="2" charset="-78"/>
                         </a:rPr>
-                        <a:t> بودن، نیاز به متخصص دارد.</a:t>
+                        <a:t> بودن، نیاز به تخصص دارد.</a:t>
                       </a:r>
                     </a:p>
                     <a:p>
@@ -7689,7 +7858,19 @@
                     <a:p>
                       <a:pPr marL="285750" indent="-285750" algn="r" rtl="1">
                         <a:lnSpc>
-                          <a:spcPct val="150000"/>
+                          <a:spcPct val="100000"/>
+                        </a:lnSpc>
+                        <a:buFont typeface="Arial" panose="020B0604020202020204" pitchFamily="34" charset="0"/>
+                        <a:buChar char="•"/>
+                      </a:pPr>
+                      <a:endParaRPr lang="fa-IR" sz="600" b="1" dirty="0">
+                        <a:cs typeface="B Nazanin" panose="00000400000000000000" pitchFamily="2" charset="-78"/>
+                      </a:endParaRPr>
+                    </a:p>
+                    <a:p>
+                      <a:pPr marL="285750" indent="-285750" algn="r" rtl="1">
+                        <a:lnSpc>
+                          <a:spcPct val="100000"/>
                         </a:lnSpc>
                         <a:buFont typeface="Arial" panose="020B0604020202020204" pitchFamily="34" charset="0"/>
                         <a:buChar char="•"/>
@@ -7702,9 +7883,21 @@
                       </a:r>
                     </a:p>
                     <a:p>
+                      <a:pPr marL="0" indent="0" algn="r" rtl="1">
+                        <a:lnSpc>
+                          <a:spcPct val="100000"/>
+                        </a:lnSpc>
+                        <a:buFont typeface="Arial" panose="020B0604020202020204" pitchFamily="34" charset="0"/>
+                        <a:buNone/>
+                      </a:pPr>
+                      <a:endParaRPr lang="fa-IR" sz="1500" b="1" dirty="0">
+                        <a:cs typeface="B Nazanin" panose="00000400000000000000" pitchFamily="2" charset="-78"/>
+                      </a:endParaRPr>
+                    </a:p>
+                    <a:p>
                       <a:pPr marL="285750" indent="-285750" algn="r" rtl="1">
                         <a:lnSpc>
-                          <a:spcPct val="150000"/>
+                          <a:spcPct val="100000"/>
                         </a:lnSpc>
                         <a:buFont typeface="Arial" panose="020B0604020202020204" pitchFamily="34" charset="0"/>
                         <a:buChar char="•"/>
@@ -7729,7 +7922,7 @@
                   </a:ext>
                 </a:extLst>
               </a:tr>
-              <a:tr h="1599335">
+              <a:tr h="1822886">
                 <a:tc>
                   <a:txBody>
                     <a:bodyPr/>
@@ -7798,7 +7991,7 @@
                         <a:rPr lang="fa-IR" sz="1500" b="1" dirty="0">
                           <a:cs typeface="B Nazanin" panose="00000400000000000000" pitchFamily="2" charset="-78"/>
                         </a:rPr>
-                        <a:t> بر روی زبانی جدید</a:t>
+                        <a:t> بر روی زبانی که تا به حال کار نشده</a:t>
                       </a:r>
                     </a:p>
                     <a:p>
@@ -7813,20 +8006,79 @@
                         <a:rPr lang="fa-IR" sz="1500" b="1" dirty="0">
                           <a:cs typeface="B Nazanin" panose="00000400000000000000" pitchFamily="2" charset="-78"/>
                         </a:rPr>
-                        <a:t>بهبود ارکان اصلی یا معماری مدل</a:t>
+                        <a:t>تهیه مدلی بهتر نسبت به </a:t>
                       </a:r>
+                      <a:r>
+                        <a:rPr lang="fa-IR" sz="1500" b="1" dirty="0" err="1">
+                          <a:cs typeface="B Nazanin" panose="00000400000000000000" pitchFamily="2" charset="-78"/>
+                        </a:rPr>
+                        <a:t>مدل‌های</a:t>
+                      </a:r>
+                      <a:r>
+                        <a:rPr lang="fa-IR" sz="1500" b="1" dirty="0">
+                          <a:cs typeface="B Nazanin" panose="00000400000000000000" pitchFamily="2" charset="-78"/>
+                        </a:rPr>
+                        <a:t> زبانی </a:t>
+                      </a:r>
+                      <a:r>
+                        <a:rPr lang="fa-IR" sz="1500" b="1" dirty="0" err="1">
+                          <a:cs typeface="B Nazanin" panose="00000400000000000000" pitchFamily="2" charset="-78"/>
+                        </a:rPr>
+                        <a:t>متن‌باز</a:t>
+                      </a:r>
+                      <a:r>
+                        <a:rPr lang="fa-IR" sz="1500" b="1" dirty="0">
+                          <a:cs typeface="B Nazanin" panose="00000400000000000000" pitchFamily="2" charset="-78"/>
+                        </a:rPr>
+                        <a:t> موجود، با از بین بردن نقاط ضعف </a:t>
+                      </a:r>
+                      <a:r>
+                        <a:rPr lang="fa-IR" sz="1500" b="1" dirty="0" err="1">
+                          <a:cs typeface="B Nazanin" panose="00000400000000000000" pitchFamily="2" charset="-78"/>
+                        </a:rPr>
+                        <a:t>آن‌ها</a:t>
+                      </a:r>
+                      <a:endParaRPr lang="fa-IR" sz="1500" b="1" dirty="0">
+                        <a:cs typeface="B Nazanin" panose="00000400000000000000" pitchFamily="2" charset="-78"/>
+                      </a:endParaRPr>
                     </a:p>
                     <a:p>
-                      <a:pPr algn="r" rtl="1">
+                      <a:pPr marL="285750" indent="-285750" algn="r" rtl="1">
                         <a:lnSpc>
-                          <a:spcPct val="250000"/>
+                          <a:spcPct val="150000"/>
                         </a:lnSpc>
+                        <a:buFont typeface="Arial" panose="020B0604020202020204" pitchFamily="34" charset="0"/>
+                        <a:buChar char="•"/>
                       </a:pPr>
                       <a:r>
-                        <a:rPr lang="fa-IR" sz="1500" dirty="0">
+                        <a:rPr lang="fa-IR" sz="1500" b="1" dirty="0">
                           <a:cs typeface="B Nazanin" panose="00000400000000000000" pitchFamily="2" charset="-78"/>
                         </a:rPr>
-                        <a:t> </a:t>
+                        <a:t>توسعه علمی و تحقیقاتی حوزه پردازش زبان طبیعی/ </a:t>
+                      </a:r>
+                      <a:r>
+                        <a:rPr lang="fa-IR" sz="1500" b="1" dirty="0" err="1">
+                          <a:cs typeface="B Nazanin" panose="00000400000000000000" pitchFamily="2" charset="-78"/>
+                        </a:rPr>
+                        <a:t>بومی‌سازی</a:t>
+                      </a:r>
+                      <a:r>
+                        <a:rPr lang="fa-IR" sz="1500" b="1" dirty="0">
+                          <a:cs typeface="B Nazanin" panose="00000400000000000000" pitchFamily="2" charset="-78"/>
+                        </a:rPr>
+                        <a:t> دانش </a:t>
+                      </a:r>
+                      <a:r>
+                        <a:rPr lang="fa-IR" sz="1500" b="1" dirty="0" err="1">
+                          <a:cs typeface="B Nazanin" panose="00000400000000000000" pitchFamily="2" charset="-78"/>
+                        </a:rPr>
+                        <a:t>مدل‌های</a:t>
+                      </a:r>
+                      <a:r>
+                        <a:rPr lang="fa-IR" sz="1500" b="1" dirty="0">
+                          <a:cs typeface="B Nazanin" panose="00000400000000000000" pitchFamily="2" charset="-78"/>
+                        </a:rPr>
+                        <a:t> زبانی و ...</a:t>
                       </a:r>
                     </a:p>
                   </a:txBody>
@@ -8068,6 +8320,126 @@
           </a:graphicData>
         </a:graphic>
       </p:graphicFrame>
+      <p:sp>
+        <p:nvSpPr>
+          <p:cNvPr id="5" name="TextBox 4">
+            <a:extLst>
+              <a:ext uri="{FF2B5EF4-FFF2-40B4-BE49-F238E27FC236}">
+                <a16:creationId xmlns:a16="http://schemas.microsoft.com/office/drawing/2014/main" id="{572F3F76-9ABE-3C93-BEA7-0365DAF2DB01}"/>
+              </a:ext>
+            </a:extLst>
+          </p:cNvPr>
+          <p:cNvSpPr txBox="1"/>
+          <p:nvPr/>
+        </p:nvSpPr>
+        <p:spPr>
+          <a:xfrm>
+            <a:off x="3209636" y="2162916"/>
+            <a:ext cx="1671783" cy="246221"/>
+          </a:xfrm>
+          <a:prstGeom prst="rect">
+            <a:avLst/>
+          </a:prstGeom>
+          <a:noFill/>
+        </p:spPr>
+        <p:txBody>
+          <a:bodyPr wrap="square" rtlCol="1">
+            <a:spAutoFit/>
+          </a:bodyPr>
+          <a:lstStyle/>
+          <a:p>
+            <a:pPr algn="r" rtl="1"/>
+            <a:r>
+              <a:rPr lang="en-US" sz="1000" b="1" kern="1200" dirty="0">
+                <a:solidFill>
+                  <a:schemeClr val="dk1"/>
+                </a:solidFill>
+                <a:latin typeface="+mn-lt"/>
+                <a:ea typeface="+mn-ea"/>
+                <a:cs typeface="+mj-cs"/>
+              </a:rPr>
+              <a:t>4 * </a:t>
+            </a:r>
+            <a:r>
+              <a:rPr lang="en-US" sz="1000" b="1" kern="1200" dirty="0" err="1">
+                <a:solidFill>
+                  <a:schemeClr val="dk1"/>
+                </a:solidFill>
+                <a:latin typeface="+mn-lt"/>
+                <a:ea typeface="+mn-ea"/>
+                <a:cs typeface="+mj-cs"/>
+              </a:rPr>
+              <a:t>N_model</a:t>
+            </a:r>
+            <a:r>
+              <a:rPr lang="en-US" sz="1000" b="1" dirty="0" err="1">
+                <a:solidFill>
+                  <a:schemeClr val="dk1"/>
+                </a:solidFill>
+                <a:cs typeface="+mj-cs"/>
+              </a:rPr>
+              <a:t>_</a:t>
+            </a:r>
+            <a:r>
+              <a:rPr lang="en-US" sz="1000" b="1" kern="1200" dirty="0" err="1">
+                <a:solidFill>
+                  <a:schemeClr val="dk1"/>
+                </a:solidFill>
+                <a:latin typeface="+mn-lt"/>
+                <a:ea typeface="+mn-ea"/>
+                <a:cs typeface="+mj-cs"/>
+              </a:rPr>
+              <a:t>parameters</a:t>
+            </a:r>
+            <a:endParaRPr lang="fa-IR" sz="1000" dirty="0">
+              <a:cs typeface="+mj-cs"/>
+            </a:endParaRPr>
+          </a:p>
+        </p:txBody>
+      </p:sp>
+      <p:cxnSp>
+        <p:nvCxnSpPr>
+          <p:cNvPr id="8" name="Connector: Curved 7">
+            <a:extLst>
+              <a:ext uri="{FF2B5EF4-FFF2-40B4-BE49-F238E27FC236}">
+                <a16:creationId xmlns:a16="http://schemas.microsoft.com/office/drawing/2014/main" id="{21DAF1BF-507C-6713-3752-E36BBE3B9EDB}"/>
+              </a:ext>
+            </a:extLst>
+          </p:cNvPr>
+          <p:cNvCxnSpPr>
+            <a:cxnSpLocks/>
+          </p:cNvCxnSpPr>
+          <p:nvPr/>
+        </p:nvCxnSpPr>
+        <p:spPr>
+          <a:xfrm rot="10800000" flipV="1">
+            <a:off x="4835243" y="2221375"/>
+            <a:ext cx="267855" cy="69248"/>
+          </a:xfrm>
+          <a:prstGeom prst="curvedConnector3">
+            <a:avLst>
+              <a:gd name="adj1" fmla="val 50000"/>
+            </a:avLst>
+          </a:prstGeom>
+          <a:ln>
+            <a:tailEnd type="triangle"/>
+          </a:ln>
+        </p:spPr>
+        <p:style>
+          <a:lnRef idx="1">
+            <a:schemeClr val="accent1"/>
+          </a:lnRef>
+          <a:fillRef idx="0">
+            <a:schemeClr val="accent1"/>
+          </a:fillRef>
+          <a:effectRef idx="0">
+            <a:schemeClr val="accent1"/>
+          </a:effectRef>
+          <a:fontRef idx="minor">
+            <a:schemeClr val="tx1"/>
+          </a:fontRef>
+        </p:style>
+      </p:cxnSp>
     </p:spTree>
     <p:extLst>
       <p:ext uri="{BB962C8B-B14F-4D97-AF65-F5344CB8AC3E}">

--- a/RAG.pptx
+++ b/RAG.pptx
@@ -4,14 +4,17 @@
   <p:sldMasterIdLst>
     <p:sldMasterId id="2147483648" r:id="rId1"/>
   </p:sldMasterIdLst>
+  <p:notesMasterIdLst>
+    <p:notesMasterId r:id="rId16"/>
+  </p:notesMasterIdLst>
   <p:sldIdLst>
     <p:sldId id="256" r:id="rId2"/>
     <p:sldId id="257" r:id="rId3"/>
     <p:sldId id="266" r:id="rId4"/>
     <p:sldId id="258" r:id="rId5"/>
     <p:sldId id="260" r:id="rId6"/>
-    <p:sldId id="261" r:id="rId7"/>
-    <p:sldId id="269" r:id="rId8"/>
+    <p:sldId id="269" r:id="rId7"/>
+    <p:sldId id="261" r:id="rId8"/>
     <p:sldId id="267" r:id="rId9"/>
     <p:sldId id="268" r:id="rId10"/>
     <p:sldId id="262" r:id="rId11"/>
@@ -123,6 +126,440 @@
     </p:ext>
   </p:extLst>
 </p:presentation>
+</file>
+
+<file path=ppt/notesMasters/notesMaster1.xml><?xml version="1.0" encoding="utf-8"?>
+<p:notesMaster xmlns:a="http://schemas.openxmlformats.org/drawingml/2006/main" xmlns:r="http://schemas.openxmlformats.org/officeDocument/2006/relationships" xmlns:p="http://schemas.openxmlformats.org/presentationml/2006/main">
+  <p:cSld>
+    <p:bg>
+      <p:bgRef idx="1001">
+        <a:schemeClr val="bg1"/>
+      </p:bgRef>
+    </p:bg>
+    <p:spTree>
+      <p:nvGrpSpPr>
+        <p:cNvPr id="1" name=""/>
+        <p:cNvGrpSpPr/>
+        <p:nvPr/>
+      </p:nvGrpSpPr>
+      <p:grpSpPr>
+        <a:xfrm>
+          <a:off x="0" y="0"/>
+          <a:ext cx="0" cy="0"/>
+          <a:chOff x="0" y="0"/>
+          <a:chExt cx="0" cy="0"/>
+        </a:xfrm>
+      </p:grpSpPr>
+      <p:sp>
+        <p:nvSpPr>
+          <p:cNvPr id="2" name="Header Placeholder 1"/>
+          <p:cNvSpPr>
+            <a:spLocks noGrp="1"/>
+          </p:cNvSpPr>
+          <p:nvPr>
+            <p:ph type="hdr" sz="quarter"/>
+          </p:nvPr>
+        </p:nvSpPr>
+        <p:spPr>
+          <a:xfrm>
+            <a:off x="0" y="0"/>
+            <a:ext cx="2971800" cy="458788"/>
+          </a:xfrm>
+          <a:prstGeom prst="rect">
+            <a:avLst/>
+          </a:prstGeom>
+        </p:spPr>
+        <p:txBody>
+          <a:bodyPr vert="horz" lIns="91440" tIns="45720" rIns="91440" bIns="45720" rtlCol="0"/>
+          <a:lstStyle>
+            <a:lvl1pPr algn="r">
+              <a:defRPr sz="1200"/>
+            </a:lvl1pPr>
+          </a:lstStyle>
+          <a:p>
+            <a:endParaRPr lang="fa-IR"/>
+          </a:p>
+        </p:txBody>
+      </p:sp>
+      <p:sp>
+        <p:nvSpPr>
+          <p:cNvPr id="3" name="Date Placeholder 2"/>
+          <p:cNvSpPr>
+            <a:spLocks noGrp="1"/>
+          </p:cNvSpPr>
+          <p:nvPr>
+            <p:ph type="dt" idx="1"/>
+          </p:nvPr>
+        </p:nvSpPr>
+        <p:spPr>
+          <a:xfrm>
+            <a:off x="3884613" y="0"/>
+            <a:ext cx="2971800" cy="458788"/>
+          </a:xfrm>
+          <a:prstGeom prst="rect">
+            <a:avLst/>
+          </a:prstGeom>
+        </p:spPr>
+        <p:txBody>
+          <a:bodyPr vert="horz" lIns="91440" tIns="45720" rIns="91440" bIns="45720" rtlCol="0"/>
+          <a:lstStyle>
+            <a:lvl1pPr algn="l">
+              <a:defRPr sz="1200"/>
+            </a:lvl1pPr>
+          </a:lstStyle>
+          <a:p>
+            <a:fld id="{DD9737E2-E5A7-4798-8CE4-635A842BA6E2}" type="datetimeFigureOut">
+              <a:rPr lang="fa-IR" smtClean="0"/>
+              <a:t>11/08/1445</a:t>
+            </a:fld>
+            <a:endParaRPr lang="fa-IR"/>
+          </a:p>
+        </p:txBody>
+      </p:sp>
+      <p:sp>
+        <p:nvSpPr>
+          <p:cNvPr id="4" name="Slide Image Placeholder 3"/>
+          <p:cNvSpPr>
+            <a:spLocks noGrp="1" noRot="1" noChangeAspect="1"/>
+          </p:cNvSpPr>
+          <p:nvPr>
+            <p:ph type="sldImg" idx="2"/>
+          </p:nvPr>
+        </p:nvSpPr>
+        <p:spPr>
+          <a:xfrm>
+            <a:off x="685800" y="1143000"/>
+            <a:ext cx="5486400" cy="3086100"/>
+          </a:xfrm>
+          <a:prstGeom prst="rect">
+            <a:avLst/>
+          </a:prstGeom>
+          <a:noFill/>
+          <a:ln w="12700">
+            <a:solidFill>
+              <a:prstClr val="black"/>
+            </a:solidFill>
+          </a:ln>
+        </p:spPr>
+        <p:txBody>
+          <a:bodyPr vert="horz" lIns="91440" tIns="45720" rIns="91440" bIns="45720" rtlCol="0" anchor="ctr"/>
+          <a:lstStyle/>
+          <a:p>
+            <a:endParaRPr lang="fa-IR"/>
+          </a:p>
+        </p:txBody>
+      </p:sp>
+      <p:sp>
+        <p:nvSpPr>
+          <p:cNvPr id="5" name="Notes Placeholder 4"/>
+          <p:cNvSpPr>
+            <a:spLocks noGrp="1"/>
+          </p:cNvSpPr>
+          <p:nvPr>
+            <p:ph type="body" sz="quarter" idx="3"/>
+          </p:nvPr>
+        </p:nvSpPr>
+        <p:spPr>
+          <a:xfrm>
+            <a:off x="685800" y="4400550"/>
+            <a:ext cx="5486400" cy="3600450"/>
+          </a:xfrm>
+          <a:prstGeom prst="rect">
+            <a:avLst/>
+          </a:prstGeom>
+        </p:spPr>
+        <p:txBody>
+          <a:bodyPr vert="horz" lIns="91440" tIns="45720" rIns="91440" bIns="45720" rtlCol="0"/>
+          <a:lstStyle/>
+          <a:p>
+            <a:pPr lvl="0"/>
+            <a:r>
+              <a:rPr lang="en-US"/>
+              <a:t>Click to edit Master text styles</a:t>
+            </a:r>
+          </a:p>
+          <a:p>
+            <a:pPr lvl="1"/>
+            <a:r>
+              <a:rPr lang="en-US"/>
+              <a:t>Second level</a:t>
+            </a:r>
+          </a:p>
+          <a:p>
+            <a:pPr lvl="2"/>
+            <a:r>
+              <a:rPr lang="en-US"/>
+              <a:t>Third level</a:t>
+            </a:r>
+          </a:p>
+          <a:p>
+            <a:pPr lvl="3"/>
+            <a:r>
+              <a:rPr lang="en-US"/>
+              <a:t>Fourth level</a:t>
+            </a:r>
+          </a:p>
+          <a:p>
+            <a:pPr lvl="4"/>
+            <a:r>
+              <a:rPr lang="en-US"/>
+              <a:t>Fifth level</a:t>
+            </a:r>
+            <a:endParaRPr lang="fa-IR"/>
+          </a:p>
+        </p:txBody>
+      </p:sp>
+      <p:sp>
+        <p:nvSpPr>
+          <p:cNvPr id="6" name="Footer Placeholder 5"/>
+          <p:cNvSpPr>
+            <a:spLocks noGrp="1"/>
+          </p:cNvSpPr>
+          <p:nvPr>
+            <p:ph type="ftr" sz="quarter" idx="4"/>
+          </p:nvPr>
+        </p:nvSpPr>
+        <p:spPr>
+          <a:xfrm>
+            <a:off x="0" y="8685213"/>
+            <a:ext cx="2971800" cy="458787"/>
+          </a:xfrm>
+          <a:prstGeom prst="rect">
+            <a:avLst/>
+          </a:prstGeom>
+        </p:spPr>
+        <p:txBody>
+          <a:bodyPr vert="horz" lIns="91440" tIns="45720" rIns="91440" bIns="45720" rtlCol="0" anchor="b"/>
+          <a:lstStyle>
+            <a:lvl1pPr algn="r">
+              <a:defRPr sz="1200"/>
+            </a:lvl1pPr>
+          </a:lstStyle>
+          <a:p>
+            <a:endParaRPr lang="fa-IR"/>
+          </a:p>
+        </p:txBody>
+      </p:sp>
+      <p:sp>
+        <p:nvSpPr>
+          <p:cNvPr id="7" name="Slide Number Placeholder 6"/>
+          <p:cNvSpPr>
+            <a:spLocks noGrp="1"/>
+          </p:cNvSpPr>
+          <p:nvPr>
+            <p:ph type="sldNum" sz="quarter" idx="5"/>
+          </p:nvPr>
+        </p:nvSpPr>
+        <p:spPr>
+          <a:xfrm>
+            <a:off x="3884613" y="8685213"/>
+            <a:ext cx="2971800" cy="458787"/>
+          </a:xfrm>
+          <a:prstGeom prst="rect">
+            <a:avLst/>
+          </a:prstGeom>
+        </p:spPr>
+        <p:txBody>
+          <a:bodyPr vert="horz" lIns="91440" tIns="45720" rIns="91440" bIns="45720" rtlCol="0" anchor="b"/>
+          <a:lstStyle>
+            <a:lvl1pPr algn="l">
+              <a:defRPr sz="1200"/>
+            </a:lvl1pPr>
+          </a:lstStyle>
+          <a:p>
+            <a:fld id="{B1A1FC86-6D43-4743-9C66-42764E3FFE4E}" type="slidenum">
+              <a:rPr lang="fa-IR" smtClean="0"/>
+              <a:t>‹#›</a:t>
+            </a:fld>
+            <a:endParaRPr lang="fa-IR"/>
+          </a:p>
+        </p:txBody>
+      </p:sp>
+    </p:spTree>
+    <p:extLst>
+      <p:ext uri="{BB962C8B-B14F-4D97-AF65-F5344CB8AC3E}">
+        <p14:creationId xmlns:p14="http://schemas.microsoft.com/office/powerpoint/2010/main" val="500205559"/>
+      </p:ext>
+    </p:extLst>
+  </p:cSld>
+  <p:clrMap bg1="lt1" tx1="dk1" bg2="lt2" tx2="dk2" accent1="accent1" accent2="accent2" accent3="accent3" accent4="accent4" accent5="accent5" accent6="accent6" hlink="hlink" folHlink="folHlink"/>
+  <p:notesStyle>
+    <a:lvl1pPr marL="0" algn="l" defTabSz="914400" rtl="0" eaLnBrk="1" latinLnBrk="0" hangingPunct="1">
+      <a:defRPr sz="1200" kern="1200">
+        <a:solidFill>
+          <a:schemeClr val="tx1"/>
+        </a:solidFill>
+        <a:latin typeface="+mn-lt"/>
+        <a:ea typeface="+mn-ea"/>
+        <a:cs typeface="+mn-cs"/>
+      </a:defRPr>
+    </a:lvl1pPr>
+    <a:lvl2pPr marL="457200" algn="l" defTabSz="914400" rtl="0" eaLnBrk="1" latinLnBrk="0" hangingPunct="1">
+      <a:defRPr sz="1200" kern="1200">
+        <a:solidFill>
+          <a:schemeClr val="tx1"/>
+        </a:solidFill>
+        <a:latin typeface="+mn-lt"/>
+        <a:ea typeface="+mn-ea"/>
+        <a:cs typeface="+mn-cs"/>
+      </a:defRPr>
+    </a:lvl2pPr>
+    <a:lvl3pPr marL="914400" algn="l" defTabSz="914400" rtl="0" eaLnBrk="1" latinLnBrk="0" hangingPunct="1">
+      <a:defRPr sz="1200" kern="1200">
+        <a:solidFill>
+          <a:schemeClr val="tx1"/>
+        </a:solidFill>
+        <a:latin typeface="+mn-lt"/>
+        <a:ea typeface="+mn-ea"/>
+        <a:cs typeface="+mn-cs"/>
+      </a:defRPr>
+    </a:lvl3pPr>
+    <a:lvl4pPr marL="1371600" algn="l" defTabSz="914400" rtl="0" eaLnBrk="1" latinLnBrk="0" hangingPunct="1">
+      <a:defRPr sz="1200" kern="1200">
+        <a:solidFill>
+          <a:schemeClr val="tx1"/>
+        </a:solidFill>
+        <a:latin typeface="+mn-lt"/>
+        <a:ea typeface="+mn-ea"/>
+        <a:cs typeface="+mn-cs"/>
+      </a:defRPr>
+    </a:lvl4pPr>
+    <a:lvl5pPr marL="1828800" algn="l" defTabSz="914400" rtl="0" eaLnBrk="1" latinLnBrk="0" hangingPunct="1">
+      <a:defRPr sz="1200" kern="1200">
+        <a:solidFill>
+          <a:schemeClr val="tx1"/>
+        </a:solidFill>
+        <a:latin typeface="+mn-lt"/>
+        <a:ea typeface="+mn-ea"/>
+        <a:cs typeface="+mn-cs"/>
+      </a:defRPr>
+    </a:lvl5pPr>
+    <a:lvl6pPr marL="2286000" algn="l" defTabSz="914400" rtl="0" eaLnBrk="1" latinLnBrk="0" hangingPunct="1">
+      <a:defRPr sz="1200" kern="1200">
+        <a:solidFill>
+          <a:schemeClr val="tx1"/>
+        </a:solidFill>
+        <a:latin typeface="+mn-lt"/>
+        <a:ea typeface="+mn-ea"/>
+        <a:cs typeface="+mn-cs"/>
+      </a:defRPr>
+    </a:lvl6pPr>
+    <a:lvl7pPr marL="2743200" algn="l" defTabSz="914400" rtl="0" eaLnBrk="1" latinLnBrk="0" hangingPunct="1">
+      <a:defRPr sz="1200" kern="1200">
+        <a:solidFill>
+          <a:schemeClr val="tx1"/>
+        </a:solidFill>
+        <a:latin typeface="+mn-lt"/>
+        <a:ea typeface="+mn-ea"/>
+        <a:cs typeface="+mn-cs"/>
+      </a:defRPr>
+    </a:lvl7pPr>
+    <a:lvl8pPr marL="3200400" algn="l" defTabSz="914400" rtl="0" eaLnBrk="1" latinLnBrk="0" hangingPunct="1">
+      <a:defRPr sz="1200" kern="1200">
+        <a:solidFill>
+          <a:schemeClr val="tx1"/>
+        </a:solidFill>
+        <a:latin typeface="+mn-lt"/>
+        <a:ea typeface="+mn-ea"/>
+        <a:cs typeface="+mn-cs"/>
+      </a:defRPr>
+    </a:lvl8pPr>
+    <a:lvl9pPr marL="3657600" algn="l" defTabSz="914400" rtl="0" eaLnBrk="1" latinLnBrk="0" hangingPunct="1">
+      <a:defRPr sz="1200" kern="1200">
+        <a:solidFill>
+          <a:schemeClr val="tx1"/>
+        </a:solidFill>
+        <a:latin typeface="+mn-lt"/>
+        <a:ea typeface="+mn-ea"/>
+        <a:cs typeface="+mn-cs"/>
+      </a:defRPr>
+    </a:lvl9pPr>
+  </p:notesStyle>
+</p:notesMaster>
+</file>
+
+<file path=ppt/notesSlides/notesSlide1.xml><?xml version="1.0" encoding="utf-8"?>
+<p:notes xmlns:a="http://schemas.openxmlformats.org/drawingml/2006/main" xmlns:r="http://schemas.openxmlformats.org/officeDocument/2006/relationships" xmlns:p="http://schemas.openxmlformats.org/presentationml/2006/main">
+  <p:cSld>
+    <p:spTree>
+      <p:nvGrpSpPr>
+        <p:cNvPr id="1" name=""/>
+        <p:cNvGrpSpPr/>
+        <p:nvPr/>
+      </p:nvGrpSpPr>
+      <p:grpSpPr>
+        <a:xfrm>
+          <a:off x="0" y="0"/>
+          <a:ext cx="0" cy="0"/>
+          <a:chOff x="0" y="0"/>
+          <a:chExt cx="0" cy="0"/>
+        </a:xfrm>
+      </p:grpSpPr>
+      <p:sp>
+        <p:nvSpPr>
+          <p:cNvPr id="2" name="Slide Image Placeholder 1"/>
+          <p:cNvSpPr>
+            <a:spLocks noGrp="1" noRot="1" noChangeAspect="1"/>
+          </p:cNvSpPr>
+          <p:nvPr>
+            <p:ph type="sldImg"/>
+          </p:nvPr>
+        </p:nvSpPr>
+        <p:spPr/>
+      </p:sp>
+      <p:sp>
+        <p:nvSpPr>
+          <p:cNvPr id="3" name="Notes Placeholder 2"/>
+          <p:cNvSpPr>
+            <a:spLocks noGrp="1"/>
+          </p:cNvSpPr>
+          <p:nvPr>
+            <p:ph type="body" idx="1"/>
+          </p:nvPr>
+        </p:nvSpPr>
+        <p:spPr/>
+        <p:txBody>
+          <a:bodyPr/>
+          <a:lstStyle/>
+          <a:p>
+            <a:endParaRPr lang="fa-IR" dirty="0"/>
+          </a:p>
+        </p:txBody>
+      </p:sp>
+      <p:sp>
+        <p:nvSpPr>
+          <p:cNvPr id="4" name="Slide Number Placeholder 3"/>
+          <p:cNvSpPr>
+            <a:spLocks noGrp="1"/>
+          </p:cNvSpPr>
+          <p:nvPr>
+            <p:ph type="sldNum" sz="quarter" idx="5"/>
+          </p:nvPr>
+        </p:nvSpPr>
+        <p:spPr/>
+        <p:txBody>
+          <a:bodyPr/>
+          <a:lstStyle/>
+          <a:p>
+            <a:fld id="{B1A1FC86-6D43-4743-9C66-42764E3FFE4E}" type="slidenum">
+              <a:rPr lang="fa-IR" smtClean="0"/>
+              <a:t>6</a:t>
+            </a:fld>
+            <a:endParaRPr lang="fa-IR"/>
+          </a:p>
+        </p:txBody>
+      </p:sp>
+    </p:spTree>
+    <p:extLst>
+      <p:ext uri="{BB962C8B-B14F-4D97-AF65-F5344CB8AC3E}">
+        <p14:creationId xmlns:p14="http://schemas.microsoft.com/office/powerpoint/2010/main" val="851503168"/>
+      </p:ext>
+    </p:extLst>
+  </p:cSld>
+  <p:clrMapOvr>
+    <a:masterClrMapping/>
+  </p:clrMapOvr>
+</p:notes>
 </file>
 
 <file path=ppt/slideLayouts/slideLayout1.xml><?xml version="1.0" encoding="utf-8"?>
@@ -4699,16 +5136,19 @@
         </p:nvSpPr>
         <p:spPr>
           <a:xfrm>
-            <a:off x="3118358" y="3468255"/>
-            <a:ext cx="8525434" cy="617632"/>
+            <a:off x="3054285" y="3697326"/>
+            <a:ext cx="8485810" cy="617632"/>
           </a:xfrm>
           <a:prstGeom prst="rect">
             <a:avLst/>
           </a:prstGeom>
+          <a:solidFill>
+            <a:schemeClr val="bg1"/>
+          </a:solidFill>
         </p:spPr>
         <p:txBody>
           <a:bodyPr vert="horz" lIns="91440" tIns="45720" rIns="91440" bIns="45720" rtlCol="0" anchor="b">
-            <a:normAutofit fontScale="55000" lnSpcReduction="20000"/>
+            <a:normAutofit fontScale="92500"/>
           </a:bodyPr>
           <a:lstStyle>
             <a:lvl1pPr algn="ctr" defTabSz="914400" rtl="0" eaLnBrk="1" latinLnBrk="0" hangingPunct="1">
@@ -4732,37 +5172,130 @@
           <a:p>
             <a:pPr rtl="1"/>
             <a:r>
-              <a:rPr lang="fa-IR" b="1" dirty="0">
-                <a:solidFill>
-                  <a:schemeClr val="accent1">
-                    <a:lumMod val="50000"/>
-                  </a:schemeClr>
-                </a:solidFill>
-                <a:cs typeface="B Nazanin" panose="00000400000000000000" pitchFamily="2" charset="-78"/>
-              </a:rPr>
-              <a:t>تقویت مدل زبانی بزرگ (</a:t>
-            </a:r>
-            <a:r>
-              <a:rPr lang="en-US" b="1" dirty="0">
-                <a:solidFill>
-                  <a:schemeClr val="accent1">
-                    <a:lumMod val="50000"/>
-                  </a:schemeClr>
-                </a:solidFill>
+              <a:rPr lang="fa-IR" sz="3200" b="1" dirty="0">
+                <a:gradFill flip="none" rotWithShape="1">
+                  <a:gsLst>
+                    <a:gs pos="0">
+                      <a:schemeClr val="accent1">
+                        <a:lumMod val="89000"/>
+                      </a:schemeClr>
+                    </a:gs>
+                    <a:gs pos="23000">
+                      <a:schemeClr val="accent1">
+                        <a:lumMod val="89000"/>
+                      </a:schemeClr>
+                    </a:gs>
+                    <a:gs pos="69000">
+                      <a:schemeClr val="accent1">
+                        <a:lumMod val="75000"/>
+                      </a:schemeClr>
+                    </a:gs>
+                    <a:gs pos="97000">
+                      <a:schemeClr val="accent1">
+                        <a:lumMod val="70000"/>
+                      </a:schemeClr>
+                    </a:gs>
+                  </a:gsLst>
+                  <a:path path="circle">
+                    <a:fillToRect l="50000" t="50000" r="50000" b="50000"/>
+                  </a:path>
+                  <a:tileRect/>
+                </a:gradFill>
+                <a:effectLst>
+                  <a:glow>
+                    <a:schemeClr val="accent5">
+                      <a:satMod val="175000"/>
+                      <a:alpha val="40000"/>
+                    </a:schemeClr>
+                  </a:glow>
+                </a:effectLst>
+                <a:cs typeface="B Nazanin" panose="00000400000000000000" pitchFamily="2" charset="-78"/>
+              </a:rPr>
+              <a:t>تقویت پاسخ مدل زبانی بزرگ (</a:t>
+            </a:r>
+            <a:r>
+              <a:rPr lang="en-US" sz="3200" b="1" dirty="0">
+                <a:gradFill flip="none" rotWithShape="1">
+                  <a:gsLst>
+                    <a:gs pos="0">
+                      <a:schemeClr val="accent1">
+                        <a:lumMod val="89000"/>
+                      </a:schemeClr>
+                    </a:gs>
+                    <a:gs pos="23000">
+                      <a:schemeClr val="accent1">
+                        <a:lumMod val="89000"/>
+                      </a:schemeClr>
+                    </a:gs>
+                    <a:gs pos="69000">
+                      <a:schemeClr val="accent1">
+                        <a:lumMod val="75000"/>
+                      </a:schemeClr>
+                    </a:gs>
+                    <a:gs pos="97000">
+                      <a:schemeClr val="accent1">
+                        <a:lumMod val="70000"/>
+                      </a:schemeClr>
+                    </a:gs>
+                  </a:gsLst>
+                  <a:path path="circle">
+                    <a:fillToRect l="50000" t="50000" r="50000" b="50000"/>
+                  </a:path>
+                  <a:tileRect/>
+                </a:gradFill>
+                <a:effectLst>
+                  <a:glow>
+                    <a:schemeClr val="accent5">
+                      <a:satMod val="175000"/>
+                      <a:alpha val="40000"/>
+                    </a:schemeClr>
+                  </a:glow>
+                </a:effectLst>
                 <a:latin typeface="+mn-lt"/>
               </a:rPr>
               <a:t>LLM</a:t>
             </a:r>
             <a:r>
-              <a:rPr lang="fa-IR" b="1" dirty="0">
-                <a:solidFill>
-                  <a:schemeClr val="accent1">
-                    <a:lumMod val="50000"/>
-                  </a:schemeClr>
-                </a:solidFill>
-                <a:cs typeface="B Nazanin" panose="00000400000000000000" pitchFamily="2" charset="-78"/>
-              </a:rPr>
-              <a:t>) با دانش و اطلاعات افزوده</a:t>
+              <a:rPr lang="fa-IR" sz="3200" b="1" dirty="0">
+                <a:gradFill flip="none" rotWithShape="1">
+                  <a:gsLst>
+                    <a:gs pos="0">
+                      <a:schemeClr val="accent1">
+                        <a:lumMod val="89000"/>
+                      </a:schemeClr>
+                    </a:gs>
+                    <a:gs pos="23000">
+                      <a:schemeClr val="accent1">
+                        <a:lumMod val="89000"/>
+                      </a:schemeClr>
+                    </a:gs>
+                    <a:gs pos="69000">
+                      <a:schemeClr val="accent1">
+                        <a:lumMod val="75000"/>
+                      </a:schemeClr>
+                    </a:gs>
+                    <a:gs pos="97000">
+                      <a:schemeClr val="accent1">
+                        <a:lumMod val="70000"/>
+                      </a:schemeClr>
+                    </a:gs>
+                  </a:gsLst>
+                  <a:path path="circle">
+                    <a:fillToRect l="50000" t="50000" r="50000" b="50000"/>
+                  </a:path>
+                  <a:tileRect/>
+                </a:gradFill>
+                <a:effectLst>
+                  <a:glow>
+                    <a:schemeClr val="accent5">
+                      <a:satMod val="175000"/>
+                      <a:alpha val="40000"/>
+                    </a:schemeClr>
+                  </a:glow>
+                </a:effectLst>
+                <a:cs typeface="B Nazanin" panose="00000400000000000000" pitchFamily="2" charset="-78"/>
+              </a:rPr>
+              <a:t>) با افزودن دانش و اطلاعات </a:t>
             </a:r>
           </a:p>
         </p:txBody>
@@ -4781,7 +5314,7 @@
         </p:nvSpPr>
         <p:spPr>
           <a:xfrm>
-            <a:off x="5558117" y="207910"/>
+            <a:off x="5605251" y="189056"/>
             <a:ext cx="1075765" cy="369332"/>
           </a:xfrm>
           <a:prstGeom prst="rect">
@@ -4797,23 +5330,123 @@
           <a:p>
             <a:r>
               <a:rPr lang="fa-IR" sz="1600" b="1" dirty="0" err="1">
+                <a:ln w="6350" cmpd="sng">
+                  <a:noFill/>
+                  <a:prstDash val="solid"/>
+                  <a:round/>
+                </a:ln>
+                <a:gradFill flip="none" rotWithShape="1">
+                  <a:gsLst>
+                    <a:gs pos="0">
+                      <a:srgbClr val="002060"/>
+                    </a:gs>
+                    <a:gs pos="48000">
+                      <a:schemeClr val="accent1">
+                        <a:lumMod val="75000"/>
+                      </a:schemeClr>
+                    </a:gs>
+                    <a:gs pos="100000">
+                      <a:schemeClr val="accent1">
+                        <a:lumMod val="60000"/>
+                        <a:lumOff val="40000"/>
+                      </a:schemeClr>
+                    </a:gs>
+                  </a:gsLst>
+                  <a:lin ang="16200000" scaled="1"/>
+                  <a:tileRect/>
+                </a:gradFill>
                 <a:cs typeface="B Nazanin" panose="00000400000000000000" pitchFamily="2" charset="-78"/>
               </a:rPr>
               <a:t>بسمه</a:t>
             </a:r>
             <a:r>
               <a:rPr lang="fa-IR" sz="1600" b="1" dirty="0">
+                <a:ln w="6350" cmpd="sng">
+                  <a:noFill/>
+                  <a:prstDash val="solid"/>
+                  <a:round/>
+                </a:ln>
+                <a:gradFill flip="none" rotWithShape="1">
+                  <a:gsLst>
+                    <a:gs pos="0">
+                      <a:srgbClr val="002060"/>
+                    </a:gs>
+                    <a:gs pos="48000">
+                      <a:schemeClr val="accent1">
+                        <a:lumMod val="75000"/>
+                      </a:schemeClr>
+                    </a:gs>
+                    <a:gs pos="100000">
+                      <a:schemeClr val="accent1">
+                        <a:lumMod val="60000"/>
+                        <a:lumOff val="40000"/>
+                      </a:schemeClr>
+                    </a:gs>
+                  </a:gsLst>
+                  <a:lin ang="16200000" scaled="1"/>
+                  <a:tileRect/>
+                </a:gradFill>
                 <a:cs typeface="B Nazanin" panose="00000400000000000000" pitchFamily="2" charset="-78"/>
               </a:rPr>
               <a:t> </a:t>
             </a:r>
             <a:r>
               <a:rPr lang="fa-IR" b="1" dirty="0">
+                <a:ln w="6350" cmpd="sng">
+                  <a:noFill/>
+                  <a:prstDash val="solid"/>
+                  <a:round/>
+                </a:ln>
+                <a:gradFill flip="none" rotWithShape="1">
+                  <a:gsLst>
+                    <a:gs pos="0">
+                      <a:srgbClr val="002060"/>
+                    </a:gs>
+                    <a:gs pos="48000">
+                      <a:schemeClr val="accent1">
+                        <a:lumMod val="75000"/>
+                      </a:schemeClr>
+                    </a:gs>
+                    <a:gs pos="100000">
+                      <a:schemeClr val="accent1">
+                        <a:lumMod val="60000"/>
+                        <a:lumOff val="40000"/>
+                      </a:schemeClr>
+                    </a:gs>
+                  </a:gsLst>
+                  <a:lin ang="16200000" scaled="1"/>
+                  <a:tileRect/>
+                </a:gradFill>
                 <a:cs typeface="B Nazanin" panose="00000400000000000000" pitchFamily="2" charset="-78"/>
               </a:rPr>
               <a:t>تعالی</a:t>
             </a:r>
             <a:endParaRPr lang="fa-IR" sz="1600" b="1" dirty="0">
+              <a:ln w="6350" cmpd="sng">
+                <a:noFill/>
+                <a:prstDash val="solid"/>
+                <a:round/>
+              </a:ln>
+              <a:gradFill flip="none" rotWithShape="1">
+                <a:gsLst>
+                  <a:gs pos="0">
+                    <a:srgbClr val="002060"/>
+                  </a:gs>
+                  <a:gs pos="48000">
+                    <a:schemeClr val="accent1">
+                      <a:lumMod val="75000"/>
+                    </a:schemeClr>
+                  </a:gs>
+                  <a:gs pos="100000">
+                    <a:schemeClr val="accent1">
+                      <a:lumMod val="60000"/>
+                      <a:lumOff val="40000"/>
+                    </a:schemeClr>
+                  </a:gs>
+                </a:gsLst>
+                <a:lin ang="16200000" scaled="1"/>
+                <a:tileRect/>
+              </a:gradFill>
               <a:cs typeface="B Nazanin" panose="00000400000000000000" pitchFamily="2" charset="-78"/>
             </a:endParaRPr>
           </a:p>
@@ -4835,7 +5468,7 @@
         </p:nvSpPr>
         <p:spPr>
           <a:xfrm>
-            <a:off x="838199" y="2373207"/>
+            <a:off x="885334" y="2332587"/>
             <a:ext cx="10515600" cy="444314"/>
           </a:xfrm>
           <a:prstGeom prst="rect">
@@ -4867,7 +5500,7 @@
           </a:lstStyle>
           <a:p>
             <a:r>
-              <a:rPr lang="en-US" dirty="0">
+              <a:rPr lang="en-US" sz="3800" b="1" dirty="0">
                 <a:solidFill>
                   <a:srgbClr val="4B4F58"/>
                 </a:solidFill>
@@ -4875,7 +5508,7 @@
               </a:rPr>
               <a:t>Retrieval-Augmented Generation</a:t>
             </a:r>
-            <a:endParaRPr lang="fa-IR" dirty="0">
+            <a:endParaRPr lang="fa-IR" sz="3800" b="1" dirty="0">
               <a:latin typeface="Arial Black" panose="020B0A04020102020204" pitchFamily="34" charset="0"/>
             </a:endParaRPr>
           </a:p>
@@ -6638,6 +7271,973 @@
 </file>
 
 <file path=ppt/slides/slide6.xml><?xml version="1.0" encoding="utf-8"?>
+<p:sld xmlns:a="http://schemas.openxmlformats.org/drawingml/2006/main" xmlns:r="http://schemas.openxmlformats.org/officeDocument/2006/relationships" xmlns:p="http://schemas.openxmlformats.org/presentationml/2006/main">
+  <p:cSld>
+    <p:spTree>
+      <p:nvGrpSpPr>
+        <p:cNvPr id="1" name=""/>
+        <p:cNvGrpSpPr/>
+        <p:nvPr/>
+      </p:nvGrpSpPr>
+      <p:grpSpPr>
+        <a:xfrm>
+          <a:off x="0" y="0"/>
+          <a:ext cx="0" cy="0"/>
+          <a:chOff x="0" y="0"/>
+          <a:chExt cx="0" cy="0"/>
+        </a:xfrm>
+      </p:grpSpPr>
+      <p:sp>
+        <p:nvSpPr>
+          <p:cNvPr id="4" name="Oval 3">
+            <a:extLst>
+              <a:ext uri="{FF2B5EF4-FFF2-40B4-BE49-F238E27FC236}">
+                <a16:creationId xmlns:a16="http://schemas.microsoft.com/office/drawing/2014/main" id="{D14C018E-445C-BBD5-46C0-7C13A31E8215}"/>
+              </a:ext>
+            </a:extLst>
+          </p:cNvPr>
+          <p:cNvSpPr/>
+          <p:nvPr/>
+        </p:nvSpPr>
+        <p:spPr>
+          <a:xfrm>
+            <a:off x="9773029" y="2141495"/>
+            <a:ext cx="1539189" cy="1443317"/>
+          </a:xfrm>
+          <a:prstGeom prst="ellipse">
+            <a:avLst/>
+          </a:prstGeom>
+          <a:solidFill>
+            <a:srgbClr val="DFAAF4"/>
+          </a:solidFill>
+          <a:ln>
+            <a:solidFill>
+              <a:schemeClr val="bg1"/>
+            </a:solidFill>
+          </a:ln>
+        </p:spPr>
+        <p:style>
+          <a:lnRef idx="2">
+            <a:schemeClr val="accent6">
+              <a:shade val="15000"/>
+            </a:schemeClr>
+          </a:lnRef>
+          <a:fillRef idx="1">
+            <a:schemeClr val="accent6"/>
+          </a:fillRef>
+          <a:effectRef idx="0">
+            <a:schemeClr val="accent6"/>
+          </a:effectRef>
+          <a:fontRef idx="minor">
+            <a:schemeClr val="lt1"/>
+          </a:fontRef>
+        </p:style>
+        <p:txBody>
+          <a:bodyPr rtlCol="1" anchor="ctr"/>
+          <a:lstStyle/>
+          <a:p>
+            <a:pPr algn="ctr"/>
+            <a:r>
+              <a:rPr lang="fa-IR" sz="2600" b="1" dirty="0">
+                <a:solidFill>
+                  <a:schemeClr val="tx1"/>
+                </a:solidFill>
+                <a:cs typeface="B Nazanin" panose="00000400000000000000" pitchFamily="2" charset="-78"/>
+              </a:rPr>
+              <a:t>پاسخ</a:t>
+            </a:r>
+          </a:p>
+        </p:txBody>
+      </p:sp>
+      <p:sp>
+        <p:nvSpPr>
+          <p:cNvPr id="7" name="Rectangle: Top Corners Snipped 6">
+            <a:extLst>
+              <a:ext uri="{FF2B5EF4-FFF2-40B4-BE49-F238E27FC236}">
+                <a16:creationId xmlns:a16="http://schemas.microsoft.com/office/drawing/2014/main" id="{6C7FD831-AF60-FFC2-5B6E-982A9415CFDF}"/>
+              </a:ext>
+            </a:extLst>
+          </p:cNvPr>
+          <p:cNvSpPr/>
+          <p:nvPr/>
+        </p:nvSpPr>
+        <p:spPr>
+          <a:xfrm>
+            <a:off x="4181809" y="4495739"/>
+            <a:ext cx="2010742" cy="1296411"/>
+          </a:xfrm>
+          <a:prstGeom prst="snip2SameRect">
+            <a:avLst/>
+          </a:prstGeom>
+          <a:solidFill>
+            <a:schemeClr val="accent1">
+              <a:lumMod val="50000"/>
+            </a:schemeClr>
+          </a:solidFill>
+        </p:spPr>
+        <p:style>
+          <a:lnRef idx="2">
+            <a:schemeClr val="accent1">
+              <a:shade val="15000"/>
+            </a:schemeClr>
+          </a:lnRef>
+          <a:fillRef idx="1">
+            <a:schemeClr val="accent1"/>
+          </a:fillRef>
+          <a:effectRef idx="0">
+            <a:schemeClr val="accent1"/>
+          </a:effectRef>
+          <a:fontRef idx="minor">
+            <a:schemeClr val="lt1"/>
+          </a:fontRef>
+        </p:style>
+        <p:txBody>
+          <a:bodyPr rtlCol="1" anchor="ctr"/>
+          <a:lstStyle/>
+          <a:p>
+            <a:pPr algn="ctr"/>
+            <a:r>
+              <a:rPr lang="fa-IR" sz="2000" b="1" dirty="0">
+                <a:cs typeface="B Nazanin" panose="00000400000000000000" pitchFamily="2" charset="-78"/>
+              </a:rPr>
+              <a:t>پایگاه داده برداری</a:t>
+            </a:r>
+          </a:p>
+          <a:p>
+            <a:pPr algn="ctr"/>
+            <a:endParaRPr lang="fa-IR" sz="2000" b="1" dirty="0">
+              <a:cs typeface="B Nazanin" panose="00000400000000000000" pitchFamily="2" charset="-78"/>
+            </a:endParaRPr>
+          </a:p>
+          <a:p>
+            <a:pPr algn="ctr"/>
+            <a:r>
+              <a:rPr lang="en-US" dirty="0"/>
+              <a:t>Vector Database</a:t>
+            </a:r>
+            <a:endParaRPr lang="fa-IR" dirty="0"/>
+          </a:p>
+        </p:txBody>
+      </p:sp>
+      <p:sp>
+        <p:nvSpPr>
+          <p:cNvPr id="19" name="Arrow: Right 18">
+            <a:extLst>
+              <a:ext uri="{FF2B5EF4-FFF2-40B4-BE49-F238E27FC236}">
+                <a16:creationId xmlns:a16="http://schemas.microsoft.com/office/drawing/2014/main" id="{51FC2D48-6718-497F-AA64-B0CBCFDDAB23}"/>
+              </a:ext>
+            </a:extLst>
+          </p:cNvPr>
+          <p:cNvSpPr/>
+          <p:nvPr/>
+        </p:nvSpPr>
+        <p:spPr>
+          <a:xfrm rot="3620871">
+            <a:off x="1224599" y="3857868"/>
+            <a:ext cx="1454918" cy="337487"/>
+          </a:xfrm>
+          <a:prstGeom prst="rightArrow">
+            <a:avLst/>
+          </a:prstGeom>
+          <a:solidFill>
+            <a:schemeClr val="accent4">
+              <a:lumMod val="75000"/>
+            </a:schemeClr>
+          </a:solidFill>
+          <a:ln>
+            <a:solidFill>
+              <a:schemeClr val="bg1"/>
+            </a:solidFill>
+          </a:ln>
+        </p:spPr>
+        <p:style>
+          <a:lnRef idx="2">
+            <a:schemeClr val="accent1">
+              <a:shade val="15000"/>
+            </a:schemeClr>
+          </a:lnRef>
+          <a:fillRef idx="1">
+            <a:schemeClr val="accent1"/>
+          </a:fillRef>
+          <a:effectRef idx="0">
+            <a:schemeClr val="accent1"/>
+          </a:effectRef>
+          <a:fontRef idx="minor">
+            <a:schemeClr val="lt1"/>
+          </a:fontRef>
+        </p:style>
+        <p:txBody>
+          <a:bodyPr rtlCol="1" anchor="ctr"/>
+          <a:lstStyle/>
+          <a:p>
+            <a:pPr algn="ctr"/>
+            <a:endParaRPr lang="fa-IR"/>
+          </a:p>
+        </p:txBody>
+      </p:sp>
+      <p:sp>
+        <p:nvSpPr>
+          <p:cNvPr id="20" name="Rectangle: Rounded Corners 19">
+            <a:extLst>
+              <a:ext uri="{FF2B5EF4-FFF2-40B4-BE49-F238E27FC236}">
+                <a16:creationId xmlns:a16="http://schemas.microsoft.com/office/drawing/2014/main" id="{9227C395-9A62-0269-D519-C715B5C3AFE2}"/>
+              </a:ext>
+            </a:extLst>
+          </p:cNvPr>
+          <p:cNvSpPr/>
+          <p:nvPr/>
+        </p:nvSpPr>
+        <p:spPr>
+          <a:xfrm>
+            <a:off x="1181263" y="4656999"/>
+            <a:ext cx="2216879" cy="1180831"/>
+          </a:xfrm>
+          <a:prstGeom prst="roundRect">
+            <a:avLst/>
+          </a:prstGeom>
+          <a:solidFill>
+            <a:srgbClr val="008EC0"/>
+          </a:solidFill>
+        </p:spPr>
+        <p:style>
+          <a:lnRef idx="2">
+            <a:schemeClr val="accent1">
+              <a:shade val="15000"/>
+            </a:schemeClr>
+          </a:lnRef>
+          <a:fillRef idx="1">
+            <a:schemeClr val="accent1"/>
+          </a:fillRef>
+          <a:effectRef idx="0">
+            <a:schemeClr val="accent1"/>
+          </a:effectRef>
+          <a:fontRef idx="minor">
+            <a:schemeClr val="lt1"/>
+          </a:fontRef>
+        </p:style>
+        <p:txBody>
+          <a:bodyPr rtlCol="1" anchor="ctr"/>
+          <a:lstStyle/>
+          <a:p>
+            <a:pPr algn="ctr"/>
+            <a:r>
+              <a:rPr lang="fa-IR" b="1" dirty="0">
+                <a:cs typeface="B Nazanin" panose="00000400000000000000" pitchFamily="2" charset="-78"/>
+              </a:rPr>
+              <a:t>مدل مبدل معنا به بردار </a:t>
+            </a:r>
+            <a:endParaRPr lang="en-US" b="1" dirty="0">
+              <a:cs typeface="B Nazanin" panose="00000400000000000000" pitchFamily="2" charset="-78"/>
+            </a:endParaRPr>
+          </a:p>
+          <a:p>
+            <a:pPr algn="ctr"/>
+            <a:endParaRPr lang="en-US" dirty="0"/>
+          </a:p>
+          <a:p>
+            <a:pPr algn="ctr"/>
+            <a:r>
+              <a:rPr lang="en-US" dirty="0"/>
+              <a:t>Embedding model</a:t>
+            </a:r>
+            <a:endParaRPr lang="fa-IR" dirty="0"/>
+          </a:p>
+        </p:txBody>
+      </p:sp>
+      <p:grpSp>
+        <p:nvGrpSpPr>
+          <p:cNvPr id="29" name="Group 28">
+            <a:extLst>
+              <a:ext uri="{FF2B5EF4-FFF2-40B4-BE49-F238E27FC236}">
+                <a16:creationId xmlns:a16="http://schemas.microsoft.com/office/drawing/2014/main" id="{B8C538AB-8859-E96F-61C4-C95ABE1E7F37}"/>
+              </a:ext>
+            </a:extLst>
+          </p:cNvPr>
+          <p:cNvGrpSpPr/>
+          <p:nvPr/>
+        </p:nvGrpSpPr>
+        <p:grpSpPr>
+          <a:xfrm>
+            <a:off x="4381921" y="2278212"/>
+            <a:ext cx="1748950" cy="1544468"/>
+            <a:chOff x="5554862" y="2758085"/>
+            <a:chExt cx="1586831" cy="1350815"/>
+          </a:xfrm>
+        </p:grpSpPr>
+        <p:sp>
+          <p:nvSpPr>
+            <p:cNvPr id="26" name="Rectangle 25">
+              <a:extLst>
+                <a:ext uri="{FF2B5EF4-FFF2-40B4-BE49-F238E27FC236}">
+                  <a16:creationId xmlns:a16="http://schemas.microsoft.com/office/drawing/2014/main" id="{972FDC58-394B-674D-35EA-88F52172055C}"/>
+                </a:ext>
+              </a:extLst>
+            </p:cNvPr>
+            <p:cNvSpPr/>
+            <p:nvPr/>
+          </p:nvSpPr>
+          <p:spPr>
+            <a:xfrm>
+              <a:off x="5771104" y="2758085"/>
+              <a:ext cx="1370589" cy="1029494"/>
+            </a:xfrm>
+            <a:prstGeom prst="rect">
+              <a:avLst/>
+            </a:prstGeom>
+            <a:solidFill>
+              <a:schemeClr val="accent1">
+                <a:lumMod val="50000"/>
+              </a:schemeClr>
+            </a:solidFill>
+            <a:ln>
+              <a:solidFill>
+                <a:schemeClr val="accent1">
+                  <a:lumMod val="60000"/>
+                  <a:lumOff val="40000"/>
+                </a:schemeClr>
+              </a:solidFill>
+            </a:ln>
+          </p:spPr>
+          <p:style>
+            <a:lnRef idx="2">
+              <a:schemeClr val="accent1">
+                <a:shade val="15000"/>
+              </a:schemeClr>
+            </a:lnRef>
+            <a:fillRef idx="1">
+              <a:schemeClr val="accent1"/>
+            </a:fillRef>
+            <a:effectRef idx="0">
+              <a:schemeClr val="accent1"/>
+            </a:effectRef>
+            <a:fontRef idx="minor">
+              <a:schemeClr val="lt1"/>
+            </a:fontRef>
+          </p:style>
+          <p:txBody>
+            <a:bodyPr rtlCol="1" anchor="ctr"/>
+            <a:lstStyle/>
+            <a:p>
+              <a:pPr algn="ctr"/>
+              <a:endParaRPr lang="fa-IR"/>
+            </a:p>
+          </p:txBody>
+        </p:sp>
+        <p:sp>
+          <p:nvSpPr>
+            <p:cNvPr id="27" name="Rectangle 26">
+              <a:extLst>
+                <a:ext uri="{FF2B5EF4-FFF2-40B4-BE49-F238E27FC236}">
+                  <a16:creationId xmlns:a16="http://schemas.microsoft.com/office/drawing/2014/main" id="{9468D31C-E7A4-2243-153E-2D9831D1AD59}"/>
+                </a:ext>
+              </a:extLst>
+            </p:cNvPr>
+            <p:cNvSpPr/>
+            <p:nvPr/>
+          </p:nvSpPr>
+          <p:spPr>
+            <a:xfrm>
+              <a:off x="5667837" y="2871363"/>
+              <a:ext cx="1370589" cy="1029494"/>
+            </a:xfrm>
+            <a:prstGeom prst="rect">
+              <a:avLst/>
+            </a:prstGeom>
+            <a:solidFill>
+              <a:schemeClr val="accent1">
+                <a:lumMod val="75000"/>
+              </a:schemeClr>
+            </a:solidFill>
+            <a:ln>
+              <a:solidFill>
+                <a:schemeClr val="accent1">
+                  <a:lumMod val="60000"/>
+                  <a:lumOff val="40000"/>
+                </a:schemeClr>
+              </a:solidFill>
+            </a:ln>
+          </p:spPr>
+          <p:style>
+            <a:lnRef idx="2">
+              <a:schemeClr val="accent1">
+                <a:shade val="15000"/>
+              </a:schemeClr>
+            </a:lnRef>
+            <a:fillRef idx="1">
+              <a:schemeClr val="accent1"/>
+            </a:fillRef>
+            <a:effectRef idx="0">
+              <a:schemeClr val="accent1"/>
+            </a:effectRef>
+            <a:fontRef idx="minor">
+              <a:schemeClr val="lt1"/>
+            </a:fontRef>
+          </p:style>
+          <p:txBody>
+            <a:bodyPr rtlCol="1" anchor="ctr"/>
+            <a:lstStyle/>
+            <a:p>
+              <a:pPr algn="ctr"/>
+              <a:endParaRPr lang="fa-IR"/>
+            </a:p>
+          </p:txBody>
+        </p:sp>
+        <p:sp>
+          <p:nvSpPr>
+            <p:cNvPr id="28" name="Rectangle 27">
+              <a:extLst>
+                <a:ext uri="{FF2B5EF4-FFF2-40B4-BE49-F238E27FC236}">
+                  <a16:creationId xmlns:a16="http://schemas.microsoft.com/office/drawing/2014/main" id="{D0E21A20-FC60-B3F4-E52D-434BC2487277}"/>
+                </a:ext>
+              </a:extLst>
+            </p:cNvPr>
+            <p:cNvSpPr/>
+            <p:nvPr/>
+          </p:nvSpPr>
+          <p:spPr>
+            <a:xfrm>
+              <a:off x="5554862" y="2985133"/>
+              <a:ext cx="1370589" cy="1123767"/>
+            </a:xfrm>
+            <a:prstGeom prst="rect">
+              <a:avLst/>
+            </a:prstGeom>
+            <a:ln>
+              <a:solidFill>
+                <a:schemeClr val="accent1">
+                  <a:lumMod val="60000"/>
+                  <a:lumOff val="40000"/>
+                </a:schemeClr>
+              </a:solidFill>
+            </a:ln>
+          </p:spPr>
+          <p:style>
+            <a:lnRef idx="2">
+              <a:schemeClr val="accent1">
+                <a:shade val="15000"/>
+              </a:schemeClr>
+            </a:lnRef>
+            <a:fillRef idx="1">
+              <a:schemeClr val="accent1"/>
+            </a:fillRef>
+            <a:effectRef idx="0">
+              <a:schemeClr val="accent1"/>
+            </a:effectRef>
+            <a:fontRef idx="minor">
+              <a:schemeClr val="lt1"/>
+            </a:fontRef>
+          </p:style>
+          <p:txBody>
+            <a:bodyPr rtlCol="1" anchor="ctr"/>
+            <a:lstStyle/>
+            <a:p>
+              <a:pPr algn="ctr"/>
+              <a:r>
+                <a:rPr lang="fa-IR" b="1" dirty="0">
+                  <a:cs typeface="B Nazanin" panose="00000400000000000000" pitchFamily="2" charset="-78"/>
+                </a:rPr>
+                <a:t>مضامین مرتبط</a:t>
+              </a:r>
+            </a:p>
+            <a:p>
+              <a:pPr algn="ctr"/>
+              <a:endParaRPr lang="fa-IR" dirty="0"/>
+            </a:p>
+            <a:p>
+              <a:pPr algn="ctr"/>
+              <a:r>
+                <a:rPr lang="en-US" dirty="0"/>
+                <a:t>Retrieved contexts</a:t>
+              </a:r>
+              <a:endParaRPr lang="fa-IR" dirty="0"/>
+            </a:p>
+          </p:txBody>
+        </p:sp>
+      </p:grpSp>
+      <p:sp>
+        <p:nvSpPr>
+          <p:cNvPr id="35" name="Diamond 34">
+            <a:extLst>
+              <a:ext uri="{FF2B5EF4-FFF2-40B4-BE49-F238E27FC236}">
+                <a16:creationId xmlns:a16="http://schemas.microsoft.com/office/drawing/2014/main" id="{E9705E75-6B1D-8AD9-14D9-757D6948F738}"/>
+              </a:ext>
+            </a:extLst>
+          </p:cNvPr>
+          <p:cNvSpPr/>
+          <p:nvPr/>
+        </p:nvSpPr>
+        <p:spPr>
+          <a:xfrm>
+            <a:off x="6890028" y="1939614"/>
+            <a:ext cx="2142202" cy="1913593"/>
+          </a:xfrm>
+          <a:prstGeom prst="diamond">
+            <a:avLst/>
+          </a:prstGeom>
+          <a:solidFill>
+            <a:schemeClr val="accent6">
+              <a:lumMod val="60000"/>
+              <a:lumOff val="40000"/>
+            </a:schemeClr>
+          </a:solidFill>
+          <a:ln>
+            <a:solidFill>
+              <a:schemeClr val="bg1"/>
+            </a:solidFill>
+          </a:ln>
+        </p:spPr>
+        <p:style>
+          <a:lnRef idx="2">
+            <a:schemeClr val="accent1">
+              <a:shade val="15000"/>
+            </a:schemeClr>
+          </a:lnRef>
+          <a:fillRef idx="1">
+            <a:schemeClr val="accent1"/>
+          </a:fillRef>
+          <a:effectRef idx="0">
+            <a:schemeClr val="accent1"/>
+          </a:effectRef>
+          <a:fontRef idx="minor">
+            <a:schemeClr val="lt1"/>
+          </a:fontRef>
+        </p:style>
+        <p:txBody>
+          <a:bodyPr rtlCol="1" anchor="ctr"/>
+          <a:lstStyle/>
+          <a:p>
+            <a:pPr algn="ctr"/>
+            <a:endParaRPr lang="fa-IR" sz="2000" b="1" dirty="0">
+              <a:solidFill>
+                <a:schemeClr val="tx1"/>
+              </a:solidFill>
+              <a:cs typeface="B Nazanin" panose="00000400000000000000" pitchFamily="2" charset="-78"/>
+            </a:endParaRPr>
+          </a:p>
+          <a:p>
+            <a:pPr algn="ctr"/>
+            <a:r>
+              <a:rPr lang="fa-IR" sz="2000" b="1" dirty="0">
+                <a:solidFill>
+                  <a:schemeClr val="tx1"/>
+                </a:solidFill>
+                <a:cs typeface="B Nazanin" panose="00000400000000000000" pitchFamily="2" charset="-78"/>
+              </a:rPr>
+              <a:t>مدل زبانی بزرگ</a:t>
+            </a:r>
+          </a:p>
+          <a:p>
+            <a:pPr algn="ctr"/>
+            <a:r>
+              <a:rPr lang="en-US" sz="1600" b="1" dirty="0">
+                <a:solidFill>
+                  <a:schemeClr val="tx1"/>
+                </a:solidFill>
+                <a:latin typeface="Arial Black" panose="020B0A04020102020204" pitchFamily="34" charset="0"/>
+                <a:cs typeface="+mj-cs"/>
+              </a:rPr>
+              <a:t>(LLM)</a:t>
+            </a:r>
+            <a:endParaRPr lang="fa-IR" sz="1600" b="1" dirty="0">
+              <a:solidFill>
+                <a:schemeClr val="tx1"/>
+              </a:solidFill>
+              <a:latin typeface="Arial Black" panose="020B0A04020102020204" pitchFamily="34" charset="0"/>
+              <a:cs typeface="+mj-cs"/>
+            </a:endParaRPr>
+          </a:p>
+          <a:p>
+            <a:pPr algn="ctr"/>
+            <a:endParaRPr lang="fa-IR" sz="2000" b="1" dirty="0">
+              <a:solidFill>
+                <a:schemeClr val="tx1"/>
+              </a:solidFill>
+              <a:cs typeface="B Nazanin" panose="00000400000000000000" pitchFamily="2" charset="-78"/>
+            </a:endParaRPr>
+          </a:p>
+        </p:txBody>
+      </p:sp>
+      <p:sp>
+        <p:nvSpPr>
+          <p:cNvPr id="39" name="Arrow: Curved Down 38">
+            <a:extLst>
+              <a:ext uri="{FF2B5EF4-FFF2-40B4-BE49-F238E27FC236}">
+                <a16:creationId xmlns:a16="http://schemas.microsoft.com/office/drawing/2014/main" id="{3F63B1EB-BD85-DE5A-0E9B-DD512A4DDE05}"/>
+              </a:ext>
+            </a:extLst>
+          </p:cNvPr>
+          <p:cNvSpPr/>
+          <p:nvPr/>
+        </p:nvSpPr>
+        <p:spPr>
+          <a:xfrm rot="21302420">
+            <a:off x="841104" y="453210"/>
+            <a:ext cx="7300256" cy="1753890"/>
+          </a:xfrm>
+          <a:prstGeom prst="curvedDownArrow">
+            <a:avLst>
+              <a:gd name="adj1" fmla="val 9223"/>
+              <a:gd name="adj2" fmla="val 27328"/>
+              <a:gd name="adj3" fmla="val 24773"/>
+            </a:avLst>
+          </a:prstGeom>
+          <a:solidFill>
+            <a:schemeClr val="accent4">
+              <a:lumMod val="75000"/>
+            </a:schemeClr>
+          </a:solidFill>
+        </p:spPr>
+        <p:style>
+          <a:lnRef idx="2">
+            <a:schemeClr val="accent1">
+              <a:shade val="15000"/>
+            </a:schemeClr>
+          </a:lnRef>
+          <a:fillRef idx="1">
+            <a:schemeClr val="accent1"/>
+          </a:fillRef>
+          <a:effectRef idx="0">
+            <a:schemeClr val="accent1"/>
+          </a:effectRef>
+          <a:fontRef idx="minor">
+            <a:schemeClr val="lt1"/>
+          </a:fontRef>
+        </p:style>
+        <p:txBody>
+          <a:bodyPr rtlCol="1" anchor="ctr"/>
+          <a:lstStyle/>
+          <a:p>
+            <a:pPr algn="ctr"/>
+            <a:endParaRPr lang="fa-IR">
+              <a:solidFill>
+                <a:schemeClr val="tx1"/>
+              </a:solidFill>
+            </a:endParaRPr>
+          </a:p>
+        </p:txBody>
+      </p:sp>
+      <p:sp>
+        <p:nvSpPr>
+          <p:cNvPr id="30" name="Rectangle: Rounded Corners 29">
+            <a:extLst>
+              <a:ext uri="{FF2B5EF4-FFF2-40B4-BE49-F238E27FC236}">
+                <a16:creationId xmlns:a16="http://schemas.microsoft.com/office/drawing/2014/main" id="{3489D919-6574-5CE1-D5FE-EFB31CEF32CE}"/>
+              </a:ext>
+            </a:extLst>
+          </p:cNvPr>
+          <p:cNvSpPr/>
+          <p:nvPr/>
+        </p:nvSpPr>
+        <p:spPr>
+          <a:xfrm>
+            <a:off x="239950" y="2363825"/>
+            <a:ext cx="1456817" cy="1065175"/>
+          </a:xfrm>
+          <a:prstGeom prst="roundRect">
+            <a:avLst/>
+          </a:prstGeom>
+          <a:solidFill>
+            <a:schemeClr val="bg1">
+              <a:lumMod val="85000"/>
+            </a:schemeClr>
+          </a:solidFill>
+        </p:spPr>
+        <p:style>
+          <a:lnRef idx="2">
+            <a:schemeClr val="accent1">
+              <a:shade val="15000"/>
+            </a:schemeClr>
+          </a:lnRef>
+          <a:fillRef idx="1">
+            <a:schemeClr val="accent1"/>
+          </a:fillRef>
+          <a:effectRef idx="0">
+            <a:schemeClr val="accent1"/>
+          </a:effectRef>
+          <a:fontRef idx="minor">
+            <a:schemeClr val="lt1"/>
+          </a:fontRef>
+        </p:style>
+        <p:txBody>
+          <a:bodyPr rtlCol="1" anchor="ctr"/>
+          <a:lstStyle/>
+          <a:p>
+            <a:pPr algn="ctr"/>
+            <a:r>
+              <a:rPr lang="fa-IR" sz="2000" b="1" dirty="0">
+                <a:solidFill>
+                  <a:schemeClr val="tx1"/>
+                </a:solidFill>
+                <a:cs typeface="B Nazanin" panose="00000400000000000000" pitchFamily="2" charset="-78"/>
+              </a:rPr>
+              <a:t>سوال کاربر</a:t>
+            </a:r>
+          </a:p>
+          <a:p>
+            <a:pPr algn="ctr"/>
+            <a:endParaRPr lang="fa-IR" sz="2000" dirty="0">
+              <a:solidFill>
+                <a:schemeClr val="tx1"/>
+              </a:solidFill>
+              <a:cs typeface="B Nazanin" panose="00000400000000000000" pitchFamily="2" charset="-78"/>
+            </a:endParaRPr>
+          </a:p>
+          <a:p>
+            <a:pPr algn="ctr"/>
+            <a:r>
+              <a:rPr lang="en-US" sz="2000" dirty="0">
+                <a:solidFill>
+                  <a:schemeClr val="tx1"/>
+                </a:solidFill>
+              </a:rPr>
+              <a:t>User query</a:t>
+            </a:r>
+            <a:endParaRPr lang="fa-IR" sz="2000" dirty="0">
+              <a:solidFill>
+                <a:schemeClr val="tx1"/>
+              </a:solidFill>
+            </a:endParaRPr>
+          </a:p>
+        </p:txBody>
+      </p:sp>
+      <p:sp>
+        <p:nvSpPr>
+          <p:cNvPr id="40" name="Arrow: Right 39">
+            <a:extLst>
+              <a:ext uri="{FF2B5EF4-FFF2-40B4-BE49-F238E27FC236}">
+                <a16:creationId xmlns:a16="http://schemas.microsoft.com/office/drawing/2014/main" id="{9692C625-027B-5A93-F37C-56583E07D0A4}"/>
+              </a:ext>
+            </a:extLst>
+          </p:cNvPr>
+          <p:cNvSpPr/>
+          <p:nvPr/>
+        </p:nvSpPr>
+        <p:spPr>
+          <a:xfrm>
+            <a:off x="3418341" y="5039734"/>
+            <a:ext cx="743269" cy="415359"/>
+          </a:xfrm>
+          <a:prstGeom prst="rightArrow">
+            <a:avLst/>
+          </a:prstGeom>
+          <a:solidFill>
+            <a:schemeClr val="accent4">
+              <a:lumMod val="75000"/>
+            </a:schemeClr>
+          </a:solidFill>
+          <a:ln>
+            <a:solidFill>
+              <a:schemeClr val="bg1"/>
+            </a:solidFill>
+          </a:ln>
+        </p:spPr>
+        <p:style>
+          <a:lnRef idx="2">
+            <a:schemeClr val="accent1">
+              <a:shade val="15000"/>
+            </a:schemeClr>
+          </a:lnRef>
+          <a:fillRef idx="1">
+            <a:schemeClr val="accent1"/>
+          </a:fillRef>
+          <a:effectRef idx="0">
+            <a:schemeClr val="accent1"/>
+          </a:effectRef>
+          <a:fontRef idx="minor">
+            <a:schemeClr val="lt1"/>
+          </a:fontRef>
+        </p:style>
+        <p:txBody>
+          <a:bodyPr rtlCol="1" anchor="ctr"/>
+          <a:lstStyle/>
+          <a:p>
+            <a:pPr algn="ctr"/>
+            <a:endParaRPr lang="fa-IR"/>
+          </a:p>
+        </p:txBody>
+      </p:sp>
+      <p:sp>
+        <p:nvSpPr>
+          <p:cNvPr id="41" name="Arrow: Right 40">
+            <a:extLst>
+              <a:ext uri="{FF2B5EF4-FFF2-40B4-BE49-F238E27FC236}">
+                <a16:creationId xmlns:a16="http://schemas.microsoft.com/office/drawing/2014/main" id="{67F6738F-0F6E-43E3-A844-8DC6AF9A11CB}"/>
+              </a:ext>
+            </a:extLst>
+          </p:cNvPr>
+          <p:cNvSpPr/>
+          <p:nvPr/>
+        </p:nvSpPr>
+        <p:spPr>
+          <a:xfrm rot="16200000">
+            <a:off x="4867761" y="3932682"/>
+            <a:ext cx="642532" cy="441000"/>
+          </a:xfrm>
+          <a:prstGeom prst="rightArrow">
+            <a:avLst/>
+          </a:prstGeom>
+          <a:solidFill>
+            <a:schemeClr val="accent4">
+              <a:lumMod val="75000"/>
+            </a:schemeClr>
+          </a:solidFill>
+          <a:ln>
+            <a:solidFill>
+              <a:schemeClr val="bg1"/>
+            </a:solidFill>
+          </a:ln>
+        </p:spPr>
+        <p:style>
+          <a:lnRef idx="2">
+            <a:schemeClr val="accent1">
+              <a:shade val="15000"/>
+            </a:schemeClr>
+          </a:lnRef>
+          <a:fillRef idx="1">
+            <a:schemeClr val="accent1"/>
+          </a:fillRef>
+          <a:effectRef idx="0">
+            <a:schemeClr val="accent1"/>
+          </a:effectRef>
+          <a:fontRef idx="minor">
+            <a:schemeClr val="lt1"/>
+          </a:fontRef>
+        </p:style>
+        <p:txBody>
+          <a:bodyPr rtlCol="1" anchor="ctr"/>
+          <a:lstStyle/>
+          <a:p>
+            <a:pPr algn="ctr"/>
+            <a:endParaRPr lang="fa-IR"/>
+          </a:p>
+        </p:txBody>
+      </p:sp>
+      <p:sp>
+        <p:nvSpPr>
+          <p:cNvPr id="42" name="Arrow: Right 41">
+            <a:extLst>
+              <a:ext uri="{FF2B5EF4-FFF2-40B4-BE49-F238E27FC236}">
+                <a16:creationId xmlns:a16="http://schemas.microsoft.com/office/drawing/2014/main" id="{FC722032-AB4E-9523-B558-4043A13FEE56}"/>
+              </a:ext>
+            </a:extLst>
+          </p:cNvPr>
+          <p:cNvSpPr/>
+          <p:nvPr/>
+        </p:nvSpPr>
+        <p:spPr>
+          <a:xfrm>
+            <a:off x="6153308" y="2679597"/>
+            <a:ext cx="727484" cy="441000"/>
+          </a:xfrm>
+          <a:prstGeom prst="rightArrow">
+            <a:avLst/>
+          </a:prstGeom>
+          <a:solidFill>
+            <a:schemeClr val="accent4">
+              <a:lumMod val="75000"/>
+            </a:schemeClr>
+          </a:solidFill>
+          <a:ln>
+            <a:solidFill>
+              <a:schemeClr val="bg1"/>
+            </a:solidFill>
+          </a:ln>
+        </p:spPr>
+        <p:style>
+          <a:lnRef idx="2">
+            <a:schemeClr val="accent1">
+              <a:shade val="15000"/>
+            </a:schemeClr>
+          </a:lnRef>
+          <a:fillRef idx="1">
+            <a:schemeClr val="accent1"/>
+          </a:fillRef>
+          <a:effectRef idx="0">
+            <a:schemeClr val="accent1"/>
+          </a:effectRef>
+          <a:fontRef idx="minor">
+            <a:schemeClr val="lt1"/>
+          </a:fontRef>
+        </p:style>
+        <p:txBody>
+          <a:bodyPr rtlCol="1" anchor="ctr"/>
+          <a:lstStyle/>
+          <a:p>
+            <a:pPr algn="ctr"/>
+            <a:endParaRPr lang="fa-IR"/>
+          </a:p>
+        </p:txBody>
+      </p:sp>
+      <p:sp>
+        <p:nvSpPr>
+          <p:cNvPr id="43" name="Arrow: Right 42">
+            <a:extLst>
+              <a:ext uri="{FF2B5EF4-FFF2-40B4-BE49-F238E27FC236}">
+                <a16:creationId xmlns:a16="http://schemas.microsoft.com/office/drawing/2014/main" id="{596350C9-1CF9-467F-8D67-1091778C3DB8}"/>
+              </a:ext>
+            </a:extLst>
+          </p:cNvPr>
+          <p:cNvSpPr/>
+          <p:nvPr/>
+        </p:nvSpPr>
+        <p:spPr>
+          <a:xfrm>
+            <a:off x="9038887" y="2675910"/>
+            <a:ext cx="727484" cy="441000"/>
+          </a:xfrm>
+          <a:prstGeom prst="rightArrow">
+            <a:avLst/>
+          </a:prstGeom>
+          <a:solidFill>
+            <a:schemeClr val="accent4">
+              <a:lumMod val="75000"/>
+            </a:schemeClr>
+          </a:solidFill>
+          <a:ln>
+            <a:solidFill>
+              <a:schemeClr val="bg1"/>
+            </a:solidFill>
+          </a:ln>
+        </p:spPr>
+        <p:style>
+          <a:lnRef idx="2">
+            <a:schemeClr val="accent1">
+              <a:shade val="15000"/>
+            </a:schemeClr>
+          </a:lnRef>
+          <a:fillRef idx="1">
+            <a:schemeClr val="accent1"/>
+          </a:fillRef>
+          <a:effectRef idx="0">
+            <a:schemeClr val="accent1"/>
+          </a:effectRef>
+          <a:fontRef idx="minor">
+            <a:schemeClr val="lt1"/>
+          </a:fontRef>
+        </p:style>
+        <p:txBody>
+          <a:bodyPr rtlCol="1" anchor="ctr"/>
+          <a:lstStyle/>
+          <a:p>
+            <a:pPr algn="ctr"/>
+            <a:endParaRPr lang="fa-IR"/>
+          </a:p>
+        </p:txBody>
+      </p:sp>
+    </p:spTree>
+    <p:extLst>
+      <p:ext uri="{BB962C8B-B14F-4D97-AF65-F5344CB8AC3E}">
+        <p14:creationId xmlns:p14="http://schemas.microsoft.com/office/powerpoint/2010/main" val="2967135011"/>
+      </p:ext>
+    </p:extLst>
+  </p:cSld>
+  <p:clrMapOvr>
+    <a:masterClrMapping/>
+  </p:clrMapOvr>
+</p:sld>
+</file>
+
+<file path=ppt/slides/slide7.xml><?xml version="1.0" encoding="utf-8"?>
 <p:sld xmlns:a="http://schemas.openxmlformats.org/drawingml/2006/main" xmlns:r="http://schemas.openxmlformats.org/officeDocument/2006/relationships" xmlns:p="http://schemas.openxmlformats.org/presentationml/2006/main">
   <p:cSld>
     <p:spTree>
@@ -8358,7 +9958,7 @@
                 <a:ea typeface="+mn-ea"/>
                 <a:cs typeface="+mj-cs"/>
               </a:rPr>
-              <a:t>4 * </a:t>
+              <a:t>8 * </a:t>
             </a:r>
             <a:r>
               <a:rPr lang="en-US" sz="1000" b="1" kern="1200" dirty="0" err="1">
@@ -8453,86 +10053,6 @@
 </p:sld>
 </file>
 
-<file path=ppt/slides/slide7.xml><?xml version="1.0" encoding="utf-8"?>
-<p:sld xmlns:a="http://schemas.openxmlformats.org/drawingml/2006/main" xmlns:r="http://schemas.openxmlformats.org/officeDocument/2006/relationships" xmlns:p="http://schemas.openxmlformats.org/presentationml/2006/main">
-  <p:cSld>
-    <p:spTree>
-      <p:nvGrpSpPr>
-        <p:cNvPr id="1" name=""/>
-        <p:cNvGrpSpPr/>
-        <p:nvPr/>
-      </p:nvGrpSpPr>
-      <p:grpSpPr>
-        <a:xfrm>
-          <a:off x="0" y="0"/>
-          <a:ext cx="0" cy="0"/>
-          <a:chOff x="0" y="0"/>
-          <a:chExt cx="0" cy="0"/>
-        </a:xfrm>
-      </p:grpSpPr>
-      <p:sp>
-        <p:nvSpPr>
-          <p:cNvPr id="7" name="Content Placeholder 6">
-            <a:extLst>
-              <a:ext uri="{FF2B5EF4-FFF2-40B4-BE49-F238E27FC236}">
-                <a16:creationId xmlns:a16="http://schemas.microsoft.com/office/drawing/2014/main" id="{021B2D9C-8512-4B24-420D-98D94A6D0CDB}"/>
-              </a:ext>
-            </a:extLst>
-          </p:cNvPr>
-          <p:cNvSpPr>
-            <a:spLocks noGrp="1"/>
-          </p:cNvSpPr>
-          <p:nvPr>
-            <p:ph idx="1"/>
-          </p:nvPr>
-        </p:nvSpPr>
-        <p:spPr/>
-        <p:txBody>
-          <a:bodyPr/>
-          <a:lstStyle/>
-          <a:p>
-            <a:endParaRPr lang="fa-IR"/>
-          </a:p>
-        </p:txBody>
-      </p:sp>
-      <p:sp>
-        <p:nvSpPr>
-          <p:cNvPr id="9" name="Title 8">
-            <a:extLst>
-              <a:ext uri="{FF2B5EF4-FFF2-40B4-BE49-F238E27FC236}">
-                <a16:creationId xmlns:a16="http://schemas.microsoft.com/office/drawing/2014/main" id="{766DB0E6-5804-FE0C-6F08-EB442E7BD38D}"/>
-              </a:ext>
-            </a:extLst>
-          </p:cNvPr>
-          <p:cNvSpPr>
-            <a:spLocks noGrp="1"/>
-          </p:cNvSpPr>
-          <p:nvPr>
-            <p:ph type="title"/>
-          </p:nvPr>
-        </p:nvSpPr>
-        <p:spPr/>
-        <p:txBody>
-          <a:bodyPr/>
-          <a:lstStyle/>
-          <a:p>
-            <a:endParaRPr lang="fa-IR"/>
-          </a:p>
-        </p:txBody>
-      </p:sp>
-    </p:spTree>
-    <p:extLst>
-      <p:ext uri="{BB962C8B-B14F-4D97-AF65-F5344CB8AC3E}">
-        <p14:creationId xmlns:p14="http://schemas.microsoft.com/office/powerpoint/2010/main" val="2052196163"/>
-      </p:ext>
-    </p:extLst>
-  </p:cSld>
-  <p:clrMapOvr>
-    <a:masterClrMapping/>
-  </p:clrMapOvr>
-</p:sld>
-</file>
-
 <file path=ppt/slides/slide8.xml><?xml version="1.0" encoding="utf-8"?>
 <p:sld xmlns:a="http://schemas.openxmlformats.org/drawingml/2006/main" xmlns:r="http://schemas.openxmlformats.org/officeDocument/2006/relationships" xmlns:p="http://schemas.openxmlformats.org/presentationml/2006/main">
   <p:cSld>
@@ -8662,32 +10182,136 @@
               <a:rPr lang="fa-IR" sz="2000" b="1" dirty="0">
                 <a:cs typeface="B Nazanin" panose="00000400000000000000" pitchFamily="2" charset="-78"/>
               </a:rPr>
-              <a:t> جدید صرفا برای </a:t>
+              <a:t> جدید صرفا برای فراگیری دانش و اطلاعات خاص، توجیه عملیاتی ندارد.</a:t>
+            </a:r>
+          </a:p>
+          <a:p>
+            <a:pPr algn="r" rtl="1"/>
+            <a:endParaRPr lang="fa-IR" sz="2000" b="1" dirty="0">
+              <a:cs typeface="B Nazanin" panose="00000400000000000000" pitchFamily="2" charset="-78"/>
+            </a:endParaRPr>
+          </a:p>
+          <a:p>
+            <a:pPr algn="r" rtl="1"/>
+            <a:r>
+              <a:rPr lang="fa-IR" sz="2000" b="1" dirty="0">
+                <a:cs typeface="B Nazanin" panose="00000400000000000000" pitchFamily="2" charset="-78"/>
+              </a:rPr>
+              <a:t>عملکرد مطلوب: کیفیت </a:t>
             </a:r>
             <a:r>
               <a:rPr lang="fa-IR" sz="2000" b="1" dirty="0" err="1">
                 <a:cs typeface="B Nazanin" panose="00000400000000000000" pitchFamily="2" charset="-78"/>
               </a:rPr>
-              <a:t>بهره‌مندی</a:t>
+              <a:t>پاسخ‌دهی</a:t>
             </a:r>
             <a:r>
               <a:rPr lang="fa-IR" sz="2000" b="1" dirty="0">
                 <a:cs typeface="B Nazanin" panose="00000400000000000000" pitchFamily="2" charset="-78"/>
               </a:rPr>
-              <a:t> از دانش و اطلاعات سفارشی، توجیه اقتصادی و </a:t>
-            </a:r>
+              <a:t> </a:t>
+            </a:r>
+            <a:r>
+              <a:rPr lang="en-US" sz="2000" b="1" dirty="0">
+                <a:cs typeface="B Nazanin" panose="00000400000000000000" pitchFamily="2" charset="-78"/>
+              </a:rPr>
+              <a:t>RAG</a:t>
+            </a:r>
+            <a:r>
+              <a:rPr lang="fa-IR" sz="2000" b="1" dirty="0">
+                <a:cs typeface="B Nazanin" panose="00000400000000000000" pitchFamily="2" charset="-78"/>
+              </a:rPr>
+              <a:t> در صورت در اختیار داشتن اطلاعات مورد نیاز، تفاوت قابل توجهی با مدل آموزش دیده بر آن داده ها ندارد.</a:t>
+            </a:r>
+          </a:p>
+          <a:p>
+            <a:pPr marL="0" indent="0" algn="r" rtl="1">
+              <a:buNone/>
+            </a:pPr>
+            <a:endParaRPr lang="fa-IR" sz="2000" b="1" dirty="0">
+              <a:cs typeface="B Nazanin" panose="00000400000000000000" pitchFamily="2" charset="-78"/>
+            </a:endParaRPr>
+          </a:p>
+          <a:p>
+            <a:pPr algn="r" rtl="1"/>
             <a:r>
               <a:rPr lang="fa-IR" sz="2000" b="1" dirty="0" err="1">
                 <a:cs typeface="B Nazanin" panose="00000400000000000000" pitchFamily="2" charset="-78"/>
               </a:rPr>
+              <a:t>به‌روز</a:t>
+            </a:r>
+            <a:r>
+              <a:rPr lang="fa-IR" sz="2000" b="1" dirty="0">
+                <a:cs typeface="B Nazanin" panose="00000400000000000000" pitchFamily="2" charset="-78"/>
+              </a:rPr>
+              <a:t> رسانی سریع منابع اطلاعات و دانش</a:t>
+            </a:r>
+          </a:p>
+          <a:p>
+            <a:pPr algn="r" rtl="1"/>
+            <a:endParaRPr lang="fa-IR" sz="2000" b="1" dirty="0">
+              <a:cs typeface="B Nazanin" panose="00000400000000000000" pitchFamily="2" charset="-78"/>
+            </a:endParaRPr>
+          </a:p>
+          <a:p>
+            <a:pPr algn="r" rtl="1"/>
+            <a:r>
+              <a:rPr lang="fa-IR" sz="2000" b="1" dirty="0">
+                <a:cs typeface="B Nazanin" panose="00000400000000000000" pitchFamily="2" charset="-78"/>
+              </a:rPr>
+              <a:t>کنترل بالای </a:t>
+            </a:r>
+            <a:r>
+              <a:rPr lang="fa-IR" sz="2000" b="1" dirty="0" err="1">
+                <a:cs typeface="B Nazanin" panose="00000400000000000000" pitchFamily="2" charset="-78"/>
+              </a:rPr>
+              <a:t>توسعه‌دهنده</a:t>
+            </a:r>
+            <a:r>
+              <a:rPr lang="fa-IR" sz="2000" b="1" dirty="0">
+                <a:cs typeface="B Nazanin" panose="00000400000000000000" pitchFamily="2" charset="-78"/>
+              </a:rPr>
+              <a:t> و مدیر بر جریان اطلاعات</a:t>
+            </a:r>
+          </a:p>
+          <a:p>
+            <a:pPr algn="r" rtl="1"/>
+            <a:endParaRPr lang="fa-IR" sz="2000" b="1" dirty="0">
+              <a:cs typeface="B Nazanin" panose="00000400000000000000" pitchFamily="2" charset="-78"/>
+            </a:endParaRPr>
+          </a:p>
+          <a:p>
+            <a:pPr algn="r" rtl="1"/>
+            <a:r>
+              <a:rPr lang="fa-IR" sz="2000" b="1" dirty="0">
+                <a:cs typeface="B Nazanin" panose="00000400000000000000" pitchFamily="2" charset="-78"/>
+              </a:rPr>
+              <a:t>هزینه اقتصادی و </a:t>
+            </a:r>
+            <a:r>
+              <a:rPr lang="fa-IR" sz="2000" b="1" dirty="0" err="1">
+                <a:cs typeface="B Nazanin" panose="00000400000000000000" pitchFamily="2" charset="-78"/>
+              </a:rPr>
               <a:t>محاسباتی</a:t>
             </a:r>
             <a:r>
               <a:rPr lang="fa-IR" sz="2000" b="1" dirty="0">
                 <a:cs typeface="B Nazanin" panose="00000400000000000000" pitchFamily="2" charset="-78"/>
               </a:rPr>
-              <a:t> ندارد.</a:t>
-            </a:r>
+              <a:t> پایین</a:t>
+            </a:r>
+          </a:p>
+          <a:p>
+            <a:pPr algn="r" rtl="1"/>
+            <a:endParaRPr lang="fa-IR" sz="2000" b="1" dirty="0">
+              <a:cs typeface="B Nazanin" panose="00000400000000000000" pitchFamily="2" charset="-78"/>
+            </a:endParaRPr>
+          </a:p>
+          <a:p>
+            <a:pPr algn="r" rtl="1"/>
+            <a:endParaRPr lang="fa-IR" sz="2000" b="1" dirty="0">
+              <a:cs typeface="B Nazanin" panose="00000400000000000000" pitchFamily="2" charset="-78"/>
+            </a:endParaRPr>
           </a:p>
         </p:txBody>
       </p:sp>
@@ -9086,4 +10710,299 @@
     </a:ext>
   </a:extLst>
 </a:theme>
+</file>
+
+<file path=ppt/theme/theme2.xml><?xml version="1.0" encoding="utf-8"?>
+<a:theme xmlns:a="http://schemas.openxmlformats.org/drawingml/2006/main" name="Office Theme">
+  <a:themeElements>
+    <a:clrScheme name="Office">
+      <a:dk1>
+        <a:sysClr val="windowText" lastClr="000000"/>
+      </a:dk1>
+      <a:lt1>
+        <a:sysClr val="window" lastClr="FFFFFF"/>
+      </a:lt1>
+      <a:dk2>
+        <a:srgbClr val="44546A"/>
+      </a:dk2>
+      <a:lt2>
+        <a:srgbClr val="E7E6E6"/>
+      </a:lt2>
+      <a:accent1>
+        <a:srgbClr val="4472C4"/>
+      </a:accent1>
+      <a:accent2>
+        <a:srgbClr val="ED7D31"/>
+      </a:accent2>
+      <a:accent3>
+        <a:srgbClr val="A5A5A5"/>
+      </a:accent3>
+      <a:accent4>
+        <a:srgbClr val="FFC000"/>
+      </a:accent4>
+      <a:accent5>
+        <a:srgbClr val="5B9BD5"/>
+      </a:accent5>
+      <a:accent6>
+        <a:srgbClr val="70AD47"/>
+      </a:accent6>
+      <a:hlink>
+        <a:srgbClr val="0563C1"/>
+      </a:hlink>
+      <a:folHlink>
+        <a:srgbClr val="954F72"/>
+      </a:folHlink>
+    </a:clrScheme>
+    <a:fontScheme name="Office">
+      <a:majorFont>
+        <a:latin typeface="Calibri Light" panose="020F0302020204030204"/>
+        <a:ea typeface=""/>
+        <a:cs typeface=""/>
+        <a:font script="Jpan" typeface="游ゴシック Light"/>
+        <a:font script="Hang" typeface="맑은 고딕"/>
+        <a:font script="Hans" typeface="等线 Light"/>
+        <a:font script="Hant" typeface="新細明體"/>
+        <a:font script="Arab" typeface="Times New Roman"/>
+        <a:font script="Hebr" typeface="Times New Roman"/>
+        <a:font script="Thai" typeface="Angsana New"/>
+        <a:font script="Ethi" typeface="Nyala"/>
+        <a:font script="Beng" typeface="Vrinda"/>
+        <a:font script="Gujr" typeface="Shruti"/>
+        <a:font script="Khmr" typeface="MoolBoran"/>
+        <a:font script="Knda" typeface="Tunga"/>
+        <a:font script="Guru" typeface="Raavi"/>
+        <a:font script="Cans" typeface="Euphemia"/>
+        <a:font script="Cher" typeface="Plantagenet Cherokee"/>
+        <a:font script="Yiii" typeface="Microsoft Yi Baiti"/>
+        <a:font script="Tibt" typeface="Microsoft Himalaya"/>
+        <a:font script="Thaa" typeface="MV Boli"/>
+        <a:font script="Deva" typeface="Mangal"/>
+        <a:font script="Telu" typeface="Gautami"/>
+        <a:font script="Taml" typeface="Latha"/>
+        <a:font script="Syrc" typeface="Estrangelo Edessa"/>
+        <a:font script="Orya" typeface="Kalinga"/>
+        <a:font script="Mlym" typeface="Kartika"/>
+        <a:font script="Laoo" typeface="DokChampa"/>
+        <a:font script="Sinh" typeface="Iskoola Pota"/>
+        <a:font script="Mong" typeface="Mongolian Baiti"/>
+        <a:font script="Viet" typeface="Times New Roman"/>
+        <a:font script="Uigh" typeface="Microsoft Uighur"/>
+        <a:font script="Geor" typeface="Sylfaen"/>
+        <a:font script="Armn" typeface="Arial"/>
+        <a:font script="Bugi" typeface="Leelawadee UI"/>
+        <a:font script="Bopo" typeface="Microsoft JhengHei"/>
+        <a:font script="Java" typeface="Javanese Text"/>
+        <a:font script="Lisu" typeface="Segoe UI"/>
+        <a:font script="Mymr" typeface="Myanmar Text"/>
+        <a:font script="Nkoo" typeface="Ebrima"/>
+        <a:font script="Olck" typeface="Nirmala UI"/>
+        <a:font script="Osma" typeface="Ebrima"/>
+        <a:font script="Phag" typeface="Phagspa"/>
+        <a:font script="Syrn" typeface="Estrangelo Edessa"/>
+        <a:font script="Syrj" typeface="Estrangelo Edessa"/>
+        <a:font script="Syre" typeface="Estrangelo Edessa"/>
+        <a:font script="Sora" typeface="Nirmala UI"/>
+        <a:font script="Tale" typeface="Microsoft Tai Le"/>
+        <a:font script="Talu" typeface="Microsoft New Tai Lue"/>
+        <a:font script="Tfng" typeface="Ebrima"/>
+      </a:majorFont>
+      <a:minorFont>
+        <a:latin typeface="Calibri" panose="020F0502020204030204"/>
+        <a:ea typeface=""/>
+        <a:cs typeface=""/>
+        <a:font script="Jpan" typeface="游ゴシック"/>
+        <a:font script="Hang" typeface="맑은 고딕"/>
+        <a:font script="Hans" typeface="等线"/>
+        <a:font script="Hant" typeface="新細明體"/>
+        <a:font script="Arab" typeface="Arial"/>
+        <a:font script="Hebr" typeface="Arial"/>
+        <a:font script="Thai" typeface="Cordia New"/>
+        <a:font script="Ethi" typeface="Nyala"/>
+        <a:font script="Beng" typeface="Vrinda"/>
+        <a:font script="Gujr" typeface="Shruti"/>
+        <a:font script="Khmr" typeface="DaunPenh"/>
+        <a:font script="Knda" typeface="Tunga"/>
+        <a:font script="Guru" typeface="Raavi"/>
+        <a:font script="Cans" typeface="Euphemia"/>
+        <a:font script="Cher" typeface="Plantagenet Cherokee"/>
+        <a:font script="Yiii" typeface="Microsoft Yi Baiti"/>
+        <a:font script="Tibt" typeface="Microsoft Himalaya"/>
+        <a:font script="Thaa" typeface="MV Boli"/>
+        <a:font script="Deva" typeface="Mangal"/>
+        <a:font script="Telu" typeface="Gautami"/>
+        <a:font script="Taml" typeface="Latha"/>
+        <a:font script="Syrc" typeface="Estrangelo Edessa"/>
+        <a:font script="Orya" typeface="Kalinga"/>
+        <a:font script="Mlym" typeface="Kartika"/>
+        <a:font script="Laoo" typeface="DokChampa"/>
+        <a:font script="Sinh" typeface="Iskoola Pota"/>
+        <a:font script="Mong" typeface="Mongolian Baiti"/>
+        <a:font script="Viet" typeface="Arial"/>
+        <a:font script="Uigh" typeface="Microsoft Uighur"/>
+        <a:font script="Geor" typeface="Sylfaen"/>
+        <a:font script="Armn" typeface="Arial"/>
+        <a:font script="Bugi" typeface="Leelawadee UI"/>
+        <a:font script="Bopo" typeface="Microsoft JhengHei"/>
+        <a:font script="Java" typeface="Javanese Text"/>
+        <a:font script="Lisu" typeface="Segoe UI"/>
+        <a:font script="Mymr" typeface="Myanmar Text"/>
+        <a:font script="Nkoo" typeface="Ebrima"/>
+        <a:font script="Olck" typeface="Nirmala UI"/>
+        <a:font script="Osma" typeface="Ebrima"/>
+        <a:font script="Phag" typeface="Phagspa"/>
+        <a:font script="Syrn" typeface="Estrangelo Edessa"/>
+        <a:font script="Syrj" typeface="Estrangelo Edessa"/>
+        <a:font script="Syre" typeface="Estrangelo Edessa"/>
+        <a:font script="Sora" typeface="Nirmala UI"/>
+        <a:font script="Tale" typeface="Microsoft Tai Le"/>
+        <a:font script="Talu" typeface="Microsoft New Tai Lue"/>
+        <a:font script="Tfng" typeface="Ebrima"/>
+      </a:minorFont>
+    </a:fontScheme>
+    <a:fmtScheme name="Office">
+      <a:fillStyleLst>
+        <a:solidFill>
+          <a:schemeClr val="phClr"/>
+        </a:solidFill>
+        <a:gradFill rotWithShape="1">
+          <a:gsLst>
+            <a:gs pos="0">
+              <a:schemeClr val="phClr">
+                <a:lumMod val="110000"/>
+                <a:satMod val="105000"/>
+                <a:tint val="67000"/>
+              </a:schemeClr>
+            </a:gs>
+            <a:gs pos="50000">
+              <a:schemeClr val="phClr">
+                <a:lumMod val="105000"/>
+                <a:satMod val="103000"/>
+                <a:tint val="73000"/>
+              </a:schemeClr>
+            </a:gs>
+            <a:gs pos="100000">
+              <a:schemeClr val="phClr">
+                <a:lumMod val="105000"/>
+                <a:satMod val="109000"/>
+                <a:tint val="81000"/>
+              </a:schemeClr>
+            </a:gs>
+          </a:gsLst>
+          <a:lin ang="5400000" scaled="0"/>
+        </a:gradFill>
+        <a:gradFill rotWithShape="1">
+          <a:gsLst>
+            <a:gs pos="0">
+              <a:schemeClr val="phClr">
+                <a:satMod val="103000"/>
+                <a:lumMod val="102000"/>
+                <a:tint val="94000"/>
+              </a:schemeClr>
+            </a:gs>
+            <a:gs pos="50000">
+              <a:schemeClr val="phClr">
+                <a:satMod val="110000"/>
+                <a:lumMod val="100000"/>
+                <a:shade val="100000"/>
+              </a:schemeClr>
+            </a:gs>
+            <a:gs pos="100000">
+              <a:schemeClr val="phClr">
+                <a:lumMod val="99000"/>
+                <a:satMod val="120000"/>
+                <a:shade val="78000"/>
+              </a:schemeClr>
+            </a:gs>
+          </a:gsLst>
+          <a:lin ang="5400000" scaled="0"/>
+        </a:gradFill>
+      </a:fillStyleLst>
+      <a:lnStyleLst>
+        <a:ln w="6350" cap="flat" cmpd="sng" algn="ctr">
+          <a:solidFill>
+            <a:schemeClr val="phClr"/>
+          </a:solidFill>
+          <a:prstDash val="solid"/>
+          <a:miter lim="800000"/>
+        </a:ln>
+        <a:ln w="12700" cap="flat" cmpd="sng" algn="ctr">
+          <a:solidFill>
+            <a:schemeClr val="phClr"/>
+          </a:solidFill>
+          <a:prstDash val="solid"/>
+          <a:miter lim="800000"/>
+        </a:ln>
+        <a:ln w="19050" cap="flat" cmpd="sng" algn="ctr">
+          <a:solidFill>
+            <a:schemeClr val="phClr"/>
+          </a:solidFill>
+          <a:prstDash val="solid"/>
+          <a:miter lim="800000"/>
+        </a:ln>
+      </a:lnStyleLst>
+      <a:effectStyleLst>
+        <a:effectStyle>
+          <a:effectLst/>
+        </a:effectStyle>
+        <a:effectStyle>
+          <a:effectLst/>
+        </a:effectStyle>
+        <a:effectStyle>
+          <a:effectLst>
+            <a:outerShdw blurRad="57150" dist="19050" dir="5400000" algn="ctr" rotWithShape="0">
+              <a:srgbClr val="000000">
+                <a:alpha val="63000"/>
+              </a:srgbClr>
+            </a:outerShdw>
+          </a:effectLst>
+        </a:effectStyle>
+      </a:effectStyleLst>
+      <a:bgFillStyleLst>
+        <a:solidFill>
+          <a:schemeClr val="phClr"/>
+        </a:solidFill>
+        <a:solidFill>
+          <a:schemeClr val="phClr">
+            <a:tint val="95000"/>
+            <a:satMod val="170000"/>
+          </a:schemeClr>
+        </a:solidFill>
+        <a:gradFill rotWithShape="1">
+          <a:gsLst>
+            <a:gs pos="0">
+              <a:schemeClr val="phClr">
+                <a:tint val="93000"/>
+                <a:satMod val="150000"/>
+                <a:shade val="98000"/>
+                <a:lumMod val="102000"/>
+              </a:schemeClr>
+            </a:gs>
+            <a:gs pos="50000">
+              <a:schemeClr val="phClr">
+                <a:tint val="98000"/>
+                <a:satMod val="130000"/>
+                <a:shade val="90000"/>
+                <a:lumMod val="103000"/>
+              </a:schemeClr>
+            </a:gs>
+            <a:gs pos="100000">
+              <a:schemeClr val="phClr">
+                <a:shade val="63000"/>
+                <a:satMod val="120000"/>
+              </a:schemeClr>
+            </a:gs>
+          </a:gsLst>
+          <a:lin ang="5400000" scaled="0"/>
+        </a:gradFill>
+      </a:bgFillStyleLst>
+    </a:fmtScheme>
+  </a:themeElements>
+  <a:objectDefaults/>
+  <a:extraClrSchemeLst/>
+  <a:extLst>
+    <a:ext uri="{05A4C25C-085E-4340-85A3-A5531E510DB2}">
+      <thm15:themeFamily xmlns:thm15="http://schemas.microsoft.com/office/thememl/2012/main" name="Office Theme" id="{62F939B6-93AF-4DB8-9C6B-D6C7DFDC589F}" vid="{4A3C46E8-61CC-4603-A589-7422A47A8E4A}"/>
+    </a:ext>
+  </a:extLst>
+</a:theme>
 </file>
--- a/RAG.pptx
+++ b/RAG.pptx
@@ -128,6 +128,18 @@
 </p:presentation>
 </file>
 
+<file path=ppt/commentAuthors.xml><?xml version="1.0" encoding="utf-8"?>
+<p:cmAuthorLst xmlns:a="http://schemas.openxmlformats.org/drawingml/2006/main" xmlns:r="http://schemas.openxmlformats.org/officeDocument/2006/relationships" xmlns:p="http://schemas.openxmlformats.org/presentationml/2006/main">
+  <p:cmAuthor id="1" name="Farshad Amiri" initials="FA" lastIdx="1" clrIdx="0">
+    <p:extLst>
+      <p:ext uri="{19B8F6BF-5375-455C-9EA6-DF929625EA0E}">
+        <p15:presenceInfo xmlns:p15="http://schemas.microsoft.com/office/powerpoint/2012/main" userId="eb0f5e6ffa9f2744" providerId="Windows Live"/>
+      </p:ext>
+    </p:extLst>
+  </p:cmAuthor>
+</p:cmAuthorLst>
+</file>
+
 <file path=ppt/notesMasters/notesMaster1.xml><?xml version="1.0" encoding="utf-8"?>
 <p:notesMaster xmlns:a="http://schemas.openxmlformats.org/drawingml/2006/main" xmlns:r="http://schemas.openxmlformats.org/officeDocument/2006/relationships" xmlns:p="http://schemas.openxmlformats.org/presentationml/2006/main">
   <p:cSld>
@@ -210,7 +222,7 @@
           <a:p>
             <a:fld id="{DD9737E2-E5A7-4798-8CE4-635A842BA6E2}" type="datetimeFigureOut">
               <a:rPr lang="fa-IR" smtClean="0"/>
-              <a:t>11/08/1445</a:t>
+              <a:t>12/08/1445</a:t>
             </a:fld>
             <a:endParaRPr lang="fa-IR"/>
           </a:p>
@@ -543,6 +555,90 @@
           <a:p>
             <a:fld id="{B1A1FC86-6D43-4743-9C66-42764E3FFE4E}" type="slidenum">
               <a:rPr lang="fa-IR" smtClean="0"/>
+              <a:t>4</a:t>
+            </a:fld>
+            <a:endParaRPr lang="fa-IR"/>
+          </a:p>
+        </p:txBody>
+      </p:sp>
+    </p:spTree>
+    <p:extLst>
+      <p:ext uri="{BB962C8B-B14F-4D97-AF65-F5344CB8AC3E}">
+        <p14:creationId xmlns:p14="http://schemas.microsoft.com/office/powerpoint/2010/main" val="1584488609"/>
+      </p:ext>
+    </p:extLst>
+  </p:cSld>
+  <p:clrMapOvr>
+    <a:masterClrMapping/>
+  </p:clrMapOvr>
+</p:notes>
+</file>
+
+<file path=ppt/notesSlides/notesSlide2.xml><?xml version="1.0" encoding="utf-8"?>
+<p:notes xmlns:a="http://schemas.openxmlformats.org/drawingml/2006/main" xmlns:r="http://schemas.openxmlformats.org/officeDocument/2006/relationships" xmlns:p="http://schemas.openxmlformats.org/presentationml/2006/main">
+  <p:cSld>
+    <p:spTree>
+      <p:nvGrpSpPr>
+        <p:cNvPr id="1" name=""/>
+        <p:cNvGrpSpPr/>
+        <p:nvPr/>
+      </p:nvGrpSpPr>
+      <p:grpSpPr>
+        <a:xfrm>
+          <a:off x="0" y="0"/>
+          <a:ext cx="0" cy="0"/>
+          <a:chOff x="0" y="0"/>
+          <a:chExt cx="0" cy="0"/>
+        </a:xfrm>
+      </p:grpSpPr>
+      <p:sp>
+        <p:nvSpPr>
+          <p:cNvPr id="2" name="Slide Image Placeholder 1"/>
+          <p:cNvSpPr>
+            <a:spLocks noGrp="1" noRot="1" noChangeAspect="1"/>
+          </p:cNvSpPr>
+          <p:nvPr>
+            <p:ph type="sldImg"/>
+          </p:nvPr>
+        </p:nvSpPr>
+        <p:spPr/>
+      </p:sp>
+      <p:sp>
+        <p:nvSpPr>
+          <p:cNvPr id="3" name="Notes Placeholder 2"/>
+          <p:cNvSpPr>
+            <a:spLocks noGrp="1"/>
+          </p:cNvSpPr>
+          <p:nvPr>
+            <p:ph type="body" idx="1"/>
+          </p:nvPr>
+        </p:nvSpPr>
+        <p:spPr/>
+        <p:txBody>
+          <a:bodyPr/>
+          <a:lstStyle/>
+          <a:p>
+            <a:endParaRPr lang="fa-IR" dirty="0"/>
+          </a:p>
+        </p:txBody>
+      </p:sp>
+      <p:sp>
+        <p:nvSpPr>
+          <p:cNvPr id="4" name="Slide Number Placeholder 3"/>
+          <p:cNvSpPr>
+            <a:spLocks noGrp="1"/>
+          </p:cNvSpPr>
+          <p:nvPr>
+            <p:ph type="sldNum" sz="quarter" idx="5"/>
+          </p:nvPr>
+        </p:nvSpPr>
+        <p:spPr/>
+        <p:txBody>
+          <a:bodyPr/>
+          <a:lstStyle/>
+          <a:p>
+            <a:fld id="{B1A1FC86-6D43-4743-9C66-42764E3FFE4E}" type="slidenum">
+              <a:rPr lang="fa-IR" smtClean="0"/>
               <a:t>6</a:t>
             </a:fld>
             <a:endParaRPr lang="fa-IR"/>
@@ -553,6 +649,90 @@
     <p:extLst>
       <p:ext uri="{BB962C8B-B14F-4D97-AF65-F5344CB8AC3E}">
         <p14:creationId xmlns:p14="http://schemas.microsoft.com/office/powerpoint/2010/main" val="851503168"/>
+      </p:ext>
+    </p:extLst>
+  </p:cSld>
+  <p:clrMapOvr>
+    <a:masterClrMapping/>
+  </p:clrMapOvr>
+</p:notes>
+</file>
+
+<file path=ppt/notesSlides/notesSlide3.xml><?xml version="1.0" encoding="utf-8"?>
+<p:notes xmlns:a="http://schemas.openxmlformats.org/drawingml/2006/main" xmlns:r="http://schemas.openxmlformats.org/officeDocument/2006/relationships" xmlns:p="http://schemas.openxmlformats.org/presentationml/2006/main">
+  <p:cSld>
+    <p:spTree>
+      <p:nvGrpSpPr>
+        <p:cNvPr id="1" name=""/>
+        <p:cNvGrpSpPr/>
+        <p:nvPr/>
+      </p:nvGrpSpPr>
+      <p:grpSpPr>
+        <a:xfrm>
+          <a:off x="0" y="0"/>
+          <a:ext cx="0" cy="0"/>
+          <a:chOff x="0" y="0"/>
+          <a:chExt cx="0" cy="0"/>
+        </a:xfrm>
+      </p:grpSpPr>
+      <p:sp>
+        <p:nvSpPr>
+          <p:cNvPr id="2" name="Slide Image Placeholder 1"/>
+          <p:cNvSpPr>
+            <a:spLocks noGrp="1" noRot="1" noChangeAspect="1"/>
+          </p:cNvSpPr>
+          <p:nvPr>
+            <p:ph type="sldImg"/>
+          </p:nvPr>
+        </p:nvSpPr>
+        <p:spPr/>
+      </p:sp>
+      <p:sp>
+        <p:nvSpPr>
+          <p:cNvPr id="3" name="Notes Placeholder 2"/>
+          <p:cNvSpPr>
+            <a:spLocks noGrp="1"/>
+          </p:cNvSpPr>
+          <p:nvPr>
+            <p:ph type="body" idx="1"/>
+          </p:nvPr>
+        </p:nvSpPr>
+        <p:spPr/>
+        <p:txBody>
+          <a:bodyPr/>
+          <a:lstStyle/>
+          <a:p>
+            <a:endParaRPr lang="fa-IR" dirty="0"/>
+          </a:p>
+        </p:txBody>
+      </p:sp>
+      <p:sp>
+        <p:nvSpPr>
+          <p:cNvPr id="4" name="Slide Number Placeholder 3"/>
+          <p:cNvSpPr>
+            <a:spLocks noGrp="1"/>
+          </p:cNvSpPr>
+          <p:nvPr>
+            <p:ph type="sldNum" sz="quarter" idx="5"/>
+          </p:nvPr>
+        </p:nvSpPr>
+        <p:spPr/>
+        <p:txBody>
+          <a:bodyPr/>
+          <a:lstStyle/>
+          <a:p>
+            <a:fld id="{B1A1FC86-6D43-4743-9C66-42764E3FFE4E}" type="slidenum">
+              <a:rPr lang="fa-IR" smtClean="0"/>
+              <a:t>7</a:t>
+            </a:fld>
+            <a:endParaRPr lang="fa-IR"/>
+          </a:p>
+        </p:txBody>
+      </p:sp>
+    </p:spTree>
+    <p:extLst>
+      <p:ext uri="{BB962C8B-B14F-4D97-AF65-F5344CB8AC3E}">
+        <p14:creationId xmlns:p14="http://schemas.microsoft.com/office/powerpoint/2010/main" val="2774101096"/>
       </p:ext>
     </p:extLst>
   </p:cSld>
@@ -711,7 +891,7 @@
           <a:p>
             <a:fld id="{749F0CB5-BAA6-4AB1-867C-C29921453313}" type="datetimeFigureOut">
               <a:rPr lang="fa-IR" smtClean="0"/>
-              <a:t>11/08/1445</a:t>
+              <a:t>12/08/1445</a:t>
             </a:fld>
             <a:endParaRPr lang="fa-IR"/>
           </a:p>
@@ -911,7 +1091,7 @@
           <a:p>
             <a:fld id="{749F0CB5-BAA6-4AB1-867C-C29921453313}" type="datetimeFigureOut">
               <a:rPr lang="fa-IR" smtClean="0"/>
-              <a:t>11/08/1445</a:t>
+              <a:t>12/08/1445</a:t>
             </a:fld>
             <a:endParaRPr lang="fa-IR"/>
           </a:p>
@@ -1121,7 +1301,7 @@
           <a:p>
             <a:fld id="{749F0CB5-BAA6-4AB1-867C-C29921453313}" type="datetimeFigureOut">
               <a:rPr lang="fa-IR" smtClean="0"/>
-              <a:t>11/08/1445</a:t>
+              <a:t>12/08/1445</a:t>
             </a:fld>
             <a:endParaRPr lang="fa-IR"/>
           </a:p>
@@ -1321,7 +1501,7 @@
           <a:p>
             <a:fld id="{749F0CB5-BAA6-4AB1-867C-C29921453313}" type="datetimeFigureOut">
               <a:rPr lang="fa-IR" smtClean="0"/>
-              <a:t>11/08/1445</a:t>
+              <a:t>12/08/1445</a:t>
             </a:fld>
             <a:endParaRPr lang="fa-IR"/>
           </a:p>
@@ -1597,7 +1777,7 @@
           <a:p>
             <a:fld id="{749F0CB5-BAA6-4AB1-867C-C29921453313}" type="datetimeFigureOut">
               <a:rPr lang="fa-IR" smtClean="0"/>
-              <a:t>11/08/1445</a:t>
+              <a:t>12/08/1445</a:t>
             </a:fld>
             <a:endParaRPr lang="fa-IR"/>
           </a:p>
@@ -1865,7 +2045,7 @@
           <a:p>
             <a:fld id="{749F0CB5-BAA6-4AB1-867C-C29921453313}" type="datetimeFigureOut">
               <a:rPr lang="fa-IR" smtClean="0"/>
-              <a:t>11/08/1445</a:t>
+              <a:t>12/08/1445</a:t>
             </a:fld>
             <a:endParaRPr lang="fa-IR"/>
           </a:p>
@@ -2280,7 +2460,7 @@
           <a:p>
             <a:fld id="{749F0CB5-BAA6-4AB1-867C-C29921453313}" type="datetimeFigureOut">
               <a:rPr lang="fa-IR" smtClean="0"/>
-              <a:t>11/08/1445</a:t>
+              <a:t>12/08/1445</a:t>
             </a:fld>
             <a:endParaRPr lang="fa-IR"/>
           </a:p>
@@ -2422,7 +2602,7 @@
           <a:p>
             <a:fld id="{749F0CB5-BAA6-4AB1-867C-C29921453313}" type="datetimeFigureOut">
               <a:rPr lang="fa-IR" smtClean="0"/>
-              <a:t>11/08/1445</a:t>
+              <a:t>12/08/1445</a:t>
             </a:fld>
             <a:endParaRPr lang="fa-IR"/>
           </a:p>
@@ -2535,7 +2715,7 @@
           <a:p>
             <a:fld id="{749F0CB5-BAA6-4AB1-867C-C29921453313}" type="datetimeFigureOut">
               <a:rPr lang="fa-IR" smtClean="0"/>
-              <a:t>11/08/1445</a:t>
+              <a:t>12/08/1445</a:t>
             </a:fld>
             <a:endParaRPr lang="fa-IR"/>
           </a:p>
@@ -2848,7 +3028,7 @@
           <a:p>
             <a:fld id="{749F0CB5-BAA6-4AB1-867C-C29921453313}" type="datetimeFigureOut">
               <a:rPr lang="fa-IR" smtClean="0"/>
-              <a:t>11/08/1445</a:t>
+              <a:t>12/08/1445</a:t>
             </a:fld>
             <a:endParaRPr lang="fa-IR"/>
           </a:p>
@@ -3137,7 +3317,7 @@
           <a:p>
             <a:fld id="{749F0CB5-BAA6-4AB1-867C-C29921453313}" type="datetimeFigureOut">
               <a:rPr lang="fa-IR" smtClean="0"/>
-              <a:t>11/08/1445</a:t>
+              <a:t>12/08/1445</a:t>
             </a:fld>
             <a:endParaRPr lang="fa-IR"/>
           </a:p>
@@ -3380,7 +3560,7 @@
           <a:p>
             <a:fld id="{749F0CB5-BAA6-4AB1-867C-C29921453313}" type="datetimeFigureOut">
               <a:rPr lang="fa-IR" smtClean="0"/>
-              <a:t>11/08/1445</a:t>
+              <a:t>12/08/1445</a:t>
             </a:fld>
             <a:endParaRPr lang="fa-IR"/>
           </a:p>
@@ -5136,8 +5316,8 @@
         </p:nvSpPr>
         <p:spPr>
           <a:xfrm>
-            <a:off x="3054285" y="3697326"/>
-            <a:ext cx="8485810" cy="617632"/>
+            <a:off x="2697018" y="3697326"/>
+            <a:ext cx="8843077" cy="617632"/>
           </a:xfrm>
           <a:prstGeom prst="rect">
             <a:avLst/>
@@ -5148,7 +5328,7 @@
         </p:spPr>
         <p:txBody>
           <a:bodyPr vert="horz" lIns="91440" tIns="45720" rIns="91440" bIns="45720" rtlCol="0" anchor="b">
-            <a:normAutofit fontScale="92500"/>
+            <a:normAutofit/>
           </a:bodyPr>
           <a:lstStyle>
             <a:lvl1pPr algn="ctr" defTabSz="914400" rtl="0" eaLnBrk="1" latinLnBrk="0" hangingPunct="1">
@@ -5211,7 +5391,7 @@
                 </a:effectLst>
                 <a:cs typeface="B Nazanin" panose="00000400000000000000" pitchFamily="2" charset="-78"/>
               </a:rPr>
-              <a:t>تقویت پاسخ مدل زبانی بزرگ (</a:t>
+              <a:t>تقویت مدل زبانی بزرگ (</a:t>
             </a:r>
             <a:r>
               <a:rPr lang="en-US" sz="3200" b="1" dirty="0">
@@ -5295,7 +5475,7 @@
                 </a:effectLst>
                 <a:cs typeface="B Nazanin" panose="00000400000000000000" pitchFamily="2" charset="-78"/>
               </a:rPr>
-              <a:t>) با افزودن دانش و اطلاعات </a:t>
+              <a:t>) با دانش و اطلاعات افزوده</a:t>
             </a:r>
           </a:p>
         </p:txBody>
@@ -5542,8 +5722,8 @@
         </p:blipFill>
         <p:spPr>
           <a:xfrm>
-            <a:off x="8542061" y="-258526"/>
-            <a:ext cx="3789696" cy="3726781"/>
+            <a:off x="8579370" y="-123655"/>
+            <a:ext cx="3612630" cy="3552655"/>
           </a:xfrm>
           <a:prstGeom prst="rect">
             <a:avLst/>
@@ -5690,31 +5870,7 @@
               <a:rPr lang="fa-IR" sz="2000" b="1" dirty="0">
                 <a:cs typeface="B Nazanin" panose="00000400000000000000" pitchFamily="2" charset="-78"/>
               </a:rPr>
-              <a:t>توهم (</a:t>
-            </a:r>
-            <a:r>
-              <a:rPr lang="en-US" sz="2000" b="1" dirty="0" err="1">
-                <a:cs typeface="B Nazanin" panose="00000400000000000000" pitchFamily="2" charset="-78"/>
-              </a:rPr>
-              <a:t>Halluincation</a:t>
-            </a:r>
-            <a:r>
-              <a:rPr lang="fa-IR" sz="2000" b="1" dirty="0">
-                <a:cs typeface="B Nazanin" panose="00000400000000000000" pitchFamily="2" charset="-78"/>
-              </a:rPr>
-              <a:t>): احتمال ارائه پاسخ نادرست </a:t>
-            </a:r>
-            <a:r>
-              <a:rPr lang="fa-IR" sz="2000" b="1" dirty="0" err="1">
-                <a:cs typeface="B Nazanin" panose="00000400000000000000" pitchFamily="2" charset="-78"/>
-              </a:rPr>
-              <a:t>علی‌رغم</a:t>
-            </a:r>
-            <a:r>
-              <a:rPr lang="fa-IR" sz="2000" b="1" dirty="0">
-                <a:cs typeface="B Nazanin" panose="00000400000000000000" pitchFamily="2" charset="-78"/>
-              </a:rPr>
-              <a:t> قاطعیت در بیان</a:t>
+              <a:t>پرهزینه بودن یادگیری اطلاعات و دانش جدید (مثل اطلاعات سازمانی)</a:t>
             </a:r>
           </a:p>
           <a:p>
@@ -5727,43 +5883,31 @@
               <a:rPr lang="fa-IR" sz="2000" b="1" dirty="0">
                 <a:cs typeface="B Nazanin" panose="00000400000000000000" pitchFamily="2" charset="-78"/>
               </a:rPr>
-              <a:t>پیروی از </a:t>
+              <a:t>توهم (</a:t>
+            </a:r>
+            <a:r>
+              <a:rPr lang="en-US" sz="2000" b="1" dirty="0" err="1">
+                <a:cs typeface="B Nazanin" panose="00000400000000000000" pitchFamily="2" charset="-78"/>
+              </a:rPr>
+              <a:t>Halluincation</a:t>
+            </a:r>
+            <a:r>
+              <a:rPr lang="fa-IR" sz="2000" b="1" dirty="0">
+                <a:cs typeface="B Nazanin" panose="00000400000000000000" pitchFamily="2" charset="-78"/>
+              </a:rPr>
+              <a:t>): احتمال ارائه پاسخ نادرست </a:t>
             </a:r>
             <a:r>
               <a:rPr lang="fa-IR" sz="2000" b="1" dirty="0" err="1">
                 <a:cs typeface="B Nazanin" panose="00000400000000000000" pitchFamily="2" charset="-78"/>
               </a:rPr>
-              <a:t>جهت‌گیری</a:t>
+              <a:t>علی‌رغم</a:t>
             </a:r>
             <a:r>
               <a:rPr lang="fa-IR" sz="2000" b="1" dirty="0">
                 <a:cs typeface="B Nazanin" panose="00000400000000000000" pitchFamily="2" charset="-78"/>
               </a:rPr>
-              <a:t>‎ (</a:t>
-            </a:r>
-            <a:r>
-              <a:rPr lang="en-US" sz="2000" b="1" dirty="0">
-                <a:cs typeface="B Nazanin" panose="00000400000000000000" pitchFamily="2" charset="-78"/>
-              </a:rPr>
-              <a:t>Bias</a:t>
-            </a:r>
-            <a:r>
-              <a:rPr lang="fa-IR" sz="2000" b="1" dirty="0">
-                <a:cs typeface="B Nazanin" panose="00000400000000000000" pitchFamily="2" charset="-78"/>
-              </a:rPr>
-              <a:t>) و ادبیات </a:t>
-            </a:r>
-            <a:r>
-              <a:rPr lang="fa-IR" sz="2000" b="1" dirty="0" err="1">
-                <a:cs typeface="B Nazanin" panose="00000400000000000000" pitchFamily="2" charset="-78"/>
-              </a:rPr>
-              <a:t>داده‌های</a:t>
-            </a:r>
-            <a:r>
-              <a:rPr lang="fa-IR" sz="2000" b="1" dirty="0">
-                <a:cs typeface="B Nazanin" panose="00000400000000000000" pitchFamily="2" charset="-78"/>
-              </a:rPr>
-              <a:t> آموزش</a:t>
+              <a:t> قاطعیت در بیان</a:t>
             </a:r>
           </a:p>
           <a:p>
@@ -5813,7 +5957,43 @@
               <a:rPr lang="fa-IR" sz="2000" b="1" dirty="0">
                 <a:cs typeface="B Nazanin" panose="00000400000000000000" pitchFamily="2" charset="-78"/>
               </a:rPr>
-              <a:t>پرهزینه بودن یادگیری اطلاعات و دانش جدید (مثل اطلاعات سازمانی)</a:t>
+              <a:t>پیروی از </a:t>
+            </a:r>
+            <a:r>
+              <a:rPr lang="fa-IR" sz="2000" b="1" dirty="0" err="1">
+                <a:cs typeface="B Nazanin" panose="00000400000000000000" pitchFamily="2" charset="-78"/>
+              </a:rPr>
+              <a:t>جهت‌گیری</a:t>
+            </a:r>
+            <a:r>
+              <a:rPr lang="fa-IR" sz="2000" b="1" dirty="0">
+                <a:cs typeface="B Nazanin" panose="00000400000000000000" pitchFamily="2" charset="-78"/>
+              </a:rPr>
+              <a:t>‎ (</a:t>
+            </a:r>
+            <a:r>
+              <a:rPr lang="en-US" sz="2000" b="1" dirty="0">
+                <a:cs typeface="B Nazanin" panose="00000400000000000000" pitchFamily="2" charset="-78"/>
+              </a:rPr>
+              <a:t>Bias</a:t>
+            </a:r>
+            <a:r>
+              <a:rPr lang="fa-IR" sz="2000" b="1" dirty="0">
+                <a:cs typeface="B Nazanin" panose="00000400000000000000" pitchFamily="2" charset="-78"/>
+              </a:rPr>
+              <a:t>) و ادبیات </a:t>
+            </a:r>
+            <a:r>
+              <a:rPr lang="fa-IR" sz="2000" b="1" dirty="0" err="1">
+                <a:cs typeface="B Nazanin" panose="00000400000000000000" pitchFamily="2" charset="-78"/>
+              </a:rPr>
+              <a:t>داده‌های</a:t>
+            </a:r>
+            <a:r>
+              <a:rPr lang="fa-IR" sz="2000" b="1" dirty="0">
+                <a:cs typeface="B Nazanin" panose="00000400000000000000" pitchFamily="2" charset="-78"/>
+              </a:rPr>
+              <a:t> آموزش</a:t>
             </a:r>
           </a:p>
           <a:p>
@@ -6071,6 +6251,378 @@
   <p:clrMapOvr>
     <a:masterClrMapping/>
   </p:clrMapOvr>
+  <p:timing>
+    <p:tnLst>
+      <p:par>
+        <p:cTn id="1" dur="indefinite" restart="never" nodeType="tmRoot">
+          <p:childTnLst>
+            <p:seq concurrent="1" nextAc="seek">
+              <p:cTn id="2" dur="indefinite" nodeType="mainSeq">
+                <p:childTnLst>
+                  <p:par>
+                    <p:cTn id="3" fill="hold">
+                      <p:stCondLst>
+                        <p:cond delay="indefinite"/>
+                      </p:stCondLst>
+                      <p:childTnLst>
+                        <p:par>
+                          <p:cTn id="4" fill="hold">
+                            <p:stCondLst>
+                              <p:cond delay="0"/>
+                            </p:stCondLst>
+                            <p:childTnLst>
+                              <p:par>
+                                <p:cTn id="5" presetID="19" presetClass="emph" presetSubtype="0" fill="hold" nodeType="clickEffect">
+                                  <p:stCondLst>
+                                    <p:cond delay="0"/>
+                                  </p:stCondLst>
+                                  <p:childTnLst>
+                                    <p:animClr clrSpc="rgb" dir="cw">
+                                      <p:cBhvr override="childStyle">
+                                        <p:cTn id="6" dur="500" fill="hold"/>
+                                        <p:tgtEl>
+                                          <p:spTgt spid="3">
+                                            <p:txEl>
+                                              <p:pRg st="0" end="0"/>
+                                            </p:txEl>
+                                          </p:spTgt>
+                                        </p:tgtEl>
+                                        <p:attrNameLst>
+                                          <p:attrName>style.color</p:attrName>
+                                        </p:attrNameLst>
+                                      </p:cBhvr>
+                                      <p:to>
+                                        <a:srgbClr val="C00000"/>
+                                      </p:to>
+                                    </p:animClr>
+                                    <p:animClr clrSpc="rgb" dir="cw">
+                                      <p:cBhvr>
+                                        <p:cTn id="7" dur="500" fill="hold"/>
+                                        <p:tgtEl>
+                                          <p:spTgt spid="3">
+                                            <p:txEl>
+                                              <p:pRg st="0" end="0"/>
+                                            </p:txEl>
+                                          </p:spTgt>
+                                        </p:tgtEl>
+                                        <p:attrNameLst>
+                                          <p:attrName>fillcolor</p:attrName>
+                                        </p:attrNameLst>
+                                      </p:cBhvr>
+                                      <p:to>
+                                        <a:srgbClr val="C00000"/>
+                                      </p:to>
+                                    </p:animClr>
+                                    <p:set>
+                                      <p:cBhvr>
+                                        <p:cTn id="8" dur="500" fill="hold"/>
+                                        <p:tgtEl>
+                                          <p:spTgt spid="3">
+                                            <p:txEl>
+                                              <p:pRg st="0" end="0"/>
+                                            </p:txEl>
+                                          </p:spTgt>
+                                        </p:tgtEl>
+                                        <p:attrNameLst>
+                                          <p:attrName>fill.type</p:attrName>
+                                        </p:attrNameLst>
+                                      </p:cBhvr>
+                                      <p:to>
+                                        <p:strVal val="solid"/>
+                                      </p:to>
+                                    </p:set>
+                                    <p:set>
+                                      <p:cBhvr>
+                                        <p:cTn id="9" dur="500" fill="hold"/>
+                                        <p:tgtEl>
+                                          <p:spTgt spid="3">
+                                            <p:txEl>
+                                              <p:pRg st="0" end="0"/>
+                                            </p:txEl>
+                                          </p:spTgt>
+                                        </p:tgtEl>
+                                        <p:attrNameLst>
+                                          <p:attrName>fill.on</p:attrName>
+                                        </p:attrNameLst>
+                                      </p:cBhvr>
+                                      <p:to>
+                                        <p:strVal val="true"/>
+                                      </p:to>
+                                    </p:set>
+                                  </p:childTnLst>
+                                </p:cTn>
+                              </p:par>
+                              <p:par>
+                                <p:cTn id="10" presetID="19" presetClass="emph" presetSubtype="0" fill="hold" nodeType="withEffect">
+                                  <p:stCondLst>
+                                    <p:cond delay="0"/>
+                                  </p:stCondLst>
+                                  <p:childTnLst>
+                                    <p:animClr clrSpc="rgb" dir="cw">
+                                      <p:cBhvr override="childStyle">
+                                        <p:cTn id="11" dur="500" fill="hold"/>
+                                        <p:tgtEl>
+                                          <p:spTgt spid="3">
+                                            <p:txEl>
+                                              <p:pRg st="1" end="1"/>
+                                            </p:txEl>
+                                          </p:spTgt>
+                                        </p:tgtEl>
+                                        <p:attrNameLst>
+                                          <p:attrName>style.color</p:attrName>
+                                        </p:attrNameLst>
+                                      </p:cBhvr>
+                                      <p:to>
+                                        <a:srgbClr val="C00000"/>
+                                      </p:to>
+                                    </p:animClr>
+                                    <p:animClr clrSpc="rgb" dir="cw">
+                                      <p:cBhvr>
+                                        <p:cTn id="12" dur="500" fill="hold"/>
+                                        <p:tgtEl>
+                                          <p:spTgt spid="3">
+                                            <p:txEl>
+                                              <p:pRg st="1" end="1"/>
+                                            </p:txEl>
+                                          </p:spTgt>
+                                        </p:tgtEl>
+                                        <p:attrNameLst>
+                                          <p:attrName>fillcolor</p:attrName>
+                                        </p:attrNameLst>
+                                      </p:cBhvr>
+                                      <p:to>
+                                        <a:srgbClr val="C00000"/>
+                                      </p:to>
+                                    </p:animClr>
+                                    <p:set>
+                                      <p:cBhvr>
+                                        <p:cTn id="13" dur="500" fill="hold"/>
+                                        <p:tgtEl>
+                                          <p:spTgt spid="3">
+                                            <p:txEl>
+                                              <p:pRg st="1" end="1"/>
+                                            </p:txEl>
+                                          </p:spTgt>
+                                        </p:tgtEl>
+                                        <p:attrNameLst>
+                                          <p:attrName>fill.type</p:attrName>
+                                        </p:attrNameLst>
+                                      </p:cBhvr>
+                                      <p:to>
+                                        <p:strVal val="solid"/>
+                                      </p:to>
+                                    </p:set>
+                                    <p:set>
+                                      <p:cBhvr>
+                                        <p:cTn id="14" dur="500" fill="hold"/>
+                                        <p:tgtEl>
+                                          <p:spTgt spid="3">
+                                            <p:txEl>
+                                              <p:pRg st="1" end="1"/>
+                                            </p:txEl>
+                                          </p:spTgt>
+                                        </p:tgtEl>
+                                        <p:attrNameLst>
+                                          <p:attrName>fill.on</p:attrName>
+                                        </p:attrNameLst>
+                                      </p:cBhvr>
+                                      <p:to>
+                                        <p:strVal val="true"/>
+                                      </p:to>
+                                    </p:set>
+                                  </p:childTnLst>
+                                </p:cTn>
+                              </p:par>
+                              <p:par>
+                                <p:cTn id="15" presetID="19" presetClass="emph" presetSubtype="0" fill="hold" nodeType="withEffect">
+                                  <p:stCondLst>
+                                    <p:cond delay="0"/>
+                                  </p:stCondLst>
+                                  <p:childTnLst>
+                                    <p:animClr clrSpc="rgb" dir="cw">
+                                      <p:cBhvr override="childStyle">
+                                        <p:cTn id="16" dur="500" fill="hold"/>
+                                        <p:tgtEl>
+                                          <p:spTgt spid="3">
+                                            <p:txEl>
+                                              <p:pRg st="2" end="2"/>
+                                            </p:txEl>
+                                          </p:spTgt>
+                                        </p:tgtEl>
+                                        <p:attrNameLst>
+                                          <p:attrName>style.color</p:attrName>
+                                        </p:attrNameLst>
+                                      </p:cBhvr>
+                                      <p:to>
+                                        <a:srgbClr val="C00000"/>
+                                      </p:to>
+                                    </p:animClr>
+                                    <p:animClr clrSpc="rgb" dir="cw">
+                                      <p:cBhvr>
+                                        <p:cTn id="17" dur="500" fill="hold"/>
+                                        <p:tgtEl>
+                                          <p:spTgt spid="3">
+                                            <p:txEl>
+                                              <p:pRg st="2" end="2"/>
+                                            </p:txEl>
+                                          </p:spTgt>
+                                        </p:tgtEl>
+                                        <p:attrNameLst>
+                                          <p:attrName>fillcolor</p:attrName>
+                                        </p:attrNameLst>
+                                      </p:cBhvr>
+                                      <p:to>
+                                        <a:srgbClr val="C00000"/>
+                                      </p:to>
+                                    </p:animClr>
+                                    <p:set>
+                                      <p:cBhvr>
+                                        <p:cTn id="18" dur="500" fill="hold"/>
+                                        <p:tgtEl>
+                                          <p:spTgt spid="3">
+                                            <p:txEl>
+                                              <p:pRg st="2" end="2"/>
+                                            </p:txEl>
+                                          </p:spTgt>
+                                        </p:tgtEl>
+                                        <p:attrNameLst>
+                                          <p:attrName>fill.type</p:attrName>
+                                        </p:attrNameLst>
+                                      </p:cBhvr>
+                                      <p:to>
+                                        <p:strVal val="solid"/>
+                                      </p:to>
+                                    </p:set>
+                                    <p:set>
+                                      <p:cBhvr>
+                                        <p:cTn id="19" dur="500" fill="hold"/>
+                                        <p:tgtEl>
+                                          <p:spTgt spid="3">
+                                            <p:txEl>
+                                              <p:pRg st="2" end="2"/>
+                                            </p:txEl>
+                                          </p:spTgt>
+                                        </p:tgtEl>
+                                        <p:attrNameLst>
+                                          <p:attrName>fill.on</p:attrName>
+                                        </p:attrNameLst>
+                                      </p:cBhvr>
+                                      <p:to>
+                                        <p:strVal val="true"/>
+                                      </p:to>
+                                    </p:set>
+                                  </p:childTnLst>
+                                </p:cTn>
+                              </p:par>
+                              <p:par>
+                                <p:cTn id="20" presetID="19" presetClass="emph" presetSubtype="0" fill="hold" nodeType="withEffect">
+                                  <p:stCondLst>
+                                    <p:cond delay="0"/>
+                                  </p:stCondLst>
+                                  <p:childTnLst>
+                                    <p:animClr clrSpc="rgb" dir="cw">
+                                      <p:cBhvr override="childStyle">
+                                        <p:cTn id="21" dur="500" fill="hold"/>
+                                        <p:tgtEl>
+                                          <p:spTgt spid="3">
+                                            <p:txEl>
+                                              <p:pRg st="3" end="3"/>
+                                            </p:txEl>
+                                          </p:spTgt>
+                                        </p:tgtEl>
+                                        <p:attrNameLst>
+                                          <p:attrName>style.color</p:attrName>
+                                        </p:attrNameLst>
+                                      </p:cBhvr>
+                                      <p:to>
+                                        <a:srgbClr val="C00000"/>
+                                      </p:to>
+                                    </p:animClr>
+                                    <p:animClr clrSpc="rgb" dir="cw">
+                                      <p:cBhvr>
+                                        <p:cTn id="22" dur="500" fill="hold"/>
+                                        <p:tgtEl>
+                                          <p:spTgt spid="3">
+                                            <p:txEl>
+                                              <p:pRg st="3" end="3"/>
+                                            </p:txEl>
+                                          </p:spTgt>
+                                        </p:tgtEl>
+                                        <p:attrNameLst>
+                                          <p:attrName>fillcolor</p:attrName>
+                                        </p:attrNameLst>
+                                      </p:cBhvr>
+                                      <p:to>
+                                        <a:srgbClr val="C00000"/>
+                                      </p:to>
+                                    </p:animClr>
+                                    <p:set>
+                                      <p:cBhvr>
+                                        <p:cTn id="23" dur="500" fill="hold"/>
+                                        <p:tgtEl>
+                                          <p:spTgt spid="3">
+                                            <p:txEl>
+                                              <p:pRg st="3" end="3"/>
+                                            </p:txEl>
+                                          </p:spTgt>
+                                        </p:tgtEl>
+                                        <p:attrNameLst>
+                                          <p:attrName>fill.type</p:attrName>
+                                        </p:attrNameLst>
+                                      </p:cBhvr>
+                                      <p:to>
+                                        <p:strVal val="solid"/>
+                                      </p:to>
+                                    </p:set>
+                                    <p:set>
+                                      <p:cBhvr>
+                                        <p:cTn id="24" dur="500" fill="hold"/>
+                                        <p:tgtEl>
+                                          <p:spTgt spid="3">
+                                            <p:txEl>
+                                              <p:pRg st="3" end="3"/>
+                                            </p:txEl>
+                                          </p:spTgt>
+                                        </p:tgtEl>
+                                        <p:attrNameLst>
+                                          <p:attrName>fill.on</p:attrName>
+                                        </p:attrNameLst>
+                                      </p:cBhvr>
+                                      <p:to>
+                                        <p:strVal val="true"/>
+                                      </p:to>
+                                    </p:set>
+                                  </p:childTnLst>
+                                </p:cTn>
+                              </p:par>
+                            </p:childTnLst>
+                          </p:cTn>
+                        </p:par>
+                      </p:childTnLst>
+                    </p:cTn>
+                  </p:par>
+                </p:childTnLst>
+              </p:cTn>
+              <p:prevCondLst>
+                <p:cond evt="onPrev" delay="0">
+                  <p:tgtEl>
+                    <p:sldTgt/>
+                  </p:tgtEl>
+                </p:cond>
+              </p:prevCondLst>
+              <p:nextCondLst>
+                <p:cond evt="onNext" delay="0">
+                  <p:tgtEl>
+                    <p:sldTgt/>
+                  </p:tgtEl>
+                </p:cond>
+              </p:nextCondLst>
+            </p:seq>
+          </p:childTnLst>
+        </p:cTn>
+      </p:par>
+    </p:tnLst>
+  </p:timing>
 </p:sld>
 </file>
 
@@ -6239,7 +6791,7 @@
         </p:spPr>
         <p:txBody>
           <a:bodyPr vert="horz" lIns="91440" tIns="45720" rIns="91440" bIns="45720" rtlCol="0">
-            <a:normAutofit/>
+            <a:normAutofit fontScale="92500"/>
           </a:bodyPr>
           <a:lstStyle>
             <a:lvl1pPr marL="228600" indent="-228600" algn="l" defTabSz="914400" rtl="0" eaLnBrk="1" latinLnBrk="0" hangingPunct="1">
@@ -6410,7 +6962,7 @@
               <a:buNone/>
             </a:pPr>
             <a:r>
-              <a:rPr lang="en-US" sz="2000" dirty="0">
+              <a:rPr lang="en-US" sz="2000" b="1" dirty="0">
                 <a:solidFill>
                   <a:srgbClr val="4B4F58"/>
                 </a:solidFill>
@@ -6418,7 +6970,7 @@
               </a:rPr>
               <a:t>Pre-training</a:t>
             </a:r>
-            <a:endParaRPr lang="fa-IR" sz="2000" dirty="0">
+            <a:endParaRPr lang="fa-IR" sz="2000" b="1" dirty="0">
               <a:solidFill>
                 <a:srgbClr val="4B4F58"/>
               </a:solidFill>
@@ -6830,7 +7382,7 @@
               <a:rPr lang="fa-IR" sz="2400" b="1" dirty="0">
                 <a:cs typeface="B Nazanin" panose="00000400000000000000" pitchFamily="2" charset="-78"/>
               </a:rPr>
-              <a:t>تقویت ورودی مدل زبانی با ضمیمه کردن دانش و اطلاعات مربوط به سوال</a:t>
+              <a:t>تقویت پاسخ مدل زبانی با ضمیمه شدن دانش و اطلاعات مربوطه به ورودی مدل</a:t>
             </a:r>
           </a:p>
         </p:txBody>
@@ -7031,7 +7583,7 @@
               <a:buNone/>
             </a:pPr>
             <a:r>
-              <a:rPr lang="en-US" sz="2000" dirty="0">
+              <a:rPr lang="en-US" sz="2000" b="1" dirty="0">
                 <a:solidFill>
                   <a:srgbClr val="4B4F58"/>
                 </a:solidFill>
@@ -7039,7 +7591,7 @@
               </a:rPr>
               <a:t>Fine-tuning</a:t>
             </a:r>
-            <a:endParaRPr lang="fa-IR" sz="2000" dirty="0">
+            <a:endParaRPr lang="fa-IR" sz="2000" b="1" dirty="0">
               <a:solidFill>
                 <a:srgbClr val="4B4F58"/>
               </a:solidFill>
@@ -7244,7 +7796,7 @@
               <a:buNone/>
             </a:pPr>
             <a:r>
-              <a:rPr lang="en-US" sz="2000" b="0" i="0" dirty="0">
+              <a:rPr lang="en-US" sz="2000" b="1" i="0" dirty="0">
                 <a:solidFill>
                   <a:srgbClr val="4B4F58"/>
                 </a:solidFill>
@@ -7253,7 +7805,7 @@
               </a:rPr>
               <a:t>Retrieval-Augmented Generation (RAG)</a:t>
             </a:r>
-            <a:endParaRPr lang="fa-IR" sz="2000" dirty="0"/>
+            <a:endParaRPr lang="fa-IR" sz="2000" b="1" dirty="0"/>
           </a:p>
         </p:txBody>
       </p:sp>
@@ -7301,20 +7853,36 @@
         </p:nvSpPr>
         <p:spPr>
           <a:xfrm>
-            <a:off x="9773029" y="2141495"/>
+            <a:off x="10198022" y="1529981"/>
             <a:ext cx="1539189" cy="1443317"/>
           </a:xfrm>
           <a:prstGeom prst="ellipse">
             <a:avLst/>
           </a:prstGeom>
           <a:solidFill>
-            <a:srgbClr val="DFAAF4"/>
+            <a:srgbClr val="E3B5F5"/>
           </a:solidFill>
           <a:ln>
-            <a:solidFill>
-              <a:schemeClr val="bg1"/>
-            </a:solidFill>
+            <a:noFill/>
           </a:ln>
+          <a:effectLst>
+            <a:outerShdw blurRad="50800" dist="38100" dir="8100000" algn="tr" rotWithShape="0">
+              <a:prstClr val="black">
+                <a:alpha val="40000"/>
+              </a:prstClr>
+            </a:outerShdw>
+          </a:effectLst>
+          <a:scene3d>
+            <a:camera prst="orthographicFront">
+              <a:rot lat="0" lon="0" rev="0"/>
+            </a:camera>
+            <a:lightRig rig="contrasting" dir="t">
+              <a:rot lat="0" lon="0" rev="1500000"/>
+            </a:lightRig>
+          </a:scene3d>
+          <a:sp3d prstMaterial="metal">
+            <a:bevelT w="88900" h="88900"/>
+          </a:sp3d>
         </p:spPr>
         <p:style>
           <a:lnRef idx="2">
@@ -7363,32 +7931,46 @@
         </p:nvSpPr>
         <p:spPr>
           <a:xfrm>
-            <a:off x="4181809" y="4495739"/>
+            <a:off x="4574952" y="4485459"/>
             <a:ext cx="2010742" cy="1296411"/>
           </a:xfrm>
           <a:prstGeom prst="snip2SameRect">
             <a:avLst/>
           </a:prstGeom>
-          <a:solidFill>
-            <a:schemeClr val="accent1">
-              <a:lumMod val="50000"/>
-            </a:schemeClr>
-          </a:solidFill>
+          <a:ln>
+            <a:noFill/>
+          </a:ln>
+          <a:effectLst>
+            <a:outerShdw blurRad="50800" dist="38100" dir="8100000" algn="tr" rotWithShape="0">
+              <a:prstClr val="black">
+                <a:alpha val="40000"/>
+              </a:prstClr>
+            </a:outerShdw>
+          </a:effectLst>
+          <a:scene3d>
+            <a:camera prst="orthographicFront">
+              <a:rot lat="0" lon="0" rev="0"/>
+            </a:camera>
+            <a:lightRig rig="balanced" dir="t">
+              <a:rot lat="0" lon="0" rev="8700000"/>
+            </a:lightRig>
+          </a:scene3d>
+          <a:sp3d>
+            <a:bevelT w="190500" h="38100"/>
+          </a:sp3d>
         </p:spPr>
         <p:style>
-          <a:lnRef idx="2">
-            <a:schemeClr val="accent1">
-              <a:shade val="15000"/>
-            </a:schemeClr>
+          <a:lnRef idx="1">
+            <a:schemeClr val="accent3"/>
           </a:lnRef>
-          <a:fillRef idx="1">
-            <a:schemeClr val="accent1"/>
+          <a:fillRef idx="2">
+            <a:schemeClr val="accent3"/>
           </a:fillRef>
-          <a:effectRef idx="0">
-            <a:schemeClr val="accent1"/>
+          <a:effectRef idx="1">
+            <a:schemeClr val="accent3"/>
           </a:effectRef>
           <a:fontRef idx="minor">
-            <a:schemeClr val="lt1"/>
+            <a:schemeClr val="dk1"/>
           </a:fontRef>
         </p:style>
         <p:txBody>
@@ -7432,12 +8014,15 @@
           <p:nvPr/>
         </p:nvSpPr>
         <p:spPr>
-          <a:xfrm rot="3620871">
-            <a:off x="1224599" y="3857868"/>
-            <a:ext cx="1454918" cy="337487"/>
+          <a:xfrm rot="3328977">
+            <a:off x="809669" y="3747921"/>
+            <a:ext cx="1650910" cy="310376"/>
           </a:xfrm>
           <a:prstGeom prst="rightArrow">
-            <a:avLst/>
+            <a:avLst>
+              <a:gd name="adj1" fmla="val 50000"/>
+              <a:gd name="adj2" fmla="val 91926"/>
+            </a:avLst>
           </a:prstGeom>
           <a:solidFill>
             <a:schemeClr val="accent4">
@@ -7445,9 +8030,7 @@
             </a:schemeClr>
           </a:solidFill>
           <a:ln>
-            <a:solidFill>
-              <a:schemeClr val="bg1"/>
-            </a:solidFill>
+            <a:noFill/>
           </a:ln>
         </p:spPr>
         <p:style>
@@ -7489,30 +8072,46 @@
         </p:nvSpPr>
         <p:spPr>
           <a:xfrm>
-            <a:off x="1181263" y="4656999"/>
+            <a:off x="976625" y="4596689"/>
             <a:ext cx="2216879" cy="1180831"/>
           </a:xfrm>
           <a:prstGeom prst="roundRect">
             <a:avLst/>
           </a:prstGeom>
-          <a:solidFill>
-            <a:srgbClr val="008EC0"/>
-          </a:solidFill>
+          <a:ln>
+            <a:noFill/>
+          </a:ln>
+          <a:effectLst>
+            <a:outerShdw blurRad="44450" dist="27940" dir="5400000" algn="ctr">
+              <a:srgbClr val="000000">
+                <a:alpha val="32000"/>
+              </a:srgbClr>
+            </a:outerShdw>
+          </a:effectLst>
+          <a:scene3d>
+            <a:camera prst="orthographicFront">
+              <a:rot lat="0" lon="0" rev="0"/>
+            </a:camera>
+            <a:lightRig rig="balanced" dir="t">
+              <a:rot lat="0" lon="0" rev="8700000"/>
+            </a:lightRig>
+          </a:scene3d>
+          <a:sp3d>
+            <a:bevelT w="190500" h="38100"/>
+          </a:sp3d>
         </p:spPr>
         <p:style>
-          <a:lnRef idx="2">
-            <a:schemeClr val="accent1">
-              <a:shade val="15000"/>
-            </a:schemeClr>
+          <a:lnRef idx="1">
+            <a:schemeClr val="accent1"/>
           </a:lnRef>
-          <a:fillRef idx="1">
+          <a:fillRef idx="2">
             <a:schemeClr val="accent1"/>
           </a:fillRef>
-          <a:effectRef idx="0">
+          <a:effectRef idx="1">
             <a:schemeClr val="accent1"/>
           </a:effectRef>
           <a:fontRef idx="minor">
-            <a:schemeClr val="lt1"/>
+            <a:schemeClr val="dk1"/>
           </a:fontRef>
         </p:style>
         <p:txBody>
@@ -7558,8 +8157,8 @@
         </p:nvGrpSpPr>
         <p:grpSpPr>
           <a:xfrm>
-            <a:off x="4381921" y="2278212"/>
-            <a:ext cx="1748950" cy="1544468"/>
+            <a:off x="4872173" y="1504257"/>
+            <a:ext cx="1777862" cy="1738320"/>
             <a:chOff x="5554862" y="2758085"/>
             <a:chExt cx="1586831" cy="1350815"/>
           </a:xfrm>
@@ -7584,31 +8183,42 @@
             <a:prstGeom prst="rect">
               <a:avLst/>
             </a:prstGeom>
-            <a:solidFill>
-              <a:schemeClr val="accent1">
-                <a:lumMod val="50000"/>
-              </a:schemeClr>
-            </a:solidFill>
+            <a:gradFill flip="none" rotWithShape="1">
+              <a:gsLst>
+                <a:gs pos="0">
+                  <a:schemeClr val="accent1">
+                    <a:lumMod val="67000"/>
+                  </a:schemeClr>
+                </a:gs>
+                <a:gs pos="48000">
+                  <a:schemeClr val="accent1">
+                    <a:lumMod val="97000"/>
+                    <a:lumOff val="3000"/>
+                  </a:schemeClr>
+                </a:gs>
+                <a:gs pos="100000">
+                  <a:schemeClr val="accent1">
+                    <a:lumMod val="60000"/>
+                    <a:lumOff val="40000"/>
+                  </a:schemeClr>
+                </a:gs>
+              </a:gsLst>
+              <a:lin ang="16200000" scaled="1"/>
+              <a:tileRect/>
+            </a:gradFill>
             <a:ln>
-              <a:solidFill>
-                <a:schemeClr val="accent1">
-                  <a:lumMod val="60000"/>
-                  <a:lumOff val="40000"/>
-                </a:schemeClr>
-              </a:solidFill>
+              <a:noFill/>
             </a:ln>
           </p:spPr>
           <p:style>
-            <a:lnRef idx="2">
-              <a:schemeClr val="accent1">
-                <a:shade val="15000"/>
-              </a:schemeClr>
+            <a:lnRef idx="0">
+              <a:scrgbClr r="0" g="0" b="0"/>
             </a:lnRef>
-            <a:fillRef idx="1">
-              <a:schemeClr val="accent1"/>
+            <a:fillRef idx="0">
+              <a:scrgbClr r="0" g="0" b="0"/>
             </a:fillRef>
             <a:effectRef idx="0">
-              <a:schemeClr val="accent1"/>
+              <a:scrgbClr r="0" g="0" b="0"/>
             </a:effectRef>
             <a:fontRef idx="minor">
               <a:schemeClr val="lt1"/>
@@ -7643,31 +8253,42 @@
             <a:prstGeom prst="rect">
               <a:avLst/>
             </a:prstGeom>
-            <a:solidFill>
-              <a:schemeClr val="accent1">
-                <a:lumMod val="75000"/>
-              </a:schemeClr>
-            </a:solidFill>
+            <a:gradFill flip="none" rotWithShape="1">
+              <a:gsLst>
+                <a:gs pos="0">
+                  <a:schemeClr val="accent1">
+                    <a:lumMod val="67000"/>
+                  </a:schemeClr>
+                </a:gs>
+                <a:gs pos="48000">
+                  <a:schemeClr val="accent1">
+                    <a:lumMod val="97000"/>
+                    <a:lumOff val="3000"/>
+                  </a:schemeClr>
+                </a:gs>
+                <a:gs pos="100000">
+                  <a:schemeClr val="accent1">
+                    <a:lumMod val="60000"/>
+                    <a:lumOff val="40000"/>
+                  </a:schemeClr>
+                </a:gs>
+              </a:gsLst>
+              <a:lin ang="16200000" scaled="1"/>
+              <a:tileRect/>
+            </a:gradFill>
             <a:ln>
-              <a:solidFill>
-                <a:schemeClr val="accent1">
-                  <a:lumMod val="60000"/>
-                  <a:lumOff val="40000"/>
-                </a:schemeClr>
-              </a:solidFill>
+              <a:noFill/>
             </a:ln>
           </p:spPr>
           <p:style>
-            <a:lnRef idx="2">
-              <a:schemeClr val="accent1">
-                <a:shade val="15000"/>
-              </a:schemeClr>
+            <a:lnRef idx="0">
+              <a:scrgbClr r="0" g="0" b="0"/>
             </a:lnRef>
-            <a:fillRef idx="1">
-              <a:schemeClr val="accent1"/>
+            <a:fillRef idx="0">
+              <a:scrgbClr r="0" g="0" b="0"/>
             </a:fillRef>
             <a:effectRef idx="0">
-              <a:schemeClr val="accent1"/>
+              <a:scrgbClr r="0" g="0" b="0"/>
             </a:effectRef>
             <a:fontRef idx="minor">
               <a:schemeClr val="lt1"/>
@@ -7702,13 +8323,677 @@
             <a:prstGeom prst="rect">
               <a:avLst/>
             </a:prstGeom>
+            <a:gradFill flip="none" rotWithShape="1">
+              <a:gsLst>
+                <a:gs pos="0">
+                  <a:schemeClr val="accent1">
+                    <a:lumMod val="67000"/>
+                  </a:schemeClr>
+                </a:gs>
+                <a:gs pos="48000">
+                  <a:schemeClr val="accent1">
+                    <a:lumMod val="97000"/>
+                    <a:lumOff val="3000"/>
+                  </a:schemeClr>
+                </a:gs>
+                <a:gs pos="100000">
+                  <a:schemeClr val="accent1">
+                    <a:lumMod val="60000"/>
+                    <a:lumOff val="40000"/>
+                  </a:schemeClr>
+                </a:gs>
+              </a:gsLst>
+              <a:lin ang="16200000" scaled="1"/>
+              <a:tileRect/>
+            </a:gradFill>
             <a:ln>
+              <a:noFill/>
+            </a:ln>
+          </p:spPr>
+          <p:style>
+            <a:lnRef idx="0">
+              <a:scrgbClr r="0" g="0" b="0"/>
+            </a:lnRef>
+            <a:fillRef idx="0">
+              <a:scrgbClr r="0" g="0" b="0"/>
+            </a:fillRef>
+            <a:effectRef idx="0">
+              <a:scrgbClr r="0" g="0" b="0"/>
+            </a:effectRef>
+            <a:fontRef idx="minor">
+              <a:schemeClr val="lt1"/>
+            </a:fontRef>
+          </p:style>
+          <p:txBody>
+            <a:bodyPr rtlCol="1" anchor="ctr"/>
+            <a:lstStyle/>
+            <a:p>
+              <a:pPr algn="ctr"/>
+              <a:r>
+                <a:rPr lang="fa-IR" b="1" dirty="0">
+                  <a:cs typeface="B Nazanin" panose="00000400000000000000" pitchFamily="2" charset="-78"/>
+                </a:rPr>
+                <a:t>مضامین مرتبط دریافت شده</a:t>
+              </a:r>
+            </a:p>
+            <a:p>
+              <a:pPr algn="ctr"/>
+              <a:endParaRPr lang="fa-IR" dirty="0"/>
+            </a:p>
+            <a:p>
+              <a:pPr algn="ctr"/>
+              <a:r>
+                <a:rPr lang="en-US" dirty="0"/>
+                <a:t>Retrieved contexts</a:t>
+              </a:r>
+              <a:endParaRPr lang="fa-IR" dirty="0"/>
+            </a:p>
+          </p:txBody>
+        </p:sp>
+      </p:grpSp>
+      <p:sp>
+        <p:nvSpPr>
+          <p:cNvPr id="35" name="Diamond 34">
+            <a:extLst>
+              <a:ext uri="{FF2B5EF4-FFF2-40B4-BE49-F238E27FC236}">
+                <a16:creationId xmlns:a16="http://schemas.microsoft.com/office/drawing/2014/main" id="{E9705E75-6B1D-8AD9-14D9-757D6948F738}"/>
+              </a:ext>
+            </a:extLst>
+          </p:cNvPr>
+          <p:cNvSpPr/>
+          <p:nvPr/>
+        </p:nvSpPr>
+        <p:spPr>
+          <a:xfrm>
+            <a:off x="7308764" y="1351365"/>
+            <a:ext cx="2142202" cy="1913593"/>
+          </a:xfrm>
+          <a:prstGeom prst="diamond">
+            <a:avLst/>
+          </a:prstGeom>
+          <a:ln>
+            <a:noFill/>
+          </a:ln>
+          <a:effectLst>
+            <a:outerShdw blurRad="50800" dist="38100" dir="8100000" algn="tr" rotWithShape="0">
+              <a:prstClr val="black">
+                <a:alpha val="40000"/>
+              </a:prstClr>
+            </a:outerShdw>
+          </a:effectLst>
+          <a:scene3d>
+            <a:camera prst="orthographicFront">
+              <a:rot lat="0" lon="0" rev="0"/>
+            </a:camera>
+            <a:lightRig rig="balanced" dir="t">
+              <a:rot lat="0" lon="0" rev="8700000"/>
+            </a:lightRig>
+          </a:scene3d>
+          <a:sp3d>
+            <a:bevelT w="190500" h="38100" prst="coolSlant"/>
+          </a:sp3d>
+        </p:spPr>
+        <p:style>
+          <a:lnRef idx="1">
+            <a:schemeClr val="accent6"/>
+          </a:lnRef>
+          <a:fillRef idx="2">
+            <a:schemeClr val="accent6"/>
+          </a:fillRef>
+          <a:effectRef idx="1">
+            <a:schemeClr val="accent6"/>
+          </a:effectRef>
+          <a:fontRef idx="minor">
+            <a:schemeClr val="dk1"/>
+          </a:fontRef>
+        </p:style>
+        <p:txBody>
+          <a:bodyPr rtlCol="1" anchor="ctr"/>
+          <a:lstStyle/>
+          <a:p>
+            <a:pPr algn="ctr"/>
+            <a:endParaRPr lang="fa-IR" sz="2000" b="1" dirty="0">
               <a:solidFill>
-                <a:schemeClr val="accent1">
-                  <a:lumMod val="60000"/>
-                  <a:lumOff val="40000"/>
-                </a:schemeClr>
+                <a:schemeClr val="tx1"/>
               </a:solidFill>
+              <a:cs typeface="B Nazanin" panose="00000400000000000000" pitchFamily="2" charset="-78"/>
+            </a:endParaRPr>
+          </a:p>
+          <a:p>
+            <a:pPr algn="ctr"/>
+            <a:r>
+              <a:rPr lang="fa-IR" sz="2000" b="1" dirty="0">
+                <a:solidFill>
+                  <a:schemeClr val="tx1"/>
+                </a:solidFill>
+                <a:cs typeface="B Nazanin" panose="00000400000000000000" pitchFamily="2" charset="-78"/>
+              </a:rPr>
+              <a:t>مدل زبانی بزرگ</a:t>
+            </a:r>
+          </a:p>
+          <a:p>
+            <a:pPr algn="ctr"/>
+            <a:r>
+              <a:rPr lang="en-US" b="1" dirty="0">
+                <a:solidFill>
+                  <a:schemeClr val="tx1"/>
+                </a:solidFill>
+                <a:cs typeface="+mj-cs"/>
+              </a:rPr>
+              <a:t>(LLM)</a:t>
+            </a:r>
+            <a:endParaRPr lang="fa-IR" b="1" dirty="0">
+              <a:solidFill>
+                <a:schemeClr val="tx1"/>
+              </a:solidFill>
+              <a:cs typeface="+mj-cs"/>
+            </a:endParaRPr>
+          </a:p>
+          <a:p>
+            <a:pPr algn="ctr"/>
+            <a:endParaRPr lang="fa-IR" sz="2000" b="1" dirty="0">
+              <a:solidFill>
+                <a:schemeClr val="tx1"/>
+              </a:solidFill>
+              <a:cs typeface="B Nazanin" panose="00000400000000000000" pitchFamily="2" charset="-78"/>
+            </a:endParaRPr>
+          </a:p>
+        </p:txBody>
+      </p:sp>
+      <p:sp>
+        <p:nvSpPr>
+          <p:cNvPr id="39" name="Arrow: Curved Down 38">
+            <a:extLst>
+              <a:ext uri="{FF2B5EF4-FFF2-40B4-BE49-F238E27FC236}">
+                <a16:creationId xmlns:a16="http://schemas.microsoft.com/office/drawing/2014/main" id="{3F63B1EB-BD85-DE5A-0E9B-DD512A4DDE05}"/>
+              </a:ext>
+            </a:extLst>
+          </p:cNvPr>
+          <p:cNvSpPr/>
+          <p:nvPr/>
+        </p:nvSpPr>
+        <p:spPr>
+          <a:xfrm rot="20762065">
+            <a:off x="829974" y="740928"/>
+            <a:ext cx="7740934" cy="1459870"/>
+          </a:xfrm>
+          <a:prstGeom prst="curvedDownArrow">
+            <a:avLst>
+              <a:gd name="adj1" fmla="val 15597"/>
+              <a:gd name="adj2" fmla="val 37953"/>
+              <a:gd name="adj3" fmla="val 20984"/>
+            </a:avLst>
+          </a:prstGeom>
+          <a:solidFill>
+            <a:schemeClr val="accent4">
+              <a:lumMod val="75000"/>
+            </a:schemeClr>
+          </a:solidFill>
+          <a:ln>
+            <a:solidFill>
+              <a:schemeClr val="accent4">
+                <a:lumMod val="75000"/>
+              </a:schemeClr>
+            </a:solidFill>
+          </a:ln>
+        </p:spPr>
+        <p:style>
+          <a:lnRef idx="2">
+            <a:schemeClr val="accent1">
+              <a:shade val="15000"/>
+            </a:schemeClr>
+          </a:lnRef>
+          <a:fillRef idx="1">
+            <a:schemeClr val="accent1"/>
+          </a:fillRef>
+          <a:effectRef idx="0">
+            <a:schemeClr val="accent1"/>
+          </a:effectRef>
+          <a:fontRef idx="minor">
+            <a:schemeClr val="lt1"/>
+          </a:fontRef>
+        </p:style>
+        <p:txBody>
+          <a:bodyPr rtlCol="1" anchor="ctr"/>
+          <a:lstStyle/>
+          <a:p>
+            <a:pPr algn="ctr"/>
+            <a:endParaRPr lang="fa-IR">
+              <a:solidFill>
+                <a:schemeClr val="tx1"/>
+              </a:solidFill>
+            </a:endParaRPr>
+          </a:p>
+        </p:txBody>
+      </p:sp>
+      <p:sp>
+        <p:nvSpPr>
+          <p:cNvPr id="30" name="Rectangle: Rounded Corners 29">
+            <a:extLst>
+              <a:ext uri="{FF2B5EF4-FFF2-40B4-BE49-F238E27FC236}">
+                <a16:creationId xmlns:a16="http://schemas.microsoft.com/office/drawing/2014/main" id="{3489D919-6574-5CE1-D5FE-EFB31CEF32CE}"/>
+              </a:ext>
+            </a:extLst>
+          </p:cNvPr>
+          <p:cNvSpPr/>
+          <p:nvPr/>
+        </p:nvSpPr>
+        <p:spPr>
+          <a:xfrm>
+            <a:off x="479930" y="2382572"/>
+            <a:ext cx="1456817" cy="1065175"/>
+          </a:xfrm>
+          <a:prstGeom prst="roundRect">
+            <a:avLst/>
+          </a:prstGeom>
+          <a:solidFill>
+            <a:schemeClr val="bg1">
+              <a:lumMod val="85000"/>
+            </a:schemeClr>
+          </a:solidFill>
+          <a:ln>
+            <a:noFill/>
+          </a:ln>
+          <a:effectLst>
+            <a:outerShdw blurRad="149987" dist="250190" dir="8460000" algn="ctr">
+              <a:srgbClr val="000000">
+                <a:alpha val="28000"/>
+              </a:srgbClr>
+            </a:outerShdw>
+          </a:effectLst>
+          <a:scene3d>
+            <a:camera prst="orthographicFront">
+              <a:rot lat="0" lon="0" rev="0"/>
+            </a:camera>
+            <a:lightRig rig="contrasting" dir="t">
+              <a:rot lat="0" lon="0" rev="1500000"/>
+            </a:lightRig>
+          </a:scene3d>
+          <a:sp3d prstMaterial="metal">
+            <a:bevelT w="88900" h="88900"/>
+          </a:sp3d>
+        </p:spPr>
+        <p:style>
+          <a:lnRef idx="2">
+            <a:schemeClr val="accent1">
+              <a:shade val="15000"/>
+            </a:schemeClr>
+          </a:lnRef>
+          <a:fillRef idx="1">
+            <a:schemeClr val="accent1"/>
+          </a:fillRef>
+          <a:effectRef idx="0">
+            <a:schemeClr val="accent1"/>
+          </a:effectRef>
+          <a:fontRef idx="minor">
+            <a:schemeClr val="lt1"/>
+          </a:fontRef>
+        </p:style>
+        <p:txBody>
+          <a:bodyPr rtlCol="1" anchor="ctr"/>
+          <a:lstStyle/>
+          <a:p>
+            <a:pPr algn="ctr"/>
+            <a:r>
+              <a:rPr lang="fa-IR" sz="2000" b="1" dirty="0">
+                <a:solidFill>
+                  <a:schemeClr val="tx1"/>
+                </a:solidFill>
+                <a:cs typeface="B Nazanin" panose="00000400000000000000" pitchFamily="2" charset="-78"/>
+              </a:rPr>
+              <a:t>سوال کاربر</a:t>
+            </a:r>
+          </a:p>
+          <a:p>
+            <a:pPr algn="ctr"/>
+            <a:endParaRPr lang="fa-IR" sz="2000" dirty="0">
+              <a:solidFill>
+                <a:schemeClr val="tx1"/>
+              </a:solidFill>
+              <a:cs typeface="B Nazanin" panose="00000400000000000000" pitchFamily="2" charset="-78"/>
+            </a:endParaRPr>
+          </a:p>
+          <a:p>
+            <a:pPr algn="ctr"/>
+            <a:r>
+              <a:rPr lang="en-US" sz="2000" dirty="0">
+                <a:solidFill>
+                  <a:schemeClr val="tx1"/>
+                </a:solidFill>
+              </a:rPr>
+              <a:t>User query</a:t>
+            </a:r>
+            <a:endParaRPr lang="fa-IR" sz="2000" dirty="0">
+              <a:solidFill>
+                <a:schemeClr val="tx1"/>
+              </a:solidFill>
+            </a:endParaRPr>
+          </a:p>
+        </p:txBody>
+      </p:sp>
+      <p:sp>
+        <p:nvSpPr>
+          <p:cNvPr id="40" name="Arrow: Right 39">
+            <a:extLst>
+              <a:ext uri="{FF2B5EF4-FFF2-40B4-BE49-F238E27FC236}">
+                <a16:creationId xmlns:a16="http://schemas.microsoft.com/office/drawing/2014/main" id="{9692C625-027B-5A93-F37C-56583E07D0A4}"/>
+              </a:ext>
+            </a:extLst>
+          </p:cNvPr>
+          <p:cNvSpPr/>
+          <p:nvPr/>
+        </p:nvSpPr>
+        <p:spPr>
+          <a:xfrm>
+            <a:off x="3224690" y="5012248"/>
+            <a:ext cx="1279390" cy="388648"/>
+          </a:xfrm>
+          <a:prstGeom prst="rightArrow">
+            <a:avLst/>
+          </a:prstGeom>
+          <a:solidFill>
+            <a:schemeClr val="accent4">
+              <a:lumMod val="75000"/>
+            </a:schemeClr>
+          </a:solidFill>
+          <a:ln>
+            <a:noFill/>
+          </a:ln>
+        </p:spPr>
+        <p:style>
+          <a:lnRef idx="2">
+            <a:schemeClr val="accent1">
+              <a:shade val="15000"/>
+            </a:schemeClr>
+          </a:lnRef>
+          <a:fillRef idx="1">
+            <a:schemeClr val="accent1"/>
+          </a:fillRef>
+          <a:effectRef idx="0">
+            <a:schemeClr val="accent1"/>
+          </a:effectRef>
+          <a:fontRef idx="minor">
+            <a:schemeClr val="lt1"/>
+          </a:fontRef>
+        </p:style>
+        <p:txBody>
+          <a:bodyPr rtlCol="1" anchor="ctr"/>
+          <a:lstStyle/>
+          <a:p>
+            <a:pPr algn="ctr"/>
+            <a:endParaRPr lang="fa-IR"/>
+          </a:p>
+        </p:txBody>
+      </p:sp>
+      <p:sp>
+        <p:nvSpPr>
+          <p:cNvPr id="41" name="Arrow: Right 40">
+            <a:extLst>
+              <a:ext uri="{FF2B5EF4-FFF2-40B4-BE49-F238E27FC236}">
+                <a16:creationId xmlns:a16="http://schemas.microsoft.com/office/drawing/2014/main" id="{67F6738F-0F6E-43E3-A844-8DC6AF9A11CB}"/>
+              </a:ext>
+            </a:extLst>
+          </p:cNvPr>
+          <p:cNvSpPr/>
+          <p:nvPr/>
+        </p:nvSpPr>
+        <p:spPr>
+          <a:xfrm rot="16200000">
+            <a:off x="5085405" y="3655090"/>
+            <a:ext cx="1168142" cy="388586"/>
+          </a:xfrm>
+          <a:prstGeom prst="rightArrow">
+            <a:avLst>
+              <a:gd name="adj1" fmla="val 50000"/>
+              <a:gd name="adj2" fmla="val 69015"/>
+            </a:avLst>
+          </a:prstGeom>
+          <a:solidFill>
+            <a:schemeClr val="accent4">
+              <a:lumMod val="75000"/>
+            </a:schemeClr>
+          </a:solidFill>
+          <a:ln>
+            <a:noFill/>
+          </a:ln>
+        </p:spPr>
+        <p:style>
+          <a:lnRef idx="2">
+            <a:schemeClr val="accent1">
+              <a:shade val="15000"/>
+            </a:schemeClr>
+          </a:lnRef>
+          <a:fillRef idx="1">
+            <a:schemeClr val="accent1"/>
+          </a:fillRef>
+          <a:effectRef idx="0">
+            <a:schemeClr val="accent1"/>
+          </a:effectRef>
+          <a:fontRef idx="minor">
+            <a:schemeClr val="lt1"/>
+          </a:fontRef>
+        </p:style>
+        <p:txBody>
+          <a:bodyPr rtlCol="1" anchor="ctr"/>
+          <a:lstStyle/>
+          <a:p>
+            <a:pPr algn="ctr"/>
+            <a:endParaRPr lang="fa-IR"/>
+          </a:p>
+        </p:txBody>
+      </p:sp>
+      <p:sp>
+        <p:nvSpPr>
+          <p:cNvPr id="42" name="Arrow: Right 41">
+            <a:extLst>
+              <a:ext uri="{FF2B5EF4-FFF2-40B4-BE49-F238E27FC236}">
+                <a16:creationId xmlns:a16="http://schemas.microsoft.com/office/drawing/2014/main" id="{FC722032-AB4E-9523-B558-4043A13FEE56}"/>
+              </a:ext>
+            </a:extLst>
+          </p:cNvPr>
+          <p:cNvSpPr/>
+          <p:nvPr/>
+        </p:nvSpPr>
+        <p:spPr>
+          <a:xfrm>
+            <a:off x="6659472" y="2087662"/>
+            <a:ext cx="619158" cy="441000"/>
+          </a:xfrm>
+          <a:prstGeom prst="rightArrow">
+            <a:avLst>
+              <a:gd name="adj1" fmla="val 50000"/>
+              <a:gd name="adj2" fmla="val 56283"/>
+            </a:avLst>
+          </a:prstGeom>
+          <a:solidFill>
+            <a:schemeClr val="accent4">
+              <a:lumMod val="75000"/>
+            </a:schemeClr>
+          </a:solidFill>
+          <a:ln>
+            <a:solidFill>
+              <a:schemeClr val="accent4">
+                <a:lumMod val="75000"/>
+              </a:schemeClr>
+            </a:solidFill>
+          </a:ln>
+        </p:spPr>
+        <p:style>
+          <a:lnRef idx="2">
+            <a:schemeClr val="accent1">
+              <a:shade val="15000"/>
+            </a:schemeClr>
+          </a:lnRef>
+          <a:fillRef idx="1">
+            <a:schemeClr val="accent1"/>
+          </a:fillRef>
+          <a:effectRef idx="0">
+            <a:schemeClr val="accent1"/>
+          </a:effectRef>
+          <a:fontRef idx="minor">
+            <a:schemeClr val="lt1"/>
+          </a:fontRef>
+        </p:style>
+        <p:txBody>
+          <a:bodyPr rtlCol="1" anchor="ctr"/>
+          <a:lstStyle/>
+          <a:p>
+            <a:pPr algn="ctr"/>
+            <a:endParaRPr lang="fa-IR"/>
+          </a:p>
+        </p:txBody>
+      </p:sp>
+      <p:sp>
+        <p:nvSpPr>
+          <p:cNvPr id="43" name="Arrow: Right 42">
+            <a:extLst>
+              <a:ext uri="{FF2B5EF4-FFF2-40B4-BE49-F238E27FC236}">
+                <a16:creationId xmlns:a16="http://schemas.microsoft.com/office/drawing/2014/main" id="{596350C9-1CF9-467F-8D67-1091778C3DB8}"/>
+              </a:ext>
+            </a:extLst>
+          </p:cNvPr>
+          <p:cNvSpPr/>
+          <p:nvPr/>
+        </p:nvSpPr>
+        <p:spPr>
+          <a:xfrm>
+            <a:off x="9467238" y="2087662"/>
+            <a:ext cx="678908" cy="441000"/>
+          </a:xfrm>
+          <a:prstGeom prst="rightArrow">
+            <a:avLst/>
+          </a:prstGeom>
+          <a:solidFill>
+            <a:schemeClr val="accent4">
+              <a:lumMod val="75000"/>
+            </a:schemeClr>
+          </a:solidFill>
+          <a:ln>
+            <a:solidFill>
+              <a:schemeClr val="accent4">
+                <a:lumMod val="75000"/>
+              </a:schemeClr>
+            </a:solidFill>
+          </a:ln>
+        </p:spPr>
+        <p:style>
+          <a:lnRef idx="2">
+            <a:schemeClr val="accent1">
+              <a:shade val="15000"/>
+            </a:schemeClr>
+          </a:lnRef>
+          <a:fillRef idx="1">
+            <a:schemeClr val="accent1"/>
+          </a:fillRef>
+          <a:effectRef idx="0">
+            <a:schemeClr val="accent1"/>
+          </a:effectRef>
+          <a:fontRef idx="minor">
+            <a:schemeClr val="lt1"/>
+          </a:fontRef>
+        </p:style>
+        <p:txBody>
+          <a:bodyPr rtlCol="1" anchor="ctr"/>
+          <a:lstStyle/>
+          <a:p>
+            <a:pPr algn="ctr"/>
+            <a:endParaRPr lang="fa-IR"/>
+          </a:p>
+        </p:txBody>
+      </p:sp>
+      <p:sp>
+        <p:nvSpPr>
+          <p:cNvPr id="2" name="TextBox 1">
+            <a:extLst>
+              <a:ext uri="{FF2B5EF4-FFF2-40B4-BE49-F238E27FC236}">
+                <a16:creationId xmlns:a16="http://schemas.microsoft.com/office/drawing/2014/main" id="{1809E4A1-ED33-FD79-E2E3-AE34A3445717}"/>
+              </a:ext>
+            </a:extLst>
+          </p:cNvPr>
+          <p:cNvSpPr txBox="1"/>
+          <p:nvPr/>
+        </p:nvSpPr>
+        <p:spPr>
+          <a:xfrm>
+            <a:off x="9421091" y="421735"/>
+            <a:ext cx="2290619" cy="523220"/>
+          </a:xfrm>
+          <a:prstGeom prst="rect">
+            <a:avLst/>
+          </a:prstGeom>
+          <a:noFill/>
+        </p:spPr>
+        <p:txBody>
+          <a:bodyPr wrap="square" rtlCol="1">
+            <a:spAutoFit/>
+          </a:bodyPr>
+          <a:lstStyle/>
+          <a:p>
+            <a:pPr algn="r" rtl="1"/>
+            <a:r>
+              <a:rPr lang="fa-IR" sz="2800" b="1" dirty="0">
+                <a:cs typeface="B Nazanin" panose="00000400000000000000" pitchFamily="2" charset="-78"/>
+              </a:rPr>
+              <a:t>نحوه کار </a:t>
+            </a:r>
+            <a:r>
+              <a:rPr lang="en-US" sz="2800" b="1" dirty="0">
+                <a:cs typeface="B Nazanin" panose="00000400000000000000" pitchFamily="2" charset="-78"/>
+              </a:rPr>
+              <a:t>RAG</a:t>
+            </a:r>
+            <a:endParaRPr lang="fa-IR" sz="2800" b="1" dirty="0">
+              <a:cs typeface="B Nazanin" panose="00000400000000000000" pitchFamily="2" charset="-78"/>
+            </a:endParaRPr>
+          </a:p>
+        </p:txBody>
+      </p:sp>
+      <p:grpSp>
+        <p:nvGrpSpPr>
+          <p:cNvPr id="22" name="Group 21">
+            <a:extLst>
+              <a:ext uri="{FF2B5EF4-FFF2-40B4-BE49-F238E27FC236}">
+                <a16:creationId xmlns:a16="http://schemas.microsoft.com/office/drawing/2014/main" id="{44646134-CB8A-FED7-FCE1-29FDDD2E9240}"/>
+              </a:ext>
+            </a:extLst>
+          </p:cNvPr>
+          <p:cNvGrpSpPr/>
+          <p:nvPr/>
+        </p:nvGrpSpPr>
+        <p:grpSpPr>
+          <a:xfrm>
+            <a:off x="6713547" y="4411114"/>
+            <a:ext cx="1525364" cy="1810796"/>
+            <a:chOff x="6576755" y="4518907"/>
+            <a:chExt cx="1525364" cy="1810796"/>
+          </a:xfrm>
+        </p:grpSpPr>
+        <p:sp>
+          <p:nvSpPr>
+            <p:cNvPr id="3" name="Rectangle 2">
+              <a:extLst>
+                <a:ext uri="{FF2B5EF4-FFF2-40B4-BE49-F238E27FC236}">
+                  <a16:creationId xmlns:a16="http://schemas.microsoft.com/office/drawing/2014/main" id="{50D65672-829E-6F4C-1C0B-1207D7BCB32D}"/>
+                </a:ext>
+              </a:extLst>
+            </p:cNvPr>
+            <p:cNvSpPr/>
+            <p:nvPr/>
+          </p:nvSpPr>
+          <p:spPr>
+            <a:xfrm>
+              <a:off x="6594765" y="4518907"/>
+              <a:ext cx="1507354" cy="1810796"/>
+            </a:xfrm>
+            <a:prstGeom prst="rect">
+              <a:avLst/>
+            </a:prstGeom>
+            <a:blipFill>
+              <a:blip r:embed="rId3"/>
+              <a:tile tx="0" ty="0" sx="100000" sy="100000" flip="none" algn="tl"/>
+            </a:blipFill>
+            <a:ln>
+              <a:prstDash val="dash"/>
             </a:ln>
           </p:spPr>
           <p:style>
@@ -7732,495 +9017,444 @@
             <a:lstStyle/>
             <a:p>
               <a:pPr algn="ctr"/>
-              <a:r>
-                <a:rPr lang="fa-IR" b="1" dirty="0">
-                  <a:cs typeface="B Nazanin" panose="00000400000000000000" pitchFamily="2" charset="-78"/>
-                </a:rPr>
-                <a:t>مضامین مرتبط</a:t>
-              </a:r>
-            </a:p>
-            <a:p>
-              <a:pPr algn="ctr"/>
-              <a:endParaRPr lang="fa-IR" dirty="0"/>
-            </a:p>
-            <a:p>
-              <a:pPr algn="ctr"/>
-              <a:r>
-                <a:rPr lang="en-US" dirty="0"/>
-                <a:t>Retrieved contexts</a:t>
-              </a:r>
-              <a:endParaRPr lang="fa-IR" dirty="0"/>
+              <a:endParaRPr lang="fa-IR"/>
             </a:p>
           </p:txBody>
         </p:sp>
+        <p:pic>
+          <p:nvPicPr>
+            <p:cNvPr id="9" name="Picture 8">
+              <a:extLst>
+                <a:ext uri="{FF2B5EF4-FFF2-40B4-BE49-F238E27FC236}">
+                  <a16:creationId xmlns:a16="http://schemas.microsoft.com/office/drawing/2014/main" id="{B6F095A3-1F94-5F80-670B-5E2080780D80}"/>
+                </a:ext>
+              </a:extLst>
+            </p:cNvPr>
+            <p:cNvPicPr>
+              <a:picLocks noChangeAspect="1"/>
+            </p:cNvPicPr>
+            <p:nvPr/>
+          </p:nvPicPr>
+          <p:blipFill>
+            <a:blip r:embed="rId4">
+              <a:extLst>
+                <a:ext uri="{28A0092B-C50C-407E-A947-70E740481C1C}">
+                  <a14:useLocalDpi xmlns:a14="http://schemas.microsoft.com/office/drawing/2010/main" val="0"/>
+                </a:ext>
+              </a:extLst>
+            </a:blip>
+            <a:stretch>
+              <a:fillRect/>
+            </a:stretch>
+          </p:blipFill>
+          <p:spPr>
+            <a:xfrm>
+              <a:off x="6576755" y="5761587"/>
+              <a:ext cx="534462" cy="534462"/>
+            </a:xfrm>
+            <a:prstGeom prst="rect">
+              <a:avLst/>
+            </a:prstGeom>
+          </p:spPr>
+        </p:pic>
+        <p:pic>
+          <p:nvPicPr>
+            <p:cNvPr id="12" name="Picture 11">
+              <a:extLst>
+                <a:ext uri="{FF2B5EF4-FFF2-40B4-BE49-F238E27FC236}">
+                  <a16:creationId xmlns:a16="http://schemas.microsoft.com/office/drawing/2014/main" id="{E2AEFF4C-2378-419B-1E81-744AA8F88ADF}"/>
+                </a:ext>
+              </a:extLst>
+            </p:cNvPr>
+            <p:cNvPicPr>
+              <a:picLocks noChangeAspect="1"/>
+            </p:cNvPicPr>
+            <p:nvPr/>
+          </p:nvPicPr>
+          <p:blipFill>
+            <a:blip r:embed="rId4">
+              <a:extLst>
+                <a:ext uri="{28A0092B-C50C-407E-A947-70E740481C1C}">
+                  <a14:useLocalDpi xmlns:a14="http://schemas.microsoft.com/office/drawing/2010/main" val="0"/>
+                </a:ext>
+              </a:extLst>
+            </a:blip>
+            <a:stretch>
+              <a:fillRect/>
+            </a:stretch>
+          </p:blipFill>
+          <p:spPr>
+            <a:xfrm>
+              <a:off x="6576755" y="4572637"/>
+              <a:ext cx="534462" cy="534462"/>
+            </a:xfrm>
+            <a:prstGeom prst="rect">
+              <a:avLst/>
+            </a:prstGeom>
+          </p:spPr>
+        </p:pic>
+        <p:pic>
+          <p:nvPicPr>
+            <p:cNvPr id="13" name="Picture 12">
+              <a:extLst>
+                <a:ext uri="{FF2B5EF4-FFF2-40B4-BE49-F238E27FC236}">
+                  <a16:creationId xmlns:a16="http://schemas.microsoft.com/office/drawing/2014/main" id="{C94978B0-70E1-8FED-EEC3-361FB049A051}"/>
+                </a:ext>
+              </a:extLst>
+            </p:cNvPr>
+            <p:cNvPicPr>
+              <a:picLocks noChangeAspect="1"/>
+            </p:cNvPicPr>
+            <p:nvPr/>
+          </p:nvPicPr>
+          <p:blipFill>
+            <a:blip r:embed="rId4">
+              <a:extLst>
+                <a:ext uri="{28A0092B-C50C-407E-A947-70E740481C1C}">
+                  <a14:useLocalDpi xmlns:a14="http://schemas.microsoft.com/office/drawing/2010/main" val="0"/>
+                </a:ext>
+              </a:extLst>
+            </a:blip>
+            <a:stretch>
+              <a:fillRect/>
+            </a:stretch>
+          </p:blipFill>
+          <p:spPr>
+            <a:xfrm>
+              <a:off x="6576755" y="5167112"/>
+              <a:ext cx="534462" cy="534462"/>
+            </a:xfrm>
+            <a:prstGeom prst="rect">
+              <a:avLst/>
+            </a:prstGeom>
+          </p:spPr>
+        </p:pic>
+        <p:pic>
+          <p:nvPicPr>
+            <p:cNvPr id="14" name="Picture 13">
+              <a:extLst>
+                <a:ext uri="{FF2B5EF4-FFF2-40B4-BE49-F238E27FC236}">
+                  <a16:creationId xmlns:a16="http://schemas.microsoft.com/office/drawing/2014/main" id="{6DFE2187-33F8-92B3-D040-464685DB4F2E}"/>
+                </a:ext>
+              </a:extLst>
+            </p:cNvPr>
+            <p:cNvPicPr>
+              <a:picLocks noChangeAspect="1"/>
+            </p:cNvPicPr>
+            <p:nvPr/>
+          </p:nvPicPr>
+          <p:blipFill>
+            <a:blip r:embed="rId4">
+              <a:extLst>
+                <a:ext uri="{28A0092B-C50C-407E-A947-70E740481C1C}">
+                  <a14:useLocalDpi xmlns:a14="http://schemas.microsoft.com/office/drawing/2010/main" val="0"/>
+                </a:ext>
+              </a:extLst>
+            </a:blip>
+            <a:stretch>
+              <a:fillRect/>
+            </a:stretch>
+          </p:blipFill>
+          <p:spPr>
+            <a:xfrm>
+              <a:off x="7072056" y="5760845"/>
+              <a:ext cx="534462" cy="534462"/>
+            </a:xfrm>
+            <a:prstGeom prst="rect">
+              <a:avLst/>
+            </a:prstGeom>
+          </p:spPr>
+        </p:pic>
+        <p:pic>
+          <p:nvPicPr>
+            <p:cNvPr id="15" name="Picture 14">
+              <a:extLst>
+                <a:ext uri="{FF2B5EF4-FFF2-40B4-BE49-F238E27FC236}">
+                  <a16:creationId xmlns:a16="http://schemas.microsoft.com/office/drawing/2014/main" id="{9AAC07A1-91A3-F15C-E503-DBBCFE1CDAA1}"/>
+                </a:ext>
+              </a:extLst>
+            </p:cNvPr>
+            <p:cNvPicPr>
+              <a:picLocks noChangeAspect="1"/>
+            </p:cNvPicPr>
+            <p:nvPr/>
+          </p:nvPicPr>
+          <p:blipFill>
+            <a:blip r:embed="rId4">
+              <a:extLst>
+                <a:ext uri="{28A0092B-C50C-407E-A947-70E740481C1C}">
+                  <a14:useLocalDpi xmlns:a14="http://schemas.microsoft.com/office/drawing/2010/main" val="0"/>
+                </a:ext>
+              </a:extLst>
+            </a:blip>
+            <a:stretch>
+              <a:fillRect/>
+            </a:stretch>
+          </p:blipFill>
+          <p:spPr>
+            <a:xfrm>
+              <a:off x="7072056" y="4572637"/>
+              <a:ext cx="534462" cy="534462"/>
+            </a:xfrm>
+            <a:prstGeom prst="rect">
+              <a:avLst/>
+            </a:prstGeom>
+          </p:spPr>
+        </p:pic>
+        <p:pic>
+          <p:nvPicPr>
+            <p:cNvPr id="16" name="Picture 15">
+              <a:extLst>
+                <a:ext uri="{FF2B5EF4-FFF2-40B4-BE49-F238E27FC236}">
+                  <a16:creationId xmlns:a16="http://schemas.microsoft.com/office/drawing/2014/main" id="{0E413569-2C8A-4325-3BB2-41141CA467D1}"/>
+                </a:ext>
+              </a:extLst>
+            </p:cNvPr>
+            <p:cNvPicPr>
+              <a:picLocks noChangeAspect="1"/>
+            </p:cNvPicPr>
+            <p:nvPr/>
+          </p:nvPicPr>
+          <p:blipFill>
+            <a:blip r:embed="rId4">
+              <a:extLst>
+                <a:ext uri="{28A0092B-C50C-407E-A947-70E740481C1C}">
+                  <a14:useLocalDpi xmlns:a14="http://schemas.microsoft.com/office/drawing/2010/main" val="0"/>
+                </a:ext>
+              </a:extLst>
+            </a:blip>
+            <a:stretch>
+              <a:fillRect/>
+            </a:stretch>
+          </p:blipFill>
+          <p:spPr>
+            <a:xfrm>
+              <a:off x="7077628" y="5184975"/>
+              <a:ext cx="534462" cy="534462"/>
+            </a:xfrm>
+            <a:prstGeom prst="rect">
+              <a:avLst/>
+            </a:prstGeom>
+          </p:spPr>
+        </p:pic>
+        <p:pic>
+          <p:nvPicPr>
+            <p:cNvPr id="17" name="Picture 16">
+              <a:extLst>
+                <a:ext uri="{FF2B5EF4-FFF2-40B4-BE49-F238E27FC236}">
+                  <a16:creationId xmlns:a16="http://schemas.microsoft.com/office/drawing/2014/main" id="{E5C053C7-6A68-E274-9C10-D25BA05E543A}"/>
+                </a:ext>
+              </a:extLst>
+            </p:cNvPr>
+            <p:cNvPicPr>
+              <a:picLocks noChangeAspect="1"/>
+            </p:cNvPicPr>
+            <p:nvPr/>
+          </p:nvPicPr>
+          <p:blipFill>
+            <a:blip r:embed="rId4">
+              <a:extLst>
+                <a:ext uri="{28A0092B-C50C-407E-A947-70E740481C1C}">
+                  <a14:useLocalDpi xmlns:a14="http://schemas.microsoft.com/office/drawing/2010/main" val="0"/>
+                </a:ext>
+              </a:extLst>
+            </a:blip>
+            <a:stretch>
+              <a:fillRect/>
+            </a:stretch>
+          </p:blipFill>
+          <p:spPr>
+            <a:xfrm>
+              <a:off x="7567656" y="5761587"/>
+              <a:ext cx="534462" cy="534462"/>
+            </a:xfrm>
+            <a:prstGeom prst="rect">
+              <a:avLst/>
+            </a:prstGeom>
+          </p:spPr>
+        </p:pic>
+        <p:pic>
+          <p:nvPicPr>
+            <p:cNvPr id="18" name="Picture 17">
+              <a:extLst>
+                <a:ext uri="{FF2B5EF4-FFF2-40B4-BE49-F238E27FC236}">
+                  <a16:creationId xmlns:a16="http://schemas.microsoft.com/office/drawing/2014/main" id="{FF65AD56-881D-646C-EFFF-DF22FE5CCF5F}"/>
+                </a:ext>
+              </a:extLst>
+            </p:cNvPr>
+            <p:cNvPicPr>
+              <a:picLocks noChangeAspect="1"/>
+            </p:cNvPicPr>
+            <p:nvPr/>
+          </p:nvPicPr>
+          <p:blipFill>
+            <a:blip r:embed="rId4">
+              <a:extLst>
+                <a:ext uri="{28A0092B-C50C-407E-A947-70E740481C1C}">
+                  <a14:useLocalDpi xmlns:a14="http://schemas.microsoft.com/office/drawing/2010/main" val="0"/>
+                </a:ext>
+              </a:extLst>
+            </a:blip>
+            <a:stretch>
+              <a:fillRect/>
+            </a:stretch>
+          </p:blipFill>
+          <p:spPr>
+            <a:xfrm>
+              <a:off x="7567656" y="4572637"/>
+              <a:ext cx="534462" cy="534462"/>
+            </a:xfrm>
+            <a:prstGeom prst="rect">
+              <a:avLst/>
+            </a:prstGeom>
+          </p:spPr>
+        </p:pic>
+        <p:pic>
+          <p:nvPicPr>
+            <p:cNvPr id="21" name="Picture 20">
+              <a:extLst>
+                <a:ext uri="{FF2B5EF4-FFF2-40B4-BE49-F238E27FC236}">
+                  <a16:creationId xmlns:a16="http://schemas.microsoft.com/office/drawing/2014/main" id="{691E1418-CA47-BE84-01D4-710ECB04290F}"/>
+                </a:ext>
+              </a:extLst>
+            </p:cNvPr>
+            <p:cNvPicPr>
+              <a:picLocks noChangeAspect="1"/>
+            </p:cNvPicPr>
+            <p:nvPr/>
+          </p:nvPicPr>
+          <p:blipFill>
+            <a:blip r:embed="rId4">
+              <a:extLst>
+                <a:ext uri="{28A0092B-C50C-407E-A947-70E740481C1C}">
+                  <a14:useLocalDpi xmlns:a14="http://schemas.microsoft.com/office/drawing/2010/main" val="0"/>
+                </a:ext>
+              </a:extLst>
+            </a:blip>
+            <a:stretch>
+              <a:fillRect/>
+            </a:stretch>
+          </p:blipFill>
+          <p:spPr>
+            <a:xfrm>
+              <a:off x="7567656" y="5167112"/>
+              <a:ext cx="534462" cy="534462"/>
+            </a:xfrm>
+            <a:prstGeom prst="rect">
+              <a:avLst/>
+            </a:prstGeom>
+          </p:spPr>
+        </p:pic>
       </p:grpSp>
       <p:sp>
         <p:nvSpPr>
-          <p:cNvPr id="35" name="Diamond 34">
+          <p:cNvPr id="23" name="TextBox 22">
             <a:extLst>
               <a:ext uri="{FF2B5EF4-FFF2-40B4-BE49-F238E27FC236}">
-                <a16:creationId xmlns:a16="http://schemas.microsoft.com/office/drawing/2014/main" id="{E9705E75-6B1D-8AD9-14D9-757D6948F738}"/>
+                <a16:creationId xmlns:a16="http://schemas.microsoft.com/office/drawing/2014/main" id="{186480C9-DA08-387F-5832-00FC56507BE4}"/>
               </a:ext>
             </a:extLst>
           </p:cNvPr>
-          <p:cNvSpPr/>
+          <p:cNvSpPr txBox="1"/>
           <p:nvPr/>
         </p:nvSpPr>
         <p:spPr>
           <a:xfrm>
-            <a:off x="6890028" y="1939614"/>
-            <a:ext cx="2142202" cy="1913593"/>
+            <a:off x="6100440" y="3825148"/>
+            <a:ext cx="2769587" cy="584775"/>
           </a:xfrm>
-          <a:prstGeom prst="diamond">
+          <a:prstGeom prst="rect">
             <a:avLst/>
           </a:prstGeom>
-          <a:solidFill>
-            <a:schemeClr val="accent6">
-              <a:lumMod val="60000"/>
-              <a:lumOff val="40000"/>
-            </a:schemeClr>
-          </a:solidFill>
-          <a:ln>
-            <a:solidFill>
-              <a:schemeClr val="bg1"/>
-            </a:solidFill>
-          </a:ln>
+          <a:noFill/>
         </p:spPr>
-        <p:style>
-          <a:lnRef idx="2">
-            <a:schemeClr val="accent1">
-              <a:shade val="15000"/>
-            </a:schemeClr>
-          </a:lnRef>
-          <a:fillRef idx="1">
-            <a:schemeClr val="accent1"/>
-          </a:fillRef>
-          <a:effectRef idx="0">
-            <a:schemeClr val="accent1"/>
-          </a:effectRef>
-          <a:fontRef idx="minor">
-            <a:schemeClr val="lt1"/>
-          </a:fontRef>
-        </p:style>
         <p:txBody>
-          <a:bodyPr rtlCol="1" anchor="ctr"/>
+          <a:bodyPr wrap="square" rtlCol="1">
+            <a:spAutoFit/>
+          </a:bodyPr>
           <a:lstStyle/>
           <a:p>
             <a:pPr algn="ctr"/>
-            <a:endParaRPr lang="fa-IR" sz="2000" b="1" dirty="0">
-              <a:solidFill>
-                <a:schemeClr val="tx1"/>
-              </a:solidFill>
+            <a:r>
+              <a:rPr lang="fa-IR" sz="1600" b="1" dirty="0">
+                <a:cs typeface="B Nazanin" panose="00000400000000000000" pitchFamily="2" charset="-78"/>
+              </a:rPr>
+              <a:t>جستجوی شباهت معنایی</a:t>
+            </a:r>
+          </a:p>
+          <a:p>
+            <a:pPr algn="ctr"/>
+            <a:r>
+              <a:rPr lang="en-US" sz="1600" b="1" dirty="0">
+                <a:cs typeface="B Nazanin" panose="00000400000000000000" pitchFamily="2" charset="-78"/>
+              </a:rPr>
+              <a:t>Semantic similarity search</a:t>
+            </a:r>
+            <a:endParaRPr lang="fa-IR" sz="1600" b="1" dirty="0">
               <a:cs typeface="B Nazanin" panose="00000400000000000000" pitchFamily="2" charset="-78"/>
             </a:endParaRPr>
           </a:p>
-          <a:p>
-            <a:pPr algn="ctr"/>
-            <a:r>
-              <a:rPr lang="fa-IR" sz="2000" b="1" dirty="0">
-                <a:solidFill>
-                  <a:schemeClr val="tx1"/>
-                </a:solidFill>
-                <a:cs typeface="B Nazanin" panose="00000400000000000000" pitchFamily="2" charset="-78"/>
-              </a:rPr>
-              <a:t>مدل زبانی بزرگ</a:t>
-            </a:r>
-          </a:p>
-          <a:p>
-            <a:pPr algn="ctr"/>
-            <a:r>
-              <a:rPr lang="en-US" sz="1600" b="1" dirty="0">
-                <a:solidFill>
-                  <a:schemeClr val="tx1"/>
-                </a:solidFill>
-                <a:latin typeface="Arial Black" panose="020B0A04020102020204" pitchFamily="34" charset="0"/>
-                <a:cs typeface="+mj-cs"/>
-              </a:rPr>
-              <a:t>(LLM)</a:t>
-            </a:r>
-            <a:endParaRPr lang="fa-IR" sz="1600" b="1" dirty="0">
-              <a:solidFill>
-                <a:schemeClr val="tx1"/>
-              </a:solidFill>
-              <a:latin typeface="Arial Black" panose="020B0A04020102020204" pitchFamily="34" charset="0"/>
-              <a:cs typeface="+mj-cs"/>
-            </a:endParaRPr>
-          </a:p>
-          <a:p>
-            <a:pPr algn="ctr"/>
-            <a:endParaRPr lang="fa-IR" sz="2000" b="1" dirty="0">
-              <a:solidFill>
-                <a:schemeClr val="tx1"/>
-              </a:solidFill>
-              <a:cs typeface="B Nazanin" panose="00000400000000000000" pitchFamily="2" charset="-78"/>
-            </a:endParaRPr>
-          </a:p>
         </p:txBody>
       </p:sp>
       <p:sp>
         <p:nvSpPr>
-          <p:cNvPr id="39" name="Arrow: Curved Down 38">
+          <p:cNvPr id="24" name="TextBox 23">
             <a:extLst>
               <a:ext uri="{FF2B5EF4-FFF2-40B4-BE49-F238E27FC236}">
-                <a16:creationId xmlns:a16="http://schemas.microsoft.com/office/drawing/2014/main" id="{3F63B1EB-BD85-DE5A-0E9B-DD512A4DDE05}"/>
+                <a16:creationId xmlns:a16="http://schemas.microsoft.com/office/drawing/2014/main" id="{FA925E3A-474B-CDE3-D34D-59906CF6A744}"/>
               </a:ext>
             </a:extLst>
           </p:cNvPr>
-          <p:cNvSpPr/>
-          <p:nvPr/>
-        </p:nvSpPr>
-        <p:spPr>
-          <a:xfrm rot="21302420">
-            <a:off x="841104" y="453210"/>
-            <a:ext cx="7300256" cy="1753890"/>
-          </a:xfrm>
-          <a:prstGeom prst="curvedDownArrow">
-            <a:avLst>
-              <a:gd name="adj1" fmla="val 9223"/>
-              <a:gd name="adj2" fmla="val 27328"/>
-              <a:gd name="adj3" fmla="val 24773"/>
-            </a:avLst>
-          </a:prstGeom>
-          <a:solidFill>
-            <a:schemeClr val="accent4">
-              <a:lumMod val="75000"/>
-            </a:schemeClr>
-          </a:solidFill>
-        </p:spPr>
-        <p:style>
-          <a:lnRef idx="2">
-            <a:schemeClr val="accent1">
-              <a:shade val="15000"/>
-            </a:schemeClr>
-          </a:lnRef>
-          <a:fillRef idx="1">
-            <a:schemeClr val="accent1"/>
-          </a:fillRef>
-          <a:effectRef idx="0">
-            <a:schemeClr val="accent1"/>
-          </a:effectRef>
-          <a:fontRef idx="minor">
-            <a:schemeClr val="lt1"/>
-          </a:fontRef>
-        </p:style>
-        <p:txBody>
-          <a:bodyPr rtlCol="1" anchor="ctr"/>
-          <a:lstStyle/>
-          <a:p>
-            <a:pPr algn="ctr"/>
-            <a:endParaRPr lang="fa-IR">
-              <a:solidFill>
-                <a:schemeClr val="tx1"/>
-              </a:solidFill>
-            </a:endParaRPr>
-          </a:p>
-        </p:txBody>
-      </p:sp>
-      <p:sp>
-        <p:nvSpPr>
-          <p:cNvPr id="30" name="Rectangle: Rounded Corners 29">
-            <a:extLst>
-              <a:ext uri="{FF2B5EF4-FFF2-40B4-BE49-F238E27FC236}">
-                <a16:creationId xmlns:a16="http://schemas.microsoft.com/office/drawing/2014/main" id="{3489D919-6574-5CE1-D5FE-EFB31CEF32CE}"/>
-              </a:ext>
-            </a:extLst>
-          </p:cNvPr>
-          <p:cNvSpPr/>
+          <p:cNvSpPr txBox="1"/>
           <p:nvPr/>
         </p:nvSpPr>
         <p:spPr>
           <a:xfrm>
-            <a:off x="239950" y="2363825"/>
-            <a:ext cx="1456817" cy="1065175"/>
+            <a:off x="267083" y="5840457"/>
+            <a:ext cx="3635961" cy="584775"/>
           </a:xfrm>
-          <a:prstGeom prst="roundRect">
+          <a:prstGeom prst="rect">
             <a:avLst/>
           </a:prstGeom>
-          <a:solidFill>
-            <a:schemeClr val="bg1">
-              <a:lumMod val="85000"/>
-            </a:schemeClr>
-          </a:solidFill>
+          <a:noFill/>
         </p:spPr>
-        <p:style>
-          <a:lnRef idx="2">
-            <a:schemeClr val="accent1">
-              <a:shade val="15000"/>
-            </a:schemeClr>
-          </a:lnRef>
-          <a:fillRef idx="1">
-            <a:schemeClr val="accent1"/>
-          </a:fillRef>
-          <a:effectRef idx="0">
-            <a:schemeClr val="accent1"/>
-          </a:effectRef>
-          <a:fontRef idx="minor">
-            <a:schemeClr val="lt1"/>
-          </a:fontRef>
-        </p:style>
         <p:txBody>
-          <a:bodyPr rtlCol="1" anchor="ctr"/>
+          <a:bodyPr wrap="square" rtlCol="1">
+            <a:spAutoFit/>
+          </a:bodyPr>
           <a:lstStyle/>
           <a:p>
-            <a:pPr algn="ctr"/>
-            <a:r>
-              <a:rPr lang="fa-IR" sz="2000" b="1" dirty="0">
-                <a:solidFill>
-                  <a:schemeClr val="tx1"/>
-                </a:solidFill>
-                <a:cs typeface="B Nazanin" panose="00000400000000000000" pitchFamily="2" charset="-78"/>
-              </a:rPr>
-              <a:t>سوال کاربر</a:t>
-            </a:r>
-          </a:p>
-          <a:p>
-            <a:pPr algn="ctr"/>
-            <a:endParaRPr lang="fa-IR" sz="2000" dirty="0">
-              <a:solidFill>
-                <a:schemeClr val="tx1"/>
-              </a:solidFill>
+            <a:pPr algn="ctr" rtl="1"/>
+            <a:r>
+              <a:rPr lang="fa-IR" sz="1600" b="1" dirty="0">
+                <a:cs typeface="B Nazanin" panose="00000400000000000000" pitchFamily="2" charset="-78"/>
+              </a:rPr>
+              <a:t>تبدیل سوال به بردار معنایی (</a:t>
+            </a:r>
+            <a:r>
+              <a:rPr lang="en-US" sz="1600" b="1" dirty="0">
+                <a:cs typeface="B Nazanin" panose="00000400000000000000" pitchFamily="2" charset="-78"/>
+              </a:rPr>
+              <a:t>Semantic vector</a:t>
+            </a:r>
+            <a:r>
+              <a:rPr lang="fa-IR" sz="1600" b="1" dirty="0">
+                <a:cs typeface="B Nazanin" panose="00000400000000000000" pitchFamily="2" charset="-78"/>
+              </a:rPr>
+              <a:t>)</a:t>
+            </a:r>
+            <a:endParaRPr lang="en-US" sz="1600" b="1" dirty="0">
               <a:cs typeface="B Nazanin" panose="00000400000000000000" pitchFamily="2" charset="-78"/>
             </a:endParaRPr>
           </a:p>
           <a:p>
-            <a:pPr algn="ctr"/>
-            <a:r>
-              <a:rPr lang="en-US" sz="2000" dirty="0">
-                <a:solidFill>
-                  <a:schemeClr val="tx1"/>
-                </a:solidFill>
-              </a:rPr>
-              <a:t>User query</a:t>
-            </a:r>
-            <a:endParaRPr lang="fa-IR" sz="2000" dirty="0">
-              <a:solidFill>
-                <a:schemeClr val="tx1"/>
-              </a:solidFill>
-            </a:endParaRPr>
-          </a:p>
-        </p:txBody>
-      </p:sp>
-      <p:sp>
-        <p:nvSpPr>
-          <p:cNvPr id="40" name="Arrow: Right 39">
-            <a:extLst>
-              <a:ext uri="{FF2B5EF4-FFF2-40B4-BE49-F238E27FC236}">
-                <a16:creationId xmlns:a16="http://schemas.microsoft.com/office/drawing/2014/main" id="{9692C625-027B-5A93-F37C-56583E07D0A4}"/>
-              </a:ext>
-            </a:extLst>
-          </p:cNvPr>
-          <p:cNvSpPr/>
-          <p:nvPr/>
-        </p:nvSpPr>
-        <p:spPr>
-          <a:xfrm>
-            <a:off x="3418341" y="5039734"/>
-            <a:ext cx="743269" cy="415359"/>
-          </a:xfrm>
-          <a:prstGeom prst="rightArrow">
-            <a:avLst/>
-          </a:prstGeom>
-          <a:solidFill>
-            <a:schemeClr val="accent4">
-              <a:lumMod val="75000"/>
-            </a:schemeClr>
-          </a:solidFill>
-          <a:ln>
-            <a:solidFill>
-              <a:schemeClr val="bg1"/>
-            </a:solidFill>
-          </a:ln>
-        </p:spPr>
-        <p:style>
-          <a:lnRef idx="2">
-            <a:schemeClr val="accent1">
-              <a:shade val="15000"/>
-            </a:schemeClr>
-          </a:lnRef>
-          <a:fillRef idx="1">
-            <a:schemeClr val="accent1"/>
-          </a:fillRef>
-          <a:effectRef idx="0">
-            <a:schemeClr val="accent1"/>
-          </a:effectRef>
-          <a:fontRef idx="minor">
-            <a:schemeClr val="lt1"/>
-          </a:fontRef>
-        </p:style>
-        <p:txBody>
-          <a:bodyPr rtlCol="1" anchor="ctr"/>
-          <a:lstStyle/>
-          <a:p>
-            <a:pPr algn="ctr"/>
-            <a:endParaRPr lang="fa-IR"/>
-          </a:p>
-        </p:txBody>
-      </p:sp>
-      <p:sp>
-        <p:nvSpPr>
-          <p:cNvPr id="41" name="Arrow: Right 40">
-            <a:extLst>
-              <a:ext uri="{FF2B5EF4-FFF2-40B4-BE49-F238E27FC236}">
-                <a16:creationId xmlns:a16="http://schemas.microsoft.com/office/drawing/2014/main" id="{67F6738F-0F6E-43E3-A844-8DC6AF9A11CB}"/>
-              </a:ext>
-            </a:extLst>
-          </p:cNvPr>
-          <p:cNvSpPr/>
-          <p:nvPr/>
-        </p:nvSpPr>
-        <p:spPr>
-          <a:xfrm rot="16200000">
-            <a:off x="4867761" y="3932682"/>
-            <a:ext cx="642532" cy="441000"/>
-          </a:xfrm>
-          <a:prstGeom prst="rightArrow">
-            <a:avLst/>
-          </a:prstGeom>
-          <a:solidFill>
-            <a:schemeClr val="accent4">
-              <a:lumMod val="75000"/>
-            </a:schemeClr>
-          </a:solidFill>
-          <a:ln>
-            <a:solidFill>
-              <a:schemeClr val="bg1"/>
-            </a:solidFill>
-          </a:ln>
-        </p:spPr>
-        <p:style>
-          <a:lnRef idx="2">
-            <a:schemeClr val="accent1">
-              <a:shade val="15000"/>
-            </a:schemeClr>
-          </a:lnRef>
-          <a:fillRef idx="1">
-            <a:schemeClr val="accent1"/>
-          </a:fillRef>
-          <a:effectRef idx="0">
-            <a:schemeClr val="accent1"/>
-          </a:effectRef>
-          <a:fontRef idx="minor">
-            <a:schemeClr val="lt1"/>
-          </a:fontRef>
-        </p:style>
-        <p:txBody>
-          <a:bodyPr rtlCol="1" anchor="ctr"/>
-          <a:lstStyle/>
-          <a:p>
-            <a:pPr algn="ctr"/>
-            <a:endParaRPr lang="fa-IR"/>
-          </a:p>
-        </p:txBody>
-      </p:sp>
-      <p:sp>
-        <p:nvSpPr>
-          <p:cNvPr id="42" name="Arrow: Right 41">
-            <a:extLst>
-              <a:ext uri="{FF2B5EF4-FFF2-40B4-BE49-F238E27FC236}">
-                <a16:creationId xmlns:a16="http://schemas.microsoft.com/office/drawing/2014/main" id="{FC722032-AB4E-9523-B558-4043A13FEE56}"/>
-              </a:ext>
-            </a:extLst>
-          </p:cNvPr>
-          <p:cNvSpPr/>
-          <p:nvPr/>
-        </p:nvSpPr>
-        <p:spPr>
-          <a:xfrm>
-            <a:off x="6153308" y="2679597"/>
-            <a:ext cx="727484" cy="441000"/>
-          </a:xfrm>
-          <a:prstGeom prst="rightArrow">
-            <a:avLst/>
-          </a:prstGeom>
-          <a:solidFill>
-            <a:schemeClr val="accent4">
-              <a:lumMod val="75000"/>
-            </a:schemeClr>
-          </a:solidFill>
-          <a:ln>
-            <a:solidFill>
-              <a:schemeClr val="bg1"/>
-            </a:solidFill>
-          </a:ln>
-        </p:spPr>
-        <p:style>
-          <a:lnRef idx="2">
-            <a:schemeClr val="accent1">
-              <a:shade val="15000"/>
-            </a:schemeClr>
-          </a:lnRef>
-          <a:fillRef idx="1">
-            <a:schemeClr val="accent1"/>
-          </a:fillRef>
-          <a:effectRef idx="0">
-            <a:schemeClr val="accent1"/>
-          </a:effectRef>
-          <a:fontRef idx="minor">
-            <a:schemeClr val="lt1"/>
-          </a:fontRef>
-        </p:style>
-        <p:txBody>
-          <a:bodyPr rtlCol="1" anchor="ctr"/>
-          <a:lstStyle/>
-          <a:p>
-            <a:pPr algn="ctr"/>
-            <a:endParaRPr lang="fa-IR"/>
-          </a:p>
-        </p:txBody>
-      </p:sp>
-      <p:sp>
-        <p:nvSpPr>
-          <p:cNvPr id="43" name="Arrow: Right 42">
-            <a:extLst>
-              <a:ext uri="{FF2B5EF4-FFF2-40B4-BE49-F238E27FC236}">
-                <a16:creationId xmlns:a16="http://schemas.microsoft.com/office/drawing/2014/main" id="{596350C9-1CF9-467F-8D67-1091778C3DB8}"/>
-              </a:ext>
-            </a:extLst>
-          </p:cNvPr>
-          <p:cNvSpPr/>
-          <p:nvPr/>
-        </p:nvSpPr>
-        <p:spPr>
-          <a:xfrm>
-            <a:off x="9038887" y="2675910"/>
-            <a:ext cx="727484" cy="441000"/>
-          </a:xfrm>
-          <a:prstGeom prst="rightArrow">
-            <a:avLst/>
-          </a:prstGeom>
-          <a:solidFill>
-            <a:schemeClr val="accent4">
-              <a:lumMod val="75000"/>
-            </a:schemeClr>
-          </a:solidFill>
-          <a:ln>
-            <a:solidFill>
-              <a:schemeClr val="bg1"/>
-            </a:solidFill>
-          </a:ln>
-        </p:spPr>
-        <p:style>
-          <a:lnRef idx="2">
-            <a:schemeClr val="accent1">
-              <a:shade val="15000"/>
-            </a:schemeClr>
-          </a:lnRef>
-          <a:fillRef idx="1">
-            <a:schemeClr val="accent1"/>
-          </a:fillRef>
-          <a:effectRef idx="0">
-            <a:schemeClr val="accent1"/>
-          </a:effectRef>
-          <a:fontRef idx="minor">
-            <a:schemeClr val="lt1"/>
-          </a:fontRef>
-        </p:style>
-        <p:txBody>
-          <a:bodyPr rtlCol="1" anchor="ctr"/>
-          <a:lstStyle/>
-          <a:p>
-            <a:pPr algn="ctr"/>
-            <a:endParaRPr lang="fa-IR"/>
+            <a:pPr algn="ctr" rtl="1"/>
+            <a:r>
+              <a:rPr lang="en-US" sz="1600" b="1" dirty="0">
+                <a:cs typeface="B Nazanin" panose="00000400000000000000" pitchFamily="2" charset="-78"/>
+              </a:rPr>
+              <a:t>[0.71  0.23  …  0.06  0.94]</a:t>
+            </a:r>
           </a:p>
         </p:txBody>
       </p:sp>
@@ -8342,14 +9576,14 @@
             <p:ph idx="1"/>
             <p:extLst>
               <p:ext uri="{D42A27DB-BD31-4B8C-83A1-F6EECF244321}">
-                <p14:modId xmlns:p14="http://schemas.microsoft.com/office/powerpoint/2010/main" val="3239241291"/>
+                <p14:modId xmlns:p14="http://schemas.microsoft.com/office/powerpoint/2010/main" val="3676181437"/>
               </p:ext>
             </p:extLst>
           </p:nvPr>
         </p:nvGraphicFramePr>
         <p:xfrm>
           <a:off x="241479" y="858983"/>
-          <a:ext cx="11709039" cy="5830811"/>
+          <a:ext cx="11709039" cy="5710522"/>
         </p:xfrm>
         <a:graphic>
           <a:graphicData uri="http://schemas.openxmlformats.org/drawingml/2006/table">
@@ -8365,14 +9599,14 @@
                     </a:ext>
                   </a:extLst>
                 </a:gridCol>
-                <a:gridCol w="3803812">
+                <a:gridCol w="3749727">
                   <a:extLst>
                     <a:ext uri="{9D8B030D-6E8A-4147-A177-3AD203B41FA5}">
                       <a16:colId xmlns:a16="http://schemas.microsoft.com/office/drawing/2014/main" val="3450439336"/>
                     </a:ext>
                   </a:extLst>
                 </a:gridCol>
-                <a:gridCol w="3186545">
+                <a:gridCol w="3240630">
                   <a:extLst>
                     <a:ext uri="{9D8B030D-6E8A-4147-A177-3AD203B41FA5}">
                       <a16:colId xmlns:a16="http://schemas.microsoft.com/office/drawing/2014/main" val="1743241370"/>
@@ -8387,7 +9621,7 @@
                   </a:extLst>
                 </a:gridCol>
               </a:tblGrid>
-              <a:tr h="460221">
+              <a:tr h="512491">
                 <a:tc>
                   <a:txBody>
                     <a:bodyPr/>
@@ -8548,7 +9782,7 @@
                   </a:ext>
                 </a:extLst>
               </a:tr>
-              <a:tr h="460221">
+              <a:tr h="463503">
                 <a:tc>
                   <a:txBody>
                     <a:bodyPr/>
@@ -8692,7 +9926,7 @@
                   </a:ext>
                 </a:extLst>
               </a:tr>
-              <a:tr h="1466655">
+              <a:tr h="1418771">
                 <a:tc>
                   <a:txBody>
                     <a:bodyPr/>
@@ -9234,7 +10468,7 @@
                   </a:ext>
                 </a:extLst>
               </a:tr>
-              <a:tr h="1408727">
+              <a:tr h="1430307">
                 <a:tc>
                   <a:txBody>
                     <a:bodyPr/>
@@ -9522,7 +10756,7 @@
                   </a:ext>
                 </a:extLst>
               </a:tr>
-              <a:tr h="1822886">
+              <a:tr h="1858960">
                 <a:tc>
                   <a:txBody>
                     <a:bodyPr/>
@@ -9557,7 +10791,7 @@
                           </a:solidFill>
                           <a:cs typeface="B Nazanin" panose="00000400000000000000" pitchFamily="2" charset="-78"/>
                         </a:rPr>
-                        <a:t>موارد مناسب استفاده</a:t>
+                        <a:t>موارد مناسب برای استفاده</a:t>
                       </a:r>
                     </a:p>
                   </a:txBody>
@@ -9740,14 +10974,50 @@
                         </a:rPr>
                         <a:t>وظیفه‌ای</a:t>
                       </a:r>
-                      <a:endParaRPr lang="fa-IR" sz="1500" b="1" kern="1200" dirty="0">
-                        <a:solidFill>
-                          <a:schemeClr val="dk1"/>
-                        </a:solidFill>
-                        <a:latin typeface="+mn-lt"/>
-                        <a:ea typeface="+mn-ea"/>
-                        <a:cs typeface="B Nazanin" panose="00000400000000000000" pitchFamily="2" charset="-78"/>
-                      </a:endParaRPr>
+                      <a:r>
+                        <a:rPr lang="fa-IR" sz="1500" b="1" kern="1200" dirty="0">
+                          <a:solidFill>
+                            <a:schemeClr val="dk1"/>
+                          </a:solidFill>
+                          <a:latin typeface="+mn-lt"/>
+                          <a:ea typeface="+mn-ea"/>
+                          <a:cs typeface="B Nazanin" panose="00000400000000000000" pitchFamily="2" charset="-78"/>
+                        </a:rPr>
+                        <a:t> </a:t>
+                      </a:r>
+                      <a:r>
+                        <a:rPr lang="fa-IR" sz="1200" b="1" kern="1200" dirty="0">
+                          <a:solidFill>
+                            <a:schemeClr val="dk1"/>
+                          </a:solidFill>
+                          <a:latin typeface="+mn-lt"/>
+                          <a:ea typeface="+mn-ea"/>
+                          <a:cs typeface="B Nazanin" panose="00000400000000000000" pitchFamily="2" charset="-78"/>
+                        </a:rPr>
+                        <a:t>(مثل متخصص ترجمه، </a:t>
+                      </a:r>
+                      <a:r>
+                        <a:rPr lang="fa-IR" sz="1200" b="1" kern="1200" dirty="0" err="1">
+                          <a:solidFill>
+                            <a:schemeClr val="dk1"/>
+                          </a:solidFill>
+                          <a:latin typeface="+mn-lt"/>
+                          <a:ea typeface="+mn-ea"/>
+                          <a:cs typeface="B Nazanin" panose="00000400000000000000" pitchFamily="2" charset="-78"/>
+                        </a:rPr>
+                        <a:t>خلاصه‌نویسی</a:t>
+                      </a:r>
+                      <a:r>
+                        <a:rPr lang="fa-IR" sz="1200" b="1" kern="1200" dirty="0">
+                          <a:solidFill>
+                            <a:schemeClr val="dk1"/>
+                          </a:solidFill>
+                          <a:latin typeface="+mn-lt"/>
+                          <a:ea typeface="+mn-ea"/>
+                          <a:cs typeface="B Nazanin" panose="00000400000000000000" pitchFamily="2" charset="-78"/>
+                        </a:rPr>
+                        <a:t>، نگارش آکادمیک، شعر و ...)</a:t>
+                      </a:r>
                     </a:p>
                     <a:p>
                       <a:pPr marL="285750" marR="0" lvl="0" indent="-285750" algn="r" defTabSz="914400" rtl="1" eaLnBrk="1" fontAlgn="auto" latinLnBrk="0" hangingPunct="1">
@@ -9848,6 +11118,184 @@
                         <a:cs typeface="B Nazanin" panose="00000400000000000000" pitchFamily="2" charset="-78"/>
                       </a:endParaRPr>
                     </a:p>
+                  </a:txBody>
+                  <a:tcPr/>
+                </a:tc>
+                <a:tc>
+                  <a:txBody>
+                    <a:bodyPr/>
+                    <a:lstStyle/>
+                    <a:p>
+                      <a:pPr marL="285750" indent="-285750" algn="r" defTabSz="914400" rtl="1" eaLnBrk="1" latinLnBrk="0" hangingPunct="1">
+                        <a:lnSpc>
+                          <a:spcPct val="150000"/>
+                        </a:lnSpc>
+                        <a:buFont typeface="Arial" panose="020B0604020202020204" pitchFamily="34" charset="0"/>
+                        <a:buChar char="•"/>
+                      </a:pPr>
+                      <a:r>
+                        <a:rPr lang="fa-IR" sz="1500" b="1" kern="1200" dirty="0" err="1">
+                          <a:solidFill>
+                            <a:schemeClr val="dk1"/>
+                          </a:solidFill>
+                          <a:latin typeface="+mn-lt"/>
+                          <a:ea typeface="+mn-ea"/>
+                          <a:cs typeface="B Nazanin" panose="00000400000000000000" pitchFamily="2" charset="-78"/>
+                        </a:rPr>
+                        <a:t>ربات</a:t>
+                      </a:r>
+                      <a:r>
+                        <a:rPr lang="fa-IR" sz="1500" b="1" kern="1200" dirty="0">
+                          <a:solidFill>
+                            <a:schemeClr val="dk1"/>
+                          </a:solidFill>
+                          <a:latin typeface="+mn-lt"/>
+                          <a:ea typeface="+mn-ea"/>
+                          <a:cs typeface="B Nazanin" panose="00000400000000000000" pitchFamily="2" charset="-78"/>
+                        </a:rPr>
+                        <a:t> پرسش و پاسخ </a:t>
+                      </a:r>
+                      <a:r>
+                        <a:rPr lang="fa-IR" sz="1500" b="1" kern="1200" dirty="0" err="1">
+                          <a:solidFill>
+                            <a:schemeClr val="dk1"/>
+                          </a:solidFill>
+                          <a:latin typeface="+mn-lt"/>
+                          <a:ea typeface="+mn-ea"/>
+                          <a:cs typeface="B Nazanin" panose="00000400000000000000" pitchFamily="2" charset="-78"/>
+                        </a:rPr>
+                        <a:t>فرازمینه‌ای</a:t>
+                      </a:r>
+                      <a:endParaRPr lang="fa-IR" sz="1500" b="1" kern="1200" dirty="0">
+                        <a:solidFill>
+                          <a:schemeClr val="dk1"/>
+                        </a:solidFill>
+                        <a:latin typeface="+mn-lt"/>
+                        <a:ea typeface="+mn-ea"/>
+                        <a:cs typeface="B Nazanin" panose="00000400000000000000" pitchFamily="2" charset="-78"/>
+                      </a:endParaRPr>
+                    </a:p>
+                    <a:p>
+                      <a:pPr marL="0" indent="0" algn="r" defTabSz="914400" rtl="1" eaLnBrk="1" latinLnBrk="0" hangingPunct="1">
+                        <a:lnSpc>
+                          <a:spcPct val="150000"/>
+                        </a:lnSpc>
+                        <a:buFont typeface="Arial" panose="020B0604020202020204" pitchFamily="34" charset="0"/>
+                        <a:buNone/>
+                      </a:pPr>
+                      <a:r>
+                        <a:rPr lang="fa-IR" sz="1500" b="1" kern="1200" dirty="0">
+                          <a:solidFill>
+                            <a:schemeClr val="dk1"/>
+                          </a:solidFill>
+                          <a:latin typeface="+mn-lt"/>
+                          <a:ea typeface="+mn-ea"/>
+                          <a:cs typeface="B Nazanin" panose="00000400000000000000" pitchFamily="2" charset="-78"/>
+                        </a:rPr>
+                        <a:t>       </a:t>
+                      </a:r>
+                      <a:r>
+                        <a:rPr lang="fa-IR" sz="1200" b="1" kern="1200" dirty="0">
+                          <a:solidFill>
+                            <a:schemeClr val="dk1"/>
+                          </a:solidFill>
+                          <a:latin typeface="+mn-lt"/>
+                          <a:ea typeface="+mn-ea"/>
+                          <a:cs typeface="B Nazanin" panose="00000400000000000000" pitchFamily="2" charset="-78"/>
+                        </a:rPr>
+                        <a:t>(</a:t>
+                      </a:r>
+                      <a:r>
+                        <a:rPr lang="en-US" sz="1200" b="1" kern="1200" dirty="0">
+                          <a:solidFill>
+                            <a:schemeClr val="dk1"/>
+                          </a:solidFill>
+                          <a:latin typeface="+mn-lt"/>
+                          <a:ea typeface="+mn-ea"/>
+                          <a:cs typeface="B Nazanin" panose="00000400000000000000" pitchFamily="2" charset="-78"/>
+                        </a:rPr>
+                        <a:t>Open-domain Q&amp;A</a:t>
+                      </a:r>
+                      <a:r>
+                        <a:rPr lang="fa-IR" sz="1200" b="1" kern="1200" dirty="0">
+                          <a:solidFill>
+                            <a:schemeClr val="dk1"/>
+                          </a:solidFill>
+                          <a:latin typeface="+mn-lt"/>
+                          <a:ea typeface="+mn-ea"/>
+                          <a:cs typeface="B Nazanin" panose="00000400000000000000" pitchFamily="2" charset="-78"/>
+                        </a:rPr>
+                        <a:t>)</a:t>
+                      </a:r>
+                    </a:p>
+                    <a:p>
+                      <a:pPr marL="285750" marR="0" lvl="0" indent="-285750" algn="r" defTabSz="914400" rtl="1" eaLnBrk="1" fontAlgn="auto" latinLnBrk="0" hangingPunct="1">
+                        <a:lnSpc>
+                          <a:spcPct val="150000"/>
+                        </a:lnSpc>
+                        <a:spcBef>
+                          <a:spcPts val="0"/>
+                        </a:spcBef>
+                        <a:spcAft>
+                          <a:spcPts val="0"/>
+                        </a:spcAft>
+                        <a:buClrTx/>
+                        <a:buSzTx/>
+                        <a:buFont typeface="Arial" panose="020B0604020202020204" pitchFamily="34" charset="0"/>
+                        <a:buChar char="•"/>
+                        <a:tabLst/>
+                        <a:defRPr/>
+                      </a:pPr>
+                      <a:r>
+                        <a:rPr lang="fa-IR" sz="1500" b="1" kern="1200" dirty="0">
+                          <a:solidFill>
+                            <a:schemeClr val="dk1"/>
+                          </a:solidFill>
+                          <a:latin typeface="+mn-lt"/>
+                          <a:ea typeface="+mn-ea"/>
+                          <a:cs typeface="B Nazanin" panose="00000400000000000000" pitchFamily="2" charset="-78"/>
+                        </a:rPr>
+                        <a:t>دستیار تحقیقاتی</a:t>
+                      </a:r>
+                      <a:endParaRPr lang="fa-IR" sz="1200" b="1" kern="1200" dirty="0">
+                        <a:solidFill>
+                          <a:schemeClr val="dk1"/>
+                        </a:solidFill>
+                        <a:latin typeface="+mn-lt"/>
+                        <a:ea typeface="+mn-ea"/>
+                        <a:cs typeface="B Nazanin" panose="00000400000000000000" pitchFamily="2" charset="-78"/>
+                      </a:endParaRPr>
+                    </a:p>
+                    <a:p>
+                      <a:pPr marL="285750" marR="0" lvl="0" indent="-285750" algn="r" defTabSz="914400" rtl="1" eaLnBrk="1" fontAlgn="auto" latinLnBrk="0" hangingPunct="1">
+                        <a:lnSpc>
+                          <a:spcPct val="150000"/>
+                        </a:lnSpc>
+                        <a:spcBef>
+                          <a:spcPts val="0"/>
+                        </a:spcBef>
+                        <a:spcAft>
+                          <a:spcPts val="0"/>
+                        </a:spcAft>
+                        <a:buClrTx/>
+                        <a:buSzTx/>
+                        <a:buFont typeface="Arial" panose="020B0604020202020204" pitchFamily="34" charset="0"/>
+                        <a:buChar char="•"/>
+                        <a:tabLst/>
+                        <a:defRPr/>
+                      </a:pPr>
+                      <a:r>
+                        <a:rPr lang="fa-IR" sz="1500" b="1" kern="1200" dirty="0">
+                          <a:solidFill>
+                            <a:schemeClr val="dk1"/>
+                          </a:solidFill>
+                          <a:latin typeface="+mn-lt"/>
+                          <a:ea typeface="+mn-ea"/>
+                          <a:cs typeface="B Nazanin" panose="00000400000000000000" pitchFamily="2" charset="-78"/>
+                        </a:rPr>
+                        <a:t>مدیریت دانش سازمانی</a:t>
+                      </a:r>
+                    </a:p>
                     <a:p>
                       <a:pPr marL="285750" indent="-285750" algn="r" defTabSz="914400" rtl="1" eaLnBrk="1" latinLnBrk="0" hangingPunct="1">
                         <a:lnSpc>
@@ -9865,10 +11313,10 @@
                           <a:ea typeface="+mn-ea"/>
                           <a:cs typeface="B Nazanin" panose="00000400000000000000" pitchFamily="2" charset="-78"/>
                         </a:rPr>
-                        <a:t>تقویت دانش مدل در </a:t>
+                        <a:t>جستجوی اسناد</a:t>
                       </a:r>
                       <a:r>
-                        <a:rPr lang="fa-IR" sz="1500" b="1" kern="1200" dirty="0" err="1">
+                        <a:rPr lang="en-US" sz="1500" b="1" kern="1200" dirty="0">
                           <a:solidFill>
                             <a:schemeClr val="dk1"/>
                           </a:solidFill>
@@ -9876,7 +11324,7 @@
                           <a:ea typeface="+mn-ea"/>
                           <a:cs typeface="B Nazanin" panose="00000400000000000000" pitchFamily="2" charset="-78"/>
                         </a:rPr>
-                        <a:t>زمینه‌ای</a:t>
+                        <a:t> </a:t>
                       </a:r>
                       <a:r>
                         <a:rPr lang="fa-IR" sz="1500" b="1" kern="1200" dirty="0">
@@ -9887,25 +11335,8 @@
                           <a:ea typeface="+mn-ea"/>
                           <a:cs typeface="B Nazanin" panose="00000400000000000000" pitchFamily="2" charset="-78"/>
                         </a:rPr>
-                        <a:t> خاص</a:t>
+                        <a:t>و منابع اطلاعاتی</a:t>
                       </a:r>
-                    </a:p>
-                  </a:txBody>
-                  <a:tcPr/>
-                </a:tc>
-                <a:tc>
-                  <a:txBody>
-                    <a:bodyPr/>
-                    <a:lstStyle/>
-                    <a:p>
-                      <a:pPr algn="ctr" rtl="1">
-                        <a:lnSpc>
-                          <a:spcPct val="250000"/>
-                        </a:lnSpc>
-                      </a:pPr>
-                      <a:endParaRPr lang="fa-IR" sz="1500" dirty="0">
-                        <a:cs typeface="B Nazanin" panose="00000400000000000000" pitchFamily="2" charset="-78"/>
-                      </a:endParaRPr>
                     </a:p>
                   </a:txBody>
                   <a:tcPr/>

--- a/RAG.pptx
+++ b/RAG.pptx
@@ -5,7 +5,7 @@
     <p:sldMasterId id="2147483648" r:id="rId1"/>
   </p:sldMasterIdLst>
   <p:notesMasterIdLst>
-    <p:notesMasterId r:id="rId16"/>
+    <p:notesMasterId r:id="rId17"/>
   </p:notesMasterIdLst>
   <p:sldIdLst>
     <p:sldId id="256" r:id="rId2"/>
@@ -16,12 +16,13 @@
     <p:sldId id="269" r:id="rId7"/>
     <p:sldId id="261" r:id="rId8"/>
     <p:sldId id="267" r:id="rId9"/>
-    <p:sldId id="268" r:id="rId10"/>
-    <p:sldId id="262" r:id="rId11"/>
-    <p:sldId id="263" r:id="rId12"/>
-    <p:sldId id="264" r:id="rId13"/>
-    <p:sldId id="265" r:id="rId14"/>
-    <p:sldId id="259" r:id="rId15"/>
+    <p:sldId id="270" r:id="rId10"/>
+    <p:sldId id="268" r:id="rId11"/>
+    <p:sldId id="262" r:id="rId12"/>
+    <p:sldId id="263" r:id="rId13"/>
+    <p:sldId id="264" r:id="rId14"/>
+    <p:sldId id="265" r:id="rId15"/>
+    <p:sldId id="259" r:id="rId16"/>
   </p:sldIdLst>
   <p:sldSz cx="12192000" cy="6858000"/>
   <p:notesSz cx="6858000" cy="9144000"/>
@@ -130,7 +131,7 @@
 
 <file path=ppt/commentAuthors.xml><?xml version="1.0" encoding="utf-8"?>
 <p:cmAuthorLst xmlns:a="http://schemas.openxmlformats.org/drawingml/2006/main" xmlns:r="http://schemas.openxmlformats.org/officeDocument/2006/relationships" xmlns:p="http://schemas.openxmlformats.org/presentationml/2006/main">
-  <p:cmAuthor id="1" name="Farshad Amiri" initials="FA" lastIdx="1" clrIdx="0">
+  <p:cmAuthor id="1" name="Farshad Amiri" initials="FA" lastIdx="2" clrIdx="0">
     <p:extLst>
       <p:ext uri="{19B8F6BF-5375-455C-9EA6-DF929625EA0E}">
         <p15:presenceInfo xmlns:p15="http://schemas.microsoft.com/office/powerpoint/2012/main" userId="eb0f5e6ffa9f2744" providerId="Windows Live"/>
@@ -138,6 +139,2650 @@
     </p:extLst>
   </p:cmAuthor>
 </p:cmAuthorLst>
+</file>
+
+<file path=ppt/diagrams/colors1.xml><?xml version="1.0" encoding="utf-8"?>
+<dgm:colorsDef xmlns:dgm="http://schemas.openxmlformats.org/drawingml/2006/diagram" xmlns:a="http://schemas.openxmlformats.org/drawingml/2006/main" uniqueId="urn:microsoft.com/office/officeart/2005/8/colors/accent1_2">
+  <dgm:title val=""/>
+  <dgm:desc val=""/>
+  <dgm:catLst>
+    <dgm:cat type="accent1" pri="11200"/>
+  </dgm:catLst>
+  <dgm:styleLbl name="node0">
+    <dgm:fillClrLst meth="repeat">
+      <a:schemeClr val="accent1"/>
+    </dgm:fillClrLst>
+    <dgm:linClrLst meth="repeat">
+      <a:schemeClr val="lt1"/>
+    </dgm:linClrLst>
+    <dgm:effectClrLst/>
+    <dgm:txLinClrLst/>
+    <dgm:txFillClrLst/>
+    <dgm:txEffectClrLst/>
+  </dgm:styleLbl>
+  <dgm:styleLbl name="alignNode1">
+    <dgm:fillClrLst meth="repeat">
+      <a:schemeClr val="accent1"/>
+    </dgm:fillClrLst>
+    <dgm:linClrLst meth="repeat">
+      <a:schemeClr val="accent1"/>
+    </dgm:linClrLst>
+    <dgm:effectClrLst/>
+    <dgm:txLinClrLst/>
+    <dgm:txFillClrLst/>
+    <dgm:txEffectClrLst/>
+  </dgm:styleLbl>
+  <dgm:styleLbl name="node1">
+    <dgm:fillClrLst meth="repeat">
+      <a:schemeClr val="accent1"/>
+    </dgm:fillClrLst>
+    <dgm:linClrLst meth="repeat">
+      <a:schemeClr val="lt1"/>
+    </dgm:linClrLst>
+    <dgm:effectClrLst/>
+    <dgm:txLinClrLst/>
+    <dgm:txFillClrLst/>
+    <dgm:txEffectClrLst/>
+  </dgm:styleLbl>
+  <dgm:styleLbl name="lnNode1">
+    <dgm:fillClrLst meth="repeat">
+      <a:schemeClr val="accent1"/>
+    </dgm:fillClrLst>
+    <dgm:linClrLst meth="repeat">
+      <a:schemeClr val="lt1"/>
+    </dgm:linClrLst>
+    <dgm:effectClrLst/>
+    <dgm:txLinClrLst/>
+    <dgm:txFillClrLst/>
+    <dgm:txEffectClrLst/>
+  </dgm:styleLbl>
+  <dgm:styleLbl name="vennNode1">
+    <dgm:fillClrLst meth="repeat">
+      <a:schemeClr val="accent1">
+        <a:alpha val="50000"/>
+      </a:schemeClr>
+    </dgm:fillClrLst>
+    <dgm:linClrLst meth="repeat">
+      <a:schemeClr val="lt1"/>
+    </dgm:linClrLst>
+    <dgm:effectClrLst/>
+    <dgm:txLinClrLst/>
+    <dgm:txFillClrLst/>
+    <dgm:txEffectClrLst/>
+  </dgm:styleLbl>
+  <dgm:styleLbl name="node2">
+    <dgm:fillClrLst meth="repeat">
+      <a:schemeClr val="accent1"/>
+    </dgm:fillClrLst>
+    <dgm:linClrLst meth="repeat">
+      <a:schemeClr val="lt1"/>
+    </dgm:linClrLst>
+    <dgm:effectClrLst/>
+    <dgm:txLinClrLst/>
+    <dgm:txFillClrLst/>
+    <dgm:txEffectClrLst/>
+  </dgm:styleLbl>
+  <dgm:styleLbl name="node3">
+    <dgm:fillClrLst meth="repeat">
+      <a:schemeClr val="accent1"/>
+    </dgm:fillClrLst>
+    <dgm:linClrLst meth="repeat">
+      <a:schemeClr val="lt1"/>
+    </dgm:linClrLst>
+    <dgm:effectClrLst/>
+    <dgm:txLinClrLst/>
+    <dgm:txFillClrLst/>
+    <dgm:txEffectClrLst/>
+  </dgm:styleLbl>
+  <dgm:styleLbl name="node4">
+    <dgm:fillClrLst meth="repeat">
+      <a:schemeClr val="accent1"/>
+    </dgm:fillClrLst>
+    <dgm:linClrLst meth="repeat">
+      <a:schemeClr val="lt1"/>
+    </dgm:linClrLst>
+    <dgm:effectClrLst/>
+    <dgm:txLinClrLst/>
+    <dgm:txFillClrLst/>
+    <dgm:txEffectClrLst/>
+  </dgm:styleLbl>
+  <dgm:styleLbl name="fgImgPlace1">
+    <dgm:fillClrLst meth="repeat">
+      <a:schemeClr val="accent1">
+        <a:tint val="50000"/>
+      </a:schemeClr>
+    </dgm:fillClrLst>
+    <dgm:linClrLst meth="repeat">
+      <a:schemeClr val="lt1"/>
+    </dgm:linClrLst>
+    <dgm:effectClrLst/>
+    <dgm:txLinClrLst/>
+    <dgm:txFillClrLst meth="repeat">
+      <a:schemeClr val="lt1"/>
+    </dgm:txFillClrLst>
+    <dgm:txEffectClrLst/>
+  </dgm:styleLbl>
+  <dgm:styleLbl name="alignImgPlace1">
+    <dgm:fillClrLst meth="repeat">
+      <a:schemeClr val="accent1">
+        <a:tint val="50000"/>
+      </a:schemeClr>
+    </dgm:fillClrLst>
+    <dgm:linClrLst meth="repeat">
+      <a:schemeClr val="lt1"/>
+    </dgm:linClrLst>
+    <dgm:effectClrLst/>
+    <dgm:txLinClrLst/>
+    <dgm:txFillClrLst meth="repeat">
+      <a:schemeClr val="lt1"/>
+    </dgm:txFillClrLst>
+    <dgm:txEffectClrLst/>
+  </dgm:styleLbl>
+  <dgm:styleLbl name="bgImgPlace1">
+    <dgm:fillClrLst meth="repeat">
+      <a:schemeClr val="accent1">
+        <a:tint val="50000"/>
+      </a:schemeClr>
+    </dgm:fillClrLst>
+    <dgm:linClrLst meth="repeat">
+      <a:schemeClr val="lt1"/>
+    </dgm:linClrLst>
+    <dgm:effectClrLst/>
+    <dgm:txLinClrLst/>
+    <dgm:txFillClrLst meth="repeat">
+      <a:schemeClr val="lt1"/>
+    </dgm:txFillClrLst>
+    <dgm:txEffectClrLst/>
+  </dgm:styleLbl>
+  <dgm:styleLbl name="sibTrans2D1">
+    <dgm:fillClrLst meth="repeat">
+      <a:schemeClr val="accent1">
+        <a:tint val="60000"/>
+      </a:schemeClr>
+    </dgm:fillClrLst>
+    <dgm:linClrLst meth="repeat">
+      <a:schemeClr val="accent1">
+        <a:tint val="60000"/>
+      </a:schemeClr>
+    </dgm:linClrLst>
+    <dgm:effectClrLst/>
+    <dgm:txLinClrLst/>
+    <dgm:txFillClrLst/>
+    <dgm:txEffectClrLst/>
+  </dgm:styleLbl>
+  <dgm:styleLbl name="fgSibTrans2D1">
+    <dgm:fillClrLst meth="repeat">
+      <a:schemeClr val="accent1">
+        <a:tint val="60000"/>
+      </a:schemeClr>
+    </dgm:fillClrLst>
+    <dgm:linClrLst meth="repeat">
+      <a:schemeClr val="accent1">
+        <a:tint val="60000"/>
+      </a:schemeClr>
+    </dgm:linClrLst>
+    <dgm:effectClrLst/>
+    <dgm:txLinClrLst/>
+    <dgm:txFillClrLst/>
+    <dgm:txEffectClrLst/>
+  </dgm:styleLbl>
+  <dgm:styleLbl name="bgSibTrans2D1">
+    <dgm:fillClrLst meth="repeat">
+      <a:schemeClr val="accent1">
+        <a:tint val="60000"/>
+      </a:schemeClr>
+    </dgm:fillClrLst>
+    <dgm:linClrLst meth="repeat">
+      <a:schemeClr val="accent1">
+        <a:tint val="60000"/>
+      </a:schemeClr>
+    </dgm:linClrLst>
+    <dgm:effectClrLst/>
+    <dgm:txLinClrLst/>
+    <dgm:txFillClrLst/>
+    <dgm:txEffectClrLst/>
+  </dgm:styleLbl>
+  <dgm:styleLbl name="sibTrans1D1">
+    <dgm:fillClrLst meth="repeat">
+      <a:schemeClr val="accent1"/>
+    </dgm:fillClrLst>
+    <dgm:linClrLst meth="repeat">
+      <a:schemeClr val="accent1"/>
+    </dgm:linClrLst>
+    <dgm:effectClrLst/>
+    <dgm:txLinClrLst/>
+    <dgm:txFillClrLst meth="repeat">
+      <a:schemeClr val="tx1"/>
+    </dgm:txFillClrLst>
+    <dgm:txEffectClrLst/>
+  </dgm:styleLbl>
+  <dgm:styleLbl name="callout">
+    <dgm:fillClrLst meth="repeat">
+      <a:schemeClr val="accent1"/>
+    </dgm:fillClrLst>
+    <dgm:linClrLst meth="repeat">
+      <a:schemeClr val="accent1">
+        <a:tint val="50000"/>
+      </a:schemeClr>
+    </dgm:linClrLst>
+    <dgm:effectClrLst/>
+    <dgm:txLinClrLst/>
+    <dgm:txFillClrLst meth="repeat">
+      <a:schemeClr val="tx1"/>
+    </dgm:txFillClrLst>
+    <dgm:txEffectClrLst/>
+  </dgm:styleLbl>
+  <dgm:styleLbl name="asst0">
+    <dgm:fillClrLst meth="repeat">
+      <a:schemeClr val="accent1"/>
+    </dgm:fillClrLst>
+    <dgm:linClrLst meth="repeat">
+      <a:schemeClr val="lt1"/>
+    </dgm:linClrLst>
+    <dgm:effectClrLst/>
+    <dgm:txLinClrLst/>
+    <dgm:txFillClrLst/>
+    <dgm:txEffectClrLst/>
+  </dgm:styleLbl>
+  <dgm:styleLbl name="asst1">
+    <dgm:fillClrLst meth="repeat">
+      <a:schemeClr val="accent1"/>
+    </dgm:fillClrLst>
+    <dgm:linClrLst meth="repeat">
+      <a:schemeClr val="lt1"/>
+    </dgm:linClrLst>
+    <dgm:effectClrLst/>
+    <dgm:txLinClrLst/>
+    <dgm:txFillClrLst/>
+    <dgm:txEffectClrLst/>
+  </dgm:styleLbl>
+  <dgm:styleLbl name="asst2">
+    <dgm:fillClrLst meth="repeat">
+      <a:schemeClr val="accent1"/>
+    </dgm:fillClrLst>
+    <dgm:linClrLst meth="repeat">
+      <a:schemeClr val="lt1"/>
+    </dgm:linClrLst>
+    <dgm:effectClrLst/>
+    <dgm:txLinClrLst/>
+    <dgm:txFillClrLst/>
+    <dgm:txEffectClrLst/>
+  </dgm:styleLbl>
+  <dgm:styleLbl name="asst3">
+    <dgm:fillClrLst meth="repeat">
+      <a:schemeClr val="accent1"/>
+    </dgm:fillClrLst>
+    <dgm:linClrLst meth="repeat">
+      <a:schemeClr val="lt1"/>
+    </dgm:linClrLst>
+    <dgm:effectClrLst/>
+    <dgm:txLinClrLst/>
+    <dgm:txFillClrLst/>
+    <dgm:txEffectClrLst/>
+  </dgm:styleLbl>
+  <dgm:styleLbl name="asst4">
+    <dgm:fillClrLst meth="repeat">
+      <a:schemeClr val="accent1"/>
+    </dgm:fillClrLst>
+    <dgm:linClrLst meth="repeat">
+      <a:schemeClr val="lt1"/>
+    </dgm:linClrLst>
+    <dgm:effectClrLst/>
+    <dgm:txLinClrLst/>
+    <dgm:txFillClrLst/>
+    <dgm:txEffectClrLst/>
+  </dgm:styleLbl>
+  <dgm:styleLbl name="parChTrans2D1">
+    <dgm:fillClrLst meth="repeat">
+      <a:schemeClr val="accent1">
+        <a:tint val="60000"/>
+      </a:schemeClr>
+    </dgm:fillClrLst>
+    <dgm:linClrLst meth="repeat">
+      <a:schemeClr val="accent1">
+        <a:tint val="60000"/>
+      </a:schemeClr>
+    </dgm:linClrLst>
+    <dgm:effectClrLst/>
+    <dgm:txLinClrLst/>
+    <dgm:txFillClrLst meth="repeat">
+      <a:schemeClr val="lt1"/>
+    </dgm:txFillClrLst>
+    <dgm:txEffectClrLst/>
+  </dgm:styleLbl>
+  <dgm:styleLbl name="parChTrans2D2">
+    <dgm:fillClrLst meth="repeat">
+      <a:schemeClr val="accent1"/>
+    </dgm:fillClrLst>
+    <dgm:linClrLst meth="repeat">
+      <a:schemeClr val="accent1"/>
+    </dgm:linClrLst>
+    <dgm:effectClrLst/>
+    <dgm:txLinClrLst/>
+    <dgm:txFillClrLst meth="repeat">
+      <a:schemeClr val="lt1"/>
+    </dgm:txFillClrLst>
+    <dgm:txEffectClrLst/>
+  </dgm:styleLbl>
+  <dgm:styleLbl name="parChTrans2D3">
+    <dgm:fillClrLst meth="repeat">
+      <a:schemeClr val="accent1"/>
+    </dgm:fillClrLst>
+    <dgm:linClrLst meth="repeat">
+      <a:schemeClr val="accent1"/>
+    </dgm:linClrLst>
+    <dgm:effectClrLst/>
+    <dgm:txLinClrLst/>
+    <dgm:txFillClrLst meth="repeat">
+      <a:schemeClr val="lt1"/>
+    </dgm:txFillClrLst>
+    <dgm:txEffectClrLst/>
+  </dgm:styleLbl>
+  <dgm:styleLbl name="parChTrans2D4">
+    <dgm:fillClrLst meth="repeat">
+      <a:schemeClr val="accent1"/>
+    </dgm:fillClrLst>
+    <dgm:linClrLst meth="repeat">
+      <a:schemeClr val="accent1"/>
+    </dgm:linClrLst>
+    <dgm:effectClrLst/>
+    <dgm:txLinClrLst/>
+    <dgm:txFillClrLst meth="repeat">
+      <a:schemeClr val="lt1"/>
+    </dgm:txFillClrLst>
+    <dgm:txEffectClrLst/>
+  </dgm:styleLbl>
+  <dgm:styleLbl name="parChTrans1D1">
+    <dgm:fillClrLst meth="repeat">
+      <a:schemeClr val="accent1"/>
+    </dgm:fillClrLst>
+    <dgm:linClrLst meth="repeat">
+      <a:schemeClr val="accent1">
+        <a:shade val="60000"/>
+      </a:schemeClr>
+    </dgm:linClrLst>
+    <dgm:effectClrLst/>
+    <dgm:txLinClrLst/>
+    <dgm:txFillClrLst meth="repeat">
+      <a:schemeClr val="tx1"/>
+    </dgm:txFillClrLst>
+    <dgm:txEffectClrLst/>
+  </dgm:styleLbl>
+  <dgm:styleLbl name="parChTrans1D2">
+    <dgm:fillClrLst meth="repeat">
+      <a:schemeClr val="accent1"/>
+    </dgm:fillClrLst>
+    <dgm:linClrLst meth="repeat">
+      <a:schemeClr val="accent1">
+        <a:shade val="60000"/>
+      </a:schemeClr>
+    </dgm:linClrLst>
+    <dgm:effectClrLst/>
+    <dgm:txLinClrLst/>
+    <dgm:txFillClrLst meth="repeat">
+      <a:schemeClr val="tx1"/>
+    </dgm:txFillClrLst>
+    <dgm:txEffectClrLst/>
+  </dgm:styleLbl>
+  <dgm:styleLbl name="parChTrans1D3">
+    <dgm:fillClrLst meth="repeat">
+      <a:schemeClr val="accent1"/>
+    </dgm:fillClrLst>
+    <dgm:linClrLst meth="repeat">
+      <a:schemeClr val="accent1">
+        <a:shade val="80000"/>
+      </a:schemeClr>
+    </dgm:linClrLst>
+    <dgm:effectClrLst/>
+    <dgm:txLinClrLst/>
+    <dgm:txFillClrLst meth="repeat">
+      <a:schemeClr val="tx1"/>
+    </dgm:txFillClrLst>
+    <dgm:txEffectClrLst/>
+  </dgm:styleLbl>
+  <dgm:styleLbl name="parChTrans1D4">
+    <dgm:fillClrLst meth="repeat">
+      <a:schemeClr val="accent1"/>
+    </dgm:fillClrLst>
+    <dgm:linClrLst meth="repeat">
+      <a:schemeClr val="accent1">
+        <a:shade val="80000"/>
+      </a:schemeClr>
+    </dgm:linClrLst>
+    <dgm:effectClrLst/>
+    <dgm:txLinClrLst/>
+    <dgm:txFillClrLst meth="repeat">
+      <a:schemeClr val="tx1"/>
+    </dgm:txFillClrLst>
+    <dgm:txEffectClrLst/>
+  </dgm:styleLbl>
+  <dgm:styleLbl name="fgAcc1">
+    <dgm:fillClrLst meth="repeat">
+      <a:schemeClr val="lt1">
+        <a:alpha val="90000"/>
+      </a:schemeClr>
+    </dgm:fillClrLst>
+    <dgm:linClrLst meth="repeat">
+      <a:schemeClr val="accent1"/>
+    </dgm:linClrLst>
+    <dgm:effectClrLst/>
+    <dgm:txLinClrLst/>
+    <dgm:txFillClrLst meth="repeat">
+      <a:schemeClr val="dk1"/>
+    </dgm:txFillClrLst>
+    <dgm:txEffectClrLst/>
+  </dgm:styleLbl>
+  <dgm:styleLbl name="conFgAcc1">
+    <dgm:fillClrLst meth="repeat">
+      <a:schemeClr val="lt1">
+        <a:alpha val="90000"/>
+      </a:schemeClr>
+    </dgm:fillClrLst>
+    <dgm:linClrLst meth="repeat">
+      <a:schemeClr val="accent1"/>
+    </dgm:linClrLst>
+    <dgm:effectClrLst/>
+    <dgm:txLinClrLst/>
+    <dgm:txFillClrLst meth="repeat">
+      <a:schemeClr val="dk1"/>
+    </dgm:txFillClrLst>
+    <dgm:txEffectClrLst/>
+  </dgm:styleLbl>
+  <dgm:styleLbl name="alignAcc1">
+    <dgm:fillClrLst meth="repeat">
+      <a:schemeClr val="lt1">
+        <a:alpha val="90000"/>
+      </a:schemeClr>
+    </dgm:fillClrLst>
+    <dgm:linClrLst meth="repeat">
+      <a:schemeClr val="accent1"/>
+    </dgm:linClrLst>
+    <dgm:effectClrLst/>
+    <dgm:txLinClrLst/>
+    <dgm:txFillClrLst meth="repeat">
+      <a:schemeClr val="dk1"/>
+    </dgm:txFillClrLst>
+    <dgm:txEffectClrLst/>
+  </dgm:styleLbl>
+  <dgm:styleLbl name="trAlignAcc1">
+    <dgm:fillClrLst meth="repeat">
+      <a:schemeClr val="lt1">
+        <a:alpha val="40000"/>
+      </a:schemeClr>
+    </dgm:fillClrLst>
+    <dgm:linClrLst meth="repeat">
+      <a:schemeClr val="accent1"/>
+    </dgm:linClrLst>
+    <dgm:effectClrLst/>
+    <dgm:txLinClrLst/>
+    <dgm:txFillClrLst meth="repeat">
+      <a:schemeClr val="dk1"/>
+    </dgm:txFillClrLst>
+    <dgm:txEffectClrLst/>
+  </dgm:styleLbl>
+  <dgm:styleLbl name="bgAcc1">
+    <dgm:fillClrLst meth="repeat">
+      <a:schemeClr val="lt1">
+        <a:alpha val="90000"/>
+      </a:schemeClr>
+    </dgm:fillClrLst>
+    <dgm:linClrLst meth="repeat">
+      <a:schemeClr val="accent1"/>
+    </dgm:linClrLst>
+    <dgm:effectClrLst/>
+    <dgm:txLinClrLst/>
+    <dgm:txFillClrLst meth="repeat">
+      <a:schemeClr val="dk1"/>
+    </dgm:txFillClrLst>
+    <dgm:txEffectClrLst/>
+  </dgm:styleLbl>
+  <dgm:styleLbl name="solidFgAcc1">
+    <dgm:fillClrLst meth="repeat">
+      <a:schemeClr val="lt1"/>
+    </dgm:fillClrLst>
+    <dgm:linClrLst meth="repeat">
+      <a:schemeClr val="accent1"/>
+    </dgm:linClrLst>
+    <dgm:effectClrLst/>
+    <dgm:txLinClrLst/>
+    <dgm:txFillClrLst meth="repeat">
+      <a:schemeClr val="dk1"/>
+    </dgm:txFillClrLst>
+    <dgm:txEffectClrLst/>
+  </dgm:styleLbl>
+  <dgm:styleLbl name="solidAlignAcc1">
+    <dgm:fillClrLst meth="repeat">
+      <a:schemeClr val="lt1"/>
+    </dgm:fillClrLst>
+    <dgm:linClrLst meth="repeat">
+      <a:schemeClr val="accent1"/>
+    </dgm:linClrLst>
+    <dgm:effectClrLst/>
+    <dgm:txLinClrLst/>
+    <dgm:txFillClrLst meth="repeat">
+      <a:schemeClr val="dk1"/>
+    </dgm:txFillClrLst>
+    <dgm:txEffectClrLst/>
+  </dgm:styleLbl>
+  <dgm:styleLbl name="solidBgAcc1">
+    <dgm:fillClrLst meth="repeat">
+      <a:schemeClr val="lt1"/>
+    </dgm:fillClrLst>
+    <dgm:linClrLst meth="repeat">
+      <a:schemeClr val="accent1"/>
+    </dgm:linClrLst>
+    <dgm:effectClrLst/>
+    <dgm:txLinClrLst/>
+    <dgm:txFillClrLst meth="repeat">
+      <a:schemeClr val="dk1"/>
+    </dgm:txFillClrLst>
+    <dgm:txEffectClrLst/>
+  </dgm:styleLbl>
+  <dgm:styleLbl name="fgAccFollowNode1">
+    <dgm:fillClrLst meth="repeat">
+      <a:schemeClr val="accent1">
+        <a:alpha val="90000"/>
+        <a:tint val="40000"/>
+      </a:schemeClr>
+    </dgm:fillClrLst>
+    <dgm:linClrLst meth="repeat">
+      <a:schemeClr val="accent1">
+        <a:alpha val="90000"/>
+        <a:tint val="40000"/>
+      </a:schemeClr>
+    </dgm:linClrLst>
+    <dgm:effectClrLst/>
+    <dgm:txLinClrLst/>
+    <dgm:txFillClrLst meth="repeat">
+      <a:schemeClr val="dk1"/>
+    </dgm:txFillClrLst>
+    <dgm:txEffectClrLst/>
+  </dgm:styleLbl>
+  <dgm:styleLbl name="alignAccFollowNode1">
+    <dgm:fillClrLst meth="repeat">
+      <a:schemeClr val="accent1">
+        <a:alpha val="90000"/>
+        <a:tint val="40000"/>
+      </a:schemeClr>
+    </dgm:fillClrLst>
+    <dgm:linClrLst meth="repeat">
+      <a:schemeClr val="accent1">
+        <a:alpha val="90000"/>
+        <a:tint val="40000"/>
+      </a:schemeClr>
+    </dgm:linClrLst>
+    <dgm:effectClrLst/>
+    <dgm:txLinClrLst/>
+    <dgm:txFillClrLst meth="repeat">
+      <a:schemeClr val="dk1"/>
+    </dgm:txFillClrLst>
+    <dgm:txEffectClrLst/>
+  </dgm:styleLbl>
+  <dgm:styleLbl name="bgAccFollowNode1">
+    <dgm:fillClrLst meth="repeat">
+      <a:schemeClr val="accent1">
+        <a:alpha val="90000"/>
+        <a:tint val="40000"/>
+      </a:schemeClr>
+    </dgm:fillClrLst>
+    <dgm:linClrLst meth="repeat">
+      <a:schemeClr val="accent1">
+        <a:alpha val="90000"/>
+        <a:tint val="40000"/>
+      </a:schemeClr>
+    </dgm:linClrLst>
+    <dgm:effectClrLst/>
+    <dgm:txLinClrLst/>
+    <dgm:txFillClrLst meth="repeat">
+      <a:schemeClr val="dk1"/>
+    </dgm:txFillClrLst>
+    <dgm:txEffectClrLst/>
+  </dgm:styleLbl>
+  <dgm:styleLbl name="fgAcc0">
+    <dgm:fillClrLst meth="repeat">
+      <a:schemeClr val="lt1">
+        <a:alpha val="90000"/>
+      </a:schemeClr>
+    </dgm:fillClrLst>
+    <dgm:linClrLst meth="repeat">
+      <a:schemeClr val="accent1"/>
+    </dgm:linClrLst>
+    <dgm:effectClrLst/>
+    <dgm:txLinClrLst/>
+    <dgm:txFillClrLst meth="repeat">
+      <a:schemeClr val="dk1"/>
+    </dgm:txFillClrLst>
+    <dgm:txEffectClrLst/>
+  </dgm:styleLbl>
+  <dgm:styleLbl name="fgAcc2">
+    <dgm:fillClrLst meth="repeat">
+      <a:schemeClr val="lt1">
+        <a:alpha val="90000"/>
+      </a:schemeClr>
+    </dgm:fillClrLst>
+    <dgm:linClrLst meth="repeat">
+      <a:schemeClr val="accent1"/>
+    </dgm:linClrLst>
+    <dgm:effectClrLst/>
+    <dgm:txLinClrLst/>
+    <dgm:txFillClrLst meth="repeat">
+      <a:schemeClr val="dk1"/>
+    </dgm:txFillClrLst>
+    <dgm:txEffectClrLst/>
+  </dgm:styleLbl>
+  <dgm:styleLbl name="fgAcc3">
+    <dgm:fillClrLst meth="repeat">
+      <a:schemeClr val="lt1">
+        <a:alpha val="90000"/>
+      </a:schemeClr>
+    </dgm:fillClrLst>
+    <dgm:linClrLst meth="repeat">
+      <a:schemeClr val="accent1"/>
+    </dgm:linClrLst>
+    <dgm:effectClrLst/>
+    <dgm:txLinClrLst/>
+    <dgm:txFillClrLst meth="repeat">
+      <a:schemeClr val="dk1"/>
+    </dgm:txFillClrLst>
+    <dgm:txEffectClrLst/>
+  </dgm:styleLbl>
+  <dgm:styleLbl name="fgAcc4">
+    <dgm:fillClrLst meth="repeat">
+      <a:schemeClr val="lt1">
+        <a:alpha val="90000"/>
+      </a:schemeClr>
+    </dgm:fillClrLst>
+    <dgm:linClrLst meth="repeat">
+      <a:schemeClr val="accent1"/>
+    </dgm:linClrLst>
+    <dgm:effectClrLst/>
+    <dgm:txLinClrLst/>
+    <dgm:txFillClrLst meth="repeat">
+      <a:schemeClr val="dk1"/>
+    </dgm:txFillClrLst>
+    <dgm:txEffectClrLst/>
+  </dgm:styleLbl>
+  <dgm:styleLbl name="bgShp">
+    <dgm:fillClrLst meth="repeat">
+      <a:schemeClr val="accent1">
+        <a:tint val="40000"/>
+      </a:schemeClr>
+    </dgm:fillClrLst>
+    <dgm:linClrLst meth="repeat">
+      <a:schemeClr val="accent1"/>
+    </dgm:linClrLst>
+    <dgm:effectClrLst/>
+    <dgm:txLinClrLst/>
+    <dgm:txFillClrLst meth="repeat">
+      <a:schemeClr val="dk1"/>
+    </dgm:txFillClrLst>
+    <dgm:txEffectClrLst/>
+  </dgm:styleLbl>
+  <dgm:styleLbl name="dkBgShp">
+    <dgm:fillClrLst meth="repeat">
+      <a:schemeClr val="accent1">
+        <a:shade val="80000"/>
+      </a:schemeClr>
+    </dgm:fillClrLst>
+    <dgm:linClrLst meth="repeat">
+      <a:schemeClr val="accent1"/>
+    </dgm:linClrLst>
+    <dgm:effectClrLst/>
+    <dgm:txLinClrLst/>
+    <dgm:txFillClrLst meth="repeat">
+      <a:schemeClr val="lt1"/>
+    </dgm:txFillClrLst>
+    <dgm:txEffectClrLst/>
+  </dgm:styleLbl>
+  <dgm:styleLbl name="trBgShp">
+    <dgm:fillClrLst meth="repeat">
+      <a:schemeClr val="accent1">
+        <a:tint val="50000"/>
+        <a:alpha val="40000"/>
+      </a:schemeClr>
+    </dgm:fillClrLst>
+    <dgm:linClrLst meth="repeat">
+      <a:schemeClr val="accent1"/>
+    </dgm:linClrLst>
+    <dgm:effectClrLst/>
+    <dgm:txLinClrLst/>
+    <dgm:txFillClrLst meth="repeat">
+      <a:schemeClr val="lt1"/>
+    </dgm:txFillClrLst>
+    <dgm:txEffectClrLst/>
+  </dgm:styleLbl>
+  <dgm:styleLbl name="fgShp">
+    <dgm:fillClrLst meth="repeat">
+      <a:schemeClr val="accent1">
+        <a:tint val="60000"/>
+      </a:schemeClr>
+    </dgm:fillClrLst>
+    <dgm:linClrLst meth="repeat">
+      <a:schemeClr val="lt1"/>
+    </dgm:linClrLst>
+    <dgm:effectClrLst/>
+    <dgm:txLinClrLst/>
+    <dgm:txFillClrLst meth="repeat">
+      <a:schemeClr val="dk1"/>
+    </dgm:txFillClrLst>
+    <dgm:txEffectClrLst/>
+  </dgm:styleLbl>
+  <dgm:styleLbl name="revTx">
+    <dgm:fillClrLst meth="repeat">
+      <a:schemeClr val="lt1">
+        <a:alpha val="0"/>
+      </a:schemeClr>
+    </dgm:fillClrLst>
+    <dgm:linClrLst meth="repeat">
+      <a:schemeClr val="dk1">
+        <a:alpha val="0"/>
+      </a:schemeClr>
+    </dgm:linClrLst>
+    <dgm:effectClrLst/>
+    <dgm:txLinClrLst/>
+    <dgm:txFillClrLst meth="repeat">
+      <a:schemeClr val="tx1"/>
+    </dgm:txFillClrLst>
+    <dgm:txEffectClrLst/>
+  </dgm:styleLbl>
+</dgm:colorsDef>
+</file>
+
+<file path=ppt/diagrams/data1.xml><?xml version="1.0" encoding="utf-8"?>
+<dgm:dataModel xmlns:dgm="http://schemas.openxmlformats.org/drawingml/2006/diagram" xmlns:a="http://schemas.openxmlformats.org/drawingml/2006/main">
+  <dgm:ptLst>
+    <dgm:pt modelId="{6C3024F7-A729-4F93-B845-004F91386FBD}" type="doc">
+      <dgm:prSet loTypeId="urn:microsoft.com/office/officeart/2005/8/layout/vList2" loCatId="list" qsTypeId="urn:microsoft.com/office/officeart/2005/8/quickstyle/simple5" qsCatId="simple" csTypeId="urn:microsoft.com/office/officeart/2005/8/colors/accent1_2" csCatId="accent1" phldr="1"/>
+      <dgm:spPr/>
+      <dgm:t>
+        <a:bodyPr/>
+        <a:lstStyle/>
+        <a:p>
+          <a:pPr rtl="1"/>
+          <a:endParaRPr lang="fa-IR"/>
+        </a:p>
+      </dgm:t>
+    </dgm:pt>
+    <dgm:pt modelId="{A5010BC2-76BB-49B6-8597-C761ECAC1772}">
+      <dgm:prSet custT="1"/>
+      <dgm:spPr>
+        <a:gradFill flip="none" rotWithShape="0">
+          <a:gsLst>
+            <a:gs pos="0">
+              <a:schemeClr val="accent1">
+                <a:hueOff val="0"/>
+                <a:satOff val="0"/>
+                <a:lumOff val="0"/>
+                <a:alphaOff val="0"/>
+                <a:satMod val="103000"/>
+                <a:lumMod val="102000"/>
+                <a:tint val="94000"/>
+              </a:schemeClr>
+            </a:gs>
+            <a:gs pos="50000">
+              <a:schemeClr val="accent1">
+                <a:hueOff val="0"/>
+                <a:satOff val="0"/>
+                <a:lumOff val="0"/>
+                <a:alphaOff val="0"/>
+                <a:satMod val="110000"/>
+                <a:lumMod val="100000"/>
+                <a:shade val="100000"/>
+              </a:schemeClr>
+            </a:gs>
+            <a:gs pos="100000">
+              <a:schemeClr val="accent1">
+                <a:hueOff val="0"/>
+                <a:satOff val="0"/>
+                <a:lumOff val="0"/>
+                <a:alphaOff val="0"/>
+                <a:lumMod val="99000"/>
+                <a:satMod val="120000"/>
+                <a:shade val="78000"/>
+              </a:schemeClr>
+            </a:gs>
+          </a:gsLst>
+          <a:lin ang="5400000" scaled="1"/>
+          <a:tileRect/>
+        </a:gradFill>
+      </dgm:spPr>
+      <dgm:t>
+        <a:bodyPr/>
+        <a:lstStyle/>
+        <a:p>
+          <a:pPr algn="ctr" rtl="1"/>
+          <a:r>
+            <a:rPr lang="fa-IR" sz="2000" b="1" dirty="0">
+              <a:cs typeface="B Nazanin" panose="00000400000000000000" pitchFamily="2" charset="-78"/>
+            </a:rPr>
+            <a:t>درک زبانی قوی</a:t>
+          </a:r>
+          <a:endParaRPr lang="fa-IR" sz="2000" dirty="0">
+            <a:cs typeface="B Nazanin" panose="00000400000000000000" pitchFamily="2" charset="-78"/>
+          </a:endParaRPr>
+        </a:p>
+      </dgm:t>
+    </dgm:pt>
+    <dgm:pt modelId="{37ABEE5F-A67C-47E0-8941-7E6F22037044}" type="parTrans" cxnId="{FC4256CC-E590-41FD-B031-26CCB70FBBCE}">
+      <dgm:prSet/>
+      <dgm:spPr/>
+      <dgm:t>
+        <a:bodyPr/>
+        <a:lstStyle/>
+        <a:p>
+          <a:pPr rtl="1"/>
+          <a:endParaRPr lang="fa-IR"/>
+        </a:p>
+      </dgm:t>
+    </dgm:pt>
+    <dgm:pt modelId="{0DE24500-9EED-4915-B752-26BB93CD87A8}" type="sibTrans" cxnId="{FC4256CC-E590-41FD-B031-26CCB70FBBCE}">
+      <dgm:prSet/>
+      <dgm:spPr/>
+      <dgm:t>
+        <a:bodyPr/>
+        <a:lstStyle/>
+        <a:p>
+          <a:pPr rtl="1"/>
+          <a:endParaRPr lang="fa-IR"/>
+        </a:p>
+      </dgm:t>
+    </dgm:pt>
+    <dgm:pt modelId="{FD7784B0-2A99-42F6-A10A-83EB0DC73BE5}">
+      <dgm:prSet custT="1"/>
+      <dgm:spPr>
+        <a:gradFill flip="none" rotWithShape="0">
+          <a:gsLst>
+            <a:gs pos="0">
+              <a:schemeClr val="accent1">
+                <a:hueOff val="0"/>
+                <a:satOff val="0"/>
+                <a:lumOff val="0"/>
+                <a:alphaOff val="0"/>
+                <a:satMod val="103000"/>
+                <a:lumMod val="102000"/>
+                <a:tint val="94000"/>
+              </a:schemeClr>
+            </a:gs>
+            <a:gs pos="50000">
+              <a:schemeClr val="accent1">
+                <a:hueOff val="0"/>
+                <a:satOff val="0"/>
+                <a:lumOff val="0"/>
+                <a:alphaOff val="0"/>
+                <a:satMod val="110000"/>
+                <a:lumMod val="100000"/>
+                <a:shade val="100000"/>
+              </a:schemeClr>
+            </a:gs>
+            <a:gs pos="100000">
+              <a:schemeClr val="accent1">
+                <a:hueOff val="0"/>
+                <a:satOff val="0"/>
+                <a:lumOff val="0"/>
+                <a:alphaOff val="0"/>
+                <a:lumMod val="99000"/>
+                <a:satMod val="120000"/>
+                <a:shade val="78000"/>
+              </a:schemeClr>
+            </a:gs>
+          </a:gsLst>
+          <a:lin ang="5400000" scaled="1"/>
+          <a:tileRect/>
+        </a:gradFill>
+      </dgm:spPr>
+      <dgm:t>
+        <a:bodyPr/>
+        <a:lstStyle/>
+        <a:p>
+          <a:pPr algn="ctr" rtl="1"/>
+          <a:r>
+            <a:rPr lang="fa-IR" sz="2000" b="1" dirty="0" err="1">
+              <a:cs typeface="B Nazanin" panose="00000400000000000000" pitchFamily="2" charset="-78"/>
+            </a:rPr>
+            <a:t>دانش‌های</a:t>
+          </a:r>
+          <a:r>
+            <a:rPr lang="fa-IR" sz="2000" b="1" dirty="0">
+              <a:cs typeface="B Nazanin" panose="00000400000000000000" pitchFamily="2" charset="-78"/>
+            </a:rPr>
+            <a:t> پایه</a:t>
+          </a:r>
+          <a:endParaRPr lang="fa-IR" sz="2000" dirty="0">
+            <a:cs typeface="B Nazanin" panose="00000400000000000000" pitchFamily="2" charset="-78"/>
+          </a:endParaRPr>
+        </a:p>
+      </dgm:t>
+    </dgm:pt>
+    <dgm:pt modelId="{7750B9D0-E9EB-4945-A5DD-38B6C271B362}" type="parTrans" cxnId="{28DAC406-83EA-4CDB-BEF1-141981261C2A}">
+      <dgm:prSet/>
+      <dgm:spPr/>
+      <dgm:t>
+        <a:bodyPr/>
+        <a:lstStyle/>
+        <a:p>
+          <a:pPr rtl="1"/>
+          <a:endParaRPr lang="fa-IR"/>
+        </a:p>
+      </dgm:t>
+    </dgm:pt>
+    <dgm:pt modelId="{8FB5A77B-8F2F-410E-BCF3-6707659D0E62}" type="sibTrans" cxnId="{28DAC406-83EA-4CDB-BEF1-141981261C2A}">
+      <dgm:prSet/>
+      <dgm:spPr/>
+      <dgm:t>
+        <a:bodyPr/>
+        <a:lstStyle/>
+        <a:p>
+          <a:pPr rtl="1"/>
+          <a:endParaRPr lang="fa-IR"/>
+        </a:p>
+      </dgm:t>
+    </dgm:pt>
+    <dgm:pt modelId="{F97E06E0-D2ED-46AC-B66F-A247C305E866}">
+      <dgm:prSet custT="1"/>
+      <dgm:spPr>
+        <a:gradFill flip="none" rotWithShape="0">
+          <a:gsLst>
+            <a:gs pos="0">
+              <a:schemeClr val="accent1">
+                <a:hueOff val="0"/>
+                <a:satOff val="0"/>
+                <a:lumOff val="0"/>
+                <a:alphaOff val="0"/>
+                <a:satMod val="103000"/>
+                <a:lumMod val="102000"/>
+                <a:tint val="94000"/>
+              </a:schemeClr>
+            </a:gs>
+            <a:gs pos="50000">
+              <a:schemeClr val="accent1">
+                <a:hueOff val="0"/>
+                <a:satOff val="0"/>
+                <a:lumOff val="0"/>
+                <a:alphaOff val="0"/>
+                <a:satMod val="110000"/>
+                <a:lumMod val="100000"/>
+                <a:shade val="100000"/>
+              </a:schemeClr>
+            </a:gs>
+            <a:gs pos="100000">
+              <a:schemeClr val="accent1">
+                <a:hueOff val="0"/>
+                <a:satOff val="0"/>
+                <a:lumOff val="0"/>
+                <a:alphaOff val="0"/>
+                <a:lumMod val="99000"/>
+                <a:satMod val="120000"/>
+                <a:shade val="78000"/>
+              </a:schemeClr>
+            </a:gs>
+          </a:gsLst>
+          <a:lin ang="5400000" scaled="1"/>
+          <a:tileRect/>
+        </a:gradFill>
+      </dgm:spPr>
+      <dgm:t>
+        <a:bodyPr/>
+        <a:lstStyle/>
+        <a:p>
+          <a:pPr algn="ctr" rtl="1"/>
+          <a:r>
+            <a:rPr lang="fa-IR" sz="2000" b="1" dirty="0">
+              <a:cs typeface="B Nazanin" panose="00000400000000000000" pitchFamily="2" charset="-78"/>
+            </a:rPr>
+            <a:t>استدلال منطقی</a:t>
+          </a:r>
+          <a:endParaRPr lang="fa-IR" sz="2000" dirty="0">
+            <a:cs typeface="B Nazanin" panose="00000400000000000000" pitchFamily="2" charset="-78"/>
+          </a:endParaRPr>
+        </a:p>
+      </dgm:t>
+    </dgm:pt>
+    <dgm:pt modelId="{11013EF0-1DEB-416B-8CE8-9EC82E46518B}" type="parTrans" cxnId="{4B7CE9F5-1584-4EFD-8B26-B8F860164884}">
+      <dgm:prSet/>
+      <dgm:spPr/>
+      <dgm:t>
+        <a:bodyPr/>
+        <a:lstStyle/>
+        <a:p>
+          <a:pPr rtl="1"/>
+          <a:endParaRPr lang="fa-IR"/>
+        </a:p>
+      </dgm:t>
+    </dgm:pt>
+    <dgm:pt modelId="{C17DE5C5-8921-430D-9956-183998995338}" type="sibTrans" cxnId="{4B7CE9F5-1584-4EFD-8B26-B8F860164884}">
+      <dgm:prSet/>
+      <dgm:spPr/>
+      <dgm:t>
+        <a:bodyPr/>
+        <a:lstStyle/>
+        <a:p>
+          <a:pPr rtl="1"/>
+          <a:endParaRPr lang="fa-IR"/>
+        </a:p>
+      </dgm:t>
+    </dgm:pt>
+    <dgm:pt modelId="{B61DC9FB-7626-4D39-9363-433259384063}" type="pres">
+      <dgm:prSet presAssocID="{6C3024F7-A729-4F93-B845-004F91386FBD}" presName="linear" presStyleCnt="0">
+        <dgm:presLayoutVars>
+          <dgm:animLvl val="lvl"/>
+          <dgm:resizeHandles val="exact"/>
+        </dgm:presLayoutVars>
+      </dgm:prSet>
+      <dgm:spPr/>
+    </dgm:pt>
+    <dgm:pt modelId="{4705860B-CF4C-4332-80F6-CB6B998C1578}" type="pres">
+      <dgm:prSet presAssocID="{A5010BC2-76BB-49B6-8597-C761ECAC1772}" presName="parentText" presStyleLbl="node1" presStyleIdx="0" presStyleCnt="3">
+        <dgm:presLayoutVars>
+          <dgm:chMax val="0"/>
+          <dgm:bulletEnabled val="1"/>
+        </dgm:presLayoutVars>
+      </dgm:prSet>
+      <dgm:spPr/>
+    </dgm:pt>
+    <dgm:pt modelId="{F609EB0D-73A0-4A16-A10A-0EAF13DAEA24}" type="pres">
+      <dgm:prSet presAssocID="{0DE24500-9EED-4915-B752-26BB93CD87A8}" presName="spacer" presStyleCnt="0"/>
+      <dgm:spPr/>
+    </dgm:pt>
+    <dgm:pt modelId="{C57268A3-E864-4C73-8DE7-94B3BCF7AFEA}" type="pres">
+      <dgm:prSet presAssocID="{FD7784B0-2A99-42F6-A10A-83EB0DC73BE5}" presName="parentText" presStyleLbl="node1" presStyleIdx="1" presStyleCnt="3">
+        <dgm:presLayoutVars>
+          <dgm:chMax val="0"/>
+          <dgm:bulletEnabled val="1"/>
+        </dgm:presLayoutVars>
+      </dgm:prSet>
+      <dgm:spPr/>
+    </dgm:pt>
+    <dgm:pt modelId="{31A1DC5D-E581-45EC-9A62-2DB7A089B493}" type="pres">
+      <dgm:prSet presAssocID="{8FB5A77B-8F2F-410E-BCF3-6707659D0E62}" presName="spacer" presStyleCnt="0"/>
+      <dgm:spPr/>
+    </dgm:pt>
+    <dgm:pt modelId="{842763DB-A544-47BF-A6F6-9BAB67F6C350}" type="pres">
+      <dgm:prSet presAssocID="{F97E06E0-D2ED-46AC-B66F-A247C305E866}" presName="parentText" presStyleLbl="node1" presStyleIdx="2" presStyleCnt="3">
+        <dgm:presLayoutVars>
+          <dgm:chMax val="0"/>
+          <dgm:bulletEnabled val="1"/>
+        </dgm:presLayoutVars>
+      </dgm:prSet>
+      <dgm:spPr/>
+    </dgm:pt>
+  </dgm:ptLst>
+  <dgm:cxnLst>
+    <dgm:cxn modelId="{28DAC406-83EA-4CDB-BEF1-141981261C2A}" srcId="{6C3024F7-A729-4F93-B845-004F91386FBD}" destId="{FD7784B0-2A99-42F6-A10A-83EB0DC73BE5}" srcOrd="1" destOrd="0" parTransId="{7750B9D0-E9EB-4945-A5DD-38B6C271B362}" sibTransId="{8FB5A77B-8F2F-410E-BCF3-6707659D0E62}"/>
+    <dgm:cxn modelId="{59EAE66C-5A32-402A-843F-503A36D1B914}" type="presOf" srcId="{F97E06E0-D2ED-46AC-B66F-A247C305E866}" destId="{842763DB-A544-47BF-A6F6-9BAB67F6C350}" srcOrd="0" destOrd="0" presId="urn:microsoft.com/office/officeart/2005/8/layout/vList2"/>
+    <dgm:cxn modelId="{54B3144F-E044-46DB-AE80-DA0C4B5AF6CD}" type="presOf" srcId="{A5010BC2-76BB-49B6-8597-C761ECAC1772}" destId="{4705860B-CF4C-4332-80F6-CB6B998C1578}" srcOrd="0" destOrd="0" presId="urn:microsoft.com/office/officeart/2005/8/layout/vList2"/>
+    <dgm:cxn modelId="{60705B94-45EC-4D08-8E8A-3FC644CAD19B}" type="presOf" srcId="{FD7784B0-2A99-42F6-A10A-83EB0DC73BE5}" destId="{C57268A3-E864-4C73-8DE7-94B3BCF7AFEA}" srcOrd="0" destOrd="0" presId="urn:microsoft.com/office/officeart/2005/8/layout/vList2"/>
+    <dgm:cxn modelId="{4E6E859C-FD5E-46D1-B0A8-DF8EB312FDA7}" type="presOf" srcId="{6C3024F7-A729-4F93-B845-004F91386FBD}" destId="{B61DC9FB-7626-4D39-9363-433259384063}" srcOrd="0" destOrd="0" presId="urn:microsoft.com/office/officeart/2005/8/layout/vList2"/>
+    <dgm:cxn modelId="{FC4256CC-E590-41FD-B031-26CCB70FBBCE}" srcId="{6C3024F7-A729-4F93-B845-004F91386FBD}" destId="{A5010BC2-76BB-49B6-8597-C761ECAC1772}" srcOrd="0" destOrd="0" parTransId="{37ABEE5F-A67C-47E0-8941-7E6F22037044}" sibTransId="{0DE24500-9EED-4915-B752-26BB93CD87A8}"/>
+    <dgm:cxn modelId="{4B7CE9F5-1584-4EFD-8B26-B8F860164884}" srcId="{6C3024F7-A729-4F93-B845-004F91386FBD}" destId="{F97E06E0-D2ED-46AC-B66F-A247C305E866}" srcOrd="2" destOrd="0" parTransId="{11013EF0-1DEB-416B-8CE8-9EC82E46518B}" sibTransId="{C17DE5C5-8921-430D-9956-183998995338}"/>
+    <dgm:cxn modelId="{6C8479B2-FD04-438A-AD16-CAFC01A7069E}" type="presParOf" srcId="{B61DC9FB-7626-4D39-9363-433259384063}" destId="{4705860B-CF4C-4332-80F6-CB6B998C1578}" srcOrd="0" destOrd="0" presId="urn:microsoft.com/office/officeart/2005/8/layout/vList2"/>
+    <dgm:cxn modelId="{40D356D4-6752-4DEF-B2F5-744711551A31}" type="presParOf" srcId="{B61DC9FB-7626-4D39-9363-433259384063}" destId="{F609EB0D-73A0-4A16-A10A-0EAF13DAEA24}" srcOrd="1" destOrd="0" presId="urn:microsoft.com/office/officeart/2005/8/layout/vList2"/>
+    <dgm:cxn modelId="{3803C583-EAF7-456E-91F2-D9AD4CD8A157}" type="presParOf" srcId="{B61DC9FB-7626-4D39-9363-433259384063}" destId="{C57268A3-E864-4C73-8DE7-94B3BCF7AFEA}" srcOrd="2" destOrd="0" presId="urn:microsoft.com/office/officeart/2005/8/layout/vList2"/>
+    <dgm:cxn modelId="{E12BBAF7-286C-48A5-B407-33DD8026DCFC}" type="presParOf" srcId="{B61DC9FB-7626-4D39-9363-433259384063}" destId="{31A1DC5D-E581-45EC-9A62-2DB7A089B493}" srcOrd="3" destOrd="0" presId="urn:microsoft.com/office/officeart/2005/8/layout/vList2"/>
+    <dgm:cxn modelId="{0BCF3CA0-4B1C-4CEF-868E-C4696B55FC24}" type="presParOf" srcId="{B61DC9FB-7626-4D39-9363-433259384063}" destId="{842763DB-A544-47BF-A6F6-9BAB67F6C350}" srcOrd="4" destOrd="0" presId="urn:microsoft.com/office/officeart/2005/8/layout/vList2"/>
+  </dgm:cxnLst>
+  <dgm:bg/>
+  <dgm:whole/>
+  <dgm:extLst>
+    <a:ext uri="http://schemas.microsoft.com/office/drawing/2008/diagram">
+      <dsp:dataModelExt xmlns:dsp="http://schemas.microsoft.com/office/drawing/2008/diagram" relId="rId6" minVer="http://schemas.openxmlformats.org/drawingml/2006/diagram"/>
+    </a:ext>
+    <a:ext uri="{C62137D5-CB1D-491B-B009-E17868A290BF}">
+      <dgm14:recolorImg xmlns:dgm14="http://schemas.microsoft.com/office/drawing/2010/diagram" val="1"/>
+    </a:ext>
+  </dgm:extLst>
+</dgm:dataModel>
+</file>
+
+<file path=ppt/diagrams/drawing1.xml><?xml version="1.0" encoding="utf-8"?>
+<dsp:drawing xmlns:dgm="http://schemas.openxmlformats.org/drawingml/2006/diagram" xmlns:dsp="http://schemas.microsoft.com/office/drawing/2008/diagram" xmlns:a="http://schemas.openxmlformats.org/drawingml/2006/main">
+  <dsp:spTree>
+    <dsp:nvGrpSpPr>
+      <dsp:cNvPr id="0" name=""/>
+      <dsp:cNvGrpSpPr/>
+    </dsp:nvGrpSpPr>
+    <dsp:grpSpPr/>
+    <dsp:sp modelId="{4705860B-CF4C-4332-80F6-CB6B998C1578}">
+      <dsp:nvSpPr>
+        <dsp:cNvPr id="0" name=""/>
+        <dsp:cNvSpPr/>
+      </dsp:nvSpPr>
+      <dsp:spPr>
+        <a:xfrm>
+          <a:off x="0" y="4871"/>
+          <a:ext cx="2022763" cy="593775"/>
+        </a:xfrm>
+        <a:prstGeom prst="roundRect">
+          <a:avLst/>
+        </a:prstGeom>
+        <a:gradFill flip="none" rotWithShape="0">
+          <a:gsLst>
+            <a:gs pos="0">
+              <a:schemeClr val="accent1">
+                <a:hueOff val="0"/>
+                <a:satOff val="0"/>
+                <a:lumOff val="0"/>
+                <a:alphaOff val="0"/>
+                <a:satMod val="103000"/>
+                <a:lumMod val="102000"/>
+                <a:tint val="94000"/>
+              </a:schemeClr>
+            </a:gs>
+            <a:gs pos="50000">
+              <a:schemeClr val="accent1">
+                <a:hueOff val="0"/>
+                <a:satOff val="0"/>
+                <a:lumOff val="0"/>
+                <a:alphaOff val="0"/>
+                <a:satMod val="110000"/>
+                <a:lumMod val="100000"/>
+                <a:shade val="100000"/>
+              </a:schemeClr>
+            </a:gs>
+            <a:gs pos="100000">
+              <a:schemeClr val="accent1">
+                <a:hueOff val="0"/>
+                <a:satOff val="0"/>
+                <a:lumOff val="0"/>
+                <a:alphaOff val="0"/>
+                <a:lumMod val="99000"/>
+                <a:satMod val="120000"/>
+                <a:shade val="78000"/>
+              </a:schemeClr>
+            </a:gs>
+          </a:gsLst>
+          <a:lin ang="5400000" scaled="1"/>
+          <a:tileRect/>
+        </a:gradFill>
+        <a:ln>
+          <a:noFill/>
+        </a:ln>
+        <a:effectLst>
+          <a:outerShdw blurRad="57150" dist="19050" dir="5400000" algn="ctr" rotWithShape="0">
+            <a:srgbClr val="000000">
+              <a:alpha val="63000"/>
+            </a:srgbClr>
+          </a:outerShdw>
+        </a:effectLst>
+      </dsp:spPr>
+      <dsp:style>
+        <a:lnRef idx="0">
+          <a:scrgbClr r="0" g="0" b="0"/>
+        </a:lnRef>
+        <a:fillRef idx="3">
+          <a:scrgbClr r="0" g="0" b="0"/>
+        </a:fillRef>
+        <a:effectRef idx="3">
+          <a:scrgbClr r="0" g="0" b="0"/>
+        </a:effectRef>
+        <a:fontRef idx="minor">
+          <a:schemeClr val="lt1"/>
+        </a:fontRef>
+      </dsp:style>
+      <dsp:txBody>
+        <a:bodyPr spcFirstLastPara="0" vert="horz" wrap="square" lIns="76200" tIns="76200" rIns="76200" bIns="76200" numCol="1" spcCol="1270" anchor="ctr" anchorCtr="0">
+          <a:noAutofit/>
+        </a:bodyPr>
+        <a:lstStyle/>
+        <a:p>
+          <a:pPr marL="0" lvl="0" indent="0" algn="ctr" defTabSz="889000" rtl="1">
+            <a:lnSpc>
+              <a:spcPct val="90000"/>
+            </a:lnSpc>
+            <a:spcBef>
+              <a:spcPct val="0"/>
+            </a:spcBef>
+            <a:spcAft>
+              <a:spcPct val="35000"/>
+            </a:spcAft>
+            <a:buNone/>
+          </a:pPr>
+          <a:r>
+            <a:rPr lang="fa-IR" sz="2000" b="1" kern="1200" dirty="0">
+              <a:cs typeface="B Nazanin" panose="00000400000000000000" pitchFamily="2" charset="-78"/>
+            </a:rPr>
+            <a:t>درک زبانی قوی</a:t>
+          </a:r>
+          <a:endParaRPr lang="fa-IR" sz="2000" kern="1200" dirty="0">
+            <a:cs typeface="B Nazanin" panose="00000400000000000000" pitchFamily="2" charset="-78"/>
+          </a:endParaRPr>
+        </a:p>
+      </dsp:txBody>
+      <dsp:txXfrm>
+        <a:off x="28986" y="33857"/>
+        <a:ext cx="1964791" cy="535803"/>
+      </dsp:txXfrm>
+    </dsp:sp>
+    <dsp:sp modelId="{C57268A3-E864-4C73-8DE7-94B3BCF7AFEA}">
+      <dsp:nvSpPr>
+        <dsp:cNvPr id="0" name=""/>
+        <dsp:cNvSpPr/>
+      </dsp:nvSpPr>
+      <dsp:spPr>
+        <a:xfrm>
+          <a:off x="0" y="682166"/>
+          <a:ext cx="2022763" cy="593775"/>
+        </a:xfrm>
+        <a:prstGeom prst="roundRect">
+          <a:avLst/>
+        </a:prstGeom>
+        <a:gradFill flip="none" rotWithShape="0">
+          <a:gsLst>
+            <a:gs pos="0">
+              <a:schemeClr val="accent1">
+                <a:hueOff val="0"/>
+                <a:satOff val="0"/>
+                <a:lumOff val="0"/>
+                <a:alphaOff val="0"/>
+                <a:satMod val="103000"/>
+                <a:lumMod val="102000"/>
+                <a:tint val="94000"/>
+              </a:schemeClr>
+            </a:gs>
+            <a:gs pos="50000">
+              <a:schemeClr val="accent1">
+                <a:hueOff val="0"/>
+                <a:satOff val="0"/>
+                <a:lumOff val="0"/>
+                <a:alphaOff val="0"/>
+                <a:satMod val="110000"/>
+                <a:lumMod val="100000"/>
+                <a:shade val="100000"/>
+              </a:schemeClr>
+            </a:gs>
+            <a:gs pos="100000">
+              <a:schemeClr val="accent1">
+                <a:hueOff val="0"/>
+                <a:satOff val="0"/>
+                <a:lumOff val="0"/>
+                <a:alphaOff val="0"/>
+                <a:lumMod val="99000"/>
+                <a:satMod val="120000"/>
+                <a:shade val="78000"/>
+              </a:schemeClr>
+            </a:gs>
+          </a:gsLst>
+          <a:lin ang="5400000" scaled="1"/>
+          <a:tileRect/>
+        </a:gradFill>
+        <a:ln>
+          <a:noFill/>
+        </a:ln>
+        <a:effectLst>
+          <a:outerShdw blurRad="57150" dist="19050" dir="5400000" algn="ctr" rotWithShape="0">
+            <a:srgbClr val="000000">
+              <a:alpha val="63000"/>
+            </a:srgbClr>
+          </a:outerShdw>
+        </a:effectLst>
+      </dsp:spPr>
+      <dsp:style>
+        <a:lnRef idx="0">
+          <a:scrgbClr r="0" g="0" b="0"/>
+        </a:lnRef>
+        <a:fillRef idx="3">
+          <a:scrgbClr r="0" g="0" b="0"/>
+        </a:fillRef>
+        <a:effectRef idx="3">
+          <a:scrgbClr r="0" g="0" b="0"/>
+        </a:effectRef>
+        <a:fontRef idx="minor">
+          <a:schemeClr val="lt1"/>
+        </a:fontRef>
+      </dsp:style>
+      <dsp:txBody>
+        <a:bodyPr spcFirstLastPara="0" vert="horz" wrap="square" lIns="76200" tIns="76200" rIns="76200" bIns="76200" numCol="1" spcCol="1270" anchor="ctr" anchorCtr="0">
+          <a:noAutofit/>
+        </a:bodyPr>
+        <a:lstStyle/>
+        <a:p>
+          <a:pPr marL="0" lvl="0" indent="0" algn="ctr" defTabSz="889000" rtl="1">
+            <a:lnSpc>
+              <a:spcPct val="90000"/>
+            </a:lnSpc>
+            <a:spcBef>
+              <a:spcPct val="0"/>
+            </a:spcBef>
+            <a:spcAft>
+              <a:spcPct val="35000"/>
+            </a:spcAft>
+            <a:buNone/>
+          </a:pPr>
+          <a:r>
+            <a:rPr lang="fa-IR" sz="2000" b="1" kern="1200" dirty="0" err="1">
+              <a:cs typeface="B Nazanin" panose="00000400000000000000" pitchFamily="2" charset="-78"/>
+            </a:rPr>
+            <a:t>دانش‌های</a:t>
+          </a:r>
+          <a:r>
+            <a:rPr lang="fa-IR" sz="2000" b="1" kern="1200" dirty="0">
+              <a:cs typeface="B Nazanin" panose="00000400000000000000" pitchFamily="2" charset="-78"/>
+            </a:rPr>
+            <a:t> پایه</a:t>
+          </a:r>
+          <a:endParaRPr lang="fa-IR" sz="2000" kern="1200" dirty="0">
+            <a:cs typeface="B Nazanin" panose="00000400000000000000" pitchFamily="2" charset="-78"/>
+          </a:endParaRPr>
+        </a:p>
+      </dsp:txBody>
+      <dsp:txXfrm>
+        <a:off x="28986" y="711152"/>
+        <a:ext cx="1964791" cy="535803"/>
+      </dsp:txXfrm>
+    </dsp:sp>
+    <dsp:sp modelId="{842763DB-A544-47BF-A6F6-9BAB67F6C350}">
+      <dsp:nvSpPr>
+        <dsp:cNvPr id="0" name=""/>
+        <dsp:cNvSpPr/>
+      </dsp:nvSpPr>
+      <dsp:spPr>
+        <a:xfrm>
+          <a:off x="0" y="1359461"/>
+          <a:ext cx="2022763" cy="593775"/>
+        </a:xfrm>
+        <a:prstGeom prst="roundRect">
+          <a:avLst/>
+        </a:prstGeom>
+        <a:gradFill flip="none" rotWithShape="0">
+          <a:gsLst>
+            <a:gs pos="0">
+              <a:schemeClr val="accent1">
+                <a:hueOff val="0"/>
+                <a:satOff val="0"/>
+                <a:lumOff val="0"/>
+                <a:alphaOff val="0"/>
+                <a:satMod val="103000"/>
+                <a:lumMod val="102000"/>
+                <a:tint val="94000"/>
+              </a:schemeClr>
+            </a:gs>
+            <a:gs pos="50000">
+              <a:schemeClr val="accent1">
+                <a:hueOff val="0"/>
+                <a:satOff val="0"/>
+                <a:lumOff val="0"/>
+                <a:alphaOff val="0"/>
+                <a:satMod val="110000"/>
+                <a:lumMod val="100000"/>
+                <a:shade val="100000"/>
+              </a:schemeClr>
+            </a:gs>
+            <a:gs pos="100000">
+              <a:schemeClr val="accent1">
+                <a:hueOff val="0"/>
+                <a:satOff val="0"/>
+                <a:lumOff val="0"/>
+                <a:alphaOff val="0"/>
+                <a:lumMod val="99000"/>
+                <a:satMod val="120000"/>
+                <a:shade val="78000"/>
+              </a:schemeClr>
+            </a:gs>
+          </a:gsLst>
+          <a:lin ang="5400000" scaled="1"/>
+          <a:tileRect/>
+        </a:gradFill>
+        <a:ln>
+          <a:noFill/>
+        </a:ln>
+        <a:effectLst>
+          <a:outerShdw blurRad="57150" dist="19050" dir="5400000" algn="ctr" rotWithShape="0">
+            <a:srgbClr val="000000">
+              <a:alpha val="63000"/>
+            </a:srgbClr>
+          </a:outerShdw>
+        </a:effectLst>
+      </dsp:spPr>
+      <dsp:style>
+        <a:lnRef idx="0">
+          <a:scrgbClr r="0" g="0" b="0"/>
+        </a:lnRef>
+        <a:fillRef idx="3">
+          <a:scrgbClr r="0" g="0" b="0"/>
+        </a:fillRef>
+        <a:effectRef idx="3">
+          <a:scrgbClr r="0" g="0" b="0"/>
+        </a:effectRef>
+        <a:fontRef idx="minor">
+          <a:schemeClr val="lt1"/>
+        </a:fontRef>
+      </dsp:style>
+      <dsp:txBody>
+        <a:bodyPr spcFirstLastPara="0" vert="horz" wrap="square" lIns="76200" tIns="76200" rIns="76200" bIns="76200" numCol="1" spcCol="1270" anchor="ctr" anchorCtr="0">
+          <a:noAutofit/>
+        </a:bodyPr>
+        <a:lstStyle/>
+        <a:p>
+          <a:pPr marL="0" lvl="0" indent="0" algn="ctr" defTabSz="889000" rtl="1">
+            <a:lnSpc>
+              <a:spcPct val="90000"/>
+            </a:lnSpc>
+            <a:spcBef>
+              <a:spcPct val="0"/>
+            </a:spcBef>
+            <a:spcAft>
+              <a:spcPct val="35000"/>
+            </a:spcAft>
+            <a:buNone/>
+          </a:pPr>
+          <a:r>
+            <a:rPr lang="fa-IR" sz="2000" b="1" kern="1200" dirty="0">
+              <a:cs typeface="B Nazanin" panose="00000400000000000000" pitchFamily="2" charset="-78"/>
+            </a:rPr>
+            <a:t>استدلال منطقی</a:t>
+          </a:r>
+          <a:endParaRPr lang="fa-IR" sz="2000" kern="1200" dirty="0">
+            <a:cs typeface="B Nazanin" panose="00000400000000000000" pitchFamily="2" charset="-78"/>
+          </a:endParaRPr>
+        </a:p>
+      </dsp:txBody>
+      <dsp:txXfrm>
+        <a:off x="28986" y="1388447"/>
+        <a:ext cx="1964791" cy="535803"/>
+      </dsp:txXfrm>
+    </dsp:sp>
+  </dsp:spTree>
+</dsp:drawing>
+</file>
+
+<file path=ppt/diagrams/layout1.xml><?xml version="1.0" encoding="utf-8"?>
+<dgm:layoutDef xmlns:dgm="http://schemas.openxmlformats.org/drawingml/2006/diagram" xmlns:a="http://schemas.openxmlformats.org/drawingml/2006/main" uniqueId="urn:microsoft.com/office/officeart/2005/8/layout/vList2">
+  <dgm:title val=""/>
+  <dgm:desc val=""/>
+  <dgm:catLst>
+    <dgm:cat type="list" pri="3000"/>
+    <dgm:cat type="convert" pri="1000"/>
+  </dgm:catLst>
+  <dgm:sampData>
+    <dgm:dataModel>
+      <dgm:ptLst>
+        <dgm:pt modelId="0" type="doc"/>
+        <dgm:pt modelId="1">
+          <dgm:prSet phldr="1"/>
+        </dgm:pt>
+        <dgm:pt modelId="11">
+          <dgm:prSet phldr="1"/>
+        </dgm:pt>
+        <dgm:pt modelId="2">
+          <dgm:prSet phldr="1"/>
+        </dgm:pt>
+        <dgm:pt modelId="21">
+          <dgm:prSet phldr="1"/>
+        </dgm:pt>
+      </dgm:ptLst>
+      <dgm:cxnLst>
+        <dgm:cxn modelId="4" srcId="0" destId="1" srcOrd="0" destOrd="0"/>
+        <dgm:cxn modelId="5" srcId="0" destId="2" srcOrd="1" destOrd="0"/>
+        <dgm:cxn modelId="12" srcId="1" destId="11" srcOrd="0" destOrd="0"/>
+        <dgm:cxn modelId="23" srcId="2" destId="21" srcOrd="0" destOrd="0"/>
+      </dgm:cxnLst>
+      <dgm:bg/>
+      <dgm:whole/>
+    </dgm:dataModel>
+  </dgm:sampData>
+  <dgm:styleData>
+    <dgm:dataModel>
+      <dgm:ptLst>
+        <dgm:pt modelId="0" type="doc"/>
+        <dgm:pt modelId="1"/>
+        <dgm:pt modelId="2"/>
+      </dgm:ptLst>
+      <dgm:cxnLst>
+        <dgm:cxn modelId="3" srcId="0" destId="1" srcOrd="0" destOrd="0"/>
+        <dgm:cxn modelId="4" srcId="0" destId="2" srcOrd="1" destOrd="0"/>
+      </dgm:cxnLst>
+      <dgm:bg/>
+      <dgm:whole/>
+    </dgm:dataModel>
+  </dgm:styleData>
+  <dgm:clrData>
+    <dgm:dataModel>
+      <dgm:ptLst>
+        <dgm:pt modelId="0" type="doc"/>
+        <dgm:pt modelId="1"/>
+        <dgm:pt modelId="2"/>
+        <dgm:pt modelId="3"/>
+        <dgm:pt modelId="4"/>
+      </dgm:ptLst>
+      <dgm:cxnLst>
+        <dgm:cxn modelId="5" srcId="0" destId="1" srcOrd="0" destOrd="0"/>
+        <dgm:cxn modelId="6" srcId="0" destId="2" srcOrd="1" destOrd="0"/>
+        <dgm:cxn modelId="7" srcId="0" destId="3" srcOrd="2" destOrd="0"/>
+        <dgm:cxn modelId="8" srcId="0" destId="4" srcOrd="3" destOrd="0"/>
+      </dgm:cxnLst>
+      <dgm:bg/>
+      <dgm:whole/>
+    </dgm:dataModel>
+  </dgm:clrData>
+  <dgm:layoutNode name="linear">
+    <dgm:varLst>
+      <dgm:animLvl val="lvl"/>
+      <dgm:resizeHandles val="exact"/>
+    </dgm:varLst>
+    <dgm:alg type="lin">
+      <dgm:param type="linDir" val="fromT"/>
+      <dgm:param type="vertAlign" val="mid"/>
+    </dgm:alg>
+    <dgm:shape xmlns:r="http://schemas.openxmlformats.org/officeDocument/2006/relationships" r:blip="">
+      <dgm:adjLst/>
+    </dgm:shape>
+    <dgm:presOf/>
+    <dgm:constrLst>
+      <dgm:constr type="w" for="ch" forName="parentText" refType="w"/>
+      <dgm:constr type="h" for="ch" forName="parentText" refType="primFontSz" refFor="ch" refForName="parentText" fact="0.52"/>
+      <dgm:constr type="w" for="ch" forName="childText" refType="w"/>
+      <dgm:constr type="h" for="ch" forName="childText" refType="primFontSz" refFor="ch" refForName="parentText" fact="0.46"/>
+      <dgm:constr type="h" for="ch" forName="parentText" op="equ"/>
+      <dgm:constr type="primFontSz" for="ch" forName="parentText" op="equ" val="65"/>
+      <dgm:constr type="primFontSz" for="ch" forName="childText" refType="primFontSz" refFor="ch" refForName="parentText" op="equ"/>
+      <dgm:constr type="h" for="ch" forName="spacer" refType="primFontSz" refFor="ch" refForName="parentText" fact="0.08"/>
+    </dgm:constrLst>
+    <dgm:ruleLst>
+      <dgm:rule type="primFontSz" for="ch" forName="parentText" val="5" fact="NaN" max="NaN"/>
+    </dgm:ruleLst>
+    <dgm:forEach name="Name0" axis="ch" ptType="node">
+      <dgm:layoutNode name="parentText" styleLbl="node1">
+        <dgm:varLst>
+          <dgm:chMax val="0"/>
+          <dgm:bulletEnabled val="1"/>
+        </dgm:varLst>
+        <dgm:alg type="tx">
+          <dgm:param type="parTxLTRAlign" val="l"/>
+          <dgm:param type="parTxRTLAlign" val="r"/>
+        </dgm:alg>
+        <dgm:shape xmlns:r="http://schemas.openxmlformats.org/officeDocument/2006/relationships" type="roundRect" r:blip="">
+          <dgm:adjLst/>
+        </dgm:shape>
+        <dgm:presOf axis="self"/>
+        <dgm:constrLst>
+          <dgm:constr type="tMarg" refType="primFontSz" fact="0.3"/>
+          <dgm:constr type="bMarg" refType="primFontSz" fact="0.3"/>
+          <dgm:constr type="lMarg" refType="primFontSz" fact="0.3"/>
+          <dgm:constr type="rMarg" refType="primFontSz" fact="0.3"/>
+        </dgm:constrLst>
+        <dgm:ruleLst>
+          <dgm:rule type="h" val="INF" fact="NaN" max="NaN"/>
+        </dgm:ruleLst>
+      </dgm:layoutNode>
+      <dgm:choose name="Name1">
+        <dgm:if name="Name2" axis="ch" ptType="node" func="cnt" op="gte" val="1">
+          <dgm:layoutNode name="childText" styleLbl="revTx">
+            <dgm:varLst>
+              <dgm:bulletEnabled val="1"/>
+            </dgm:varLst>
+            <dgm:alg type="tx">
+              <dgm:param type="stBulletLvl" val="1"/>
+              <dgm:param type="lnSpAfChP" val="20"/>
+            </dgm:alg>
+            <dgm:shape xmlns:r="http://schemas.openxmlformats.org/officeDocument/2006/relationships" type="rect" r:blip="">
+              <dgm:adjLst/>
+            </dgm:shape>
+            <dgm:presOf axis="des" ptType="node"/>
+            <dgm:constrLst>
+              <dgm:constr type="tMarg" refType="primFontSz" fact="0.1"/>
+              <dgm:constr type="bMarg" refType="primFontSz" fact="0.1"/>
+              <dgm:constr type="lMarg" refType="w" fact="0.09"/>
+            </dgm:constrLst>
+            <dgm:ruleLst>
+              <dgm:rule type="h" val="INF" fact="NaN" max="NaN"/>
+            </dgm:ruleLst>
+          </dgm:layoutNode>
+        </dgm:if>
+        <dgm:else name="Name3">
+          <dgm:choose name="Name4">
+            <dgm:if name="Name5" axis="par ch" ptType="doc node" func="cnt" op="gte" val="2">
+              <dgm:forEach name="Name6" axis="followSib" ptType="sibTrans" cnt="1">
+                <dgm:layoutNode name="spacer">
+                  <dgm:alg type="sp"/>
+                  <dgm:shape xmlns:r="http://schemas.openxmlformats.org/officeDocument/2006/relationships" r:blip="">
+                    <dgm:adjLst/>
+                  </dgm:shape>
+                  <dgm:presOf/>
+                  <dgm:constrLst/>
+                  <dgm:ruleLst/>
+                </dgm:layoutNode>
+              </dgm:forEach>
+            </dgm:if>
+            <dgm:else name="Name7"/>
+          </dgm:choose>
+        </dgm:else>
+      </dgm:choose>
+    </dgm:forEach>
+  </dgm:layoutNode>
+</dgm:layoutDef>
+</file>
+
+<file path=ppt/diagrams/quickStyle1.xml><?xml version="1.0" encoding="utf-8"?>
+<dgm:styleDef xmlns:dgm="http://schemas.openxmlformats.org/drawingml/2006/diagram" xmlns:a="http://schemas.openxmlformats.org/drawingml/2006/main" uniqueId="urn:microsoft.com/office/officeart/2005/8/quickstyle/simple5">
+  <dgm:title val=""/>
+  <dgm:desc val=""/>
+  <dgm:catLst>
+    <dgm:cat type="simple" pri="10500"/>
+  </dgm:catLst>
+  <dgm:scene3d>
+    <a:camera prst="orthographicFront"/>
+    <a:lightRig rig="threePt" dir="t"/>
+  </dgm:scene3d>
+  <dgm:styleLbl name="node0">
+    <dgm:scene3d>
+      <a:camera prst="orthographicFront"/>
+      <a:lightRig rig="threePt" dir="t"/>
+    </dgm:scene3d>
+    <dgm:sp3d/>
+    <dgm:txPr/>
+    <dgm:style>
+      <a:lnRef idx="0">
+        <a:scrgbClr r="0" g="0" b="0"/>
+      </a:lnRef>
+      <a:fillRef idx="3">
+        <a:scrgbClr r="0" g="0" b="0"/>
+      </a:fillRef>
+      <a:effectRef idx="3">
+        <a:scrgbClr r="0" g="0" b="0"/>
+      </a:effectRef>
+      <a:fontRef idx="minor">
+        <a:schemeClr val="lt1"/>
+      </a:fontRef>
+    </dgm:style>
+  </dgm:styleLbl>
+  <dgm:styleLbl name="lnNode1">
+    <dgm:scene3d>
+      <a:camera prst="orthographicFront"/>
+      <a:lightRig rig="threePt" dir="t"/>
+    </dgm:scene3d>
+    <dgm:sp3d/>
+    <dgm:txPr/>
+    <dgm:style>
+      <a:lnRef idx="0">
+        <a:scrgbClr r="0" g="0" b="0"/>
+      </a:lnRef>
+      <a:fillRef idx="3">
+        <a:scrgbClr r="0" g="0" b="0"/>
+      </a:fillRef>
+      <a:effectRef idx="3">
+        <a:scrgbClr r="0" g="0" b="0"/>
+      </a:effectRef>
+      <a:fontRef idx="minor">
+        <a:schemeClr val="lt1"/>
+      </a:fontRef>
+    </dgm:style>
+  </dgm:styleLbl>
+  <dgm:styleLbl name="vennNode1">
+    <dgm:scene3d>
+      <a:camera prst="orthographicFront"/>
+      <a:lightRig rig="threePt" dir="t"/>
+    </dgm:scene3d>
+    <dgm:sp3d/>
+    <dgm:txPr/>
+    <dgm:style>
+      <a:lnRef idx="0">
+        <a:scrgbClr r="0" g="0" b="0"/>
+      </a:lnRef>
+      <a:fillRef idx="3">
+        <a:scrgbClr r="0" g="0" b="0"/>
+      </a:fillRef>
+      <a:effectRef idx="3">
+        <a:scrgbClr r="0" g="0" b="0"/>
+      </a:effectRef>
+      <a:fontRef idx="minor">
+        <a:schemeClr val="tx1"/>
+      </a:fontRef>
+    </dgm:style>
+  </dgm:styleLbl>
+  <dgm:styleLbl name="alignNode1">
+    <dgm:scene3d>
+      <a:camera prst="orthographicFront"/>
+      <a:lightRig rig="threePt" dir="t"/>
+    </dgm:scene3d>
+    <dgm:sp3d/>
+    <dgm:txPr/>
+    <dgm:style>
+      <a:lnRef idx="1">
+        <a:scrgbClr r="0" g="0" b="0"/>
+      </a:lnRef>
+      <a:fillRef idx="3">
+        <a:scrgbClr r="0" g="0" b="0"/>
+      </a:fillRef>
+      <a:effectRef idx="3">
+        <a:scrgbClr r="0" g="0" b="0"/>
+      </a:effectRef>
+      <a:fontRef idx="minor">
+        <a:schemeClr val="lt1"/>
+      </a:fontRef>
+    </dgm:style>
+  </dgm:styleLbl>
+  <dgm:styleLbl name="node1">
+    <dgm:scene3d>
+      <a:camera prst="orthographicFront"/>
+      <a:lightRig rig="threePt" dir="t"/>
+    </dgm:scene3d>
+    <dgm:sp3d/>
+    <dgm:txPr/>
+    <dgm:style>
+      <a:lnRef idx="0">
+        <a:scrgbClr r="0" g="0" b="0"/>
+      </a:lnRef>
+      <a:fillRef idx="3">
+        <a:scrgbClr r="0" g="0" b="0"/>
+      </a:fillRef>
+      <a:effectRef idx="3">
+        <a:scrgbClr r="0" g="0" b="0"/>
+      </a:effectRef>
+      <a:fontRef idx="minor">
+        <a:schemeClr val="lt1"/>
+      </a:fontRef>
+    </dgm:style>
+  </dgm:styleLbl>
+  <dgm:styleLbl name="node2">
+    <dgm:scene3d>
+      <a:camera prst="orthographicFront"/>
+      <a:lightRig rig="threePt" dir="t"/>
+    </dgm:scene3d>
+    <dgm:sp3d/>
+    <dgm:txPr/>
+    <dgm:style>
+      <a:lnRef idx="0">
+        <a:scrgbClr r="0" g="0" b="0"/>
+      </a:lnRef>
+      <a:fillRef idx="3">
+        <a:scrgbClr r="0" g="0" b="0"/>
+      </a:fillRef>
+      <a:effectRef idx="3">
+        <a:scrgbClr r="0" g="0" b="0"/>
+      </a:effectRef>
+      <a:fontRef idx="minor">
+        <a:schemeClr val="lt1"/>
+      </a:fontRef>
+    </dgm:style>
+  </dgm:styleLbl>
+  <dgm:styleLbl name="node3">
+    <dgm:scene3d>
+      <a:camera prst="orthographicFront"/>
+      <a:lightRig rig="threePt" dir="t"/>
+    </dgm:scene3d>
+    <dgm:sp3d/>
+    <dgm:txPr/>
+    <dgm:style>
+      <a:lnRef idx="0">
+        <a:scrgbClr r="0" g="0" b="0"/>
+      </a:lnRef>
+      <a:fillRef idx="3">
+        <a:scrgbClr r="0" g="0" b="0"/>
+      </a:fillRef>
+      <a:effectRef idx="3">
+        <a:scrgbClr r="0" g="0" b="0"/>
+      </a:effectRef>
+      <a:fontRef idx="minor">
+        <a:schemeClr val="lt1"/>
+      </a:fontRef>
+    </dgm:style>
+  </dgm:styleLbl>
+  <dgm:styleLbl name="node4">
+    <dgm:scene3d>
+      <a:camera prst="orthographicFront"/>
+      <a:lightRig rig="threePt" dir="t"/>
+    </dgm:scene3d>
+    <dgm:sp3d/>
+    <dgm:txPr/>
+    <dgm:style>
+      <a:lnRef idx="0">
+        <a:scrgbClr r="0" g="0" b="0"/>
+      </a:lnRef>
+      <a:fillRef idx="3">
+        <a:scrgbClr r="0" g="0" b="0"/>
+      </a:fillRef>
+      <a:effectRef idx="3">
+        <a:scrgbClr r="0" g="0" b="0"/>
+      </a:effectRef>
+      <a:fontRef idx="minor">
+        <a:schemeClr val="lt1"/>
+      </a:fontRef>
+    </dgm:style>
+  </dgm:styleLbl>
+  <dgm:styleLbl name="fgImgPlace1">
+    <dgm:scene3d>
+      <a:camera prst="orthographicFront"/>
+      <a:lightRig rig="threePt" dir="t"/>
+    </dgm:scene3d>
+    <dgm:sp3d/>
+    <dgm:txPr/>
+    <dgm:style>
+      <a:lnRef idx="0">
+        <a:scrgbClr r="0" g="0" b="0"/>
+      </a:lnRef>
+      <a:fillRef idx="1">
+        <a:scrgbClr r="0" g="0" b="0"/>
+      </a:fillRef>
+      <a:effectRef idx="3">
+        <a:scrgbClr r="0" g="0" b="0"/>
+      </a:effectRef>
+      <a:fontRef idx="minor"/>
+    </dgm:style>
+  </dgm:styleLbl>
+  <dgm:styleLbl name="alignImgPlace1">
+    <dgm:scene3d>
+      <a:camera prst="orthographicFront"/>
+      <a:lightRig rig="threePt" dir="t"/>
+    </dgm:scene3d>
+    <dgm:sp3d/>
+    <dgm:txPr/>
+    <dgm:style>
+      <a:lnRef idx="0">
+        <a:scrgbClr r="0" g="0" b="0"/>
+      </a:lnRef>
+      <a:fillRef idx="1">
+        <a:scrgbClr r="0" g="0" b="0"/>
+      </a:fillRef>
+      <a:effectRef idx="3">
+        <a:scrgbClr r="0" g="0" b="0"/>
+      </a:effectRef>
+      <a:fontRef idx="minor"/>
+    </dgm:style>
+  </dgm:styleLbl>
+  <dgm:styleLbl name="bgImgPlace1">
+    <dgm:scene3d>
+      <a:camera prst="orthographicFront"/>
+      <a:lightRig rig="threePt" dir="t"/>
+    </dgm:scene3d>
+    <dgm:sp3d/>
+    <dgm:txPr/>
+    <dgm:style>
+      <a:lnRef idx="0">
+        <a:scrgbClr r="0" g="0" b="0"/>
+      </a:lnRef>
+      <a:fillRef idx="1">
+        <a:scrgbClr r="0" g="0" b="0"/>
+      </a:fillRef>
+      <a:effectRef idx="3">
+        <a:scrgbClr r="0" g="0" b="0"/>
+      </a:effectRef>
+      <a:fontRef idx="minor"/>
+    </dgm:style>
+  </dgm:styleLbl>
+  <dgm:styleLbl name="sibTrans2D1">
+    <dgm:scene3d>
+      <a:camera prst="orthographicFront"/>
+      <a:lightRig rig="threePt" dir="t"/>
+    </dgm:scene3d>
+    <dgm:sp3d/>
+    <dgm:txPr/>
+    <dgm:style>
+      <a:lnRef idx="0">
+        <a:scrgbClr r="0" g="0" b="0"/>
+      </a:lnRef>
+      <a:fillRef idx="3">
+        <a:scrgbClr r="0" g="0" b="0"/>
+      </a:fillRef>
+      <a:effectRef idx="3">
+        <a:scrgbClr r="0" g="0" b="0"/>
+      </a:effectRef>
+      <a:fontRef idx="minor">
+        <a:schemeClr val="lt1"/>
+      </a:fontRef>
+    </dgm:style>
+  </dgm:styleLbl>
+  <dgm:styleLbl name="fgSibTrans2D1">
+    <dgm:scene3d>
+      <a:camera prst="orthographicFront"/>
+      <a:lightRig rig="threePt" dir="t"/>
+    </dgm:scene3d>
+    <dgm:sp3d/>
+    <dgm:txPr/>
+    <dgm:style>
+      <a:lnRef idx="0">
+        <a:scrgbClr r="0" g="0" b="0"/>
+      </a:lnRef>
+      <a:fillRef idx="3">
+        <a:scrgbClr r="0" g="0" b="0"/>
+      </a:fillRef>
+      <a:effectRef idx="3">
+        <a:scrgbClr r="0" g="0" b="0"/>
+      </a:effectRef>
+      <a:fontRef idx="minor">
+        <a:schemeClr val="lt1"/>
+      </a:fontRef>
+    </dgm:style>
+  </dgm:styleLbl>
+  <dgm:styleLbl name="bgSibTrans2D1">
+    <dgm:scene3d>
+      <a:camera prst="orthographicFront"/>
+      <a:lightRig rig="threePt" dir="t"/>
+    </dgm:scene3d>
+    <dgm:sp3d/>
+    <dgm:txPr/>
+    <dgm:style>
+      <a:lnRef idx="0">
+        <a:scrgbClr r="0" g="0" b="0"/>
+      </a:lnRef>
+      <a:fillRef idx="3">
+        <a:scrgbClr r="0" g="0" b="0"/>
+      </a:fillRef>
+      <a:effectRef idx="3">
+        <a:scrgbClr r="0" g="0" b="0"/>
+      </a:effectRef>
+      <a:fontRef idx="minor">
+        <a:schemeClr val="lt1"/>
+      </a:fontRef>
+    </dgm:style>
+  </dgm:styleLbl>
+  <dgm:styleLbl name="sibTrans1D1">
+    <dgm:scene3d>
+      <a:camera prst="orthographicFront"/>
+      <a:lightRig rig="threePt" dir="t"/>
+    </dgm:scene3d>
+    <dgm:sp3d/>
+    <dgm:txPr/>
+    <dgm:style>
+      <a:lnRef idx="1">
+        <a:scrgbClr r="0" g="0" b="0"/>
+      </a:lnRef>
+      <a:fillRef idx="0">
+        <a:scrgbClr r="0" g="0" b="0"/>
+      </a:fillRef>
+      <a:effectRef idx="0">
+        <a:scrgbClr r="0" g="0" b="0"/>
+      </a:effectRef>
+      <a:fontRef idx="minor"/>
+    </dgm:style>
+  </dgm:styleLbl>
+  <dgm:styleLbl name="callout">
+    <dgm:scene3d>
+      <a:camera prst="orthographicFront"/>
+      <a:lightRig rig="threePt" dir="t"/>
+    </dgm:scene3d>
+    <dgm:sp3d/>
+    <dgm:txPr/>
+    <dgm:style>
+      <a:lnRef idx="1">
+        <a:scrgbClr r="0" g="0" b="0"/>
+      </a:lnRef>
+      <a:fillRef idx="0">
+        <a:scrgbClr r="0" g="0" b="0"/>
+      </a:fillRef>
+      <a:effectRef idx="1">
+        <a:scrgbClr r="0" g="0" b="0"/>
+      </a:effectRef>
+      <a:fontRef idx="minor"/>
+    </dgm:style>
+  </dgm:styleLbl>
+  <dgm:styleLbl name="asst0">
+    <dgm:scene3d>
+      <a:camera prst="orthographicFront"/>
+      <a:lightRig rig="threePt" dir="t"/>
+    </dgm:scene3d>
+    <dgm:sp3d/>
+    <dgm:txPr/>
+    <dgm:style>
+      <a:lnRef idx="0">
+        <a:scrgbClr r="0" g="0" b="0"/>
+      </a:lnRef>
+      <a:fillRef idx="3">
+        <a:scrgbClr r="0" g="0" b="0"/>
+      </a:fillRef>
+      <a:effectRef idx="3">
+        <a:scrgbClr r="0" g="0" b="0"/>
+      </a:effectRef>
+      <a:fontRef idx="minor">
+        <a:schemeClr val="lt1"/>
+      </a:fontRef>
+    </dgm:style>
+  </dgm:styleLbl>
+  <dgm:styleLbl name="asst1">
+    <dgm:scene3d>
+      <a:camera prst="orthographicFront"/>
+      <a:lightRig rig="threePt" dir="t"/>
+    </dgm:scene3d>
+    <dgm:sp3d/>
+    <dgm:txPr/>
+    <dgm:style>
+      <a:lnRef idx="0">
+        <a:scrgbClr r="0" g="0" b="0"/>
+      </a:lnRef>
+      <a:fillRef idx="3">
+        <a:scrgbClr r="0" g="0" b="0"/>
+      </a:fillRef>
+      <a:effectRef idx="3">
+        <a:scrgbClr r="0" g="0" b="0"/>
+      </a:effectRef>
+      <a:fontRef idx="minor">
+        <a:schemeClr val="lt1"/>
+      </a:fontRef>
+    </dgm:style>
+  </dgm:styleLbl>
+  <dgm:styleLbl name="asst2">
+    <dgm:scene3d>
+      <a:camera prst="orthographicFront"/>
+      <a:lightRig rig="threePt" dir="t"/>
+    </dgm:scene3d>
+    <dgm:sp3d/>
+    <dgm:txPr/>
+    <dgm:style>
+      <a:lnRef idx="0">
+        <a:scrgbClr r="0" g="0" b="0"/>
+      </a:lnRef>
+      <a:fillRef idx="3">
+        <a:scrgbClr r="0" g="0" b="0"/>
+      </a:fillRef>
+      <a:effectRef idx="3">
+        <a:scrgbClr r="0" g="0" b="0"/>
+      </a:effectRef>
+      <a:fontRef idx="minor">
+        <a:schemeClr val="lt1"/>
+      </a:fontRef>
+    </dgm:style>
+  </dgm:styleLbl>
+  <dgm:styleLbl name="asst3">
+    <dgm:scene3d>
+      <a:camera prst="orthographicFront"/>
+      <a:lightRig rig="threePt" dir="t"/>
+    </dgm:scene3d>
+    <dgm:sp3d/>
+    <dgm:txPr/>
+    <dgm:style>
+      <a:lnRef idx="0">
+        <a:scrgbClr r="0" g="0" b="0"/>
+      </a:lnRef>
+      <a:fillRef idx="3">
+        <a:scrgbClr r="0" g="0" b="0"/>
+      </a:fillRef>
+      <a:effectRef idx="3">
+        <a:scrgbClr r="0" g="0" b="0"/>
+      </a:effectRef>
+      <a:fontRef idx="minor">
+        <a:schemeClr val="lt1"/>
+      </a:fontRef>
+    </dgm:style>
+  </dgm:styleLbl>
+  <dgm:styleLbl name="asst4">
+    <dgm:scene3d>
+      <a:camera prst="orthographicFront"/>
+      <a:lightRig rig="threePt" dir="t"/>
+    </dgm:scene3d>
+    <dgm:sp3d/>
+    <dgm:txPr/>
+    <dgm:style>
+      <a:lnRef idx="0">
+        <a:scrgbClr r="0" g="0" b="0"/>
+      </a:lnRef>
+      <a:fillRef idx="3">
+        <a:scrgbClr r="0" g="0" b="0"/>
+      </a:fillRef>
+      <a:effectRef idx="3">
+        <a:scrgbClr r="0" g="0" b="0"/>
+      </a:effectRef>
+      <a:fontRef idx="minor">
+        <a:schemeClr val="lt1"/>
+      </a:fontRef>
+    </dgm:style>
+  </dgm:styleLbl>
+  <dgm:styleLbl name="parChTrans2D1">
+    <dgm:scene3d>
+      <a:camera prst="orthographicFront"/>
+      <a:lightRig rig="threePt" dir="t"/>
+    </dgm:scene3d>
+    <dgm:sp3d/>
+    <dgm:txPr/>
+    <dgm:style>
+      <a:lnRef idx="0">
+        <a:scrgbClr r="0" g="0" b="0"/>
+      </a:lnRef>
+      <a:fillRef idx="3">
+        <a:scrgbClr r="0" g="0" b="0"/>
+      </a:fillRef>
+      <a:effectRef idx="3">
+        <a:scrgbClr r="0" g="0" b="0"/>
+      </a:effectRef>
+      <a:fontRef idx="minor">
+        <a:schemeClr val="lt1"/>
+      </a:fontRef>
+    </dgm:style>
+  </dgm:styleLbl>
+  <dgm:styleLbl name="parChTrans2D2">
+    <dgm:scene3d>
+      <a:camera prst="orthographicFront"/>
+      <a:lightRig rig="threePt" dir="t"/>
+    </dgm:scene3d>
+    <dgm:sp3d/>
+    <dgm:txPr/>
+    <dgm:style>
+      <a:lnRef idx="0">
+        <a:scrgbClr r="0" g="0" b="0"/>
+      </a:lnRef>
+      <a:fillRef idx="3">
+        <a:scrgbClr r="0" g="0" b="0"/>
+      </a:fillRef>
+      <a:effectRef idx="3">
+        <a:scrgbClr r="0" g="0" b="0"/>
+      </a:effectRef>
+      <a:fontRef idx="minor">
+        <a:schemeClr val="lt1"/>
+      </a:fontRef>
+    </dgm:style>
+  </dgm:styleLbl>
+  <dgm:styleLbl name="parChTrans2D3">
+    <dgm:scene3d>
+      <a:camera prst="orthographicFront"/>
+      <a:lightRig rig="threePt" dir="t"/>
+    </dgm:scene3d>
+    <dgm:sp3d/>
+    <dgm:txPr/>
+    <dgm:style>
+      <a:lnRef idx="0">
+        <a:scrgbClr r="0" g="0" b="0"/>
+      </a:lnRef>
+      <a:fillRef idx="3">
+        <a:scrgbClr r="0" g="0" b="0"/>
+      </a:fillRef>
+      <a:effectRef idx="3">
+        <a:scrgbClr r="0" g="0" b="0"/>
+      </a:effectRef>
+      <a:fontRef idx="minor">
+        <a:schemeClr val="lt1"/>
+      </a:fontRef>
+    </dgm:style>
+  </dgm:styleLbl>
+  <dgm:styleLbl name="parChTrans2D4">
+    <dgm:scene3d>
+      <a:camera prst="orthographicFront"/>
+      <a:lightRig rig="threePt" dir="t"/>
+    </dgm:scene3d>
+    <dgm:sp3d/>
+    <dgm:txPr/>
+    <dgm:style>
+      <a:lnRef idx="0">
+        <a:scrgbClr r="0" g="0" b="0"/>
+      </a:lnRef>
+      <a:fillRef idx="3">
+        <a:scrgbClr r="0" g="0" b="0"/>
+      </a:fillRef>
+      <a:effectRef idx="3">
+        <a:scrgbClr r="0" g="0" b="0"/>
+      </a:effectRef>
+      <a:fontRef idx="minor">
+        <a:schemeClr val="lt1"/>
+      </a:fontRef>
+    </dgm:style>
+  </dgm:styleLbl>
+  <dgm:styleLbl name="parChTrans1D1">
+    <dgm:scene3d>
+      <a:camera prst="orthographicFront"/>
+      <a:lightRig rig="threePt" dir="t"/>
+    </dgm:scene3d>
+    <dgm:sp3d/>
+    <dgm:txPr/>
+    <dgm:style>
+      <a:lnRef idx="2">
+        <a:scrgbClr r="0" g="0" b="0"/>
+      </a:lnRef>
+      <a:fillRef idx="0">
+        <a:scrgbClr r="0" g="0" b="0"/>
+      </a:fillRef>
+      <a:effectRef idx="0">
+        <a:scrgbClr r="0" g="0" b="0"/>
+      </a:effectRef>
+      <a:fontRef idx="minor"/>
+    </dgm:style>
+  </dgm:styleLbl>
+  <dgm:styleLbl name="parChTrans1D2">
+    <dgm:scene3d>
+      <a:camera prst="orthographicFront"/>
+      <a:lightRig rig="threePt" dir="t"/>
+    </dgm:scene3d>
+    <dgm:sp3d/>
+    <dgm:txPr/>
+    <dgm:style>
+      <a:lnRef idx="2">
+        <a:scrgbClr r="0" g="0" b="0"/>
+      </a:lnRef>
+      <a:fillRef idx="0">
+        <a:scrgbClr r="0" g="0" b="0"/>
+      </a:fillRef>
+      <a:effectRef idx="0">
+        <a:scrgbClr r="0" g="0" b="0"/>
+      </a:effectRef>
+      <a:fontRef idx="minor"/>
+    </dgm:style>
+  </dgm:styleLbl>
+  <dgm:styleLbl name="parChTrans1D3">
+    <dgm:scene3d>
+      <a:camera prst="orthographicFront"/>
+      <a:lightRig rig="threePt" dir="t"/>
+    </dgm:scene3d>
+    <dgm:sp3d/>
+    <dgm:txPr/>
+    <dgm:style>
+      <a:lnRef idx="2">
+        <a:scrgbClr r="0" g="0" b="0"/>
+      </a:lnRef>
+      <a:fillRef idx="0">
+        <a:scrgbClr r="0" g="0" b="0"/>
+      </a:fillRef>
+      <a:effectRef idx="0">
+        <a:scrgbClr r="0" g="0" b="0"/>
+      </a:effectRef>
+      <a:fontRef idx="minor"/>
+    </dgm:style>
+  </dgm:styleLbl>
+  <dgm:styleLbl name="parChTrans1D4">
+    <dgm:scene3d>
+      <a:camera prst="orthographicFront"/>
+      <a:lightRig rig="threePt" dir="t"/>
+    </dgm:scene3d>
+    <dgm:sp3d/>
+    <dgm:txPr/>
+    <dgm:style>
+      <a:lnRef idx="2">
+        <a:scrgbClr r="0" g="0" b="0"/>
+      </a:lnRef>
+      <a:fillRef idx="0">
+        <a:scrgbClr r="0" g="0" b="0"/>
+      </a:fillRef>
+      <a:effectRef idx="0">
+        <a:scrgbClr r="0" g="0" b="0"/>
+      </a:effectRef>
+      <a:fontRef idx="minor"/>
+    </dgm:style>
+  </dgm:styleLbl>
+  <dgm:styleLbl name="fgAcc1">
+    <dgm:scene3d>
+      <a:camera prst="orthographicFront"/>
+      <a:lightRig rig="threePt" dir="t"/>
+    </dgm:scene3d>
+    <dgm:sp3d/>
+    <dgm:txPr/>
+    <dgm:style>
+      <a:lnRef idx="1">
+        <a:scrgbClr r="0" g="0" b="0"/>
+      </a:lnRef>
+      <a:fillRef idx="1">
+        <a:scrgbClr r="0" g="0" b="0"/>
+      </a:fillRef>
+      <a:effectRef idx="2">
+        <a:scrgbClr r="0" g="0" b="0"/>
+      </a:effectRef>
+      <a:fontRef idx="minor"/>
+    </dgm:style>
+  </dgm:styleLbl>
+  <dgm:styleLbl name="conFgAcc1">
+    <dgm:scene3d>
+      <a:camera prst="orthographicFront"/>
+      <a:lightRig rig="threePt" dir="t"/>
+    </dgm:scene3d>
+    <dgm:sp3d/>
+    <dgm:txPr/>
+    <dgm:style>
+      <a:lnRef idx="1">
+        <a:scrgbClr r="0" g="0" b="0"/>
+      </a:lnRef>
+      <a:fillRef idx="1">
+        <a:scrgbClr r="0" g="0" b="0"/>
+      </a:fillRef>
+      <a:effectRef idx="2">
+        <a:scrgbClr r="0" g="0" b="0"/>
+      </a:effectRef>
+      <a:fontRef idx="minor"/>
+    </dgm:style>
+  </dgm:styleLbl>
+  <dgm:styleLbl name="alignAcc1">
+    <dgm:scene3d>
+      <a:camera prst="orthographicFront"/>
+      <a:lightRig rig="threePt" dir="t"/>
+    </dgm:scene3d>
+    <dgm:sp3d/>
+    <dgm:txPr/>
+    <dgm:style>
+      <a:lnRef idx="1">
+        <a:scrgbClr r="0" g="0" b="0"/>
+      </a:lnRef>
+      <a:fillRef idx="1">
+        <a:scrgbClr r="0" g="0" b="0"/>
+      </a:fillRef>
+      <a:effectRef idx="2">
+        <a:scrgbClr r="0" g="0" b="0"/>
+      </a:effectRef>
+      <a:fontRef idx="minor"/>
+    </dgm:style>
+  </dgm:styleLbl>
+  <dgm:styleLbl name="trAlignAcc1">
+    <dgm:scene3d>
+      <a:camera prst="orthographicFront"/>
+      <a:lightRig rig="threePt" dir="t"/>
+    </dgm:scene3d>
+    <dgm:sp3d/>
+    <dgm:txPr/>
+    <dgm:style>
+      <a:lnRef idx="1">
+        <a:scrgbClr r="0" g="0" b="0"/>
+      </a:lnRef>
+      <a:fillRef idx="1">
+        <a:scrgbClr r="0" g="0" b="0"/>
+      </a:fillRef>
+      <a:effectRef idx="0">
+        <a:scrgbClr r="0" g="0" b="0"/>
+      </a:effectRef>
+      <a:fontRef idx="minor"/>
+    </dgm:style>
+  </dgm:styleLbl>
+  <dgm:styleLbl name="bgAcc1">
+    <dgm:scene3d>
+      <a:camera prst="orthographicFront"/>
+      <a:lightRig rig="threePt" dir="t"/>
+    </dgm:scene3d>
+    <dgm:sp3d/>
+    <dgm:txPr/>
+    <dgm:style>
+      <a:lnRef idx="1">
+        <a:scrgbClr r="0" g="0" b="0"/>
+      </a:lnRef>
+      <a:fillRef idx="1">
+        <a:scrgbClr r="0" g="0" b="0"/>
+      </a:fillRef>
+      <a:effectRef idx="2">
+        <a:scrgbClr r="0" g="0" b="0"/>
+      </a:effectRef>
+      <a:fontRef idx="minor"/>
+    </dgm:style>
+  </dgm:styleLbl>
+  <dgm:styleLbl name="solidFgAcc1">
+    <dgm:scene3d>
+      <a:camera prst="orthographicFront"/>
+      <a:lightRig rig="threePt" dir="t"/>
+    </dgm:scene3d>
+    <dgm:sp3d/>
+    <dgm:txPr/>
+    <dgm:style>
+      <a:lnRef idx="1">
+        <a:scrgbClr r="0" g="0" b="0"/>
+      </a:lnRef>
+      <a:fillRef idx="1">
+        <a:scrgbClr r="0" g="0" b="0"/>
+      </a:fillRef>
+      <a:effectRef idx="2">
+        <a:scrgbClr r="0" g="0" b="0"/>
+      </a:effectRef>
+      <a:fontRef idx="minor"/>
+    </dgm:style>
+  </dgm:styleLbl>
+  <dgm:styleLbl name="solidAlignAcc1">
+    <dgm:scene3d>
+      <a:camera prst="orthographicFront"/>
+      <a:lightRig rig="threePt" dir="t"/>
+    </dgm:scene3d>
+    <dgm:sp3d/>
+    <dgm:txPr/>
+    <dgm:style>
+      <a:lnRef idx="1">
+        <a:scrgbClr r="0" g="0" b="0"/>
+      </a:lnRef>
+      <a:fillRef idx="1">
+        <a:scrgbClr r="0" g="0" b="0"/>
+      </a:fillRef>
+      <a:effectRef idx="3">
+        <a:scrgbClr r="0" g="0" b="0"/>
+      </a:effectRef>
+      <a:fontRef idx="minor"/>
+    </dgm:style>
+  </dgm:styleLbl>
+  <dgm:styleLbl name="solidBgAcc1">
+    <dgm:scene3d>
+      <a:camera prst="orthographicFront"/>
+      <a:lightRig rig="threePt" dir="t"/>
+    </dgm:scene3d>
+    <dgm:sp3d/>
+    <dgm:txPr/>
+    <dgm:style>
+      <a:lnRef idx="1">
+        <a:scrgbClr r="0" g="0" b="0"/>
+      </a:lnRef>
+      <a:fillRef idx="1">
+        <a:scrgbClr r="0" g="0" b="0"/>
+      </a:fillRef>
+      <a:effectRef idx="3">
+        <a:scrgbClr r="0" g="0" b="0"/>
+      </a:effectRef>
+      <a:fontRef idx="minor"/>
+    </dgm:style>
+  </dgm:styleLbl>
+  <dgm:styleLbl name="fgAccFollowNode1">
+    <dgm:scene3d>
+      <a:camera prst="orthographicFront"/>
+      <a:lightRig rig="threePt" dir="t"/>
+    </dgm:scene3d>
+    <dgm:sp3d/>
+    <dgm:txPr/>
+    <dgm:style>
+      <a:lnRef idx="1">
+        <a:scrgbClr r="0" g="0" b="0"/>
+      </a:lnRef>
+      <a:fillRef idx="1">
+        <a:scrgbClr r="0" g="0" b="0"/>
+      </a:fillRef>
+      <a:effectRef idx="2">
+        <a:scrgbClr r="0" g="0" b="0"/>
+      </a:effectRef>
+      <a:fontRef idx="minor"/>
+    </dgm:style>
+  </dgm:styleLbl>
+  <dgm:styleLbl name="alignAccFollowNode1">
+    <dgm:scene3d>
+      <a:camera prst="orthographicFront"/>
+      <a:lightRig rig="threePt" dir="t"/>
+    </dgm:scene3d>
+    <dgm:sp3d/>
+    <dgm:txPr/>
+    <dgm:style>
+      <a:lnRef idx="1">
+        <a:scrgbClr r="0" g="0" b="0"/>
+      </a:lnRef>
+      <a:fillRef idx="1">
+        <a:scrgbClr r="0" g="0" b="0"/>
+      </a:fillRef>
+      <a:effectRef idx="2">
+        <a:scrgbClr r="0" g="0" b="0"/>
+      </a:effectRef>
+      <a:fontRef idx="minor"/>
+    </dgm:style>
+  </dgm:styleLbl>
+  <dgm:styleLbl name="bgAccFollowNode1">
+    <dgm:scene3d>
+      <a:camera prst="orthographicFront"/>
+      <a:lightRig rig="threePt" dir="t"/>
+    </dgm:scene3d>
+    <dgm:sp3d/>
+    <dgm:txPr/>
+    <dgm:style>
+      <a:lnRef idx="1">
+        <a:scrgbClr r="0" g="0" b="0"/>
+      </a:lnRef>
+      <a:fillRef idx="1">
+        <a:scrgbClr r="0" g="0" b="0"/>
+      </a:fillRef>
+      <a:effectRef idx="2">
+        <a:scrgbClr r="0" g="0" b="0"/>
+      </a:effectRef>
+      <a:fontRef idx="minor"/>
+    </dgm:style>
+  </dgm:styleLbl>
+  <dgm:styleLbl name="fgAcc0">
+    <dgm:scene3d>
+      <a:camera prst="orthographicFront"/>
+      <a:lightRig rig="threePt" dir="t"/>
+    </dgm:scene3d>
+    <dgm:sp3d/>
+    <dgm:txPr/>
+    <dgm:style>
+      <a:lnRef idx="1">
+        <a:scrgbClr r="0" g="0" b="0"/>
+      </a:lnRef>
+      <a:fillRef idx="1">
+        <a:scrgbClr r="0" g="0" b="0"/>
+      </a:fillRef>
+      <a:effectRef idx="2">
+        <a:scrgbClr r="0" g="0" b="0"/>
+      </a:effectRef>
+      <a:fontRef idx="minor"/>
+    </dgm:style>
+  </dgm:styleLbl>
+  <dgm:styleLbl name="fgAcc2">
+    <dgm:scene3d>
+      <a:camera prst="orthographicFront"/>
+      <a:lightRig rig="threePt" dir="t"/>
+    </dgm:scene3d>
+    <dgm:sp3d/>
+    <dgm:txPr/>
+    <dgm:style>
+      <a:lnRef idx="1">
+        <a:scrgbClr r="0" g="0" b="0"/>
+      </a:lnRef>
+      <a:fillRef idx="1">
+        <a:scrgbClr r="0" g="0" b="0"/>
+      </a:fillRef>
+      <a:effectRef idx="2">
+        <a:scrgbClr r="0" g="0" b="0"/>
+      </a:effectRef>
+      <a:fontRef idx="minor"/>
+    </dgm:style>
+  </dgm:styleLbl>
+  <dgm:styleLbl name="fgAcc3">
+    <dgm:scene3d>
+      <a:camera prst="orthographicFront"/>
+      <a:lightRig rig="threePt" dir="t"/>
+    </dgm:scene3d>
+    <dgm:sp3d/>
+    <dgm:txPr/>
+    <dgm:style>
+      <a:lnRef idx="1">
+        <a:scrgbClr r="0" g="0" b="0"/>
+      </a:lnRef>
+      <a:fillRef idx="1">
+        <a:scrgbClr r="0" g="0" b="0"/>
+      </a:fillRef>
+      <a:effectRef idx="2">
+        <a:scrgbClr r="0" g="0" b="0"/>
+      </a:effectRef>
+      <a:fontRef idx="minor"/>
+    </dgm:style>
+  </dgm:styleLbl>
+  <dgm:styleLbl name="fgAcc4">
+    <dgm:scene3d>
+      <a:camera prst="orthographicFront"/>
+      <a:lightRig rig="threePt" dir="t"/>
+    </dgm:scene3d>
+    <dgm:sp3d/>
+    <dgm:txPr/>
+    <dgm:style>
+      <a:lnRef idx="1">
+        <a:scrgbClr r="0" g="0" b="0"/>
+      </a:lnRef>
+      <a:fillRef idx="1">
+        <a:scrgbClr r="0" g="0" b="0"/>
+      </a:fillRef>
+      <a:effectRef idx="2">
+        <a:scrgbClr r="0" g="0" b="0"/>
+      </a:effectRef>
+      <a:fontRef idx="minor"/>
+    </dgm:style>
+  </dgm:styleLbl>
+  <dgm:styleLbl name="bgShp">
+    <dgm:scene3d>
+      <a:camera prst="orthographicFront"/>
+      <a:lightRig rig="threePt" dir="t"/>
+    </dgm:scene3d>
+    <dgm:sp3d/>
+    <dgm:txPr/>
+    <dgm:style>
+      <a:lnRef idx="0">
+        <a:scrgbClr r="0" g="0" b="0"/>
+      </a:lnRef>
+      <a:fillRef idx="1">
+        <a:scrgbClr r="0" g="0" b="0"/>
+      </a:fillRef>
+      <a:effectRef idx="2">
+        <a:scrgbClr r="0" g="0" b="0"/>
+      </a:effectRef>
+      <a:fontRef idx="minor"/>
+    </dgm:style>
+  </dgm:styleLbl>
+  <dgm:styleLbl name="dkBgShp">
+    <dgm:scene3d>
+      <a:camera prst="orthographicFront"/>
+      <a:lightRig rig="threePt" dir="t"/>
+    </dgm:scene3d>
+    <dgm:sp3d/>
+    <dgm:txPr/>
+    <dgm:style>
+      <a:lnRef idx="0">
+        <a:scrgbClr r="0" g="0" b="0"/>
+      </a:lnRef>
+      <a:fillRef idx="1">
+        <a:scrgbClr r="0" g="0" b="0"/>
+      </a:fillRef>
+      <a:effectRef idx="3">
+        <a:scrgbClr r="0" g="0" b="0"/>
+      </a:effectRef>
+      <a:fontRef idx="minor"/>
+    </dgm:style>
+  </dgm:styleLbl>
+  <dgm:styleLbl name="trBgShp">
+    <dgm:scene3d>
+      <a:camera prst="orthographicFront"/>
+      <a:lightRig rig="threePt" dir="t"/>
+    </dgm:scene3d>
+    <dgm:sp3d/>
+    <dgm:txPr/>
+    <dgm:style>
+      <a:lnRef idx="0">
+        <a:scrgbClr r="0" g="0" b="0"/>
+      </a:lnRef>
+      <a:fillRef idx="1">
+        <a:scrgbClr r="0" g="0" b="0"/>
+      </a:fillRef>
+      <a:effectRef idx="0">
+        <a:scrgbClr r="0" g="0" b="0"/>
+      </a:effectRef>
+      <a:fontRef idx="minor"/>
+    </dgm:style>
+  </dgm:styleLbl>
+  <dgm:styleLbl name="fgShp">
+    <dgm:scene3d>
+      <a:camera prst="orthographicFront"/>
+      <a:lightRig rig="threePt" dir="t"/>
+    </dgm:scene3d>
+    <dgm:sp3d/>
+    <dgm:txPr/>
+    <dgm:style>
+      <a:lnRef idx="0">
+        <a:scrgbClr r="0" g="0" b="0"/>
+      </a:lnRef>
+      <a:fillRef idx="3">
+        <a:scrgbClr r="0" g="0" b="0"/>
+      </a:fillRef>
+      <a:effectRef idx="3">
+        <a:scrgbClr r="0" g="0" b="0"/>
+      </a:effectRef>
+      <a:fontRef idx="minor"/>
+    </dgm:style>
+  </dgm:styleLbl>
+  <dgm:styleLbl name="revTx">
+    <dgm:scene3d>
+      <a:camera prst="orthographicFront"/>
+      <a:lightRig rig="threePt" dir="t"/>
+    </dgm:scene3d>
+    <dgm:sp3d/>
+    <dgm:txPr/>
+    <dgm:style>
+      <a:lnRef idx="0">
+        <a:scrgbClr r="0" g="0" b="0"/>
+      </a:lnRef>
+      <a:fillRef idx="0">
+        <a:scrgbClr r="0" g="0" b="0"/>
+      </a:fillRef>
+      <a:effectRef idx="0">
+        <a:scrgbClr r="0" g="0" b="0"/>
+      </a:effectRef>
+      <a:fontRef idx="minor"/>
+    </dgm:style>
+  </dgm:styleLbl>
+</dgm:styleDef>
 </file>
 
 <file path=ppt/notesMasters/notesMaster1.xml><?xml version="1.0" encoding="utf-8"?>
@@ -4204,6 +6849,95 @@
           <p:cNvPr id="2" name="Title 1">
             <a:extLst>
               <a:ext uri="{FF2B5EF4-FFF2-40B4-BE49-F238E27FC236}">
+                <a16:creationId xmlns:a16="http://schemas.microsoft.com/office/drawing/2014/main" id="{5BDA9D63-0D5C-6DEC-CA13-74CC6717AD5C}"/>
+              </a:ext>
+            </a:extLst>
+          </p:cNvPr>
+          <p:cNvSpPr>
+            <a:spLocks noGrp="1"/>
+          </p:cNvSpPr>
+          <p:nvPr>
+            <p:ph type="title"/>
+          </p:nvPr>
+        </p:nvSpPr>
+        <p:spPr/>
+        <p:txBody>
+          <a:bodyPr/>
+          <a:lstStyle/>
+          <a:p>
+            <a:pPr algn="r" rtl="1"/>
+            <a:r>
+              <a:rPr lang="fa-IR" dirty="0"/>
+              <a:t>موارد استفاده </a:t>
+            </a:r>
+            <a:r>
+              <a:rPr lang="en-US" dirty="0"/>
+              <a:t>RAG</a:t>
+            </a:r>
+            <a:endParaRPr lang="fa-IR" dirty="0"/>
+          </a:p>
+        </p:txBody>
+      </p:sp>
+      <p:sp>
+        <p:nvSpPr>
+          <p:cNvPr id="3" name="Content Placeholder 2">
+            <a:extLst>
+              <a:ext uri="{FF2B5EF4-FFF2-40B4-BE49-F238E27FC236}">
+                <a16:creationId xmlns:a16="http://schemas.microsoft.com/office/drawing/2014/main" id="{8BDD5725-6D96-2B6B-C5B1-FBACB654A1B4}"/>
+              </a:ext>
+            </a:extLst>
+          </p:cNvPr>
+          <p:cNvSpPr>
+            <a:spLocks noGrp="1"/>
+          </p:cNvSpPr>
+          <p:nvPr>
+            <p:ph idx="1"/>
+          </p:nvPr>
+        </p:nvSpPr>
+        <p:spPr/>
+        <p:txBody>
+          <a:bodyPr/>
+          <a:lstStyle/>
+          <a:p>
+            <a:endParaRPr lang="fa-IR" dirty="0"/>
+          </a:p>
+        </p:txBody>
+      </p:sp>
+    </p:spTree>
+    <p:extLst>
+      <p:ext uri="{BB962C8B-B14F-4D97-AF65-F5344CB8AC3E}">
+        <p14:creationId xmlns:p14="http://schemas.microsoft.com/office/powerpoint/2010/main" val="3301929542"/>
+      </p:ext>
+    </p:extLst>
+  </p:cSld>
+  <p:clrMapOvr>
+    <a:masterClrMapping/>
+  </p:clrMapOvr>
+</p:sld>
+</file>
+
+<file path=ppt/slides/slide11.xml><?xml version="1.0" encoding="utf-8"?>
+<p:sld xmlns:a="http://schemas.openxmlformats.org/drawingml/2006/main" xmlns:r="http://schemas.openxmlformats.org/officeDocument/2006/relationships" xmlns:p="http://schemas.openxmlformats.org/presentationml/2006/main">
+  <p:cSld>
+    <p:spTree>
+      <p:nvGrpSpPr>
+        <p:cNvPr id="1" name=""/>
+        <p:cNvGrpSpPr/>
+        <p:nvPr/>
+      </p:nvGrpSpPr>
+      <p:grpSpPr>
+        <a:xfrm>
+          <a:off x="0" y="0"/>
+          <a:ext cx="0" cy="0"/>
+          <a:chOff x="0" y="0"/>
+          <a:chExt cx="0" cy="0"/>
+        </a:xfrm>
+      </p:grpSpPr>
+      <p:sp>
+        <p:nvSpPr>
+          <p:cNvPr id="2" name="Title 1">
+            <a:extLst>
+              <a:ext uri="{FF2B5EF4-FFF2-40B4-BE49-F238E27FC236}">
                 <a16:creationId xmlns:a16="http://schemas.microsoft.com/office/drawing/2014/main" id="{0DEEE280-61D4-C51E-550B-D6416CECC62B}"/>
               </a:ext>
             </a:extLst>
@@ -4275,7 +7009,7 @@
 </p:sld>
 </file>
 
-<file path=ppt/slides/slide11.xml><?xml version="1.0" encoding="utf-8"?>
+<file path=ppt/slides/slide12.xml><?xml version="1.0" encoding="utf-8"?>
 <p:sld xmlns:a="http://schemas.openxmlformats.org/drawingml/2006/main" xmlns:r="http://schemas.openxmlformats.org/officeDocument/2006/relationships" xmlns:p="http://schemas.openxmlformats.org/presentationml/2006/main">
   <p:cSld>
     <p:spTree>
@@ -4355,7 +7089,7 @@
 </p:sld>
 </file>
 
-<file path=ppt/slides/slide12.xml><?xml version="1.0" encoding="utf-8"?>
+<file path=ppt/slides/slide13.xml><?xml version="1.0" encoding="utf-8"?>
 <p:sld xmlns:a="http://schemas.openxmlformats.org/drawingml/2006/main" xmlns:r="http://schemas.openxmlformats.org/officeDocument/2006/relationships" xmlns:p="http://schemas.openxmlformats.org/presentationml/2006/main">
   <p:cSld>
     <p:spTree>
@@ -4435,7 +7169,7 @@
 </p:sld>
 </file>
 
-<file path=ppt/slides/slide13.xml><?xml version="1.0" encoding="utf-8"?>
+<file path=ppt/slides/slide14.xml><?xml version="1.0" encoding="utf-8"?>
 <p:sld xmlns:a="http://schemas.openxmlformats.org/drawingml/2006/main" xmlns:r="http://schemas.openxmlformats.org/officeDocument/2006/relationships" xmlns:p="http://schemas.openxmlformats.org/presentationml/2006/main">
   <p:cSld>
     <p:spTree>
@@ -4515,7 +7249,7 @@
 </p:sld>
 </file>
 
-<file path=ppt/slides/slide14.xml><?xml version="1.0" encoding="utf-8"?>
+<file path=ppt/slides/slide15.xml><?xml version="1.0" encoding="utf-8"?>
 <p:sld xmlns:a="http://schemas.openxmlformats.org/drawingml/2006/main" xmlns:r="http://schemas.openxmlformats.org/officeDocument/2006/relationships" xmlns:p="http://schemas.openxmlformats.org/presentationml/2006/main">
   <p:cSld>
     <p:spTree>
@@ -5886,10 +8620,10 @@
               <a:t>توهم (</a:t>
             </a:r>
             <a:r>
-              <a:rPr lang="en-US" sz="2000" b="1" dirty="0" err="1">
+              <a:rPr lang="en-US" sz="2000" b="1" dirty="0">
                 <a:cs typeface="B Nazanin" panose="00000400000000000000" pitchFamily="2" charset="-78"/>
               </a:rPr>
-              <a:t>Halluincation</a:t>
+              <a:t>Hallucination</a:t>
             </a:r>
             <a:r>
               <a:rPr lang="fa-IR" sz="2000" b="1" dirty="0">
@@ -7841,6 +10575,67 @@
       </p:grpSpPr>
       <p:sp>
         <p:nvSpPr>
+          <p:cNvPr id="42" name="Arrow: Right 41">
+            <a:extLst>
+              <a:ext uri="{FF2B5EF4-FFF2-40B4-BE49-F238E27FC236}">
+                <a16:creationId xmlns:a16="http://schemas.microsoft.com/office/drawing/2014/main" id="{FC722032-AB4E-9523-B558-4043A13FEE56}"/>
+              </a:ext>
+            </a:extLst>
+          </p:cNvPr>
+          <p:cNvSpPr/>
+          <p:nvPr/>
+        </p:nvSpPr>
+        <p:spPr>
+          <a:xfrm>
+            <a:off x="6556980" y="2087662"/>
+            <a:ext cx="721650" cy="441000"/>
+          </a:xfrm>
+          <a:prstGeom prst="rightArrow">
+            <a:avLst>
+              <a:gd name="adj1" fmla="val 50000"/>
+              <a:gd name="adj2" fmla="val 56283"/>
+            </a:avLst>
+          </a:prstGeom>
+          <a:solidFill>
+            <a:schemeClr val="accent4">
+              <a:lumMod val="75000"/>
+            </a:schemeClr>
+          </a:solidFill>
+          <a:ln>
+            <a:solidFill>
+              <a:schemeClr val="accent4">
+                <a:lumMod val="75000"/>
+              </a:schemeClr>
+            </a:solidFill>
+          </a:ln>
+        </p:spPr>
+        <p:style>
+          <a:lnRef idx="2">
+            <a:schemeClr val="accent1">
+              <a:shade val="15000"/>
+            </a:schemeClr>
+          </a:lnRef>
+          <a:fillRef idx="1">
+            <a:schemeClr val="accent1"/>
+          </a:fillRef>
+          <a:effectRef idx="0">
+            <a:schemeClr val="accent1"/>
+          </a:effectRef>
+          <a:fontRef idx="minor">
+            <a:schemeClr val="lt1"/>
+          </a:fontRef>
+        </p:style>
+        <p:txBody>
+          <a:bodyPr rtlCol="1" anchor="ctr"/>
+          <a:lstStyle/>
+          <a:p>
+            <a:pPr algn="ctr"/>
+            <a:endParaRPr lang="fa-IR"/>
+          </a:p>
+        </p:txBody>
+      </p:sp>
+      <p:sp>
+        <p:nvSpPr>
           <p:cNvPr id="4" name="Oval 3">
             <a:extLst>
               <a:ext uri="{FF2B5EF4-FFF2-40B4-BE49-F238E27FC236}">
@@ -7853,7 +10648,7 @@
         </p:nvSpPr>
         <p:spPr>
           <a:xfrm>
-            <a:off x="10198022" y="1529981"/>
+            <a:off x="10015240" y="1547323"/>
             <a:ext cx="1539189" cy="1443317"/>
           </a:xfrm>
           <a:prstGeom prst="ellipse">
@@ -7979,7 +10774,7 @@
           <a:p>
             <a:pPr algn="ctr"/>
             <a:r>
-              <a:rPr lang="fa-IR" sz="2000" b="1" dirty="0">
+              <a:rPr lang="fa-IR" b="1" dirty="0">
                 <a:cs typeface="B Nazanin" panose="00000400000000000000" pitchFamily="2" charset="-78"/>
               </a:rPr>
               <a:t>پایگاه داده برداری</a:t>
@@ -7987,7 +10782,7 @@
           </a:p>
           <a:p>
             <a:pPr algn="ctr"/>
-            <a:endParaRPr lang="fa-IR" sz="2000" b="1" dirty="0">
+            <a:endParaRPr lang="fa-IR" b="1" dirty="0">
               <a:cs typeface="B Nazanin" panose="00000400000000000000" pitchFamily="2" charset="-78"/>
             </a:endParaRPr>
           </a:p>
@@ -8162,6 +10957,13 @@
             <a:chOff x="5554862" y="2758085"/>
             <a:chExt cx="1586831" cy="1350815"/>
           </a:xfrm>
+          <a:effectLst>
+            <a:outerShdw blurRad="50800" dist="38100" dir="18900000" algn="bl" rotWithShape="0">
+              <a:prstClr val="black">
+                <a:alpha val="40000"/>
+              </a:prstClr>
+            </a:outerShdw>
+          </a:effectLst>
         </p:grpSpPr>
         <p:sp>
           <p:nvSpPr>
@@ -8187,23 +10989,30 @@
               <a:gsLst>
                 <a:gs pos="0">
                   <a:schemeClr val="accent1">
-                    <a:lumMod val="67000"/>
+                    <a:lumMod val="60000"/>
+                    <a:lumOff val="40000"/>
+                    <a:shade val="30000"/>
+                    <a:satMod val="115000"/>
                   </a:schemeClr>
                 </a:gs>
-                <a:gs pos="48000">
+                <a:gs pos="50000">
                   <a:schemeClr val="accent1">
-                    <a:lumMod val="97000"/>
-                    <a:lumOff val="3000"/>
+                    <a:lumMod val="60000"/>
+                    <a:lumOff val="40000"/>
+                    <a:shade val="67500"/>
+                    <a:satMod val="115000"/>
                   </a:schemeClr>
                 </a:gs>
                 <a:gs pos="100000">
                   <a:schemeClr val="accent1">
                     <a:lumMod val="60000"/>
                     <a:lumOff val="40000"/>
+                    <a:shade val="100000"/>
+                    <a:satMod val="115000"/>
                   </a:schemeClr>
                 </a:gs>
               </a:gsLst>
-              <a:lin ang="16200000" scaled="1"/>
+              <a:lin ang="8100000" scaled="1"/>
               <a:tileRect/>
             </a:gradFill>
             <a:ln>
@@ -8273,7 +11082,9 @@
                   </a:schemeClr>
                 </a:gs>
               </a:gsLst>
-              <a:lin ang="16200000" scaled="1"/>
+              <a:path path="circle">
+                <a:fillToRect l="50000" t="50000" r="50000" b="50000"/>
+              </a:path>
               <a:tileRect/>
             </a:gradFill>
             <a:ln>
@@ -8393,115 +11204,6 @@
       </p:grpSp>
       <p:sp>
         <p:nvSpPr>
-          <p:cNvPr id="35" name="Diamond 34">
-            <a:extLst>
-              <a:ext uri="{FF2B5EF4-FFF2-40B4-BE49-F238E27FC236}">
-                <a16:creationId xmlns:a16="http://schemas.microsoft.com/office/drawing/2014/main" id="{E9705E75-6B1D-8AD9-14D9-757D6948F738}"/>
-              </a:ext>
-            </a:extLst>
-          </p:cNvPr>
-          <p:cNvSpPr/>
-          <p:nvPr/>
-        </p:nvSpPr>
-        <p:spPr>
-          <a:xfrm>
-            <a:off x="7308764" y="1351365"/>
-            <a:ext cx="2142202" cy="1913593"/>
-          </a:xfrm>
-          <a:prstGeom prst="diamond">
-            <a:avLst/>
-          </a:prstGeom>
-          <a:ln>
-            <a:noFill/>
-          </a:ln>
-          <a:effectLst>
-            <a:outerShdw blurRad="50800" dist="38100" dir="8100000" algn="tr" rotWithShape="0">
-              <a:prstClr val="black">
-                <a:alpha val="40000"/>
-              </a:prstClr>
-            </a:outerShdw>
-          </a:effectLst>
-          <a:scene3d>
-            <a:camera prst="orthographicFront">
-              <a:rot lat="0" lon="0" rev="0"/>
-            </a:camera>
-            <a:lightRig rig="balanced" dir="t">
-              <a:rot lat="0" lon="0" rev="8700000"/>
-            </a:lightRig>
-          </a:scene3d>
-          <a:sp3d>
-            <a:bevelT w="190500" h="38100" prst="coolSlant"/>
-          </a:sp3d>
-        </p:spPr>
-        <p:style>
-          <a:lnRef idx="1">
-            <a:schemeClr val="accent6"/>
-          </a:lnRef>
-          <a:fillRef idx="2">
-            <a:schemeClr val="accent6"/>
-          </a:fillRef>
-          <a:effectRef idx="1">
-            <a:schemeClr val="accent6"/>
-          </a:effectRef>
-          <a:fontRef idx="minor">
-            <a:schemeClr val="dk1"/>
-          </a:fontRef>
-        </p:style>
-        <p:txBody>
-          <a:bodyPr rtlCol="1" anchor="ctr"/>
-          <a:lstStyle/>
-          <a:p>
-            <a:pPr algn="ctr"/>
-            <a:endParaRPr lang="fa-IR" sz="2000" b="1" dirty="0">
-              <a:solidFill>
-                <a:schemeClr val="tx1"/>
-              </a:solidFill>
-              <a:cs typeface="B Nazanin" panose="00000400000000000000" pitchFamily="2" charset="-78"/>
-            </a:endParaRPr>
-          </a:p>
-          <a:p>
-            <a:pPr algn="ctr"/>
-            <a:r>
-              <a:rPr lang="fa-IR" sz="2000" b="1" dirty="0">
-                <a:solidFill>
-                  <a:schemeClr val="tx1"/>
-                </a:solidFill>
-                <a:cs typeface="B Nazanin" panose="00000400000000000000" pitchFamily="2" charset="-78"/>
-              </a:rPr>
-              <a:t>مدل زبانی بزرگ</a:t>
-            </a:r>
-          </a:p>
-          <a:p>
-            <a:pPr algn="ctr"/>
-            <a:r>
-              <a:rPr lang="en-US" b="1" dirty="0">
-                <a:solidFill>
-                  <a:schemeClr val="tx1"/>
-                </a:solidFill>
-                <a:cs typeface="+mj-cs"/>
-              </a:rPr>
-              <a:t>(LLM)</a:t>
-            </a:r>
-            <a:endParaRPr lang="fa-IR" b="1" dirty="0">
-              <a:solidFill>
-                <a:schemeClr val="tx1"/>
-              </a:solidFill>
-              <a:cs typeface="+mj-cs"/>
-            </a:endParaRPr>
-          </a:p>
-          <a:p>
-            <a:pPr algn="ctr"/>
-            <a:endParaRPr lang="fa-IR" sz="2000" b="1" dirty="0">
-              <a:solidFill>
-                <a:schemeClr val="tx1"/>
-              </a:solidFill>
-              <a:cs typeface="B Nazanin" panose="00000400000000000000" pitchFamily="2" charset="-78"/>
-            </a:endParaRPr>
-          </a:p>
-        </p:txBody>
-      </p:sp>
-      <p:sp>
-        <p:nvSpPr>
           <p:cNvPr id="39" name="Arrow: Curved Down 38">
             <a:extLst>
               <a:ext uri="{FF2B5EF4-FFF2-40B4-BE49-F238E27FC236}">
@@ -8587,8 +11289,9 @@
             <a:avLst/>
           </a:prstGeom>
           <a:solidFill>
-            <a:schemeClr val="bg1">
-              <a:lumMod val="85000"/>
+            <a:schemeClr val="tx2">
+              <a:lumMod val="20000"/>
+              <a:lumOff val="80000"/>
             </a:schemeClr>
           </a:solidFill>
           <a:ln>
@@ -8635,7 +11338,7 @@
           <a:p>
             <a:pPr algn="ctr"/>
             <a:r>
-              <a:rPr lang="fa-IR" sz="2000" b="1" dirty="0">
+              <a:rPr lang="fa-IR" b="1" dirty="0">
                 <a:solidFill>
                   <a:schemeClr val="tx1"/>
                 </a:solidFill>
@@ -8646,7 +11349,7 @@
           </a:p>
           <a:p>
             <a:pPr algn="ctr"/>
-            <a:endParaRPr lang="fa-IR" sz="2000" dirty="0">
+            <a:endParaRPr lang="fa-IR" dirty="0">
               <a:solidFill>
                 <a:schemeClr val="tx1"/>
               </a:solidFill>
@@ -8656,14 +11359,14 @@
           <a:p>
             <a:pPr algn="ctr"/>
             <a:r>
-              <a:rPr lang="en-US" sz="2000" dirty="0">
+              <a:rPr lang="en-US" dirty="0">
                 <a:solidFill>
                   <a:schemeClr val="tx1"/>
                 </a:solidFill>
               </a:rPr>
               <a:t>User query</a:t>
             </a:r>
-            <a:endParaRPr lang="fa-IR" sz="2000" dirty="0">
+            <a:endParaRPr lang="fa-IR" dirty="0">
               <a:solidFill>
                 <a:schemeClr val="tx1"/>
               </a:solidFill>
@@ -8685,8 +11388,8 @@
         </p:nvSpPr>
         <p:spPr>
           <a:xfrm>
-            <a:off x="3224690" y="5012248"/>
-            <a:ext cx="1279390" cy="388648"/>
+            <a:off x="3193504" y="5012248"/>
+            <a:ext cx="1310576" cy="388648"/>
           </a:xfrm>
           <a:prstGeom prst="rightArrow">
             <a:avLst/>
@@ -8739,8 +11442,8 @@
         </p:nvSpPr>
         <p:spPr>
           <a:xfrm rot="16200000">
-            <a:off x="5085405" y="3655090"/>
-            <a:ext cx="1168142" cy="388586"/>
+            <a:off x="5013222" y="3671856"/>
+            <a:ext cx="1238619" cy="388586"/>
           </a:xfrm>
           <a:prstGeom prst="rightArrow">
             <a:avLst>
@@ -8784,67 +11487,6 @@
       </p:sp>
       <p:sp>
         <p:nvSpPr>
-          <p:cNvPr id="42" name="Arrow: Right 41">
-            <a:extLst>
-              <a:ext uri="{FF2B5EF4-FFF2-40B4-BE49-F238E27FC236}">
-                <a16:creationId xmlns:a16="http://schemas.microsoft.com/office/drawing/2014/main" id="{FC722032-AB4E-9523-B558-4043A13FEE56}"/>
-              </a:ext>
-            </a:extLst>
-          </p:cNvPr>
-          <p:cNvSpPr/>
-          <p:nvPr/>
-        </p:nvSpPr>
-        <p:spPr>
-          <a:xfrm>
-            <a:off x="6659472" y="2087662"/>
-            <a:ext cx="619158" cy="441000"/>
-          </a:xfrm>
-          <a:prstGeom prst="rightArrow">
-            <a:avLst>
-              <a:gd name="adj1" fmla="val 50000"/>
-              <a:gd name="adj2" fmla="val 56283"/>
-            </a:avLst>
-          </a:prstGeom>
-          <a:solidFill>
-            <a:schemeClr val="accent4">
-              <a:lumMod val="75000"/>
-            </a:schemeClr>
-          </a:solidFill>
-          <a:ln>
-            <a:solidFill>
-              <a:schemeClr val="accent4">
-                <a:lumMod val="75000"/>
-              </a:schemeClr>
-            </a:solidFill>
-          </a:ln>
-        </p:spPr>
-        <p:style>
-          <a:lnRef idx="2">
-            <a:schemeClr val="accent1">
-              <a:shade val="15000"/>
-            </a:schemeClr>
-          </a:lnRef>
-          <a:fillRef idx="1">
-            <a:schemeClr val="accent1"/>
-          </a:fillRef>
-          <a:effectRef idx="0">
-            <a:schemeClr val="accent1"/>
-          </a:effectRef>
-          <a:fontRef idx="minor">
-            <a:schemeClr val="lt1"/>
-          </a:fontRef>
-        </p:style>
-        <p:txBody>
-          <a:bodyPr rtlCol="1" anchor="ctr"/>
-          <a:lstStyle/>
-          <a:p>
-            <a:pPr algn="ctr"/>
-            <a:endParaRPr lang="fa-IR"/>
-          </a:p>
-        </p:txBody>
-      </p:sp>
-      <p:sp>
-        <p:nvSpPr>
           <p:cNvPr id="43" name="Arrow: Right 42">
             <a:extLst>
               <a:ext uri="{FF2B5EF4-FFF2-40B4-BE49-F238E27FC236}">
@@ -8857,8 +11499,8 @@
         </p:nvSpPr>
         <p:spPr>
           <a:xfrm>
-            <a:off x="9467238" y="2087662"/>
-            <a:ext cx="678908" cy="441000"/>
+            <a:off x="8882941" y="2087743"/>
+            <a:ext cx="1067717" cy="441000"/>
           </a:xfrm>
           <a:prstGeom prst="rightArrow">
             <a:avLst/>
@@ -9360,8 +12002,8 @@
         </p:nvSpPr>
         <p:spPr>
           <a:xfrm>
-            <a:off x="6100440" y="3825148"/>
-            <a:ext cx="2769587" cy="584775"/>
+            <a:off x="6688267" y="3841131"/>
+            <a:ext cx="1591397" cy="584775"/>
           </a:xfrm>
           <a:prstGeom prst="rect">
             <a:avLst/>
@@ -9379,7 +12021,7 @@
               <a:rPr lang="fa-IR" sz="1600" b="1" dirty="0">
                 <a:cs typeface="B Nazanin" panose="00000400000000000000" pitchFamily="2" charset="-78"/>
               </a:rPr>
-              <a:t>جستجوی شباهت معنایی</a:t>
+              <a:t>جستجوی شباهت</a:t>
             </a:r>
           </a:p>
           <a:p>
@@ -9388,7 +12030,7 @@
               <a:rPr lang="en-US" sz="1600" b="1" dirty="0">
                 <a:cs typeface="B Nazanin" panose="00000400000000000000" pitchFamily="2" charset="-78"/>
               </a:rPr>
-              <a:t>Semantic similarity search</a:t>
+              <a:t>Similarity search</a:t>
             </a:r>
             <a:endParaRPr lang="fa-IR" sz="1600" b="1" dirty="0">
               <a:cs typeface="B Nazanin" panose="00000400000000000000" pitchFamily="2" charset="-78"/>
@@ -9458,6 +12100,156 @@
           </a:p>
         </p:txBody>
       </p:sp>
+      <p:grpSp>
+        <p:nvGrpSpPr>
+          <p:cNvPr id="32" name="Group 31">
+            <a:extLst>
+              <a:ext uri="{FF2B5EF4-FFF2-40B4-BE49-F238E27FC236}">
+                <a16:creationId xmlns:a16="http://schemas.microsoft.com/office/drawing/2014/main" id="{E01D0E8F-DE88-5521-CA7F-F1275D7487DF}"/>
+              </a:ext>
+            </a:extLst>
+          </p:cNvPr>
+          <p:cNvGrpSpPr/>
+          <p:nvPr/>
+        </p:nvGrpSpPr>
+        <p:grpSpPr>
+          <a:xfrm>
+            <a:off x="7308764" y="1351365"/>
+            <a:ext cx="2106598" cy="1913593"/>
+            <a:chOff x="7308764" y="1351365"/>
+            <a:chExt cx="2106598" cy="1913593"/>
+          </a:xfrm>
+        </p:grpSpPr>
+        <p:sp>
+          <p:nvSpPr>
+            <p:cNvPr id="35" name="Diamond 34">
+              <a:extLst>
+                <a:ext uri="{FF2B5EF4-FFF2-40B4-BE49-F238E27FC236}">
+                  <a16:creationId xmlns:a16="http://schemas.microsoft.com/office/drawing/2014/main" id="{E9705E75-6B1D-8AD9-14D9-757D6948F738}"/>
+                </a:ext>
+              </a:extLst>
+            </p:cNvPr>
+            <p:cNvSpPr/>
+            <p:nvPr/>
+          </p:nvSpPr>
+          <p:spPr>
+            <a:xfrm>
+              <a:off x="7308764" y="1351365"/>
+              <a:ext cx="2106598" cy="1913593"/>
+            </a:xfrm>
+            <a:prstGeom prst="diamond">
+              <a:avLst/>
+            </a:prstGeom>
+            <a:ln>
+              <a:noFill/>
+            </a:ln>
+            <a:effectLst>
+              <a:outerShdw blurRad="50800" dist="38100" dir="8100000" algn="tr" rotWithShape="0">
+                <a:prstClr val="black">
+                  <a:alpha val="40000"/>
+                </a:prstClr>
+              </a:outerShdw>
+            </a:effectLst>
+            <a:scene3d>
+              <a:camera prst="orthographicFront">
+                <a:rot lat="0" lon="0" rev="0"/>
+              </a:camera>
+              <a:lightRig rig="balanced" dir="t">
+                <a:rot lat="0" lon="0" rev="8700000"/>
+              </a:lightRig>
+            </a:scene3d>
+            <a:sp3d>
+              <a:bevelT w="190500" h="38100" prst="coolSlant"/>
+            </a:sp3d>
+          </p:spPr>
+          <p:style>
+            <a:lnRef idx="1">
+              <a:schemeClr val="accent6"/>
+            </a:lnRef>
+            <a:fillRef idx="2">
+              <a:schemeClr val="accent6"/>
+            </a:fillRef>
+            <a:effectRef idx="1">
+              <a:schemeClr val="accent6"/>
+            </a:effectRef>
+            <a:fontRef idx="minor">
+              <a:schemeClr val="dk1"/>
+            </a:fontRef>
+          </p:style>
+          <p:txBody>
+            <a:bodyPr rtlCol="1" anchor="ctr"/>
+            <a:lstStyle/>
+            <a:p>
+              <a:pPr algn="ctr"/>
+              <a:endParaRPr lang="fa-IR" b="1" dirty="0">
+                <a:solidFill>
+                  <a:schemeClr val="tx1"/>
+                </a:solidFill>
+                <a:cs typeface="B Nazanin" panose="00000400000000000000" pitchFamily="2" charset="-78"/>
+              </a:endParaRPr>
+            </a:p>
+          </p:txBody>
+        </p:sp>
+        <p:sp>
+          <p:nvSpPr>
+            <p:cNvPr id="31" name="TextBox 30">
+              <a:extLst>
+                <a:ext uri="{FF2B5EF4-FFF2-40B4-BE49-F238E27FC236}">
+                  <a16:creationId xmlns:a16="http://schemas.microsoft.com/office/drawing/2014/main" id="{90CE78CC-DA96-F4F1-1B7D-8BB9369183D2}"/>
+                </a:ext>
+              </a:extLst>
+            </p:cNvPr>
+            <p:cNvSpPr txBox="1"/>
+            <p:nvPr/>
+          </p:nvSpPr>
+          <p:spPr>
+            <a:xfrm>
+              <a:off x="7592468" y="2026004"/>
+              <a:ext cx="1539190" cy="646331"/>
+            </a:xfrm>
+            <a:prstGeom prst="rect">
+              <a:avLst/>
+            </a:prstGeom>
+            <a:noFill/>
+          </p:spPr>
+          <p:txBody>
+            <a:bodyPr wrap="square" rtlCol="1">
+              <a:spAutoFit/>
+            </a:bodyPr>
+            <a:lstStyle/>
+            <a:p>
+              <a:pPr algn="ctr"/>
+              <a:r>
+                <a:rPr lang="fa-IR" b="1" dirty="0">
+                  <a:solidFill>
+                    <a:schemeClr val="tx1"/>
+                  </a:solidFill>
+                  <a:cs typeface="B Nazanin" panose="00000400000000000000" pitchFamily="2" charset="-78"/>
+                </a:rPr>
+                <a:t>مدل زبانی بزرگ</a:t>
+              </a:r>
+            </a:p>
+            <a:p>
+              <a:pPr algn="ctr"/>
+              <a:r>
+                <a:rPr lang="en-US" b="1" dirty="0">
+                  <a:solidFill>
+                    <a:schemeClr val="tx1"/>
+                  </a:solidFill>
+                  <a:cs typeface="+mj-cs"/>
+                </a:rPr>
+                <a:t>(LLM)</a:t>
+              </a:r>
+              <a:endParaRPr lang="fa-IR" b="1" dirty="0">
+                <a:solidFill>
+                  <a:schemeClr val="tx1"/>
+                </a:solidFill>
+                <a:cs typeface="+mj-cs"/>
+              </a:endParaRPr>
+            </a:p>
+          </p:txBody>
+        </p:sp>
+      </p:grpSp>
     </p:spTree>
     <p:extLst>
       <p:ext uri="{BB962C8B-B14F-4D97-AF65-F5344CB8AC3E}">
@@ -9576,7 +12368,7 @@
             <p:ph idx="1"/>
             <p:extLst>
               <p:ext uri="{D42A27DB-BD31-4B8C-83A1-F6EECF244321}">
-                <p14:modId xmlns:p14="http://schemas.microsoft.com/office/powerpoint/2010/main" val="3676181437"/>
+                <p14:modId xmlns:p14="http://schemas.microsoft.com/office/powerpoint/2010/main" val="404047727"/>
               </p:ext>
             </p:extLst>
           </p:nvPr>
@@ -11016,7 +13808,51 @@
                           <a:ea typeface="+mn-ea"/>
                           <a:cs typeface="B Nazanin" panose="00000400000000000000" pitchFamily="2" charset="-78"/>
                         </a:rPr>
-                        <a:t>، نگارش آکادمیک، شعر و ...)</a:t>
+                        <a:t>، نگارش آکادمیک، </a:t>
+                      </a:r>
+                      <a:r>
+                        <a:rPr lang="fa-IR" sz="1200" b="1" kern="1200" dirty="0" err="1">
+                          <a:solidFill>
+                            <a:schemeClr val="dk1"/>
+                          </a:solidFill>
+                          <a:latin typeface="+mn-lt"/>
+                          <a:ea typeface="+mn-ea"/>
+                          <a:cs typeface="B Nazanin" panose="00000400000000000000" pitchFamily="2" charset="-78"/>
+                        </a:rPr>
+                        <a:t>شعرسرایی</a:t>
+                      </a:r>
+                      <a:r>
+                        <a:rPr lang="fa-IR" sz="1200" b="1" kern="1200" dirty="0">
+                          <a:solidFill>
+                            <a:schemeClr val="dk1"/>
+                          </a:solidFill>
+                          <a:latin typeface="+mn-lt"/>
+                          <a:ea typeface="+mn-ea"/>
+                          <a:cs typeface="B Nazanin" panose="00000400000000000000" pitchFamily="2" charset="-78"/>
+                        </a:rPr>
+                        <a:t>، </a:t>
+                      </a:r>
+                      <a:r>
+                        <a:rPr lang="fa-IR" sz="1200" b="1" kern="1200" dirty="0" err="1">
+                          <a:solidFill>
+                            <a:schemeClr val="dk1"/>
+                          </a:solidFill>
+                          <a:latin typeface="+mn-lt"/>
+                          <a:ea typeface="+mn-ea"/>
+                          <a:cs typeface="B Nazanin" panose="00000400000000000000" pitchFamily="2" charset="-78"/>
+                        </a:rPr>
+                        <a:t>برنامه‌نویسی</a:t>
+                      </a:r>
+                      <a:r>
+                        <a:rPr lang="fa-IR" sz="1200" b="1" kern="1200" dirty="0">
+                          <a:solidFill>
+                            <a:schemeClr val="dk1"/>
+                          </a:solidFill>
+                          <a:latin typeface="+mn-lt"/>
+                          <a:ea typeface="+mn-ea"/>
+                          <a:cs typeface="B Nazanin" panose="00000400000000000000" pitchFamily="2" charset="-78"/>
+                        </a:rPr>
+                        <a:t> و ...)</a:t>
                       </a:r>
                     </a:p>
                     <a:p>
@@ -11556,7 +14392,7 @@
         </p:nvSpPr>
         <p:spPr>
           <a:xfrm>
-            <a:off x="838200" y="1568824"/>
+            <a:off x="838200" y="1690688"/>
             <a:ext cx="10515600" cy="4608139"/>
           </a:xfrm>
         </p:spPr>
@@ -11764,7 +14600,13 @@
   <p:cSld>
     <p:spTree>
       <p:nvGrpSpPr>
-        <p:cNvPr id="1" name=""/>
+        <p:cNvPr id="1" name="">
+          <a:extLst>
+            <a:ext uri="{FF2B5EF4-FFF2-40B4-BE49-F238E27FC236}">
+              <a16:creationId xmlns:a16="http://schemas.microsoft.com/office/drawing/2014/main" id="{272AB6C1-B27D-8A14-DA33-11A17B57AD6B}"/>
+            </a:ext>
+          </a:extLst>
+        </p:cNvPr>
         <p:cNvGrpSpPr/>
         <p:nvPr/>
       </p:nvGrpSpPr>
@@ -11781,7 +14623,7 @@
           <p:cNvPr id="2" name="Title 1">
             <a:extLst>
               <a:ext uri="{FF2B5EF4-FFF2-40B4-BE49-F238E27FC236}">
-                <a16:creationId xmlns:a16="http://schemas.microsoft.com/office/drawing/2014/main" id="{5BDA9D63-0D5C-6DEC-CA13-74CC6717AD5C}"/>
+                <a16:creationId xmlns:a16="http://schemas.microsoft.com/office/drawing/2014/main" id="{056D92D2-C91B-9937-1162-C9FA0927486D}"/>
               </a:ext>
             </a:extLst>
           </p:cNvPr>
@@ -11799,46 +14641,291 @@
           <a:p>
             <a:pPr algn="r" rtl="1"/>
             <a:r>
-              <a:rPr lang="fa-IR" dirty="0"/>
-              <a:t>موارد استفاده </a:t>
-            </a:r>
-            <a:r>
-              <a:rPr lang="en-US" dirty="0"/>
+              <a:rPr lang="fa-IR" b="1" dirty="0">
+                <a:cs typeface="B Nazanin" panose="00000400000000000000" pitchFamily="2" charset="-78"/>
+              </a:rPr>
+              <a:t>چرا </a:t>
+            </a:r>
+            <a:r>
+              <a:rPr lang="en-US" b="1" dirty="0"/>
               <a:t>RAG</a:t>
             </a:r>
-            <a:endParaRPr lang="fa-IR" dirty="0"/>
+            <a:r>
+              <a:rPr lang="fa-IR" b="1" dirty="0">
+                <a:cs typeface="B Nazanin" panose="00000400000000000000" pitchFamily="2" charset="-78"/>
+              </a:rPr>
+              <a:t>؟</a:t>
+            </a:r>
           </a:p>
         </p:txBody>
       </p:sp>
-      <p:sp>
-        <p:nvSpPr>
-          <p:cNvPr id="3" name="Content Placeholder 2">
+      <p:graphicFrame>
+        <p:nvGraphicFramePr>
+          <p:cNvPr id="6" name="Content Placeholder 5">
             <a:extLst>
               <a:ext uri="{FF2B5EF4-FFF2-40B4-BE49-F238E27FC236}">
-                <a16:creationId xmlns:a16="http://schemas.microsoft.com/office/drawing/2014/main" id="{8BDD5725-6D96-2B6B-C5B1-FBACB654A1B4}"/>
+                <a16:creationId xmlns:a16="http://schemas.microsoft.com/office/drawing/2014/main" id="{AD505F06-E5C9-19CF-09EF-31F4B01C678D}"/>
               </a:ext>
             </a:extLst>
           </p:cNvPr>
-          <p:cNvSpPr>
-            <a:spLocks noGrp="1"/>
-          </p:cNvSpPr>
+          <p:cNvGraphicFramePr>
+            <a:graphicFrameLocks noGrp="1"/>
+          </p:cNvGraphicFramePr>
           <p:nvPr>
             <p:ph idx="1"/>
+            <p:extLst>
+              <p:ext uri="{D42A27DB-BD31-4B8C-83A1-F6EECF244321}">
+                <p14:modId xmlns:p14="http://schemas.microsoft.com/office/powerpoint/2010/main" val="4282372534"/>
+              </p:ext>
+            </p:extLst>
           </p:nvPr>
+        </p:nvGraphicFramePr>
+        <p:xfrm>
+          <a:off x="4904509" y="1690688"/>
+          <a:ext cx="2022763" cy="1958108"/>
+        </p:xfrm>
+        <a:graphic>
+          <a:graphicData uri="http://schemas.openxmlformats.org/drawingml/2006/diagram">
+            <dgm:relIds xmlns:dgm="http://schemas.openxmlformats.org/drawingml/2006/diagram" xmlns:r="http://schemas.openxmlformats.org/officeDocument/2006/relationships" r:dm="rId2" r:lo="rId3" r:qs="rId4" r:cs="rId5"/>
+          </a:graphicData>
+        </a:graphic>
+      </p:graphicFrame>
+      <p:sp>
+        <p:nvSpPr>
+          <p:cNvPr id="8" name="Content Placeholder 2">
+            <a:extLst>
+              <a:ext uri="{FF2B5EF4-FFF2-40B4-BE49-F238E27FC236}">
+                <a16:creationId xmlns:a16="http://schemas.microsoft.com/office/drawing/2014/main" id="{B6F48053-AED1-D9DB-FA80-0FB8CA66158E}"/>
+              </a:ext>
+            </a:extLst>
+          </p:cNvPr>
+          <p:cNvSpPr txBox="1">
+            <a:spLocks/>
+          </p:cNvSpPr>
+          <p:nvPr/>
         </p:nvSpPr>
-        <p:spPr/>
+        <p:spPr>
+          <a:xfrm>
+            <a:off x="1028700" y="1690688"/>
+            <a:ext cx="10515600" cy="4608139"/>
+          </a:xfrm>
+          <a:prstGeom prst="rect">
+            <a:avLst/>
+          </a:prstGeom>
+        </p:spPr>
         <p:txBody>
-          <a:bodyPr/>
-          <a:lstStyle/>
-          <a:p>
-            <a:endParaRPr lang="fa-IR" dirty="0"/>
+          <a:bodyPr vert="horz" lIns="91440" tIns="45720" rIns="91440" bIns="45720" rtlCol="0">
+            <a:normAutofit/>
+          </a:bodyPr>
+          <a:lstStyle>
+            <a:lvl1pPr marL="228600" indent="-228600" algn="l" defTabSz="914400" rtl="0" eaLnBrk="1" latinLnBrk="0" hangingPunct="1">
+              <a:lnSpc>
+                <a:spcPct val="90000"/>
+              </a:lnSpc>
+              <a:spcBef>
+                <a:spcPts val="1000"/>
+              </a:spcBef>
+              <a:buFont typeface="Arial" panose="020B0604020202020204" pitchFamily="34" charset="0"/>
+              <a:buChar char="•"/>
+              <a:defRPr sz="2800" kern="1200">
+                <a:solidFill>
+                  <a:schemeClr val="tx1"/>
+                </a:solidFill>
+                <a:latin typeface="+mn-lt"/>
+                <a:ea typeface="+mn-ea"/>
+                <a:cs typeface="+mn-cs"/>
+              </a:defRPr>
+            </a:lvl1pPr>
+            <a:lvl2pPr marL="685800" indent="-228600" algn="l" defTabSz="914400" rtl="0" eaLnBrk="1" latinLnBrk="0" hangingPunct="1">
+              <a:lnSpc>
+                <a:spcPct val="90000"/>
+              </a:lnSpc>
+              <a:spcBef>
+                <a:spcPts val="500"/>
+              </a:spcBef>
+              <a:buFont typeface="Arial" panose="020B0604020202020204" pitchFamily="34" charset="0"/>
+              <a:buChar char="•"/>
+              <a:defRPr sz="2400" kern="1200">
+                <a:solidFill>
+                  <a:schemeClr val="tx1"/>
+                </a:solidFill>
+                <a:latin typeface="+mn-lt"/>
+                <a:ea typeface="+mn-ea"/>
+                <a:cs typeface="+mn-cs"/>
+              </a:defRPr>
+            </a:lvl2pPr>
+            <a:lvl3pPr marL="1143000" indent="-228600" algn="l" defTabSz="914400" rtl="0" eaLnBrk="1" latinLnBrk="0" hangingPunct="1">
+              <a:lnSpc>
+                <a:spcPct val="90000"/>
+              </a:lnSpc>
+              <a:spcBef>
+                <a:spcPts val="500"/>
+              </a:spcBef>
+              <a:buFont typeface="Arial" panose="020B0604020202020204" pitchFamily="34" charset="0"/>
+              <a:buChar char="•"/>
+              <a:defRPr sz="2000" kern="1200">
+                <a:solidFill>
+                  <a:schemeClr val="tx1"/>
+                </a:solidFill>
+                <a:latin typeface="+mn-lt"/>
+                <a:ea typeface="+mn-ea"/>
+                <a:cs typeface="+mn-cs"/>
+              </a:defRPr>
+            </a:lvl3pPr>
+            <a:lvl4pPr marL="1600200" indent="-228600" algn="l" defTabSz="914400" rtl="0" eaLnBrk="1" latinLnBrk="0" hangingPunct="1">
+              <a:lnSpc>
+                <a:spcPct val="90000"/>
+              </a:lnSpc>
+              <a:spcBef>
+                <a:spcPts val="500"/>
+              </a:spcBef>
+              <a:buFont typeface="Arial" panose="020B0604020202020204" pitchFamily="34" charset="0"/>
+              <a:buChar char="•"/>
+              <a:defRPr sz="1800" kern="1200">
+                <a:solidFill>
+                  <a:schemeClr val="tx1"/>
+                </a:solidFill>
+                <a:latin typeface="+mn-lt"/>
+                <a:ea typeface="+mn-ea"/>
+                <a:cs typeface="+mn-cs"/>
+              </a:defRPr>
+            </a:lvl4pPr>
+            <a:lvl5pPr marL="2057400" indent="-228600" algn="l" defTabSz="914400" rtl="0" eaLnBrk="1" latinLnBrk="0" hangingPunct="1">
+              <a:lnSpc>
+                <a:spcPct val="90000"/>
+              </a:lnSpc>
+              <a:spcBef>
+                <a:spcPts val="500"/>
+              </a:spcBef>
+              <a:buFont typeface="Arial" panose="020B0604020202020204" pitchFamily="34" charset="0"/>
+              <a:buChar char="•"/>
+              <a:defRPr sz="1800" kern="1200">
+                <a:solidFill>
+                  <a:schemeClr val="tx1"/>
+                </a:solidFill>
+                <a:latin typeface="+mn-lt"/>
+                <a:ea typeface="+mn-ea"/>
+                <a:cs typeface="+mn-cs"/>
+              </a:defRPr>
+            </a:lvl5pPr>
+            <a:lvl6pPr marL="2514600" indent="-228600" algn="l" defTabSz="914400" rtl="0" eaLnBrk="1" latinLnBrk="0" hangingPunct="1">
+              <a:lnSpc>
+                <a:spcPct val="90000"/>
+              </a:lnSpc>
+              <a:spcBef>
+                <a:spcPts val="500"/>
+              </a:spcBef>
+              <a:buFont typeface="Arial" panose="020B0604020202020204" pitchFamily="34" charset="0"/>
+              <a:buChar char="•"/>
+              <a:defRPr sz="1800" kern="1200">
+                <a:solidFill>
+                  <a:schemeClr val="tx1"/>
+                </a:solidFill>
+                <a:latin typeface="+mn-lt"/>
+                <a:ea typeface="+mn-ea"/>
+                <a:cs typeface="+mn-cs"/>
+              </a:defRPr>
+            </a:lvl6pPr>
+            <a:lvl7pPr marL="2971800" indent="-228600" algn="l" defTabSz="914400" rtl="0" eaLnBrk="1" latinLnBrk="0" hangingPunct="1">
+              <a:lnSpc>
+                <a:spcPct val="90000"/>
+              </a:lnSpc>
+              <a:spcBef>
+                <a:spcPts val="500"/>
+              </a:spcBef>
+              <a:buFont typeface="Arial" panose="020B0604020202020204" pitchFamily="34" charset="0"/>
+              <a:buChar char="•"/>
+              <a:defRPr sz="1800" kern="1200">
+                <a:solidFill>
+                  <a:schemeClr val="tx1"/>
+                </a:solidFill>
+                <a:latin typeface="+mn-lt"/>
+                <a:ea typeface="+mn-ea"/>
+                <a:cs typeface="+mn-cs"/>
+              </a:defRPr>
+            </a:lvl7pPr>
+            <a:lvl8pPr marL="3429000" indent="-228600" algn="l" defTabSz="914400" rtl="0" eaLnBrk="1" latinLnBrk="0" hangingPunct="1">
+              <a:lnSpc>
+                <a:spcPct val="90000"/>
+              </a:lnSpc>
+              <a:spcBef>
+                <a:spcPts val="500"/>
+              </a:spcBef>
+              <a:buFont typeface="Arial" panose="020B0604020202020204" pitchFamily="34" charset="0"/>
+              <a:buChar char="•"/>
+              <a:defRPr sz="1800" kern="1200">
+                <a:solidFill>
+                  <a:schemeClr val="tx1"/>
+                </a:solidFill>
+                <a:latin typeface="+mn-lt"/>
+                <a:ea typeface="+mn-ea"/>
+                <a:cs typeface="+mn-cs"/>
+              </a:defRPr>
+            </a:lvl8pPr>
+            <a:lvl9pPr marL="3886200" indent="-228600" algn="l" defTabSz="914400" rtl="0" eaLnBrk="1" latinLnBrk="0" hangingPunct="1">
+              <a:lnSpc>
+                <a:spcPct val="90000"/>
+              </a:lnSpc>
+              <a:spcBef>
+                <a:spcPts val="500"/>
+              </a:spcBef>
+              <a:buFont typeface="Arial" panose="020B0604020202020204" pitchFamily="34" charset="0"/>
+              <a:buChar char="•"/>
+              <a:defRPr sz="1800" kern="1200">
+                <a:solidFill>
+                  <a:schemeClr val="tx1"/>
+                </a:solidFill>
+                <a:latin typeface="+mn-lt"/>
+                <a:ea typeface="+mn-ea"/>
+                <a:cs typeface="+mn-cs"/>
+              </a:defRPr>
+            </a:lvl9pPr>
+          </a:lstStyle>
+          <a:p>
+            <a:pPr algn="r" rtl="1"/>
+            <a:endParaRPr lang="fa-IR" sz="2000" b="1" dirty="0">
+              <a:cs typeface="B Nazanin" panose="00000400000000000000" pitchFamily="2" charset="-78"/>
+            </a:endParaRPr>
+          </a:p>
+          <a:p>
+            <a:pPr algn="r" rtl="1"/>
+            <a:endParaRPr lang="fa-IR" sz="2000" b="1" dirty="0">
+              <a:cs typeface="B Nazanin" panose="00000400000000000000" pitchFamily="2" charset="-78"/>
+            </a:endParaRPr>
+          </a:p>
+          <a:p>
+            <a:pPr algn="r" rtl="1"/>
+            <a:r>
+              <a:rPr lang="fa-IR" sz="2000" b="1" dirty="0" err="1">
+                <a:cs typeface="B Nazanin" panose="00000400000000000000" pitchFamily="2" charset="-78"/>
+              </a:rPr>
+              <a:t>بهره‌مندی</a:t>
+            </a:r>
+            <a:r>
+              <a:rPr lang="fa-IR" sz="2000" b="1" dirty="0">
+                <a:cs typeface="B Nazanin" panose="00000400000000000000" pitchFamily="2" charset="-78"/>
+              </a:rPr>
+              <a:t> از قابلیت ‌های یک مدل زبانی پیشرفته</a:t>
+            </a:r>
+          </a:p>
+          <a:p>
+            <a:pPr algn="r" rtl="1"/>
+            <a:endParaRPr lang="fa-IR" sz="2000" b="1" dirty="0">
+              <a:cs typeface="B Nazanin" panose="00000400000000000000" pitchFamily="2" charset="-78"/>
+            </a:endParaRPr>
+          </a:p>
+          <a:p>
+            <a:pPr algn="r" rtl="1"/>
+            <a:endParaRPr lang="fa-IR" sz="2000" b="1" dirty="0">
+              <a:cs typeface="B Nazanin" panose="00000400000000000000" pitchFamily="2" charset="-78"/>
+            </a:endParaRPr>
           </a:p>
         </p:txBody>
       </p:sp>
     </p:spTree>
     <p:extLst>
       <p:ext uri="{BB962C8B-B14F-4D97-AF65-F5344CB8AC3E}">
-        <p14:creationId xmlns:p14="http://schemas.microsoft.com/office/powerpoint/2010/main" val="3301929542"/>
+        <p14:creationId xmlns:p14="http://schemas.microsoft.com/office/powerpoint/2010/main" val="393327809"/>
       </p:ext>
     </p:extLst>
   </p:cSld>

--- a/RAG.pptx
+++ b/RAG.pptx
@@ -5,7 +5,7 @@
     <p:sldMasterId id="2147483648" r:id="rId1"/>
   </p:sldMasterIdLst>
   <p:notesMasterIdLst>
-    <p:notesMasterId r:id="rId17"/>
+    <p:notesMasterId r:id="rId18"/>
   </p:notesMasterIdLst>
   <p:sldIdLst>
     <p:sldId id="256" r:id="rId2"/>
@@ -13,16 +13,17 @@
     <p:sldId id="266" r:id="rId4"/>
     <p:sldId id="258" r:id="rId5"/>
     <p:sldId id="260" r:id="rId6"/>
-    <p:sldId id="269" r:id="rId7"/>
-    <p:sldId id="261" r:id="rId8"/>
-    <p:sldId id="267" r:id="rId9"/>
-    <p:sldId id="270" r:id="rId10"/>
-    <p:sldId id="268" r:id="rId11"/>
-    <p:sldId id="262" r:id="rId12"/>
-    <p:sldId id="263" r:id="rId13"/>
-    <p:sldId id="264" r:id="rId14"/>
-    <p:sldId id="265" r:id="rId15"/>
-    <p:sldId id="259" r:id="rId16"/>
+    <p:sldId id="271" r:id="rId7"/>
+    <p:sldId id="269" r:id="rId8"/>
+    <p:sldId id="272" r:id="rId9"/>
+    <p:sldId id="261" r:id="rId10"/>
+    <p:sldId id="270" r:id="rId11"/>
+    <p:sldId id="268" r:id="rId12"/>
+    <p:sldId id="262" r:id="rId13"/>
+    <p:sldId id="263" r:id="rId14"/>
+    <p:sldId id="264" r:id="rId15"/>
+    <p:sldId id="265" r:id="rId16"/>
+    <p:sldId id="259" r:id="rId17"/>
   </p:sldIdLst>
   <p:sldSz cx="12192000" cy="6858000"/>
   <p:notesSz cx="6858000" cy="9144000"/>
@@ -855,6 +856,925 @@
     <dgm:fillClrLst meth="repeat">
       <a:schemeClr val="accent1">
         <a:tint val="60000"/>
+      </a:schemeClr>
+    </dgm:fillClrLst>
+    <dgm:linClrLst meth="repeat">
+      <a:schemeClr val="lt1"/>
+    </dgm:linClrLst>
+    <dgm:effectClrLst/>
+    <dgm:txLinClrLst/>
+    <dgm:txFillClrLst meth="repeat">
+      <a:schemeClr val="dk1"/>
+    </dgm:txFillClrLst>
+    <dgm:txEffectClrLst/>
+  </dgm:styleLbl>
+  <dgm:styleLbl name="revTx">
+    <dgm:fillClrLst meth="repeat">
+      <a:schemeClr val="lt1">
+        <a:alpha val="0"/>
+      </a:schemeClr>
+    </dgm:fillClrLst>
+    <dgm:linClrLst meth="repeat">
+      <a:schemeClr val="dk1">
+        <a:alpha val="0"/>
+      </a:schemeClr>
+    </dgm:linClrLst>
+    <dgm:effectClrLst/>
+    <dgm:txLinClrLst/>
+    <dgm:txFillClrLst meth="repeat">
+      <a:schemeClr val="tx1"/>
+    </dgm:txFillClrLst>
+    <dgm:txEffectClrLst/>
+  </dgm:styleLbl>
+</dgm:colorsDef>
+</file>
+
+<file path=ppt/diagrams/colors2.xml><?xml version="1.0" encoding="utf-8"?>
+<dgm:colorsDef xmlns:dgm="http://schemas.openxmlformats.org/drawingml/2006/diagram" xmlns:a="http://schemas.openxmlformats.org/drawingml/2006/main" uniqueId="urn:microsoft.com/office/officeart/2005/8/colors/colorful1">
+  <dgm:title val=""/>
+  <dgm:desc val=""/>
+  <dgm:catLst>
+    <dgm:cat type="colorful" pri="10100"/>
+  </dgm:catLst>
+  <dgm:styleLbl name="node0">
+    <dgm:fillClrLst meth="repeat">
+      <a:schemeClr val="accent1"/>
+    </dgm:fillClrLst>
+    <dgm:linClrLst meth="repeat">
+      <a:schemeClr val="lt1"/>
+    </dgm:linClrLst>
+    <dgm:effectClrLst/>
+    <dgm:txLinClrLst/>
+    <dgm:txFillClrLst/>
+    <dgm:txEffectClrLst/>
+  </dgm:styleLbl>
+  <dgm:styleLbl name="node1">
+    <dgm:fillClrLst meth="repeat">
+      <a:schemeClr val="accent2"/>
+      <a:schemeClr val="accent3"/>
+      <a:schemeClr val="accent4"/>
+      <a:schemeClr val="accent5"/>
+      <a:schemeClr val="accent6"/>
+    </dgm:fillClrLst>
+    <dgm:linClrLst meth="repeat">
+      <a:schemeClr val="lt1"/>
+    </dgm:linClrLst>
+    <dgm:effectClrLst/>
+    <dgm:txLinClrLst/>
+    <dgm:txFillClrLst/>
+    <dgm:txEffectClrLst/>
+  </dgm:styleLbl>
+  <dgm:styleLbl name="alignNode1">
+    <dgm:fillClrLst meth="repeat">
+      <a:schemeClr val="accent2"/>
+      <a:schemeClr val="accent3"/>
+      <a:schemeClr val="accent4"/>
+      <a:schemeClr val="accent5"/>
+      <a:schemeClr val="accent6"/>
+    </dgm:fillClrLst>
+    <dgm:linClrLst meth="repeat">
+      <a:schemeClr val="accent2"/>
+      <a:schemeClr val="accent3"/>
+      <a:schemeClr val="accent4"/>
+      <a:schemeClr val="accent5"/>
+      <a:schemeClr val="accent6"/>
+    </dgm:linClrLst>
+    <dgm:effectClrLst/>
+    <dgm:txLinClrLst/>
+    <dgm:txFillClrLst/>
+    <dgm:txEffectClrLst/>
+  </dgm:styleLbl>
+  <dgm:styleLbl name="lnNode1">
+    <dgm:fillClrLst meth="repeat">
+      <a:schemeClr val="accent2"/>
+      <a:schemeClr val="accent3"/>
+      <a:schemeClr val="accent4"/>
+      <a:schemeClr val="accent5"/>
+      <a:schemeClr val="accent6"/>
+    </dgm:fillClrLst>
+    <dgm:linClrLst meth="repeat">
+      <a:schemeClr val="lt1"/>
+    </dgm:linClrLst>
+    <dgm:effectClrLst/>
+    <dgm:txLinClrLst/>
+    <dgm:txFillClrLst/>
+    <dgm:txEffectClrLst/>
+  </dgm:styleLbl>
+  <dgm:styleLbl name="vennNode1">
+    <dgm:fillClrLst meth="repeat">
+      <a:schemeClr val="accent2">
+        <a:alpha val="50000"/>
+      </a:schemeClr>
+      <a:schemeClr val="accent3">
+        <a:alpha val="50000"/>
+      </a:schemeClr>
+      <a:schemeClr val="accent4">
+        <a:alpha val="50000"/>
+      </a:schemeClr>
+      <a:schemeClr val="accent5">
+        <a:alpha val="50000"/>
+      </a:schemeClr>
+      <a:schemeClr val="accent6">
+        <a:alpha val="50000"/>
+      </a:schemeClr>
+    </dgm:fillClrLst>
+    <dgm:linClrLst meth="repeat">
+      <a:schemeClr val="lt1"/>
+    </dgm:linClrLst>
+    <dgm:effectClrLst/>
+    <dgm:txLinClrLst/>
+    <dgm:txFillClrLst/>
+    <dgm:txEffectClrLst/>
+  </dgm:styleLbl>
+  <dgm:styleLbl name="node2">
+    <dgm:fillClrLst>
+      <a:schemeClr val="accent2"/>
+    </dgm:fillClrLst>
+    <dgm:linClrLst meth="repeat">
+      <a:schemeClr val="lt1"/>
+    </dgm:linClrLst>
+    <dgm:effectClrLst/>
+    <dgm:txLinClrLst/>
+    <dgm:txFillClrLst/>
+    <dgm:txEffectClrLst/>
+  </dgm:styleLbl>
+  <dgm:styleLbl name="node3">
+    <dgm:fillClrLst>
+      <a:schemeClr val="accent3"/>
+    </dgm:fillClrLst>
+    <dgm:linClrLst meth="repeat">
+      <a:schemeClr val="lt1"/>
+    </dgm:linClrLst>
+    <dgm:effectClrLst/>
+    <dgm:txLinClrLst/>
+    <dgm:txFillClrLst/>
+    <dgm:txEffectClrLst/>
+  </dgm:styleLbl>
+  <dgm:styleLbl name="node4">
+    <dgm:fillClrLst>
+      <a:schemeClr val="accent4"/>
+    </dgm:fillClrLst>
+    <dgm:linClrLst meth="repeat">
+      <a:schemeClr val="lt1"/>
+    </dgm:linClrLst>
+    <dgm:effectClrLst/>
+    <dgm:txLinClrLst/>
+    <dgm:txFillClrLst/>
+    <dgm:txEffectClrLst/>
+  </dgm:styleLbl>
+  <dgm:styleLbl name="fgImgPlace1">
+    <dgm:fillClrLst meth="repeat">
+      <a:schemeClr val="accent2">
+        <a:tint val="50000"/>
+      </a:schemeClr>
+      <a:schemeClr val="accent3">
+        <a:tint val="50000"/>
+      </a:schemeClr>
+      <a:schemeClr val="accent4">
+        <a:tint val="50000"/>
+      </a:schemeClr>
+      <a:schemeClr val="accent5">
+        <a:tint val="50000"/>
+      </a:schemeClr>
+      <a:schemeClr val="accent6">
+        <a:tint val="50000"/>
+      </a:schemeClr>
+    </dgm:fillClrLst>
+    <dgm:linClrLst meth="repeat">
+      <a:schemeClr val="lt1"/>
+    </dgm:linClrLst>
+    <dgm:effectClrLst/>
+    <dgm:txLinClrLst/>
+    <dgm:txFillClrLst meth="repeat">
+      <a:schemeClr val="lt1"/>
+    </dgm:txFillClrLst>
+    <dgm:txEffectClrLst/>
+  </dgm:styleLbl>
+  <dgm:styleLbl name="alignImgPlace1">
+    <dgm:fillClrLst>
+      <a:schemeClr val="accent1">
+        <a:tint val="50000"/>
+      </a:schemeClr>
+      <a:schemeClr val="accent2">
+        <a:tint val="20000"/>
+      </a:schemeClr>
+    </dgm:fillClrLst>
+    <dgm:linClrLst meth="repeat">
+      <a:schemeClr val="lt1"/>
+    </dgm:linClrLst>
+    <dgm:effectClrLst/>
+    <dgm:txLinClrLst/>
+    <dgm:txFillClrLst meth="repeat">
+      <a:schemeClr val="lt1"/>
+    </dgm:txFillClrLst>
+    <dgm:txEffectClrLst/>
+  </dgm:styleLbl>
+  <dgm:styleLbl name="bgImgPlace1">
+    <dgm:fillClrLst>
+      <a:schemeClr val="accent1">
+        <a:tint val="50000"/>
+      </a:schemeClr>
+      <a:schemeClr val="accent2">
+        <a:tint val="20000"/>
+      </a:schemeClr>
+    </dgm:fillClrLst>
+    <dgm:linClrLst meth="repeat">
+      <a:schemeClr val="lt1"/>
+    </dgm:linClrLst>
+    <dgm:effectClrLst/>
+    <dgm:txLinClrLst/>
+    <dgm:txFillClrLst meth="repeat">
+      <a:schemeClr val="lt1"/>
+    </dgm:txFillClrLst>
+    <dgm:txEffectClrLst/>
+  </dgm:styleLbl>
+  <dgm:styleLbl name="sibTrans2D1">
+    <dgm:fillClrLst meth="repeat">
+      <a:schemeClr val="accent2"/>
+      <a:schemeClr val="accent3"/>
+      <a:schemeClr val="accent4"/>
+      <a:schemeClr val="accent5"/>
+      <a:schemeClr val="accent6"/>
+    </dgm:fillClrLst>
+    <dgm:linClrLst meth="cycle">
+      <a:schemeClr val="lt1"/>
+    </dgm:linClrLst>
+    <dgm:effectClrLst/>
+    <dgm:txLinClrLst/>
+    <dgm:txFillClrLst/>
+    <dgm:txEffectClrLst/>
+  </dgm:styleLbl>
+  <dgm:styleLbl name="fgSibTrans2D1">
+    <dgm:fillClrLst meth="repeat">
+      <a:schemeClr val="accent2"/>
+      <a:schemeClr val="accent3"/>
+      <a:schemeClr val="accent4"/>
+      <a:schemeClr val="accent5"/>
+      <a:schemeClr val="accent6"/>
+    </dgm:fillClrLst>
+    <dgm:linClrLst meth="cycle">
+      <a:schemeClr val="lt1"/>
+    </dgm:linClrLst>
+    <dgm:effectClrLst/>
+    <dgm:txLinClrLst/>
+    <dgm:txFillClrLst meth="repeat">
+      <a:schemeClr val="lt1"/>
+    </dgm:txFillClrLst>
+    <dgm:txEffectClrLst/>
+  </dgm:styleLbl>
+  <dgm:styleLbl name="bgSibTrans2D1">
+    <dgm:fillClrLst meth="repeat">
+      <a:schemeClr val="accent2"/>
+      <a:schemeClr val="accent3"/>
+      <a:schemeClr val="accent4"/>
+      <a:schemeClr val="accent5"/>
+      <a:schemeClr val="accent6"/>
+    </dgm:fillClrLst>
+    <dgm:linClrLst meth="cycle">
+      <a:schemeClr val="lt1"/>
+    </dgm:linClrLst>
+    <dgm:effectClrLst/>
+    <dgm:txLinClrLst/>
+    <dgm:txFillClrLst meth="repeat">
+      <a:schemeClr val="lt1"/>
+    </dgm:txFillClrLst>
+    <dgm:txEffectClrLst/>
+  </dgm:styleLbl>
+  <dgm:styleLbl name="sibTrans1D1">
+    <dgm:fillClrLst meth="repeat">
+      <a:schemeClr val="accent2"/>
+      <a:schemeClr val="accent3"/>
+      <a:schemeClr val="accent4"/>
+      <a:schemeClr val="accent5"/>
+      <a:schemeClr val="accent6"/>
+    </dgm:fillClrLst>
+    <dgm:linClrLst meth="repeat">
+      <a:schemeClr val="accent2"/>
+      <a:schemeClr val="accent3"/>
+      <a:schemeClr val="accent4"/>
+      <a:schemeClr val="accent5"/>
+      <a:schemeClr val="accent6"/>
+    </dgm:linClrLst>
+    <dgm:effectClrLst/>
+    <dgm:txLinClrLst/>
+    <dgm:txFillClrLst meth="repeat">
+      <a:schemeClr val="tx1"/>
+    </dgm:txFillClrLst>
+    <dgm:txEffectClrLst/>
+  </dgm:styleLbl>
+  <dgm:styleLbl name="callout">
+    <dgm:fillClrLst meth="repeat">
+      <a:schemeClr val="accent2"/>
+    </dgm:fillClrLst>
+    <dgm:linClrLst meth="repeat">
+      <a:schemeClr val="accent2">
+        <a:tint val="50000"/>
+      </a:schemeClr>
+    </dgm:linClrLst>
+    <dgm:effectClrLst/>
+    <dgm:txLinClrLst/>
+    <dgm:txFillClrLst meth="repeat">
+      <a:schemeClr val="tx1"/>
+    </dgm:txFillClrLst>
+    <dgm:txEffectClrLst/>
+  </dgm:styleLbl>
+  <dgm:styleLbl name="asst0">
+    <dgm:fillClrLst meth="repeat">
+      <a:schemeClr val="accent1"/>
+    </dgm:fillClrLst>
+    <dgm:linClrLst meth="repeat">
+      <a:schemeClr val="lt1"/>
+    </dgm:linClrLst>
+    <dgm:effectClrLst/>
+    <dgm:txLinClrLst/>
+    <dgm:txFillClrLst/>
+    <dgm:txEffectClrLst/>
+  </dgm:styleLbl>
+  <dgm:styleLbl name="asst1">
+    <dgm:fillClrLst meth="repeat">
+      <a:schemeClr val="accent2"/>
+    </dgm:fillClrLst>
+    <dgm:linClrLst meth="repeat">
+      <a:schemeClr val="lt1"/>
+    </dgm:linClrLst>
+    <dgm:effectClrLst/>
+    <dgm:txLinClrLst/>
+    <dgm:txFillClrLst/>
+    <dgm:txEffectClrLst/>
+  </dgm:styleLbl>
+  <dgm:styleLbl name="asst2">
+    <dgm:fillClrLst>
+      <a:schemeClr val="accent3"/>
+    </dgm:fillClrLst>
+    <dgm:linClrLst meth="repeat">
+      <a:schemeClr val="lt1"/>
+    </dgm:linClrLst>
+    <dgm:effectClrLst/>
+    <dgm:txLinClrLst/>
+    <dgm:txFillClrLst/>
+    <dgm:txEffectClrLst/>
+  </dgm:styleLbl>
+  <dgm:styleLbl name="asst3">
+    <dgm:fillClrLst>
+      <a:schemeClr val="accent4"/>
+    </dgm:fillClrLst>
+    <dgm:linClrLst meth="repeat">
+      <a:schemeClr val="lt1"/>
+    </dgm:linClrLst>
+    <dgm:effectClrLst/>
+    <dgm:txLinClrLst/>
+    <dgm:txFillClrLst/>
+    <dgm:txEffectClrLst/>
+  </dgm:styleLbl>
+  <dgm:styleLbl name="asst4">
+    <dgm:fillClrLst>
+      <a:schemeClr val="accent5"/>
+    </dgm:fillClrLst>
+    <dgm:linClrLst meth="repeat">
+      <a:schemeClr val="lt1"/>
+    </dgm:linClrLst>
+    <dgm:effectClrLst/>
+    <dgm:txLinClrLst/>
+    <dgm:txFillClrLst/>
+    <dgm:txEffectClrLst/>
+  </dgm:styleLbl>
+  <dgm:styleLbl name="parChTrans2D1">
+    <dgm:fillClrLst meth="repeat">
+      <a:schemeClr val="accent2"/>
+    </dgm:fillClrLst>
+    <dgm:linClrLst meth="repeat">
+      <a:schemeClr val="lt1"/>
+    </dgm:linClrLst>
+    <dgm:effectClrLst/>
+    <dgm:txLinClrLst/>
+    <dgm:txFillClrLst meth="repeat">
+      <a:schemeClr val="lt1"/>
+    </dgm:txFillClrLst>
+    <dgm:txEffectClrLst/>
+  </dgm:styleLbl>
+  <dgm:styleLbl name="parChTrans2D2">
+    <dgm:fillClrLst meth="repeat">
+      <a:schemeClr val="accent3"/>
+    </dgm:fillClrLst>
+    <dgm:linClrLst meth="repeat">
+      <a:schemeClr val="lt1"/>
+    </dgm:linClrLst>
+    <dgm:effectClrLst/>
+    <dgm:txLinClrLst/>
+    <dgm:txFillClrLst/>
+    <dgm:txEffectClrLst/>
+  </dgm:styleLbl>
+  <dgm:styleLbl name="parChTrans2D3">
+    <dgm:fillClrLst meth="repeat">
+      <a:schemeClr val="accent4"/>
+    </dgm:fillClrLst>
+    <dgm:linClrLst meth="repeat">
+      <a:schemeClr val="lt1"/>
+    </dgm:linClrLst>
+    <dgm:effectClrLst/>
+    <dgm:txLinClrLst/>
+    <dgm:txFillClrLst/>
+    <dgm:txEffectClrLst/>
+  </dgm:styleLbl>
+  <dgm:styleLbl name="parChTrans2D4">
+    <dgm:fillClrLst meth="repeat">
+      <a:schemeClr val="accent5"/>
+    </dgm:fillClrLst>
+    <dgm:linClrLst meth="repeat">
+      <a:schemeClr val="lt1"/>
+    </dgm:linClrLst>
+    <dgm:effectClrLst/>
+    <dgm:txLinClrLst/>
+    <dgm:txFillClrLst meth="repeat">
+      <a:schemeClr val="lt1"/>
+    </dgm:txFillClrLst>
+    <dgm:txEffectClrLst/>
+  </dgm:styleLbl>
+  <dgm:styleLbl name="parChTrans1D1">
+    <dgm:fillClrLst meth="repeat">
+      <a:schemeClr val="accent2"/>
+    </dgm:fillClrLst>
+    <dgm:linClrLst meth="repeat">
+      <a:schemeClr val="accent1"/>
+    </dgm:linClrLst>
+    <dgm:effectClrLst/>
+    <dgm:txLinClrLst/>
+    <dgm:txFillClrLst meth="repeat">
+      <a:schemeClr val="tx1"/>
+    </dgm:txFillClrLst>
+    <dgm:txEffectClrLst/>
+  </dgm:styleLbl>
+  <dgm:styleLbl name="parChTrans1D2">
+    <dgm:fillClrLst meth="repeat">
+      <a:schemeClr val="accent3">
+        <a:tint val="90000"/>
+      </a:schemeClr>
+    </dgm:fillClrLst>
+    <dgm:linClrLst meth="repeat">
+      <a:schemeClr val="accent2"/>
+    </dgm:linClrLst>
+    <dgm:effectClrLst/>
+    <dgm:txLinClrLst/>
+    <dgm:txFillClrLst meth="repeat">
+      <a:schemeClr val="tx1"/>
+    </dgm:txFillClrLst>
+    <dgm:txEffectClrLst/>
+  </dgm:styleLbl>
+  <dgm:styleLbl name="parChTrans1D3">
+    <dgm:fillClrLst meth="repeat">
+      <a:schemeClr val="accent4">
+        <a:tint val="70000"/>
+      </a:schemeClr>
+    </dgm:fillClrLst>
+    <dgm:linClrLst meth="repeat">
+      <a:schemeClr val="accent3"/>
+    </dgm:linClrLst>
+    <dgm:effectClrLst/>
+    <dgm:txLinClrLst/>
+    <dgm:txFillClrLst meth="repeat">
+      <a:schemeClr val="tx1"/>
+    </dgm:txFillClrLst>
+    <dgm:txEffectClrLst/>
+  </dgm:styleLbl>
+  <dgm:styleLbl name="parChTrans1D4">
+    <dgm:fillClrLst meth="repeat">
+      <a:schemeClr val="accent5">
+        <a:tint val="50000"/>
+      </a:schemeClr>
+    </dgm:fillClrLst>
+    <dgm:linClrLst meth="repeat">
+      <a:schemeClr val="accent4"/>
+    </dgm:linClrLst>
+    <dgm:effectClrLst/>
+    <dgm:txLinClrLst/>
+    <dgm:txFillClrLst meth="repeat">
+      <a:schemeClr val="tx1"/>
+    </dgm:txFillClrLst>
+    <dgm:txEffectClrLst/>
+  </dgm:styleLbl>
+  <dgm:styleLbl name="fgAcc1">
+    <dgm:fillClrLst meth="repeat">
+      <a:schemeClr val="lt1">
+        <a:alpha val="90000"/>
+      </a:schemeClr>
+    </dgm:fillClrLst>
+    <dgm:linClrLst meth="repeat">
+      <a:schemeClr val="accent2"/>
+      <a:schemeClr val="accent3"/>
+      <a:schemeClr val="accent4"/>
+      <a:schemeClr val="accent5"/>
+      <a:schemeClr val="accent6"/>
+    </dgm:linClrLst>
+    <dgm:effectClrLst/>
+    <dgm:txLinClrLst/>
+    <dgm:txFillClrLst meth="repeat">
+      <a:schemeClr val="dk1"/>
+    </dgm:txFillClrLst>
+    <dgm:txEffectClrLst/>
+  </dgm:styleLbl>
+  <dgm:styleLbl name="conFgAcc1">
+    <dgm:fillClrLst meth="repeat">
+      <a:schemeClr val="lt1">
+        <a:alpha val="90000"/>
+      </a:schemeClr>
+    </dgm:fillClrLst>
+    <dgm:linClrLst meth="repeat">
+      <a:schemeClr val="accent2"/>
+      <a:schemeClr val="accent3"/>
+      <a:schemeClr val="accent4"/>
+      <a:schemeClr val="accent5"/>
+      <a:schemeClr val="accent6"/>
+    </dgm:linClrLst>
+    <dgm:effectClrLst/>
+    <dgm:txLinClrLst/>
+    <dgm:txFillClrLst meth="repeat">
+      <a:schemeClr val="dk1"/>
+    </dgm:txFillClrLst>
+    <dgm:txEffectClrLst/>
+  </dgm:styleLbl>
+  <dgm:styleLbl name="alignAcc1">
+    <dgm:fillClrLst meth="repeat">
+      <a:schemeClr val="lt1">
+        <a:alpha val="90000"/>
+      </a:schemeClr>
+    </dgm:fillClrLst>
+    <dgm:linClrLst meth="repeat">
+      <a:schemeClr val="accent2"/>
+      <a:schemeClr val="accent3"/>
+      <a:schemeClr val="accent4"/>
+      <a:schemeClr val="accent5"/>
+      <a:schemeClr val="accent6"/>
+    </dgm:linClrLst>
+    <dgm:effectClrLst/>
+    <dgm:txLinClrLst/>
+    <dgm:txFillClrLst meth="repeat">
+      <a:schemeClr val="dk1"/>
+    </dgm:txFillClrLst>
+    <dgm:txEffectClrLst/>
+  </dgm:styleLbl>
+  <dgm:styleLbl name="trAlignAcc1">
+    <dgm:fillClrLst meth="repeat">
+      <a:schemeClr val="lt1">
+        <a:alpha val="40000"/>
+      </a:schemeClr>
+    </dgm:fillClrLst>
+    <dgm:linClrLst meth="repeat">
+      <a:schemeClr val="accent1"/>
+    </dgm:linClrLst>
+    <dgm:effectClrLst/>
+    <dgm:txLinClrLst/>
+    <dgm:txFillClrLst meth="repeat">
+      <a:schemeClr val="dk1"/>
+    </dgm:txFillClrLst>
+    <dgm:txEffectClrLst/>
+  </dgm:styleLbl>
+  <dgm:styleLbl name="bgAcc1">
+    <dgm:fillClrLst meth="repeat">
+      <a:schemeClr val="lt1">
+        <a:alpha val="90000"/>
+      </a:schemeClr>
+    </dgm:fillClrLst>
+    <dgm:linClrLst meth="repeat">
+      <a:schemeClr val="accent2"/>
+      <a:schemeClr val="accent3"/>
+      <a:schemeClr val="accent4"/>
+      <a:schemeClr val="accent5"/>
+      <a:schemeClr val="accent6"/>
+    </dgm:linClrLst>
+    <dgm:effectClrLst/>
+    <dgm:txLinClrLst/>
+    <dgm:txFillClrLst meth="repeat">
+      <a:schemeClr val="dk1"/>
+    </dgm:txFillClrLst>
+    <dgm:txEffectClrLst/>
+  </dgm:styleLbl>
+  <dgm:styleLbl name="solidFgAcc1">
+    <dgm:fillClrLst meth="repeat">
+      <a:schemeClr val="lt1"/>
+    </dgm:fillClrLst>
+    <dgm:linClrLst meth="repeat">
+      <a:schemeClr val="accent2"/>
+      <a:schemeClr val="accent3"/>
+      <a:schemeClr val="accent4"/>
+      <a:schemeClr val="accent5"/>
+      <a:schemeClr val="accent6"/>
+    </dgm:linClrLst>
+    <dgm:effectClrLst/>
+    <dgm:txLinClrLst/>
+    <dgm:txFillClrLst meth="repeat">
+      <a:schemeClr val="dk1"/>
+    </dgm:txFillClrLst>
+    <dgm:txEffectClrLst/>
+  </dgm:styleLbl>
+  <dgm:styleLbl name="solidAlignAcc1">
+    <dgm:fillClrLst meth="repeat">
+      <a:schemeClr val="lt1"/>
+    </dgm:fillClrLst>
+    <dgm:linClrLst meth="repeat">
+      <a:schemeClr val="accent2"/>
+      <a:schemeClr val="accent3"/>
+      <a:schemeClr val="accent4"/>
+      <a:schemeClr val="accent5"/>
+      <a:schemeClr val="accent6"/>
+    </dgm:linClrLst>
+    <dgm:effectClrLst/>
+    <dgm:txLinClrLst/>
+    <dgm:txFillClrLst meth="repeat">
+      <a:schemeClr val="dk1"/>
+    </dgm:txFillClrLst>
+    <dgm:txEffectClrLst/>
+  </dgm:styleLbl>
+  <dgm:styleLbl name="solidBgAcc1">
+    <dgm:fillClrLst meth="repeat">
+      <a:schemeClr val="lt1"/>
+    </dgm:fillClrLst>
+    <dgm:linClrLst meth="repeat">
+      <a:schemeClr val="accent2"/>
+      <a:schemeClr val="accent3"/>
+      <a:schemeClr val="accent4"/>
+      <a:schemeClr val="accent5"/>
+      <a:schemeClr val="accent6"/>
+    </dgm:linClrLst>
+    <dgm:effectClrLst/>
+    <dgm:txLinClrLst/>
+    <dgm:txFillClrLst meth="repeat">
+      <a:schemeClr val="dk1"/>
+    </dgm:txFillClrLst>
+    <dgm:txEffectClrLst/>
+  </dgm:styleLbl>
+  <dgm:styleLbl name="fgAccFollowNode1">
+    <dgm:fillClrLst meth="repeat">
+      <a:schemeClr val="accent2">
+        <a:tint val="40000"/>
+        <a:alpha val="90000"/>
+      </a:schemeClr>
+      <a:schemeClr val="accent3">
+        <a:tint val="40000"/>
+        <a:alpha val="90000"/>
+      </a:schemeClr>
+      <a:schemeClr val="accent4">
+        <a:tint val="40000"/>
+        <a:alpha val="90000"/>
+      </a:schemeClr>
+      <a:schemeClr val="accent5">
+        <a:tint val="40000"/>
+        <a:alpha val="90000"/>
+      </a:schemeClr>
+      <a:schemeClr val="accent6">
+        <a:tint val="40000"/>
+        <a:alpha val="90000"/>
+      </a:schemeClr>
+    </dgm:fillClrLst>
+    <dgm:linClrLst meth="repeat">
+      <a:schemeClr val="accent2">
+        <a:tint val="40000"/>
+        <a:alpha val="90000"/>
+      </a:schemeClr>
+      <a:schemeClr val="accent3">
+        <a:tint val="40000"/>
+        <a:alpha val="90000"/>
+      </a:schemeClr>
+      <a:schemeClr val="accent4">
+        <a:tint val="40000"/>
+        <a:alpha val="90000"/>
+      </a:schemeClr>
+      <a:schemeClr val="accent5">
+        <a:tint val="40000"/>
+        <a:alpha val="90000"/>
+      </a:schemeClr>
+      <a:schemeClr val="accent6">
+        <a:tint val="40000"/>
+        <a:alpha val="90000"/>
+      </a:schemeClr>
+    </dgm:linClrLst>
+    <dgm:effectClrLst/>
+    <dgm:txLinClrLst/>
+    <dgm:txFillClrLst meth="repeat">
+      <a:schemeClr val="dk1"/>
+    </dgm:txFillClrLst>
+    <dgm:txEffectClrLst/>
+  </dgm:styleLbl>
+  <dgm:styleLbl name="alignAccFollowNode1">
+    <dgm:fillClrLst meth="repeat">
+      <a:schemeClr val="accent2">
+        <a:tint val="40000"/>
+        <a:alpha val="90000"/>
+      </a:schemeClr>
+      <a:schemeClr val="accent3">
+        <a:tint val="40000"/>
+        <a:alpha val="90000"/>
+      </a:schemeClr>
+      <a:schemeClr val="accent4">
+        <a:tint val="40000"/>
+        <a:alpha val="90000"/>
+      </a:schemeClr>
+      <a:schemeClr val="accent5">
+        <a:tint val="40000"/>
+        <a:alpha val="90000"/>
+      </a:schemeClr>
+      <a:schemeClr val="accent6">
+        <a:tint val="40000"/>
+        <a:alpha val="90000"/>
+      </a:schemeClr>
+    </dgm:fillClrLst>
+    <dgm:linClrLst meth="repeat">
+      <a:schemeClr val="accent2">
+        <a:tint val="40000"/>
+        <a:alpha val="90000"/>
+      </a:schemeClr>
+      <a:schemeClr val="accent3">
+        <a:tint val="40000"/>
+        <a:alpha val="90000"/>
+      </a:schemeClr>
+      <a:schemeClr val="accent4">
+        <a:tint val="40000"/>
+        <a:alpha val="90000"/>
+      </a:schemeClr>
+      <a:schemeClr val="accent5">
+        <a:tint val="40000"/>
+        <a:alpha val="90000"/>
+      </a:schemeClr>
+      <a:schemeClr val="accent6">
+        <a:tint val="40000"/>
+        <a:alpha val="90000"/>
+      </a:schemeClr>
+    </dgm:linClrLst>
+    <dgm:effectClrLst/>
+    <dgm:txLinClrLst/>
+    <dgm:txFillClrLst meth="repeat">
+      <a:schemeClr val="dk1"/>
+    </dgm:txFillClrLst>
+    <dgm:txEffectClrLst/>
+  </dgm:styleLbl>
+  <dgm:styleLbl name="bgAccFollowNode1">
+    <dgm:fillClrLst meth="repeat">
+      <a:schemeClr val="accent2">
+        <a:tint val="40000"/>
+        <a:alpha val="90000"/>
+      </a:schemeClr>
+      <a:schemeClr val="accent3">
+        <a:tint val="40000"/>
+        <a:alpha val="90000"/>
+      </a:schemeClr>
+      <a:schemeClr val="accent4">
+        <a:tint val="40000"/>
+        <a:alpha val="90000"/>
+      </a:schemeClr>
+      <a:schemeClr val="accent5">
+        <a:tint val="40000"/>
+        <a:alpha val="90000"/>
+      </a:schemeClr>
+      <a:schemeClr val="accent6">
+        <a:tint val="40000"/>
+        <a:alpha val="90000"/>
+      </a:schemeClr>
+    </dgm:fillClrLst>
+    <dgm:linClrLst meth="repeat">
+      <a:schemeClr val="accent2">
+        <a:tint val="40000"/>
+        <a:alpha val="90000"/>
+      </a:schemeClr>
+      <a:schemeClr val="accent3">
+        <a:tint val="40000"/>
+        <a:alpha val="90000"/>
+      </a:schemeClr>
+      <a:schemeClr val="accent4">
+        <a:tint val="40000"/>
+        <a:alpha val="90000"/>
+      </a:schemeClr>
+      <a:schemeClr val="accent5">
+        <a:tint val="40000"/>
+        <a:alpha val="90000"/>
+      </a:schemeClr>
+      <a:schemeClr val="accent6">
+        <a:tint val="40000"/>
+        <a:alpha val="90000"/>
+      </a:schemeClr>
+    </dgm:linClrLst>
+    <dgm:effectClrLst/>
+    <dgm:txLinClrLst/>
+    <dgm:txFillClrLst meth="repeat">
+      <a:schemeClr val="dk1"/>
+    </dgm:txFillClrLst>
+    <dgm:txEffectClrLst/>
+  </dgm:styleLbl>
+  <dgm:styleLbl name="fgAcc0">
+    <dgm:fillClrLst meth="repeat">
+      <a:schemeClr val="lt1">
+        <a:alpha val="90000"/>
+      </a:schemeClr>
+    </dgm:fillClrLst>
+    <dgm:linClrLst>
+      <a:schemeClr val="accent1"/>
+    </dgm:linClrLst>
+    <dgm:effectClrLst/>
+    <dgm:txLinClrLst/>
+    <dgm:txFillClrLst meth="repeat">
+      <a:schemeClr val="dk1"/>
+    </dgm:txFillClrLst>
+    <dgm:txEffectClrLst/>
+  </dgm:styleLbl>
+  <dgm:styleLbl name="fgAcc2">
+    <dgm:fillClrLst meth="repeat">
+      <a:schemeClr val="lt1">
+        <a:alpha val="90000"/>
+      </a:schemeClr>
+    </dgm:fillClrLst>
+    <dgm:linClrLst>
+      <a:schemeClr val="accent2"/>
+    </dgm:linClrLst>
+    <dgm:effectClrLst/>
+    <dgm:txLinClrLst/>
+    <dgm:txFillClrLst meth="repeat">
+      <a:schemeClr val="dk1"/>
+    </dgm:txFillClrLst>
+    <dgm:txEffectClrLst/>
+  </dgm:styleLbl>
+  <dgm:styleLbl name="fgAcc3">
+    <dgm:fillClrLst meth="repeat">
+      <a:schemeClr val="lt1">
+        <a:alpha val="90000"/>
+      </a:schemeClr>
+    </dgm:fillClrLst>
+    <dgm:linClrLst>
+      <a:schemeClr val="accent3"/>
+    </dgm:linClrLst>
+    <dgm:effectClrLst/>
+    <dgm:txLinClrLst/>
+    <dgm:txFillClrLst meth="repeat">
+      <a:schemeClr val="dk1"/>
+    </dgm:txFillClrLst>
+    <dgm:txEffectClrLst/>
+  </dgm:styleLbl>
+  <dgm:styleLbl name="fgAcc4">
+    <dgm:fillClrLst meth="repeat">
+      <a:schemeClr val="lt1">
+        <a:alpha val="90000"/>
+      </a:schemeClr>
+    </dgm:fillClrLst>
+    <dgm:linClrLst>
+      <a:schemeClr val="accent4"/>
+    </dgm:linClrLst>
+    <dgm:effectClrLst/>
+    <dgm:txLinClrLst/>
+    <dgm:txFillClrLst meth="repeat">
+      <a:schemeClr val="dk1"/>
+    </dgm:txFillClrLst>
+    <dgm:txEffectClrLst/>
+  </dgm:styleLbl>
+  <dgm:styleLbl name="bgShp">
+    <dgm:fillClrLst meth="repeat">
+      <a:schemeClr val="accent2">
+        <a:tint val="40000"/>
+      </a:schemeClr>
+    </dgm:fillClrLst>
+    <dgm:linClrLst meth="repeat">
+      <a:schemeClr val="dk1"/>
+    </dgm:linClrLst>
+    <dgm:effectClrLst/>
+    <dgm:txLinClrLst/>
+    <dgm:txFillClrLst meth="repeat">
+      <a:schemeClr val="dk1"/>
+    </dgm:txFillClrLst>
+    <dgm:txEffectClrLst/>
+  </dgm:styleLbl>
+  <dgm:styleLbl name="dkBgShp">
+    <dgm:fillClrLst meth="repeat">
+      <a:schemeClr val="accent2">
+        <a:shade val="90000"/>
+      </a:schemeClr>
+    </dgm:fillClrLst>
+    <dgm:linClrLst meth="repeat">
+      <a:schemeClr val="dk1"/>
+    </dgm:linClrLst>
+    <dgm:effectClrLst/>
+    <dgm:txLinClrLst/>
+    <dgm:txFillClrLst meth="repeat">
+      <a:schemeClr val="lt1"/>
+    </dgm:txFillClrLst>
+    <dgm:txEffectClrLst/>
+  </dgm:styleLbl>
+  <dgm:styleLbl name="trBgShp">
+    <dgm:fillClrLst meth="repeat">
+      <a:schemeClr val="accent1">
+        <a:tint val="50000"/>
+        <a:alpha val="40000"/>
+      </a:schemeClr>
+    </dgm:fillClrLst>
+    <dgm:linClrLst meth="repeat">
+      <a:schemeClr val="accent2"/>
+    </dgm:linClrLst>
+    <dgm:effectClrLst/>
+    <dgm:txLinClrLst/>
+    <dgm:txFillClrLst meth="repeat">
+      <a:schemeClr val="lt1"/>
+    </dgm:txFillClrLst>
+    <dgm:txEffectClrLst/>
+  </dgm:styleLbl>
+  <dgm:styleLbl name="fgShp">
+    <dgm:fillClrLst meth="repeat">
+      <a:schemeClr val="accent2">
+        <a:tint val="40000"/>
       </a:schemeClr>
     </dgm:fillClrLst>
     <dgm:linClrLst meth="repeat">
@@ -1224,10 +2144,104 @@
   <dgm:whole/>
   <dgm:extLst>
     <a:ext uri="http://schemas.microsoft.com/office/drawing/2008/diagram">
-      <dsp:dataModelExt xmlns:dsp="http://schemas.microsoft.com/office/drawing/2008/diagram" relId="rId6" minVer="http://schemas.openxmlformats.org/drawingml/2006/diagram"/>
+      <dsp:dataModelExt xmlns:dsp="http://schemas.microsoft.com/office/drawing/2008/diagram" relId="rId7" minVer="http://schemas.openxmlformats.org/drawingml/2006/diagram"/>
     </a:ext>
     <a:ext uri="{C62137D5-CB1D-491B-B009-E17868A290BF}">
       <dgm14:recolorImg xmlns:dgm14="http://schemas.microsoft.com/office/drawing/2010/diagram" val="1"/>
+    </a:ext>
+  </dgm:extLst>
+</dgm:dataModel>
+</file>
+
+<file path=ppt/diagrams/data2.xml><?xml version="1.0" encoding="utf-8"?>
+<dgm:dataModel xmlns:dgm="http://schemas.openxmlformats.org/drawingml/2006/diagram" xmlns:a="http://schemas.openxmlformats.org/drawingml/2006/main">
+  <dgm:ptLst>
+    <dgm:pt modelId="{8524D429-76D5-4657-8910-CB36DADD6EB9}" type="doc">
+      <dgm:prSet loTypeId="urn:microsoft.com/office/officeart/2005/8/layout/vList2" loCatId="list" qsTypeId="urn:microsoft.com/office/officeart/2005/8/quickstyle/simple3" qsCatId="simple" csTypeId="urn:microsoft.com/office/officeart/2005/8/colors/colorful1" csCatId="colorful"/>
+      <dgm:spPr/>
+      <dgm:t>
+        <a:bodyPr/>
+        <a:lstStyle/>
+        <a:p>
+          <a:pPr rtl="1"/>
+          <a:endParaRPr lang="fa-IR"/>
+        </a:p>
+      </dgm:t>
+    </dgm:pt>
+    <dgm:pt modelId="{4C3DB20C-00DC-4078-8BEC-22DC1430293C}">
+      <dgm:prSet custT="1"/>
+      <dgm:spPr/>
+      <dgm:t>
+        <a:bodyPr/>
+        <a:lstStyle/>
+        <a:p>
+          <a:pPr algn="ctr" rtl="1"/>
+          <a:r>
+            <a:rPr lang="fa-IR" sz="2400" b="1" dirty="0">
+              <a:cs typeface="B Nazanin" panose="00000400000000000000" pitchFamily="2" charset="-78"/>
+            </a:rPr>
+            <a:t>منابع دانش و اطلاعات دلخواه</a:t>
+          </a:r>
+          <a:endParaRPr lang="fa-IR" sz="2400" dirty="0">
+            <a:cs typeface="B Nazanin" panose="00000400000000000000" pitchFamily="2" charset="-78"/>
+          </a:endParaRPr>
+        </a:p>
+      </dgm:t>
+    </dgm:pt>
+    <dgm:pt modelId="{0876256F-FD7F-4A30-A3BF-AF5DE44AAFBF}" type="parTrans" cxnId="{46F38E6A-7356-45AC-9661-E03A92BCB6A8}">
+      <dgm:prSet/>
+      <dgm:spPr/>
+      <dgm:t>
+        <a:bodyPr/>
+        <a:lstStyle/>
+        <a:p>
+          <a:pPr rtl="1"/>
+          <a:endParaRPr lang="fa-IR"/>
+        </a:p>
+      </dgm:t>
+    </dgm:pt>
+    <dgm:pt modelId="{6A9A95F4-3A4B-478E-ACCE-E83B320D3B79}" type="sibTrans" cxnId="{46F38E6A-7356-45AC-9661-E03A92BCB6A8}">
+      <dgm:prSet/>
+      <dgm:spPr/>
+      <dgm:t>
+        <a:bodyPr/>
+        <a:lstStyle/>
+        <a:p>
+          <a:pPr rtl="1"/>
+          <a:endParaRPr lang="fa-IR"/>
+        </a:p>
+      </dgm:t>
+    </dgm:pt>
+    <dgm:pt modelId="{7D0CD919-E9B5-4E80-AEC9-298E51DF8380}" type="pres">
+      <dgm:prSet presAssocID="{8524D429-76D5-4657-8910-CB36DADD6EB9}" presName="linear" presStyleCnt="0">
+        <dgm:presLayoutVars>
+          <dgm:animLvl val="lvl"/>
+          <dgm:resizeHandles val="exact"/>
+        </dgm:presLayoutVars>
+      </dgm:prSet>
+      <dgm:spPr/>
+    </dgm:pt>
+    <dgm:pt modelId="{1E414AF4-5DA0-4285-83B3-A4DF1F559D0E}" type="pres">
+      <dgm:prSet presAssocID="{4C3DB20C-00DC-4078-8BEC-22DC1430293C}" presName="parentText" presStyleLbl="node1" presStyleIdx="0" presStyleCnt="1" custLinFactNeighborX="-13408" custLinFactNeighborY="-2794">
+        <dgm:presLayoutVars>
+          <dgm:chMax val="0"/>
+          <dgm:bulletEnabled val="1"/>
+        </dgm:presLayoutVars>
+      </dgm:prSet>
+      <dgm:spPr/>
+    </dgm:pt>
+  </dgm:ptLst>
+  <dgm:cxnLst>
+    <dgm:cxn modelId="{5B6CAF17-A827-4EA3-96BB-9D39890D92C8}" type="presOf" srcId="{4C3DB20C-00DC-4078-8BEC-22DC1430293C}" destId="{1E414AF4-5DA0-4285-83B3-A4DF1F559D0E}" srcOrd="0" destOrd="0" presId="urn:microsoft.com/office/officeart/2005/8/layout/vList2"/>
+    <dgm:cxn modelId="{D84B1F27-3596-4759-9BD7-C19C3936F540}" type="presOf" srcId="{8524D429-76D5-4657-8910-CB36DADD6EB9}" destId="{7D0CD919-E9B5-4E80-AEC9-298E51DF8380}" srcOrd="0" destOrd="0" presId="urn:microsoft.com/office/officeart/2005/8/layout/vList2"/>
+    <dgm:cxn modelId="{46F38E6A-7356-45AC-9661-E03A92BCB6A8}" srcId="{8524D429-76D5-4657-8910-CB36DADD6EB9}" destId="{4C3DB20C-00DC-4078-8BEC-22DC1430293C}" srcOrd="0" destOrd="0" parTransId="{0876256F-FD7F-4A30-A3BF-AF5DE44AAFBF}" sibTransId="{6A9A95F4-3A4B-478E-ACCE-E83B320D3B79}"/>
+    <dgm:cxn modelId="{D98B1E6F-4F33-44C6-A011-55DCB95B4916}" type="presParOf" srcId="{7D0CD919-E9B5-4E80-AEC9-298E51DF8380}" destId="{1E414AF4-5DA0-4285-83B3-A4DF1F559D0E}" srcOrd="0" destOrd="0" presId="urn:microsoft.com/office/officeart/2005/8/layout/vList2"/>
+  </dgm:cxnLst>
+  <dgm:bg/>
+  <dgm:whole/>
+  <dgm:extLst>
+    <a:ext uri="http://schemas.microsoft.com/office/drawing/2008/diagram">
+      <dsp:dataModelExt xmlns:dsp="http://schemas.microsoft.com/office/drawing/2008/diagram" relId="rId12" minVer="http://schemas.openxmlformats.org/drawingml/2006/diagram"/>
     </a:ext>
   </dgm:extLst>
 </dgm:dataModel>
@@ -1249,7 +2263,7 @@
       <dsp:spPr>
         <a:xfrm>
           <a:off x="0" y="4871"/>
-          <a:ext cx="2022763" cy="593775"/>
+          <a:ext cx="1799355" cy="593775"/>
         </a:xfrm>
         <a:prstGeom prst="roundRect">
           <a:avLst/>
@@ -1349,7 +2363,7 @@
       </dsp:txBody>
       <dsp:txXfrm>
         <a:off x="28986" y="33857"/>
-        <a:ext cx="1964791" cy="535803"/>
+        <a:ext cx="1741383" cy="535803"/>
       </dsp:txXfrm>
     </dsp:sp>
     <dsp:sp modelId="{C57268A3-E864-4C73-8DE7-94B3BCF7AFEA}">
@@ -1360,7 +2374,7 @@
       <dsp:spPr>
         <a:xfrm>
           <a:off x="0" y="682166"/>
-          <a:ext cx="2022763" cy="593775"/>
+          <a:ext cx="1799355" cy="593775"/>
         </a:xfrm>
         <a:prstGeom prst="roundRect">
           <a:avLst/>
@@ -1466,7 +2480,7 @@
       </dsp:txBody>
       <dsp:txXfrm>
         <a:off x="28986" y="711152"/>
-        <a:ext cx="1964791" cy="535803"/>
+        <a:ext cx="1741383" cy="535803"/>
       </dsp:txXfrm>
     </dsp:sp>
     <dsp:sp modelId="{842763DB-A544-47BF-A6F6-9BAB67F6C350}">
@@ -1477,7 +2491,7 @@
       <dsp:spPr>
         <a:xfrm>
           <a:off x="0" y="1359461"/>
-          <a:ext cx="2022763" cy="593775"/>
+          <a:ext cx="1799355" cy="593775"/>
         </a:xfrm>
         <a:prstGeom prst="roundRect">
           <a:avLst/>
@@ -1577,7 +2591,130 @@
       </dsp:txBody>
       <dsp:txXfrm>
         <a:off x="28986" y="1388447"/>
-        <a:ext cx="1964791" cy="535803"/>
+        <a:ext cx="1741383" cy="535803"/>
+      </dsp:txXfrm>
+    </dsp:sp>
+  </dsp:spTree>
+</dsp:drawing>
+</file>
+
+<file path=ppt/diagrams/drawing2.xml><?xml version="1.0" encoding="utf-8"?>
+<dsp:drawing xmlns:dgm="http://schemas.openxmlformats.org/drawingml/2006/diagram" xmlns:dsp="http://schemas.microsoft.com/office/drawing/2008/diagram" xmlns:a="http://schemas.openxmlformats.org/drawingml/2006/main">
+  <dsp:spTree>
+    <dsp:nvGrpSpPr>
+      <dsp:cNvPr id="0" name=""/>
+      <dsp:cNvGrpSpPr/>
+    </dsp:nvGrpSpPr>
+    <dsp:grpSpPr/>
+    <dsp:sp modelId="{1E414AF4-5DA0-4285-83B3-A4DF1F559D0E}">
+      <dsp:nvSpPr>
+        <dsp:cNvPr id="0" name=""/>
+        <dsp:cNvSpPr/>
+      </dsp:nvSpPr>
+      <dsp:spPr>
+        <a:xfrm>
+          <a:off x="0" y="0"/>
+          <a:ext cx="3406487" cy="461373"/>
+        </a:xfrm>
+        <a:prstGeom prst="roundRect">
+          <a:avLst/>
+        </a:prstGeom>
+        <a:gradFill rotWithShape="0">
+          <a:gsLst>
+            <a:gs pos="0">
+              <a:schemeClr val="accent2">
+                <a:hueOff val="0"/>
+                <a:satOff val="0"/>
+                <a:lumOff val="0"/>
+                <a:alphaOff val="0"/>
+                <a:lumMod val="110000"/>
+                <a:satMod val="105000"/>
+                <a:tint val="67000"/>
+              </a:schemeClr>
+            </a:gs>
+            <a:gs pos="50000">
+              <a:schemeClr val="accent2">
+                <a:hueOff val="0"/>
+                <a:satOff val="0"/>
+                <a:lumOff val="0"/>
+                <a:alphaOff val="0"/>
+                <a:lumMod val="105000"/>
+                <a:satMod val="103000"/>
+                <a:tint val="73000"/>
+              </a:schemeClr>
+            </a:gs>
+            <a:gs pos="100000">
+              <a:schemeClr val="accent2">
+                <a:hueOff val="0"/>
+                <a:satOff val="0"/>
+                <a:lumOff val="0"/>
+                <a:alphaOff val="0"/>
+                <a:lumMod val="105000"/>
+                <a:satMod val="109000"/>
+                <a:tint val="81000"/>
+              </a:schemeClr>
+            </a:gs>
+          </a:gsLst>
+          <a:lin ang="5400000" scaled="0"/>
+        </a:gradFill>
+        <a:ln>
+          <a:noFill/>
+        </a:ln>
+        <a:effectLst/>
+        <a:scene3d>
+          <a:camera prst="orthographicFront"/>
+          <a:lightRig rig="flat" dir="t"/>
+        </a:scene3d>
+        <a:sp3d prstMaterial="dkEdge">
+          <a:bevelT w="8200" h="38100"/>
+        </a:sp3d>
+      </dsp:spPr>
+      <dsp:style>
+        <a:lnRef idx="0">
+          <a:scrgbClr r="0" g="0" b="0"/>
+        </a:lnRef>
+        <a:fillRef idx="2">
+          <a:scrgbClr r="0" g="0" b="0"/>
+        </a:fillRef>
+        <a:effectRef idx="1">
+          <a:scrgbClr r="0" g="0" b="0"/>
+        </a:effectRef>
+        <a:fontRef idx="minor">
+          <a:schemeClr val="dk1"/>
+        </a:fontRef>
+      </dsp:style>
+      <dsp:txBody>
+        <a:bodyPr spcFirstLastPara="0" vert="horz" wrap="square" lIns="91440" tIns="91440" rIns="91440" bIns="91440" numCol="1" spcCol="1270" anchor="ctr" anchorCtr="0">
+          <a:noAutofit/>
+        </a:bodyPr>
+        <a:lstStyle/>
+        <a:p>
+          <a:pPr marL="0" lvl="0" indent="0" algn="ctr" defTabSz="1066800" rtl="1">
+            <a:lnSpc>
+              <a:spcPct val="90000"/>
+            </a:lnSpc>
+            <a:spcBef>
+              <a:spcPct val="0"/>
+            </a:spcBef>
+            <a:spcAft>
+              <a:spcPct val="35000"/>
+            </a:spcAft>
+            <a:buNone/>
+          </a:pPr>
+          <a:r>
+            <a:rPr lang="fa-IR" sz="2400" b="1" kern="1200" dirty="0">
+              <a:cs typeface="B Nazanin" panose="00000400000000000000" pitchFamily="2" charset="-78"/>
+            </a:rPr>
+            <a:t>منابع دانش و اطلاعات دلخواه</a:t>
+          </a:r>
+          <a:endParaRPr lang="fa-IR" sz="2400" kern="1200" dirty="0">
+            <a:cs typeface="B Nazanin" panose="00000400000000000000" pitchFamily="2" charset="-78"/>
+          </a:endParaRPr>
+        </a:p>
+      </dsp:txBody>
+      <dsp:txXfrm>
+        <a:off x="22522" y="22522"/>
+        <a:ext cx="3361443" cy="416329"/>
       </dsp:txXfrm>
     </dsp:sp>
   </dsp:spTree>
@@ -1585,6 +2722,173 @@
 </file>
 
 <file path=ppt/diagrams/layout1.xml><?xml version="1.0" encoding="utf-8"?>
+<dgm:layoutDef xmlns:dgm="http://schemas.openxmlformats.org/drawingml/2006/diagram" xmlns:a="http://schemas.openxmlformats.org/drawingml/2006/main" uniqueId="urn:microsoft.com/office/officeart/2005/8/layout/vList2">
+  <dgm:title val=""/>
+  <dgm:desc val=""/>
+  <dgm:catLst>
+    <dgm:cat type="list" pri="3000"/>
+    <dgm:cat type="convert" pri="1000"/>
+  </dgm:catLst>
+  <dgm:sampData>
+    <dgm:dataModel>
+      <dgm:ptLst>
+        <dgm:pt modelId="0" type="doc"/>
+        <dgm:pt modelId="1">
+          <dgm:prSet phldr="1"/>
+        </dgm:pt>
+        <dgm:pt modelId="11">
+          <dgm:prSet phldr="1"/>
+        </dgm:pt>
+        <dgm:pt modelId="2">
+          <dgm:prSet phldr="1"/>
+        </dgm:pt>
+        <dgm:pt modelId="21">
+          <dgm:prSet phldr="1"/>
+        </dgm:pt>
+      </dgm:ptLst>
+      <dgm:cxnLst>
+        <dgm:cxn modelId="4" srcId="0" destId="1" srcOrd="0" destOrd="0"/>
+        <dgm:cxn modelId="5" srcId="0" destId="2" srcOrd="1" destOrd="0"/>
+        <dgm:cxn modelId="12" srcId="1" destId="11" srcOrd="0" destOrd="0"/>
+        <dgm:cxn modelId="23" srcId="2" destId="21" srcOrd="0" destOrd="0"/>
+      </dgm:cxnLst>
+      <dgm:bg/>
+      <dgm:whole/>
+    </dgm:dataModel>
+  </dgm:sampData>
+  <dgm:styleData>
+    <dgm:dataModel>
+      <dgm:ptLst>
+        <dgm:pt modelId="0" type="doc"/>
+        <dgm:pt modelId="1"/>
+        <dgm:pt modelId="2"/>
+      </dgm:ptLst>
+      <dgm:cxnLst>
+        <dgm:cxn modelId="3" srcId="0" destId="1" srcOrd="0" destOrd="0"/>
+        <dgm:cxn modelId="4" srcId="0" destId="2" srcOrd="1" destOrd="0"/>
+      </dgm:cxnLst>
+      <dgm:bg/>
+      <dgm:whole/>
+    </dgm:dataModel>
+  </dgm:styleData>
+  <dgm:clrData>
+    <dgm:dataModel>
+      <dgm:ptLst>
+        <dgm:pt modelId="0" type="doc"/>
+        <dgm:pt modelId="1"/>
+        <dgm:pt modelId="2"/>
+        <dgm:pt modelId="3"/>
+        <dgm:pt modelId="4"/>
+      </dgm:ptLst>
+      <dgm:cxnLst>
+        <dgm:cxn modelId="5" srcId="0" destId="1" srcOrd="0" destOrd="0"/>
+        <dgm:cxn modelId="6" srcId="0" destId="2" srcOrd="1" destOrd="0"/>
+        <dgm:cxn modelId="7" srcId="0" destId="3" srcOrd="2" destOrd="0"/>
+        <dgm:cxn modelId="8" srcId="0" destId="4" srcOrd="3" destOrd="0"/>
+      </dgm:cxnLst>
+      <dgm:bg/>
+      <dgm:whole/>
+    </dgm:dataModel>
+  </dgm:clrData>
+  <dgm:layoutNode name="linear">
+    <dgm:varLst>
+      <dgm:animLvl val="lvl"/>
+      <dgm:resizeHandles val="exact"/>
+    </dgm:varLst>
+    <dgm:alg type="lin">
+      <dgm:param type="linDir" val="fromT"/>
+      <dgm:param type="vertAlign" val="mid"/>
+    </dgm:alg>
+    <dgm:shape xmlns:r="http://schemas.openxmlformats.org/officeDocument/2006/relationships" r:blip="">
+      <dgm:adjLst/>
+    </dgm:shape>
+    <dgm:presOf/>
+    <dgm:constrLst>
+      <dgm:constr type="w" for="ch" forName="parentText" refType="w"/>
+      <dgm:constr type="h" for="ch" forName="parentText" refType="primFontSz" refFor="ch" refForName="parentText" fact="0.52"/>
+      <dgm:constr type="w" for="ch" forName="childText" refType="w"/>
+      <dgm:constr type="h" for="ch" forName="childText" refType="primFontSz" refFor="ch" refForName="parentText" fact="0.46"/>
+      <dgm:constr type="h" for="ch" forName="parentText" op="equ"/>
+      <dgm:constr type="primFontSz" for="ch" forName="parentText" op="equ" val="65"/>
+      <dgm:constr type="primFontSz" for="ch" forName="childText" refType="primFontSz" refFor="ch" refForName="parentText" op="equ"/>
+      <dgm:constr type="h" for="ch" forName="spacer" refType="primFontSz" refFor="ch" refForName="parentText" fact="0.08"/>
+    </dgm:constrLst>
+    <dgm:ruleLst>
+      <dgm:rule type="primFontSz" for="ch" forName="parentText" val="5" fact="NaN" max="NaN"/>
+    </dgm:ruleLst>
+    <dgm:forEach name="Name0" axis="ch" ptType="node">
+      <dgm:layoutNode name="parentText" styleLbl="node1">
+        <dgm:varLst>
+          <dgm:chMax val="0"/>
+          <dgm:bulletEnabled val="1"/>
+        </dgm:varLst>
+        <dgm:alg type="tx">
+          <dgm:param type="parTxLTRAlign" val="l"/>
+          <dgm:param type="parTxRTLAlign" val="r"/>
+        </dgm:alg>
+        <dgm:shape xmlns:r="http://schemas.openxmlformats.org/officeDocument/2006/relationships" type="roundRect" r:blip="">
+          <dgm:adjLst/>
+        </dgm:shape>
+        <dgm:presOf axis="self"/>
+        <dgm:constrLst>
+          <dgm:constr type="tMarg" refType="primFontSz" fact="0.3"/>
+          <dgm:constr type="bMarg" refType="primFontSz" fact="0.3"/>
+          <dgm:constr type="lMarg" refType="primFontSz" fact="0.3"/>
+          <dgm:constr type="rMarg" refType="primFontSz" fact="0.3"/>
+        </dgm:constrLst>
+        <dgm:ruleLst>
+          <dgm:rule type="h" val="INF" fact="NaN" max="NaN"/>
+        </dgm:ruleLst>
+      </dgm:layoutNode>
+      <dgm:choose name="Name1">
+        <dgm:if name="Name2" axis="ch" ptType="node" func="cnt" op="gte" val="1">
+          <dgm:layoutNode name="childText" styleLbl="revTx">
+            <dgm:varLst>
+              <dgm:bulletEnabled val="1"/>
+            </dgm:varLst>
+            <dgm:alg type="tx">
+              <dgm:param type="stBulletLvl" val="1"/>
+              <dgm:param type="lnSpAfChP" val="20"/>
+            </dgm:alg>
+            <dgm:shape xmlns:r="http://schemas.openxmlformats.org/officeDocument/2006/relationships" type="rect" r:blip="">
+              <dgm:adjLst/>
+            </dgm:shape>
+            <dgm:presOf axis="des" ptType="node"/>
+            <dgm:constrLst>
+              <dgm:constr type="tMarg" refType="primFontSz" fact="0.1"/>
+              <dgm:constr type="bMarg" refType="primFontSz" fact="0.1"/>
+              <dgm:constr type="lMarg" refType="w" fact="0.09"/>
+            </dgm:constrLst>
+            <dgm:ruleLst>
+              <dgm:rule type="h" val="INF" fact="NaN" max="NaN"/>
+            </dgm:ruleLst>
+          </dgm:layoutNode>
+        </dgm:if>
+        <dgm:else name="Name3">
+          <dgm:choose name="Name4">
+            <dgm:if name="Name5" axis="par ch" ptType="doc node" func="cnt" op="gte" val="2">
+              <dgm:forEach name="Name6" axis="followSib" ptType="sibTrans" cnt="1">
+                <dgm:layoutNode name="spacer">
+                  <dgm:alg type="sp"/>
+                  <dgm:shape xmlns:r="http://schemas.openxmlformats.org/officeDocument/2006/relationships" r:blip="">
+                    <dgm:adjLst/>
+                  </dgm:shape>
+                  <dgm:presOf/>
+                  <dgm:constrLst/>
+                  <dgm:ruleLst/>
+                </dgm:layoutNode>
+              </dgm:forEach>
+            </dgm:if>
+            <dgm:else name="Name7"/>
+          </dgm:choose>
+        </dgm:else>
+      </dgm:choose>
+    </dgm:forEach>
+  </dgm:layoutNode>
+</dgm:layoutDef>
+</file>
+
+<file path=ppt/diagrams/layout2.xml><?xml version="1.0" encoding="utf-8"?>
 <dgm:layoutDef xmlns:dgm="http://schemas.openxmlformats.org/drawingml/2006/diagram" xmlns:a="http://schemas.openxmlformats.org/drawingml/2006/main" uniqueId="urn:microsoft.com/office/officeart/2005/8/layout/vList2">
   <dgm:title val=""/>
   <dgm:desc val=""/>
@@ -2785,6 +4089,1066 @@
 </dgm:styleDef>
 </file>
 
+<file path=ppt/diagrams/quickStyle2.xml><?xml version="1.0" encoding="utf-8"?>
+<dgm:styleDef xmlns:dgm="http://schemas.openxmlformats.org/drawingml/2006/diagram" xmlns:a="http://schemas.openxmlformats.org/drawingml/2006/main" uniqueId="urn:microsoft.com/office/officeart/2005/8/quickstyle/simple3">
+  <dgm:title val=""/>
+  <dgm:desc val=""/>
+  <dgm:catLst>
+    <dgm:cat type="simple" pri="10300"/>
+  </dgm:catLst>
+  <dgm:scene3d>
+    <a:camera prst="orthographicFront"/>
+    <a:lightRig rig="threePt" dir="t"/>
+  </dgm:scene3d>
+  <dgm:styleLbl name="node0">
+    <dgm:scene3d>
+      <a:camera prst="orthographicFront"/>
+      <a:lightRig rig="flat" dir="t"/>
+    </dgm:scene3d>
+    <dgm:sp3d prstMaterial="dkEdge">
+      <a:bevelT w="8200" h="38100"/>
+    </dgm:sp3d>
+    <dgm:txPr/>
+    <dgm:style>
+      <a:lnRef idx="0">
+        <a:scrgbClr r="0" g="0" b="0"/>
+      </a:lnRef>
+      <a:fillRef idx="2">
+        <a:scrgbClr r="0" g="0" b="0"/>
+      </a:fillRef>
+      <a:effectRef idx="1">
+        <a:scrgbClr r="0" g="0" b="0"/>
+      </a:effectRef>
+      <a:fontRef idx="minor">
+        <a:schemeClr val="dk1"/>
+      </a:fontRef>
+    </dgm:style>
+  </dgm:styleLbl>
+  <dgm:styleLbl name="lnNode1">
+    <dgm:scene3d>
+      <a:camera prst="orthographicFront"/>
+      <a:lightRig rig="flat" dir="t"/>
+    </dgm:scene3d>
+    <dgm:sp3d prstMaterial="dkEdge">
+      <a:bevelT w="8200" h="38100"/>
+    </dgm:sp3d>
+    <dgm:txPr/>
+    <dgm:style>
+      <a:lnRef idx="1">
+        <a:scrgbClr r="0" g="0" b="0"/>
+      </a:lnRef>
+      <a:fillRef idx="2">
+        <a:scrgbClr r="0" g="0" b="0"/>
+      </a:fillRef>
+      <a:effectRef idx="0">
+        <a:scrgbClr r="0" g="0" b="0"/>
+      </a:effectRef>
+      <a:fontRef idx="minor">
+        <a:schemeClr val="dk1"/>
+      </a:fontRef>
+    </dgm:style>
+  </dgm:styleLbl>
+  <dgm:styleLbl name="vennNode1">
+    <dgm:scene3d>
+      <a:camera prst="orthographicFront"/>
+      <a:lightRig rig="flat" dir="t"/>
+    </dgm:scene3d>
+    <dgm:sp3d prstMaterial="dkEdge">
+      <a:bevelT w="8200" h="38100"/>
+    </dgm:sp3d>
+    <dgm:txPr/>
+    <dgm:style>
+      <a:lnRef idx="0">
+        <a:scrgbClr r="0" g="0" b="0"/>
+      </a:lnRef>
+      <a:fillRef idx="2">
+        <a:scrgbClr r="0" g="0" b="0"/>
+      </a:fillRef>
+      <a:effectRef idx="0">
+        <a:scrgbClr r="0" g="0" b="0"/>
+      </a:effectRef>
+      <a:fontRef idx="minor">
+        <a:schemeClr val="tx1"/>
+      </a:fontRef>
+    </dgm:style>
+  </dgm:styleLbl>
+  <dgm:styleLbl name="alignNode1">
+    <dgm:scene3d>
+      <a:camera prst="orthographicFront"/>
+      <a:lightRig rig="threePt" dir="t"/>
+    </dgm:scene3d>
+    <dgm:sp3d/>
+    <dgm:txPr/>
+    <dgm:style>
+      <a:lnRef idx="1">
+        <a:scrgbClr r="0" g="0" b="0"/>
+      </a:lnRef>
+      <a:fillRef idx="2">
+        <a:scrgbClr r="0" g="0" b="0"/>
+      </a:fillRef>
+      <a:effectRef idx="1">
+        <a:scrgbClr r="0" g="0" b="0"/>
+      </a:effectRef>
+      <a:fontRef idx="minor">
+        <a:schemeClr val="dk1"/>
+      </a:fontRef>
+    </dgm:style>
+  </dgm:styleLbl>
+  <dgm:styleLbl name="node1">
+    <dgm:scene3d>
+      <a:camera prst="orthographicFront"/>
+      <a:lightRig rig="flat" dir="t"/>
+    </dgm:scene3d>
+    <dgm:sp3d prstMaterial="dkEdge">
+      <a:bevelT w="8200" h="38100"/>
+    </dgm:sp3d>
+    <dgm:txPr/>
+    <dgm:style>
+      <a:lnRef idx="0">
+        <a:scrgbClr r="0" g="0" b="0"/>
+      </a:lnRef>
+      <a:fillRef idx="2">
+        <a:scrgbClr r="0" g="0" b="0"/>
+      </a:fillRef>
+      <a:effectRef idx="1">
+        <a:scrgbClr r="0" g="0" b="0"/>
+      </a:effectRef>
+      <a:fontRef idx="minor">
+        <a:schemeClr val="dk1"/>
+      </a:fontRef>
+    </dgm:style>
+  </dgm:styleLbl>
+  <dgm:styleLbl name="node2">
+    <dgm:scene3d>
+      <a:camera prst="orthographicFront"/>
+      <a:lightRig rig="flat" dir="t"/>
+    </dgm:scene3d>
+    <dgm:sp3d prstMaterial="dkEdge">
+      <a:bevelT w="8200" h="38100"/>
+    </dgm:sp3d>
+    <dgm:txPr/>
+    <dgm:style>
+      <a:lnRef idx="0">
+        <a:scrgbClr r="0" g="0" b="0"/>
+      </a:lnRef>
+      <a:fillRef idx="2">
+        <a:scrgbClr r="0" g="0" b="0"/>
+      </a:fillRef>
+      <a:effectRef idx="1">
+        <a:scrgbClr r="0" g="0" b="0"/>
+      </a:effectRef>
+      <a:fontRef idx="minor">
+        <a:schemeClr val="dk1"/>
+      </a:fontRef>
+    </dgm:style>
+  </dgm:styleLbl>
+  <dgm:styleLbl name="node3">
+    <dgm:scene3d>
+      <a:camera prst="orthographicFront"/>
+      <a:lightRig rig="flat" dir="t"/>
+    </dgm:scene3d>
+    <dgm:sp3d prstMaterial="dkEdge">
+      <a:bevelT w="8200" h="38100"/>
+    </dgm:sp3d>
+    <dgm:txPr/>
+    <dgm:style>
+      <a:lnRef idx="0">
+        <a:scrgbClr r="0" g="0" b="0"/>
+      </a:lnRef>
+      <a:fillRef idx="2">
+        <a:scrgbClr r="0" g="0" b="0"/>
+      </a:fillRef>
+      <a:effectRef idx="1">
+        <a:scrgbClr r="0" g="0" b="0"/>
+      </a:effectRef>
+      <a:fontRef idx="minor">
+        <a:schemeClr val="dk1"/>
+      </a:fontRef>
+    </dgm:style>
+  </dgm:styleLbl>
+  <dgm:styleLbl name="node4">
+    <dgm:scene3d>
+      <a:camera prst="orthographicFront"/>
+      <a:lightRig rig="flat" dir="t"/>
+    </dgm:scene3d>
+    <dgm:sp3d prstMaterial="dkEdge">
+      <a:bevelT w="8200" h="38100"/>
+    </dgm:sp3d>
+    <dgm:txPr/>
+    <dgm:style>
+      <a:lnRef idx="0">
+        <a:scrgbClr r="0" g="0" b="0"/>
+      </a:lnRef>
+      <a:fillRef idx="2">
+        <a:scrgbClr r="0" g="0" b="0"/>
+      </a:fillRef>
+      <a:effectRef idx="1">
+        <a:scrgbClr r="0" g="0" b="0"/>
+      </a:effectRef>
+      <a:fontRef idx="minor">
+        <a:schemeClr val="dk1"/>
+      </a:fontRef>
+    </dgm:style>
+  </dgm:styleLbl>
+  <dgm:styleLbl name="fgImgPlace1">
+    <dgm:scene3d>
+      <a:camera prst="orthographicFront"/>
+      <a:lightRig rig="threePt" dir="t"/>
+    </dgm:scene3d>
+    <dgm:sp3d/>
+    <dgm:txPr/>
+    <dgm:style>
+      <a:lnRef idx="1">
+        <a:scrgbClr r="0" g="0" b="0"/>
+      </a:lnRef>
+      <a:fillRef idx="1">
+        <a:scrgbClr r="0" g="0" b="0"/>
+      </a:fillRef>
+      <a:effectRef idx="1">
+        <a:scrgbClr r="0" g="0" b="0"/>
+      </a:effectRef>
+      <a:fontRef idx="minor"/>
+    </dgm:style>
+  </dgm:styleLbl>
+  <dgm:styleLbl name="alignImgPlace1">
+    <dgm:scene3d>
+      <a:camera prst="orthographicFront"/>
+      <a:lightRig rig="threePt" dir="t"/>
+    </dgm:scene3d>
+    <dgm:sp3d/>
+    <dgm:txPr/>
+    <dgm:style>
+      <a:lnRef idx="1">
+        <a:scrgbClr r="0" g="0" b="0"/>
+      </a:lnRef>
+      <a:fillRef idx="1">
+        <a:scrgbClr r="0" g="0" b="0"/>
+      </a:fillRef>
+      <a:effectRef idx="1">
+        <a:scrgbClr r="0" g="0" b="0"/>
+      </a:effectRef>
+      <a:fontRef idx="minor"/>
+    </dgm:style>
+  </dgm:styleLbl>
+  <dgm:styleLbl name="bgImgPlace1">
+    <dgm:scene3d>
+      <a:camera prst="orthographicFront"/>
+      <a:lightRig rig="threePt" dir="t"/>
+    </dgm:scene3d>
+    <dgm:sp3d/>
+    <dgm:txPr/>
+    <dgm:style>
+      <a:lnRef idx="1">
+        <a:scrgbClr r="0" g="0" b="0"/>
+      </a:lnRef>
+      <a:fillRef idx="1">
+        <a:scrgbClr r="0" g="0" b="0"/>
+      </a:fillRef>
+      <a:effectRef idx="1">
+        <a:scrgbClr r="0" g="0" b="0"/>
+      </a:effectRef>
+      <a:fontRef idx="minor"/>
+    </dgm:style>
+  </dgm:styleLbl>
+  <dgm:styleLbl name="sibTrans2D1">
+    <dgm:scene3d>
+      <a:camera prst="orthographicFront"/>
+      <a:lightRig rig="threePt" dir="t"/>
+    </dgm:scene3d>
+    <dgm:sp3d/>
+    <dgm:txPr/>
+    <dgm:style>
+      <a:lnRef idx="0">
+        <a:scrgbClr r="0" g="0" b="0"/>
+      </a:lnRef>
+      <a:fillRef idx="2">
+        <a:scrgbClr r="0" g="0" b="0"/>
+      </a:fillRef>
+      <a:effectRef idx="1">
+        <a:scrgbClr r="0" g="0" b="0"/>
+      </a:effectRef>
+      <a:fontRef idx="minor">
+        <a:schemeClr val="dk1"/>
+      </a:fontRef>
+    </dgm:style>
+  </dgm:styleLbl>
+  <dgm:styleLbl name="fgSibTrans2D1">
+    <dgm:scene3d>
+      <a:camera prst="orthographicFront"/>
+      <a:lightRig rig="threePt" dir="t"/>
+    </dgm:scene3d>
+    <dgm:sp3d/>
+    <dgm:txPr/>
+    <dgm:style>
+      <a:lnRef idx="0">
+        <a:scrgbClr r="0" g="0" b="0"/>
+      </a:lnRef>
+      <a:fillRef idx="2">
+        <a:scrgbClr r="0" g="0" b="0"/>
+      </a:fillRef>
+      <a:effectRef idx="1">
+        <a:scrgbClr r="0" g="0" b="0"/>
+      </a:effectRef>
+      <a:fontRef idx="minor">
+        <a:schemeClr val="dk1"/>
+      </a:fontRef>
+    </dgm:style>
+  </dgm:styleLbl>
+  <dgm:styleLbl name="bgSibTrans2D1">
+    <dgm:scene3d>
+      <a:camera prst="orthographicFront"/>
+      <a:lightRig rig="threePt" dir="t"/>
+    </dgm:scene3d>
+    <dgm:sp3d/>
+    <dgm:txPr/>
+    <dgm:style>
+      <a:lnRef idx="0">
+        <a:scrgbClr r="0" g="0" b="0"/>
+      </a:lnRef>
+      <a:fillRef idx="2">
+        <a:scrgbClr r="0" g="0" b="0"/>
+      </a:fillRef>
+      <a:effectRef idx="1">
+        <a:scrgbClr r="0" g="0" b="0"/>
+      </a:effectRef>
+      <a:fontRef idx="minor">
+        <a:schemeClr val="dk1"/>
+      </a:fontRef>
+    </dgm:style>
+  </dgm:styleLbl>
+  <dgm:styleLbl name="sibTrans1D1">
+    <dgm:scene3d>
+      <a:camera prst="orthographicFront"/>
+      <a:lightRig rig="threePt" dir="t"/>
+    </dgm:scene3d>
+    <dgm:sp3d/>
+    <dgm:txPr/>
+    <dgm:style>
+      <a:lnRef idx="1">
+        <a:scrgbClr r="0" g="0" b="0"/>
+      </a:lnRef>
+      <a:fillRef idx="0">
+        <a:scrgbClr r="0" g="0" b="0"/>
+      </a:fillRef>
+      <a:effectRef idx="0">
+        <a:scrgbClr r="0" g="0" b="0"/>
+      </a:effectRef>
+      <a:fontRef idx="minor"/>
+    </dgm:style>
+  </dgm:styleLbl>
+  <dgm:styleLbl name="callout">
+    <dgm:scene3d>
+      <a:camera prst="orthographicFront"/>
+      <a:lightRig rig="threePt" dir="t"/>
+    </dgm:scene3d>
+    <dgm:sp3d/>
+    <dgm:txPr/>
+    <dgm:style>
+      <a:lnRef idx="1">
+        <a:scrgbClr r="0" g="0" b="0"/>
+      </a:lnRef>
+      <a:fillRef idx="2">
+        <a:scrgbClr r="0" g="0" b="0"/>
+      </a:fillRef>
+      <a:effectRef idx="1">
+        <a:scrgbClr r="0" g="0" b="0"/>
+      </a:effectRef>
+      <a:fontRef idx="minor"/>
+    </dgm:style>
+  </dgm:styleLbl>
+  <dgm:styleLbl name="asst0">
+    <dgm:scene3d>
+      <a:camera prst="orthographicFront"/>
+      <a:lightRig rig="flat" dir="t"/>
+    </dgm:scene3d>
+    <dgm:sp3d prstMaterial="dkEdge">
+      <a:bevelT w="8200" h="38100"/>
+    </dgm:sp3d>
+    <dgm:txPr/>
+    <dgm:style>
+      <a:lnRef idx="0">
+        <a:scrgbClr r="0" g="0" b="0"/>
+      </a:lnRef>
+      <a:fillRef idx="2">
+        <a:scrgbClr r="0" g="0" b="0"/>
+      </a:fillRef>
+      <a:effectRef idx="1">
+        <a:scrgbClr r="0" g="0" b="0"/>
+      </a:effectRef>
+      <a:fontRef idx="minor">
+        <a:schemeClr val="dk1"/>
+      </a:fontRef>
+    </dgm:style>
+  </dgm:styleLbl>
+  <dgm:styleLbl name="asst1">
+    <dgm:scene3d>
+      <a:camera prst="orthographicFront"/>
+      <a:lightRig rig="flat" dir="t"/>
+    </dgm:scene3d>
+    <dgm:sp3d prstMaterial="dkEdge">
+      <a:bevelT w="8200" h="38100"/>
+    </dgm:sp3d>
+    <dgm:txPr/>
+    <dgm:style>
+      <a:lnRef idx="0">
+        <a:scrgbClr r="0" g="0" b="0"/>
+      </a:lnRef>
+      <a:fillRef idx="2">
+        <a:scrgbClr r="0" g="0" b="0"/>
+      </a:fillRef>
+      <a:effectRef idx="1">
+        <a:scrgbClr r="0" g="0" b="0"/>
+      </a:effectRef>
+      <a:fontRef idx="minor">
+        <a:schemeClr val="dk1"/>
+      </a:fontRef>
+    </dgm:style>
+  </dgm:styleLbl>
+  <dgm:styleLbl name="asst2">
+    <dgm:scene3d>
+      <a:camera prst="orthographicFront"/>
+      <a:lightRig rig="flat" dir="t"/>
+    </dgm:scene3d>
+    <dgm:sp3d prstMaterial="dkEdge">
+      <a:bevelT w="8200" h="38100"/>
+    </dgm:sp3d>
+    <dgm:txPr/>
+    <dgm:style>
+      <a:lnRef idx="0">
+        <a:scrgbClr r="0" g="0" b="0"/>
+      </a:lnRef>
+      <a:fillRef idx="2">
+        <a:scrgbClr r="0" g="0" b="0"/>
+      </a:fillRef>
+      <a:effectRef idx="1">
+        <a:scrgbClr r="0" g="0" b="0"/>
+      </a:effectRef>
+      <a:fontRef idx="minor">
+        <a:schemeClr val="dk1"/>
+      </a:fontRef>
+    </dgm:style>
+  </dgm:styleLbl>
+  <dgm:styleLbl name="asst3">
+    <dgm:scene3d>
+      <a:camera prst="orthographicFront"/>
+      <a:lightRig rig="flat" dir="t"/>
+    </dgm:scene3d>
+    <dgm:sp3d prstMaterial="dkEdge">
+      <a:bevelT w="8200" h="38100"/>
+    </dgm:sp3d>
+    <dgm:txPr/>
+    <dgm:style>
+      <a:lnRef idx="0">
+        <a:scrgbClr r="0" g="0" b="0"/>
+      </a:lnRef>
+      <a:fillRef idx="2">
+        <a:scrgbClr r="0" g="0" b="0"/>
+      </a:fillRef>
+      <a:effectRef idx="1">
+        <a:scrgbClr r="0" g="0" b="0"/>
+      </a:effectRef>
+      <a:fontRef idx="minor">
+        <a:schemeClr val="dk1"/>
+      </a:fontRef>
+    </dgm:style>
+  </dgm:styleLbl>
+  <dgm:styleLbl name="asst4">
+    <dgm:scene3d>
+      <a:camera prst="orthographicFront"/>
+      <a:lightRig rig="flat" dir="t"/>
+    </dgm:scene3d>
+    <dgm:sp3d prstMaterial="dkEdge">
+      <a:bevelT w="8200" h="38100"/>
+    </dgm:sp3d>
+    <dgm:txPr/>
+    <dgm:style>
+      <a:lnRef idx="0">
+        <a:scrgbClr r="0" g="0" b="0"/>
+      </a:lnRef>
+      <a:fillRef idx="2">
+        <a:scrgbClr r="0" g="0" b="0"/>
+      </a:fillRef>
+      <a:effectRef idx="1">
+        <a:scrgbClr r="0" g="0" b="0"/>
+      </a:effectRef>
+      <a:fontRef idx="minor">
+        <a:schemeClr val="dk1"/>
+      </a:fontRef>
+    </dgm:style>
+  </dgm:styleLbl>
+  <dgm:styleLbl name="parChTrans2D1">
+    <dgm:scene3d>
+      <a:camera prst="orthographicFront"/>
+      <a:lightRig rig="threePt" dir="t"/>
+    </dgm:scene3d>
+    <dgm:sp3d/>
+    <dgm:txPr/>
+    <dgm:style>
+      <a:lnRef idx="1">
+        <a:scrgbClr r="0" g="0" b="0"/>
+      </a:lnRef>
+      <a:fillRef idx="2">
+        <a:scrgbClr r="0" g="0" b="0"/>
+      </a:fillRef>
+      <a:effectRef idx="1">
+        <a:scrgbClr r="0" g="0" b="0"/>
+      </a:effectRef>
+      <a:fontRef idx="minor">
+        <a:schemeClr val="dk1"/>
+      </a:fontRef>
+    </dgm:style>
+  </dgm:styleLbl>
+  <dgm:styleLbl name="parChTrans2D2">
+    <dgm:scene3d>
+      <a:camera prst="orthographicFront"/>
+      <a:lightRig rig="threePt" dir="t"/>
+    </dgm:scene3d>
+    <dgm:sp3d/>
+    <dgm:txPr/>
+    <dgm:style>
+      <a:lnRef idx="1">
+        <a:scrgbClr r="0" g="0" b="0"/>
+      </a:lnRef>
+      <a:fillRef idx="2">
+        <a:scrgbClr r="0" g="0" b="0"/>
+      </a:fillRef>
+      <a:effectRef idx="1">
+        <a:scrgbClr r="0" g="0" b="0"/>
+      </a:effectRef>
+      <a:fontRef idx="minor">
+        <a:schemeClr val="dk1"/>
+      </a:fontRef>
+    </dgm:style>
+  </dgm:styleLbl>
+  <dgm:styleLbl name="parChTrans2D3">
+    <dgm:scene3d>
+      <a:camera prst="orthographicFront"/>
+      <a:lightRig rig="threePt" dir="t"/>
+    </dgm:scene3d>
+    <dgm:sp3d/>
+    <dgm:txPr/>
+    <dgm:style>
+      <a:lnRef idx="1">
+        <a:scrgbClr r="0" g="0" b="0"/>
+      </a:lnRef>
+      <a:fillRef idx="2">
+        <a:scrgbClr r="0" g="0" b="0"/>
+      </a:fillRef>
+      <a:effectRef idx="1">
+        <a:scrgbClr r="0" g="0" b="0"/>
+      </a:effectRef>
+      <a:fontRef idx="minor">
+        <a:schemeClr val="dk1"/>
+      </a:fontRef>
+    </dgm:style>
+  </dgm:styleLbl>
+  <dgm:styleLbl name="parChTrans2D4">
+    <dgm:scene3d>
+      <a:camera prst="orthographicFront"/>
+      <a:lightRig rig="threePt" dir="t"/>
+    </dgm:scene3d>
+    <dgm:sp3d/>
+    <dgm:txPr/>
+    <dgm:style>
+      <a:lnRef idx="1">
+        <a:scrgbClr r="0" g="0" b="0"/>
+      </a:lnRef>
+      <a:fillRef idx="2">
+        <a:scrgbClr r="0" g="0" b="0"/>
+      </a:fillRef>
+      <a:effectRef idx="1">
+        <a:scrgbClr r="0" g="0" b="0"/>
+      </a:effectRef>
+      <a:fontRef idx="minor">
+        <a:schemeClr val="dk1"/>
+      </a:fontRef>
+    </dgm:style>
+  </dgm:styleLbl>
+  <dgm:styleLbl name="parChTrans1D1">
+    <dgm:scene3d>
+      <a:camera prst="orthographicFront"/>
+      <a:lightRig rig="threePt" dir="t"/>
+    </dgm:scene3d>
+    <dgm:sp3d/>
+    <dgm:txPr/>
+    <dgm:style>
+      <a:lnRef idx="2">
+        <a:scrgbClr r="0" g="0" b="0"/>
+      </a:lnRef>
+      <a:fillRef idx="0">
+        <a:scrgbClr r="0" g="0" b="0"/>
+      </a:fillRef>
+      <a:effectRef idx="0">
+        <a:scrgbClr r="0" g="0" b="0"/>
+      </a:effectRef>
+      <a:fontRef idx="minor"/>
+    </dgm:style>
+  </dgm:styleLbl>
+  <dgm:styleLbl name="parChTrans1D2">
+    <dgm:scene3d>
+      <a:camera prst="orthographicFront"/>
+      <a:lightRig rig="threePt" dir="t"/>
+    </dgm:scene3d>
+    <dgm:sp3d/>
+    <dgm:txPr/>
+    <dgm:style>
+      <a:lnRef idx="2">
+        <a:scrgbClr r="0" g="0" b="0"/>
+      </a:lnRef>
+      <a:fillRef idx="0">
+        <a:scrgbClr r="0" g="0" b="0"/>
+      </a:fillRef>
+      <a:effectRef idx="0">
+        <a:scrgbClr r="0" g="0" b="0"/>
+      </a:effectRef>
+      <a:fontRef idx="minor"/>
+    </dgm:style>
+  </dgm:styleLbl>
+  <dgm:styleLbl name="parChTrans1D3">
+    <dgm:scene3d>
+      <a:camera prst="orthographicFront"/>
+      <a:lightRig rig="threePt" dir="t"/>
+    </dgm:scene3d>
+    <dgm:sp3d/>
+    <dgm:txPr/>
+    <dgm:style>
+      <a:lnRef idx="2">
+        <a:scrgbClr r="0" g="0" b="0"/>
+      </a:lnRef>
+      <a:fillRef idx="0">
+        <a:scrgbClr r="0" g="0" b="0"/>
+      </a:fillRef>
+      <a:effectRef idx="0">
+        <a:scrgbClr r="0" g="0" b="0"/>
+      </a:effectRef>
+      <a:fontRef idx="minor"/>
+    </dgm:style>
+  </dgm:styleLbl>
+  <dgm:styleLbl name="parChTrans1D4">
+    <dgm:scene3d>
+      <a:camera prst="orthographicFront"/>
+      <a:lightRig rig="threePt" dir="t"/>
+    </dgm:scene3d>
+    <dgm:sp3d/>
+    <dgm:txPr/>
+    <dgm:style>
+      <a:lnRef idx="2">
+        <a:scrgbClr r="0" g="0" b="0"/>
+      </a:lnRef>
+      <a:fillRef idx="0">
+        <a:scrgbClr r="0" g="0" b="0"/>
+      </a:fillRef>
+      <a:effectRef idx="0">
+        <a:scrgbClr r="0" g="0" b="0"/>
+      </a:effectRef>
+      <a:fontRef idx="minor"/>
+    </dgm:style>
+  </dgm:styleLbl>
+  <dgm:styleLbl name="fgAcc1">
+    <dgm:scene3d>
+      <a:camera prst="orthographicFront"/>
+      <a:lightRig rig="threePt" dir="t"/>
+    </dgm:scene3d>
+    <dgm:sp3d/>
+    <dgm:txPr/>
+    <dgm:style>
+      <a:lnRef idx="1">
+        <a:scrgbClr r="0" g="0" b="0"/>
+      </a:lnRef>
+      <a:fillRef idx="1">
+        <a:scrgbClr r="0" g="0" b="0"/>
+      </a:fillRef>
+      <a:effectRef idx="0">
+        <a:scrgbClr r="0" g="0" b="0"/>
+      </a:effectRef>
+      <a:fontRef idx="minor"/>
+    </dgm:style>
+  </dgm:styleLbl>
+  <dgm:styleLbl name="conFgAcc1">
+    <dgm:scene3d>
+      <a:camera prst="orthographicFront"/>
+      <a:lightRig rig="threePt" dir="t"/>
+    </dgm:scene3d>
+    <dgm:sp3d/>
+    <dgm:txPr/>
+    <dgm:style>
+      <a:lnRef idx="1">
+        <a:scrgbClr r="0" g="0" b="0"/>
+      </a:lnRef>
+      <a:fillRef idx="1">
+        <a:scrgbClr r="0" g="0" b="0"/>
+      </a:fillRef>
+      <a:effectRef idx="0">
+        <a:scrgbClr r="0" g="0" b="0"/>
+      </a:effectRef>
+      <a:fontRef idx="minor"/>
+    </dgm:style>
+  </dgm:styleLbl>
+  <dgm:styleLbl name="alignAcc1">
+    <dgm:scene3d>
+      <a:camera prst="orthographicFront"/>
+      <a:lightRig rig="threePt" dir="t"/>
+    </dgm:scene3d>
+    <dgm:sp3d/>
+    <dgm:txPr/>
+    <dgm:style>
+      <a:lnRef idx="1">
+        <a:scrgbClr r="0" g="0" b="0"/>
+      </a:lnRef>
+      <a:fillRef idx="1">
+        <a:scrgbClr r="0" g="0" b="0"/>
+      </a:fillRef>
+      <a:effectRef idx="0">
+        <a:scrgbClr r="0" g="0" b="0"/>
+      </a:effectRef>
+      <a:fontRef idx="minor"/>
+    </dgm:style>
+  </dgm:styleLbl>
+  <dgm:styleLbl name="trAlignAcc1">
+    <dgm:scene3d>
+      <a:camera prst="orthographicFront"/>
+      <a:lightRig rig="threePt" dir="t"/>
+    </dgm:scene3d>
+    <dgm:sp3d/>
+    <dgm:txPr/>
+    <dgm:style>
+      <a:lnRef idx="1">
+        <a:scrgbClr r="0" g="0" b="0"/>
+      </a:lnRef>
+      <a:fillRef idx="1">
+        <a:scrgbClr r="0" g="0" b="0"/>
+      </a:fillRef>
+      <a:effectRef idx="0">
+        <a:scrgbClr r="0" g="0" b="0"/>
+      </a:effectRef>
+      <a:fontRef idx="minor"/>
+    </dgm:style>
+  </dgm:styleLbl>
+  <dgm:styleLbl name="bgAcc1">
+    <dgm:scene3d>
+      <a:camera prst="orthographicFront"/>
+      <a:lightRig rig="threePt" dir="t"/>
+    </dgm:scene3d>
+    <dgm:sp3d/>
+    <dgm:txPr/>
+    <dgm:style>
+      <a:lnRef idx="1">
+        <a:scrgbClr r="0" g="0" b="0"/>
+      </a:lnRef>
+      <a:fillRef idx="1">
+        <a:scrgbClr r="0" g="0" b="0"/>
+      </a:fillRef>
+      <a:effectRef idx="0">
+        <a:scrgbClr r="0" g="0" b="0"/>
+      </a:effectRef>
+      <a:fontRef idx="minor"/>
+    </dgm:style>
+  </dgm:styleLbl>
+  <dgm:styleLbl name="solidFgAcc1">
+    <dgm:scene3d>
+      <a:camera prst="orthographicFront"/>
+      <a:lightRig rig="threePt" dir="t"/>
+    </dgm:scene3d>
+    <dgm:sp3d/>
+    <dgm:txPr/>
+    <dgm:style>
+      <a:lnRef idx="1">
+        <a:scrgbClr r="0" g="0" b="0"/>
+      </a:lnRef>
+      <a:fillRef idx="2">
+        <a:scrgbClr r="0" g="0" b="0"/>
+      </a:fillRef>
+      <a:effectRef idx="0">
+        <a:scrgbClr r="0" g="0" b="0"/>
+      </a:effectRef>
+      <a:fontRef idx="minor"/>
+    </dgm:style>
+  </dgm:styleLbl>
+  <dgm:styleLbl name="solidAlignAcc1">
+    <dgm:scene3d>
+      <a:camera prst="orthographicFront"/>
+      <a:lightRig rig="threePt" dir="t"/>
+    </dgm:scene3d>
+    <dgm:sp3d/>
+    <dgm:txPr/>
+    <dgm:style>
+      <a:lnRef idx="1">
+        <a:scrgbClr r="0" g="0" b="0"/>
+      </a:lnRef>
+      <a:fillRef idx="1">
+        <a:scrgbClr r="0" g="0" b="0"/>
+      </a:fillRef>
+      <a:effectRef idx="0">
+        <a:scrgbClr r="0" g="0" b="0"/>
+      </a:effectRef>
+      <a:fontRef idx="minor"/>
+    </dgm:style>
+  </dgm:styleLbl>
+  <dgm:styleLbl name="solidBgAcc1">
+    <dgm:scene3d>
+      <a:camera prst="orthographicFront"/>
+      <a:lightRig rig="threePt" dir="t"/>
+    </dgm:scene3d>
+    <dgm:sp3d/>
+    <dgm:txPr/>
+    <dgm:style>
+      <a:lnRef idx="1">
+        <a:scrgbClr r="0" g="0" b="0"/>
+      </a:lnRef>
+      <a:fillRef idx="1">
+        <a:scrgbClr r="0" g="0" b="0"/>
+      </a:fillRef>
+      <a:effectRef idx="0">
+        <a:scrgbClr r="0" g="0" b="0"/>
+      </a:effectRef>
+      <a:fontRef idx="minor"/>
+    </dgm:style>
+  </dgm:styleLbl>
+  <dgm:styleLbl name="fgAccFollowNode1">
+    <dgm:scene3d>
+      <a:camera prst="orthographicFront"/>
+      <a:lightRig rig="threePt" dir="t"/>
+    </dgm:scene3d>
+    <dgm:sp3d/>
+    <dgm:txPr/>
+    <dgm:style>
+      <a:lnRef idx="1">
+        <a:scrgbClr r="0" g="0" b="0"/>
+      </a:lnRef>
+      <a:fillRef idx="1">
+        <a:scrgbClr r="0" g="0" b="0"/>
+      </a:fillRef>
+      <a:effectRef idx="0">
+        <a:scrgbClr r="0" g="0" b="0"/>
+      </a:effectRef>
+      <a:fontRef idx="minor"/>
+    </dgm:style>
+  </dgm:styleLbl>
+  <dgm:styleLbl name="alignAccFollowNode1">
+    <dgm:scene3d>
+      <a:camera prst="orthographicFront"/>
+      <a:lightRig rig="threePt" dir="t"/>
+    </dgm:scene3d>
+    <dgm:sp3d/>
+    <dgm:txPr/>
+    <dgm:style>
+      <a:lnRef idx="1">
+        <a:scrgbClr r="0" g="0" b="0"/>
+      </a:lnRef>
+      <a:fillRef idx="1">
+        <a:scrgbClr r="0" g="0" b="0"/>
+      </a:fillRef>
+      <a:effectRef idx="0">
+        <a:scrgbClr r="0" g="0" b="0"/>
+      </a:effectRef>
+      <a:fontRef idx="minor"/>
+    </dgm:style>
+  </dgm:styleLbl>
+  <dgm:styleLbl name="bgAccFollowNode1">
+    <dgm:scene3d>
+      <a:camera prst="orthographicFront"/>
+      <a:lightRig rig="threePt" dir="t"/>
+    </dgm:scene3d>
+    <dgm:sp3d/>
+    <dgm:txPr/>
+    <dgm:style>
+      <a:lnRef idx="1">
+        <a:scrgbClr r="0" g="0" b="0"/>
+      </a:lnRef>
+      <a:fillRef idx="1">
+        <a:scrgbClr r="0" g="0" b="0"/>
+      </a:fillRef>
+      <a:effectRef idx="0">
+        <a:scrgbClr r="0" g="0" b="0"/>
+      </a:effectRef>
+      <a:fontRef idx="minor"/>
+    </dgm:style>
+  </dgm:styleLbl>
+  <dgm:styleLbl name="fgAcc0">
+    <dgm:scene3d>
+      <a:camera prst="orthographicFront"/>
+      <a:lightRig rig="threePt" dir="t"/>
+    </dgm:scene3d>
+    <dgm:sp3d/>
+    <dgm:txPr/>
+    <dgm:style>
+      <a:lnRef idx="1">
+        <a:scrgbClr r="0" g="0" b="0"/>
+      </a:lnRef>
+      <a:fillRef idx="1">
+        <a:scrgbClr r="0" g="0" b="0"/>
+      </a:fillRef>
+      <a:effectRef idx="0">
+        <a:scrgbClr r="0" g="0" b="0"/>
+      </a:effectRef>
+      <a:fontRef idx="minor"/>
+    </dgm:style>
+  </dgm:styleLbl>
+  <dgm:styleLbl name="fgAcc2">
+    <dgm:scene3d>
+      <a:camera prst="orthographicFront"/>
+      <a:lightRig rig="threePt" dir="t"/>
+    </dgm:scene3d>
+    <dgm:sp3d/>
+    <dgm:txPr/>
+    <dgm:style>
+      <a:lnRef idx="1">
+        <a:scrgbClr r="0" g="0" b="0"/>
+      </a:lnRef>
+      <a:fillRef idx="1">
+        <a:scrgbClr r="0" g="0" b="0"/>
+      </a:fillRef>
+      <a:effectRef idx="0">
+        <a:scrgbClr r="0" g="0" b="0"/>
+      </a:effectRef>
+      <a:fontRef idx="minor"/>
+    </dgm:style>
+  </dgm:styleLbl>
+  <dgm:styleLbl name="fgAcc3">
+    <dgm:scene3d>
+      <a:camera prst="orthographicFront"/>
+      <a:lightRig rig="threePt" dir="t"/>
+    </dgm:scene3d>
+    <dgm:sp3d/>
+    <dgm:txPr/>
+    <dgm:style>
+      <a:lnRef idx="1">
+        <a:scrgbClr r="0" g="0" b="0"/>
+      </a:lnRef>
+      <a:fillRef idx="1">
+        <a:scrgbClr r="0" g="0" b="0"/>
+      </a:fillRef>
+      <a:effectRef idx="0">
+        <a:scrgbClr r="0" g="0" b="0"/>
+      </a:effectRef>
+      <a:fontRef idx="minor"/>
+    </dgm:style>
+  </dgm:styleLbl>
+  <dgm:styleLbl name="fgAcc4">
+    <dgm:scene3d>
+      <a:camera prst="orthographicFront"/>
+      <a:lightRig rig="threePt" dir="t"/>
+    </dgm:scene3d>
+    <dgm:sp3d/>
+    <dgm:txPr/>
+    <dgm:style>
+      <a:lnRef idx="1">
+        <a:scrgbClr r="0" g="0" b="0"/>
+      </a:lnRef>
+      <a:fillRef idx="1">
+        <a:scrgbClr r="0" g="0" b="0"/>
+      </a:fillRef>
+      <a:effectRef idx="0">
+        <a:scrgbClr r="0" g="0" b="0"/>
+      </a:effectRef>
+      <a:fontRef idx="minor"/>
+    </dgm:style>
+  </dgm:styleLbl>
+  <dgm:styleLbl name="bgShp">
+    <dgm:scene3d>
+      <a:camera prst="orthographicFront"/>
+      <a:lightRig rig="threePt" dir="t"/>
+    </dgm:scene3d>
+    <dgm:sp3d/>
+    <dgm:txPr/>
+    <dgm:style>
+      <a:lnRef idx="0">
+        <a:scrgbClr r="0" g="0" b="0"/>
+      </a:lnRef>
+      <a:fillRef idx="1">
+        <a:scrgbClr r="0" g="0" b="0"/>
+      </a:fillRef>
+      <a:effectRef idx="1">
+        <a:scrgbClr r="0" g="0" b="0"/>
+      </a:effectRef>
+      <a:fontRef idx="minor"/>
+    </dgm:style>
+  </dgm:styleLbl>
+  <dgm:styleLbl name="dkBgShp">
+    <dgm:scene3d>
+      <a:camera prst="orthographicFront"/>
+      <a:lightRig rig="threePt" dir="t"/>
+    </dgm:scene3d>
+    <dgm:sp3d/>
+    <dgm:txPr/>
+    <dgm:style>
+      <a:lnRef idx="0">
+        <a:scrgbClr r="0" g="0" b="0"/>
+      </a:lnRef>
+      <a:fillRef idx="1">
+        <a:scrgbClr r="0" g="0" b="0"/>
+      </a:fillRef>
+      <a:effectRef idx="1">
+        <a:scrgbClr r="0" g="0" b="0"/>
+      </a:effectRef>
+      <a:fontRef idx="minor"/>
+    </dgm:style>
+  </dgm:styleLbl>
+  <dgm:styleLbl name="trBgShp">
+    <dgm:scene3d>
+      <a:camera prst="orthographicFront"/>
+      <a:lightRig rig="threePt" dir="t"/>
+    </dgm:scene3d>
+    <dgm:sp3d/>
+    <dgm:txPr/>
+    <dgm:style>
+      <a:lnRef idx="0">
+        <a:scrgbClr r="0" g="0" b="0"/>
+      </a:lnRef>
+      <a:fillRef idx="1">
+        <a:scrgbClr r="0" g="0" b="0"/>
+      </a:fillRef>
+      <a:effectRef idx="0">
+        <a:scrgbClr r="0" g="0" b="0"/>
+      </a:effectRef>
+      <a:fontRef idx="minor"/>
+    </dgm:style>
+  </dgm:styleLbl>
+  <dgm:styleLbl name="fgShp">
+    <dgm:scene3d>
+      <a:camera prst="orthographicFront"/>
+      <a:lightRig rig="flat" dir="t"/>
+    </dgm:scene3d>
+    <dgm:sp3d prstMaterial="dkEdge">
+      <a:bevelT w="8200" h="38100"/>
+    </dgm:sp3d>
+    <dgm:txPr/>
+    <dgm:style>
+      <a:lnRef idx="1">
+        <a:scrgbClr r="0" g="0" b="0"/>
+      </a:lnRef>
+      <a:fillRef idx="2">
+        <a:scrgbClr r="0" g="0" b="0"/>
+      </a:fillRef>
+      <a:effectRef idx="1">
+        <a:scrgbClr r="0" g="0" b="0"/>
+      </a:effectRef>
+      <a:fontRef idx="minor"/>
+    </dgm:style>
+  </dgm:styleLbl>
+  <dgm:styleLbl name="revTx">
+    <dgm:scene3d>
+      <a:camera prst="orthographicFront"/>
+      <a:lightRig rig="threePt" dir="t"/>
+    </dgm:scene3d>
+    <dgm:sp3d/>
+    <dgm:txPr/>
+    <dgm:style>
+      <a:lnRef idx="0">
+        <a:scrgbClr r="0" g="0" b="0"/>
+      </a:lnRef>
+      <a:fillRef idx="0">
+        <a:scrgbClr r="0" g="0" b="0"/>
+      </a:fillRef>
+      <a:effectRef idx="0">
+        <a:scrgbClr r="0" g="0" b="0"/>
+      </a:effectRef>
+      <a:fontRef idx="minor"/>
+    </dgm:style>
+  </dgm:styleLbl>
+</dgm:styleDef>
+</file>
+
 <file path=ppt/notesMasters/notesMaster1.xml><?xml version="1.0" encoding="utf-8"?>
 <p:notesMaster xmlns:a="http://schemas.openxmlformats.org/drawingml/2006/main" xmlns:r="http://schemas.openxmlformats.org/officeDocument/2006/relationships" xmlns:p="http://schemas.openxmlformats.org/presentationml/2006/main">
   <p:cSld>
@@ -3284,7 +5648,7 @@
           <a:p>
             <a:fld id="{B1A1FC86-6D43-4743-9C66-42764E3FFE4E}" type="slidenum">
               <a:rPr lang="fa-IR" smtClean="0"/>
-              <a:t>6</a:t>
+              <a:t>7</a:t>
             </a:fld>
             <a:endParaRPr lang="fa-IR"/>
           </a:p>
@@ -3368,7 +5732,7 @@
           <a:p>
             <a:fld id="{B1A1FC86-6D43-4743-9C66-42764E3FFE4E}" type="slidenum">
               <a:rPr lang="fa-IR" smtClean="0"/>
-              <a:t>7</a:t>
+              <a:t>9</a:t>
             </a:fld>
             <a:endParaRPr lang="fa-IR"/>
           </a:p>
@@ -3378,6 +5742,90 @@
     <p:extLst>
       <p:ext uri="{BB962C8B-B14F-4D97-AF65-F5344CB8AC3E}">
         <p14:creationId xmlns:p14="http://schemas.microsoft.com/office/powerpoint/2010/main" val="2774101096"/>
+      </p:ext>
+    </p:extLst>
+  </p:cSld>
+  <p:clrMapOvr>
+    <a:masterClrMapping/>
+  </p:clrMapOvr>
+</p:notes>
+</file>
+
+<file path=ppt/notesSlides/notesSlide4.xml><?xml version="1.0" encoding="utf-8"?>
+<p:notes xmlns:a="http://schemas.openxmlformats.org/drawingml/2006/main" xmlns:r="http://schemas.openxmlformats.org/officeDocument/2006/relationships" xmlns:p="http://schemas.openxmlformats.org/presentationml/2006/main">
+  <p:cSld>
+    <p:spTree>
+      <p:nvGrpSpPr>
+        <p:cNvPr id="1" name=""/>
+        <p:cNvGrpSpPr/>
+        <p:nvPr/>
+      </p:nvGrpSpPr>
+      <p:grpSpPr>
+        <a:xfrm>
+          <a:off x="0" y="0"/>
+          <a:ext cx="0" cy="0"/>
+          <a:chOff x="0" y="0"/>
+          <a:chExt cx="0" cy="0"/>
+        </a:xfrm>
+      </p:grpSpPr>
+      <p:sp>
+        <p:nvSpPr>
+          <p:cNvPr id="2" name="Slide Image Placeholder 1"/>
+          <p:cNvSpPr>
+            <a:spLocks noGrp="1" noRot="1" noChangeAspect="1"/>
+          </p:cNvSpPr>
+          <p:nvPr>
+            <p:ph type="sldImg"/>
+          </p:nvPr>
+        </p:nvSpPr>
+        <p:spPr/>
+      </p:sp>
+      <p:sp>
+        <p:nvSpPr>
+          <p:cNvPr id="3" name="Notes Placeholder 2"/>
+          <p:cNvSpPr>
+            <a:spLocks noGrp="1"/>
+          </p:cNvSpPr>
+          <p:nvPr>
+            <p:ph type="body" idx="1"/>
+          </p:nvPr>
+        </p:nvSpPr>
+        <p:spPr/>
+        <p:txBody>
+          <a:bodyPr/>
+          <a:lstStyle/>
+          <a:p>
+            <a:endParaRPr lang="fa-IR" dirty="0"/>
+          </a:p>
+        </p:txBody>
+      </p:sp>
+      <p:sp>
+        <p:nvSpPr>
+          <p:cNvPr id="4" name="Slide Number Placeholder 3"/>
+          <p:cNvSpPr>
+            <a:spLocks noGrp="1"/>
+          </p:cNvSpPr>
+          <p:nvPr>
+            <p:ph type="sldNum" sz="quarter" idx="5"/>
+          </p:nvPr>
+        </p:nvSpPr>
+        <p:spPr/>
+        <p:txBody>
+          <a:bodyPr/>
+          <a:lstStyle/>
+          <a:p>
+            <a:fld id="{B1A1FC86-6D43-4743-9C66-42764E3FFE4E}" type="slidenum">
+              <a:rPr lang="fa-IR" smtClean="0"/>
+              <a:t>10</a:t>
+            </a:fld>
+            <a:endParaRPr lang="fa-IR"/>
+          </a:p>
+        </p:txBody>
+      </p:sp>
+    </p:spTree>
+    <p:extLst>
+      <p:ext uri="{BB962C8B-B14F-4D97-AF65-F5344CB8AC3E}">
+        <p14:creationId xmlns:p14="http://schemas.microsoft.com/office/powerpoint/2010/main" val="3001980036"/>
       </p:ext>
     </p:extLst>
   </p:cSld>
@@ -6832,6 +9280,601 @@
   <p:cSld>
     <p:spTree>
       <p:nvGrpSpPr>
+        <p:cNvPr id="1" name="">
+          <a:extLst>
+            <a:ext uri="{FF2B5EF4-FFF2-40B4-BE49-F238E27FC236}">
+              <a16:creationId xmlns:a16="http://schemas.microsoft.com/office/drawing/2014/main" id="{272AB6C1-B27D-8A14-DA33-11A17B57AD6B}"/>
+            </a:ext>
+          </a:extLst>
+        </p:cNvPr>
+        <p:cNvGrpSpPr/>
+        <p:nvPr/>
+      </p:nvGrpSpPr>
+      <p:grpSpPr>
+        <a:xfrm>
+          <a:off x="0" y="0"/>
+          <a:ext cx="0" cy="0"/>
+          <a:chOff x="0" y="0"/>
+          <a:chExt cx="0" cy="0"/>
+        </a:xfrm>
+      </p:grpSpPr>
+      <p:sp>
+        <p:nvSpPr>
+          <p:cNvPr id="2" name="Title 1">
+            <a:extLst>
+              <a:ext uri="{FF2B5EF4-FFF2-40B4-BE49-F238E27FC236}">
+                <a16:creationId xmlns:a16="http://schemas.microsoft.com/office/drawing/2014/main" id="{056D92D2-C91B-9937-1162-C9FA0927486D}"/>
+              </a:ext>
+            </a:extLst>
+          </p:cNvPr>
+          <p:cNvSpPr>
+            <a:spLocks noGrp="1"/>
+          </p:cNvSpPr>
+          <p:nvPr>
+            <p:ph type="title"/>
+          </p:nvPr>
+        </p:nvSpPr>
+        <p:spPr>
+          <a:xfrm>
+            <a:off x="998104" y="389602"/>
+            <a:ext cx="10515600" cy="1325563"/>
+          </a:xfrm>
+        </p:spPr>
+        <p:txBody>
+          <a:bodyPr/>
+          <a:lstStyle/>
+          <a:p>
+            <a:pPr algn="r" rtl="1"/>
+            <a:r>
+              <a:rPr lang="fa-IR" b="1" dirty="0">
+                <a:cs typeface="B Nazanin" panose="00000400000000000000" pitchFamily="2" charset="-78"/>
+              </a:rPr>
+              <a:t>چرا </a:t>
+            </a:r>
+            <a:r>
+              <a:rPr lang="en-US" sz="3600" b="1" dirty="0">
+                <a:latin typeface="Arial Black" panose="020B0A04020102020204" pitchFamily="34" charset="0"/>
+              </a:rPr>
+              <a:t>RAG</a:t>
+            </a:r>
+            <a:r>
+              <a:rPr lang="fa-IR" sz="3600" b="1" dirty="0">
+                <a:latin typeface="Arial Black" panose="020B0A04020102020204" pitchFamily="34" charset="0"/>
+              </a:rPr>
+              <a:t> </a:t>
+            </a:r>
+            <a:r>
+              <a:rPr lang="fa-IR" b="1" dirty="0">
+                <a:latin typeface="Arial Black" panose="020B0A04020102020204" pitchFamily="34" charset="0"/>
+                <a:cs typeface="B Roya" panose="00000400000000000000" pitchFamily="2" charset="-78"/>
+              </a:rPr>
+              <a:t>؟</a:t>
+            </a:r>
+          </a:p>
+        </p:txBody>
+      </p:sp>
+      <p:graphicFrame>
+        <p:nvGraphicFramePr>
+          <p:cNvPr id="6" name="Content Placeholder 5">
+            <a:extLst>
+              <a:ext uri="{FF2B5EF4-FFF2-40B4-BE49-F238E27FC236}">
+                <a16:creationId xmlns:a16="http://schemas.microsoft.com/office/drawing/2014/main" id="{AD505F06-E5C9-19CF-09EF-31F4B01C678D}"/>
+              </a:ext>
+            </a:extLst>
+          </p:cNvPr>
+          <p:cNvGraphicFramePr>
+            <a:graphicFrameLocks noGrp="1"/>
+          </p:cNvGraphicFramePr>
+          <p:nvPr>
+            <p:ph idx="1"/>
+            <p:extLst>
+              <p:ext uri="{D42A27DB-BD31-4B8C-83A1-F6EECF244321}">
+                <p14:modId xmlns:p14="http://schemas.microsoft.com/office/powerpoint/2010/main" val="855178742"/>
+              </p:ext>
+            </p:extLst>
+          </p:nvPr>
+        </p:nvGraphicFramePr>
+        <p:xfrm>
+          <a:off x="5316108" y="1690688"/>
+          <a:ext cx="1799355" cy="1958108"/>
+        </p:xfrm>
+        <a:graphic>
+          <a:graphicData uri="http://schemas.openxmlformats.org/drawingml/2006/diagram">
+            <dgm:relIds xmlns:dgm="http://schemas.openxmlformats.org/drawingml/2006/diagram" xmlns:r="http://schemas.openxmlformats.org/officeDocument/2006/relationships" r:dm="rId3" r:lo="rId4" r:qs="rId5" r:cs="rId6"/>
+          </a:graphicData>
+        </a:graphic>
+      </p:graphicFrame>
+      <p:sp>
+        <p:nvSpPr>
+          <p:cNvPr id="8" name="Content Placeholder 2">
+            <a:extLst>
+              <a:ext uri="{FF2B5EF4-FFF2-40B4-BE49-F238E27FC236}">
+                <a16:creationId xmlns:a16="http://schemas.microsoft.com/office/drawing/2014/main" id="{B6F48053-AED1-D9DB-FA80-0FB8CA66158E}"/>
+              </a:ext>
+            </a:extLst>
+          </p:cNvPr>
+          <p:cNvSpPr txBox="1">
+            <a:spLocks/>
+          </p:cNvSpPr>
+          <p:nvPr/>
+        </p:nvSpPr>
+        <p:spPr>
+          <a:xfrm>
+            <a:off x="1231900" y="1690688"/>
+            <a:ext cx="10515600" cy="4608139"/>
+          </a:xfrm>
+          <a:prstGeom prst="rect">
+            <a:avLst/>
+          </a:prstGeom>
+        </p:spPr>
+        <p:txBody>
+          <a:bodyPr vert="horz" lIns="91440" tIns="45720" rIns="91440" bIns="45720" rtlCol="0">
+            <a:normAutofit lnSpcReduction="10000"/>
+          </a:bodyPr>
+          <a:lstStyle>
+            <a:lvl1pPr marL="228600" indent="-228600" algn="l" defTabSz="914400" rtl="0" eaLnBrk="1" latinLnBrk="0" hangingPunct="1">
+              <a:lnSpc>
+                <a:spcPct val="90000"/>
+              </a:lnSpc>
+              <a:spcBef>
+                <a:spcPts val="1000"/>
+              </a:spcBef>
+              <a:buFont typeface="Arial" panose="020B0604020202020204" pitchFamily="34" charset="0"/>
+              <a:buChar char="•"/>
+              <a:defRPr sz="2800" kern="1200">
+                <a:solidFill>
+                  <a:schemeClr val="tx1"/>
+                </a:solidFill>
+                <a:latin typeface="+mn-lt"/>
+                <a:ea typeface="+mn-ea"/>
+                <a:cs typeface="+mn-cs"/>
+              </a:defRPr>
+            </a:lvl1pPr>
+            <a:lvl2pPr marL="685800" indent="-228600" algn="l" defTabSz="914400" rtl="0" eaLnBrk="1" latinLnBrk="0" hangingPunct="1">
+              <a:lnSpc>
+                <a:spcPct val="90000"/>
+              </a:lnSpc>
+              <a:spcBef>
+                <a:spcPts val="500"/>
+              </a:spcBef>
+              <a:buFont typeface="Arial" panose="020B0604020202020204" pitchFamily="34" charset="0"/>
+              <a:buChar char="•"/>
+              <a:defRPr sz="2400" kern="1200">
+                <a:solidFill>
+                  <a:schemeClr val="tx1"/>
+                </a:solidFill>
+                <a:latin typeface="+mn-lt"/>
+                <a:ea typeface="+mn-ea"/>
+                <a:cs typeface="+mn-cs"/>
+              </a:defRPr>
+            </a:lvl2pPr>
+            <a:lvl3pPr marL="1143000" indent="-228600" algn="l" defTabSz="914400" rtl="0" eaLnBrk="1" latinLnBrk="0" hangingPunct="1">
+              <a:lnSpc>
+                <a:spcPct val="90000"/>
+              </a:lnSpc>
+              <a:spcBef>
+                <a:spcPts val="500"/>
+              </a:spcBef>
+              <a:buFont typeface="Arial" panose="020B0604020202020204" pitchFamily="34" charset="0"/>
+              <a:buChar char="•"/>
+              <a:defRPr sz="2000" kern="1200">
+                <a:solidFill>
+                  <a:schemeClr val="tx1"/>
+                </a:solidFill>
+                <a:latin typeface="+mn-lt"/>
+                <a:ea typeface="+mn-ea"/>
+                <a:cs typeface="+mn-cs"/>
+              </a:defRPr>
+            </a:lvl3pPr>
+            <a:lvl4pPr marL="1600200" indent="-228600" algn="l" defTabSz="914400" rtl="0" eaLnBrk="1" latinLnBrk="0" hangingPunct="1">
+              <a:lnSpc>
+                <a:spcPct val="90000"/>
+              </a:lnSpc>
+              <a:spcBef>
+                <a:spcPts val="500"/>
+              </a:spcBef>
+              <a:buFont typeface="Arial" panose="020B0604020202020204" pitchFamily="34" charset="0"/>
+              <a:buChar char="•"/>
+              <a:defRPr sz="1800" kern="1200">
+                <a:solidFill>
+                  <a:schemeClr val="tx1"/>
+                </a:solidFill>
+                <a:latin typeface="+mn-lt"/>
+                <a:ea typeface="+mn-ea"/>
+                <a:cs typeface="+mn-cs"/>
+              </a:defRPr>
+            </a:lvl4pPr>
+            <a:lvl5pPr marL="2057400" indent="-228600" algn="l" defTabSz="914400" rtl="0" eaLnBrk="1" latinLnBrk="0" hangingPunct="1">
+              <a:lnSpc>
+                <a:spcPct val="90000"/>
+              </a:lnSpc>
+              <a:spcBef>
+                <a:spcPts val="500"/>
+              </a:spcBef>
+              <a:buFont typeface="Arial" panose="020B0604020202020204" pitchFamily="34" charset="0"/>
+              <a:buChar char="•"/>
+              <a:defRPr sz="1800" kern="1200">
+                <a:solidFill>
+                  <a:schemeClr val="tx1"/>
+                </a:solidFill>
+                <a:latin typeface="+mn-lt"/>
+                <a:ea typeface="+mn-ea"/>
+                <a:cs typeface="+mn-cs"/>
+              </a:defRPr>
+            </a:lvl5pPr>
+            <a:lvl6pPr marL="2514600" indent="-228600" algn="l" defTabSz="914400" rtl="0" eaLnBrk="1" latinLnBrk="0" hangingPunct="1">
+              <a:lnSpc>
+                <a:spcPct val="90000"/>
+              </a:lnSpc>
+              <a:spcBef>
+                <a:spcPts val="500"/>
+              </a:spcBef>
+              <a:buFont typeface="Arial" panose="020B0604020202020204" pitchFamily="34" charset="0"/>
+              <a:buChar char="•"/>
+              <a:defRPr sz="1800" kern="1200">
+                <a:solidFill>
+                  <a:schemeClr val="tx1"/>
+                </a:solidFill>
+                <a:latin typeface="+mn-lt"/>
+                <a:ea typeface="+mn-ea"/>
+                <a:cs typeface="+mn-cs"/>
+              </a:defRPr>
+            </a:lvl6pPr>
+            <a:lvl7pPr marL="2971800" indent="-228600" algn="l" defTabSz="914400" rtl="0" eaLnBrk="1" latinLnBrk="0" hangingPunct="1">
+              <a:lnSpc>
+                <a:spcPct val="90000"/>
+              </a:lnSpc>
+              <a:spcBef>
+                <a:spcPts val="500"/>
+              </a:spcBef>
+              <a:buFont typeface="Arial" panose="020B0604020202020204" pitchFamily="34" charset="0"/>
+              <a:buChar char="•"/>
+              <a:defRPr sz="1800" kern="1200">
+                <a:solidFill>
+                  <a:schemeClr val="tx1"/>
+                </a:solidFill>
+                <a:latin typeface="+mn-lt"/>
+                <a:ea typeface="+mn-ea"/>
+                <a:cs typeface="+mn-cs"/>
+              </a:defRPr>
+            </a:lvl7pPr>
+            <a:lvl8pPr marL="3429000" indent="-228600" algn="l" defTabSz="914400" rtl="0" eaLnBrk="1" latinLnBrk="0" hangingPunct="1">
+              <a:lnSpc>
+                <a:spcPct val="90000"/>
+              </a:lnSpc>
+              <a:spcBef>
+                <a:spcPts val="500"/>
+              </a:spcBef>
+              <a:buFont typeface="Arial" panose="020B0604020202020204" pitchFamily="34" charset="0"/>
+              <a:buChar char="•"/>
+              <a:defRPr sz="1800" kern="1200">
+                <a:solidFill>
+                  <a:schemeClr val="tx1"/>
+                </a:solidFill>
+                <a:latin typeface="+mn-lt"/>
+                <a:ea typeface="+mn-ea"/>
+                <a:cs typeface="+mn-cs"/>
+              </a:defRPr>
+            </a:lvl8pPr>
+            <a:lvl9pPr marL="3886200" indent="-228600" algn="l" defTabSz="914400" rtl="0" eaLnBrk="1" latinLnBrk="0" hangingPunct="1">
+              <a:lnSpc>
+                <a:spcPct val="90000"/>
+              </a:lnSpc>
+              <a:spcBef>
+                <a:spcPts val="500"/>
+              </a:spcBef>
+              <a:buFont typeface="Arial" panose="020B0604020202020204" pitchFamily="34" charset="0"/>
+              <a:buChar char="•"/>
+              <a:defRPr sz="1800" kern="1200">
+                <a:solidFill>
+                  <a:schemeClr val="tx1"/>
+                </a:solidFill>
+                <a:latin typeface="+mn-lt"/>
+                <a:ea typeface="+mn-ea"/>
+                <a:cs typeface="+mn-cs"/>
+              </a:defRPr>
+            </a:lvl9pPr>
+          </a:lstStyle>
+          <a:p>
+            <a:pPr algn="r" rtl="1"/>
+            <a:endParaRPr lang="fa-IR" sz="2000" b="1" dirty="0">
+              <a:cs typeface="B Nazanin" panose="00000400000000000000" pitchFamily="2" charset="-78"/>
+            </a:endParaRPr>
+          </a:p>
+          <a:p>
+            <a:pPr algn="r" rtl="1"/>
+            <a:endParaRPr lang="fa-IR" sz="2000" b="1" dirty="0">
+              <a:cs typeface="B Nazanin" panose="00000400000000000000" pitchFamily="2" charset="-78"/>
+            </a:endParaRPr>
+          </a:p>
+          <a:p>
+            <a:pPr algn="r" rtl="1"/>
+            <a:r>
+              <a:rPr lang="fa-IR" sz="2000" b="1" dirty="0" err="1">
+                <a:cs typeface="B Nazanin" panose="00000400000000000000" pitchFamily="2" charset="-78"/>
+              </a:rPr>
+              <a:t>بهره‌مندی</a:t>
+            </a:r>
+            <a:r>
+              <a:rPr lang="fa-IR" sz="2000" b="1" dirty="0">
+                <a:cs typeface="B Nazanin" panose="00000400000000000000" pitchFamily="2" charset="-78"/>
+              </a:rPr>
+              <a:t> از قابلیت ‌های یک مدل زبانی پیشرفته</a:t>
+            </a:r>
+          </a:p>
+          <a:p>
+            <a:pPr algn="r" rtl="1"/>
+            <a:endParaRPr lang="fa-IR" sz="2000" b="1" dirty="0">
+              <a:cs typeface="B Nazanin" panose="00000400000000000000" pitchFamily="2" charset="-78"/>
+            </a:endParaRPr>
+          </a:p>
+          <a:p>
+            <a:pPr marL="0" indent="0" algn="r" rtl="1">
+              <a:buNone/>
+            </a:pPr>
+            <a:endParaRPr lang="fa-IR" sz="2000" b="1" dirty="0">
+              <a:cs typeface="B Nazanin" panose="00000400000000000000" pitchFamily="2" charset="-78"/>
+            </a:endParaRPr>
+          </a:p>
+          <a:p>
+            <a:pPr algn="r" rtl="1"/>
+            <a:r>
+              <a:rPr lang="fa-IR" sz="2000" b="1" dirty="0">
+                <a:cs typeface="B Nazanin" panose="00000400000000000000" pitchFamily="2" charset="-78"/>
+              </a:rPr>
+              <a:t>سرعت بالا در افزودن مدارک و منابع</a:t>
+            </a:r>
+          </a:p>
+          <a:p>
+            <a:pPr algn="r" rtl="1"/>
+            <a:endParaRPr lang="fa-IR" sz="2000" b="1" dirty="0">
+              <a:cs typeface="B Nazanin" panose="00000400000000000000" pitchFamily="2" charset="-78"/>
+            </a:endParaRPr>
+          </a:p>
+          <a:p>
+            <a:pPr algn="r" rtl="1"/>
+            <a:r>
+              <a:rPr lang="fa-IR" sz="2000" b="1" dirty="0">
+                <a:cs typeface="B Nazanin" panose="00000400000000000000" pitchFamily="2" charset="-78"/>
+              </a:rPr>
+              <a:t>کنترل بالای دسترسی کاربران توسط مدیر</a:t>
+            </a:r>
+          </a:p>
+          <a:p>
+            <a:pPr algn="r" rtl="1"/>
+            <a:endParaRPr lang="fa-IR" sz="2000" b="1" dirty="0">
+              <a:cs typeface="B Nazanin" panose="00000400000000000000" pitchFamily="2" charset="-78"/>
+            </a:endParaRPr>
+          </a:p>
+          <a:p>
+            <a:pPr algn="r" rtl="1"/>
+            <a:r>
+              <a:rPr lang="fa-IR" sz="2000" b="1" dirty="0">
+                <a:cs typeface="B Nazanin" panose="00000400000000000000" pitchFamily="2" charset="-78"/>
+              </a:rPr>
+              <a:t>کیفیت پاسخ بالا</a:t>
+            </a:r>
+          </a:p>
+          <a:p>
+            <a:pPr algn="r" rtl="1"/>
+            <a:endParaRPr lang="fa-IR" sz="2000" b="1" dirty="0">
+              <a:cs typeface="B Nazanin" panose="00000400000000000000" pitchFamily="2" charset="-78"/>
+            </a:endParaRPr>
+          </a:p>
+          <a:p>
+            <a:pPr algn="r" rtl="1"/>
+            <a:r>
+              <a:rPr lang="fa-IR" sz="2000" b="1" dirty="0">
+                <a:cs typeface="B Nazanin" panose="00000400000000000000" pitchFamily="2" charset="-78"/>
+              </a:rPr>
+              <a:t>هزینه </a:t>
+            </a:r>
+            <a:r>
+              <a:rPr lang="fa-IR" sz="2000" b="1" dirty="0" err="1">
+                <a:cs typeface="B Nazanin" panose="00000400000000000000" pitchFamily="2" charset="-78"/>
+              </a:rPr>
+              <a:t>محاسباتی</a:t>
+            </a:r>
+            <a:r>
+              <a:rPr lang="fa-IR" sz="2000" b="1" dirty="0">
+                <a:cs typeface="B Nazanin" panose="00000400000000000000" pitchFamily="2" charset="-78"/>
+              </a:rPr>
+              <a:t> (و اقتصادی) پایین</a:t>
+            </a:r>
+          </a:p>
+          <a:p>
+            <a:pPr algn="r" rtl="1"/>
+            <a:endParaRPr lang="fa-IR" sz="1400" dirty="0"/>
+          </a:p>
+          <a:p>
+            <a:pPr algn="r" rtl="1"/>
+            <a:endParaRPr lang="fa-IR" sz="2000" b="1" dirty="0">
+              <a:cs typeface="B Nazanin" panose="00000400000000000000" pitchFamily="2" charset="-78"/>
+            </a:endParaRPr>
+          </a:p>
+          <a:p>
+            <a:pPr algn="r" rtl="1"/>
+            <a:endParaRPr lang="fa-IR" sz="2000" b="1" dirty="0">
+              <a:cs typeface="B Nazanin" panose="00000400000000000000" pitchFamily="2" charset="-78"/>
+            </a:endParaRPr>
+          </a:p>
+          <a:p>
+            <a:pPr algn="r" rtl="1"/>
+            <a:endParaRPr lang="fa-IR" sz="2000" b="1" dirty="0">
+              <a:cs typeface="B Nazanin" panose="00000400000000000000" pitchFamily="2" charset="-78"/>
+            </a:endParaRPr>
+          </a:p>
+          <a:p>
+            <a:pPr algn="r" rtl="1"/>
+            <a:endParaRPr lang="fa-IR" sz="2000" b="1" dirty="0">
+              <a:cs typeface="B Nazanin" panose="00000400000000000000" pitchFamily="2" charset="-78"/>
+            </a:endParaRPr>
+          </a:p>
+          <a:p>
+            <a:pPr algn="r" rtl="1"/>
+            <a:endParaRPr lang="fa-IR" sz="2000" b="1" dirty="0">
+              <a:cs typeface="B Nazanin" panose="00000400000000000000" pitchFamily="2" charset="-78"/>
+            </a:endParaRPr>
+          </a:p>
+          <a:p>
+            <a:pPr algn="r" rtl="1"/>
+            <a:endParaRPr lang="fa-IR" sz="2000" b="1" dirty="0">
+              <a:cs typeface="B Nazanin" panose="00000400000000000000" pitchFamily="2" charset="-78"/>
+            </a:endParaRPr>
+          </a:p>
+          <a:p>
+            <a:pPr algn="r" rtl="1"/>
+            <a:endParaRPr lang="fa-IR" sz="2000" b="1" dirty="0">
+              <a:cs typeface="B Nazanin" panose="00000400000000000000" pitchFamily="2" charset="-78"/>
+            </a:endParaRPr>
+          </a:p>
+          <a:p>
+            <a:pPr algn="r" rtl="1"/>
+            <a:endParaRPr lang="fa-IR" sz="2000" b="1" dirty="0">
+              <a:cs typeface="B Nazanin" panose="00000400000000000000" pitchFamily="2" charset="-78"/>
+            </a:endParaRPr>
+          </a:p>
+          <a:p>
+            <a:pPr algn="r" rtl="1"/>
+            <a:endParaRPr lang="fa-IR" sz="2000" b="1" dirty="0">
+              <a:cs typeface="B Nazanin" panose="00000400000000000000" pitchFamily="2" charset="-78"/>
+            </a:endParaRPr>
+          </a:p>
+          <a:p>
+            <a:pPr algn="r" rtl="1"/>
+            <a:endParaRPr lang="fa-IR" sz="2000" b="1" dirty="0">
+              <a:cs typeface="B Nazanin" panose="00000400000000000000" pitchFamily="2" charset="-78"/>
+            </a:endParaRPr>
+          </a:p>
+        </p:txBody>
+      </p:sp>
+      <p:sp>
+        <p:nvSpPr>
+          <p:cNvPr id="10" name="Cross 9">
+            <a:extLst>
+              <a:ext uri="{FF2B5EF4-FFF2-40B4-BE49-F238E27FC236}">
+                <a16:creationId xmlns:a16="http://schemas.microsoft.com/office/drawing/2014/main" id="{30213B54-C08B-4026-F33C-AF8DD197F837}"/>
+              </a:ext>
+            </a:extLst>
+          </p:cNvPr>
+          <p:cNvSpPr/>
+          <p:nvPr/>
+        </p:nvSpPr>
+        <p:spPr>
+          <a:xfrm>
+            <a:off x="4039467" y="2143611"/>
+            <a:ext cx="1088160" cy="1083762"/>
+          </a:xfrm>
+          <a:prstGeom prst="plus">
+            <a:avLst>
+              <a:gd name="adj" fmla="val 42774"/>
+            </a:avLst>
+          </a:prstGeom>
+          <a:gradFill flip="none" rotWithShape="1">
+            <a:gsLst>
+              <a:gs pos="0">
+                <a:schemeClr val="accent6">
+                  <a:lumMod val="60000"/>
+                  <a:lumOff val="40000"/>
+                  <a:shade val="30000"/>
+                  <a:satMod val="115000"/>
+                </a:schemeClr>
+              </a:gs>
+              <a:gs pos="50000">
+                <a:schemeClr val="accent6">
+                  <a:lumMod val="60000"/>
+                  <a:lumOff val="40000"/>
+                  <a:shade val="67500"/>
+                  <a:satMod val="115000"/>
+                </a:schemeClr>
+              </a:gs>
+              <a:gs pos="100000">
+                <a:schemeClr val="accent6">
+                  <a:lumMod val="60000"/>
+                  <a:lumOff val="40000"/>
+                  <a:shade val="100000"/>
+                  <a:satMod val="115000"/>
+                </a:schemeClr>
+              </a:gs>
+            </a:gsLst>
+            <a:lin ang="5400000" scaled="1"/>
+            <a:tileRect/>
+          </a:gradFill>
+          <a:ln>
+            <a:noFill/>
+          </a:ln>
+        </p:spPr>
+        <p:style>
+          <a:lnRef idx="2">
+            <a:schemeClr val="accent1">
+              <a:shade val="15000"/>
+            </a:schemeClr>
+          </a:lnRef>
+          <a:fillRef idx="1">
+            <a:schemeClr val="accent1"/>
+          </a:fillRef>
+          <a:effectRef idx="0">
+            <a:schemeClr val="accent1"/>
+          </a:effectRef>
+          <a:fontRef idx="minor">
+            <a:schemeClr val="lt1"/>
+          </a:fontRef>
+        </p:style>
+        <p:txBody>
+          <a:bodyPr rtlCol="1" anchor="ctr"/>
+          <a:lstStyle/>
+          <a:p>
+            <a:pPr algn="ctr"/>
+            <a:endParaRPr lang="fa-IR" dirty="0"/>
+          </a:p>
+        </p:txBody>
+      </p:sp>
+      <p:graphicFrame>
+        <p:nvGraphicFramePr>
+          <p:cNvPr id="15" name="Diagram 14">
+            <a:extLst>
+              <a:ext uri="{FF2B5EF4-FFF2-40B4-BE49-F238E27FC236}">
+                <a16:creationId xmlns:a16="http://schemas.microsoft.com/office/drawing/2014/main" id="{86ADEB2C-C55B-CFE0-2879-37C99269FD43}"/>
+              </a:ext>
+            </a:extLst>
+          </p:cNvPr>
+          <p:cNvGraphicFramePr/>
+          <p:nvPr>
+            <p:extLst>
+              <p:ext uri="{D42A27DB-BD31-4B8C-83A1-F6EECF244321}">
+                <p14:modId xmlns:p14="http://schemas.microsoft.com/office/powerpoint/2010/main" val="1714846956"/>
+              </p:ext>
+            </p:extLst>
+          </p:nvPr>
+        </p:nvGraphicFramePr>
+        <p:xfrm>
+          <a:off x="444500" y="2454660"/>
+          <a:ext cx="3406487" cy="461665"/>
+        </p:xfrm>
+        <a:graphic>
+          <a:graphicData uri="http://schemas.openxmlformats.org/drawingml/2006/diagram">
+            <dgm:relIds xmlns:dgm="http://schemas.openxmlformats.org/drawingml/2006/diagram" xmlns:r="http://schemas.openxmlformats.org/officeDocument/2006/relationships" r:dm="rId8" r:lo="rId9" r:qs="rId10" r:cs="rId11"/>
+          </a:graphicData>
+        </a:graphic>
+      </p:graphicFrame>
+    </p:spTree>
+    <p:extLst>
+      <p:ext uri="{BB962C8B-B14F-4D97-AF65-F5344CB8AC3E}">
+        <p14:creationId xmlns:p14="http://schemas.microsoft.com/office/powerpoint/2010/main" val="393327809"/>
+      </p:ext>
+    </p:extLst>
+  </p:cSld>
+  <p:clrMapOvr>
+    <a:masterClrMapping/>
+  </p:clrMapOvr>
+</p:sld>
+</file>
+
+<file path=ppt/slides/slide11.xml><?xml version="1.0" encoding="utf-8"?>
+<p:sld xmlns:a="http://schemas.openxmlformats.org/drawingml/2006/main" xmlns:r="http://schemas.openxmlformats.org/officeDocument/2006/relationships" xmlns:p="http://schemas.openxmlformats.org/presentationml/2006/main">
+  <p:cSld>
+    <p:spTree>
+      <p:nvGrpSpPr>
         <p:cNvPr id="1" name=""/>
         <p:cNvGrpSpPr/>
         <p:nvPr/>
@@ -6916,7 +9959,7 @@
 </p:sld>
 </file>
 
-<file path=ppt/slides/slide11.xml><?xml version="1.0" encoding="utf-8"?>
+<file path=ppt/slides/slide12.xml><?xml version="1.0" encoding="utf-8"?>
 <p:sld xmlns:a="http://schemas.openxmlformats.org/drawingml/2006/main" xmlns:r="http://schemas.openxmlformats.org/officeDocument/2006/relationships" xmlns:p="http://schemas.openxmlformats.org/presentationml/2006/main">
   <p:cSld>
     <p:spTree>
@@ -7009,7 +10052,7 @@
 </p:sld>
 </file>
 
-<file path=ppt/slides/slide12.xml><?xml version="1.0" encoding="utf-8"?>
+<file path=ppt/slides/slide13.xml><?xml version="1.0" encoding="utf-8"?>
 <p:sld xmlns:a="http://schemas.openxmlformats.org/drawingml/2006/main" xmlns:r="http://schemas.openxmlformats.org/officeDocument/2006/relationships" xmlns:p="http://schemas.openxmlformats.org/presentationml/2006/main">
   <p:cSld>
     <p:spTree>
@@ -7089,7 +10132,7 @@
 </p:sld>
 </file>
 
-<file path=ppt/slides/slide13.xml><?xml version="1.0" encoding="utf-8"?>
+<file path=ppt/slides/slide14.xml><?xml version="1.0" encoding="utf-8"?>
 <p:sld xmlns:a="http://schemas.openxmlformats.org/drawingml/2006/main" xmlns:r="http://schemas.openxmlformats.org/officeDocument/2006/relationships" xmlns:p="http://schemas.openxmlformats.org/presentationml/2006/main">
   <p:cSld>
     <p:spTree>
@@ -7169,7 +10212,7 @@
 </p:sld>
 </file>
 
-<file path=ppt/slides/slide14.xml><?xml version="1.0" encoding="utf-8"?>
+<file path=ppt/slides/slide15.xml><?xml version="1.0" encoding="utf-8"?>
 <p:sld xmlns:a="http://schemas.openxmlformats.org/drawingml/2006/main" xmlns:r="http://schemas.openxmlformats.org/officeDocument/2006/relationships" xmlns:p="http://schemas.openxmlformats.org/presentationml/2006/main">
   <p:cSld>
     <p:spTree>
@@ -7249,7 +10292,7 @@
 </p:sld>
 </file>
 
-<file path=ppt/slides/slide15.xml><?xml version="1.0" encoding="utf-8"?>
+<file path=ppt/slides/slide16.xml><?xml version="1.0" encoding="utf-8"?>
 <p:sld xmlns:a="http://schemas.openxmlformats.org/drawingml/2006/main" xmlns:r="http://schemas.openxmlformats.org/officeDocument/2006/relationships" xmlns:p="http://schemas.openxmlformats.org/presentationml/2006/main">
   <p:cSld>
     <p:spTree>
@@ -8456,7 +11499,7 @@
         </p:blipFill>
         <p:spPr>
           <a:xfrm>
-            <a:off x="8579370" y="-123655"/>
+            <a:off x="8717916" y="-206782"/>
             <a:ext cx="3612630" cy="3552655"/>
           </a:xfrm>
           <a:prstGeom prst="rect">
@@ -10575,6 +13618,717 @@
       </p:grpSpPr>
       <p:sp>
         <p:nvSpPr>
+          <p:cNvPr id="2" name="Title 1">
+            <a:extLst>
+              <a:ext uri="{FF2B5EF4-FFF2-40B4-BE49-F238E27FC236}">
+                <a16:creationId xmlns:a16="http://schemas.microsoft.com/office/drawing/2014/main" id="{9B9A8838-1FB7-91A6-1575-61287B31164B}"/>
+              </a:ext>
+            </a:extLst>
+          </p:cNvPr>
+          <p:cNvSpPr>
+            <a:spLocks noGrp="1"/>
+          </p:cNvSpPr>
+          <p:nvPr>
+            <p:ph type="title"/>
+          </p:nvPr>
+        </p:nvSpPr>
+        <p:spPr/>
+        <p:txBody>
+          <a:bodyPr>
+            <a:normAutofit/>
+          </a:bodyPr>
+          <a:lstStyle/>
+          <a:p>
+            <a:pPr algn="r"/>
+            <a:r>
+              <a:rPr lang="fa-IR" sz="3200" b="1" dirty="0">
+                <a:cs typeface="B Nazanin" panose="00000400000000000000" pitchFamily="2" charset="-78"/>
+              </a:rPr>
+              <a:t>مراحل افزوده شدن یک مدرک به پایگاه داده برداری</a:t>
+            </a:r>
+          </a:p>
+        </p:txBody>
+      </p:sp>
+      <p:grpSp>
+        <p:nvGrpSpPr>
+          <p:cNvPr id="50" name="Group 49">
+            <a:extLst>
+              <a:ext uri="{FF2B5EF4-FFF2-40B4-BE49-F238E27FC236}">
+                <a16:creationId xmlns:a16="http://schemas.microsoft.com/office/drawing/2014/main" id="{DD8B0A84-65F9-4E3C-2541-24A1C1BF5F67}"/>
+              </a:ext>
+            </a:extLst>
+          </p:cNvPr>
+          <p:cNvGrpSpPr/>
+          <p:nvPr/>
+        </p:nvGrpSpPr>
+        <p:grpSpPr>
+          <a:xfrm>
+            <a:off x="1275040" y="2254488"/>
+            <a:ext cx="3444742" cy="3088025"/>
+            <a:chOff x="1819985" y="1746488"/>
+            <a:chExt cx="3444742" cy="3088025"/>
+          </a:xfrm>
+        </p:grpSpPr>
+        <p:cxnSp>
+          <p:nvCxnSpPr>
+            <p:cNvPr id="18" name="Straight Arrow Connector 17">
+              <a:extLst>
+                <a:ext uri="{FF2B5EF4-FFF2-40B4-BE49-F238E27FC236}">
+                  <a16:creationId xmlns:a16="http://schemas.microsoft.com/office/drawing/2014/main" id="{DF50FA88-43A9-B9D1-694A-0437344F583B}"/>
+                </a:ext>
+              </a:extLst>
+            </p:cNvPr>
+            <p:cNvCxnSpPr>
+              <a:cxnSpLocks/>
+            </p:cNvCxnSpPr>
+            <p:nvPr/>
+          </p:nvCxnSpPr>
+          <p:spPr>
+            <a:xfrm flipV="1">
+              <a:off x="2486268" y="2033561"/>
+              <a:ext cx="1522314" cy="1193685"/>
+            </a:xfrm>
+            <a:prstGeom prst="straightConnector1">
+              <a:avLst/>
+            </a:prstGeom>
+            <a:ln>
+              <a:tailEnd type="triangle"/>
+            </a:ln>
+          </p:spPr>
+          <p:style>
+            <a:lnRef idx="1">
+              <a:schemeClr val="accent1"/>
+            </a:lnRef>
+            <a:fillRef idx="0">
+              <a:schemeClr val="accent1"/>
+            </a:fillRef>
+            <a:effectRef idx="0">
+              <a:schemeClr val="accent1"/>
+            </a:effectRef>
+            <a:fontRef idx="minor">
+              <a:schemeClr val="tx1"/>
+            </a:fontRef>
+          </p:style>
+        </p:cxnSp>
+        <p:cxnSp>
+          <p:nvCxnSpPr>
+            <p:cNvPr id="29" name="Straight Arrow Connector 28">
+              <a:extLst>
+                <a:ext uri="{FF2B5EF4-FFF2-40B4-BE49-F238E27FC236}">
+                  <a16:creationId xmlns:a16="http://schemas.microsoft.com/office/drawing/2014/main" id="{5AE6DC54-F24D-BC66-5668-25725BD5FF2D}"/>
+                </a:ext>
+              </a:extLst>
+            </p:cNvPr>
+            <p:cNvCxnSpPr>
+              <a:cxnSpLocks/>
+            </p:cNvCxnSpPr>
+            <p:nvPr/>
+          </p:nvCxnSpPr>
+          <p:spPr>
+            <a:xfrm flipV="1">
+              <a:off x="2486268" y="2378675"/>
+              <a:ext cx="1522314" cy="848571"/>
+            </a:xfrm>
+            <a:prstGeom prst="straightConnector1">
+              <a:avLst/>
+            </a:prstGeom>
+            <a:ln>
+              <a:tailEnd type="triangle"/>
+            </a:ln>
+          </p:spPr>
+          <p:style>
+            <a:lnRef idx="1">
+              <a:schemeClr val="accent1"/>
+            </a:lnRef>
+            <a:fillRef idx="0">
+              <a:schemeClr val="accent1"/>
+            </a:fillRef>
+            <a:effectRef idx="0">
+              <a:schemeClr val="accent1"/>
+            </a:effectRef>
+            <a:fontRef idx="minor">
+              <a:schemeClr val="tx1"/>
+            </a:fontRef>
+          </p:style>
+        </p:cxnSp>
+        <p:cxnSp>
+          <p:nvCxnSpPr>
+            <p:cNvPr id="30" name="Straight Arrow Connector 29">
+              <a:extLst>
+                <a:ext uri="{FF2B5EF4-FFF2-40B4-BE49-F238E27FC236}">
+                  <a16:creationId xmlns:a16="http://schemas.microsoft.com/office/drawing/2014/main" id="{46B88ACD-334E-F01D-D4C0-7413D5754B1D}"/>
+                </a:ext>
+              </a:extLst>
+            </p:cNvPr>
+            <p:cNvCxnSpPr>
+              <a:cxnSpLocks/>
+            </p:cNvCxnSpPr>
+            <p:nvPr/>
+          </p:nvCxnSpPr>
+          <p:spPr>
+            <a:xfrm>
+              <a:off x="2519008" y="3290500"/>
+              <a:ext cx="1489574" cy="875100"/>
+            </a:xfrm>
+            <a:prstGeom prst="straightConnector1">
+              <a:avLst/>
+            </a:prstGeom>
+            <a:ln>
+              <a:tailEnd type="triangle"/>
+            </a:ln>
+          </p:spPr>
+          <p:style>
+            <a:lnRef idx="1">
+              <a:schemeClr val="accent1"/>
+            </a:lnRef>
+            <a:fillRef idx="0">
+              <a:schemeClr val="accent1"/>
+            </a:fillRef>
+            <a:effectRef idx="0">
+              <a:schemeClr val="accent1"/>
+            </a:effectRef>
+            <a:fontRef idx="minor">
+              <a:schemeClr val="tx1"/>
+            </a:fontRef>
+          </p:style>
+        </p:cxnSp>
+        <p:cxnSp>
+          <p:nvCxnSpPr>
+            <p:cNvPr id="31" name="Straight Arrow Connector 30">
+              <a:extLst>
+                <a:ext uri="{FF2B5EF4-FFF2-40B4-BE49-F238E27FC236}">
+                  <a16:creationId xmlns:a16="http://schemas.microsoft.com/office/drawing/2014/main" id="{1F07367B-B0EE-5466-27A9-3C44681A4F5C}"/>
+                </a:ext>
+              </a:extLst>
+            </p:cNvPr>
+            <p:cNvCxnSpPr>
+              <a:cxnSpLocks/>
+            </p:cNvCxnSpPr>
+            <p:nvPr/>
+          </p:nvCxnSpPr>
+          <p:spPr>
+            <a:xfrm flipV="1">
+              <a:off x="2486268" y="2755562"/>
+              <a:ext cx="1565985" cy="471684"/>
+            </a:xfrm>
+            <a:prstGeom prst="straightConnector1">
+              <a:avLst/>
+            </a:prstGeom>
+            <a:ln>
+              <a:tailEnd type="triangle"/>
+            </a:ln>
+          </p:spPr>
+          <p:style>
+            <a:lnRef idx="1">
+              <a:schemeClr val="accent1"/>
+            </a:lnRef>
+            <a:fillRef idx="0">
+              <a:schemeClr val="accent1"/>
+            </a:fillRef>
+            <a:effectRef idx="0">
+              <a:schemeClr val="accent1"/>
+            </a:effectRef>
+            <a:fontRef idx="minor">
+              <a:schemeClr val="tx1"/>
+            </a:fontRef>
+          </p:style>
+        </p:cxnSp>
+        <p:cxnSp>
+          <p:nvCxnSpPr>
+            <p:cNvPr id="41" name="Straight Arrow Connector 40">
+              <a:extLst>
+                <a:ext uri="{FF2B5EF4-FFF2-40B4-BE49-F238E27FC236}">
+                  <a16:creationId xmlns:a16="http://schemas.microsoft.com/office/drawing/2014/main" id="{DC25095D-FD1D-25BF-BE8F-ABCCDFBD0FEB}"/>
+                </a:ext>
+              </a:extLst>
+            </p:cNvPr>
+            <p:cNvCxnSpPr>
+              <a:cxnSpLocks/>
+            </p:cNvCxnSpPr>
+            <p:nvPr/>
+          </p:nvCxnSpPr>
+          <p:spPr>
+            <a:xfrm>
+              <a:off x="2344566" y="3241263"/>
+              <a:ext cx="1707687" cy="268555"/>
+            </a:xfrm>
+            <a:prstGeom prst="straightConnector1">
+              <a:avLst/>
+            </a:prstGeom>
+            <a:ln w="9525" cap="flat" cmpd="sng" algn="ctr">
+              <a:solidFill>
+                <a:schemeClr val="accent1"/>
+              </a:solidFill>
+              <a:prstDash val="dash"/>
+              <a:round/>
+              <a:headEnd type="none" w="med" len="med"/>
+              <a:tailEnd type="none" w="med" len="med"/>
+            </a:ln>
+          </p:spPr>
+          <p:style>
+            <a:lnRef idx="0">
+              <a:scrgbClr r="0" g="0" b="0"/>
+            </a:lnRef>
+            <a:fillRef idx="0">
+              <a:scrgbClr r="0" g="0" b="0"/>
+            </a:fillRef>
+            <a:effectRef idx="0">
+              <a:scrgbClr r="0" g="0" b="0"/>
+            </a:effectRef>
+            <a:fontRef idx="minor">
+              <a:schemeClr val="tx1"/>
+            </a:fontRef>
+          </p:style>
+        </p:cxnSp>
+        <p:cxnSp>
+          <p:nvCxnSpPr>
+            <p:cNvPr id="42" name="Straight Arrow Connector 41">
+              <a:extLst>
+                <a:ext uri="{FF2B5EF4-FFF2-40B4-BE49-F238E27FC236}">
+                  <a16:creationId xmlns:a16="http://schemas.microsoft.com/office/drawing/2014/main" id="{B237CBAB-C665-C702-3046-8975FCC1D8D9}"/>
+                </a:ext>
+              </a:extLst>
+            </p:cNvPr>
+            <p:cNvCxnSpPr>
+              <a:cxnSpLocks/>
+            </p:cNvCxnSpPr>
+            <p:nvPr/>
+          </p:nvCxnSpPr>
+          <p:spPr>
+            <a:xfrm flipV="1">
+              <a:off x="2445122" y="3140364"/>
+              <a:ext cx="1607131" cy="100899"/>
+            </a:xfrm>
+            <a:prstGeom prst="straightConnector1">
+              <a:avLst/>
+            </a:prstGeom>
+            <a:ln w="9525" cap="flat" cmpd="sng" algn="ctr">
+              <a:solidFill>
+                <a:schemeClr val="accent1"/>
+              </a:solidFill>
+              <a:prstDash val="dash"/>
+              <a:round/>
+              <a:headEnd type="none" w="med" len="med"/>
+              <a:tailEnd type="none" w="med" len="med"/>
+            </a:ln>
+          </p:spPr>
+          <p:style>
+            <a:lnRef idx="0">
+              <a:scrgbClr r="0" g="0" b="0"/>
+            </a:lnRef>
+            <a:fillRef idx="0">
+              <a:scrgbClr r="0" g="0" b="0"/>
+            </a:fillRef>
+            <a:effectRef idx="0">
+              <a:scrgbClr r="0" g="0" b="0"/>
+            </a:effectRef>
+            <a:fontRef idx="minor">
+              <a:schemeClr val="tx1"/>
+            </a:fontRef>
+          </p:style>
+        </p:cxnSp>
+        <p:cxnSp>
+          <p:nvCxnSpPr>
+            <p:cNvPr id="47" name="Straight Arrow Connector 46">
+              <a:extLst>
+                <a:ext uri="{FF2B5EF4-FFF2-40B4-BE49-F238E27FC236}">
+                  <a16:creationId xmlns:a16="http://schemas.microsoft.com/office/drawing/2014/main" id="{FBB08D44-9631-85E9-B3F7-6721842F79EC}"/>
+                </a:ext>
+              </a:extLst>
+            </p:cNvPr>
+            <p:cNvCxnSpPr>
+              <a:cxnSpLocks/>
+            </p:cNvCxnSpPr>
+            <p:nvPr/>
+          </p:nvCxnSpPr>
+          <p:spPr>
+            <a:xfrm>
+              <a:off x="2445122" y="3255280"/>
+              <a:ext cx="1563460" cy="587047"/>
+            </a:xfrm>
+            <a:prstGeom prst="straightConnector1">
+              <a:avLst/>
+            </a:prstGeom>
+            <a:ln w="9525" cap="flat" cmpd="sng" algn="ctr">
+              <a:solidFill>
+                <a:schemeClr val="accent1"/>
+              </a:solidFill>
+              <a:prstDash val="dash"/>
+              <a:round/>
+              <a:headEnd type="none" w="med" len="med"/>
+              <a:tailEnd type="none" w="med" len="med"/>
+            </a:ln>
+          </p:spPr>
+          <p:style>
+            <a:lnRef idx="0">
+              <a:scrgbClr r="0" g="0" b="0"/>
+            </a:lnRef>
+            <a:fillRef idx="0">
+              <a:scrgbClr r="0" g="0" b="0"/>
+            </a:fillRef>
+            <a:effectRef idx="0">
+              <a:scrgbClr r="0" g="0" b="0"/>
+            </a:effectRef>
+            <a:fontRef idx="minor">
+              <a:schemeClr val="tx1"/>
+            </a:fontRef>
+          </p:style>
+        </p:cxnSp>
+        <p:pic>
+          <p:nvPicPr>
+            <p:cNvPr id="4" name="Picture 3">
+              <a:extLst>
+                <a:ext uri="{FF2B5EF4-FFF2-40B4-BE49-F238E27FC236}">
+                  <a16:creationId xmlns:a16="http://schemas.microsoft.com/office/drawing/2014/main" id="{0136540F-01CF-8287-502D-463495BDEF8E}"/>
+                </a:ext>
+              </a:extLst>
+            </p:cNvPr>
+            <p:cNvPicPr>
+              <a:picLocks noChangeAspect="1"/>
+            </p:cNvPicPr>
+            <p:nvPr/>
+          </p:nvPicPr>
+          <p:blipFill>
+            <a:blip r:embed="rId2">
+              <a:extLst>
+                <a:ext uri="{28A0092B-C50C-407E-A947-70E740481C1C}">
+                  <a14:useLocalDpi xmlns:a14="http://schemas.microsoft.com/office/drawing/2010/main" val="0"/>
+                </a:ext>
+              </a:extLst>
+            </a:blip>
+            <a:stretch>
+              <a:fillRect/>
+            </a:stretch>
+          </p:blipFill>
+          <p:spPr>
+            <a:xfrm>
+              <a:off x="1819985" y="2801840"/>
+              <a:ext cx="819104" cy="819104"/>
+            </a:xfrm>
+            <a:prstGeom prst="rect">
+              <a:avLst/>
+            </a:prstGeom>
+          </p:spPr>
+        </p:pic>
+        <p:sp>
+          <p:nvSpPr>
+            <p:cNvPr id="25" name="TextBox 24">
+              <a:extLst>
+                <a:ext uri="{FF2B5EF4-FFF2-40B4-BE49-F238E27FC236}">
+                  <a16:creationId xmlns:a16="http://schemas.microsoft.com/office/drawing/2014/main" id="{00975F05-7064-D0D3-EE94-9559F1AF0FDC}"/>
+                </a:ext>
+              </a:extLst>
+            </p:cNvPr>
+            <p:cNvSpPr txBox="1"/>
+            <p:nvPr/>
+          </p:nvSpPr>
+          <p:spPr>
+            <a:xfrm>
+              <a:off x="4008582" y="1746488"/>
+              <a:ext cx="1256145" cy="3088025"/>
+            </a:xfrm>
+            <a:prstGeom prst="rect">
+              <a:avLst/>
+            </a:prstGeom>
+            <a:noFill/>
+          </p:spPr>
+          <p:txBody>
+            <a:bodyPr wrap="square" rtlCol="1">
+              <a:spAutoFit/>
+            </a:bodyPr>
+            <a:lstStyle/>
+            <a:p>
+              <a:pPr>
+                <a:lnSpc>
+                  <a:spcPct val="150000"/>
+                </a:lnSpc>
+              </a:pPr>
+              <a:r>
+                <a:rPr lang="en-US" sz="1600" dirty="0"/>
+                <a:t>Chunk 1</a:t>
+              </a:r>
+            </a:p>
+            <a:p>
+              <a:pPr>
+                <a:lnSpc>
+                  <a:spcPct val="150000"/>
+                </a:lnSpc>
+              </a:pPr>
+              <a:r>
+                <a:rPr lang="en-US" sz="1600" dirty="0"/>
+                <a:t>Chunk 1</a:t>
+              </a:r>
+              <a:endParaRPr lang="fa-IR" sz="1600" dirty="0"/>
+            </a:p>
+            <a:p>
+              <a:pPr>
+                <a:lnSpc>
+                  <a:spcPct val="150000"/>
+                </a:lnSpc>
+              </a:pPr>
+              <a:r>
+                <a:rPr lang="en-US" sz="1600" dirty="0"/>
+                <a:t>Chunk 1</a:t>
+              </a:r>
+              <a:endParaRPr lang="fa-IR" sz="1600" dirty="0"/>
+            </a:p>
+            <a:p>
+              <a:pPr>
+                <a:lnSpc>
+                  <a:spcPct val="150000"/>
+                </a:lnSpc>
+              </a:pPr>
+              <a:r>
+                <a:rPr lang="en-US" sz="1600" dirty="0"/>
+                <a:t>.</a:t>
+              </a:r>
+            </a:p>
+            <a:p>
+              <a:pPr>
+                <a:lnSpc>
+                  <a:spcPct val="150000"/>
+                </a:lnSpc>
+              </a:pPr>
+              <a:r>
+                <a:rPr lang="en-US" sz="1600" dirty="0"/>
+                <a:t>.</a:t>
+              </a:r>
+            </a:p>
+            <a:p>
+              <a:pPr>
+                <a:lnSpc>
+                  <a:spcPct val="150000"/>
+                </a:lnSpc>
+              </a:pPr>
+              <a:r>
+                <a:rPr lang="en-US" sz="1600" dirty="0"/>
+                <a:t>.</a:t>
+              </a:r>
+            </a:p>
+            <a:p>
+              <a:pPr>
+                <a:lnSpc>
+                  <a:spcPct val="150000"/>
+                </a:lnSpc>
+              </a:pPr>
+              <a:r>
+                <a:rPr lang="en-US" sz="1600" dirty="0"/>
+                <a:t>Chunk N</a:t>
+              </a:r>
+              <a:endParaRPr lang="fa-IR" sz="1600" dirty="0"/>
+            </a:p>
+            <a:p>
+              <a:pPr>
+                <a:lnSpc>
+                  <a:spcPct val="150000"/>
+                </a:lnSpc>
+              </a:pPr>
+              <a:endParaRPr lang="fa-IR" sz="1600" dirty="0"/>
+            </a:p>
+          </p:txBody>
+        </p:sp>
+      </p:grpSp>
+      <p:sp>
+        <p:nvSpPr>
+          <p:cNvPr id="51" name="Rectangle: Rounded Corners 50">
+            <a:extLst>
+              <a:ext uri="{FF2B5EF4-FFF2-40B4-BE49-F238E27FC236}">
+                <a16:creationId xmlns:a16="http://schemas.microsoft.com/office/drawing/2014/main" id="{AB27AFBA-7D5A-EEB7-9AE7-7866C577AFAE}"/>
+              </a:ext>
+            </a:extLst>
+          </p:cNvPr>
+          <p:cNvSpPr/>
+          <p:nvPr/>
+        </p:nvSpPr>
+        <p:spPr>
+          <a:xfrm>
+            <a:off x="5160698" y="2765451"/>
+            <a:ext cx="2533193" cy="1252367"/>
+          </a:xfrm>
+          <a:prstGeom prst="roundRect">
+            <a:avLst/>
+          </a:prstGeom>
+          <a:gradFill>
+            <a:gsLst>
+              <a:gs pos="0">
+                <a:srgbClr val="BCC7E6"/>
+              </a:gs>
+              <a:gs pos="50000">
+                <a:srgbClr val="C4CEEA"/>
+              </a:gs>
+              <a:gs pos="100000">
+                <a:srgbClr val="A6B7E2"/>
+              </a:gs>
+            </a:gsLst>
+          </a:gradFill>
+          <a:ln>
+            <a:noFill/>
+          </a:ln>
+          <a:effectLst>
+            <a:outerShdw blurRad="44450" dist="27940" dir="5400000" algn="ctr">
+              <a:srgbClr val="000000">
+                <a:alpha val="32000"/>
+              </a:srgbClr>
+            </a:outerShdw>
+          </a:effectLst>
+          <a:scene3d>
+            <a:camera prst="orthographicFront">
+              <a:rot lat="0" lon="0" rev="0"/>
+            </a:camera>
+            <a:lightRig rig="balanced" dir="t">
+              <a:rot lat="0" lon="0" rev="8700000"/>
+            </a:lightRig>
+          </a:scene3d>
+          <a:sp3d>
+            <a:bevelT w="190500" h="38100"/>
+          </a:sp3d>
+        </p:spPr>
+        <p:style>
+          <a:lnRef idx="1">
+            <a:schemeClr val="accent1"/>
+          </a:lnRef>
+          <a:fillRef idx="2">
+            <a:schemeClr val="accent1"/>
+          </a:fillRef>
+          <a:effectRef idx="1">
+            <a:schemeClr val="accent1"/>
+          </a:effectRef>
+          <a:fontRef idx="minor">
+            <a:schemeClr val="dk1"/>
+          </a:fontRef>
+        </p:style>
+        <p:txBody>
+          <a:bodyPr rtlCol="1" anchor="ctr"/>
+          <a:lstStyle/>
+          <a:p>
+            <a:pPr algn="ctr"/>
+            <a:r>
+              <a:rPr lang="fa-IR" b="1" dirty="0">
+                <a:cs typeface="B Nazanin" panose="00000400000000000000" pitchFamily="2" charset="-78"/>
+              </a:rPr>
+              <a:t>مدل مبدل معنا به بردار </a:t>
+            </a:r>
+            <a:endParaRPr lang="en-US" b="1" dirty="0">
+              <a:cs typeface="B Nazanin" panose="00000400000000000000" pitchFamily="2" charset="-78"/>
+            </a:endParaRPr>
+          </a:p>
+          <a:p>
+            <a:pPr algn="ctr"/>
+            <a:endParaRPr lang="en-US" dirty="0"/>
+          </a:p>
+          <a:p>
+            <a:pPr algn="ctr"/>
+            <a:r>
+              <a:rPr lang="en-US" dirty="0"/>
+              <a:t>Embedding model</a:t>
+            </a:r>
+            <a:endParaRPr lang="fa-IR" dirty="0"/>
+          </a:p>
+        </p:txBody>
+      </p:sp>
+      <p:sp>
+        <p:nvSpPr>
+          <p:cNvPr id="52" name="TextBox 51">
+            <a:extLst>
+              <a:ext uri="{FF2B5EF4-FFF2-40B4-BE49-F238E27FC236}">
+                <a16:creationId xmlns:a16="http://schemas.microsoft.com/office/drawing/2014/main" id="{07CFBC88-EAA2-C3F4-17B1-0906DB0458C1}"/>
+              </a:ext>
+            </a:extLst>
+          </p:cNvPr>
+          <p:cNvSpPr txBox="1"/>
+          <p:nvPr/>
+        </p:nvSpPr>
+        <p:spPr>
+          <a:xfrm>
+            <a:off x="1303171" y="4174669"/>
+            <a:ext cx="743102" cy="1123384"/>
+          </a:xfrm>
+          <a:prstGeom prst="rect">
+            <a:avLst/>
+          </a:prstGeom>
+          <a:noFill/>
+        </p:spPr>
+        <p:txBody>
+          <a:bodyPr wrap="square" rtlCol="1">
+            <a:spAutoFit/>
+          </a:bodyPr>
+          <a:lstStyle/>
+          <a:p>
+            <a:pPr algn="ctr" rtl="1"/>
+            <a:r>
+              <a:rPr lang="fa-IR" sz="1900" b="1" dirty="0">
+                <a:solidFill>
+                  <a:srgbClr val="0070C0"/>
+                </a:solidFill>
+                <a:cs typeface="B Nazanin" panose="00000400000000000000" pitchFamily="2" charset="-78"/>
+              </a:rPr>
+              <a:t>مدرک </a:t>
+            </a:r>
+          </a:p>
+          <a:p>
+            <a:pPr rtl="1"/>
+            <a:r>
+              <a:rPr lang="en-US" sz="1600" b="1" dirty="0">
+                <a:cs typeface="B Nazanin" panose="00000400000000000000" pitchFamily="2" charset="-78"/>
+              </a:rPr>
+              <a:t>.pdf</a:t>
+            </a:r>
+          </a:p>
+          <a:p>
+            <a:pPr rtl="1"/>
+            <a:r>
+              <a:rPr lang="en-US" sz="1600" b="1" dirty="0">
+                <a:cs typeface="B Nazanin" panose="00000400000000000000" pitchFamily="2" charset="-78"/>
+              </a:rPr>
+              <a:t>.docx</a:t>
+            </a:r>
+          </a:p>
+          <a:p>
+            <a:pPr rtl="1"/>
+            <a:r>
+              <a:rPr lang="en-US" sz="1600" b="1" dirty="0">
+                <a:cs typeface="B Nazanin" panose="00000400000000000000" pitchFamily="2" charset="-78"/>
+              </a:rPr>
+              <a:t>.txt</a:t>
+            </a:r>
+            <a:endParaRPr lang="fa-IR" sz="1600" b="1" dirty="0">
+              <a:cs typeface="B Nazanin" panose="00000400000000000000" pitchFamily="2" charset="-78"/>
+            </a:endParaRPr>
+          </a:p>
+        </p:txBody>
+      </p:sp>
+    </p:spTree>
+    <p:extLst>
+      <p:ext uri="{BB962C8B-B14F-4D97-AF65-F5344CB8AC3E}">
+        <p14:creationId xmlns:p14="http://schemas.microsoft.com/office/powerpoint/2010/main" val="1902217620"/>
+      </p:ext>
+    </p:extLst>
+  </p:cSld>
+  <p:clrMapOvr>
+    <a:masterClrMapping/>
+  </p:clrMapOvr>
+</p:sld>
+</file>
+
+<file path=ppt/slides/slide7.xml><?xml version="1.0" encoding="utf-8"?>
+<p:sld xmlns:a="http://schemas.openxmlformats.org/drawingml/2006/main" xmlns:r="http://schemas.openxmlformats.org/officeDocument/2006/relationships" xmlns:p="http://schemas.openxmlformats.org/presentationml/2006/main">
+  <p:cSld>
+    <p:spTree>
+      <p:nvGrpSpPr>
+        <p:cNvPr id="1" name=""/>
+        <p:cNvGrpSpPr/>
+        <p:nvPr/>
+      </p:nvGrpSpPr>
+      <p:grpSpPr>
+        <a:xfrm>
+          <a:off x="0" y="0"/>
+          <a:ext cx="0" cy="0"/>
+          <a:chOff x="0" y="0"/>
+          <a:chExt cx="0" cy="0"/>
+        </a:xfrm>
+      </p:grpSpPr>
+      <p:sp>
+        <p:nvSpPr>
           <p:cNvPr id="42" name="Arrow: Right 41">
             <a:extLst>
               <a:ext uri="{FF2B5EF4-FFF2-40B4-BE49-F238E27FC236}">
@@ -11557,8 +15311,8 @@
         </p:nvSpPr>
         <p:spPr>
           <a:xfrm>
-            <a:off x="9421091" y="421735"/>
-            <a:ext cx="2290619" cy="523220"/>
+            <a:off x="7860145" y="421735"/>
+            <a:ext cx="3851565" cy="523220"/>
           </a:xfrm>
           <a:prstGeom prst="rect">
             <a:avLst/>
@@ -11573,10 +15327,16 @@
           <a:p>
             <a:pPr algn="r" rtl="1"/>
             <a:r>
+              <a:rPr lang="fa-IR" sz="2800" b="1" dirty="0" err="1">
+                <a:cs typeface="B Nazanin" panose="00000400000000000000" pitchFamily="2" charset="-78"/>
+              </a:rPr>
+              <a:t>شِمای</a:t>
+            </a:r>
+            <a:r>
               <a:rPr lang="fa-IR" sz="2800" b="1" dirty="0">
                 <a:cs typeface="B Nazanin" panose="00000400000000000000" pitchFamily="2" charset="-78"/>
               </a:rPr>
-              <a:t>نحوه کار </a:t>
+              <a:t> کلی کار </a:t>
             </a:r>
             <a:r>
               <a:rPr lang="en-US" sz="2800" b="1" dirty="0">
@@ -12263,7 +16023,111 @@
 </p:sld>
 </file>
 
-<file path=ppt/slides/slide7.xml><?xml version="1.0" encoding="utf-8"?>
+<file path=ppt/slides/slide8.xml><?xml version="1.0" encoding="utf-8"?>
+<p:sld xmlns:a="http://schemas.openxmlformats.org/drawingml/2006/main" xmlns:r="http://schemas.openxmlformats.org/officeDocument/2006/relationships" xmlns:p="http://schemas.openxmlformats.org/presentationml/2006/main">
+  <p:cSld>
+    <p:spTree>
+      <p:nvGrpSpPr>
+        <p:cNvPr id="1" name=""/>
+        <p:cNvGrpSpPr/>
+        <p:nvPr/>
+      </p:nvGrpSpPr>
+      <p:grpSpPr>
+        <a:xfrm>
+          <a:off x="0" y="0"/>
+          <a:ext cx="0" cy="0"/>
+          <a:chOff x="0" y="0"/>
+          <a:chExt cx="0" cy="0"/>
+        </a:xfrm>
+      </p:grpSpPr>
+      <p:sp>
+        <p:nvSpPr>
+          <p:cNvPr id="2" name="Title 1">
+            <a:extLst>
+              <a:ext uri="{FF2B5EF4-FFF2-40B4-BE49-F238E27FC236}">
+                <a16:creationId xmlns:a16="http://schemas.microsoft.com/office/drawing/2014/main" id="{55924BA2-EFED-7EF0-FD56-1DDC45D4DA98}"/>
+              </a:ext>
+            </a:extLst>
+          </p:cNvPr>
+          <p:cNvSpPr>
+            <a:spLocks noGrp="1"/>
+          </p:cNvSpPr>
+          <p:nvPr>
+            <p:ph type="title"/>
+          </p:nvPr>
+        </p:nvSpPr>
+        <p:spPr/>
+        <p:txBody>
+          <a:bodyPr/>
+          <a:lstStyle/>
+          <a:p>
+            <a:pPr algn="r" rtl="1"/>
+            <a:r>
+              <a:rPr lang="fa-IR" sz="4400" b="1" dirty="0" err="1">
+                <a:cs typeface="B Nazanin" panose="00000400000000000000" pitchFamily="2" charset="-78"/>
+              </a:rPr>
+              <a:t>شِمای</a:t>
+            </a:r>
+            <a:r>
+              <a:rPr lang="fa-IR" sz="4400" b="1" dirty="0">
+                <a:cs typeface="B Nazanin" panose="00000400000000000000" pitchFamily="2" charset="-78"/>
+              </a:rPr>
+              <a:t> کلی فرآیند </a:t>
+            </a:r>
+            <a:r>
+              <a:rPr lang="en-US" sz="4400" b="1" dirty="0">
+                <a:cs typeface="B Nazanin" panose="00000400000000000000" pitchFamily="2" charset="-78"/>
+              </a:rPr>
+              <a:t>Fine-tuning</a:t>
+            </a:r>
+            <a:br>
+              <a:rPr lang="fa-IR" sz="4400" b="1" dirty="0">
+                <a:cs typeface="B Nazanin" panose="00000400000000000000" pitchFamily="2" charset="-78"/>
+              </a:rPr>
+            </a:br>
+            <a:endParaRPr lang="fa-IR" dirty="0"/>
+          </a:p>
+        </p:txBody>
+      </p:sp>
+      <p:sp>
+        <p:nvSpPr>
+          <p:cNvPr id="3" name="Content Placeholder 2">
+            <a:extLst>
+              <a:ext uri="{FF2B5EF4-FFF2-40B4-BE49-F238E27FC236}">
+                <a16:creationId xmlns:a16="http://schemas.microsoft.com/office/drawing/2014/main" id="{39306C3D-0A3A-5130-3BAE-C3F6242B4F0F}"/>
+              </a:ext>
+            </a:extLst>
+          </p:cNvPr>
+          <p:cNvSpPr>
+            <a:spLocks noGrp="1"/>
+          </p:cNvSpPr>
+          <p:nvPr>
+            <p:ph idx="1"/>
+          </p:nvPr>
+        </p:nvSpPr>
+        <p:spPr/>
+        <p:txBody>
+          <a:bodyPr/>
+          <a:lstStyle/>
+          <a:p>
+            <a:endParaRPr lang="fa-IR" dirty="0"/>
+          </a:p>
+        </p:txBody>
+      </p:sp>
+    </p:spTree>
+    <p:extLst>
+      <p:ext uri="{BB962C8B-B14F-4D97-AF65-F5344CB8AC3E}">
+        <p14:creationId xmlns:p14="http://schemas.microsoft.com/office/powerpoint/2010/main" val="8961549"/>
+      </p:ext>
+    </p:extLst>
+  </p:cSld>
+  <p:clrMapOvr>
+    <a:masterClrMapping/>
+  </p:clrMapOvr>
+</p:sld>
+</file>
+
+<file path=ppt/slides/slide9.xml><?xml version="1.0" encoding="utf-8"?>
 <p:sld xmlns:a="http://schemas.openxmlformats.org/drawingml/2006/main" xmlns:r="http://schemas.openxmlformats.org/officeDocument/2006/relationships" xmlns:p="http://schemas.openxmlformats.org/presentationml/2006/main">
   <p:cSld>
     <p:spTree>
@@ -12368,7 +16232,7 @@
             <p:ph idx="1"/>
             <p:extLst>
               <p:ext uri="{D42A27DB-BD31-4B8C-83A1-F6EECF244321}">
-                <p14:modId xmlns:p14="http://schemas.microsoft.com/office/powerpoint/2010/main" val="404047727"/>
+                <p14:modId xmlns:p14="http://schemas.microsoft.com/office/powerpoint/2010/main" val="2746341302"/>
               </p:ext>
             </p:extLst>
           </p:nvPr>
@@ -13505,7 +17369,7 @@
                         <a:rPr lang="fa-IR" sz="1500" b="1" dirty="0">
                           <a:cs typeface="B Nazanin" panose="00000400000000000000" pitchFamily="2" charset="-78"/>
                         </a:rPr>
-                        <a:t>امکان افزودن سریع و آسان منابع دانشی و اطلاعات توسط مدیر و کاربران</a:t>
+                        <a:t>امکان افزودن سریع و آسان منابع علمی و اطلاعات توسط مدیر و کاربران</a:t>
                       </a:r>
                     </a:p>
                     <a:p>
@@ -14320,621 +18184,6 @@
 </p:sld>
 </file>
 
-<file path=ppt/slides/slide8.xml><?xml version="1.0" encoding="utf-8"?>
-<p:sld xmlns:a="http://schemas.openxmlformats.org/drawingml/2006/main" xmlns:r="http://schemas.openxmlformats.org/officeDocument/2006/relationships" xmlns:p="http://schemas.openxmlformats.org/presentationml/2006/main">
-  <p:cSld>
-    <p:spTree>
-      <p:nvGrpSpPr>
-        <p:cNvPr id="1" name=""/>
-        <p:cNvGrpSpPr/>
-        <p:nvPr/>
-      </p:nvGrpSpPr>
-      <p:grpSpPr>
-        <a:xfrm>
-          <a:off x="0" y="0"/>
-          <a:ext cx="0" cy="0"/>
-          <a:chOff x="0" y="0"/>
-          <a:chExt cx="0" cy="0"/>
-        </a:xfrm>
-      </p:grpSpPr>
-      <p:sp>
-        <p:nvSpPr>
-          <p:cNvPr id="2" name="Title 1">
-            <a:extLst>
-              <a:ext uri="{FF2B5EF4-FFF2-40B4-BE49-F238E27FC236}">
-                <a16:creationId xmlns:a16="http://schemas.microsoft.com/office/drawing/2014/main" id="{9B0479D0-88FE-F28A-E61A-8E58FB181443}"/>
-              </a:ext>
-            </a:extLst>
-          </p:cNvPr>
-          <p:cNvSpPr>
-            <a:spLocks noGrp="1"/>
-          </p:cNvSpPr>
-          <p:nvPr>
-            <p:ph type="title"/>
-          </p:nvPr>
-        </p:nvSpPr>
-        <p:spPr/>
-        <p:txBody>
-          <a:bodyPr/>
-          <a:lstStyle/>
-          <a:p>
-            <a:pPr algn="r" rtl="1"/>
-            <a:r>
-              <a:rPr lang="fa-IR" dirty="0"/>
-              <a:t>چرا </a:t>
-            </a:r>
-            <a:r>
-              <a:rPr lang="en-US" dirty="0"/>
-              <a:t>RAG</a:t>
-            </a:r>
-            <a:r>
-              <a:rPr lang="fa-IR" dirty="0"/>
-              <a:t>؟</a:t>
-            </a:r>
-          </a:p>
-        </p:txBody>
-      </p:sp>
-      <p:sp>
-        <p:nvSpPr>
-          <p:cNvPr id="3" name="Content Placeholder 2">
-            <a:extLst>
-              <a:ext uri="{FF2B5EF4-FFF2-40B4-BE49-F238E27FC236}">
-                <a16:creationId xmlns:a16="http://schemas.microsoft.com/office/drawing/2014/main" id="{BBF4A23D-98D7-EBD0-0C6E-FBABC69569C1}"/>
-              </a:ext>
-            </a:extLst>
-          </p:cNvPr>
-          <p:cNvSpPr>
-            <a:spLocks noGrp="1"/>
-          </p:cNvSpPr>
-          <p:nvPr>
-            <p:ph idx="1"/>
-          </p:nvPr>
-        </p:nvSpPr>
-        <p:spPr>
-          <a:xfrm>
-            <a:off x="838200" y="1690688"/>
-            <a:ext cx="10515600" cy="4608139"/>
-          </a:xfrm>
-        </p:spPr>
-        <p:txBody>
-          <a:bodyPr>
-            <a:normAutofit/>
-          </a:bodyPr>
-          <a:lstStyle/>
-          <a:p>
-            <a:pPr algn="r" rtl="1"/>
-            <a:r>
-              <a:rPr lang="fa-IR" sz="2000" b="1" dirty="0" err="1">
-                <a:cs typeface="B Nazanin" panose="00000400000000000000" pitchFamily="2" charset="-78"/>
-              </a:rPr>
-              <a:t>مدل‌های</a:t>
-            </a:r>
-            <a:r>
-              <a:rPr lang="fa-IR" sz="2000" b="1" dirty="0">
-                <a:cs typeface="B Nazanin" panose="00000400000000000000" pitchFamily="2" charset="-78"/>
-              </a:rPr>
-              <a:t> زبانی موجود به خوبی درک زبانی، </a:t>
-            </a:r>
-            <a:r>
-              <a:rPr lang="fa-IR" sz="2000" b="1" dirty="0" err="1">
-                <a:cs typeface="B Nazanin" panose="00000400000000000000" pitchFamily="2" charset="-78"/>
-              </a:rPr>
-              <a:t>دانش‌های</a:t>
-            </a:r>
-            <a:r>
-              <a:rPr lang="fa-IR" sz="2000" b="1" dirty="0">
-                <a:cs typeface="B Nazanin" panose="00000400000000000000" pitchFamily="2" charset="-78"/>
-              </a:rPr>
-              <a:t> پایه و استدلال منطقی را </a:t>
-            </a:r>
-            <a:r>
-              <a:rPr lang="fa-IR" sz="2000" b="1" dirty="0" err="1">
-                <a:cs typeface="B Nazanin" panose="00000400000000000000" pitchFamily="2" charset="-78"/>
-              </a:rPr>
-              <a:t>فراگرفته‌اند</a:t>
-            </a:r>
-            <a:r>
-              <a:rPr lang="fa-IR" sz="2000" b="1" dirty="0">
-                <a:cs typeface="B Nazanin" panose="00000400000000000000" pitchFamily="2" charset="-78"/>
-              </a:rPr>
-              <a:t> و آموزش یک </a:t>
-            </a:r>
-            <a:r>
-              <a:rPr lang="fa-IR" sz="2000" b="1" dirty="0" err="1">
-                <a:cs typeface="B Nazanin" panose="00000400000000000000" pitchFamily="2" charset="-78"/>
-              </a:rPr>
-              <a:t>مدل‌زبانی</a:t>
-            </a:r>
-            <a:r>
-              <a:rPr lang="fa-IR" sz="2000" b="1" dirty="0">
-                <a:cs typeface="B Nazanin" panose="00000400000000000000" pitchFamily="2" charset="-78"/>
-              </a:rPr>
-              <a:t> جدید صرفا برای فراگیری دانش و اطلاعات خاص، توجیه عملیاتی ندارد.</a:t>
-            </a:r>
-          </a:p>
-          <a:p>
-            <a:pPr algn="r" rtl="1"/>
-            <a:endParaRPr lang="fa-IR" sz="2000" b="1" dirty="0">
-              <a:cs typeface="B Nazanin" panose="00000400000000000000" pitchFamily="2" charset="-78"/>
-            </a:endParaRPr>
-          </a:p>
-          <a:p>
-            <a:pPr algn="r" rtl="1"/>
-            <a:r>
-              <a:rPr lang="fa-IR" sz="2000" b="1" dirty="0">
-                <a:cs typeface="B Nazanin" panose="00000400000000000000" pitchFamily="2" charset="-78"/>
-              </a:rPr>
-              <a:t>عملکرد مطلوب: کیفیت </a:t>
-            </a:r>
-            <a:r>
-              <a:rPr lang="fa-IR" sz="2000" b="1" dirty="0" err="1">
-                <a:cs typeface="B Nazanin" panose="00000400000000000000" pitchFamily="2" charset="-78"/>
-              </a:rPr>
-              <a:t>پاسخ‌دهی</a:t>
-            </a:r>
-            <a:r>
-              <a:rPr lang="fa-IR" sz="2000" b="1" dirty="0">
-                <a:cs typeface="B Nazanin" panose="00000400000000000000" pitchFamily="2" charset="-78"/>
-              </a:rPr>
-              <a:t> </a:t>
-            </a:r>
-            <a:r>
-              <a:rPr lang="en-US" sz="2000" b="1" dirty="0">
-                <a:cs typeface="B Nazanin" panose="00000400000000000000" pitchFamily="2" charset="-78"/>
-              </a:rPr>
-              <a:t>RAG</a:t>
-            </a:r>
-            <a:r>
-              <a:rPr lang="fa-IR" sz="2000" b="1" dirty="0">
-                <a:cs typeface="B Nazanin" panose="00000400000000000000" pitchFamily="2" charset="-78"/>
-              </a:rPr>
-              <a:t> در صورت در اختیار داشتن اطلاعات مورد نیاز، تفاوت قابل توجهی با مدل آموزش دیده بر آن داده ها ندارد.</a:t>
-            </a:r>
-          </a:p>
-          <a:p>
-            <a:pPr marL="0" indent="0" algn="r" rtl="1">
-              <a:buNone/>
-            </a:pPr>
-            <a:endParaRPr lang="fa-IR" sz="2000" b="1" dirty="0">
-              <a:cs typeface="B Nazanin" panose="00000400000000000000" pitchFamily="2" charset="-78"/>
-            </a:endParaRPr>
-          </a:p>
-          <a:p>
-            <a:pPr algn="r" rtl="1"/>
-            <a:r>
-              <a:rPr lang="fa-IR" sz="2000" b="1" dirty="0" err="1">
-                <a:cs typeface="B Nazanin" panose="00000400000000000000" pitchFamily="2" charset="-78"/>
-              </a:rPr>
-              <a:t>به‌روز</a:t>
-            </a:r>
-            <a:r>
-              <a:rPr lang="fa-IR" sz="2000" b="1" dirty="0">
-                <a:cs typeface="B Nazanin" panose="00000400000000000000" pitchFamily="2" charset="-78"/>
-              </a:rPr>
-              <a:t> رسانی سریع منابع اطلاعات و دانش</a:t>
-            </a:r>
-          </a:p>
-          <a:p>
-            <a:pPr algn="r" rtl="1"/>
-            <a:endParaRPr lang="fa-IR" sz="2000" b="1" dirty="0">
-              <a:cs typeface="B Nazanin" panose="00000400000000000000" pitchFamily="2" charset="-78"/>
-            </a:endParaRPr>
-          </a:p>
-          <a:p>
-            <a:pPr algn="r" rtl="1"/>
-            <a:r>
-              <a:rPr lang="fa-IR" sz="2000" b="1" dirty="0">
-                <a:cs typeface="B Nazanin" panose="00000400000000000000" pitchFamily="2" charset="-78"/>
-              </a:rPr>
-              <a:t>کنترل بالای </a:t>
-            </a:r>
-            <a:r>
-              <a:rPr lang="fa-IR" sz="2000" b="1" dirty="0" err="1">
-                <a:cs typeface="B Nazanin" panose="00000400000000000000" pitchFamily="2" charset="-78"/>
-              </a:rPr>
-              <a:t>توسعه‌دهنده</a:t>
-            </a:r>
-            <a:r>
-              <a:rPr lang="fa-IR" sz="2000" b="1" dirty="0">
-                <a:cs typeface="B Nazanin" panose="00000400000000000000" pitchFamily="2" charset="-78"/>
-              </a:rPr>
-              <a:t> و مدیر بر جریان اطلاعات</a:t>
-            </a:r>
-          </a:p>
-          <a:p>
-            <a:pPr algn="r" rtl="1"/>
-            <a:endParaRPr lang="fa-IR" sz="2000" b="1" dirty="0">
-              <a:cs typeface="B Nazanin" panose="00000400000000000000" pitchFamily="2" charset="-78"/>
-            </a:endParaRPr>
-          </a:p>
-          <a:p>
-            <a:pPr algn="r" rtl="1"/>
-            <a:r>
-              <a:rPr lang="fa-IR" sz="2000" b="1" dirty="0">
-                <a:cs typeface="B Nazanin" panose="00000400000000000000" pitchFamily="2" charset="-78"/>
-              </a:rPr>
-              <a:t>هزینه اقتصادی و </a:t>
-            </a:r>
-            <a:r>
-              <a:rPr lang="fa-IR" sz="2000" b="1" dirty="0" err="1">
-                <a:cs typeface="B Nazanin" panose="00000400000000000000" pitchFamily="2" charset="-78"/>
-              </a:rPr>
-              <a:t>محاسباتی</a:t>
-            </a:r>
-            <a:r>
-              <a:rPr lang="fa-IR" sz="2000" b="1" dirty="0">
-                <a:cs typeface="B Nazanin" panose="00000400000000000000" pitchFamily="2" charset="-78"/>
-              </a:rPr>
-              <a:t> پایین</a:t>
-            </a:r>
-          </a:p>
-          <a:p>
-            <a:pPr algn="r" rtl="1"/>
-            <a:endParaRPr lang="fa-IR" sz="2000" b="1" dirty="0">
-              <a:cs typeface="B Nazanin" panose="00000400000000000000" pitchFamily="2" charset="-78"/>
-            </a:endParaRPr>
-          </a:p>
-          <a:p>
-            <a:pPr algn="r" rtl="1"/>
-            <a:endParaRPr lang="fa-IR" sz="2000" b="1" dirty="0">
-              <a:cs typeface="B Nazanin" panose="00000400000000000000" pitchFamily="2" charset="-78"/>
-            </a:endParaRPr>
-          </a:p>
-        </p:txBody>
-      </p:sp>
-    </p:spTree>
-    <p:extLst>
-      <p:ext uri="{BB962C8B-B14F-4D97-AF65-F5344CB8AC3E}">
-        <p14:creationId xmlns:p14="http://schemas.microsoft.com/office/powerpoint/2010/main" val="813789335"/>
-      </p:ext>
-    </p:extLst>
-  </p:cSld>
-  <p:clrMapOvr>
-    <a:masterClrMapping/>
-  </p:clrMapOvr>
-</p:sld>
-</file>
-
-<file path=ppt/slides/slide9.xml><?xml version="1.0" encoding="utf-8"?>
-<p:sld xmlns:a="http://schemas.openxmlformats.org/drawingml/2006/main" xmlns:r="http://schemas.openxmlformats.org/officeDocument/2006/relationships" xmlns:p="http://schemas.openxmlformats.org/presentationml/2006/main">
-  <p:cSld>
-    <p:spTree>
-      <p:nvGrpSpPr>
-        <p:cNvPr id="1" name="">
-          <a:extLst>
-            <a:ext uri="{FF2B5EF4-FFF2-40B4-BE49-F238E27FC236}">
-              <a16:creationId xmlns:a16="http://schemas.microsoft.com/office/drawing/2014/main" id="{272AB6C1-B27D-8A14-DA33-11A17B57AD6B}"/>
-            </a:ext>
-          </a:extLst>
-        </p:cNvPr>
-        <p:cNvGrpSpPr/>
-        <p:nvPr/>
-      </p:nvGrpSpPr>
-      <p:grpSpPr>
-        <a:xfrm>
-          <a:off x="0" y="0"/>
-          <a:ext cx="0" cy="0"/>
-          <a:chOff x="0" y="0"/>
-          <a:chExt cx="0" cy="0"/>
-        </a:xfrm>
-      </p:grpSpPr>
-      <p:sp>
-        <p:nvSpPr>
-          <p:cNvPr id="2" name="Title 1">
-            <a:extLst>
-              <a:ext uri="{FF2B5EF4-FFF2-40B4-BE49-F238E27FC236}">
-                <a16:creationId xmlns:a16="http://schemas.microsoft.com/office/drawing/2014/main" id="{056D92D2-C91B-9937-1162-C9FA0927486D}"/>
-              </a:ext>
-            </a:extLst>
-          </p:cNvPr>
-          <p:cNvSpPr>
-            <a:spLocks noGrp="1"/>
-          </p:cNvSpPr>
-          <p:nvPr>
-            <p:ph type="title"/>
-          </p:nvPr>
-        </p:nvSpPr>
-        <p:spPr/>
-        <p:txBody>
-          <a:bodyPr/>
-          <a:lstStyle/>
-          <a:p>
-            <a:pPr algn="r" rtl="1"/>
-            <a:r>
-              <a:rPr lang="fa-IR" b="1" dirty="0">
-                <a:cs typeface="B Nazanin" panose="00000400000000000000" pitchFamily="2" charset="-78"/>
-              </a:rPr>
-              <a:t>چرا </a:t>
-            </a:r>
-            <a:r>
-              <a:rPr lang="en-US" b="1" dirty="0"/>
-              <a:t>RAG</a:t>
-            </a:r>
-            <a:r>
-              <a:rPr lang="fa-IR" b="1" dirty="0">
-                <a:cs typeface="B Nazanin" panose="00000400000000000000" pitchFamily="2" charset="-78"/>
-              </a:rPr>
-              <a:t>؟</a:t>
-            </a:r>
-          </a:p>
-        </p:txBody>
-      </p:sp>
-      <p:graphicFrame>
-        <p:nvGraphicFramePr>
-          <p:cNvPr id="6" name="Content Placeholder 5">
-            <a:extLst>
-              <a:ext uri="{FF2B5EF4-FFF2-40B4-BE49-F238E27FC236}">
-                <a16:creationId xmlns:a16="http://schemas.microsoft.com/office/drawing/2014/main" id="{AD505F06-E5C9-19CF-09EF-31F4B01C678D}"/>
-              </a:ext>
-            </a:extLst>
-          </p:cNvPr>
-          <p:cNvGraphicFramePr>
-            <a:graphicFrameLocks noGrp="1"/>
-          </p:cNvGraphicFramePr>
-          <p:nvPr>
-            <p:ph idx="1"/>
-            <p:extLst>
-              <p:ext uri="{D42A27DB-BD31-4B8C-83A1-F6EECF244321}">
-                <p14:modId xmlns:p14="http://schemas.microsoft.com/office/powerpoint/2010/main" val="4282372534"/>
-              </p:ext>
-            </p:extLst>
-          </p:nvPr>
-        </p:nvGraphicFramePr>
-        <p:xfrm>
-          <a:off x="4904509" y="1690688"/>
-          <a:ext cx="2022763" cy="1958108"/>
-        </p:xfrm>
-        <a:graphic>
-          <a:graphicData uri="http://schemas.openxmlformats.org/drawingml/2006/diagram">
-            <dgm:relIds xmlns:dgm="http://schemas.openxmlformats.org/drawingml/2006/diagram" xmlns:r="http://schemas.openxmlformats.org/officeDocument/2006/relationships" r:dm="rId2" r:lo="rId3" r:qs="rId4" r:cs="rId5"/>
-          </a:graphicData>
-        </a:graphic>
-      </p:graphicFrame>
-      <p:sp>
-        <p:nvSpPr>
-          <p:cNvPr id="8" name="Content Placeholder 2">
-            <a:extLst>
-              <a:ext uri="{FF2B5EF4-FFF2-40B4-BE49-F238E27FC236}">
-                <a16:creationId xmlns:a16="http://schemas.microsoft.com/office/drawing/2014/main" id="{B6F48053-AED1-D9DB-FA80-0FB8CA66158E}"/>
-              </a:ext>
-            </a:extLst>
-          </p:cNvPr>
-          <p:cNvSpPr txBox="1">
-            <a:spLocks/>
-          </p:cNvSpPr>
-          <p:nvPr/>
-        </p:nvSpPr>
-        <p:spPr>
-          <a:xfrm>
-            <a:off x="1028700" y="1690688"/>
-            <a:ext cx="10515600" cy="4608139"/>
-          </a:xfrm>
-          <a:prstGeom prst="rect">
-            <a:avLst/>
-          </a:prstGeom>
-        </p:spPr>
-        <p:txBody>
-          <a:bodyPr vert="horz" lIns="91440" tIns="45720" rIns="91440" bIns="45720" rtlCol="0">
-            <a:normAutofit/>
-          </a:bodyPr>
-          <a:lstStyle>
-            <a:lvl1pPr marL="228600" indent="-228600" algn="l" defTabSz="914400" rtl="0" eaLnBrk="1" latinLnBrk="0" hangingPunct="1">
-              <a:lnSpc>
-                <a:spcPct val="90000"/>
-              </a:lnSpc>
-              <a:spcBef>
-                <a:spcPts val="1000"/>
-              </a:spcBef>
-              <a:buFont typeface="Arial" panose="020B0604020202020204" pitchFamily="34" charset="0"/>
-              <a:buChar char="•"/>
-              <a:defRPr sz="2800" kern="1200">
-                <a:solidFill>
-                  <a:schemeClr val="tx1"/>
-                </a:solidFill>
-                <a:latin typeface="+mn-lt"/>
-                <a:ea typeface="+mn-ea"/>
-                <a:cs typeface="+mn-cs"/>
-              </a:defRPr>
-            </a:lvl1pPr>
-            <a:lvl2pPr marL="685800" indent="-228600" algn="l" defTabSz="914400" rtl="0" eaLnBrk="1" latinLnBrk="0" hangingPunct="1">
-              <a:lnSpc>
-                <a:spcPct val="90000"/>
-              </a:lnSpc>
-              <a:spcBef>
-                <a:spcPts val="500"/>
-              </a:spcBef>
-              <a:buFont typeface="Arial" panose="020B0604020202020204" pitchFamily="34" charset="0"/>
-              <a:buChar char="•"/>
-              <a:defRPr sz="2400" kern="1200">
-                <a:solidFill>
-                  <a:schemeClr val="tx1"/>
-                </a:solidFill>
-                <a:latin typeface="+mn-lt"/>
-                <a:ea typeface="+mn-ea"/>
-                <a:cs typeface="+mn-cs"/>
-              </a:defRPr>
-            </a:lvl2pPr>
-            <a:lvl3pPr marL="1143000" indent="-228600" algn="l" defTabSz="914400" rtl="0" eaLnBrk="1" latinLnBrk="0" hangingPunct="1">
-              <a:lnSpc>
-                <a:spcPct val="90000"/>
-              </a:lnSpc>
-              <a:spcBef>
-                <a:spcPts val="500"/>
-              </a:spcBef>
-              <a:buFont typeface="Arial" panose="020B0604020202020204" pitchFamily="34" charset="0"/>
-              <a:buChar char="•"/>
-              <a:defRPr sz="2000" kern="1200">
-                <a:solidFill>
-                  <a:schemeClr val="tx1"/>
-                </a:solidFill>
-                <a:latin typeface="+mn-lt"/>
-                <a:ea typeface="+mn-ea"/>
-                <a:cs typeface="+mn-cs"/>
-              </a:defRPr>
-            </a:lvl3pPr>
-            <a:lvl4pPr marL="1600200" indent="-228600" algn="l" defTabSz="914400" rtl="0" eaLnBrk="1" latinLnBrk="0" hangingPunct="1">
-              <a:lnSpc>
-                <a:spcPct val="90000"/>
-              </a:lnSpc>
-              <a:spcBef>
-                <a:spcPts val="500"/>
-              </a:spcBef>
-              <a:buFont typeface="Arial" panose="020B0604020202020204" pitchFamily="34" charset="0"/>
-              <a:buChar char="•"/>
-              <a:defRPr sz="1800" kern="1200">
-                <a:solidFill>
-                  <a:schemeClr val="tx1"/>
-                </a:solidFill>
-                <a:latin typeface="+mn-lt"/>
-                <a:ea typeface="+mn-ea"/>
-                <a:cs typeface="+mn-cs"/>
-              </a:defRPr>
-            </a:lvl4pPr>
-            <a:lvl5pPr marL="2057400" indent="-228600" algn="l" defTabSz="914400" rtl="0" eaLnBrk="1" latinLnBrk="0" hangingPunct="1">
-              <a:lnSpc>
-                <a:spcPct val="90000"/>
-              </a:lnSpc>
-              <a:spcBef>
-                <a:spcPts val="500"/>
-              </a:spcBef>
-              <a:buFont typeface="Arial" panose="020B0604020202020204" pitchFamily="34" charset="0"/>
-              <a:buChar char="•"/>
-              <a:defRPr sz="1800" kern="1200">
-                <a:solidFill>
-                  <a:schemeClr val="tx1"/>
-                </a:solidFill>
-                <a:latin typeface="+mn-lt"/>
-                <a:ea typeface="+mn-ea"/>
-                <a:cs typeface="+mn-cs"/>
-              </a:defRPr>
-            </a:lvl5pPr>
-            <a:lvl6pPr marL="2514600" indent="-228600" algn="l" defTabSz="914400" rtl="0" eaLnBrk="1" latinLnBrk="0" hangingPunct="1">
-              <a:lnSpc>
-                <a:spcPct val="90000"/>
-              </a:lnSpc>
-              <a:spcBef>
-                <a:spcPts val="500"/>
-              </a:spcBef>
-              <a:buFont typeface="Arial" panose="020B0604020202020204" pitchFamily="34" charset="0"/>
-              <a:buChar char="•"/>
-              <a:defRPr sz="1800" kern="1200">
-                <a:solidFill>
-                  <a:schemeClr val="tx1"/>
-                </a:solidFill>
-                <a:latin typeface="+mn-lt"/>
-                <a:ea typeface="+mn-ea"/>
-                <a:cs typeface="+mn-cs"/>
-              </a:defRPr>
-            </a:lvl6pPr>
-            <a:lvl7pPr marL="2971800" indent="-228600" algn="l" defTabSz="914400" rtl="0" eaLnBrk="1" latinLnBrk="0" hangingPunct="1">
-              <a:lnSpc>
-                <a:spcPct val="90000"/>
-              </a:lnSpc>
-              <a:spcBef>
-                <a:spcPts val="500"/>
-              </a:spcBef>
-              <a:buFont typeface="Arial" panose="020B0604020202020204" pitchFamily="34" charset="0"/>
-              <a:buChar char="•"/>
-              <a:defRPr sz="1800" kern="1200">
-                <a:solidFill>
-                  <a:schemeClr val="tx1"/>
-                </a:solidFill>
-                <a:latin typeface="+mn-lt"/>
-                <a:ea typeface="+mn-ea"/>
-                <a:cs typeface="+mn-cs"/>
-              </a:defRPr>
-            </a:lvl7pPr>
-            <a:lvl8pPr marL="3429000" indent="-228600" algn="l" defTabSz="914400" rtl="0" eaLnBrk="1" latinLnBrk="0" hangingPunct="1">
-              <a:lnSpc>
-                <a:spcPct val="90000"/>
-              </a:lnSpc>
-              <a:spcBef>
-                <a:spcPts val="500"/>
-              </a:spcBef>
-              <a:buFont typeface="Arial" panose="020B0604020202020204" pitchFamily="34" charset="0"/>
-              <a:buChar char="•"/>
-              <a:defRPr sz="1800" kern="1200">
-                <a:solidFill>
-                  <a:schemeClr val="tx1"/>
-                </a:solidFill>
-                <a:latin typeface="+mn-lt"/>
-                <a:ea typeface="+mn-ea"/>
-                <a:cs typeface="+mn-cs"/>
-              </a:defRPr>
-            </a:lvl8pPr>
-            <a:lvl9pPr marL="3886200" indent="-228600" algn="l" defTabSz="914400" rtl="0" eaLnBrk="1" latinLnBrk="0" hangingPunct="1">
-              <a:lnSpc>
-                <a:spcPct val="90000"/>
-              </a:lnSpc>
-              <a:spcBef>
-                <a:spcPts val="500"/>
-              </a:spcBef>
-              <a:buFont typeface="Arial" panose="020B0604020202020204" pitchFamily="34" charset="0"/>
-              <a:buChar char="•"/>
-              <a:defRPr sz="1800" kern="1200">
-                <a:solidFill>
-                  <a:schemeClr val="tx1"/>
-                </a:solidFill>
-                <a:latin typeface="+mn-lt"/>
-                <a:ea typeface="+mn-ea"/>
-                <a:cs typeface="+mn-cs"/>
-              </a:defRPr>
-            </a:lvl9pPr>
-          </a:lstStyle>
-          <a:p>
-            <a:pPr algn="r" rtl="1"/>
-            <a:endParaRPr lang="fa-IR" sz="2000" b="1" dirty="0">
-              <a:cs typeface="B Nazanin" panose="00000400000000000000" pitchFamily="2" charset="-78"/>
-            </a:endParaRPr>
-          </a:p>
-          <a:p>
-            <a:pPr algn="r" rtl="1"/>
-            <a:endParaRPr lang="fa-IR" sz="2000" b="1" dirty="0">
-              <a:cs typeface="B Nazanin" panose="00000400000000000000" pitchFamily="2" charset="-78"/>
-            </a:endParaRPr>
-          </a:p>
-          <a:p>
-            <a:pPr algn="r" rtl="1"/>
-            <a:r>
-              <a:rPr lang="fa-IR" sz="2000" b="1" dirty="0" err="1">
-                <a:cs typeface="B Nazanin" panose="00000400000000000000" pitchFamily="2" charset="-78"/>
-              </a:rPr>
-              <a:t>بهره‌مندی</a:t>
-            </a:r>
-            <a:r>
-              <a:rPr lang="fa-IR" sz="2000" b="1" dirty="0">
-                <a:cs typeface="B Nazanin" panose="00000400000000000000" pitchFamily="2" charset="-78"/>
-              </a:rPr>
-              <a:t> از قابلیت ‌های یک مدل زبانی پیشرفته</a:t>
-            </a:r>
-          </a:p>
-          <a:p>
-            <a:pPr algn="r" rtl="1"/>
-            <a:endParaRPr lang="fa-IR" sz="2000" b="1" dirty="0">
-              <a:cs typeface="B Nazanin" panose="00000400000000000000" pitchFamily="2" charset="-78"/>
-            </a:endParaRPr>
-          </a:p>
-          <a:p>
-            <a:pPr algn="r" rtl="1"/>
-            <a:endParaRPr lang="fa-IR" sz="2000" b="1" dirty="0">
-              <a:cs typeface="B Nazanin" panose="00000400000000000000" pitchFamily="2" charset="-78"/>
-            </a:endParaRPr>
-          </a:p>
-        </p:txBody>
-      </p:sp>
-    </p:spTree>
-    <p:extLst>
-      <p:ext uri="{BB962C8B-B14F-4D97-AF65-F5344CB8AC3E}">
-        <p14:creationId xmlns:p14="http://schemas.microsoft.com/office/powerpoint/2010/main" val="393327809"/>
-      </p:ext>
-    </p:extLst>
-  </p:cSld>
-  <p:clrMapOvr>
-    <a:masterClrMapping/>
-  </p:clrMapOvr>
-</p:sld>
-</file>
-
 <file path=ppt/theme/theme1.xml><?xml version="1.0" encoding="utf-8"?>
 <a:theme xmlns:a="http://schemas.openxmlformats.org/drawingml/2006/main" name="Office Theme">
   <a:themeElements>

--- a/RAG.pptx
+++ b/RAG.pptx
@@ -2104,7 +2104,7 @@
       <dgm:spPr/>
     </dgm:pt>
     <dgm:pt modelId="{C57268A3-E864-4C73-8DE7-94B3BCF7AFEA}" type="pres">
-      <dgm:prSet presAssocID="{FD7784B0-2A99-42F6-A10A-83EB0DC73BE5}" presName="parentText" presStyleLbl="node1" presStyleIdx="1" presStyleCnt="3">
+      <dgm:prSet presAssocID="{FD7784B0-2A99-42F6-A10A-83EB0DC73BE5}" presName="parentText" presStyleLbl="node1" presStyleIdx="1" presStyleCnt="3" custLinFactY="94291" custLinFactNeighborX="979" custLinFactNeighborY="100000">
         <dgm:presLayoutVars>
           <dgm:chMax val="0"/>
           <dgm:bulletEnabled val="1"/>
@@ -2117,7 +2117,7 @@
       <dgm:spPr/>
     </dgm:pt>
     <dgm:pt modelId="{842763DB-A544-47BF-A6F6-9BAB67F6C350}" type="pres">
-      <dgm:prSet presAssocID="{F97E06E0-D2ED-46AC-B66F-A247C305E866}" presName="parentText" presStyleLbl="node1" presStyleIdx="2" presStyleCnt="3">
+      <dgm:prSet presAssocID="{F97E06E0-D2ED-46AC-B66F-A247C305E866}" presName="parentText" presStyleLbl="node1" presStyleIdx="2" presStyleCnt="3" custLinFactY="-100000" custLinFactNeighborY="-115754">
         <dgm:presLayoutVars>
           <dgm:chMax val="0"/>
           <dgm:bulletEnabled val="1"/>
@@ -2373,7 +2373,7 @@
       </dsp:nvSpPr>
       <dsp:spPr>
         <a:xfrm>
-          <a:off x="0" y="682166"/>
+          <a:off x="0" y="1325562"/>
           <a:ext cx="1799355" cy="593775"/>
         </a:xfrm>
         <a:prstGeom prst="roundRect">
@@ -2479,7 +2479,7 @@
         </a:p>
       </dsp:txBody>
       <dsp:txXfrm>
-        <a:off x="28986" y="711152"/>
+        <a:off x="28986" y="1354548"/>
         <a:ext cx="1741383" cy="535803"/>
       </dsp:txXfrm>
     </dsp:sp>
@@ -2490,7 +2490,7 @@
       </dsp:nvSpPr>
       <dsp:spPr>
         <a:xfrm>
-          <a:off x="0" y="1359461"/>
+          <a:off x="0" y="669008"/>
           <a:ext cx="1799355" cy="593775"/>
         </a:xfrm>
         <a:prstGeom prst="roundRect">
@@ -2590,7 +2590,7 @@
         </a:p>
       </dsp:txBody>
       <dsp:txXfrm>
-        <a:off x="28986" y="1388447"/>
+        <a:off x="28986" y="697994"/>
         <a:ext cx="1741383" cy="535803"/>
       </dsp:txXfrm>
     </dsp:sp>
@@ -9369,7 +9369,7 @@
             <p:ph idx="1"/>
             <p:extLst>
               <p:ext uri="{D42A27DB-BD31-4B8C-83A1-F6EECF244321}">
-                <p14:modId xmlns:p14="http://schemas.microsoft.com/office/powerpoint/2010/main" val="855178742"/>
+                <p14:modId xmlns:p14="http://schemas.microsoft.com/office/powerpoint/2010/main" val="3438200710"/>
               </p:ext>
             </p:extLst>
           </p:nvPr>
@@ -13632,7 +13632,12 @@
             <p:ph type="title"/>
           </p:nvPr>
         </p:nvSpPr>
-        <p:spPr/>
+        <p:spPr>
+          <a:xfrm>
+            <a:off x="1169494" y="268272"/>
+            <a:ext cx="10515600" cy="1325563"/>
+          </a:xfrm>
+        </p:spPr>
         <p:txBody>
           <a:bodyPr>
             <a:normAutofit/>
@@ -13649,485 +13654,6 @@
           </a:p>
         </p:txBody>
       </p:sp>
-      <p:grpSp>
-        <p:nvGrpSpPr>
-          <p:cNvPr id="50" name="Group 49">
-            <a:extLst>
-              <a:ext uri="{FF2B5EF4-FFF2-40B4-BE49-F238E27FC236}">
-                <a16:creationId xmlns:a16="http://schemas.microsoft.com/office/drawing/2014/main" id="{DD8B0A84-65F9-4E3C-2541-24A1C1BF5F67}"/>
-              </a:ext>
-            </a:extLst>
-          </p:cNvPr>
-          <p:cNvGrpSpPr/>
-          <p:nvPr/>
-        </p:nvGrpSpPr>
-        <p:grpSpPr>
-          <a:xfrm>
-            <a:off x="1275040" y="2254488"/>
-            <a:ext cx="3444742" cy="3088025"/>
-            <a:chOff x="1819985" y="1746488"/>
-            <a:chExt cx="3444742" cy="3088025"/>
-          </a:xfrm>
-        </p:grpSpPr>
-        <p:cxnSp>
-          <p:nvCxnSpPr>
-            <p:cNvPr id="18" name="Straight Arrow Connector 17">
-              <a:extLst>
-                <a:ext uri="{FF2B5EF4-FFF2-40B4-BE49-F238E27FC236}">
-                  <a16:creationId xmlns:a16="http://schemas.microsoft.com/office/drawing/2014/main" id="{DF50FA88-43A9-B9D1-694A-0437344F583B}"/>
-                </a:ext>
-              </a:extLst>
-            </p:cNvPr>
-            <p:cNvCxnSpPr>
-              <a:cxnSpLocks/>
-            </p:cNvCxnSpPr>
-            <p:nvPr/>
-          </p:nvCxnSpPr>
-          <p:spPr>
-            <a:xfrm flipV="1">
-              <a:off x="2486268" y="2033561"/>
-              <a:ext cx="1522314" cy="1193685"/>
-            </a:xfrm>
-            <a:prstGeom prst="straightConnector1">
-              <a:avLst/>
-            </a:prstGeom>
-            <a:ln>
-              <a:tailEnd type="triangle"/>
-            </a:ln>
-          </p:spPr>
-          <p:style>
-            <a:lnRef idx="1">
-              <a:schemeClr val="accent1"/>
-            </a:lnRef>
-            <a:fillRef idx="0">
-              <a:schemeClr val="accent1"/>
-            </a:fillRef>
-            <a:effectRef idx="0">
-              <a:schemeClr val="accent1"/>
-            </a:effectRef>
-            <a:fontRef idx="minor">
-              <a:schemeClr val="tx1"/>
-            </a:fontRef>
-          </p:style>
-        </p:cxnSp>
-        <p:cxnSp>
-          <p:nvCxnSpPr>
-            <p:cNvPr id="29" name="Straight Arrow Connector 28">
-              <a:extLst>
-                <a:ext uri="{FF2B5EF4-FFF2-40B4-BE49-F238E27FC236}">
-                  <a16:creationId xmlns:a16="http://schemas.microsoft.com/office/drawing/2014/main" id="{5AE6DC54-F24D-BC66-5668-25725BD5FF2D}"/>
-                </a:ext>
-              </a:extLst>
-            </p:cNvPr>
-            <p:cNvCxnSpPr>
-              <a:cxnSpLocks/>
-            </p:cNvCxnSpPr>
-            <p:nvPr/>
-          </p:nvCxnSpPr>
-          <p:spPr>
-            <a:xfrm flipV="1">
-              <a:off x="2486268" y="2378675"/>
-              <a:ext cx="1522314" cy="848571"/>
-            </a:xfrm>
-            <a:prstGeom prst="straightConnector1">
-              <a:avLst/>
-            </a:prstGeom>
-            <a:ln>
-              <a:tailEnd type="triangle"/>
-            </a:ln>
-          </p:spPr>
-          <p:style>
-            <a:lnRef idx="1">
-              <a:schemeClr val="accent1"/>
-            </a:lnRef>
-            <a:fillRef idx="0">
-              <a:schemeClr val="accent1"/>
-            </a:fillRef>
-            <a:effectRef idx="0">
-              <a:schemeClr val="accent1"/>
-            </a:effectRef>
-            <a:fontRef idx="minor">
-              <a:schemeClr val="tx1"/>
-            </a:fontRef>
-          </p:style>
-        </p:cxnSp>
-        <p:cxnSp>
-          <p:nvCxnSpPr>
-            <p:cNvPr id="30" name="Straight Arrow Connector 29">
-              <a:extLst>
-                <a:ext uri="{FF2B5EF4-FFF2-40B4-BE49-F238E27FC236}">
-                  <a16:creationId xmlns:a16="http://schemas.microsoft.com/office/drawing/2014/main" id="{46B88ACD-334E-F01D-D4C0-7413D5754B1D}"/>
-                </a:ext>
-              </a:extLst>
-            </p:cNvPr>
-            <p:cNvCxnSpPr>
-              <a:cxnSpLocks/>
-            </p:cNvCxnSpPr>
-            <p:nvPr/>
-          </p:nvCxnSpPr>
-          <p:spPr>
-            <a:xfrm>
-              <a:off x="2519008" y="3290500"/>
-              <a:ext cx="1489574" cy="875100"/>
-            </a:xfrm>
-            <a:prstGeom prst="straightConnector1">
-              <a:avLst/>
-            </a:prstGeom>
-            <a:ln>
-              <a:tailEnd type="triangle"/>
-            </a:ln>
-          </p:spPr>
-          <p:style>
-            <a:lnRef idx="1">
-              <a:schemeClr val="accent1"/>
-            </a:lnRef>
-            <a:fillRef idx="0">
-              <a:schemeClr val="accent1"/>
-            </a:fillRef>
-            <a:effectRef idx="0">
-              <a:schemeClr val="accent1"/>
-            </a:effectRef>
-            <a:fontRef idx="minor">
-              <a:schemeClr val="tx1"/>
-            </a:fontRef>
-          </p:style>
-        </p:cxnSp>
-        <p:cxnSp>
-          <p:nvCxnSpPr>
-            <p:cNvPr id="31" name="Straight Arrow Connector 30">
-              <a:extLst>
-                <a:ext uri="{FF2B5EF4-FFF2-40B4-BE49-F238E27FC236}">
-                  <a16:creationId xmlns:a16="http://schemas.microsoft.com/office/drawing/2014/main" id="{1F07367B-B0EE-5466-27A9-3C44681A4F5C}"/>
-                </a:ext>
-              </a:extLst>
-            </p:cNvPr>
-            <p:cNvCxnSpPr>
-              <a:cxnSpLocks/>
-            </p:cNvCxnSpPr>
-            <p:nvPr/>
-          </p:nvCxnSpPr>
-          <p:spPr>
-            <a:xfrm flipV="1">
-              <a:off x="2486268" y="2755562"/>
-              <a:ext cx="1565985" cy="471684"/>
-            </a:xfrm>
-            <a:prstGeom prst="straightConnector1">
-              <a:avLst/>
-            </a:prstGeom>
-            <a:ln>
-              <a:tailEnd type="triangle"/>
-            </a:ln>
-          </p:spPr>
-          <p:style>
-            <a:lnRef idx="1">
-              <a:schemeClr val="accent1"/>
-            </a:lnRef>
-            <a:fillRef idx="0">
-              <a:schemeClr val="accent1"/>
-            </a:fillRef>
-            <a:effectRef idx="0">
-              <a:schemeClr val="accent1"/>
-            </a:effectRef>
-            <a:fontRef idx="minor">
-              <a:schemeClr val="tx1"/>
-            </a:fontRef>
-          </p:style>
-        </p:cxnSp>
-        <p:cxnSp>
-          <p:nvCxnSpPr>
-            <p:cNvPr id="41" name="Straight Arrow Connector 40">
-              <a:extLst>
-                <a:ext uri="{FF2B5EF4-FFF2-40B4-BE49-F238E27FC236}">
-                  <a16:creationId xmlns:a16="http://schemas.microsoft.com/office/drawing/2014/main" id="{DC25095D-FD1D-25BF-BE8F-ABCCDFBD0FEB}"/>
-                </a:ext>
-              </a:extLst>
-            </p:cNvPr>
-            <p:cNvCxnSpPr>
-              <a:cxnSpLocks/>
-            </p:cNvCxnSpPr>
-            <p:nvPr/>
-          </p:nvCxnSpPr>
-          <p:spPr>
-            <a:xfrm>
-              <a:off x="2344566" y="3241263"/>
-              <a:ext cx="1707687" cy="268555"/>
-            </a:xfrm>
-            <a:prstGeom prst="straightConnector1">
-              <a:avLst/>
-            </a:prstGeom>
-            <a:ln w="9525" cap="flat" cmpd="sng" algn="ctr">
-              <a:solidFill>
-                <a:schemeClr val="accent1"/>
-              </a:solidFill>
-              <a:prstDash val="dash"/>
-              <a:round/>
-              <a:headEnd type="none" w="med" len="med"/>
-              <a:tailEnd type="none" w="med" len="med"/>
-            </a:ln>
-          </p:spPr>
-          <p:style>
-            <a:lnRef idx="0">
-              <a:scrgbClr r="0" g="0" b="0"/>
-            </a:lnRef>
-            <a:fillRef idx="0">
-              <a:scrgbClr r="0" g="0" b="0"/>
-            </a:fillRef>
-            <a:effectRef idx="0">
-              <a:scrgbClr r="0" g="0" b="0"/>
-            </a:effectRef>
-            <a:fontRef idx="minor">
-              <a:schemeClr val="tx1"/>
-            </a:fontRef>
-          </p:style>
-        </p:cxnSp>
-        <p:cxnSp>
-          <p:nvCxnSpPr>
-            <p:cNvPr id="42" name="Straight Arrow Connector 41">
-              <a:extLst>
-                <a:ext uri="{FF2B5EF4-FFF2-40B4-BE49-F238E27FC236}">
-                  <a16:creationId xmlns:a16="http://schemas.microsoft.com/office/drawing/2014/main" id="{B237CBAB-C665-C702-3046-8975FCC1D8D9}"/>
-                </a:ext>
-              </a:extLst>
-            </p:cNvPr>
-            <p:cNvCxnSpPr>
-              <a:cxnSpLocks/>
-            </p:cNvCxnSpPr>
-            <p:nvPr/>
-          </p:nvCxnSpPr>
-          <p:spPr>
-            <a:xfrm flipV="1">
-              <a:off x="2445122" y="3140364"/>
-              <a:ext cx="1607131" cy="100899"/>
-            </a:xfrm>
-            <a:prstGeom prst="straightConnector1">
-              <a:avLst/>
-            </a:prstGeom>
-            <a:ln w="9525" cap="flat" cmpd="sng" algn="ctr">
-              <a:solidFill>
-                <a:schemeClr val="accent1"/>
-              </a:solidFill>
-              <a:prstDash val="dash"/>
-              <a:round/>
-              <a:headEnd type="none" w="med" len="med"/>
-              <a:tailEnd type="none" w="med" len="med"/>
-            </a:ln>
-          </p:spPr>
-          <p:style>
-            <a:lnRef idx="0">
-              <a:scrgbClr r="0" g="0" b="0"/>
-            </a:lnRef>
-            <a:fillRef idx="0">
-              <a:scrgbClr r="0" g="0" b="0"/>
-            </a:fillRef>
-            <a:effectRef idx="0">
-              <a:scrgbClr r="0" g="0" b="0"/>
-            </a:effectRef>
-            <a:fontRef idx="minor">
-              <a:schemeClr val="tx1"/>
-            </a:fontRef>
-          </p:style>
-        </p:cxnSp>
-        <p:cxnSp>
-          <p:nvCxnSpPr>
-            <p:cNvPr id="47" name="Straight Arrow Connector 46">
-              <a:extLst>
-                <a:ext uri="{FF2B5EF4-FFF2-40B4-BE49-F238E27FC236}">
-                  <a16:creationId xmlns:a16="http://schemas.microsoft.com/office/drawing/2014/main" id="{FBB08D44-9631-85E9-B3F7-6721842F79EC}"/>
-                </a:ext>
-              </a:extLst>
-            </p:cNvPr>
-            <p:cNvCxnSpPr>
-              <a:cxnSpLocks/>
-            </p:cNvCxnSpPr>
-            <p:nvPr/>
-          </p:nvCxnSpPr>
-          <p:spPr>
-            <a:xfrm>
-              <a:off x="2445122" y="3255280"/>
-              <a:ext cx="1563460" cy="587047"/>
-            </a:xfrm>
-            <a:prstGeom prst="straightConnector1">
-              <a:avLst/>
-            </a:prstGeom>
-            <a:ln w="9525" cap="flat" cmpd="sng" algn="ctr">
-              <a:solidFill>
-                <a:schemeClr val="accent1"/>
-              </a:solidFill>
-              <a:prstDash val="dash"/>
-              <a:round/>
-              <a:headEnd type="none" w="med" len="med"/>
-              <a:tailEnd type="none" w="med" len="med"/>
-            </a:ln>
-          </p:spPr>
-          <p:style>
-            <a:lnRef idx="0">
-              <a:scrgbClr r="0" g="0" b="0"/>
-            </a:lnRef>
-            <a:fillRef idx="0">
-              <a:scrgbClr r="0" g="0" b="0"/>
-            </a:fillRef>
-            <a:effectRef idx="0">
-              <a:scrgbClr r="0" g="0" b="0"/>
-            </a:effectRef>
-            <a:fontRef idx="minor">
-              <a:schemeClr val="tx1"/>
-            </a:fontRef>
-          </p:style>
-        </p:cxnSp>
-        <p:pic>
-          <p:nvPicPr>
-            <p:cNvPr id="4" name="Picture 3">
-              <a:extLst>
-                <a:ext uri="{FF2B5EF4-FFF2-40B4-BE49-F238E27FC236}">
-                  <a16:creationId xmlns:a16="http://schemas.microsoft.com/office/drawing/2014/main" id="{0136540F-01CF-8287-502D-463495BDEF8E}"/>
-                </a:ext>
-              </a:extLst>
-            </p:cNvPr>
-            <p:cNvPicPr>
-              <a:picLocks noChangeAspect="1"/>
-            </p:cNvPicPr>
-            <p:nvPr/>
-          </p:nvPicPr>
-          <p:blipFill>
-            <a:blip r:embed="rId2">
-              <a:extLst>
-                <a:ext uri="{28A0092B-C50C-407E-A947-70E740481C1C}">
-                  <a14:useLocalDpi xmlns:a14="http://schemas.microsoft.com/office/drawing/2010/main" val="0"/>
-                </a:ext>
-              </a:extLst>
-            </a:blip>
-            <a:stretch>
-              <a:fillRect/>
-            </a:stretch>
-          </p:blipFill>
-          <p:spPr>
-            <a:xfrm>
-              <a:off x="1819985" y="2801840"/>
-              <a:ext cx="819104" cy="819104"/>
-            </a:xfrm>
-            <a:prstGeom prst="rect">
-              <a:avLst/>
-            </a:prstGeom>
-          </p:spPr>
-        </p:pic>
-        <p:sp>
-          <p:nvSpPr>
-            <p:cNvPr id="25" name="TextBox 24">
-              <a:extLst>
-                <a:ext uri="{FF2B5EF4-FFF2-40B4-BE49-F238E27FC236}">
-                  <a16:creationId xmlns:a16="http://schemas.microsoft.com/office/drawing/2014/main" id="{00975F05-7064-D0D3-EE94-9559F1AF0FDC}"/>
-                </a:ext>
-              </a:extLst>
-            </p:cNvPr>
-            <p:cNvSpPr txBox="1"/>
-            <p:nvPr/>
-          </p:nvSpPr>
-          <p:spPr>
-            <a:xfrm>
-              <a:off x="4008582" y="1746488"/>
-              <a:ext cx="1256145" cy="3088025"/>
-            </a:xfrm>
-            <a:prstGeom prst="rect">
-              <a:avLst/>
-            </a:prstGeom>
-            <a:noFill/>
-          </p:spPr>
-          <p:txBody>
-            <a:bodyPr wrap="square" rtlCol="1">
-              <a:spAutoFit/>
-            </a:bodyPr>
-            <a:lstStyle/>
-            <a:p>
-              <a:pPr>
-                <a:lnSpc>
-                  <a:spcPct val="150000"/>
-                </a:lnSpc>
-              </a:pPr>
-              <a:r>
-                <a:rPr lang="en-US" sz="1600" dirty="0"/>
-                <a:t>Chunk 1</a:t>
-              </a:r>
-            </a:p>
-            <a:p>
-              <a:pPr>
-                <a:lnSpc>
-                  <a:spcPct val="150000"/>
-                </a:lnSpc>
-              </a:pPr>
-              <a:r>
-                <a:rPr lang="en-US" sz="1600" dirty="0"/>
-                <a:t>Chunk 1</a:t>
-              </a:r>
-              <a:endParaRPr lang="fa-IR" sz="1600" dirty="0"/>
-            </a:p>
-            <a:p>
-              <a:pPr>
-                <a:lnSpc>
-                  <a:spcPct val="150000"/>
-                </a:lnSpc>
-              </a:pPr>
-              <a:r>
-                <a:rPr lang="en-US" sz="1600" dirty="0"/>
-                <a:t>Chunk 1</a:t>
-              </a:r>
-              <a:endParaRPr lang="fa-IR" sz="1600" dirty="0"/>
-            </a:p>
-            <a:p>
-              <a:pPr>
-                <a:lnSpc>
-                  <a:spcPct val="150000"/>
-                </a:lnSpc>
-              </a:pPr>
-              <a:r>
-                <a:rPr lang="en-US" sz="1600" dirty="0"/>
-                <a:t>.</a:t>
-              </a:r>
-            </a:p>
-            <a:p>
-              <a:pPr>
-                <a:lnSpc>
-                  <a:spcPct val="150000"/>
-                </a:lnSpc>
-              </a:pPr>
-              <a:r>
-                <a:rPr lang="en-US" sz="1600" dirty="0"/>
-                <a:t>.</a:t>
-              </a:r>
-            </a:p>
-            <a:p>
-              <a:pPr>
-                <a:lnSpc>
-                  <a:spcPct val="150000"/>
-                </a:lnSpc>
-              </a:pPr>
-              <a:r>
-                <a:rPr lang="en-US" sz="1600" dirty="0"/>
-                <a:t>.</a:t>
-              </a:r>
-            </a:p>
-            <a:p>
-              <a:pPr>
-                <a:lnSpc>
-                  <a:spcPct val="150000"/>
-                </a:lnSpc>
-              </a:pPr>
-              <a:r>
-                <a:rPr lang="en-US" sz="1600" dirty="0"/>
-                <a:t>Chunk N</a:t>
-              </a:r>
-              <a:endParaRPr lang="fa-IR" sz="1600" dirty="0"/>
-            </a:p>
-            <a:p>
-              <a:pPr>
-                <a:lnSpc>
-                  <a:spcPct val="150000"/>
-                </a:lnSpc>
-              </a:pPr>
-              <a:endParaRPr lang="fa-IR" sz="1600" dirty="0"/>
-            </a:p>
-          </p:txBody>
-        </p:sp>
-      </p:grpSp>
       <p:sp>
         <p:nvSpPr>
           <p:cNvPr id="51" name="Rectangle: Rounded Corners 50">
@@ -14142,8 +13668,8 @@
         </p:nvSpPr>
         <p:spPr>
           <a:xfrm>
-            <a:off x="5160698" y="2765451"/>
-            <a:ext cx="2533193" cy="1252367"/>
+            <a:off x="5520916" y="2558953"/>
+            <a:ext cx="2533193" cy="1409218"/>
           </a:xfrm>
           <a:prstGeom prst="roundRect">
             <a:avLst/>
@@ -14226,77 +13752,577 @@
           </a:p>
         </p:txBody>
       </p:sp>
-      <p:sp>
-        <p:nvSpPr>
-          <p:cNvPr id="52" name="TextBox 51">
+      <p:grpSp>
+        <p:nvGrpSpPr>
+          <p:cNvPr id="53" name="Group 52">
             <a:extLst>
               <a:ext uri="{FF2B5EF4-FFF2-40B4-BE49-F238E27FC236}">
-                <a16:creationId xmlns:a16="http://schemas.microsoft.com/office/drawing/2014/main" id="{07CFBC88-EAA2-C3F4-17B1-0906DB0458C1}"/>
+                <a16:creationId xmlns:a16="http://schemas.microsoft.com/office/drawing/2014/main" id="{999C0B94-12D4-5693-E2EB-6ACC41AA56DA}"/>
               </a:ext>
             </a:extLst>
           </p:cNvPr>
-          <p:cNvSpPr txBox="1"/>
+          <p:cNvGrpSpPr/>
           <p:nvPr/>
-        </p:nvSpPr>
-        <p:spPr>
+        </p:nvGrpSpPr>
+        <p:grpSpPr>
           <a:xfrm>
-            <a:off x="1303171" y="4174669"/>
-            <a:ext cx="743102" cy="1123384"/>
+            <a:off x="1099549" y="2254488"/>
+            <a:ext cx="3444742" cy="3088025"/>
+            <a:chOff x="1275040" y="2254488"/>
+            <a:chExt cx="3444742" cy="3088025"/>
           </a:xfrm>
-          <a:prstGeom prst="rect">
-            <a:avLst/>
-          </a:prstGeom>
-          <a:noFill/>
-        </p:spPr>
-        <p:txBody>
-          <a:bodyPr wrap="square" rtlCol="1">
-            <a:spAutoFit/>
-          </a:bodyPr>
-          <a:lstStyle/>
-          <a:p>
-            <a:pPr algn="ctr" rtl="1"/>
-            <a:r>
-              <a:rPr lang="fa-IR" sz="1900" b="1" dirty="0">
+        </p:grpSpPr>
+        <p:grpSp>
+          <p:nvGrpSpPr>
+            <p:cNvPr id="50" name="Group 49">
+              <a:extLst>
+                <a:ext uri="{FF2B5EF4-FFF2-40B4-BE49-F238E27FC236}">
+                  <a16:creationId xmlns:a16="http://schemas.microsoft.com/office/drawing/2014/main" id="{DD8B0A84-65F9-4E3C-2541-24A1C1BF5F67}"/>
+                </a:ext>
+              </a:extLst>
+            </p:cNvPr>
+            <p:cNvGrpSpPr/>
+            <p:nvPr/>
+          </p:nvGrpSpPr>
+          <p:grpSpPr>
+            <a:xfrm>
+              <a:off x="1275040" y="2254488"/>
+              <a:ext cx="3444742" cy="3088025"/>
+              <a:chOff x="1819985" y="1746488"/>
+              <a:chExt cx="3444742" cy="3088025"/>
+            </a:xfrm>
+          </p:grpSpPr>
+          <p:cxnSp>
+            <p:nvCxnSpPr>
+              <p:cNvPr id="18" name="Straight Arrow Connector 17">
+                <a:extLst>
+                  <a:ext uri="{FF2B5EF4-FFF2-40B4-BE49-F238E27FC236}">
+                    <a16:creationId xmlns:a16="http://schemas.microsoft.com/office/drawing/2014/main" id="{DF50FA88-43A9-B9D1-694A-0437344F583B}"/>
+                  </a:ext>
+                </a:extLst>
+              </p:cNvPr>
+              <p:cNvCxnSpPr>
+                <a:cxnSpLocks/>
+              </p:cNvCxnSpPr>
+              <p:nvPr/>
+            </p:nvCxnSpPr>
+            <p:spPr>
+              <a:xfrm flipV="1">
+                <a:off x="2486268" y="2033561"/>
+                <a:ext cx="1522314" cy="1193685"/>
+              </a:xfrm>
+              <a:prstGeom prst="straightConnector1">
+                <a:avLst/>
+              </a:prstGeom>
+              <a:ln>
+                <a:tailEnd type="triangle"/>
+              </a:ln>
+            </p:spPr>
+            <p:style>
+              <a:lnRef idx="1">
+                <a:schemeClr val="accent1"/>
+              </a:lnRef>
+              <a:fillRef idx="0">
+                <a:schemeClr val="accent1"/>
+              </a:fillRef>
+              <a:effectRef idx="0">
+                <a:schemeClr val="accent1"/>
+              </a:effectRef>
+              <a:fontRef idx="minor">
+                <a:schemeClr val="tx1"/>
+              </a:fontRef>
+            </p:style>
+          </p:cxnSp>
+          <p:cxnSp>
+            <p:nvCxnSpPr>
+              <p:cNvPr id="29" name="Straight Arrow Connector 28">
+                <a:extLst>
+                  <a:ext uri="{FF2B5EF4-FFF2-40B4-BE49-F238E27FC236}">
+                    <a16:creationId xmlns:a16="http://schemas.microsoft.com/office/drawing/2014/main" id="{5AE6DC54-F24D-BC66-5668-25725BD5FF2D}"/>
+                  </a:ext>
+                </a:extLst>
+              </p:cNvPr>
+              <p:cNvCxnSpPr>
+                <a:cxnSpLocks/>
+              </p:cNvCxnSpPr>
+              <p:nvPr/>
+            </p:nvCxnSpPr>
+            <p:spPr>
+              <a:xfrm flipV="1">
+                <a:off x="2486268" y="2378675"/>
+                <a:ext cx="1522314" cy="848571"/>
+              </a:xfrm>
+              <a:prstGeom prst="straightConnector1">
+                <a:avLst/>
+              </a:prstGeom>
+              <a:ln>
+                <a:tailEnd type="triangle"/>
+              </a:ln>
+            </p:spPr>
+            <p:style>
+              <a:lnRef idx="1">
+                <a:schemeClr val="accent1"/>
+              </a:lnRef>
+              <a:fillRef idx="0">
+                <a:schemeClr val="accent1"/>
+              </a:fillRef>
+              <a:effectRef idx="0">
+                <a:schemeClr val="accent1"/>
+              </a:effectRef>
+              <a:fontRef idx="minor">
+                <a:schemeClr val="tx1"/>
+              </a:fontRef>
+            </p:style>
+          </p:cxnSp>
+          <p:cxnSp>
+            <p:nvCxnSpPr>
+              <p:cNvPr id="30" name="Straight Arrow Connector 29">
+                <a:extLst>
+                  <a:ext uri="{FF2B5EF4-FFF2-40B4-BE49-F238E27FC236}">
+                    <a16:creationId xmlns:a16="http://schemas.microsoft.com/office/drawing/2014/main" id="{46B88ACD-334E-F01D-D4C0-7413D5754B1D}"/>
+                  </a:ext>
+                </a:extLst>
+              </p:cNvPr>
+              <p:cNvCxnSpPr>
+                <a:cxnSpLocks/>
+              </p:cNvCxnSpPr>
+              <p:nvPr/>
+            </p:nvCxnSpPr>
+            <p:spPr>
+              <a:xfrm>
+                <a:off x="2519008" y="3290500"/>
+                <a:ext cx="1489574" cy="875100"/>
+              </a:xfrm>
+              <a:prstGeom prst="straightConnector1">
+                <a:avLst/>
+              </a:prstGeom>
+              <a:ln>
+                <a:tailEnd type="triangle"/>
+              </a:ln>
+            </p:spPr>
+            <p:style>
+              <a:lnRef idx="1">
+                <a:schemeClr val="accent1"/>
+              </a:lnRef>
+              <a:fillRef idx="0">
+                <a:schemeClr val="accent1"/>
+              </a:fillRef>
+              <a:effectRef idx="0">
+                <a:schemeClr val="accent1"/>
+              </a:effectRef>
+              <a:fontRef idx="minor">
+                <a:schemeClr val="tx1"/>
+              </a:fontRef>
+            </p:style>
+          </p:cxnSp>
+          <p:cxnSp>
+            <p:nvCxnSpPr>
+              <p:cNvPr id="31" name="Straight Arrow Connector 30">
+                <a:extLst>
+                  <a:ext uri="{FF2B5EF4-FFF2-40B4-BE49-F238E27FC236}">
+                    <a16:creationId xmlns:a16="http://schemas.microsoft.com/office/drawing/2014/main" id="{1F07367B-B0EE-5466-27A9-3C44681A4F5C}"/>
+                  </a:ext>
+                </a:extLst>
+              </p:cNvPr>
+              <p:cNvCxnSpPr>
+                <a:cxnSpLocks/>
+              </p:cNvCxnSpPr>
+              <p:nvPr/>
+            </p:nvCxnSpPr>
+            <p:spPr>
+              <a:xfrm flipV="1">
+                <a:off x="2486268" y="2755562"/>
+                <a:ext cx="1565985" cy="471684"/>
+              </a:xfrm>
+              <a:prstGeom prst="straightConnector1">
+                <a:avLst/>
+              </a:prstGeom>
+              <a:ln>
+                <a:tailEnd type="triangle"/>
+              </a:ln>
+            </p:spPr>
+            <p:style>
+              <a:lnRef idx="1">
+                <a:schemeClr val="accent1"/>
+              </a:lnRef>
+              <a:fillRef idx="0">
+                <a:schemeClr val="accent1"/>
+              </a:fillRef>
+              <a:effectRef idx="0">
+                <a:schemeClr val="accent1"/>
+              </a:effectRef>
+              <a:fontRef idx="minor">
+                <a:schemeClr val="tx1"/>
+              </a:fontRef>
+            </p:style>
+          </p:cxnSp>
+          <p:cxnSp>
+            <p:nvCxnSpPr>
+              <p:cNvPr id="41" name="Straight Arrow Connector 40">
+                <a:extLst>
+                  <a:ext uri="{FF2B5EF4-FFF2-40B4-BE49-F238E27FC236}">
+                    <a16:creationId xmlns:a16="http://schemas.microsoft.com/office/drawing/2014/main" id="{DC25095D-FD1D-25BF-BE8F-ABCCDFBD0FEB}"/>
+                  </a:ext>
+                </a:extLst>
+              </p:cNvPr>
+              <p:cNvCxnSpPr>
+                <a:cxnSpLocks/>
+              </p:cNvCxnSpPr>
+              <p:nvPr/>
+            </p:nvCxnSpPr>
+            <p:spPr>
+              <a:xfrm>
+                <a:off x="2344566" y="3241263"/>
+                <a:ext cx="1707687" cy="268555"/>
+              </a:xfrm>
+              <a:prstGeom prst="straightConnector1">
+                <a:avLst/>
+              </a:prstGeom>
+              <a:ln w="9525" cap="flat" cmpd="sng" algn="ctr">
                 <a:solidFill>
-                  <a:srgbClr val="0070C0"/>
+                  <a:schemeClr val="accent1"/>
                 </a:solidFill>
+                <a:prstDash val="dash"/>
+                <a:round/>
+                <a:headEnd type="none" w="med" len="med"/>
+                <a:tailEnd type="none" w="med" len="med"/>
+              </a:ln>
+            </p:spPr>
+            <p:style>
+              <a:lnRef idx="0">
+                <a:scrgbClr r="0" g="0" b="0"/>
+              </a:lnRef>
+              <a:fillRef idx="0">
+                <a:scrgbClr r="0" g="0" b="0"/>
+              </a:fillRef>
+              <a:effectRef idx="0">
+                <a:scrgbClr r="0" g="0" b="0"/>
+              </a:effectRef>
+              <a:fontRef idx="minor">
+                <a:schemeClr val="tx1"/>
+              </a:fontRef>
+            </p:style>
+          </p:cxnSp>
+          <p:cxnSp>
+            <p:nvCxnSpPr>
+              <p:cNvPr id="42" name="Straight Arrow Connector 41">
+                <a:extLst>
+                  <a:ext uri="{FF2B5EF4-FFF2-40B4-BE49-F238E27FC236}">
+                    <a16:creationId xmlns:a16="http://schemas.microsoft.com/office/drawing/2014/main" id="{B237CBAB-C665-C702-3046-8975FCC1D8D9}"/>
+                  </a:ext>
+                </a:extLst>
+              </p:cNvPr>
+              <p:cNvCxnSpPr>
+                <a:cxnSpLocks/>
+              </p:cNvCxnSpPr>
+              <p:nvPr/>
+            </p:nvCxnSpPr>
+            <p:spPr>
+              <a:xfrm flipV="1">
+                <a:off x="2445122" y="3140364"/>
+                <a:ext cx="1607131" cy="100899"/>
+              </a:xfrm>
+              <a:prstGeom prst="straightConnector1">
+                <a:avLst/>
+              </a:prstGeom>
+              <a:ln w="9525" cap="flat" cmpd="sng" algn="ctr">
+                <a:solidFill>
+                  <a:schemeClr val="accent1"/>
+                </a:solidFill>
+                <a:prstDash val="dash"/>
+                <a:round/>
+                <a:headEnd type="none" w="med" len="med"/>
+                <a:tailEnd type="none" w="med" len="med"/>
+              </a:ln>
+            </p:spPr>
+            <p:style>
+              <a:lnRef idx="0">
+                <a:scrgbClr r="0" g="0" b="0"/>
+              </a:lnRef>
+              <a:fillRef idx="0">
+                <a:scrgbClr r="0" g="0" b="0"/>
+              </a:fillRef>
+              <a:effectRef idx="0">
+                <a:scrgbClr r="0" g="0" b="0"/>
+              </a:effectRef>
+              <a:fontRef idx="minor">
+                <a:schemeClr val="tx1"/>
+              </a:fontRef>
+            </p:style>
+          </p:cxnSp>
+          <p:cxnSp>
+            <p:nvCxnSpPr>
+              <p:cNvPr id="47" name="Straight Arrow Connector 46">
+                <a:extLst>
+                  <a:ext uri="{FF2B5EF4-FFF2-40B4-BE49-F238E27FC236}">
+                    <a16:creationId xmlns:a16="http://schemas.microsoft.com/office/drawing/2014/main" id="{FBB08D44-9631-85E9-B3F7-6721842F79EC}"/>
+                  </a:ext>
+                </a:extLst>
+              </p:cNvPr>
+              <p:cNvCxnSpPr>
+                <a:cxnSpLocks/>
+              </p:cNvCxnSpPr>
+              <p:nvPr/>
+            </p:nvCxnSpPr>
+            <p:spPr>
+              <a:xfrm>
+                <a:off x="2445122" y="3255280"/>
+                <a:ext cx="1563460" cy="587047"/>
+              </a:xfrm>
+              <a:prstGeom prst="straightConnector1">
+                <a:avLst/>
+              </a:prstGeom>
+              <a:ln w="9525" cap="flat" cmpd="sng" algn="ctr">
+                <a:solidFill>
+                  <a:schemeClr val="accent1"/>
+                </a:solidFill>
+                <a:prstDash val="dash"/>
+                <a:round/>
+                <a:headEnd type="none" w="med" len="med"/>
+                <a:tailEnd type="none" w="med" len="med"/>
+              </a:ln>
+            </p:spPr>
+            <p:style>
+              <a:lnRef idx="0">
+                <a:scrgbClr r="0" g="0" b="0"/>
+              </a:lnRef>
+              <a:fillRef idx="0">
+                <a:scrgbClr r="0" g="0" b="0"/>
+              </a:fillRef>
+              <a:effectRef idx="0">
+                <a:scrgbClr r="0" g="0" b="0"/>
+              </a:effectRef>
+              <a:fontRef idx="minor">
+                <a:schemeClr val="tx1"/>
+              </a:fontRef>
+            </p:style>
+          </p:cxnSp>
+          <p:pic>
+            <p:nvPicPr>
+              <p:cNvPr id="4" name="Picture 3">
+                <a:extLst>
+                  <a:ext uri="{FF2B5EF4-FFF2-40B4-BE49-F238E27FC236}">
+                    <a16:creationId xmlns:a16="http://schemas.microsoft.com/office/drawing/2014/main" id="{0136540F-01CF-8287-502D-463495BDEF8E}"/>
+                  </a:ext>
+                </a:extLst>
+              </p:cNvPr>
+              <p:cNvPicPr>
+                <a:picLocks noChangeAspect="1"/>
+              </p:cNvPicPr>
+              <p:nvPr/>
+            </p:nvPicPr>
+            <p:blipFill>
+              <a:blip r:embed="rId2">
+                <a:extLst>
+                  <a:ext uri="{28A0092B-C50C-407E-A947-70E740481C1C}">
+                    <a14:useLocalDpi xmlns:a14="http://schemas.microsoft.com/office/drawing/2010/main" val="0"/>
+                  </a:ext>
+                </a:extLst>
+              </a:blip>
+              <a:stretch>
+                <a:fillRect/>
+              </a:stretch>
+            </p:blipFill>
+            <p:spPr>
+              <a:xfrm>
+                <a:off x="1819985" y="2801840"/>
+                <a:ext cx="819104" cy="819104"/>
+              </a:xfrm>
+              <a:prstGeom prst="rect">
+                <a:avLst/>
+              </a:prstGeom>
+            </p:spPr>
+          </p:pic>
+          <p:sp>
+            <p:nvSpPr>
+              <p:cNvPr id="25" name="TextBox 24">
+                <a:extLst>
+                  <a:ext uri="{FF2B5EF4-FFF2-40B4-BE49-F238E27FC236}">
+                    <a16:creationId xmlns:a16="http://schemas.microsoft.com/office/drawing/2014/main" id="{00975F05-7064-D0D3-EE94-9559F1AF0FDC}"/>
+                  </a:ext>
+                </a:extLst>
+              </p:cNvPr>
+              <p:cNvSpPr txBox="1"/>
+              <p:nvPr/>
+            </p:nvSpPr>
+            <p:spPr>
+              <a:xfrm>
+                <a:off x="4008582" y="1746488"/>
+                <a:ext cx="1256145" cy="3088025"/>
+              </a:xfrm>
+              <a:prstGeom prst="rect">
+                <a:avLst/>
+              </a:prstGeom>
+              <a:noFill/>
+            </p:spPr>
+            <p:txBody>
+              <a:bodyPr wrap="square" rtlCol="1">
+                <a:spAutoFit/>
+              </a:bodyPr>
+              <a:lstStyle/>
+              <a:p>
+                <a:pPr>
+                  <a:lnSpc>
+                    <a:spcPct val="150000"/>
+                  </a:lnSpc>
+                </a:pPr>
+                <a:r>
+                  <a:rPr lang="en-US" sz="1600" dirty="0"/>
+                  <a:t>Chunk 1</a:t>
+                </a:r>
+              </a:p>
+              <a:p>
+                <a:pPr>
+                  <a:lnSpc>
+                    <a:spcPct val="150000"/>
+                  </a:lnSpc>
+                </a:pPr>
+                <a:r>
+                  <a:rPr lang="en-US" sz="1600" dirty="0"/>
+                  <a:t>Chunk 1</a:t>
+                </a:r>
+                <a:endParaRPr lang="fa-IR" sz="1600" dirty="0"/>
+              </a:p>
+              <a:p>
+                <a:pPr>
+                  <a:lnSpc>
+                    <a:spcPct val="150000"/>
+                  </a:lnSpc>
+                </a:pPr>
+                <a:r>
+                  <a:rPr lang="en-US" sz="1600" dirty="0"/>
+                  <a:t>Chunk 1</a:t>
+                </a:r>
+                <a:endParaRPr lang="fa-IR" sz="1600" dirty="0"/>
+              </a:p>
+              <a:p>
+                <a:pPr>
+                  <a:lnSpc>
+                    <a:spcPct val="150000"/>
+                  </a:lnSpc>
+                </a:pPr>
+                <a:r>
+                  <a:rPr lang="en-US" sz="1600" dirty="0"/>
+                  <a:t>.</a:t>
+                </a:r>
+              </a:p>
+              <a:p>
+                <a:pPr>
+                  <a:lnSpc>
+                    <a:spcPct val="150000"/>
+                  </a:lnSpc>
+                </a:pPr>
+                <a:r>
+                  <a:rPr lang="en-US" sz="1600" dirty="0"/>
+                  <a:t>.</a:t>
+                </a:r>
+              </a:p>
+              <a:p>
+                <a:pPr>
+                  <a:lnSpc>
+                    <a:spcPct val="150000"/>
+                  </a:lnSpc>
+                </a:pPr>
+                <a:r>
+                  <a:rPr lang="en-US" sz="1600" dirty="0"/>
+                  <a:t>.</a:t>
+                </a:r>
+              </a:p>
+              <a:p>
+                <a:pPr>
+                  <a:lnSpc>
+                    <a:spcPct val="150000"/>
+                  </a:lnSpc>
+                </a:pPr>
+                <a:r>
+                  <a:rPr lang="en-US" sz="1600" dirty="0"/>
+                  <a:t>Chunk N</a:t>
+                </a:r>
+                <a:endParaRPr lang="fa-IR" sz="1600" dirty="0"/>
+              </a:p>
+              <a:p>
+                <a:pPr>
+                  <a:lnSpc>
+                    <a:spcPct val="150000"/>
+                  </a:lnSpc>
+                </a:pPr>
+                <a:endParaRPr lang="fa-IR" sz="1600" dirty="0"/>
+              </a:p>
+            </p:txBody>
+          </p:sp>
+        </p:grpSp>
+        <p:sp>
+          <p:nvSpPr>
+            <p:cNvPr id="52" name="TextBox 51">
+              <a:extLst>
+                <a:ext uri="{FF2B5EF4-FFF2-40B4-BE49-F238E27FC236}">
+                  <a16:creationId xmlns:a16="http://schemas.microsoft.com/office/drawing/2014/main" id="{07CFBC88-EAA2-C3F4-17B1-0906DB0458C1}"/>
+                </a:ext>
+              </a:extLst>
+            </p:cNvPr>
+            <p:cNvSpPr txBox="1"/>
+            <p:nvPr/>
+          </p:nvSpPr>
+          <p:spPr>
+            <a:xfrm>
+              <a:off x="1303171" y="4174669"/>
+              <a:ext cx="743102" cy="1123384"/>
+            </a:xfrm>
+            <a:prstGeom prst="rect">
+              <a:avLst/>
+            </a:prstGeom>
+            <a:noFill/>
+          </p:spPr>
+          <p:txBody>
+            <a:bodyPr wrap="square" rtlCol="1">
+              <a:spAutoFit/>
+            </a:bodyPr>
+            <a:lstStyle/>
+            <a:p>
+              <a:pPr algn="ctr" rtl="1"/>
+              <a:r>
+                <a:rPr lang="fa-IR" sz="1900" b="1" dirty="0">
+                  <a:solidFill>
+                    <a:srgbClr val="0070C0"/>
+                  </a:solidFill>
+                  <a:cs typeface="B Nazanin" panose="00000400000000000000" pitchFamily="2" charset="-78"/>
+                </a:rPr>
+                <a:t>مدرک </a:t>
+              </a:r>
+            </a:p>
+            <a:p>
+              <a:pPr rtl="1"/>
+              <a:r>
+                <a:rPr lang="en-US" sz="1600" b="1" dirty="0">
+                  <a:cs typeface="B Nazanin" panose="00000400000000000000" pitchFamily="2" charset="-78"/>
+                </a:rPr>
+                <a:t>.pdf</a:t>
+              </a:r>
+            </a:p>
+            <a:p>
+              <a:pPr rtl="1"/>
+              <a:r>
+                <a:rPr lang="en-US" sz="1600" b="1" dirty="0">
+                  <a:cs typeface="B Nazanin" panose="00000400000000000000" pitchFamily="2" charset="-78"/>
+                </a:rPr>
+                <a:t>.docx</a:t>
+              </a:r>
+            </a:p>
+            <a:p>
+              <a:pPr rtl="1"/>
+              <a:r>
+                <a:rPr lang="en-US" sz="1600" b="1" dirty="0">
+                  <a:cs typeface="B Nazanin" panose="00000400000000000000" pitchFamily="2" charset="-78"/>
+                </a:rPr>
+                <a:t>.txt</a:t>
+              </a:r>
+              <a:endParaRPr lang="fa-IR" sz="1600" b="1" dirty="0">
                 <a:cs typeface="B Nazanin" panose="00000400000000000000" pitchFamily="2" charset="-78"/>
-              </a:rPr>
-              <a:t>مدرک </a:t>
-            </a:r>
-          </a:p>
-          <a:p>
-            <a:pPr rtl="1"/>
-            <a:r>
-              <a:rPr lang="en-US" sz="1600" b="1" dirty="0">
-                <a:cs typeface="B Nazanin" panose="00000400000000000000" pitchFamily="2" charset="-78"/>
-              </a:rPr>
-              <a:t>.pdf</a:t>
-            </a:r>
-          </a:p>
-          <a:p>
-            <a:pPr rtl="1"/>
-            <a:r>
-              <a:rPr lang="en-US" sz="1600" b="1" dirty="0">
-                <a:cs typeface="B Nazanin" panose="00000400000000000000" pitchFamily="2" charset="-78"/>
-              </a:rPr>
-              <a:t>.docx</a:t>
-            </a:r>
-          </a:p>
-          <a:p>
-            <a:pPr rtl="1"/>
-            <a:r>
-              <a:rPr lang="en-US" sz="1600" b="1" dirty="0">
-                <a:cs typeface="B Nazanin" panose="00000400000000000000" pitchFamily="2" charset="-78"/>
-              </a:rPr>
-              <a:t>.txt</a:t>
-            </a:r>
-            <a:endParaRPr lang="fa-IR" sz="1600" b="1" dirty="0">
-              <a:cs typeface="B Nazanin" panose="00000400000000000000" pitchFamily="2" charset="-78"/>
-            </a:endParaRPr>
-          </a:p>
-        </p:txBody>
-      </p:sp>
+              </a:endParaRPr>
+            </a:p>
+          </p:txBody>
+        </p:sp>
+      </p:grpSp>
     </p:spTree>
     <p:extLst>
       <p:ext uri="{BB962C8B-B14F-4D97-AF65-F5344CB8AC3E}">
@@ -14970,7 +14996,7 @@
         </p:nvSpPr>
         <p:spPr>
           <a:xfrm rot="20762065">
-            <a:off x="829974" y="740928"/>
+            <a:off x="811502" y="740928"/>
             <a:ext cx="7740934" cy="1459870"/>
           </a:xfrm>
           <a:prstGeom prst="curvedDownArrow">
@@ -15336,7 +15362,7 @@
               <a:rPr lang="fa-IR" sz="2800" b="1" dirty="0">
                 <a:cs typeface="B Nazanin" panose="00000400000000000000" pitchFamily="2" charset="-78"/>
               </a:rPr>
-              <a:t> کلی کار </a:t>
+              <a:t> کلی فرآیند </a:t>
             </a:r>
             <a:r>
               <a:rPr lang="en-US" sz="2800" b="1" dirty="0">

--- a/RAG.pptx
+++ b/RAG.pptx
@@ -2091,7 +2091,7 @@
       <dgm:spPr/>
     </dgm:pt>
     <dgm:pt modelId="{4705860B-CF4C-4332-80F6-CB6B998C1578}" type="pres">
-      <dgm:prSet presAssocID="{A5010BC2-76BB-49B6-8597-C761ECAC1772}" presName="parentText" presStyleLbl="node1" presStyleIdx="0" presStyleCnt="3">
+      <dgm:prSet presAssocID="{A5010BC2-76BB-49B6-8597-C761ECAC1772}" presName="parentText" presStyleLbl="node1" presStyleIdx="0" presStyleCnt="3" custLinFactNeighborY="0">
         <dgm:presLayoutVars>
           <dgm:chMax val="0"/>
           <dgm:bulletEnabled val="1"/>
@@ -2104,7 +2104,7 @@
       <dgm:spPr/>
     </dgm:pt>
     <dgm:pt modelId="{C57268A3-E864-4C73-8DE7-94B3BCF7AFEA}" type="pres">
-      <dgm:prSet presAssocID="{FD7784B0-2A99-42F6-A10A-83EB0DC73BE5}" presName="parentText" presStyleLbl="node1" presStyleIdx="1" presStyleCnt="3" custLinFactY="94291" custLinFactNeighborX="979" custLinFactNeighborY="100000">
+      <dgm:prSet presAssocID="{FD7784B0-2A99-42F6-A10A-83EB0DC73BE5}" presName="parentText" presStyleLbl="node1" presStyleIdx="1" presStyleCnt="3" custLinFactY="95846" custLinFactNeighborY="100000">
         <dgm:presLayoutVars>
           <dgm:chMax val="0"/>
           <dgm:bulletEnabled val="1"/>
@@ -2373,7 +2373,7 @@
       </dsp:nvSpPr>
       <dsp:spPr>
         <a:xfrm>
-          <a:off x="0" y="1325562"/>
+          <a:off x="0" y="1334796"/>
           <a:ext cx="1799355" cy="593775"/>
         </a:xfrm>
         <a:prstGeom prst="roundRect">
@@ -2479,7 +2479,7 @@
         </a:p>
       </dsp:txBody>
       <dsp:txXfrm>
-        <a:off x="28986" y="1354548"/>
+        <a:off x="28986" y="1363782"/>
         <a:ext cx="1741383" cy="535803"/>
       </dsp:txXfrm>
     </dsp:sp>
@@ -9369,13 +9369,13 @@
             <p:ph idx="1"/>
             <p:extLst>
               <p:ext uri="{D42A27DB-BD31-4B8C-83A1-F6EECF244321}">
-                <p14:modId xmlns:p14="http://schemas.microsoft.com/office/powerpoint/2010/main" val="3438200710"/>
+                <p14:modId xmlns:p14="http://schemas.microsoft.com/office/powerpoint/2010/main" val="1166548578"/>
               </p:ext>
             </p:extLst>
           </p:nvPr>
         </p:nvGraphicFramePr>
         <p:xfrm>
-          <a:off x="5316108" y="1690688"/>
+          <a:off x="5445417" y="1598324"/>
           <a:ext cx="1799355" cy="1958108"/>
         </p:xfrm>
         <a:graphic>
@@ -9409,7 +9409,7 @@
         </p:spPr>
         <p:txBody>
           <a:bodyPr vert="horz" lIns="91440" tIns="45720" rIns="91440" bIns="45720" rtlCol="0">
-            <a:normAutofit lnSpcReduction="10000"/>
+            <a:normAutofit fontScale="92500" lnSpcReduction="10000"/>
           </a:bodyPr>
           <a:lstStyle>
             <a:lvl1pPr marL="228600" indent="-228600" algn="l" defTabSz="914400" rtl="0" eaLnBrk="1" latinLnBrk="0" hangingPunct="1">
@@ -9637,11 +9637,13 @@
               <a:rPr lang="fa-IR" sz="2000" b="1" dirty="0">
                 <a:cs typeface="B Nazanin" panose="00000400000000000000" pitchFamily="2" charset="-78"/>
               </a:rPr>
-              <a:t>کنترل بالای دسترسی کاربران توسط مدیر</a:t>
-            </a:r>
-          </a:p>
-          <a:p>
-            <a:pPr algn="r" rtl="1"/>
+              <a:t>کیفیت پاسخ بالا</a:t>
+            </a:r>
+          </a:p>
+          <a:p>
+            <a:pPr marL="0" indent="0" algn="r" rtl="1">
+              <a:buNone/>
+            </a:pPr>
             <a:endParaRPr lang="fa-IR" sz="2000" b="1" dirty="0">
               <a:cs typeface="B Nazanin" panose="00000400000000000000" pitchFamily="2" charset="-78"/>
             </a:endParaRPr>
@@ -9652,7 +9654,7 @@
               <a:rPr lang="fa-IR" sz="2000" b="1" dirty="0">
                 <a:cs typeface="B Nazanin" panose="00000400000000000000" pitchFamily="2" charset="-78"/>
               </a:rPr>
-              <a:t>کیفیت پاسخ بالا</a:t>
+              <a:t>کنترل بالای دسترسی کاربران توسط مدیر</a:t>
             </a:r>
           </a:p>
           <a:p>
@@ -9762,7 +9764,7 @@
         </p:nvSpPr>
         <p:spPr>
           <a:xfrm>
-            <a:off x="4039467" y="2143611"/>
+            <a:off x="4104122" y="2143611"/>
             <a:ext cx="1088160" cy="1083762"/>
           </a:xfrm>
           <a:prstGeom prst="plus">
@@ -13616,6 +13618,129 @@
           <a:chExt cx="0" cy="0"/>
         </a:xfrm>
       </p:grpSpPr>
+      <p:cxnSp>
+        <p:nvCxnSpPr>
+          <p:cNvPr id="103" name="Straight Arrow Connector 102">
+            <a:extLst>
+              <a:ext uri="{FF2B5EF4-FFF2-40B4-BE49-F238E27FC236}">
+                <a16:creationId xmlns:a16="http://schemas.microsoft.com/office/drawing/2014/main" id="{9E9A7102-1A0E-E3BD-3B2D-94280552065E}"/>
+              </a:ext>
+            </a:extLst>
+          </p:cNvPr>
+          <p:cNvCxnSpPr>
+            <a:cxnSpLocks/>
+          </p:cNvCxnSpPr>
+          <p:nvPr/>
+        </p:nvCxnSpPr>
+        <p:spPr>
+          <a:xfrm flipV="1">
+            <a:off x="9781307" y="3617576"/>
+            <a:ext cx="748148" cy="55416"/>
+          </a:xfrm>
+          <a:prstGeom prst="straightConnector1">
+            <a:avLst/>
+          </a:prstGeom>
+          <a:ln>
+            <a:tailEnd type="triangle"/>
+          </a:ln>
+        </p:spPr>
+        <p:style>
+          <a:lnRef idx="3">
+            <a:schemeClr val="dk1"/>
+          </a:lnRef>
+          <a:fillRef idx="0">
+            <a:schemeClr val="dk1"/>
+          </a:fillRef>
+          <a:effectRef idx="2">
+            <a:schemeClr val="dk1"/>
+          </a:effectRef>
+          <a:fontRef idx="minor">
+            <a:schemeClr val="tx1"/>
+          </a:fontRef>
+        </p:style>
+      </p:cxnSp>
+      <p:cxnSp>
+        <p:nvCxnSpPr>
+          <p:cNvPr id="104" name="Straight Arrow Connector 103">
+            <a:extLst>
+              <a:ext uri="{FF2B5EF4-FFF2-40B4-BE49-F238E27FC236}">
+                <a16:creationId xmlns:a16="http://schemas.microsoft.com/office/drawing/2014/main" id="{4A0E16EF-6470-7552-B7FC-A5FF39DE62D2}"/>
+              </a:ext>
+            </a:extLst>
+          </p:cNvPr>
+          <p:cNvCxnSpPr>
+            <a:cxnSpLocks/>
+          </p:cNvCxnSpPr>
+          <p:nvPr/>
+        </p:nvCxnSpPr>
+        <p:spPr>
+          <a:xfrm>
+            <a:off x="9772068" y="3210200"/>
+            <a:ext cx="757387" cy="59858"/>
+          </a:xfrm>
+          <a:prstGeom prst="straightConnector1">
+            <a:avLst/>
+          </a:prstGeom>
+          <a:ln>
+            <a:tailEnd type="triangle"/>
+          </a:ln>
+        </p:spPr>
+        <p:style>
+          <a:lnRef idx="3">
+            <a:schemeClr val="dk1"/>
+          </a:lnRef>
+          <a:fillRef idx="0">
+            <a:schemeClr val="dk1"/>
+          </a:fillRef>
+          <a:effectRef idx="2">
+            <a:schemeClr val="dk1"/>
+          </a:effectRef>
+          <a:fontRef idx="minor">
+            <a:schemeClr val="tx1"/>
+          </a:fontRef>
+        </p:style>
+      </p:cxnSp>
+      <p:cxnSp>
+        <p:nvCxnSpPr>
+          <p:cNvPr id="100" name="Straight Arrow Connector 99">
+            <a:extLst>
+              <a:ext uri="{FF2B5EF4-FFF2-40B4-BE49-F238E27FC236}">
+                <a16:creationId xmlns:a16="http://schemas.microsoft.com/office/drawing/2014/main" id="{54C23380-6D00-480B-4D6F-BD70A4226D82}"/>
+              </a:ext>
+            </a:extLst>
+          </p:cNvPr>
+          <p:cNvCxnSpPr>
+            <a:cxnSpLocks/>
+          </p:cNvCxnSpPr>
+          <p:nvPr/>
+        </p:nvCxnSpPr>
+        <p:spPr>
+          <a:xfrm>
+            <a:off x="9762836" y="2752515"/>
+            <a:ext cx="766619" cy="218634"/>
+          </a:xfrm>
+          <a:prstGeom prst="straightConnector1">
+            <a:avLst/>
+          </a:prstGeom>
+          <a:ln>
+            <a:tailEnd type="triangle"/>
+          </a:ln>
+        </p:spPr>
+        <p:style>
+          <a:lnRef idx="3">
+            <a:schemeClr val="dk1"/>
+          </a:lnRef>
+          <a:fillRef idx="0">
+            <a:schemeClr val="dk1"/>
+          </a:fillRef>
+          <a:effectRef idx="2">
+            <a:schemeClr val="dk1"/>
+          </a:effectRef>
+          <a:fontRef idx="minor">
+            <a:schemeClr val="tx1"/>
+          </a:fontRef>
+        </p:style>
+      </p:cxnSp>
       <p:sp>
         <p:nvSpPr>
           <p:cNvPr id="2" name="Title 1">
@@ -13654,110 +13779,12 @@
           </a:p>
         </p:txBody>
       </p:sp>
-      <p:sp>
-        <p:nvSpPr>
-          <p:cNvPr id="51" name="Rectangle: Rounded Corners 50">
+      <p:grpSp>
+        <p:nvGrpSpPr>
+          <p:cNvPr id="65" name="Group 64">
             <a:extLst>
               <a:ext uri="{FF2B5EF4-FFF2-40B4-BE49-F238E27FC236}">
-                <a16:creationId xmlns:a16="http://schemas.microsoft.com/office/drawing/2014/main" id="{AB27AFBA-7D5A-EEB7-9AE7-7866C577AFAE}"/>
-              </a:ext>
-            </a:extLst>
-          </p:cNvPr>
-          <p:cNvSpPr/>
-          <p:nvPr/>
-        </p:nvSpPr>
-        <p:spPr>
-          <a:xfrm>
-            <a:off x="5520916" y="2558953"/>
-            <a:ext cx="2533193" cy="1409218"/>
-          </a:xfrm>
-          <a:prstGeom prst="roundRect">
-            <a:avLst/>
-          </a:prstGeom>
-          <a:gradFill>
-            <a:gsLst>
-              <a:gs pos="0">
-                <a:srgbClr val="BCC7E6"/>
-              </a:gs>
-              <a:gs pos="50000">
-                <a:srgbClr val="C4CEEA"/>
-              </a:gs>
-              <a:gs pos="100000">
-                <a:srgbClr val="A6B7E2"/>
-              </a:gs>
-            </a:gsLst>
-          </a:gradFill>
-          <a:ln>
-            <a:noFill/>
-          </a:ln>
-          <a:effectLst>
-            <a:outerShdw blurRad="44450" dist="27940" dir="5400000" algn="ctr">
-              <a:srgbClr val="000000">
-                <a:alpha val="32000"/>
-              </a:srgbClr>
-            </a:outerShdw>
-          </a:effectLst>
-          <a:scene3d>
-            <a:camera prst="orthographicFront">
-              <a:rot lat="0" lon="0" rev="0"/>
-            </a:camera>
-            <a:lightRig rig="balanced" dir="t">
-              <a:rot lat="0" lon="0" rev="8700000"/>
-            </a:lightRig>
-          </a:scene3d>
-          <a:sp3d>
-            <a:bevelT w="190500" h="38100"/>
-          </a:sp3d>
-        </p:spPr>
-        <p:style>
-          <a:lnRef idx="1">
-            <a:schemeClr val="accent1"/>
-          </a:lnRef>
-          <a:fillRef idx="2">
-            <a:schemeClr val="accent1"/>
-          </a:fillRef>
-          <a:effectRef idx="1">
-            <a:schemeClr val="accent1"/>
-          </a:effectRef>
-          <a:fontRef idx="minor">
-            <a:schemeClr val="dk1"/>
-          </a:fontRef>
-        </p:style>
-        <p:txBody>
-          <a:bodyPr rtlCol="1" anchor="ctr"/>
-          <a:lstStyle/>
-          <a:p>
-            <a:pPr algn="ctr"/>
-            <a:r>
-              <a:rPr lang="fa-IR" b="1" dirty="0">
-                <a:cs typeface="B Nazanin" panose="00000400000000000000" pitchFamily="2" charset="-78"/>
-              </a:rPr>
-              <a:t>مدل مبدل معنا به بردار </a:t>
-            </a:r>
-            <a:endParaRPr lang="en-US" b="1" dirty="0">
-              <a:cs typeface="B Nazanin" panose="00000400000000000000" pitchFamily="2" charset="-78"/>
-            </a:endParaRPr>
-          </a:p>
-          <a:p>
-            <a:pPr algn="ctr"/>
-            <a:endParaRPr lang="en-US" dirty="0"/>
-          </a:p>
-          <a:p>
-            <a:pPr algn="ctr"/>
-            <a:r>
-              <a:rPr lang="en-US" dirty="0"/>
-              <a:t>Embedding model</a:t>
-            </a:r>
-            <a:endParaRPr lang="fa-IR" dirty="0"/>
-          </a:p>
-        </p:txBody>
-      </p:sp>
-      <p:grpSp>
-        <p:nvGrpSpPr>
-          <p:cNvPr id="53" name="Group 52">
-            <a:extLst>
-              <a:ext uri="{FF2B5EF4-FFF2-40B4-BE49-F238E27FC236}">
-                <a16:creationId xmlns:a16="http://schemas.microsoft.com/office/drawing/2014/main" id="{999C0B94-12D4-5693-E2EB-6ACC41AA56DA}"/>
+                <a16:creationId xmlns:a16="http://schemas.microsoft.com/office/drawing/2014/main" id="{C76D35FE-31C0-7F20-5FF2-9E6A72A51BFA}"/>
               </a:ext>
             </a:extLst>
           </p:cNvPr>
@@ -13766,18 +13793,18 @@
         </p:nvGrpSpPr>
         <p:grpSpPr>
           <a:xfrm>
-            <a:off x="1099549" y="2254488"/>
-            <a:ext cx="3444742" cy="3088025"/>
-            <a:chOff x="1275040" y="2254488"/>
-            <a:chExt cx="3444742" cy="3088025"/>
+            <a:off x="170282" y="2617640"/>
+            <a:ext cx="4082436" cy="3370666"/>
+            <a:chOff x="1099548" y="2263724"/>
+            <a:chExt cx="4082436" cy="3370666"/>
           </a:xfrm>
         </p:grpSpPr>
         <p:grpSp>
           <p:nvGrpSpPr>
-            <p:cNvPr id="50" name="Group 49">
+            <p:cNvPr id="53" name="Group 52">
               <a:extLst>
                 <a:ext uri="{FF2B5EF4-FFF2-40B4-BE49-F238E27FC236}">
-                  <a16:creationId xmlns:a16="http://schemas.microsoft.com/office/drawing/2014/main" id="{DD8B0A84-65F9-4E3C-2541-24A1C1BF5F67}"/>
+                  <a16:creationId xmlns:a16="http://schemas.microsoft.com/office/drawing/2014/main" id="{999C0B94-12D4-5693-E2EB-6ACC41AA56DA}"/>
                 </a:ext>
               </a:extLst>
             </p:cNvPr>
@@ -13786,359 +13813,497 @@
           </p:nvGrpSpPr>
           <p:grpSpPr>
             <a:xfrm>
-              <a:off x="1275040" y="2254488"/>
-              <a:ext cx="3444742" cy="3088025"/>
-              <a:chOff x="1819985" y="1746488"/>
-              <a:chExt cx="3444742" cy="3088025"/>
+              <a:off x="1099548" y="2263724"/>
+              <a:ext cx="3629469" cy="3370666"/>
+              <a:chOff x="1275040" y="2263724"/>
+              <a:chExt cx="3481309" cy="3370666"/>
             </a:xfrm>
           </p:grpSpPr>
-          <p:cxnSp>
-            <p:nvCxnSpPr>
-              <p:cNvPr id="18" name="Straight Arrow Connector 17">
+          <p:grpSp>
+            <p:nvGrpSpPr>
+              <p:cNvPr id="50" name="Group 49">
                 <a:extLst>
                   <a:ext uri="{FF2B5EF4-FFF2-40B4-BE49-F238E27FC236}">
-                    <a16:creationId xmlns:a16="http://schemas.microsoft.com/office/drawing/2014/main" id="{DF50FA88-43A9-B9D1-694A-0437344F583B}"/>
+                    <a16:creationId xmlns:a16="http://schemas.microsoft.com/office/drawing/2014/main" id="{DD8B0A84-65F9-4E3C-2541-24A1C1BF5F67}"/>
                   </a:ext>
                 </a:extLst>
               </p:cNvPr>
-              <p:cNvCxnSpPr>
-                <a:cxnSpLocks/>
-              </p:cNvCxnSpPr>
+              <p:cNvGrpSpPr/>
               <p:nvPr/>
-            </p:nvCxnSpPr>
-            <p:spPr>
-              <a:xfrm flipV="1">
-                <a:off x="2486268" y="2033561"/>
-                <a:ext cx="1522314" cy="1193685"/>
+            </p:nvGrpSpPr>
+            <p:grpSpPr>
+              <a:xfrm>
+                <a:off x="1275040" y="2263724"/>
+                <a:ext cx="3481309" cy="3370666"/>
+                <a:chOff x="1819985" y="1755724"/>
+                <a:chExt cx="3481309" cy="3370666"/>
               </a:xfrm>
-              <a:prstGeom prst="straightConnector1">
-                <a:avLst/>
-              </a:prstGeom>
-              <a:ln>
-                <a:tailEnd type="triangle"/>
-              </a:ln>
-            </p:spPr>
-            <p:style>
-              <a:lnRef idx="1">
-                <a:schemeClr val="accent1"/>
-              </a:lnRef>
-              <a:fillRef idx="0">
-                <a:schemeClr val="accent1"/>
-              </a:fillRef>
-              <a:effectRef idx="0">
-                <a:schemeClr val="accent1"/>
-              </a:effectRef>
-              <a:fontRef idx="minor">
-                <a:schemeClr val="tx1"/>
-              </a:fontRef>
-            </p:style>
-          </p:cxnSp>
-          <p:cxnSp>
-            <p:nvCxnSpPr>
-              <p:cNvPr id="29" name="Straight Arrow Connector 28">
+            </p:grpSpPr>
+            <p:cxnSp>
+              <p:nvCxnSpPr>
+                <p:cNvPr id="18" name="Straight Arrow Connector 17">
+                  <a:extLst>
+                    <a:ext uri="{FF2B5EF4-FFF2-40B4-BE49-F238E27FC236}">
+                      <a16:creationId xmlns:a16="http://schemas.microsoft.com/office/drawing/2014/main" id="{DF50FA88-43A9-B9D1-694A-0437344F583B}"/>
+                    </a:ext>
+                  </a:extLst>
+                </p:cNvPr>
+                <p:cNvCxnSpPr>
+                  <a:cxnSpLocks/>
+                </p:cNvCxnSpPr>
+                <p:nvPr/>
+              </p:nvCxnSpPr>
+              <p:spPr>
+                <a:xfrm flipV="1">
+                  <a:off x="2486268" y="2041236"/>
+                  <a:ext cx="1607131" cy="1186010"/>
+                </a:xfrm>
+                <a:prstGeom prst="straightConnector1">
+                  <a:avLst/>
+                </a:prstGeom>
+                <a:ln>
+                  <a:tailEnd type="triangle"/>
+                </a:ln>
+              </p:spPr>
+              <p:style>
+                <a:lnRef idx="1">
+                  <a:schemeClr val="accent1"/>
+                </a:lnRef>
+                <a:fillRef idx="0">
+                  <a:schemeClr val="accent1"/>
+                </a:fillRef>
+                <a:effectRef idx="0">
+                  <a:schemeClr val="accent1"/>
+                </a:effectRef>
+                <a:fontRef idx="minor">
+                  <a:schemeClr val="tx1"/>
+                </a:fontRef>
+              </p:style>
+            </p:cxnSp>
+            <p:cxnSp>
+              <p:nvCxnSpPr>
+                <p:cNvPr id="29" name="Straight Arrow Connector 28">
+                  <a:extLst>
+                    <a:ext uri="{FF2B5EF4-FFF2-40B4-BE49-F238E27FC236}">
+                      <a16:creationId xmlns:a16="http://schemas.microsoft.com/office/drawing/2014/main" id="{5AE6DC54-F24D-BC66-5668-25725BD5FF2D}"/>
+                    </a:ext>
+                  </a:extLst>
+                </p:cNvPr>
+                <p:cNvCxnSpPr>
+                  <a:cxnSpLocks/>
+                </p:cNvCxnSpPr>
+                <p:nvPr/>
+              </p:nvCxnSpPr>
+              <p:spPr>
+                <a:xfrm flipV="1">
+                  <a:off x="2486268" y="2408142"/>
+                  <a:ext cx="1593692" cy="819104"/>
+                </a:xfrm>
+                <a:prstGeom prst="straightConnector1">
+                  <a:avLst/>
+                </a:prstGeom>
+                <a:ln>
+                  <a:tailEnd type="triangle"/>
+                </a:ln>
+              </p:spPr>
+              <p:style>
+                <a:lnRef idx="1">
+                  <a:schemeClr val="accent1"/>
+                </a:lnRef>
+                <a:fillRef idx="0">
+                  <a:schemeClr val="accent1"/>
+                </a:fillRef>
+                <a:effectRef idx="0">
+                  <a:schemeClr val="accent1"/>
+                </a:effectRef>
+                <a:fontRef idx="minor">
+                  <a:schemeClr val="tx1"/>
+                </a:fontRef>
+              </p:style>
+            </p:cxnSp>
+            <p:cxnSp>
+              <p:nvCxnSpPr>
+                <p:cNvPr id="30" name="Straight Arrow Connector 29">
+                  <a:extLst>
+                    <a:ext uri="{FF2B5EF4-FFF2-40B4-BE49-F238E27FC236}">
+                      <a16:creationId xmlns:a16="http://schemas.microsoft.com/office/drawing/2014/main" id="{46B88ACD-334E-F01D-D4C0-7413D5754B1D}"/>
+                    </a:ext>
+                  </a:extLst>
+                </p:cNvPr>
+                <p:cNvCxnSpPr>
+                  <a:cxnSpLocks/>
+                </p:cNvCxnSpPr>
+                <p:nvPr/>
+              </p:nvCxnSpPr>
+              <p:spPr>
+                <a:xfrm>
+                  <a:off x="2519008" y="3290500"/>
+                  <a:ext cx="1560952" cy="912045"/>
+                </a:xfrm>
+                <a:prstGeom prst="straightConnector1">
+                  <a:avLst/>
+                </a:prstGeom>
+                <a:ln>
+                  <a:tailEnd type="triangle"/>
+                </a:ln>
+              </p:spPr>
+              <p:style>
+                <a:lnRef idx="1">
+                  <a:schemeClr val="accent1"/>
+                </a:lnRef>
+                <a:fillRef idx="0">
+                  <a:schemeClr val="accent1"/>
+                </a:fillRef>
+                <a:effectRef idx="0">
+                  <a:schemeClr val="accent1"/>
+                </a:effectRef>
+                <a:fontRef idx="minor">
+                  <a:schemeClr val="tx1"/>
+                </a:fontRef>
+              </p:style>
+            </p:cxnSp>
+            <p:cxnSp>
+              <p:nvCxnSpPr>
+                <p:cNvPr id="31" name="Straight Arrow Connector 30">
+                  <a:extLst>
+                    <a:ext uri="{FF2B5EF4-FFF2-40B4-BE49-F238E27FC236}">
+                      <a16:creationId xmlns:a16="http://schemas.microsoft.com/office/drawing/2014/main" id="{1F07367B-B0EE-5466-27A9-3C44681A4F5C}"/>
+                    </a:ext>
+                  </a:extLst>
+                </p:cNvPr>
+                <p:cNvCxnSpPr>
+                  <a:cxnSpLocks/>
+                </p:cNvCxnSpPr>
+                <p:nvPr/>
+              </p:nvCxnSpPr>
+              <p:spPr>
+                <a:xfrm flipV="1">
+                  <a:off x="2486268" y="2755660"/>
+                  <a:ext cx="1607131" cy="471586"/>
+                </a:xfrm>
+                <a:prstGeom prst="straightConnector1">
+                  <a:avLst/>
+                </a:prstGeom>
+                <a:ln>
+                  <a:tailEnd type="triangle"/>
+                </a:ln>
+              </p:spPr>
+              <p:style>
+                <a:lnRef idx="1">
+                  <a:schemeClr val="accent1"/>
+                </a:lnRef>
+                <a:fillRef idx="0">
+                  <a:schemeClr val="accent1"/>
+                </a:fillRef>
+                <a:effectRef idx="0">
+                  <a:schemeClr val="accent1"/>
+                </a:effectRef>
+                <a:fontRef idx="minor">
+                  <a:schemeClr val="tx1"/>
+                </a:fontRef>
+              </p:style>
+            </p:cxnSp>
+            <p:cxnSp>
+              <p:nvCxnSpPr>
+                <p:cNvPr id="41" name="Straight Arrow Connector 40">
+                  <a:extLst>
+                    <a:ext uri="{FF2B5EF4-FFF2-40B4-BE49-F238E27FC236}">
+                      <a16:creationId xmlns:a16="http://schemas.microsoft.com/office/drawing/2014/main" id="{DC25095D-FD1D-25BF-BE8F-ABCCDFBD0FEB}"/>
+                    </a:ext>
+                  </a:extLst>
+                </p:cNvPr>
+                <p:cNvCxnSpPr>
+                  <a:cxnSpLocks/>
+                </p:cNvCxnSpPr>
+                <p:nvPr/>
+              </p:nvCxnSpPr>
+              <p:spPr>
+                <a:xfrm>
+                  <a:off x="2344566" y="3241263"/>
+                  <a:ext cx="1707687" cy="268555"/>
+                </a:xfrm>
+                <a:prstGeom prst="straightConnector1">
+                  <a:avLst/>
+                </a:prstGeom>
+                <a:ln w="9525" cap="flat" cmpd="sng" algn="ctr">
+                  <a:solidFill>
+                    <a:schemeClr val="accent1"/>
+                  </a:solidFill>
+                  <a:prstDash val="dash"/>
+                  <a:round/>
+                  <a:headEnd type="none" w="med" len="med"/>
+                  <a:tailEnd type="none" w="med" len="med"/>
+                </a:ln>
+              </p:spPr>
+              <p:style>
+                <a:lnRef idx="0">
+                  <a:scrgbClr r="0" g="0" b="0"/>
+                </a:lnRef>
+                <a:fillRef idx="0">
+                  <a:scrgbClr r="0" g="0" b="0"/>
+                </a:fillRef>
+                <a:effectRef idx="0">
+                  <a:scrgbClr r="0" g="0" b="0"/>
+                </a:effectRef>
+                <a:fontRef idx="minor">
+                  <a:schemeClr val="tx1"/>
+                </a:fontRef>
+              </p:style>
+            </p:cxnSp>
+            <p:cxnSp>
+              <p:nvCxnSpPr>
+                <p:cNvPr id="42" name="Straight Arrow Connector 41">
+                  <a:extLst>
+                    <a:ext uri="{FF2B5EF4-FFF2-40B4-BE49-F238E27FC236}">
+                      <a16:creationId xmlns:a16="http://schemas.microsoft.com/office/drawing/2014/main" id="{B237CBAB-C665-C702-3046-8975FCC1D8D9}"/>
+                    </a:ext>
+                  </a:extLst>
+                </p:cNvPr>
+                <p:cNvCxnSpPr>
+                  <a:cxnSpLocks/>
+                </p:cNvCxnSpPr>
+                <p:nvPr/>
+              </p:nvCxnSpPr>
+              <p:spPr>
+                <a:xfrm flipV="1">
+                  <a:off x="2445122" y="3140364"/>
+                  <a:ext cx="1607131" cy="100899"/>
+                </a:xfrm>
+                <a:prstGeom prst="straightConnector1">
+                  <a:avLst/>
+                </a:prstGeom>
+                <a:ln w="9525" cap="flat" cmpd="sng" algn="ctr">
+                  <a:solidFill>
+                    <a:schemeClr val="accent1"/>
+                  </a:solidFill>
+                  <a:prstDash val="dash"/>
+                  <a:round/>
+                  <a:headEnd type="none" w="med" len="med"/>
+                  <a:tailEnd type="none" w="med" len="med"/>
+                </a:ln>
+              </p:spPr>
+              <p:style>
+                <a:lnRef idx="0">
+                  <a:scrgbClr r="0" g="0" b="0"/>
+                </a:lnRef>
+                <a:fillRef idx="0">
+                  <a:scrgbClr r="0" g="0" b="0"/>
+                </a:fillRef>
+                <a:effectRef idx="0">
+                  <a:scrgbClr r="0" g="0" b="0"/>
+                </a:effectRef>
+                <a:fontRef idx="minor">
+                  <a:schemeClr val="tx1"/>
+                </a:fontRef>
+              </p:style>
+            </p:cxnSp>
+            <p:cxnSp>
+              <p:nvCxnSpPr>
+                <p:cNvPr id="47" name="Straight Arrow Connector 46">
+                  <a:extLst>
+                    <a:ext uri="{FF2B5EF4-FFF2-40B4-BE49-F238E27FC236}">
+                      <a16:creationId xmlns:a16="http://schemas.microsoft.com/office/drawing/2014/main" id="{FBB08D44-9631-85E9-B3F7-6721842F79EC}"/>
+                    </a:ext>
+                  </a:extLst>
+                </p:cNvPr>
+                <p:cNvCxnSpPr>
+                  <a:cxnSpLocks/>
+                </p:cNvCxnSpPr>
+                <p:nvPr/>
+              </p:nvCxnSpPr>
+              <p:spPr>
+                <a:xfrm>
+                  <a:off x="2445122" y="3255280"/>
+                  <a:ext cx="1563460" cy="587047"/>
+                </a:xfrm>
+                <a:prstGeom prst="straightConnector1">
+                  <a:avLst/>
+                </a:prstGeom>
+                <a:ln w="9525" cap="flat" cmpd="sng" algn="ctr">
+                  <a:solidFill>
+                    <a:schemeClr val="accent1"/>
+                  </a:solidFill>
+                  <a:prstDash val="dash"/>
+                  <a:round/>
+                  <a:headEnd type="none" w="med" len="med"/>
+                  <a:tailEnd type="none" w="med" len="med"/>
+                </a:ln>
+              </p:spPr>
+              <p:style>
+                <a:lnRef idx="0">
+                  <a:scrgbClr r="0" g="0" b="0"/>
+                </a:lnRef>
+                <a:fillRef idx="0">
+                  <a:scrgbClr r="0" g="0" b="0"/>
+                </a:fillRef>
+                <a:effectRef idx="0">
+                  <a:scrgbClr r="0" g="0" b="0"/>
+                </a:effectRef>
+                <a:fontRef idx="minor">
+                  <a:schemeClr val="tx1"/>
+                </a:fontRef>
+              </p:style>
+            </p:cxnSp>
+            <p:pic>
+              <p:nvPicPr>
+                <p:cNvPr id="4" name="Picture 3">
+                  <a:extLst>
+                    <a:ext uri="{FF2B5EF4-FFF2-40B4-BE49-F238E27FC236}">
+                      <a16:creationId xmlns:a16="http://schemas.microsoft.com/office/drawing/2014/main" id="{0136540F-01CF-8287-502D-463495BDEF8E}"/>
+                    </a:ext>
+                  </a:extLst>
+                </p:cNvPr>
+                <p:cNvPicPr>
+                  <a:picLocks noChangeAspect="1"/>
+                </p:cNvPicPr>
+                <p:nvPr/>
+              </p:nvPicPr>
+              <p:blipFill>
+                <a:blip r:embed="rId2">
+                  <a:extLst>
+                    <a:ext uri="{28A0092B-C50C-407E-A947-70E740481C1C}">
+                      <a14:useLocalDpi xmlns:a14="http://schemas.microsoft.com/office/drawing/2010/main" val="0"/>
+                    </a:ext>
+                  </a:extLst>
+                </a:blip>
+                <a:stretch>
+                  <a:fillRect/>
+                </a:stretch>
+              </p:blipFill>
+              <p:spPr>
+                <a:xfrm>
+                  <a:off x="1819985" y="2801840"/>
+                  <a:ext cx="819104" cy="819104"/>
+                </a:xfrm>
+                <a:prstGeom prst="rect">
+                  <a:avLst/>
+                </a:prstGeom>
+              </p:spPr>
+            </p:pic>
+            <p:sp>
+              <p:nvSpPr>
+                <p:cNvPr id="25" name="TextBox 24">
+                  <a:extLst>
+                    <a:ext uri="{FF2B5EF4-FFF2-40B4-BE49-F238E27FC236}">
+                      <a16:creationId xmlns:a16="http://schemas.microsoft.com/office/drawing/2014/main" id="{00975F05-7064-D0D3-EE94-9559F1AF0FDC}"/>
+                    </a:ext>
+                  </a:extLst>
+                </p:cNvPr>
+                <p:cNvSpPr txBox="1"/>
+                <p:nvPr/>
+              </p:nvSpPr>
+              <p:spPr>
+                <a:xfrm>
+                  <a:off x="4045149" y="1755724"/>
+                  <a:ext cx="1256145" cy="3370666"/>
+                </a:xfrm>
+                <a:prstGeom prst="rect">
+                  <a:avLst/>
+                </a:prstGeom>
+                <a:noFill/>
+              </p:spPr>
+              <p:txBody>
+                <a:bodyPr wrap="square" rtlCol="1">
+                  <a:spAutoFit/>
+                </a:bodyPr>
+                <a:lstStyle/>
+                <a:p>
+                  <a:pPr>
+                    <a:lnSpc>
+                      <a:spcPct val="150000"/>
+                    </a:lnSpc>
+                  </a:pPr>
+                  <a:r>
+                    <a:rPr lang="en-US" sz="1600" b="1" dirty="0"/>
+                    <a:t>Text chunk 1</a:t>
+                  </a:r>
+                </a:p>
+                <a:p>
+                  <a:pPr>
+                    <a:lnSpc>
+                      <a:spcPct val="150000"/>
+                    </a:lnSpc>
+                  </a:pPr>
+                  <a:r>
+                    <a:rPr lang="en-US" sz="1600" b="1" dirty="0"/>
+                    <a:t>Text Chunk 2</a:t>
+                  </a:r>
+                  <a:endParaRPr lang="fa-IR" sz="1600" b="1" dirty="0"/>
+                </a:p>
+                <a:p>
+                  <a:pPr>
+                    <a:lnSpc>
+                      <a:spcPct val="150000"/>
+                    </a:lnSpc>
+                  </a:pPr>
+                  <a:r>
+                    <a:rPr lang="en-US" sz="1600" b="1" dirty="0"/>
+                    <a:t>Text Chunk 3</a:t>
+                  </a:r>
+                  <a:endParaRPr lang="fa-IR" sz="1600" b="1" dirty="0"/>
+                </a:p>
+                <a:p>
+                  <a:pPr>
+                    <a:lnSpc>
+                      <a:spcPct val="150000"/>
+                    </a:lnSpc>
+                  </a:pPr>
+                  <a:r>
+                    <a:rPr lang="en-US" sz="1600" b="1" dirty="0"/>
+                    <a:t>.</a:t>
+                  </a:r>
+                </a:p>
+                <a:p>
+                  <a:pPr>
+                    <a:lnSpc>
+                      <a:spcPct val="150000"/>
+                    </a:lnSpc>
+                  </a:pPr>
+                  <a:r>
+                    <a:rPr lang="en-US" sz="1600" b="1" dirty="0"/>
+                    <a:t>.</a:t>
+                  </a:r>
+                </a:p>
+                <a:p>
+                  <a:pPr>
+                    <a:lnSpc>
+                      <a:spcPct val="150000"/>
+                    </a:lnSpc>
+                  </a:pPr>
+                  <a:r>
+                    <a:rPr lang="en-US" sz="1600" b="1" dirty="0"/>
+                    <a:t>.</a:t>
+                  </a:r>
+                </a:p>
+                <a:p>
+                  <a:pPr>
+                    <a:lnSpc>
+                      <a:spcPct val="150000"/>
+                    </a:lnSpc>
+                  </a:pPr>
+                  <a:r>
+                    <a:rPr lang="en-US" sz="1600" b="1" dirty="0"/>
+                    <a:t>Text Chunk N</a:t>
+                  </a:r>
+                  <a:endParaRPr lang="fa-IR" sz="1600" b="1" dirty="0"/>
+                </a:p>
+                <a:p>
+                  <a:pPr>
+                    <a:lnSpc>
+                      <a:spcPct val="150000"/>
+                    </a:lnSpc>
+                  </a:pPr>
+                  <a:endParaRPr lang="fa-IR" sz="1600" b="1" dirty="0"/>
+                </a:p>
+              </p:txBody>
+            </p:sp>
+          </p:grpSp>
+          <p:sp>
+            <p:nvSpPr>
+              <p:cNvPr id="52" name="TextBox 51">
                 <a:extLst>
                   <a:ext uri="{FF2B5EF4-FFF2-40B4-BE49-F238E27FC236}">
-                    <a16:creationId xmlns:a16="http://schemas.microsoft.com/office/drawing/2014/main" id="{5AE6DC54-F24D-BC66-5668-25725BD5FF2D}"/>
-                  </a:ext>
-                </a:extLst>
-              </p:cNvPr>
-              <p:cNvCxnSpPr>
-                <a:cxnSpLocks/>
-              </p:cNvCxnSpPr>
-              <p:nvPr/>
-            </p:nvCxnSpPr>
-            <p:spPr>
-              <a:xfrm flipV="1">
-                <a:off x="2486268" y="2378675"/>
-                <a:ext cx="1522314" cy="848571"/>
-              </a:xfrm>
-              <a:prstGeom prst="straightConnector1">
-                <a:avLst/>
-              </a:prstGeom>
-              <a:ln>
-                <a:tailEnd type="triangle"/>
-              </a:ln>
-            </p:spPr>
-            <p:style>
-              <a:lnRef idx="1">
-                <a:schemeClr val="accent1"/>
-              </a:lnRef>
-              <a:fillRef idx="0">
-                <a:schemeClr val="accent1"/>
-              </a:fillRef>
-              <a:effectRef idx="0">
-                <a:schemeClr val="accent1"/>
-              </a:effectRef>
-              <a:fontRef idx="minor">
-                <a:schemeClr val="tx1"/>
-              </a:fontRef>
-            </p:style>
-          </p:cxnSp>
-          <p:cxnSp>
-            <p:nvCxnSpPr>
-              <p:cNvPr id="30" name="Straight Arrow Connector 29">
-                <a:extLst>
-                  <a:ext uri="{FF2B5EF4-FFF2-40B4-BE49-F238E27FC236}">
-                    <a16:creationId xmlns:a16="http://schemas.microsoft.com/office/drawing/2014/main" id="{46B88ACD-334E-F01D-D4C0-7413D5754B1D}"/>
-                  </a:ext>
-                </a:extLst>
-              </p:cNvPr>
-              <p:cNvCxnSpPr>
-                <a:cxnSpLocks/>
-              </p:cNvCxnSpPr>
-              <p:nvPr/>
-            </p:nvCxnSpPr>
-            <p:spPr>
-              <a:xfrm>
-                <a:off x="2519008" y="3290500"/>
-                <a:ext cx="1489574" cy="875100"/>
-              </a:xfrm>
-              <a:prstGeom prst="straightConnector1">
-                <a:avLst/>
-              </a:prstGeom>
-              <a:ln>
-                <a:tailEnd type="triangle"/>
-              </a:ln>
-            </p:spPr>
-            <p:style>
-              <a:lnRef idx="1">
-                <a:schemeClr val="accent1"/>
-              </a:lnRef>
-              <a:fillRef idx="0">
-                <a:schemeClr val="accent1"/>
-              </a:fillRef>
-              <a:effectRef idx="0">
-                <a:schemeClr val="accent1"/>
-              </a:effectRef>
-              <a:fontRef idx="minor">
-                <a:schemeClr val="tx1"/>
-              </a:fontRef>
-            </p:style>
-          </p:cxnSp>
-          <p:cxnSp>
-            <p:nvCxnSpPr>
-              <p:cNvPr id="31" name="Straight Arrow Connector 30">
-                <a:extLst>
-                  <a:ext uri="{FF2B5EF4-FFF2-40B4-BE49-F238E27FC236}">
-                    <a16:creationId xmlns:a16="http://schemas.microsoft.com/office/drawing/2014/main" id="{1F07367B-B0EE-5466-27A9-3C44681A4F5C}"/>
-                  </a:ext>
-                </a:extLst>
-              </p:cNvPr>
-              <p:cNvCxnSpPr>
-                <a:cxnSpLocks/>
-              </p:cNvCxnSpPr>
-              <p:nvPr/>
-            </p:nvCxnSpPr>
-            <p:spPr>
-              <a:xfrm flipV="1">
-                <a:off x="2486268" y="2755562"/>
-                <a:ext cx="1565985" cy="471684"/>
-              </a:xfrm>
-              <a:prstGeom prst="straightConnector1">
-                <a:avLst/>
-              </a:prstGeom>
-              <a:ln>
-                <a:tailEnd type="triangle"/>
-              </a:ln>
-            </p:spPr>
-            <p:style>
-              <a:lnRef idx="1">
-                <a:schemeClr val="accent1"/>
-              </a:lnRef>
-              <a:fillRef idx="0">
-                <a:schemeClr val="accent1"/>
-              </a:fillRef>
-              <a:effectRef idx="0">
-                <a:schemeClr val="accent1"/>
-              </a:effectRef>
-              <a:fontRef idx="minor">
-                <a:schemeClr val="tx1"/>
-              </a:fontRef>
-            </p:style>
-          </p:cxnSp>
-          <p:cxnSp>
-            <p:nvCxnSpPr>
-              <p:cNvPr id="41" name="Straight Arrow Connector 40">
-                <a:extLst>
-                  <a:ext uri="{FF2B5EF4-FFF2-40B4-BE49-F238E27FC236}">
-                    <a16:creationId xmlns:a16="http://schemas.microsoft.com/office/drawing/2014/main" id="{DC25095D-FD1D-25BF-BE8F-ABCCDFBD0FEB}"/>
-                  </a:ext>
-                </a:extLst>
-              </p:cNvPr>
-              <p:cNvCxnSpPr>
-                <a:cxnSpLocks/>
-              </p:cNvCxnSpPr>
-              <p:nvPr/>
-            </p:nvCxnSpPr>
-            <p:spPr>
-              <a:xfrm>
-                <a:off x="2344566" y="3241263"/>
-                <a:ext cx="1707687" cy="268555"/>
-              </a:xfrm>
-              <a:prstGeom prst="straightConnector1">
-                <a:avLst/>
-              </a:prstGeom>
-              <a:ln w="9525" cap="flat" cmpd="sng" algn="ctr">
-                <a:solidFill>
-                  <a:schemeClr val="accent1"/>
-                </a:solidFill>
-                <a:prstDash val="dash"/>
-                <a:round/>
-                <a:headEnd type="none" w="med" len="med"/>
-                <a:tailEnd type="none" w="med" len="med"/>
-              </a:ln>
-            </p:spPr>
-            <p:style>
-              <a:lnRef idx="0">
-                <a:scrgbClr r="0" g="0" b="0"/>
-              </a:lnRef>
-              <a:fillRef idx="0">
-                <a:scrgbClr r="0" g="0" b="0"/>
-              </a:fillRef>
-              <a:effectRef idx="0">
-                <a:scrgbClr r="0" g="0" b="0"/>
-              </a:effectRef>
-              <a:fontRef idx="minor">
-                <a:schemeClr val="tx1"/>
-              </a:fontRef>
-            </p:style>
-          </p:cxnSp>
-          <p:cxnSp>
-            <p:nvCxnSpPr>
-              <p:cNvPr id="42" name="Straight Arrow Connector 41">
-                <a:extLst>
-                  <a:ext uri="{FF2B5EF4-FFF2-40B4-BE49-F238E27FC236}">
-                    <a16:creationId xmlns:a16="http://schemas.microsoft.com/office/drawing/2014/main" id="{B237CBAB-C665-C702-3046-8975FCC1D8D9}"/>
-                  </a:ext>
-                </a:extLst>
-              </p:cNvPr>
-              <p:cNvCxnSpPr>
-                <a:cxnSpLocks/>
-              </p:cNvCxnSpPr>
-              <p:nvPr/>
-            </p:nvCxnSpPr>
-            <p:spPr>
-              <a:xfrm flipV="1">
-                <a:off x="2445122" y="3140364"/>
-                <a:ext cx="1607131" cy="100899"/>
-              </a:xfrm>
-              <a:prstGeom prst="straightConnector1">
-                <a:avLst/>
-              </a:prstGeom>
-              <a:ln w="9525" cap="flat" cmpd="sng" algn="ctr">
-                <a:solidFill>
-                  <a:schemeClr val="accent1"/>
-                </a:solidFill>
-                <a:prstDash val="dash"/>
-                <a:round/>
-                <a:headEnd type="none" w="med" len="med"/>
-                <a:tailEnd type="none" w="med" len="med"/>
-              </a:ln>
-            </p:spPr>
-            <p:style>
-              <a:lnRef idx="0">
-                <a:scrgbClr r="0" g="0" b="0"/>
-              </a:lnRef>
-              <a:fillRef idx="0">
-                <a:scrgbClr r="0" g="0" b="0"/>
-              </a:fillRef>
-              <a:effectRef idx="0">
-                <a:scrgbClr r="0" g="0" b="0"/>
-              </a:effectRef>
-              <a:fontRef idx="minor">
-                <a:schemeClr val="tx1"/>
-              </a:fontRef>
-            </p:style>
-          </p:cxnSp>
-          <p:cxnSp>
-            <p:nvCxnSpPr>
-              <p:cNvPr id="47" name="Straight Arrow Connector 46">
-                <a:extLst>
-                  <a:ext uri="{FF2B5EF4-FFF2-40B4-BE49-F238E27FC236}">
-                    <a16:creationId xmlns:a16="http://schemas.microsoft.com/office/drawing/2014/main" id="{FBB08D44-9631-85E9-B3F7-6721842F79EC}"/>
-                  </a:ext>
-                </a:extLst>
-              </p:cNvPr>
-              <p:cNvCxnSpPr>
-                <a:cxnSpLocks/>
-              </p:cNvCxnSpPr>
-              <p:nvPr/>
-            </p:nvCxnSpPr>
-            <p:spPr>
-              <a:xfrm>
-                <a:off x="2445122" y="3255280"/>
-                <a:ext cx="1563460" cy="587047"/>
-              </a:xfrm>
-              <a:prstGeom prst="straightConnector1">
-                <a:avLst/>
-              </a:prstGeom>
-              <a:ln w="9525" cap="flat" cmpd="sng" algn="ctr">
-                <a:solidFill>
-                  <a:schemeClr val="accent1"/>
-                </a:solidFill>
-                <a:prstDash val="dash"/>
-                <a:round/>
-                <a:headEnd type="none" w="med" len="med"/>
-                <a:tailEnd type="none" w="med" len="med"/>
-              </a:ln>
-            </p:spPr>
-            <p:style>
-              <a:lnRef idx="0">
-                <a:scrgbClr r="0" g="0" b="0"/>
-              </a:lnRef>
-              <a:fillRef idx="0">
-                <a:scrgbClr r="0" g="0" b="0"/>
-              </a:fillRef>
-              <a:effectRef idx="0">
-                <a:scrgbClr r="0" g="0" b="0"/>
-              </a:effectRef>
-              <a:fontRef idx="minor">
-                <a:schemeClr val="tx1"/>
-              </a:fontRef>
-            </p:style>
-          </p:cxnSp>
-          <p:pic>
-            <p:nvPicPr>
-              <p:cNvPr id="4" name="Picture 3">
-                <a:extLst>
-                  <a:ext uri="{FF2B5EF4-FFF2-40B4-BE49-F238E27FC236}">
-                    <a16:creationId xmlns:a16="http://schemas.microsoft.com/office/drawing/2014/main" id="{0136540F-01CF-8287-502D-463495BDEF8E}"/>
-                  </a:ext>
-                </a:extLst>
-              </p:cNvPr>
-              <p:cNvPicPr>
-                <a:picLocks noChangeAspect="1"/>
-              </p:cNvPicPr>
-              <p:nvPr/>
-            </p:nvPicPr>
-            <p:blipFill>
-              <a:blip r:embed="rId2">
-                <a:extLst>
-                  <a:ext uri="{28A0092B-C50C-407E-A947-70E740481C1C}">
-                    <a14:useLocalDpi xmlns:a14="http://schemas.microsoft.com/office/drawing/2010/main" val="0"/>
-                  </a:ext>
-                </a:extLst>
-              </a:blip>
-              <a:stretch>
-                <a:fillRect/>
-              </a:stretch>
-            </p:blipFill>
-            <p:spPr>
-              <a:xfrm>
-                <a:off x="1819985" y="2801840"/>
-                <a:ext cx="819104" cy="819104"/>
-              </a:xfrm>
-              <a:prstGeom prst="rect">
-                <a:avLst/>
-              </a:prstGeom>
-            </p:spPr>
-          </p:pic>
-          <p:sp>
-            <p:nvSpPr>
-              <p:cNvPr id="25" name="TextBox 24">
-                <a:extLst>
-                  <a:ext uri="{FF2B5EF4-FFF2-40B4-BE49-F238E27FC236}">
-                    <a16:creationId xmlns:a16="http://schemas.microsoft.com/office/drawing/2014/main" id="{00975F05-7064-D0D3-EE94-9559F1AF0FDC}"/>
+                    <a16:creationId xmlns:a16="http://schemas.microsoft.com/office/drawing/2014/main" id="{07CFBC88-EAA2-C3F4-17B1-0906DB0458C1}"/>
                   </a:ext>
                 </a:extLst>
               </p:cNvPr>
@@ -14147,8 +14312,8 @@
             </p:nvSpPr>
             <p:spPr>
               <a:xfrm>
-                <a:off x="4008582" y="1746488"/>
-                <a:ext cx="1256145" cy="3088025"/>
+                <a:off x="1303171" y="4174669"/>
+                <a:ext cx="743102" cy="1123384"/>
               </a:xfrm>
               <a:prstGeom prst="rect">
                 <a:avLst/>
@@ -14161,168 +14326,1212 @@
               </a:bodyPr>
               <a:lstStyle/>
               <a:p>
-                <a:pPr>
-                  <a:lnSpc>
-                    <a:spcPct val="150000"/>
-                  </a:lnSpc>
-                </a:pPr>
+                <a:pPr algn="ctr" rtl="1"/>
                 <a:r>
-                  <a:rPr lang="en-US" sz="1600" dirty="0"/>
-                  <a:t>Chunk 1</a:t>
+                  <a:rPr lang="fa-IR" sz="1900" b="1" dirty="0">
+                    <a:solidFill>
+                      <a:srgbClr val="0070C0"/>
+                    </a:solidFill>
+                    <a:cs typeface="B Nazanin" panose="00000400000000000000" pitchFamily="2" charset="-78"/>
+                  </a:rPr>
+                  <a:t>مدرک </a:t>
                 </a:r>
               </a:p>
               <a:p>
-                <a:pPr>
-                  <a:lnSpc>
-                    <a:spcPct val="150000"/>
-                  </a:lnSpc>
-                </a:pPr>
+                <a:pPr rtl="1"/>
                 <a:r>
-                  <a:rPr lang="en-US" sz="1600" dirty="0"/>
-                  <a:t>Chunk 1</a:t>
-                </a:r>
-                <a:endParaRPr lang="fa-IR" sz="1600" dirty="0"/>
-              </a:p>
-              <a:p>
-                <a:pPr>
-                  <a:lnSpc>
-                    <a:spcPct val="150000"/>
-                  </a:lnSpc>
-                </a:pPr>
-                <a:r>
-                  <a:rPr lang="en-US" sz="1600" dirty="0"/>
-                  <a:t>Chunk 1</a:t>
-                </a:r>
-                <a:endParaRPr lang="fa-IR" sz="1600" dirty="0"/>
-              </a:p>
-              <a:p>
-                <a:pPr>
-                  <a:lnSpc>
-                    <a:spcPct val="150000"/>
-                  </a:lnSpc>
-                </a:pPr>
-                <a:r>
-                  <a:rPr lang="en-US" sz="1600" dirty="0"/>
-                  <a:t>.</a:t>
+                  <a:rPr lang="en-US" sz="1600" b="1" dirty="0">
+                    <a:cs typeface="B Nazanin" panose="00000400000000000000" pitchFamily="2" charset="-78"/>
+                  </a:rPr>
+                  <a:t>.pdf</a:t>
                 </a:r>
               </a:p>
               <a:p>
-                <a:pPr>
-                  <a:lnSpc>
-                    <a:spcPct val="150000"/>
-                  </a:lnSpc>
-                </a:pPr>
+                <a:pPr rtl="1"/>
                 <a:r>
-                  <a:rPr lang="en-US" sz="1600" dirty="0"/>
-                  <a:t>.</a:t>
+                  <a:rPr lang="en-US" sz="1600" b="1" dirty="0">
+                    <a:cs typeface="B Nazanin" panose="00000400000000000000" pitchFamily="2" charset="-78"/>
+                  </a:rPr>
+                  <a:t>.docx</a:t>
                 </a:r>
               </a:p>
               <a:p>
-                <a:pPr>
-                  <a:lnSpc>
-                    <a:spcPct val="150000"/>
-                  </a:lnSpc>
-                </a:pPr>
+                <a:pPr rtl="1"/>
                 <a:r>
-                  <a:rPr lang="en-US" sz="1600" dirty="0"/>
-                  <a:t>.</a:t>
+                  <a:rPr lang="en-US" sz="1600" b="1" dirty="0">
+                    <a:cs typeface="B Nazanin" panose="00000400000000000000" pitchFamily="2" charset="-78"/>
+                  </a:rPr>
+                  <a:t>.txt</a:t>
                 </a:r>
-              </a:p>
-              <a:p>
-                <a:pPr>
-                  <a:lnSpc>
-                    <a:spcPct val="150000"/>
-                  </a:lnSpc>
-                </a:pPr>
-                <a:r>
-                  <a:rPr lang="en-US" sz="1600" dirty="0"/>
-                  <a:t>Chunk N</a:t>
-                </a:r>
-                <a:endParaRPr lang="fa-IR" sz="1600" dirty="0"/>
-              </a:p>
-              <a:p>
-                <a:pPr>
-                  <a:lnSpc>
-                    <a:spcPct val="150000"/>
-                  </a:lnSpc>
-                </a:pPr>
-                <a:endParaRPr lang="fa-IR" sz="1600" dirty="0"/>
+                <a:endParaRPr lang="fa-IR" sz="1600" b="1" dirty="0">
+                  <a:cs typeface="B Nazanin" panose="00000400000000000000" pitchFamily="2" charset="-78"/>
+                </a:endParaRPr>
               </a:p>
             </p:txBody>
           </p:sp>
         </p:grpSp>
-        <p:sp>
-          <p:nvSpPr>
-            <p:cNvPr id="52" name="TextBox 51">
+        <p:cxnSp>
+          <p:nvCxnSpPr>
+            <p:cNvPr id="60" name="Straight Arrow Connector 59">
               <a:extLst>
                 <a:ext uri="{FF2B5EF4-FFF2-40B4-BE49-F238E27FC236}">
-                  <a16:creationId xmlns:a16="http://schemas.microsoft.com/office/drawing/2014/main" id="{07CFBC88-EAA2-C3F4-17B1-0906DB0458C1}"/>
+                  <a16:creationId xmlns:a16="http://schemas.microsoft.com/office/drawing/2014/main" id="{AD4B78F9-52B8-148E-91E3-04CB1D3D7B86}"/>
                 </a:ext>
               </a:extLst>
             </p:cNvPr>
-            <p:cNvSpPr txBox="1"/>
+            <p:cNvCxnSpPr>
+              <a:cxnSpLocks/>
+            </p:cNvCxnSpPr>
+            <p:nvPr/>
+          </p:nvCxnSpPr>
+          <p:spPr>
+            <a:xfrm>
+              <a:off x="4634223" y="2512291"/>
+              <a:ext cx="547761" cy="0"/>
+            </a:xfrm>
+            <a:prstGeom prst="straightConnector1">
+              <a:avLst/>
+            </a:prstGeom>
+            <a:ln>
+              <a:tailEnd type="triangle"/>
+            </a:ln>
+          </p:spPr>
+          <p:style>
+            <a:lnRef idx="3">
+              <a:schemeClr val="dk1"/>
+            </a:lnRef>
+            <a:fillRef idx="0">
+              <a:schemeClr val="dk1"/>
+            </a:fillRef>
+            <a:effectRef idx="2">
+              <a:schemeClr val="dk1"/>
+            </a:effectRef>
+            <a:fontRef idx="minor">
+              <a:schemeClr val="tx1"/>
+            </a:fontRef>
+          </p:style>
+        </p:cxnSp>
+        <p:cxnSp>
+          <p:nvCxnSpPr>
+            <p:cNvPr id="61" name="Straight Arrow Connector 60">
+              <a:extLst>
+                <a:ext uri="{FF2B5EF4-FFF2-40B4-BE49-F238E27FC236}">
+                  <a16:creationId xmlns:a16="http://schemas.microsoft.com/office/drawing/2014/main" id="{C63BF45E-4692-E5E0-42E4-C5FF807D14B5}"/>
+                </a:ext>
+              </a:extLst>
+            </p:cNvPr>
+            <p:cNvCxnSpPr>
+              <a:cxnSpLocks/>
+            </p:cNvCxnSpPr>
+            <p:nvPr/>
+          </p:nvCxnSpPr>
+          <p:spPr>
+            <a:xfrm flipV="1">
+              <a:off x="4645648" y="2874756"/>
+              <a:ext cx="536336" cy="9060"/>
+            </a:xfrm>
+            <a:prstGeom prst="straightConnector1">
+              <a:avLst/>
+            </a:prstGeom>
+            <a:ln>
+              <a:tailEnd type="triangle"/>
+            </a:ln>
+          </p:spPr>
+          <p:style>
+            <a:lnRef idx="3">
+              <a:schemeClr val="dk1"/>
+            </a:lnRef>
+            <a:fillRef idx="0">
+              <a:schemeClr val="dk1"/>
+            </a:fillRef>
+            <a:effectRef idx="2">
+              <a:schemeClr val="dk1"/>
+            </a:effectRef>
+            <a:fontRef idx="minor">
+              <a:schemeClr val="tx1"/>
+            </a:fontRef>
+          </p:style>
+        </p:cxnSp>
+        <p:cxnSp>
+          <p:nvCxnSpPr>
+            <p:cNvPr id="62" name="Straight Arrow Connector 61">
+              <a:extLst>
+                <a:ext uri="{FF2B5EF4-FFF2-40B4-BE49-F238E27FC236}">
+                  <a16:creationId xmlns:a16="http://schemas.microsoft.com/office/drawing/2014/main" id="{D86EA161-2815-D3BA-ACCD-0E05F29C7D64}"/>
+                </a:ext>
+              </a:extLst>
+            </p:cNvPr>
+            <p:cNvCxnSpPr>
+              <a:cxnSpLocks/>
+            </p:cNvCxnSpPr>
+            <p:nvPr/>
+          </p:nvCxnSpPr>
+          <p:spPr>
+            <a:xfrm>
+              <a:off x="4636412" y="3263660"/>
+              <a:ext cx="545572" cy="0"/>
+            </a:xfrm>
+            <a:prstGeom prst="straightConnector1">
+              <a:avLst/>
+            </a:prstGeom>
+            <a:ln>
+              <a:tailEnd type="triangle"/>
+            </a:ln>
+          </p:spPr>
+          <p:style>
+            <a:lnRef idx="3">
+              <a:schemeClr val="dk1"/>
+            </a:lnRef>
+            <a:fillRef idx="0">
+              <a:schemeClr val="dk1"/>
+            </a:fillRef>
+            <a:effectRef idx="2">
+              <a:schemeClr val="dk1"/>
+            </a:effectRef>
+            <a:fontRef idx="minor">
+              <a:schemeClr val="tx1"/>
+            </a:fontRef>
+          </p:style>
+        </p:cxnSp>
+        <p:cxnSp>
+          <p:nvCxnSpPr>
+            <p:cNvPr id="63" name="Straight Arrow Connector 62">
+              <a:extLst>
+                <a:ext uri="{FF2B5EF4-FFF2-40B4-BE49-F238E27FC236}">
+                  <a16:creationId xmlns:a16="http://schemas.microsoft.com/office/drawing/2014/main" id="{E4138572-937B-FC66-9AA2-4850E303B4C6}"/>
+                </a:ext>
+              </a:extLst>
+            </p:cNvPr>
+            <p:cNvCxnSpPr>
+              <a:cxnSpLocks/>
+            </p:cNvCxnSpPr>
+            <p:nvPr/>
+          </p:nvCxnSpPr>
+          <p:spPr>
+            <a:xfrm>
+              <a:off x="4687212" y="4710545"/>
+              <a:ext cx="494772" cy="0"/>
+            </a:xfrm>
+            <a:prstGeom prst="straightConnector1">
+              <a:avLst/>
+            </a:prstGeom>
+            <a:ln>
+              <a:tailEnd type="triangle"/>
+            </a:ln>
+          </p:spPr>
+          <p:style>
+            <a:lnRef idx="3">
+              <a:schemeClr val="dk1"/>
+            </a:lnRef>
+            <a:fillRef idx="0">
+              <a:schemeClr val="dk1"/>
+            </a:fillRef>
+            <a:effectRef idx="2">
+              <a:schemeClr val="dk1"/>
+            </a:effectRef>
+            <a:fontRef idx="minor">
+              <a:schemeClr val="tx1"/>
+            </a:fontRef>
+          </p:style>
+        </p:cxnSp>
+      </p:grpSp>
+      <p:grpSp>
+        <p:nvGrpSpPr>
+          <p:cNvPr id="80" name="Group 79">
+            <a:extLst>
+              <a:ext uri="{FF2B5EF4-FFF2-40B4-BE49-F238E27FC236}">
+                <a16:creationId xmlns:a16="http://schemas.microsoft.com/office/drawing/2014/main" id="{831210E5-00B8-B0E2-7F8F-2D414B7FB8D9}"/>
+              </a:ext>
+            </a:extLst>
+          </p:cNvPr>
+          <p:cNvGrpSpPr/>
+          <p:nvPr/>
+        </p:nvGrpSpPr>
+        <p:grpSpPr>
+          <a:xfrm>
+            <a:off x="4330626" y="1690508"/>
+            <a:ext cx="5450684" cy="3978204"/>
+            <a:chOff x="5106480" y="1210272"/>
+            <a:chExt cx="5450684" cy="3978204"/>
+          </a:xfrm>
+        </p:grpSpPr>
+        <p:sp>
+          <p:nvSpPr>
+            <p:cNvPr id="51" name="Rectangle: Rounded Corners 50">
+              <a:extLst>
+                <a:ext uri="{FF2B5EF4-FFF2-40B4-BE49-F238E27FC236}">
+                  <a16:creationId xmlns:a16="http://schemas.microsoft.com/office/drawing/2014/main" id="{AB27AFBA-7D5A-EEB7-9AE7-7866C577AFAE}"/>
+                </a:ext>
+              </a:extLst>
+            </p:cNvPr>
+            <p:cNvSpPr/>
             <p:nvPr/>
           </p:nvSpPr>
           <p:spPr>
             <a:xfrm>
-              <a:off x="1303171" y="4174669"/>
-              <a:ext cx="743102" cy="1123384"/>
+              <a:off x="5106480" y="1974702"/>
+              <a:ext cx="2256103" cy="3213774"/>
             </a:xfrm>
-            <a:prstGeom prst="rect">
+            <a:prstGeom prst="roundRect">
               <a:avLst/>
             </a:prstGeom>
-            <a:noFill/>
+            <a:solidFill>
+              <a:srgbClr val="C9D1DD"/>
+            </a:solidFill>
+            <a:ln>
+              <a:noFill/>
+            </a:ln>
+            <a:effectLst>
+              <a:outerShdw blurRad="44450" dist="27940" dir="5400000" algn="ctr">
+                <a:srgbClr val="000000">
+                  <a:alpha val="32000"/>
+                </a:srgbClr>
+              </a:outerShdw>
+            </a:effectLst>
+            <a:scene3d>
+              <a:camera prst="orthographicFront">
+                <a:rot lat="0" lon="0" rev="0"/>
+              </a:camera>
+              <a:lightRig rig="balanced" dir="t">
+                <a:rot lat="0" lon="0" rev="8700000"/>
+              </a:lightRig>
+            </a:scene3d>
+            <a:sp3d>
+              <a:bevelT w="190500" h="38100"/>
+            </a:sp3d>
           </p:spPr>
+          <p:style>
+            <a:lnRef idx="1">
+              <a:schemeClr val="accent1"/>
+            </a:lnRef>
+            <a:fillRef idx="2">
+              <a:schemeClr val="accent1"/>
+            </a:fillRef>
+            <a:effectRef idx="1">
+              <a:schemeClr val="accent1"/>
+            </a:effectRef>
+            <a:fontRef idx="minor">
+              <a:schemeClr val="dk1"/>
+            </a:fontRef>
+          </p:style>
           <p:txBody>
-            <a:bodyPr wrap="square" rtlCol="1">
-              <a:spAutoFit/>
-            </a:bodyPr>
+            <a:bodyPr rtlCol="1" anchor="ctr"/>
             <a:lstStyle/>
             <a:p>
-              <a:pPr algn="ctr" rtl="1"/>
+              <a:pPr algn="ctr"/>
               <a:r>
-                <a:rPr lang="fa-IR" sz="1900" b="1" dirty="0">
+                <a:rPr lang="fa-IR" b="1" dirty="0">
+                  <a:cs typeface="B Nazanin" panose="00000400000000000000" pitchFamily="2" charset="-78"/>
+                </a:rPr>
+                <a:t>مدل مبدل متن به</a:t>
+              </a:r>
+            </a:p>
+            <a:p>
+              <a:pPr algn="ctr"/>
+              <a:r>
+                <a:rPr lang="fa-IR" b="1" dirty="0">
+                  <a:cs typeface="B Nazanin" panose="00000400000000000000" pitchFamily="2" charset="-78"/>
+                </a:rPr>
+                <a:t> بردار معنایی</a:t>
+              </a:r>
+              <a:endParaRPr lang="en-US" b="1" dirty="0">
+                <a:cs typeface="B Nazanin" panose="00000400000000000000" pitchFamily="2" charset="-78"/>
+              </a:endParaRPr>
+            </a:p>
+            <a:p>
+              <a:pPr algn="ctr"/>
+              <a:endParaRPr lang="en-US" dirty="0"/>
+            </a:p>
+            <a:p>
+              <a:pPr algn="ctr"/>
+              <a:r>
+                <a:rPr lang="en-US" b="1" dirty="0"/>
+                <a:t>Embedding model</a:t>
+              </a:r>
+              <a:endParaRPr lang="fa-IR" b="1" dirty="0"/>
+            </a:p>
+          </p:txBody>
+        </p:sp>
+        <p:sp>
+          <p:nvSpPr>
+            <p:cNvPr id="64" name="Rectangle: Rounded Corners 63">
+              <a:extLst>
+                <a:ext uri="{FF2B5EF4-FFF2-40B4-BE49-F238E27FC236}">
+                  <a16:creationId xmlns:a16="http://schemas.microsoft.com/office/drawing/2014/main" id="{447E53A9-02EA-4EA3-8DDF-0D1C07F6E4AA}"/>
+                </a:ext>
+              </a:extLst>
+            </p:cNvPr>
+            <p:cNvSpPr/>
+            <p:nvPr/>
+          </p:nvSpPr>
+          <p:spPr>
+            <a:xfrm>
+              <a:off x="7629235" y="2133289"/>
+              <a:ext cx="2927929" cy="296452"/>
+            </a:xfrm>
+            <a:prstGeom prst="roundRect">
+              <a:avLst/>
+            </a:prstGeom>
+            <a:gradFill flip="none" rotWithShape="1">
+              <a:gsLst>
+                <a:gs pos="0">
+                  <a:schemeClr val="accent6">
+                    <a:lumMod val="40000"/>
+                    <a:lumOff val="60000"/>
+                    <a:tint val="66000"/>
+                    <a:satMod val="160000"/>
+                  </a:schemeClr>
+                </a:gs>
+                <a:gs pos="50000">
+                  <a:schemeClr val="accent6">
+                    <a:lumMod val="40000"/>
+                    <a:lumOff val="60000"/>
+                    <a:tint val="44500"/>
+                    <a:satMod val="160000"/>
+                  </a:schemeClr>
+                </a:gs>
+                <a:gs pos="100000">
+                  <a:schemeClr val="accent6">
+                    <a:lumMod val="40000"/>
+                    <a:lumOff val="60000"/>
+                    <a:tint val="23500"/>
+                    <a:satMod val="160000"/>
+                  </a:schemeClr>
+                </a:gs>
+              </a:gsLst>
+              <a:lin ang="18900000" scaled="1"/>
+              <a:tileRect/>
+            </a:gradFill>
+          </p:spPr>
+          <p:style>
+            <a:lnRef idx="2">
+              <a:schemeClr val="accent4">
+                <a:shade val="15000"/>
+              </a:schemeClr>
+            </a:lnRef>
+            <a:fillRef idx="1">
+              <a:schemeClr val="accent4"/>
+            </a:fillRef>
+            <a:effectRef idx="0">
+              <a:schemeClr val="accent4"/>
+            </a:effectRef>
+            <a:fontRef idx="minor">
+              <a:schemeClr val="lt1"/>
+            </a:fontRef>
+          </p:style>
+          <p:txBody>
+            <a:bodyPr rtlCol="1" anchor="ctr"/>
+            <a:lstStyle/>
+            <a:p>
+              <a:pPr algn="ctr"/>
+              <a:r>
+                <a:rPr lang="en-US" sz="1600" dirty="0">
                   <a:solidFill>
-                    <a:srgbClr val="0070C0"/>
+                    <a:schemeClr val="tx1"/>
+                  </a:solidFill>
+                </a:rPr>
+                <a:t>[ 0.16   0.53   0.31   0.09 …  0.87]</a:t>
+              </a:r>
+              <a:endParaRPr lang="fa-IR" sz="1600" dirty="0">
+                <a:solidFill>
+                  <a:schemeClr val="tx1"/>
+                </a:solidFill>
+              </a:endParaRPr>
+            </a:p>
+          </p:txBody>
+        </p:sp>
+        <p:sp>
+          <p:nvSpPr>
+            <p:cNvPr id="71" name="Rectangle: Rounded Corners 70">
+              <a:extLst>
+                <a:ext uri="{FF2B5EF4-FFF2-40B4-BE49-F238E27FC236}">
+                  <a16:creationId xmlns:a16="http://schemas.microsoft.com/office/drawing/2014/main" id="{75F09960-2F6E-A11E-5F9B-15C891D071BD}"/>
+                </a:ext>
+              </a:extLst>
+            </p:cNvPr>
+            <p:cNvSpPr/>
+            <p:nvPr/>
+          </p:nvSpPr>
+          <p:spPr>
+            <a:xfrm>
+              <a:off x="7629236" y="1210272"/>
+              <a:ext cx="2927926" cy="687953"/>
+            </a:xfrm>
+            <a:prstGeom prst="roundRect">
+              <a:avLst/>
+            </a:prstGeom>
+            <a:gradFill>
+              <a:gsLst>
+                <a:gs pos="0">
+                  <a:srgbClr val="D4E8C6"/>
+                </a:gs>
+                <a:gs pos="100000">
+                  <a:srgbClr val="B7D8A0"/>
+                </a:gs>
+                <a:gs pos="53000">
+                  <a:srgbClr val="C9E2B8"/>
+                </a:gs>
+              </a:gsLst>
+              <a:lin ang="5400000" scaled="0"/>
+            </a:gradFill>
+          </p:spPr>
+          <p:style>
+            <a:lnRef idx="2">
+              <a:schemeClr val="accent4">
+                <a:shade val="15000"/>
+              </a:schemeClr>
+            </a:lnRef>
+            <a:fillRef idx="1">
+              <a:schemeClr val="accent4"/>
+            </a:fillRef>
+            <a:effectRef idx="0">
+              <a:schemeClr val="accent4"/>
+            </a:effectRef>
+            <a:fontRef idx="minor">
+              <a:schemeClr val="lt1"/>
+            </a:fontRef>
+          </p:style>
+          <p:txBody>
+            <a:bodyPr rtlCol="1" anchor="ctr"/>
+            <a:lstStyle/>
+            <a:p>
+              <a:pPr algn="ctr"/>
+              <a:r>
+                <a:rPr lang="fa-IR" b="1" dirty="0" err="1">
+                  <a:solidFill>
+                    <a:schemeClr val="tx1"/>
                   </a:solidFill>
                   <a:cs typeface="B Nazanin" panose="00000400000000000000" pitchFamily="2" charset="-78"/>
                 </a:rPr>
-                <a:t>مدرک </a:t>
+                <a:t>بردارهای</a:t>
               </a:r>
+              <a:r>
+                <a:rPr lang="fa-IR" b="1" dirty="0">
+                  <a:solidFill>
+                    <a:schemeClr val="tx1"/>
+                  </a:solidFill>
+                  <a:cs typeface="B Nazanin" panose="00000400000000000000" pitchFamily="2" charset="-78"/>
+                </a:rPr>
+                <a:t> معنایی</a:t>
+              </a:r>
+              <a:endParaRPr lang="en-US" b="1" dirty="0">
+                <a:solidFill>
+                  <a:schemeClr val="tx1"/>
+                </a:solidFill>
+                <a:cs typeface="B Nazanin" panose="00000400000000000000" pitchFamily="2" charset="-78"/>
+              </a:endParaRPr>
             </a:p>
             <a:p>
-              <a:pPr rtl="1"/>
+              <a:pPr algn="ctr">
+                <a:spcBef>
+                  <a:spcPts val="600"/>
+                </a:spcBef>
+              </a:pPr>
               <a:r>
-                <a:rPr lang="en-US" sz="1600" b="1" dirty="0">
+                <a:rPr lang="en-US" b="1" dirty="0" err="1">
+                  <a:solidFill>
+                    <a:schemeClr val="tx1"/>
+                  </a:solidFill>
                   <a:cs typeface="B Nazanin" panose="00000400000000000000" pitchFamily="2" charset="-78"/>
                 </a:rPr>
-                <a:t>.pdf</a:t>
+                <a:t>Semanic</a:t>
               </a:r>
-            </a:p>
-            <a:p>
-              <a:pPr rtl="1"/>
               <a:r>
-                <a:rPr lang="en-US" sz="1600" b="1" dirty="0">
+                <a:rPr lang="en-US" b="1" dirty="0">
+                  <a:solidFill>
+                    <a:schemeClr val="tx1"/>
+                  </a:solidFill>
                   <a:cs typeface="B Nazanin" panose="00000400000000000000" pitchFamily="2" charset="-78"/>
                 </a:rPr>
-                <a:t>.docx</a:t>
+                <a:t> vectors</a:t>
               </a:r>
-            </a:p>
-            <a:p>
-              <a:pPr rtl="1"/>
-              <a:r>
-                <a:rPr lang="en-US" sz="1600" b="1" dirty="0">
-                  <a:cs typeface="B Nazanin" panose="00000400000000000000" pitchFamily="2" charset="-78"/>
-                </a:rPr>
-                <a:t>.txt</a:t>
-              </a:r>
-              <a:endParaRPr lang="fa-IR" sz="1600" b="1" dirty="0">
+              <a:endParaRPr lang="fa-IR" b="1" dirty="0">
+                <a:solidFill>
+                  <a:schemeClr val="tx1"/>
+                </a:solidFill>
                 <a:cs typeface="B Nazanin" panose="00000400000000000000" pitchFamily="2" charset="-78"/>
               </a:endParaRPr>
             </a:p>
           </p:txBody>
         </p:sp>
+        <p:sp>
+          <p:nvSpPr>
+            <p:cNvPr id="72" name="Rectangle: Rounded Corners 71">
+              <a:extLst>
+                <a:ext uri="{FF2B5EF4-FFF2-40B4-BE49-F238E27FC236}">
+                  <a16:creationId xmlns:a16="http://schemas.microsoft.com/office/drawing/2014/main" id="{EF4B7B96-FB7B-99EE-85D8-04E6E701AEF3}"/>
+                </a:ext>
+              </a:extLst>
+            </p:cNvPr>
+            <p:cNvSpPr/>
+            <p:nvPr/>
+          </p:nvSpPr>
+          <p:spPr>
+            <a:xfrm>
+              <a:off x="7629233" y="2581738"/>
+              <a:ext cx="2927929" cy="296452"/>
+            </a:xfrm>
+            <a:prstGeom prst="roundRect">
+              <a:avLst/>
+            </a:prstGeom>
+            <a:gradFill flip="none" rotWithShape="1">
+              <a:gsLst>
+                <a:gs pos="0">
+                  <a:schemeClr val="accent6">
+                    <a:lumMod val="40000"/>
+                    <a:lumOff val="60000"/>
+                    <a:tint val="66000"/>
+                    <a:satMod val="160000"/>
+                  </a:schemeClr>
+                </a:gs>
+                <a:gs pos="50000">
+                  <a:schemeClr val="accent6">
+                    <a:lumMod val="40000"/>
+                    <a:lumOff val="60000"/>
+                    <a:tint val="44500"/>
+                    <a:satMod val="160000"/>
+                  </a:schemeClr>
+                </a:gs>
+                <a:gs pos="100000">
+                  <a:schemeClr val="accent6">
+                    <a:lumMod val="40000"/>
+                    <a:lumOff val="60000"/>
+                    <a:tint val="23500"/>
+                    <a:satMod val="160000"/>
+                  </a:schemeClr>
+                </a:gs>
+              </a:gsLst>
+              <a:lin ang="18900000" scaled="1"/>
+              <a:tileRect/>
+            </a:gradFill>
+          </p:spPr>
+          <p:style>
+            <a:lnRef idx="2">
+              <a:schemeClr val="accent4">
+                <a:shade val="15000"/>
+              </a:schemeClr>
+            </a:lnRef>
+            <a:fillRef idx="1">
+              <a:schemeClr val="accent4"/>
+            </a:fillRef>
+            <a:effectRef idx="0">
+              <a:schemeClr val="accent4"/>
+            </a:effectRef>
+            <a:fontRef idx="minor">
+              <a:schemeClr val="lt1"/>
+            </a:fontRef>
+          </p:style>
+          <p:txBody>
+            <a:bodyPr rtlCol="1" anchor="ctr"/>
+            <a:lstStyle/>
+            <a:p>
+              <a:pPr algn="ctr"/>
+              <a:r>
+                <a:rPr lang="en-US" sz="1600" dirty="0">
+                  <a:solidFill>
+                    <a:schemeClr val="tx1"/>
+                  </a:solidFill>
+                </a:rPr>
+                <a:t>[ 0.71   0.42   0.25   0.23 …  0.87]</a:t>
+              </a:r>
+              <a:endParaRPr lang="fa-IR" sz="1600" dirty="0">
+                <a:solidFill>
+                  <a:schemeClr val="tx1"/>
+                </a:solidFill>
+              </a:endParaRPr>
+            </a:p>
+          </p:txBody>
+        </p:sp>
+        <p:sp>
+          <p:nvSpPr>
+            <p:cNvPr id="73" name="Rectangle: Rounded Corners 72">
+              <a:extLst>
+                <a:ext uri="{FF2B5EF4-FFF2-40B4-BE49-F238E27FC236}">
+                  <a16:creationId xmlns:a16="http://schemas.microsoft.com/office/drawing/2014/main" id="{5330C6A4-02B5-B8BC-9D7B-B8EABA2CB8AD}"/>
+                </a:ext>
+              </a:extLst>
+            </p:cNvPr>
+            <p:cNvSpPr/>
+            <p:nvPr/>
+          </p:nvSpPr>
+          <p:spPr>
+            <a:xfrm>
+              <a:off x="7629234" y="3048659"/>
+              <a:ext cx="2927929" cy="296452"/>
+            </a:xfrm>
+            <a:prstGeom prst="roundRect">
+              <a:avLst/>
+            </a:prstGeom>
+            <a:gradFill flip="none" rotWithShape="1">
+              <a:gsLst>
+                <a:gs pos="0">
+                  <a:schemeClr val="accent6">
+                    <a:lumMod val="40000"/>
+                    <a:lumOff val="60000"/>
+                    <a:tint val="66000"/>
+                    <a:satMod val="160000"/>
+                  </a:schemeClr>
+                </a:gs>
+                <a:gs pos="50000">
+                  <a:schemeClr val="accent6">
+                    <a:lumMod val="40000"/>
+                    <a:lumOff val="60000"/>
+                    <a:tint val="44500"/>
+                    <a:satMod val="160000"/>
+                  </a:schemeClr>
+                </a:gs>
+                <a:gs pos="100000">
+                  <a:schemeClr val="accent6">
+                    <a:lumMod val="40000"/>
+                    <a:lumOff val="60000"/>
+                    <a:tint val="23500"/>
+                    <a:satMod val="160000"/>
+                  </a:schemeClr>
+                </a:gs>
+              </a:gsLst>
+              <a:lin ang="18900000" scaled="1"/>
+              <a:tileRect/>
+            </a:gradFill>
+          </p:spPr>
+          <p:style>
+            <a:lnRef idx="2">
+              <a:schemeClr val="accent4">
+                <a:shade val="15000"/>
+              </a:schemeClr>
+            </a:lnRef>
+            <a:fillRef idx="1">
+              <a:schemeClr val="accent4"/>
+            </a:fillRef>
+            <a:effectRef idx="0">
+              <a:schemeClr val="accent4"/>
+            </a:effectRef>
+            <a:fontRef idx="minor">
+              <a:schemeClr val="lt1"/>
+            </a:fontRef>
+          </p:style>
+          <p:txBody>
+            <a:bodyPr rtlCol="1" anchor="ctr"/>
+            <a:lstStyle/>
+            <a:p>
+              <a:pPr algn="ctr"/>
+              <a:r>
+                <a:rPr lang="en-US" sz="1600" dirty="0">
+                  <a:solidFill>
+                    <a:schemeClr val="tx1"/>
+                  </a:solidFill>
+                </a:rPr>
+                <a:t>[ 0.21   0.68   0.26   0.09 …  0.87]</a:t>
+              </a:r>
+              <a:endParaRPr lang="fa-IR" sz="1600" dirty="0">
+                <a:solidFill>
+                  <a:schemeClr val="tx1"/>
+                </a:solidFill>
+              </a:endParaRPr>
+            </a:p>
+          </p:txBody>
+        </p:sp>
+        <p:sp>
+          <p:nvSpPr>
+            <p:cNvPr id="74" name="Rectangle: Rounded Corners 73">
+              <a:extLst>
+                <a:ext uri="{FF2B5EF4-FFF2-40B4-BE49-F238E27FC236}">
+                  <a16:creationId xmlns:a16="http://schemas.microsoft.com/office/drawing/2014/main" id="{2C9F8B45-FC8F-96A9-C8B4-3EA7CCD71651}"/>
+                </a:ext>
+              </a:extLst>
+            </p:cNvPr>
+            <p:cNvSpPr/>
+            <p:nvPr/>
+          </p:nvSpPr>
+          <p:spPr>
+            <a:xfrm>
+              <a:off x="7629235" y="4495544"/>
+              <a:ext cx="2927929" cy="296452"/>
+            </a:xfrm>
+            <a:prstGeom prst="roundRect">
+              <a:avLst/>
+            </a:prstGeom>
+            <a:gradFill flip="none" rotWithShape="1">
+              <a:gsLst>
+                <a:gs pos="0">
+                  <a:schemeClr val="accent6">
+                    <a:lumMod val="40000"/>
+                    <a:lumOff val="60000"/>
+                    <a:tint val="66000"/>
+                    <a:satMod val="160000"/>
+                  </a:schemeClr>
+                </a:gs>
+                <a:gs pos="50000">
+                  <a:schemeClr val="accent6">
+                    <a:lumMod val="40000"/>
+                    <a:lumOff val="60000"/>
+                    <a:tint val="44500"/>
+                    <a:satMod val="160000"/>
+                  </a:schemeClr>
+                </a:gs>
+                <a:gs pos="100000">
+                  <a:schemeClr val="accent6">
+                    <a:lumMod val="40000"/>
+                    <a:lumOff val="60000"/>
+                    <a:tint val="23500"/>
+                    <a:satMod val="160000"/>
+                  </a:schemeClr>
+                </a:gs>
+              </a:gsLst>
+              <a:lin ang="18900000" scaled="1"/>
+              <a:tileRect/>
+            </a:gradFill>
+          </p:spPr>
+          <p:style>
+            <a:lnRef idx="2">
+              <a:schemeClr val="accent4">
+                <a:shade val="15000"/>
+              </a:schemeClr>
+            </a:lnRef>
+            <a:fillRef idx="1">
+              <a:schemeClr val="accent4"/>
+            </a:fillRef>
+            <a:effectRef idx="0">
+              <a:schemeClr val="accent4"/>
+            </a:effectRef>
+            <a:fontRef idx="minor">
+              <a:schemeClr val="lt1"/>
+            </a:fontRef>
+          </p:style>
+          <p:txBody>
+            <a:bodyPr rtlCol="1" anchor="ctr"/>
+            <a:lstStyle/>
+            <a:p>
+              <a:pPr algn="ctr"/>
+              <a:r>
+                <a:rPr lang="en-US" sz="1600" dirty="0">
+                  <a:solidFill>
+                    <a:schemeClr val="tx1"/>
+                  </a:solidFill>
+                </a:rPr>
+                <a:t>[ 0.39   0.13   0.48   0.77 …  0.87]</a:t>
+              </a:r>
+              <a:endParaRPr lang="fa-IR" sz="1600" dirty="0">
+                <a:solidFill>
+                  <a:schemeClr val="tx1"/>
+                </a:solidFill>
+              </a:endParaRPr>
+            </a:p>
+          </p:txBody>
+        </p:sp>
+        <p:cxnSp>
+          <p:nvCxnSpPr>
+            <p:cNvPr id="75" name="Straight Arrow Connector 74">
+              <a:extLst>
+                <a:ext uri="{FF2B5EF4-FFF2-40B4-BE49-F238E27FC236}">
+                  <a16:creationId xmlns:a16="http://schemas.microsoft.com/office/drawing/2014/main" id="{F583DA30-D8C9-31CB-9F64-38A514A9334F}"/>
+                </a:ext>
+              </a:extLst>
+            </p:cNvPr>
+            <p:cNvCxnSpPr>
+              <a:cxnSpLocks/>
+            </p:cNvCxnSpPr>
+            <p:nvPr/>
+          </p:nvCxnSpPr>
+          <p:spPr>
+            <a:xfrm>
+              <a:off x="7362583" y="4643770"/>
+              <a:ext cx="267612" cy="0"/>
+            </a:xfrm>
+            <a:prstGeom prst="straightConnector1">
+              <a:avLst/>
+            </a:prstGeom>
+            <a:ln>
+              <a:tailEnd type="triangle"/>
+            </a:ln>
+          </p:spPr>
+          <p:style>
+            <a:lnRef idx="3">
+              <a:schemeClr val="dk1"/>
+            </a:lnRef>
+            <a:fillRef idx="0">
+              <a:schemeClr val="dk1"/>
+            </a:fillRef>
+            <a:effectRef idx="2">
+              <a:schemeClr val="dk1"/>
+            </a:effectRef>
+            <a:fontRef idx="minor">
+              <a:schemeClr val="tx1"/>
+            </a:fontRef>
+          </p:style>
+        </p:cxnSp>
+        <p:cxnSp>
+          <p:nvCxnSpPr>
+            <p:cNvPr id="77" name="Straight Arrow Connector 76">
+              <a:extLst>
+                <a:ext uri="{FF2B5EF4-FFF2-40B4-BE49-F238E27FC236}">
+                  <a16:creationId xmlns:a16="http://schemas.microsoft.com/office/drawing/2014/main" id="{0E4B0A73-9908-5D28-8EC3-6EE22290BD33}"/>
+                </a:ext>
+              </a:extLst>
+            </p:cNvPr>
+            <p:cNvCxnSpPr>
+              <a:cxnSpLocks/>
+            </p:cNvCxnSpPr>
+            <p:nvPr/>
+          </p:nvCxnSpPr>
+          <p:spPr>
+            <a:xfrm>
+              <a:off x="7361621" y="2299987"/>
+              <a:ext cx="267612" cy="0"/>
+            </a:xfrm>
+            <a:prstGeom prst="straightConnector1">
+              <a:avLst/>
+            </a:prstGeom>
+            <a:ln>
+              <a:tailEnd type="triangle"/>
+            </a:ln>
+          </p:spPr>
+          <p:style>
+            <a:lnRef idx="3">
+              <a:schemeClr val="dk1"/>
+            </a:lnRef>
+            <a:fillRef idx="0">
+              <a:schemeClr val="dk1"/>
+            </a:fillRef>
+            <a:effectRef idx="2">
+              <a:schemeClr val="dk1"/>
+            </a:effectRef>
+            <a:fontRef idx="minor">
+              <a:schemeClr val="tx1"/>
+            </a:fontRef>
+          </p:style>
+        </p:cxnSp>
+        <p:cxnSp>
+          <p:nvCxnSpPr>
+            <p:cNvPr id="78" name="Straight Arrow Connector 77">
+              <a:extLst>
+                <a:ext uri="{FF2B5EF4-FFF2-40B4-BE49-F238E27FC236}">
+                  <a16:creationId xmlns:a16="http://schemas.microsoft.com/office/drawing/2014/main" id="{86D93FE1-EEC4-F8AA-1D86-0E37053A8040}"/>
+                </a:ext>
+              </a:extLst>
+            </p:cNvPr>
+            <p:cNvCxnSpPr>
+              <a:cxnSpLocks/>
+            </p:cNvCxnSpPr>
+            <p:nvPr/>
+          </p:nvCxnSpPr>
+          <p:spPr>
+            <a:xfrm>
+              <a:off x="7361621" y="2748436"/>
+              <a:ext cx="267612" cy="0"/>
+            </a:xfrm>
+            <a:prstGeom prst="straightConnector1">
+              <a:avLst/>
+            </a:prstGeom>
+            <a:ln>
+              <a:tailEnd type="triangle"/>
+            </a:ln>
+          </p:spPr>
+          <p:style>
+            <a:lnRef idx="3">
+              <a:schemeClr val="dk1"/>
+            </a:lnRef>
+            <a:fillRef idx="0">
+              <a:schemeClr val="dk1"/>
+            </a:fillRef>
+            <a:effectRef idx="2">
+              <a:schemeClr val="dk1"/>
+            </a:effectRef>
+            <a:fontRef idx="minor">
+              <a:schemeClr val="tx1"/>
+            </a:fontRef>
+          </p:style>
+        </p:cxnSp>
+        <p:cxnSp>
+          <p:nvCxnSpPr>
+            <p:cNvPr id="79" name="Straight Arrow Connector 78">
+              <a:extLst>
+                <a:ext uri="{FF2B5EF4-FFF2-40B4-BE49-F238E27FC236}">
+                  <a16:creationId xmlns:a16="http://schemas.microsoft.com/office/drawing/2014/main" id="{FC785F07-4337-5555-1CAB-3C1319BC2567}"/>
+                </a:ext>
+              </a:extLst>
+            </p:cNvPr>
+            <p:cNvCxnSpPr>
+              <a:cxnSpLocks/>
+            </p:cNvCxnSpPr>
+            <p:nvPr/>
+          </p:nvCxnSpPr>
+          <p:spPr>
+            <a:xfrm>
+              <a:off x="7362583" y="3217855"/>
+              <a:ext cx="267612" cy="0"/>
+            </a:xfrm>
+            <a:prstGeom prst="straightConnector1">
+              <a:avLst/>
+            </a:prstGeom>
+            <a:ln>
+              <a:tailEnd type="triangle"/>
+            </a:ln>
+          </p:spPr>
+          <p:style>
+            <a:lnRef idx="3">
+              <a:schemeClr val="dk1"/>
+            </a:lnRef>
+            <a:fillRef idx="0">
+              <a:schemeClr val="dk1"/>
+            </a:fillRef>
+            <a:effectRef idx="2">
+              <a:schemeClr val="dk1"/>
+            </a:effectRef>
+            <a:fontRef idx="minor">
+              <a:schemeClr val="tx1"/>
+            </a:fontRef>
+          </p:style>
+        </p:cxnSp>
       </p:grpSp>
+      <p:pic>
+        <p:nvPicPr>
+          <p:cNvPr id="98" name="Picture 97">
+            <a:extLst>
+              <a:ext uri="{FF2B5EF4-FFF2-40B4-BE49-F238E27FC236}">
+                <a16:creationId xmlns:a16="http://schemas.microsoft.com/office/drawing/2014/main" id="{B71544E2-6F04-B2C8-0865-FB8C0A36EF19}"/>
+              </a:ext>
+            </a:extLst>
+          </p:cNvPr>
+          <p:cNvPicPr>
+            <a:picLocks noChangeAspect="1"/>
+          </p:cNvPicPr>
+          <p:nvPr/>
+        </p:nvPicPr>
+        <p:blipFill>
+          <a:blip r:embed="rId3">
+            <a:extLst>
+              <a:ext uri="{28A0092B-C50C-407E-A947-70E740481C1C}">
+                <a14:useLocalDpi xmlns:a14="http://schemas.microsoft.com/office/drawing/2010/main" val="0"/>
+              </a:ext>
+            </a:extLst>
+          </a:blip>
+          <a:stretch>
+            <a:fillRect/>
+          </a:stretch>
+        </p:blipFill>
+        <p:spPr>
+          <a:xfrm>
+            <a:off x="10317042" y="2673931"/>
+            <a:ext cx="1629042" cy="1629042"/>
+          </a:xfrm>
+          <a:prstGeom prst="rect">
+            <a:avLst/>
+          </a:prstGeom>
+        </p:spPr>
+      </p:pic>
+      <p:sp>
+        <p:nvSpPr>
+          <p:cNvPr id="99" name="TextBox 98">
+            <a:extLst>
+              <a:ext uri="{FF2B5EF4-FFF2-40B4-BE49-F238E27FC236}">
+                <a16:creationId xmlns:a16="http://schemas.microsoft.com/office/drawing/2014/main" id="{1AE43193-D860-EB50-5C75-7B4458DB5A5C}"/>
+              </a:ext>
+            </a:extLst>
+          </p:cNvPr>
+          <p:cNvSpPr txBox="1"/>
+          <p:nvPr/>
+        </p:nvSpPr>
+        <p:spPr>
+          <a:xfrm>
+            <a:off x="10317042" y="4252505"/>
+            <a:ext cx="1776811" cy="723275"/>
+          </a:xfrm>
+          <a:prstGeom prst="rect">
+            <a:avLst/>
+          </a:prstGeom>
+          <a:noFill/>
+        </p:spPr>
+        <p:txBody>
+          <a:bodyPr wrap="square" rtlCol="1">
+            <a:spAutoFit/>
+          </a:bodyPr>
+          <a:lstStyle/>
+          <a:p>
+            <a:pPr algn="ctr">
+              <a:spcBef>
+                <a:spcPts val="600"/>
+              </a:spcBef>
+            </a:pPr>
+            <a:r>
+              <a:rPr lang="fa-IR" b="1" dirty="0">
+                <a:cs typeface="B Nazanin" panose="00000400000000000000" pitchFamily="2" charset="-78"/>
+              </a:rPr>
+              <a:t>پایگاه داده برداری</a:t>
+            </a:r>
+          </a:p>
+          <a:p>
+            <a:pPr algn="ctr">
+              <a:spcBef>
+                <a:spcPts val="600"/>
+              </a:spcBef>
+            </a:pPr>
+            <a:r>
+              <a:rPr lang="en-US" b="1" dirty="0"/>
+              <a:t>Vector Database</a:t>
+            </a:r>
+            <a:endParaRPr lang="fa-IR" b="1" dirty="0"/>
+          </a:p>
+        </p:txBody>
+      </p:sp>
+      <p:cxnSp>
+        <p:nvCxnSpPr>
+          <p:cNvPr id="102" name="Straight Arrow Connector 101">
+            <a:extLst>
+              <a:ext uri="{FF2B5EF4-FFF2-40B4-BE49-F238E27FC236}">
+                <a16:creationId xmlns:a16="http://schemas.microsoft.com/office/drawing/2014/main" id="{44288537-A1B0-D053-A817-5EA8797368FE}"/>
+              </a:ext>
+            </a:extLst>
+          </p:cNvPr>
+          <p:cNvCxnSpPr>
+            <a:cxnSpLocks/>
+            <a:stCxn id="74" idx="3"/>
+          </p:cNvCxnSpPr>
+          <p:nvPr/>
+        </p:nvCxnSpPr>
+        <p:spPr>
+          <a:xfrm flipV="1">
+            <a:off x="9781310" y="3886852"/>
+            <a:ext cx="748145" cy="1237154"/>
+          </a:xfrm>
+          <a:prstGeom prst="straightConnector1">
+            <a:avLst/>
+          </a:prstGeom>
+          <a:ln>
+            <a:tailEnd type="triangle"/>
+          </a:ln>
+        </p:spPr>
+        <p:style>
+          <a:lnRef idx="3">
+            <a:schemeClr val="dk1"/>
+          </a:lnRef>
+          <a:fillRef idx="0">
+            <a:schemeClr val="dk1"/>
+          </a:fillRef>
+          <a:effectRef idx="2">
+            <a:schemeClr val="dk1"/>
+          </a:effectRef>
+          <a:fontRef idx="minor">
+            <a:schemeClr val="tx1"/>
+          </a:fontRef>
+        </p:style>
+      </p:cxnSp>
+      <p:sp>
+        <p:nvSpPr>
+          <p:cNvPr id="114" name="TextBox 113">
+            <a:extLst>
+              <a:ext uri="{FF2B5EF4-FFF2-40B4-BE49-F238E27FC236}">
+                <a16:creationId xmlns:a16="http://schemas.microsoft.com/office/drawing/2014/main" id="{B7C6082F-7D99-AB2F-F417-63931E4EDCD4}"/>
+              </a:ext>
+            </a:extLst>
+          </p:cNvPr>
+          <p:cNvSpPr txBox="1"/>
+          <p:nvPr/>
+        </p:nvSpPr>
+        <p:spPr>
+          <a:xfrm>
+            <a:off x="8432813" y="5668712"/>
+            <a:ext cx="3513271" cy="646331"/>
+          </a:xfrm>
+          <a:prstGeom prst="rect">
+            <a:avLst/>
+          </a:prstGeom>
+          <a:noFill/>
+        </p:spPr>
+        <p:txBody>
+          <a:bodyPr wrap="square" rtlCol="1">
+            <a:spAutoFit/>
+          </a:bodyPr>
+          <a:lstStyle/>
+          <a:p>
+            <a:pPr algn="r" rtl="1"/>
+            <a:r>
+              <a:rPr lang="fa-IR" b="1" dirty="0">
+                <a:solidFill>
+                  <a:schemeClr val="accent6">
+                    <a:lumMod val="50000"/>
+                  </a:schemeClr>
+                </a:solidFill>
+                <a:cs typeface="B Nazanin" panose="00000400000000000000" pitchFamily="2" charset="-78"/>
+              </a:rPr>
+              <a:t>ذخیره سازی متن به همراه بردار </a:t>
+            </a:r>
+            <a:r>
+              <a:rPr lang="fa-IR" b="1" dirty="0" err="1">
+                <a:solidFill>
+                  <a:schemeClr val="accent6">
+                    <a:lumMod val="50000"/>
+                  </a:schemeClr>
+                </a:solidFill>
+                <a:cs typeface="B Nazanin" panose="00000400000000000000" pitchFamily="2" charset="-78"/>
+              </a:rPr>
+              <a:t>معنایی‌اش</a:t>
+            </a:r>
+            <a:endParaRPr lang="fa-IR" b="1" dirty="0">
+              <a:solidFill>
+                <a:schemeClr val="accent6">
+                  <a:lumMod val="50000"/>
+                </a:schemeClr>
+              </a:solidFill>
+              <a:cs typeface="B Nazanin" panose="00000400000000000000" pitchFamily="2" charset="-78"/>
+            </a:endParaRPr>
+          </a:p>
+          <a:p>
+            <a:pPr algn="r" rtl="1"/>
+            <a:r>
+              <a:rPr lang="fa-IR" b="1" dirty="0">
+                <a:solidFill>
+                  <a:schemeClr val="accent6">
+                    <a:lumMod val="50000"/>
+                  </a:schemeClr>
+                </a:solidFill>
+                <a:cs typeface="B Nazanin" panose="00000400000000000000" pitchFamily="2" charset="-78"/>
+              </a:rPr>
+              <a:t>در پایگاه داده برداری </a:t>
+            </a:r>
+          </a:p>
+        </p:txBody>
+      </p:sp>
+      <p:cxnSp>
+        <p:nvCxnSpPr>
+          <p:cNvPr id="116" name="Connector: Curved 115">
+            <a:extLst>
+              <a:ext uri="{FF2B5EF4-FFF2-40B4-BE49-F238E27FC236}">
+                <a16:creationId xmlns:a16="http://schemas.microsoft.com/office/drawing/2014/main" id="{1773F58E-B6AE-5894-0053-96507427CC04}"/>
+              </a:ext>
+            </a:extLst>
+          </p:cNvPr>
+          <p:cNvCxnSpPr>
+            <a:cxnSpLocks/>
+          </p:cNvCxnSpPr>
+          <p:nvPr/>
+        </p:nvCxnSpPr>
+        <p:spPr>
+          <a:xfrm rot="16200000" flipH="1">
+            <a:off x="9911366" y="4836049"/>
+            <a:ext cx="1004066" cy="730874"/>
+          </a:xfrm>
+          <a:prstGeom prst="curvedConnector3">
+            <a:avLst/>
+          </a:prstGeom>
+          <a:ln>
+            <a:tailEnd type="triangle"/>
+          </a:ln>
+        </p:spPr>
+        <p:style>
+          <a:lnRef idx="3">
+            <a:schemeClr val="accent6"/>
+          </a:lnRef>
+          <a:fillRef idx="0">
+            <a:schemeClr val="accent6"/>
+          </a:fillRef>
+          <a:effectRef idx="2">
+            <a:schemeClr val="accent6"/>
+          </a:effectRef>
+          <a:fontRef idx="minor">
+            <a:schemeClr val="tx1"/>
+          </a:fontRef>
+        </p:style>
+      </p:cxnSp>
     </p:spTree>
     <p:extLst>
       <p:ext uri="{BB962C8B-B14F-4D97-AF65-F5344CB8AC3E}">
@@ -14589,9 +15798,9 @@
           <p:nvPr/>
         </p:nvSpPr>
         <p:spPr>
-          <a:xfrm rot="3328977">
-            <a:off x="809669" y="3747921"/>
-            <a:ext cx="1650910" cy="310376"/>
+          <a:xfrm rot="4243803">
+            <a:off x="837567" y="3675643"/>
+            <a:ext cx="1580167" cy="310376"/>
           </a:xfrm>
           <a:prstGeom prst="rightArrow">
             <a:avLst>
@@ -14628,8 +15837,8 @@
           <a:bodyPr rtlCol="1" anchor="ctr"/>
           <a:lstStyle/>
           <a:p>
-            <a:pPr algn="ctr"/>
-            <a:endParaRPr lang="fa-IR"/>
+            <a:pPr algn="ctr" rtl="1"/>
+            <a:endParaRPr lang="fa-IR" dirty="0"/>
           </a:p>
         </p:txBody>
       </p:sp>
@@ -14647,12 +15856,29 @@
         </p:nvSpPr>
         <p:spPr>
           <a:xfrm>
-            <a:off x="976625" y="4596689"/>
-            <a:ext cx="2216879" cy="1180831"/>
+            <a:off x="479931" y="4596689"/>
+            <a:ext cx="2713574" cy="1180831"/>
           </a:xfrm>
           <a:prstGeom prst="roundRect">
             <a:avLst/>
           </a:prstGeom>
+          <a:gradFill>
+            <a:gsLst>
+              <a:gs pos="0">
+                <a:schemeClr val="accent1">
+                  <a:lumMod val="110000"/>
+                  <a:satMod val="105000"/>
+                  <a:tint val="67000"/>
+                </a:schemeClr>
+              </a:gs>
+              <a:gs pos="50000">
+                <a:srgbClr val="B3C0E3"/>
+              </a:gs>
+              <a:gs pos="100000">
+                <a:srgbClr val="9DB0DF"/>
+              </a:gs>
+            </a:gsLst>
+          </a:gradFill>
           <a:ln>
             <a:noFill/>
           </a:ln>
@@ -14698,7 +15924,7 @@
               <a:rPr lang="fa-IR" b="1" dirty="0">
                 <a:cs typeface="B Nazanin" panose="00000400000000000000" pitchFamily="2" charset="-78"/>
               </a:rPr>
-              <a:t>مدل مبدل معنا به بردار </a:t>
+              <a:t>مدل مبدل متن به بردار معنایی</a:t>
             </a:r>
             <a:endParaRPr lang="en-US" b="1" dirty="0">
               <a:cs typeface="B Nazanin" panose="00000400000000000000" pitchFamily="2" charset="-78"/>
@@ -15838,7 +17064,7 @@
         </p:nvSpPr>
         <p:spPr>
           <a:xfrm>
-            <a:off x="267083" y="5840457"/>
+            <a:off x="216906" y="5895126"/>
             <a:ext cx="3635961" cy="584775"/>
           </a:xfrm>
           <a:prstGeom prst="rect">

--- a/RAG.pptx
+++ b/RAG.pptx
@@ -5648,7 +5648,7 @@
           <a:p>
             <a:fld id="{B1A1FC86-6D43-4743-9C66-42764E3FFE4E}" type="slidenum">
               <a:rPr lang="fa-IR" smtClean="0"/>
-              <a:t>7</a:t>
+              <a:t>6</a:t>
             </a:fld>
             <a:endParaRPr lang="fa-IR"/>
           </a:p>
@@ -5657,7 +5657,7 @@
     </p:spTree>
     <p:extLst>
       <p:ext uri="{BB962C8B-B14F-4D97-AF65-F5344CB8AC3E}">
-        <p14:creationId xmlns:p14="http://schemas.microsoft.com/office/powerpoint/2010/main" val="851503168"/>
+        <p14:creationId xmlns:p14="http://schemas.microsoft.com/office/powerpoint/2010/main" val="3333753078"/>
       </p:ext>
     </p:extLst>
   </p:cSld>
@@ -5732,6 +5732,90 @@
           <a:p>
             <a:fld id="{B1A1FC86-6D43-4743-9C66-42764E3FFE4E}" type="slidenum">
               <a:rPr lang="fa-IR" smtClean="0"/>
+              <a:t>7</a:t>
+            </a:fld>
+            <a:endParaRPr lang="fa-IR"/>
+          </a:p>
+        </p:txBody>
+      </p:sp>
+    </p:spTree>
+    <p:extLst>
+      <p:ext uri="{BB962C8B-B14F-4D97-AF65-F5344CB8AC3E}">
+        <p14:creationId xmlns:p14="http://schemas.microsoft.com/office/powerpoint/2010/main" val="851503168"/>
+      </p:ext>
+    </p:extLst>
+  </p:cSld>
+  <p:clrMapOvr>
+    <a:masterClrMapping/>
+  </p:clrMapOvr>
+</p:notes>
+</file>
+
+<file path=ppt/notesSlides/notesSlide4.xml><?xml version="1.0" encoding="utf-8"?>
+<p:notes xmlns:a="http://schemas.openxmlformats.org/drawingml/2006/main" xmlns:r="http://schemas.openxmlformats.org/officeDocument/2006/relationships" xmlns:p="http://schemas.openxmlformats.org/presentationml/2006/main">
+  <p:cSld>
+    <p:spTree>
+      <p:nvGrpSpPr>
+        <p:cNvPr id="1" name=""/>
+        <p:cNvGrpSpPr/>
+        <p:nvPr/>
+      </p:nvGrpSpPr>
+      <p:grpSpPr>
+        <a:xfrm>
+          <a:off x="0" y="0"/>
+          <a:ext cx="0" cy="0"/>
+          <a:chOff x="0" y="0"/>
+          <a:chExt cx="0" cy="0"/>
+        </a:xfrm>
+      </p:grpSpPr>
+      <p:sp>
+        <p:nvSpPr>
+          <p:cNvPr id="2" name="Slide Image Placeholder 1"/>
+          <p:cNvSpPr>
+            <a:spLocks noGrp="1" noRot="1" noChangeAspect="1"/>
+          </p:cNvSpPr>
+          <p:nvPr>
+            <p:ph type="sldImg"/>
+          </p:nvPr>
+        </p:nvSpPr>
+        <p:spPr/>
+      </p:sp>
+      <p:sp>
+        <p:nvSpPr>
+          <p:cNvPr id="3" name="Notes Placeholder 2"/>
+          <p:cNvSpPr>
+            <a:spLocks noGrp="1"/>
+          </p:cNvSpPr>
+          <p:nvPr>
+            <p:ph type="body" idx="1"/>
+          </p:nvPr>
+        </p:nvSpPr>
+        <p:spPr/>
+        <p:txBody>
+          <a:bodyPr/>
+          <a:lstStyle/>
+          <a:p>
+            <a:endParaRPr lang="fa-IR" dirty="0"/>
+          </a:p>
+        </p:txBody>
+      </p:sp>
+      <p:sp>
+        <p:nvSpPr>
+          <p:cNvPr id="4" name="Slide Number Placeholder 3"/>
+          <p:cNvSpPr>
+            <a:spLocks noGrp="1"/>
+          </p:cNvSpPr>
+          <p:nvPr>
+            <p:ph type="sldNum" sz="quarter" idx="5"/>
+          </p:nvPr>
+        </p:nvSpPr>
+        <p:spPr/>
+        <p:txBody>
+          <a:bodyPr/>
+          <a:lstStyle/>
+          <a:p>
+            <a:fld id="{B1A1FC86-6D43-4743-9C66-42764E3FFE4E}" type="slidenum">
+              <a:rPr lang="fa-IR" smtClean="0"/>
               <a:t>9</a:t>
             </a:fld>
             <a:endParaRPr lang="fa-IR"/>
@@ -5751,7 +5835,7 @@
 </p:notes>
 </file>
 
-<file path=ppt/notesSlides/notesSlide4.xml><?xml version="1.0" encoding="utf-8"?>
+<file path=ppt/notesSlides/notesSlide5.xml><?xml version="1.0" encoding="utf-8"?>
 <p:notes xmlns:a="http://schemas.openxmlformats.org/drawingml/2006/main" xmlns:r="http://schemas.openxmlformats.org/officeDocument/2006/relationships" xmlns:p="http://schemas.openxmlformats.org/presentationml/2006/main">
   <p:cSld>
     <p:spTree>
@@ -13759,8 +13843,8 @@
         </p:nvSpPr>
         <p:spPr>
           <a:xfrm>
-            <a:off x="1169494" y="268272"/>
-            <a:ext cx="10515600" cy="1325563"/>
+            <a:off x="1430484" y="251365"/>
+            <a:ext cx="10515600" cy="879760"/>
           </a:xfrm>
         </p:spPr>
         <p:txBody>
@@ -13772,9 +13856,14 @@
             <a:pPr algn="r"/>
             <a:r>
               <a:rPr lang="fa-IR" sz="3200" b="1" dirty="0">
+                <a:solidFill>
+                  <a:schemeClr val="accent5">
+                    <a:lumMod val="75000"/>
+                  </a:schemeClr>
+                </a:solidFill>
                 <a:cs typeface="B Nazanin" panose="00000400000000000000" pitchFamily="2" charset="-78"/>
               </a:rPr>
-              <a:t>مراحل افزوده شدن یک مدرک به پایگاه داده برداری</a:t>
+              <a:t>نحوه افزوده شدن یک مدرک به پایگاه داده برداری</a:t>
             </a:r>
           </a:p>
         </p:txBody>
@@ -14159,7 +14248,7 @@
                 <p:nvPr/>
               </p:nvPicPr>
               <p:blipFill>
-                <a:blip r:embed="rId2">
+                <a:blip r:embed="rId3">
                   <a:extLst>
                     <a:ext uri="{28A0092B-C50C-407E-A947-70E740481C1C}">
                       <a14:useLocalDpi xmlns:a14="http://schemas.microsoft.com/office/drawing/2010/main" val="0"/>
@@ -15298,7 +15387,7 @@
           <p:nvPr/>
         </p:nvPicPr>
         <p:blipFill>
-          <a:blip r:embed="rId3">
+          <a:blip r:embed="rId4">
             <a:extLst>
               <a:ext uri="{28A0092B-C50C-407E-A947-70E740481C1C}">
                 <a14:useLocalDpi xmlns:a14="http://schemas.microsoft.com/office/drawing/2010/main" val="0"/>
@@ -15564,6 +15653,60 @@
       </p:grpSpPr>
       <p:sp>
         <p:nvSpPr>
+          <p:cNvPr id="40" name="Arrow: Right 39">
+            <a:extLst>
+              <a:ext uri="{FF2B5EF4-FFF2-40B4-BE49-F238E27FC236}">
+                <a16:creationId xmlns:a16="http://schemas.microsoft.com/office/drawing/2014/main" id="{9692C625-027B-5A93-F37C-56583E07D0A4}"/>
+              </a:ext>
+            </a:extLst>
+          </p:cNvPr>
+          <p:cNvSpPr/>
+          <p:nvPr/>
+        </p:nvSpPr>
+        <p:spPr>
+          <a:xfrm>
+            <a:off x="3101143" y="5012248"/>
+            <a:ext cx="1920944" cy="388648"/>
+          </a:xfrm>
+          <a:prstGeom prst="rightArrow">
+            <a:avLst/>
+          </a:prstGeom>
+          <a:solidFill>
+            <a:schemeClr val="accent4">
+              <a:lumMod val="75000"/>
+            </a:schemeClr>
+          </a:solidFill>
+          <a:ln>
+            <a:noFill/>
+          </a:ln>
+        </p:spPr>
+        <p:style>
+          <a:lnRef idx="2">
+            <a:schemeClr val="accent1">
+              <a:shade val="15000"/>
+            </a:schemeClr>
+          </a:lnRef>
+          <a:fillRef idx="1">
+            <a:schemeClr val="accent1"/>
+          </a:fillRef>
+          <a:effectRef idx="0">
+            <a:schemeClr val="accent1"/>
+          </a:effectRef>
+          <a:fontRef idx="minor">
+            <a:schemeClr val="lt1"/>
+          </a:fontRef>
+        </p:style>
+        <p:txBody>
+          <a:bodyPr rtlCol="1" anchor="ctr"/>
+          <a:lstStyle/>
+          <a:p>
+            <a:pPr algn="ctr"/>
+            <a:endParaRPr lang="fa-IR"/>
+          </a:p>
+        </p:txBody>
+      </p:sp>
+      <p:sp>
+        <p:nvSpPr>
           <p:cNvPr id="42" name="Arrow: Right 41">
             <a:extLst>
               <a:ext uri="{FF2B5EF4-FFF2-40B4-BE49-F238E27FC236}">
@@ -15698,90 +15841,6 @@
               </a:rPr>
               <a:t>پاسخ</a:t>
             </a:r>
-          </a:p>
-        </p:txBody>
-      </p:sp>
-      <p:sp>
-        <p:nvSpPr>
-          <p:cNvPr id="7" name="Rectangle: Top Corners Snipped 6">
-            <a:extLst>
-              <a:ext uri="{FF2B5EF4-FFF2-40B4-BE49-F238E27FC236}">
-                <a16:creationId xmlns:a16="http://schemas.microsoft.com/office/drawing/2014/main" id="{6C7FD831-AF60-FFC2-5B6E-982A9415CFDF}"/>
-              </a:ext>
-            </a:extLst>
-          </p:cNvPr>
-          <p:cNvSpPr/>
-          <p:nvPr/>
-        </p:nvSpPr>
-        <p:spPr>
-          <a:xfrm>
-            <a:off x="4574952" y="4485459"/>
-            <a:ext cx="2010742" cy="1296411"/>
-          </a:xfrm>
-          <a:prstGeom prst="snip2SameRect">
-            <a:avLst/>
-          </a:prstGeom>
-          <a:ln>
-            <a:noFill/>
-          </a:ln>
-          <a:effectLst>
-            <a:outerShdw blurRad="50800" dist="38100" dir="8100000" algn="tr" rotWithShape="0">
-              <a:prstClr val="black">
-                <a:alpha val="40000"/>
-              </a:prstClr>
-            </a:outerShdw>
-          </a:effectLst>
-          <a:scene3d>
-            <a:camera prst="orthographicFront">
-              <a:rot lat="0" lon="0" rev="0"/>
-            </a:camera>
-            <a:lightRig rig="balanced" dir="t">
-              <a:rot lat="0" lon="0" rev="8700000"/>
-            </a:lightRig>
-          </a:scene3d>
-          <a:sp3d>
-            <a:bevelT w="190500" h="38100"/>
-          </a:sp3d>
-        </p:spPr>
-        <p:style>
-          <a:lnRef idx="1">
-            <a:schemeClr val="accent3"/>
-          </a:lnRef>
-          <a:fillRef idx="2">
-            <a:schemeClr val="accent3"/>
-          </a:fillRef>
-          <a:effectRef idx="1">
-            <a:schemeClr val="accent3"/>
-          </a:effectRef>
-          <a:fontRef idx="minor">
-            <a:schemeClr val="dk1"/>
-          </a:fontRef>
-        </p:style>
-        <p:txBody>
-          <a:bodyPr rtlCol="1" anchor="ctr"/>
-          <a:lstStyle/>
-          <a:p>
-            <a:pPr algn="ctr"/>
-            <a:r>
-              <a:rPr lang="fa-IR" b="1" dirty="0">
-                <a:cs typeface="B Nazanin" panose="00000400000000000000" pitchFamily="2" charset="-78"/>
-              </a:rPr>
-              <a:t>پایگاه داده برداری</a:t>
-            </a:r>
-          </a:p>
-          <a:p>
-            <a:pPr algn="ctr"/>
-            <a:endParaRPr lang="fa-IR" b="1" dirty="0">
-              <a:cs typeface="B Nazanin" panose="00000400000000000000" pitchFamily="2" charset="-78"/>
-            </a:endParaRPr>
-          </a:p>
-          <a:p>
-            <a:pPr algn="ctr"/>
-            <a:r>
-              <a:rPr lang="en-US" dirty="0"/>
-              <a:t>Vector Database</a:t>
-            </a:r>
-            <a:endParaRPr lang="fa-IR" dirty="0"/>
           </a:p>
         </p:txBody>
       </p:sp>
@@ -15937,10 +15996,10 @@
           <a:p>
             <a:pPr algn="ctr"/>
             <a:r>
-              <a:rPr lang="en-US" dirty="0"/>
+              <a:rPr lang="en-US" b="1" dirty="0"/>
               <a:t>Embedding model</a:t>
             </a:r>
-            <a:endParaRPr lang="fa-IR" dirty="0"/>
+            <a:endParaRPr lang="fa-IR" b="1" dirty="0"/>
           </a:p>
         </p:txBody>
       </p:sp>
@@ -16200,10 +16259,10 @@
             <a:p>
               <a:pPr algn="ctr"/>
               <a:r>
-                <a:rPr lang="en-US" dirty="0"/>
+                <a:rPr lang="en-US" b="1" dirty="0"/>
                 <a:t>Retrieved contexts</a:t>
               </a:r>
-              <a:endParaRPr lang="fa-IR" dirty="0"/>
+              <a:endParaRPr lang="fa-IR" b="1" dirty="0"/>
             </a:p>
           </p:txBody>
         </p:sp>
@@ -16365,72 +16424,18 @@
           <a:p>
             <a:pPr algn="ctr"/>
             <a:r>
-              <a:rPr lang="en-US" dirty="0">
+              <a:rPr lang="en-US" b="1" dirty="0">
                 <a:solidFill>
                   <a:schemeClr val="tx1"/>
                 </a:solidFill>
               </a:rPr>
               <a:t>User query</a:t>
             </a:r>
-            <a:endParaRPr lang="fa-IR" dirty="0">
+            <a:endParaRPr lang="fa-IR" b="1" dirty="0">
               <a:solidFill>
                 <a:schemeClr val="tx1"/>
               </a:solidFill>
             </a:endParaRPr>
-          </a:p>
-        </p:txBody>
-      </p:sp>
-      <p:sp>
-        <p:nvSpPr>
-          <p:cNvPr id="40" name="Arrow: Right 39">
-            <a:extLst>
-              <a:ext uri="{FF2B5EF4-FFF2-40B4-BE49-F238E27FC236}">
-                <a16:creationId xmlns:a16="http://schemas.microsoft.com/office/drawing/2014/main" id="{9692C625-027B-5A93-F37C-56583E07D0A4}"/>
-              </a:ext>
-            </a:extLst>
-          </p:cNvPr>
-          <p:cNvSpPr/>
-          <p:nvPr/>
-        </p:nvSpPr>
-        <p:spPr>
-          <a:xfrm>
-            <a:off x="3193504" y="5012248"/>
-            <a:ext cx="1310576" cy="388648"/>
-          </a:xfrm>
-          <a:prstGeom prst="rightArrow">
-            <a:avLst/>
-          </a:prstGeom>
-          <a:solidFill>
-            <a:schemeClr val="accent4">
-              <a:lumMod val="75000"/>
-            </a:schemeClr>
-          </a:solidFill>
-          <a:ln>
-            <a:noFill/>
-          </a:ln>
-        </p:spPr>
-        <p:style>
-          <a:lnRef idx="2">
-            <a:schemeClr val="accent1">
-              <a:shade val="15000"/>
-            </a:schemeClr>
-          </a:lnRef>
-          <a:fillRef idx="1">
-            <a:schemeClr val="accent1"/>
-          </a:fillRef>
-          <a:effectRef idx="0">
-            <a:schemeClr val="accent1"/>
-          </a:effectRef>
-          <a:fontRef idx="minor">
-            <a:schemeClr val="lt1"/>
-          </a:fontRef>
-        </p:style>
-        <p:txBody>
-          <a:bodyPr rtlCol="1" anchor="ctr"/>
-          <a:lstStyle/>
-          <a:p>
-            <a:pPr algn="ctr"/>
-            <a:endParaRPr lang="fa-IR"/>
           </a:p>
         </p:txBody>
       </p:sp>
@@ -16563,7 +16568,7 @@
         </p:nvSpPr>
         <p:spPr>
           <a:xfrm>
-            <a:off x="7860145" y="421735"/>
+            <a:off x="7948541" y="333281"/>
             <a:ext cx="3851565" cy="523220"/>
           </a:xfrm>
           <a:prstGeom prst="rect">
@@ -16580,23 +16585,43 @@
             <a:pPr algn="r" rtl="1"/>
             <a:r>
               <a:rPr lang="fa-IR" sz="2800" b="1" dirty="0" err="1">
+                <a:solidFill>
+                  <a:schemeClr val="accent5">
+                    <a:lumMod val="75000"/>
+                  </a:schemeClr>
+                </a:solidFill>
                 <a:cs typeface="B Nazanin" panose="00000400000000000000" pitchFamily="2" charset="-78"/>
               </a:rPr>
               <a:t>شِمای</a:t>
             </a:r>
             <a:r>
               <a:rPr lang="fa-IR" sz="2800" b="1" dirty="0">
+                <a:solidFill>
+                  <a:schemeClr val="accent5">
+                    <a:lumMod val="75000"/>
+                  </a:schemeClr>
+                </a:solidFill>
                 <a:cs typeface="B Nazanin" panose="00000400000000000000" pitchFamily="2" charset="-78"/>
               </a:rPr>
               <a:t> کلی فرآیند </a:t>
             </a:r>
             <a:r>
               <a:rPr lang="en-US" sz="2800" b="1" dirty="0">
+                <a:solidFill>
+                  <a:schemeClr val="accent5">
+                    <a:lumMod val="75000"/>
+                  </a:schemeClr>
+                </a:solidFill>
                 <a:cs typeface="B Nazanin" panose="00000400000000000000" pitchFamily="2" charset="-78"/>
               </a:rPr>
               <a:t>RAG</a:t>
             </a:r>
             <a:endParaRPr lang="fa-IR" sz="2800" b="1" dirty="0">
+              <a:solidFill>
+                <a:schemeClr val="accent5">
+                  <a:lumMod val="75000"/>
+                </a:schemeClr>
+              </a:solidFill>
               <a:cs typeface="B Nazanin" panose="00000400000000000000" pitchFamily="2" charset="-78"/>
             </a:endParaRPr>
           </a:p>
@@ -16616,7 +16641,7 @@
         </p:nvGrpSpPr>
         <p:grpSpPr>
           <a:xfrm>
-            <a:off x="6713547" y="4411114"/>
+            <a:off x="6331036" y="4175948"/>
             <a:ext cx="1525364" cy="1810796"/>
             <a:chOff x="6576755" y="4518907"/>
             <a:chExt cx="1525364" cy="1810796"/>
@@ -17014,7 +17039,7 @@
         </p:nvSpPr>
         <p:spPr>
           <a:xfrm>
-            <a:off x="6688267" y="3841131"/>
+            <a:off x="6331036" y="3646771"/>
             <a:ext cx="1591397" cy="584775"/>
           </a:xfrm>
           <a:prstGeom prst="rect">
@@ -17064,7 +17089,7 @@
         </p:nvSpPr>
         <p:spPr>
           <a:xfrm>
-            <a:off x="216906" y="5895126"/>
+            <a:off x="749747" y="5845997"/>
             <a:ext cx="3635961" cy="584775"/>
           </a:xfrm>
           <a:prstGeom prst="rect">
@@ -17262,6 +17287,88 @@
           </p:txBody>
         </p:sp>
       </p:grpSp>
+      <p:pic>
+        <p:nvPicPr>
+          <p:cNvPr id="33" name="Picture 32">
+            <a:extLst>
+              <a:ext uri="{FF2B5EF4-FFF2-40B4-BE49-F238E27FC236}">
+                <a16:creationId xmlns:a16="http://schemas.microsoft.com/office/drawing/2014/main" id="{1AC17729-C00B-69F4-0A02-2227AEE13DCC}"/>
+              </a:ext>
+            </a:extLst>
+          </p:cNvPr>
+          <p:cNvPicPr>
+            <a:picLocks noChangeAspect="1"/>
+          </p:cNvPicPr>
+          <p:nvPr/>
+        </p:nvPicPr>
+        <p:blipFill>
+          <a:blip r:embed="rId5">
+            <a:extLst>
+              <a:ext uri="{28A0092B-C50C-407E-A947-70E740481C1C}">
+                <a14:useLocalDpi xmlns:a14="http://schemas.microsoft.com/office/drawing/2010/main" val="0"/>
+              </a:ext>
+            </a:extLst>
+          </a:blip>
+          <a:stretch>
+            <a:fillRect/>
+          </a:stretch>
+        </p:blipFill>
+        <p:spPr>
+          <a:xfrm>
+            <a:off x="4816210" y="4432709"/>
+            <a:ext cx="1629042" cy="1629042"/>
+          </a:xfrm>
+          <a:prstGeom prst="rect">
+            <a:avLst/>
+          </a:prstGeom>
+        </p:spPr>
+      </p:pic>
+      <p:sp>
+        <p:nvSpPr>
+          <p:cNvPr id="36" name="TextBox 35">
+            <a:extLst>
+              <a:ext uri="{FF2B5EF4-FFF2-40B4-BE49-F238E27FC236}">
+                <a16:creationId xmlns:a16="http://schemas.microsoft.com/office/drawing/2014/main" id="{0FDD27A9-B517-22E9-70D7-969CCC686F6F}"/>
+              </a:ext>
+            </a:extLst>
+          </p:cNvPr>
+          <p:cNvSpPr txBox="1"/>
+          <p:nvPr/>
+        </p:nvSpPr>
+        <p:spPr>
+          <a:xfrm>
+            <a:off x="4759352" y="6016740"/>
+            <a:ext cx="1742758" cy="646331"/>
+          </a:xfrm>
+          <a:prstGeom prst="rect">
+            <a:avLst/>
+          </a:prstGeom>
+          <a:noFill/>
+        </p:spPr>
+        <p:txBody>
+          <a:bodyPr wrap="square">
+            <a:spAutoFit/>
+          </a:bodyPr>
+          <a:lstStyle/>
+          <a:p>
+            <a:pPr algn="ctr"/>
+            <a:r>
+              <a:rPr lang="fa-IR" b="1" dirty="0">
+                <a:cs typeface="B Nazanin" panose="00000400000000000000" pitchFamily="2" charset="-78"/>
+              </a:rPr>
+              <a:t>پایگاه داده برداری</a:t>
+            </a:r>
+          </a:p>
+          <a:p>
+            <a:pPr algn="ctr"/>
+            <a:r>
+              <a:rPr lang="en-US" b="1" dirty="0"/>
+              <a:t>Vector Database</a:t>
+            </a:r>
+            <a:endParaRPr lang="fa-IR" b="1" dirty="0"/>
+          </a:p>
+        </p:txBody>
+      </p:sp>
     </p:spTree>
     <p:extLst>
       <p:ext uri="{BB962C8B-B14F-4D97-AF65-F5344CB8AC3E}">

--- a/RAG.pptx
+++ b/RAG.pptx
@@ -15422,7 +15422,7 @@
         </p:nvSpPr>
         <p:spPr>
           <a:xfrm>
-            <a:off x="10317042" y="4252505"/>
+            <a:off x="10244907" y="4246800"/>
             <a:ext cx="1776811" cy="723275"/>
           </a:xfrm>
           <a:prstGeom prst="rect">

--- a/RAG.pptx
+++ b/RAG.pptx
@@ -15443,6 +15443,11 @@
             </a:pPr>
             <a:r>
               <a:rPr lang="fa-IR" b="1" dirty="0">
+                <a:solidFill>
+                  <a:schemeClr val="accent5">
+                    <a:lumMod val="50000"/>
+                  </a:schemeClr>
+                </a:solidFill>
                 <a:cs typeface="B Nazanin" panose="00000400000000000000" pitchFamily="2" charset="-78"/>
               </a:rPr>
               <a:t>پایگاه داده برداری</a:t>
@@ -15455,10 +15460,22 @@
               </a:spcBef>
             </a:pPr>
             <a:r>
-              <a:rPr lang="en-US" b="1" dirty="0"/>
+              <a:rPr lang="en-US" b="1" dirty="0">
+                <a:solidFill>
+                  <a:schemeClr val="accent5">
+                    <a:lumMod val="50000"/>
+                  </a:schemeClr>
+                </a:solidFill>
+              </a:rPr>
               <a:t>Vector Database</a:t>
             </a:r>
-            <a:endParaRPr lang="fa-IR" b="1" dirty="0"/>
+            <a:endParaRPr lang="fa-IR" b="1" dirty="0">
+              <a:solidFill>
+                <a:schemeClr val="accent5">
+                  <a:lumMod val="50000"/>
+                </a:schemeClr>
+              </a:solidFill>
+            </a:endParaRPr>
           </a:p>
         </p:txBody>
       </p:sp>
@@ -17354,6 +17371,11 @@
             <a:pPr algn="ctr"/>
             <a:r>
               <a:rPr lang="fa-IR" b="1" dirty="0">
+                <a:solidFill>
+                  <a:schemeClr val="accent5">
+                    <a:lumMod val="50000"/>
+                  </a:schemeClr>
+                </a:solidFill>
                 <a:cs typeface="B Nazanin" panose="00000400000000000000" pitchFamily="2" charset="-78"/>
               </a:rPr>
               <a:t>پایگاه داده برداری</a:t>
@@ -17362,10 +17384,22 @@
           <a:p>
             <a:pPr algn="ctr"/>
             <a:r>
-              <a:rPr lang="en-US" b="1" dirty="0"/>
+              <a:rPr lang="en-US" b="1" dirty="0">
+                <a:solidFill>
+                  <a:schemeClr val="accent5">
+                    <a:lumMod val="50000"/>
+                  </a:schemeClr>
+                </a:solidFill>
+              </a:rPr>
               <a:t>Vector Database</a:t>
             </a:r>
-            <a:endParaRPr lang="fa-IR" b="1" dirty="0"/>
+            <a:endParaRPr lang="fa-IR" b="1" dirty="0">
+              <a:solidFill>
+                <a:schemeClr val="accent5">
+                  <a:lumMod val="50000"/>
+                </a:schemeClr>
+              </a:solidFill>
+            </a:endParaRPr>
           </a:p>
         </p:txBody>
       </p:sp>

--- a/RAG.pptx
+++ b/RAG.pptx
@@ -15021,7 +15021,7 @@
                     <a:schemeClr val="tx1"/>
                   </a:solidFill>
                 </a:rPr>
-                <a:t>[ 0.71   0.42   0.25   0.23 …  0.87]</a:t>
+                <a:t>[ 0.71   0.42   0.25   0.23 …  0.79]</a:t>
               </a:r>
               <a:endParaRPr lang="fa-IR" sz="1600" dirty="0">
                 <a:solidFill>
@@ -15109,7 +15109,7 @@
                     <a:schemeClr val="tx1"/>
                   </a:solidFill>
                 </a:rPr>
-                <a:t>[ 0.21   0.68   0.26   0.09 …  0.87]</a:t>
+                <a:t>[ 0.21   0.68   0.26   0.09 …  0.65]</a:t>
               </a:r>
               <a:endParaRPr lang="fa-IR" sz="1600" dirty="0">
                 <a:solidFill>
@@ -15197,7 +15197,7 @@
                     <a:schemeClr val="tx1"/>
                   </a:solidFill>
                 </a:rPr>
-                <a:t>[ 0.39   0.13   0.48   0.77 …  0.87]</a:t>
+                <a:t>[ 0.39   0.13   0.48   0.77 …  0.37]</a:t>
               </a:r>
               <a:endParaRPr lang="fa-IR" sz="1600" dirty="0">
                 <a:solidFill>

--- a/RAG.pptx
+++ b/RAG.pptx
@@ -5,25 +5,22 @@
     <p:sldMasterId id="2147483648" r:id="rId1"/>
   </p:sldMasterIdLst>
   <p:notesMasterIdLst>
-    <p:notesMasterId r:id="rId18"/>
+    <p:notesMasterId r:id="rId15"/>
   </p:notesMasterIdLst>
   <p:sldIdLst>
-    <p:sldId id="256" r:id="rId2"/>
-    <p:sldId id="257" r:id="rId3"/>
-    <p:sldId id="266" r:id="rId4"/>
-    <p:sldId id="258" r:id="rId5"/>
-    <p:sldId id="260" r:id="rId6"/>
-    <p:sldId id="271" r:id="rId7"/>
-    <p:sldId id="269" r:id="rId8"/>
-    <p:sldId id="272" r:id="rId9"/>
-    <p:sldId id="261" r:id="rId10"/>
-    <p:sldId id="270" r:id="rId11"/>
-    <p:sldId id="268" r:id="rId12"/>
-    <p:sldId id="262" r:id="rId13"/>
-    <p:sldId id="263" r:id="rId14"/>
-    <p:sldId id="264" r:id="rId15"/>
-    <p:sldId id="265" r:id="rId16"/>
-    <p:sldId id="259" r:id="rId17"/>
+    <p:sldId id="257" r:id="rId2"/>
+    <p:sldId id="266" r:id="rId3"/>
+    <p:sldId id="258" r:id="rId4"/>
+    <p:sldId id="260" r:id="rId5"/>
+    <p:sldId id="271" r:id="rId6"/>
+    <p:sldId id="269" r:id="rId7"/>
+    <p:sldId id="272" r:id="rId8"/>
+    <p:sldId id="261" r:id="rId9"/>
+    <p:sldId id="270" r:id="rId10"/>
+    <p:sldId id="263" r:id="rId11"/>
+    <p:sldId id="264" r:id="rId12"/>
+    <p:sldId id="265" r:id="rId13"/>
+    <p:sldId id="259" r:id="rId14"/>
   </p:sldIdLst>
   <p:sldSz cx="12192000" cy="6858000"/>
   <p:notesSz cx="6858000" cy="9144000"/>
@@ -5564,7 +5561,7 @@
           <a:p>
             <a:fld id="{B1A1FC86-6D43-4743-9C66-42764E3FFE4E}" type="slidenum">
               <a:rPr lang="fa-IR" smtClean="0"/>
-              <a:t>4</a:t>
+              <a:t>3</a:t>
             </a:fld>
             <a:endParaRPr lang="fa-IR"/>
           </a:p>
@@ -5648,7 +5645,7 @@
           <a:p>
             <a:fld id="{B1A1FC86-6D43-4743-9C66-42764E3FFE4E}" type="slidenum">
               <a:rPr lang="fa-IR" smtClean="0"/>
-              <a:t>6</a:t>
+              <a:t>5</a:t>
             </a:fld>
             <a:endParaRPr lang="fa-IR"/>
           </a:p>
@@ -5732,7 +5729,7 @@
           <a:p>
             <a:fld id="{B1A1FC86-6D43-4743-9C66-42764E3FFE4E}" type="slidenum">
               <a:rPr lang="fa-IR" smtClean="0"/>
-              <a:t>7</a:t>
+              <a:t>6</a:t>
             </a:fld>
             <a:endParaRPr lang="fa-IR"/>
           </a:p>
@@ -5816,7 +5813,7 @@
           <a:p>
             <a:fld id="{B1A1FC86-6D43-4743-9C66-42764E3FFE4E}" type="slidenum">
               <a:rPr lang="fa-IR" smtClean="0"/>
-              <a:t>9</a:t>
+              <a:t>8</a:t>
             </a:fld>
             <a:endParaRPr lang="fa-IR"/>
           </a:p>
@@ -5900,7 +5897,7 @@
           <a:p>
             <a:fld id="{B1A1FC86-6D43-4743-9C66-42764E3FFE4E}" type="slidenum">
               <a:rPr lang="fa-IR" smtClean="0"/>
-              <a:t>10</a:t>
+              <a:t>9</a:t>
             </a:fld>
             <a:endParaRPr lang="fa-IR"/>
           </a:p>
@@ -9159,235 +9156,7 @@
           <p:cNvPr id="2" name="Title 1">
             <a:extLst>
               <a:ext uri="{FF2B5EF4-FFF2-40B4-BE49-F238E27FC236}">
-                <a16:creationId xmlns:a16="http://schemas.microsoft.com/office/drawing/2014/main" id="{B25D24C1-02E5-D959-1048-D50D1000E1A6}"/>
-              </a:ext>
-            </a:extLst>
-          </p:cNvPr>
-          <p:cNvSpPr>
-            <a:spLocks noGrp="1"/>
-          </p:cNvSpPr>
-          <p:nvPr>
-            <p:ph type="ctrTitle"/>
-          </p:nvPr>
-        </p:nvSpPr>
-        <p:spPr>
-          <a:xfrm>
-            <a:off x="1524000" y="396221"/>
-            <a:ext cx="9144000" cy="831943"/>
-          </a:xfrm>
-        </p:spPr>
-        <p:txBody>
-          <a:bodyPr>
-            <a:normAutofit fontScale="90000"/>
-          </a:bodyPr>
-          <a:lstStyle/>
-          <a:p>
-            <a:r>
-              <a:rPr lang="en-US" dirty="0"/>
-              <a:t>RAG</a:t>
-            </a:r>
-            <a:endParaRPr lang="fa-IR" dirty="0"/>
-          </a:p>
-        </p:txBody>
-      </p:sp>
-      <p:sp>
-        <p:nvSpPr>
-          <p:cNvPr id="3" name="Subtitle 2">
-            <a:extLst>
-              <a:ext uri="{FF2B5EF4-FFF2-40B4-BE49-F238E27FC236}">
-                <a16:creationId xmlns:a16="http://schemas.microsoft.com/office/drawing/2014/main" id="{705C100C-1CBC-2D96-6416-B45A5AFF180F}"/>
-              </a:ext>
-            </a:extLst>
-          </p:cNvPr>
-          <p:cNvSpPr>
-            <a:spLocks noGrp="1"/>
-          </p:cNvSpPr>
-          <p:nvPr>
-            <p:ph type="subTitle" idx="1"/>
-          </p:nvPr>
-        </p:nvSpPr>
-        <p:spPr>
-          <a:xfrm>
-            <a:off x="1407458" y="2413281"/>
-            <a:ext cx="9144000" cy="521727"/>
-          </a:xfrm>
-        </p:spPr>
-        <p:txBody>
-          <a:bodyPr/>
-          <a:lstStyle/>
-          <a:p>
-            <a:r>
-              <a:rPr lang="en-US" b="0" i="0" dirty="0">
-                <a:solidFill>
-                  <a:srgbClr val="4B4F58"/>
-                </a:solidFill>
-                <a:effectLst/>
-                <a:latin typeface="lists-font"/>
-              </a:rPr>
-              <a:t>Retrieval-Augmented Generation</a:t>
-            </a:r>
-            <a:endParaRPr lang="fa-IR" dirty="0"/>
-          </a:p>
-        </p:txBody>
-      </p:sp>
-      <p:sp>
-        <p:nvSpPr>
-          <p:cNvPr id="5" name="Title 1">
-            <a:extLst>
-              <a:ext uri="{FF2B5EF4-FFF2-40B4-BE49-F238E27FC236}">
-                <a16:creationId xmlns:a16="http://schemas.microsoft.com/office/drawing/2014/main" id="{D5B90CAB-F0F4-F1F4-2F22-A3227EFB4176}"/>
-              </a:ext>
-            </a:extLst>
-          </p:cNvPr>
-          <p:cNvSpPr txBox="1">
-            <a:spLocks/>
-          </p:cNvSpPr>
-          <p:nvPr/>
-        </p:nvSpPr>
-        <p:spPr>
-          <a:xfrm>
-            <a:off x="1524000" y="1228164"/>
-            <a:ext cx="9144000" cy="762001"/>
-          </a:xfrm>
-          <a:prstGeom prst="rect">
-            <a:avLst/>
-          </a:prstGeom>
-        </p:spPr>
-        <p:txBody>
-          <a:bodyPr vert="horz" lIns="91440" tIns="45720" rIns="91440" bIns="45720" rtlCol="0" anchor="b">
-            <a:normAutofit fontScale="60000" lnSpcReduction="20000"/>
-          </a:bodyPr>
-          <a:lstStyle>
-            <a:lvl1pPr algn="ctr" defTabSz="914400" rtl="0" eaLnBrk="1" latinLnBrk="0" hangingPunct="1">
-              <a:lnSpc>
-                <a:spcPct val="90000"/>
-              </a:lnSpc>
-              <a:spcBef>
-                <a:spcPct val="0"/>
-              </a:spcBef>
-              <a:buNone/>
-              <a:defRPr sz="6000" kern="1200">
-                <a:solidFill>
-                  <a:schemeClr val="tx1"/>
-                </a:solidFill>
-                <a:latin typeface="+mj-lt"/>
-                <a:ea typeface="+mj-ea"/>
-                <a:cs typeface="+mj-cs"/>
-              </a:defRPr>
-            </a:lvl1pPr>
-          </a:lstStyle>
-          <a:p>
-            <a:r>
-              <a:rPr lang="fa-IR" dirty="0"/>
-              <a:t>تولید پاسخ توسط مدل زبانی با تکنیک تقویت زمینه دانشی </a:t>
-            </a:r>
-          </a:p>
-        </p:txBody>
-      </p:sp>
-      <p:sp>
-        <p:nvSpPr>
-          <p:cNvPr id="6" name="Title 1">
-            <a:extLst>
-              <a:ext uri="{FF2B5EF4-FFF2-40B4-BE49-F238E27FC236}">
-                <a16:creationId xmlns:a16="http://schemas.microsoft.com/office/drawing/2014/main" id="{D07E24E0-2EFC-7FCF-A5F9-43E02F8DC4B0}"/>
-              </a:ext>
-            </a:extLst>
-          </p:cNvPr>
-          <p:cNvSpPr txBox="1">
-            <a:spLocks/>
-          </p:cNvSpPr>
-          <p:nvPr/>
-        </p:nvSpPr>
-        <p:spPr>
-          <a:xfrm>
-            <a:off x="1407458" y="3541992"/>
-            <a:ext cx="9144000" cy="653490"/>
-          </a:xfrm>
-          <a:prstGeom prst="rect">
-            <a:avLst/>
-          </a:prstGeom>
-        </p:spPr>
-        <p:txBody>
-          <a:bodyPr vert="horz" lIns="91440" tIns="45720" rIns="91440" bIns="45720" rtlCol="0" anchor="b">
-            <a:normAutofit fontScale="40000" lnSpcReduction="20000"/>
-          </a:bodyPr>
-          <a:lstStyle>
-            <a:lvl1pPr algn="ctr" defTabSz="914400" rtl="0" eaLnBrk="1" latinLnBrk="0" hangingPunct="1">
-              <a:lnSpc>
-                <a:spcPct val="90000"/>
-              </a:lnSpc>
-              <a:spcBef>
-                <a:spcPct val="0"/>
-              </a:spcBef>
-              <a:buNone/>
-              <a:defRPr sz="6000" kern="1200">
-                <a:solidFill>
-                  <a:schemeClr val="tx1"/>
-                </a:solidFill>
-                <a:latin typeface="+mj-lt"/>
-                <a:ea typeface="+mj-ea"/>
-                <a:cs typeface="+mj-cs"/>
-              </a:defRPr>
-            </a:lvl1pPr>
-          </a:lstStyle>
-          <a:p>
-            <a:r>
-              <a:rPr lang="fa-IR" dirty="0"/>
-              <a:t>تقویت کیفیت پاسخ مدل زبانی با ضمیمه کردن دانش </a:t>
-            </a:r>
-            <a:r>
-              <a:rPr lang="fa-IR" dirty="0" err="1"/>
-              <a:t>واطلاعات</a:t>
-            </a:r>
-            <a:r>
-              <a:rPr lang="fa-IR" dirty="0"/>
-              <a:t> مرتبط با سوال به ورودی مدل زبانی</a:t>
-            </a:r>
-          </a:p>
-        </p:txBody>
-      </p:sp>
-    </p:spTree>
-    <p:extLst>
-      <p:ext uri="{BB962C8B-B14F-4D97-AF65-F5344CB8AC3E}">
-        <p14:creationId xmlns:p14="http://schemas.microsoft.com/office/powerpoint/2010/main" val="6699075"/>
-      </p:ext>
-    </p:extLst>
-  </p:cSld>
-  <p:clrMapOvr>
-    <a:masterClrMapping/>
-  </p:clrMapOvr>
-</p:sld>
-</file>
-
-<file path=ppt/slides/slide10.xml><?xml version="1.0" encoding="utf-8"?>
-<p:sld xmlns:a="http://schemas.openxmlformats.org/drawingml/2006/main" xmlns:r="http://schemas.openxmlformats.org/officeDocument/2006/relationships" xmlns:p="http://schemas.openxmlformats.org/presentationml/2006/main">
-  <p:cSld>
-    <p:spTree>
-      <p:nvGrpSpPr>
-        <p:cNvPr id="1" name="">
-          <a:extLst>
-            <a:ext uri="{FF2B5EF4-FFF2-40B4-BE49-F238E27FC236}">
-              <a16:creationId xmlns:a16="http://schemas.microsoft.com/office/drawing/2014/main" id="{272AB6C1-B27D-8A14-DA33-11A17B57AD6B}"/>
-            </a:ext>
-          </a:extLst>
-        </p:cNvPr>
-        <p:cNvGrpSpPr/>
-        <p:nvPr/>
-      </p:nvGrpSpPr>
-      <p:grpSpPr>
-        <a:xfrm>
-          <a:off x="0" y="0"/>
-          <a:ext cx="0" cy="0"/>
-          <a:chOff x="0" y="0"/>
-          <a:chExt cx="0" cy="0"/>
-        </a:xfrm>
-      </p:grpSpPr>
-      <p:sp>
-        <p:nvSpPr>
-          <p:cNvPr id="2" name="Title 1">
-            <a:extLst>
-              <a:ext uri="{FF2B5EF4-FFF2-40B4-BE49-F238E27FC236}">
-                <a16:creationId xmlns:a16="http://schemas.microsoft.com/office/drawing/2014/main" id="{056D92D2-C91B-9937-1162-C9FA0927486D}"/>
+                <a16:creationId xmlns:a16="http://schemas.microsoft.com/office/drawing/2014/main" id="{B588F0C2-4F12-0338-F2F0-9E31DFDC5AF7}"/>
               </a:ext>
             </a:extLst>
           </p:cNvPr>
@@ -9400,608 +9169,17 @@
         </p:nvSpPr>
         <p:spPr>
           <a:xfrm>
-            <a:off x="998104" y="389602"/>
-            <a:ext cx="10515600" cy="1325563"/>
+            <a:off x="416859" y="274872"/>
+            <a:ext cx="11300012" cy="940687"/>
           </a:xfrm>
         </p:spPr>
         <p:txBody>
           <a:bodyPr/>
           <a:lstStyle/>
           <a:p>
-            <a:pPr algn="r" rtl="1"/>
-            <a:r>
-              <a:rPr lang="fa-IR" b="1" dirty="0">
-                <a:cs typeface="B Nazanin" panose="00000400000000000000" pitchFamily="2" charset="-78"/>
-              </a:rPr>
-              <a:t>چرا </a:t>
-            </a:r>
-            <a:r>
-              <a:rPr lang="en-US" sz="3600" b="1" dirty="0">
-                <a:latin typeface="Arial Black" panose="020B0A04020102020204" pitchFamily="34" charset="0"/>
-              </a:rPr>
-              <a:t>RAG</a:t>
-            </a:r>
-            <a:r>
-              <a:rPr lang="fa-IR" sz="3600" b="1" dirty="0">
-                <a:latin typeface="Arial Black" panose="020B0A04020102020204" pitchFamily="34" charset="0"/>
-              </a:rPr>
-              <a:t> </a:t>
-            </a:r>
-            <a:r>
-              <a:rPr lang="fa-IR" b="1" dirty="0">
-                <a:latin typeface="Arial Black" panose="020B0A04020102020204" pitchFamily="34" charset="0"/>
-                <a:cs typeface="B Roya" panose="00000400000000000000" pitchFamily="2" charset="-78"/>
-              </a:rPr>
-              <a:t>؟</a:t>
-            </a:r>
-          </a:p>
-        </p:txBody>
-      </p:sp>
-      <p:graphicFrame>
-        <p:nvGraphicFramePr>
-          <p:cNvPr id="6" name="Content Placeholder 5">
-            <a:extLst>
-              <a:ext uri="{FF2B5EF4-FFF2-40B4-BE49-F238E27FC236}">
-                <a16:creationId xmlns:a16="http://schemas.microsoft.com/office/drawing/2014/main" id="{AD505F06-E5C9-19CF-09EF-31F4B01C678D}"/>
-              </a:ext>
-            </a:extLst>
-          </p:cNvPr>
-          <p:cNvGraphicFramePr>
-            <a:graphicFrameLocks noGrp="1"/>
-          </p:cNvGraphicFramePr>
-          <p:nvPr>
-            <p:ph idx="1"/>
-            <p:extLst>
-              <p:ext uri="{D42A27DB-BD31-4B8C-83A1-F6EECF244321}">
-                <p14:modId xmlns:p14="http://schemas.microsoft.com/office/powerpoint/2010/main" val="1166548578"/>
-              </p:ext>
-            </p:extLst>
-          </p:nvPr>
-        </p:nvGraphicFramePr>
-        <p:xfrm>
-          <a:off x="5445417" y="1598324"/>
-          <a:ext cx="1799355" cy="1958108"/>
-        </p:xfrm>
-        <a:graphic>
-          <a:graphicData uri="http://schemas.openxmlformats.org/drawingml/2006/diagram">
-            <dgm:relIds xmlns:dgm="http://schemas.openxmlformats.org/drawingml/2006/diagram" xmlns:r="http://schemas.openxmlformats.org/officeDocument/2006/relationships" r:dm="rId3" r:lo="rId4" r:qs="rId5" r:cs="rId6"/>
-          </a:graphicData>
-        </a:graphic>
-      </p:graphicFrame>
-      <p:sp>
-        <p:nvSpPr>
-          <p:cNvPr id="8" name="Content Placeholder 2">
-            <a:extLst>
-              <a:ext uri="{FF2B5EF4-FFF2-40B4-BE49-F238E27FC236}">
-                <a16:creationId xmlns:a16="http://schemas.microsoft.com/office/drawing/2014/main" id="{B6F48053-AED1-D9DB-FA80-0FB8CA66158E}"/>
-              </a:ext>
-            </a:extLst>
-          </p:cNvPr>
-          <p:cNvSpPr txBox="1">
-            <a:spLocks/>
-          </p:cNvSpPr>
-          <p:nvPr/>
-        </p:nvSpPr>
-        <p:spPr>
-          <a:xfrm>
-            <a:off x="1231900" y="1690688"/>
-            <a:ext cx="10515600" cy="4608139"/>
-          </a:xfrm>
-          <a:prstGeom prst="rect">
-            <a:avLst/>
-          </a:prstGeom>
-        </p:spPr>
-        <p:txBody>
-          <a:bodyPr vert="horz" lIns="91440" tIns="45720" rIns="91440" bIns="45720" rtlCol="0">
-            <a:normAutofit fontScale="92500" lnSpcReduction="10000"/>
-          </a:bodyPr>
-          <a:lstStyle>
-            <a:lvl1pPr marL="228600" indent="-228600" algn="l" defTabSz="914400" rtl="0" eaLnBrk="1" latinLnBrk="0" hangingPunct="1">
-              <a:lnSpc>
-                <a:spcPct val="90000"/>
-              </a:lnSpc>
-              <a:spcBef>
-                <a:spcPts val="1000"/>
-              </a:spcBef>
-              <a:buFont typeface="Arial" panose="020B0604020202020204" pitchFamily="34" charset="0"/>
-              <a:buChar char="•"/>
-              <a:defRPr sz="2800" kern="1200">
-                <a:solidFill>
-                  <a:schemeClr val="tx1"/>
-                </a:solidFill>
-                <a:latin typeface="+mn-lt"/>
-                <a:ea typeface="+mn-ea"/>
-                <a:cs typeface="+mn-cs"/>
-              </a:defRPr>
-            </a:lvl1pPr>
-            <a:lvl2pPr marL="685800" indent="-228600" algn="l" defTabSz="914400" rtl="0" eaLnBrk="1" latinLnBrk="0" hangingPunct="1">
-              <a:lnSpc>
-                <a:spcPct val="90000"/>
-              </a:lnSpc>
-              <a:spcBef>
-                <a:spcPts val="500"/>
-              </a:spcBef>
-              <a:buFont typeface="Arial" panose="020B0604020202020204" pitchFamily="34" charset="0"/>
-              <a:buChar char="•"/>
-              <a:defRPr sz="2400" kern="1200">
-                <a:solidFill>
-                  <a:schemeClr val="tx1"/>
-                </a:solidFill>
-                <a:latin typeface="+mn-lt"/>
-                <a:ea typeface="+mn-ea"/>
-                <a:cs typeface="+mn-cs"/>
-              </a:defRPr>
-            </a:lvl2pPr>
-            <a:lvl3pPr marL="1143000" indent="-228600" algn="l" defTabSz="914400" rtl="0" eaLnBrk="1" latinLnBrk="0" hangingPunct="1">
-              <a:lnSpc>
-                <a:spcPct val="90000"/>
-              </a:lnSpc>
-              <a:spcBef>
-                <a:spcPts val="500"/>
-              </a:spcBef>
-              <a:buFont typeface="Arial" panose="020B0604020202020204" pitchFamily="34" charset="0"/>
-              <a:buChar char="•"/>
-              <a:defRPr sz="2000" kern="1200">
-                <a:solidFill>
-                  <a:schemeClr val="tx1"/>
-                </a:solidFill>
-                <a:latin typeface="+mn-lt"/>
-                <a:ea typeface="+mn-ea"/>
-                <a:cs typeface="+mn-cs"/>
-              </a:defRPr>
-            </a:lvl3pPr>
-            <a:lvl4pPr marL="1600200" indent="-228600" algn="l" defTabSz="914400" rtl="0" eaLnBrk="1" latinLnBrk="0" hangingPunct="1">
-              <a:lnSpc>
-                <a:spcPct val="90000"/>
-              </a:lnSpc>
-              <a:spcBef>
-                <a:spcPts val="500"/>
-              </a:spcBef>
-              <a:buFont typeface="Arial" panose="020B0604020202020204" pitchFamily="34" charset="0"/>
-              <a:buChar char="•"/>
-              <a:defRPr sz="1800" kern="1200">
-                <a:solidFill>
-                  <a:schemeClr val="tx1"/>
-                </a:solidFill>
-                <a:latin typeface="+mn-lt"/>
-                <a:ea typeface="+mn-ea"/>
-                <a:cs typeface="+mn-cs"/>
-              </a:defRPr>
-            </a:lvl4pPr>
-            <a:lvl5pPr marL="2057400" indent="-228600" algn="l" defTabSz="914400" rtl="0" eaLnBrk="1" latinLnBrk="0" hangingPunct="1">
-              <a:lnSpc>
-                <a:spcPct val="90000"/>
-              </a:lnSpc>
-              <a:spcBef>
-                <a:spcPts val="500"/>
-              </a:spcBef>
-              <a:buFont typeface="Arial" panose="020B0604020202020204" pitchFamily="34" charset="0"/>
-              <a:buChar char="•"/>
-              <a:defRPr sz="1800" kern="1200">
-                <a:solidFill>
-                  <a:schemeClr val="tx1"/>
-                </a:solidFill>
-                <a:latin typeface="+mn-lt"/>
-                <a:ea typeface="+mn-ea"/>
-                <a:cs typeface="+mn-cs"/>
-              </a:defRPr>
-            </a:lvl5pPr>
-            <a:lvl6pPr marL="2514600" indent="-228600" algn="l" defTabSz="914400" rtl="0" eaLnBrk="1" latinLnBrk="0" hangingPunct="1">
-              <a:lnSpc>
-                <a:spcPct val="90000"/>
-              </a:lnSpc>
-              <a:spcBef>
-                <a:spcPts val="500"/>
-              </a:spcBef>
-              <a:buFont typeface="Arial" panose="020B0604020202020204" pitchFamily="34" charset="0"/>
-              <a:buChar char="•"/>
-              <a:defRPr sz="1800" kern="1200">
-                <a:solidFill>
-                  <a:schemeClr val="tx1"/>
-                </a:solidFill>
-                <a:latin typeface="+mn-lt"/>
-                <a:ea typeface="+mn-ea"/>
-                <a:cs typeface="+mn-cs"/>
-              </a:defRPr>
-            </a:lvl6pPr>
-            <a:lvl7pPr marL="2971800" indent="-228600" algn="l" defTabSz="914400" rtl="0" eaLnBrk="1" latinLnBrk="0" hangingPunct="1">
-              <a:lnSpc>
-                <a:spcPct val="90000"/>
-              </a:lnSpc>
-              <a:spcBef>
-                <a:spcPts val="500"/>
-              </a:spcBef>
-              <a:buFont typeface="Arial" panose="020B0604020202020204" pitchFamily="34" charset="0"/>
-              <a:buChar char="•"/>
-              <a:defRPr sz="1800" kern="1200">
-                <a:solidFill>
-                  <a:schemeClr val="tx1"/>
-                </a:solidFill>
-                <a:latin typeface="+mn-lt"/>
-                <a:ea typeface="+mn-ea"/>
-                <a:cs typeface="+mn-cs"/>
-              </a:defRPr>
-            </a:lvl7pPr>
-            <a:lvl8pPr marL="3429000" indent="-228600" algn="l" defTabSz="914400" rtl="0" eaLnBrk="1" latinLnBrk="0" hangingPunct="1">
-              <a:lnSpc>
-                <a:spcPct val="90000"/>
-              </a:lnSpc>
-              <a:spcBef>
-                <a:spcPts val="500"/>
-              </a:spcBef>
-              <a:buFont typeface="Arial" panose="020B0604020202020204" pitchFamily="34" charset="0"/>
-              <a:buChar char="•"/>
-              <a:defRPr sz="1800" kern="1200">
-                <a:solidFill>
-                  <a:schemeClr val="tx1"/>
-                </a:solidFill>
-                <a:latin typeface="+mn-lt"/>
-                <a:ea typeface="+mn-ea"/>
-                <a:cs typeface="+mn-cs"/>
-              </a:defRPr>
-            </a:lvl8pPr>
-            <a:lvl9pPr marL="3886200" indent="-228600" algn="l" defTabSz="914400" rtl="0" eaLnBrk="1" latinLnBrk="0" hangingPunct="1">
-              <a:lnSpc>
-                <a:spcPct val="90000"/>
-              </a:lnSpc>
-              <a:spcBef>
-                <a:spcPts val="500"/>
-              </a:spcBef>
-              <a:buFont typeface="Arial" panose="020B0604020202020204" pitchFamily="34" charset="0"/>
-              <a:buChar char="•"/>
-              <a:defRPr sz="1800" kern="1200">
-                <a:solidFill>
-                  <a:schemeClr val="tx1"/>
-                </a:solidFill>
-                <a:latin typeface="+mn-lt"/>
-                <a:ea typeface="+mn-ea"/>
-                <a:cs typeface="+mn-cs"/>
-              </a:defRPr>
-            </a:lvl9pPr>
-          </a:lstStyle>
-          <a:p>
-            <a:pPr algn="r" rtl="1"/>
-            <a:endParaRPr lang="fa-IR" sz="2000" b="1" dirty="0">
-              <a:cs typeface="B Nazanin" panose="00000400000000000000" pitchFamily="2" charset="-78"/>
-            </a:endParaRPr>
-          </a:p>
-          <a:p>
-            <a:pPr algn="r" rtl="1"/>
-            <a:endParaRPr lang="fa-IR" sz="2000" b="1" dirty="0">
-              <a:cs typeface="B Nazanin" panose="00000400000000000000" pitchFamily="2" charset="-78"/>
-            </a:endParaRPr>
-          </a:p>
-          <a:p>
-            <a:pPr algn="r" rtl="1"/>
-            <a:r>
-              <a:rPr lang="fa-IR" sz="2000" b="1" dirty="0" err="1">
-                <a:cs typeface="B Nazanin" panose="00000400000000000000" pitchFamily="2" charset="-78"/>
-              </a:rPr>
-              <a:t>بهره‌مندی</a:t>
-            </a:r>
-            <a:r>
-              <a:rPr lang="fa-IR" sz="2000" b="1" dirty="0">
-                <a:cs typeface="B Nazanin" panose="00000400000000000000" pitchFamily="2" charset="-78"/>
-              </a:rPr>
-              <a:t> از قابلیت ‌های یک مدل زبانی پیشرفته</a:t>
-            </a:r>
-          </a:p>
-          <a:p>
-            <a:pPr algn="r" rtl="1"/>
-            <a:endParaRPr lang="fa-IR" sz="2000" b="1" dirty="0">
-              <a:cs typeface="B Nazanin" panose="00000400000000000000" pitchFamily="2" charset="-78"/>
-            </a:endParaRPr>
-          </a:p>
-          <a:p>
-            <a:pPr marL="0" indent="0" algn="r" rtl="1">
-              <a:buNone/>
-            </a:pPr>
-            <a:endParaRPr lang="fa-IR" sz="2000" b="1" dirty="0">
-              <a:cs typeface="B Nazanin" panose="00000400000000000000" pitchFamily="2" charset="-78"/>
-            </a:endParaRPr>
-          </a:p>
-          <a:p>
-            <a:pPr algn="r" rtl="1"/>
-            <a:r>
-              <a:rPr lang="fa-IR" sz="2000" b="1" dirty="0">
-                <a:cs typeface="B Nazanin" panose="00000400000000000000" pitchFamily="2" charset="-78"/>
-              </a:rPr>
-              <a:t>سرعت بالا در افزودن مدارک و منابع</a:t>
-            </a:r>
-          </a:p>
-          <a:p>
-            <a:pPr algn="r" rtl="1"/>
-            <a:endParaRPr lang="fa-IR" sz="2000" b="1" dirty="0">
-              <a:cs typeface="B Nazanin" panose="00000400000000000000" pitchFamily="2" charset="-78"/>
-            </a:endParaRPr>
-          </a:p>
-          <a:p>
-            <a:pPr algn="r" rtl="1"/>
-            <a:r>
-              <a:rPr lang="fa-IR" sz="2000" b="1" dirty="0">
-                <a:cs typeface="B Nazanin" panose="00000400000000000000" pitchFamily="2" charset="-78"/>
-              </a:rPr>
-              <a:t>کیفیت پاسخ بالا</a:t>
-            </a:r>
-          </a:p>
-          <a:p>
-            <a:pPr marL="0" indent="0" algn="r" rtl="1">
-              <a:buNone/>
-            </a:pPr>
-            <a:endParaRPr lang="fa-IR" sz="2000" b="1" dirty="0">
-              <a:cs typeface="B Nazanin" panose="00000400000000000000" pitchFamily="2" charset="-78"/>
-            </a:endParaRPr>
-          </a:p>
-          <a:p>
-            <a:pPr algn="r" rtl="1"/>
-            <a:r>
-              <a:rPr lang="fa-IR" sz="2000" b="1" dirty="0">
-                <a:cs typeface="B Nazanin" panose="00000400000000000000" pitchFamily="2" charset="-78"/>
-              </a:rPr>
-              <a:t>کنترل بالای دسترسی کاربران توسط مدیر</a:t>
-            </a:r>
-          </a:p>
-          <a:p>
-            <a:pPr algn="r" rtl="1"/>
-            <a:endParaRPr lang="fa-IR" sz="2000" b="1" dirty="0">
-              <a:cs typeface="B Nazanin" panose="00000400000000000000" pitchFamily="2" charset="-78"/>
-            </a:endParaRPr>
-          </a:p>
-          <a:p>
-            <a:pPr algn="r" rtl="1"/>
-            <a:r>
-              <a:rPr lang="fa-IR" sz="2000" b="1" dirty="0">
-                <a:cs typeface="B Nazanin" panose="00000400000000000000" pitchFamily="2" charset="-78"/>
-              </a:rPr>
-              <a:t>هزینه </a:t>
-            </a:r>
-            <a:r>
-              <a:rPr lang="fa-IR" sz="2000" b="1" dirty="0" err="1">
-                <a:cs typeface="B Nazanin" panose="00000400000000000000" pitchFamily="2" charset="-78"/>
-              </a:rPr>
-              <a:t>محاسباتی</a:t>
-            </a:r>
-            <a:r>
-              <a:rPr lang="fa-IR" sz="2000" b="1" dirty="0">
-                <a:cs typeface="B Nazanin" panose="00000400000000000000" pitchFamily="2" charset="-78"/>
-              </a:rPr>
-              <a:t> (و اقتصادی) پایین</a:t>
-            </a:r>
-          </a:p>
-          <a:p>
-            <a:pPr algn="r" rtl="1"/>
-            <a:endParaRPr lang="fa-IR" sz="1400" dirty="0"/>
-          </a:p>
-          <a:p>
-            <a:pPr algn="r" rtl="1"/>
-            <a:endParaRPr lang="fa-IR" sz="2000" b="1" dirty="0">
-              <a:cs typeface="B Nazanin" panose="00000400000000000000" pitchFamily="2" charset="-78"/>
-            </a:endParaRPr>
-          </a:p>
-          <a:p>
-            <a:pPr algn="r" rtl="1"/>
-            <a:endParaRPr lang="fa-IR" sz="2000" b="1" dirty="0">
-              <a:cs typeface="B Nazanin" panose="00000400000000000000" pitchFamily="2" charset="-78"/>
-            </a:endParaRPr>
-          </a:p>
-          <a:p>
-            <a:pPr algn="r" rtl="1"/>
-            <a:endParaRPr lang="fa-IR" sz="2000" b="1" dirty="0">
-              <a:cs typeface="B Nazanin" panose="00000400000000000000" pitchFamily="2" charset="-78"/>
-            </a:endParaRPr>
-          </a:p>
-          <a:p>
-            <a:pPr algn="r" rtl="1"/>
-            <a:endParaRPr lang="fa-IR" sz="2000" b="1" dirty="0">
-              <a:cs typeface="B Nazanin" panose="00000400000000000000" pitchFamily="2" charset="-78"/>
-            </a:endParaRPr>
-          </a:p>
-          <a:p>
-            <a:pPr algn="r" rtl="1"/>
-            <a:endParaRPr lang="fa-IR" sz="2000" b="1" dirty="0">
-              <a:cs typeface="B Nazanin" panose="00000400000000000000" pitchFamily="2" charset="-78"/>
-            </a:endParaRPr>
-          </a:p>
-          <a:p>
-            <a:pPr algn="r" rtl="1"/>
-            <a:endParaRPr lang="fa-IR" sz="2000" b="1" dirty="0">
-              <a:cs typeface="B Nazanin" panose="00000400000000000000" pitchFamily="2" charset="-78"/>
-            </a:endParaRPr>
-          </a:p>
-          <a:p>
-            <a:pPr algn="r" rtl="1"/>
-            <a:endParaRPr lang="fa-IR" sz="2000" b="1" dirty="0">
-              <a:cs typeface="B Nazanin" panose="00000400000000000000" pitchFamily="2" charset="-78"/>
-            </a:endParaRPr>
-          </a:p>
-          <a:p>
-            <a:pPr algn="r" rtl="1"/>
-            <a:endParaRPr lang="fa-IR" sz="2000" b="1" dirty="0">
-              <a:cs typeface="B Nazanin" panose="00000400000000000000" pitchFamily="2" charset="-78"/>
-            </a:endParaRPr>
-          </a:p>
-          <a:p>
-            <a:pPr algn="r" rtl="1"/>
-            <a:endParaRPr lang="fa-IR" sz="2000" b="1" dirty="0">
-              <a:cs typeface="B Nazanin" panose="00000400000000000000" pitchFamily="2" charset="-78"/>
-            </a:endParaRPr>
-          </a:p>
-          <a:p>
-            <a:pPr algn="r" rtl="1"/>
-            <a:endParaRPr lang="fa-IR" sz="2000" b="1" dirty="0">
-              <a:cs typeface="B Nazanin" panose="00000400000000000000" pitchFamily="2" charset="-78"/>
-            </a:endParaRPr>
-          </a:p>
-        </p:txBody>
-      </p:sp>
-      <p:sp>
-        <p:nvSpPr>
-          <p:cNvPr id="10" name="Cross 9">
-            <a:extLst>
-              <a:ext uri="{FF2B5EF4-FFF2-40B4-BE49-F238E27FC236}">
-                <a16:creationId xmlns:a16="http://schemas.microsoft.com/office/drawing/2014/main" id="{30213B54-C08B-4026-F33C-AF8DD197F837}"/>
-              </a:ext>
-            </a:extLst>
-          </p:cNvPr>
-          <p:cNvSpPr/>
-          <p:nvPr/>
-        </p:nvSpPr>
-        <p:spPr>
-          <a:xfrm>
-            <a:off x="4104122" y="2143611"/>
-            <a:ext cx="1088160" cy="1083762"/>
-          </a:xfrm>
-          <a:prstGeom prst="plus">
-            <a:avLst>
-              <a:gd name="adj" fmla="val 42774"/>
-            </a:avLst>
-          </a:prstGeom>
-          <a:gradFill flip="none" rotWithShape="1">
-            <a:gsLst>
-              <a:gs pos="0">
-                <a:schemeClr val="accent6">
-                  <a:lumMod val="60000"/>
-                  <a:lumOff val="40000"/>
-                  <a:shade val="30000"/>
-                  <a:satMod val="115000"/>
-                </a:schemeClr>
-              </a:gs>
-              <a:gs pos="50000">
-                <a:schemeClr val="accent6">
-                  <a:lumMod val="60000"/>
-                  <a:lumOff val="40000"/>
-                  <a:shade val="67500"/>
-                  <a:satMod val="115000"/>
-                </a:schemeClr>
-              </a:gs>
-              <a:gs pos="100000">
-                <a:schemeClr val="accent6">
-                  <a:lumMod val="60000"/>
-                  <a:lumOff val="40000"/>
-                  <a:shade val="100000"/>
-                  <a:satMod val="115000"/>
-                </a:schemeClr>
-              </a:gs>
-            </a:gsLst>
-            <a:lin ang="5400000" scaled="1"/>
-            <a:tileRect/>
-          </a:gradFill>
-          <a:ln>
-            <a:noFill/>
-          </a:ln>
-        </p:spPr>
-        <p:style>
-          <a:lnRef idx="2">
-            <a:schemeClr val="accent1">
-              <a:shade val="15000"/>
-            </a:schemeClr>
-          </a:lnRef>
-          <a:fillRef idx="1">
-            <a:schemeClr val="accent1"/>
-          </a:fillRef>
-          <a:effectRef idx="0">
-            <a:schemeClr val="accent1"/>
-          </a:effectRef>
-          <a:fontRef idx="minor">
-            <a:schemeClr val="lt1"/>
-          </a:fontRef>
-        </p:style>
-        <p:txBody>
-          <a:bodyPr rtlCol="1" anchor="ctr"/>
-          <a:lstStyle/>
-          <a:p>
-            <a:pPr algn="ctr"/>
-            <a:endParaRPr lang="fa-IR" dirty="0"/>
-          </a:p>
-        </p:txBody>
-      </p:sp>
-      <p:graphicFrame>
-        <p:nvGraphicFramePr>
-          <p:cNvPr id="15" name="Diagram 14">
-            <a:extLst>
-              <a:ext uri="{FF2B5EF4-FFF2-40B4-BE49-F238E27FC236}">
-                <a16:creationId xmlns:a16="http://schemas.microsoft.com/office/drawing/2014/main" id="{86ADEB2C-C55B-CFE0-2879-37C99269FD43}"/>
-              </a:ext>
-            </a:extLst>
-          </p:cNvPr>
-          <p:cNvGraphicFramePr/>
-          <p:nvPr>
-            <p:extLst>
-              <p:ext uri="{D42A27DB-BD31-4B8C-83A1-F6EECF244321}">
-                <p14:modId xmlns:p14="http://schemas.microsoft.com/office/powerpoint/2010/main" val="1714846956"/>
-              </p:ext>
-            </p:extLst>
-          </p:nvPr>
-        </p:nvGraphicFramePr>
-        <p:xfrm>
-          <a:off x="444500" y="2454660"/>
-          <a:ext cx="3406487" cy="461665"/>
-        </p:xfrm>
-        <a:graphic>
-          <a:graphicData uri="http://schemas.openxmlformats.org/drawingml/2006/diagram">
-            <dgm:relIds xmlns:dgm="http://schemas.openxmlformats.org/drawingml/2006/diagram" xmlns:r="http://schemas.openxmlformats.org/officeDocument/2006/relationships" r:dm="rId8" r:lo="rId9" r:qs="rId10" r:cs="rId11"/>
-          </a:graphicData>
-        </a:graphic>
-      </p:graphicFrame>
-    </p:spTree>
-    <p:extLst>
-      <p:ext uri="{BB962C8B-B14F-4D97-AF65-F5344CB8AC3E}">
-        <p14:creationId xmlns:p14="http://schemas.microsoft.com/office/powerpoint/2010/main" val="393327809"/>
-      </p:ext>
-    </p:extLst>
-  </p:cSld>
-  <p:clrMapOvr>
-    <a:masterClrMapping/>
-  </p:clrMapOvr>
-</p:sld>
-</file>
-
-<file path=ppt/slides/slide11.xml><?xml version="1.0" encoding="utf-8"?>
-<p:sld xmlns:a="http://schemas.openxmlformats.org/drawingml/2006/main" xmlns:r="http://schemas.openxmlformats.org/officeDocument/2006/relationships" xmlns:p="http://schemas.openxmlformats.org/presentationml/2006/main">
-  <p:cSld>
-    <p:spTree>
-      <p:nvGrpSpPr>
-        <p:cNvPr id="1" name=""/>
-        <p:cNvGrpSpPr/>
-        <p:nvPr/>
-      </p:nvGrpSpPr>
-      <p:grpSpPr>
-        <a:xfrm>
-          <a:off x="0" y="0"/>
-          <a:ext cx="0" cy="0"/>
-          <a:chOff x="0" y="0"/>
-          <a:chExt cx="0" cy="0"/>
-        </a:xfrm>
-      </p:grpSpPr>
-      <p:sp>
-        <p:nvSpPr>
-          <p:cNvPr id="2" name="Title 1">
-            <a:extLst>
-              <a:ext uri="{FF2B5EF4-FFF2-40B4-BE49-F238E27FC236}">
-                <a16:creationId xmlns:a16="http://schemas.microsoft.com/office/drawing/2014/main" id="{5BDA9D63-0D5C-6DEC-CA13-74CC6717AD5C}"/>
-              </a:ext>
-            </a:extLst>
-          </p:cNvPr>
-          <p:cNvSpPr>
-            <a:spLocks noGrp="1"/>
-          </p:cNvSpPr>
-          <p:nvPr>
-            <p:ph type="title"/>
-          </p:nvPr>
-        </p:nvSpPr>
-        <p:spPr/>
-        <p:txBody>
-          <a:bodyPr/>
-          <a:lstStyle/>
-          <a:p>
-            <a:pPr algn="r" rtl="1"/>
-            <a:r>
-              <a:rPr lang="fa-IR" dirty="0"/>
-              <a:t>موارد استفاده </a:t>
-            </a:r>
             <a:r>
               <a:rPr lang="en-US" dirty="0"/>
-              <a:t>RAG</a:t>
+              <a:t>Contents</a:t>
             </a:r>
             <a:endParaRPr lang="fa-IR" dirty="0"/>
           </a:p>
@@ -10012,7 +9190,7 @@
           <p:cNvPr id="3" name="Content Placeholder 2">
             <a:extLst>
               <a:ext uri="{FF2B5EF4-FFF2-40B4-BE49-F238E27FC236}">
-                <a16:creationId xmlns:a16="http://schemas.microsoft.com/office/drawing/2014/main" id="{8BDD5725-6D96-2B6B-C5B1-FBACB654A1B4}"/>
+                <a16:creationId xmlns:a16="http://schemas.microsoft.com/office/drawing/2014/main" id="{7B80F0E7-CED6-6FF2-BED0-E1DD5333E8C9}"/>
               </a:ext>
             </a:extLst>
           </p:cNvPr>
@@ -10023,19 +9201,492 @@
             <p:ph idx="1"/>
           </p:nvPr>
         </p:nvSpPr>
-        <p:spPr/>
+        <p:spPr>
+          <a:xfrm>
+            <a:off x="838200" y="1215559"/>
+            <a:ext cx="10515600" cy="5239030"/>
+          </a:xfrm>
+        </p:spPr>
         <p:txBody>
-          <a:bodyPr/>
+          <a:bodyPr>
+            <a:normAutofit fontScale="92500" lnSpcReduction="20000"/>
+          </a:bodyPr>
           <a:lstStyle/>
           <a:p>
-            <a:endParaRPr lang="fa-IR" dirty="0"/>
+            <a:pPr algn="r" rtl="1"/>
+            <a:r>
+              <a:rPr lang="fa-IR" sz="2000" dirty="0">
+                <a:cs typeface="B Nazanin" panose="00000400000000000000" pitchFamily="2" charset="-78"/>
+              </a:rPr>
+              <a:t>مدل های زبانی دانش به خصوص ندارند ( ضعف آنها در عدم دسترسی به اطلاعات به روز و خاص ، ارائه اطلاعات منسوخ ، سردرگمی اصطلاحات: وقتی که مفاهیم عمومی که مدل بر آن آموزش دیده با موضوعات و مفاهیم تخصصی ما تفاوت دارند ، توهم: به علت نوع یادگیری در </a:t>
+            </a:r>
+            <a:r>
+              <a:rPr lang="fa-IR" sz="2000" dirty="0" err="1">
+                <a:cs typeface="B Nazanin" panose="00000400000000000000" pitchFamily="2" charset="-78"/>
+              </a:rPr>
+              <a:t>مواردی</a:t>
+            </a:r>
+            <a:r>
+              <a:rPr lang="fa-IR" sz="2000" dirty="0">
+                <a:cs typeface="B Nazanin" panose="00000400000000000000" pitchFamily="2" charset="-78"/>
+              </a:rPr>
+              <a:t> که نمیدانند هم با قطعیت نظر میدهند ، ضرورت استفاده مدل زبانی از دانش سفارشی افزوده )</a:t>
+            </a:r>
+          </a:p>
+          <a:p>
+            <a:pPr algn="r" rtl="1"/>
+            <a:r>
+              <a:rPr lang="fa-IR" sz="2000" dirty="0">
+                <a:cs typeface="B Nazanin" panose="00000400000000000000" pitchFamily="2" charset="-78"/>
+              </a:rPr>
+              <a:t>مزیت استفاده از </a:t>
+            </a:r>
+            <a:r>
+              <a:rPr lang="en-US" sz="2000" dirty="0">
+                <a:cs typeface="B Nazanin" panose="00000400000000000000" pitchFamily="2" charset="-78"/>
+              </a:rPr>
+              <a:t>retrieval</a:t>
+            </a:r>
+            <a:r>
+              <a:rPr lang="fa-IR" sz="2000" dirty="0">
+                <a:cs typeface="B Nazanin" panose="00000400000000000000" pitchFamily="2" charset="-78"/>
+              </a:rPr>
+              <a:t> و </a:t>
+            </a:r>
+            <a:r>
+              <a:rPr lang="en-US" sz="2000" dirty="0">
+                <a:cs typeface="B Nazanin" panose="00000400000000000000" pitchFamily="2" charset="-78"/>
+              </a:rPr>
+              <a:t>generation</a:t>
+            </a:r>
+            <a:r>
+              <a:rPr lang="fa-IR" sz="2000" dirty="0">
+                <a:cs typeface="B Nazanin" panose="00000400000000000000" pitchFamily="2" charset="-78"/>
+              </a:rPr>
+              <a:t> با </a:t>
+            </a:r>
+            <a:r>
+              <a:rPr lang="fa-IR" sz="2000" dirty="0" err="1">
+                <a:cs typeface="B Nazanin" panose="00000400000000000000" pitchFamily="2" charset="-78"/>
+              </a:rPr>
+              <a:t>دیتابیس</a:t>
+            </a:r>
+            <a:r>
+              <a:rPr lang="fa-IR" sz="2000" dirty="0">
+                <a:cs typeface="B Nazanin" panose="00000400000000000000" pitchFamily="2" charset="-78"/>
+              </a:rPr>
+              <a:t> های برداری ، سنجشگر شباهت معنایی و  مدل های زبانی</a:t>
+            </a:r>
+          </a:p>
+          <a:p>
+            <a:pPr algn="r" rtl="1"/>
+            <a:r>
+              <a:rPr lang="fa-IR" sz="2000" dirty="0">
+                <a:cs typeface="B Nazanin" panose="00000400000000000000" pitchFamily="2" charset="-78"/>
+              </a:rPr>
+              <a:t>نحوه کار </a:t>
+            </a:r>
+            <a:r>
+              <a:rPr lang="en-US" sz="2000" dirty="0">
+                <a:cs typeface="B Nazanin" panose="00000400000000000000" pitchFamily="2" charset="-78"/>
+              </a:rPr>
+              <a:t>RAG</a:t>
+            </a:r>
+            <a:endParaRPr lang="fa-IR" sz="2000" dirty="0">
+              <a:cs typeface="B Nazanin" panose="00000400000000000000" pitchFamily="2" charset="-78"/>
+            </a:endParaRPr>
+          </a:p>
+          <a:p>
+            <a:pPr algn="r" rtl="1"/>
+            <a:r>
+              <a:rPr lang="fa-IR" sz="2000" dirty="0">
+                <a:cs typeface="B Nazanin" panose="00000400000000000000" pitchFamily="2" charset="-78"/>
+              </a:rPr>
+              <a:t>اهمیت مهندسی</a:t>
+            </a:r>
+            <a:r>
+              <a:rPr lang="en-US" sz="2000" dirty="0">
+                <a:cs typeface="B Nazanin" panose="00000400000000000000" pitchFamily="2" charset="-78"/>
+              </a:rPr>
+              <a:t>Prompt </a:t>
+            </a:r>
+            <a:endParaRPr lang="fa-IR" sz="2000" dirty="0">
+              <a:cs typeface="B Nazanin" panose="00000400000000000000" pitchFamily="2" charset="-78"/>
+            </a:endParaRPr>
+          </a:p>
+          <a:p>
+            <a:pPr algn="r" rtl="1"/>
+            <a:r>
+              <a:rPr lang="fa-IR" sz="2000" dirty="0">
+                <a:cs typeface="B Nazanin" panose="00000400000000000000" pitchFamily="2" charset="-78"/>
+              </a:rPr>
+              <a:t>مزایای </a:t>
+            </a:r>
+            <a:r>
+              <a:rPr lang="en-US" sz="2000" dirty="0">
+                <a:cs typeface="B Nazanin" panose="00000400000000000000" pitchFamily="2" charset="-78"/>
+              </a:rPr>
+              <a:t>RAG</a:t>
+            </a:r>
+            <a:r>
+              <a:rPr lang="fa-IR" sz="2000" dirty="0">
+                <a:cs typeface="B Nazanin" panose="00000400000000000000" pitchFamily="2" charset="-78"/>
+              </a:rPr>
+              <a:t> : ارائه پاسخ های به روز و دقیق ، کاهش </a:t>
+            </a:r>
+            <a:r>
+              <a:rPr lang="fa-IR" sz="2000" dirty="0" err="1">
+                <a:cs typeface="B Nazanin" panose="00000400000000000000" pitchFamily="2" charset="-78"/>
+              </a:rPr>
+              <a:t>پاسخ‌های</a:t>
+            </a:r>
+            <a:r>
+              <a:rPr lang="fa-IR" sz="2000" dirty="0">
+                <a:cs typeface="B Nazanin" panose="00000400000000000000" pitchFamily="2" charset="-78"/>
+              </a:rPr>
+              <a:t> نادرست یا </a:t>
+            </a:r>
+            <a:r>
+              <a:rPr lang="fa-IR" sz="2000" dirty="0" err="1">
+                <a:cs typeface="B Nazanin" panose="00000400000000000000" pitchFamily="2" charset="-78"/>
+              </a:rPr>
+              <a:t>توهم‌ها</a:t>
+            </a:r>
+            <a:r>
+              <a:rPr lang="fa-IR" sz="2000" dirty="0">
+                <a:cs typeface="B Nazanin" panose="00000400000000000000" pitchFamily="2" charset="-78"/>
+              </a:rPr>
+              <a:t> ، ارائه </a:t>
+            </a:r>
+            <a:r>
+              <a:rPr lang="fa-IR" sz="2000" dirty="0" err="1">
+                <a:cs typeface="B Nazanin" panose="00000400000000000000" pitchFamily="2" charset="-78"/>
+              </a:rPr>
+              <a:t>پاسخ‌های</a:t>
+            </a:r>
+            <a:r>
+              <a:rPr lang="fa-IR" sz="2000" dirty="0">
+                <a:cs typeface="B Nazanin" panose="00000400000000000000" pitchFamily="2" charset="-78"/>
+              </a:rPr>
+              <a:t> مربوط به یک دامنه دانشی خاص ، سریع و مقرون به صرفه بودن (در مقایسه با فرآیند </a:t>
+            </a:r>
+            <a:r>
+              <a:rPr lang="fa-IR" sz="2000" dirty="0" err="1">
+                <a:cs typeface="B Nazanin" panose="00000400000000000000" pitchFamily="2" charset="-78"/>
+              </a:rPr>
+              <a:t>چستجو</a:t>
+            </a:r>
+            <a:r>
+              <a:rPr lang="fa-IR" sz="2000" dirty="0">
+                <a:cs typeface="B Nazanin" panose="00000400000000000000" pitchFamily="2" charset="-78"/>
+              </a:rPr>
+              <a:t> و پیدا کردن جواب و نگارش تحلیل توسط انسان) ، به روز رسانی سریع داده ها، کنترل توسعه دهنده (مثلا در برنامه ما اطلاعاتی که کمتر از 25 درصد </a:t>
+            </a:r>
+            <a:r>
+              <a:rPr lang="fa-IR" sz="2000" dirty="0" err="1">
+                <a:cs typeface="B Nazanin" panose="00000400000000000000" pitchFamily="2" charset="-78"/>
+              </a:rPr>
+              <a:t>شباهات</a:t>
+            </a:r>
+            <a:r>
+              <a:rPr lang="fa-IR" sz="2000" dirty="0">
+                <a:cs typeface="B Nazanin" panose="00000400000000000000" pitchFamily="2" charset="-78"/>
+              </a:rPr>
+              <a:t> معنایی با سوال کاربر دارند </a:t>
+            </a:r>
+            <a:r>
+              <a:rPr lang="fa-IR" sz="2000" dirty="0" err="1">
+                <a:cs typeface="B Nazanin" panose="00000400000000000000" pitchFamily="2" charset="-78"/>
+              </a:rPr>
+              <a:t>پرامپت</a:t>
+            </a:r>
+            <a:r>
+              <a:rPr lang="fa-IR" sz="2000" dirty="0">
+                <a:cs typeface="B Nazanin" panose="00000400000000000000" pitchFamily="2" charset="-78"/>
+              </a:rPr>
+              <a:t> مدل نمیشوند)</a:t>
+            </a:r>
+          </a:p>
+          <a:p>
+            <a:pPr algn="r" rtl="1"/>
+            <a:r>
+              <a:rPr lang="fa-IR" sz="2000" dirty="0">
+                <a:cs typeface="B Nazanin" panose="00000400000000000000" pitchFamily="2" charset="-78"/>
+              </a:rPr>
+              <a:t>ارائه مثال از اینکه برنامه </a:t>
+            </a:r>
+            <a:r>
+              <a:rPr lang="en-US" sz="2000" dirty="0">
+                <a:cs typeface="B Nazanin" panose="00000400000000000000" pitchFamily="2" charset="-78"/>
+              </a:rPr>
+              <a:t>RAG</a:t>
+            </a:r>
+            <a:r>
+              <a:rPr lang="fa-IR" sz="2000" dirty="0">
+                <a:cs typeface="B Nazanin" panose="00000400000000000000" pitchFamily="2" charset="-78"/>
+              </a:rPr>
+              <a:t> چگونه میتواند اطلاعات مرتبط را از یک پایگاه عظیم اطلاعاتی شناسایی و استخراج کند و از یک مدل زبانی برای ارائه پاسخ و تحلیل استفاده کند.</a:t>
+            </a:r>
+          </a:p>
+          <a:p>
+            <a:pPr algn="r" rtl="1"/>
+            <a:r>
+              <a:rPr lang="fa-IR" sz="2000" dirty="0">
+                <a:cs typeface="B Nazanin" panose="00000400000000000000" pitchFamily="2" charset="-78"/>
+              </a:rPr>
+              <a:t>موارد استفاده: پرسش و پاسخ – مدیریت دانش سازمانی – جستجوی اسناد – </a:t>
+            </a:r>
+            <a:r>
+              <a:rPr lang="fa-IR" sz="2000" dirty="0" err="1">
+                <a:cs typeface="B Nazanin" panose="00000400000000000000" pitchFamily="2" charset="-78"/>
+              </a:rPr>
+              <a:t>ربات</a:t>
+            </a:r>
+            <a:r>
+              <a:rPr lang="fa-IR" sz="2000" dirty="0">
+                <a:cs typeface="B Nazanin" panose="00000400000000000000" pitchFamily="2" charset="-78"/>
+              </a:rPr>
+              <a:t> های پرسش و پاسخ (کمک دادن کاربران به جای </a:t>
+            </a:r>
+            <a:r>
+              <a:rPr lang="fa-IR" sz="2000" dirty="0" err="1">
+                <a:cs typeface="B Nazanin" panose="00000400000000000000" pitchFamily="2" charset="-78"/>
+              </a:rPr>
+              <a:t>اپراتور</a:t>
+            </a:r>
+            <a:r>
+              <a:rPr lang="fa-IR" sz="2000" dirty="0">
+                <a:cs typeface="B Nazanin" panose="00000400000000000000" pitchFamily="2" charset="-78"/>
+              </a:rPr>
+              <a:t>) ، تحلیل داده ، نگارش گزارش ، سیستم </a:t>
+            </a:r>
+            <a:r>
+              <a:rPr lang="en-US" sz="2000" dirty="0">
+                <a:cs typeface="B Nazanin" panose="00000400000000000000" pitchFamily="2" charset="-78"/>
+              </a:rPr>
+              <a:t>FAQ</a:t>
+            </a:r>
+            <a:r>
+              <a:rPr lang="fa-IR" sz="2000" dirty="0">
+                <a:cs typeface="B Nazanin" panose="00000400000000000000" pitchFamily="2" charset="-78"/>
+              </a:rPr>
+              <a:t> ، </a:t>
+            </a:r>
+            <a:r>
+              <a:rPr lang="en-US" sz="1400" b="1" i="0" dirty="0">
+                <a:solidFill>
+                  <a:srgbClr val="050A12"/>
+                </a:solidFill>
+                <a:effectLst/>
+                <a:latin typeface="Poppins" panose="00000500000000000000" pitchFamily="2" charset="0"/>
+              </a:rPr>
+              <a:t>Open-Domain QA</a:t>
+            </a:r>
+            <a:r>
+              <a:rPr lang="fa-IR" sz="1400" b="1" i="0" dirty="0">
+                <a:solidFill>
+                  <a:srgbClr val="050A12"/>
+                </a:solidFill>
+                <a:effectLst/>
+                <a:latin typeface="Poppins" panose="00000500000000000000" pitchFamily="2" charset="0"/>
+              </a:rPr>
+              <a:t> (کنار هم گذاشتن اطلاعات از منابع </a:t>
+            </a:r>
+            <a:r>
+              <a:rPr lang="fa-IR" sz="1400" b="1" i="0" dirty="0" err="1">
+                <a:solidFill>
+                  <a:srgbClr val="050A12"/>
+                </a:solidFill>
+                <a:effectLst/>
+                <a:latin typeface="Poppins" panose="00000500000000000000" pitchFamily="2" charset="0"/>
+              </a:rPr>
+              <a:t>مختف</a:t>
+            </a:r>
+            <a:r>
+              <a:rPr lang="fa-IR" sz="1400" b="1" i="0" dirty="0">
+                <a:solidFill>
+                  <a:srgbClr val="050A12"/>
+                </a:solidFill>
+                <a:effectLst/>
+                <a:latin typeface="Poppins" panose="00000500000000000000" pitchFamily="2" charset="0"/>
+              </a:rPr>
+              <a:t> و ارائه تحلیل) </a:t>
+            </a:r>
+            <a:r>
+              <a:rPr lang="fa-IR" sz="1400" b="1" dirty="0">
+                <a:solidFill>
+                  <a:srgbClr val="050A12"/>
+                </a:solidFill>
+                <a:latin typeface="Poppins" panose="00000500000000000000" pitchFamily="2" charset="0"/>
+              </a:rPr>
+              <a:t>، گزارش خبری (گزارش بر پایه اطلاعات از منابع مختلف) ، دستیار تحلیلی و تحقیقاتی</a:t>
+            </a:r>
+            <a:endParaRPr lang="fa-IR" sz="2000" dirty="0">
+              <a:cs typeface="B Nazanin" panose="00000400000000000000" pitchFamily="2" charset="-78"/>
+            </a:endParaRPr>
+          </a:p>
+          <a:p>
+            <a:pPr algn="r" rtl="1"/>
+            <a:r>
+              <a:rPr lang="fa-IR" sz="2000" dirty="0">
+                <a:cs typeface="B Nazanin" panose="00000400000000000000" pitchFamily="2" charset="-78"/>
+              </a:rPr>
+              <a:t>تقویت مدل زبانی با دانش و اطلاعات دیگر : </a:t>
+            </a:r>
+            <a:r>
+              <a:rPr lang="en-US" sz="2000" dirty="0">
+                <a:cs typeface="B Nazanin" panose="00000400000000000000" pitchFamily="2" charset="-78"/>
+              </a:rPr>
+              <a:t>Fine-tuning </a:t>
+            </a:r>
+            <a:r>
+              <a:rPr lang="fa-IR" sz="2000" dirty="0">
+                <a:cs typeface="B Nazanin" panose="00000400000000000000" pitchFamily="2" charset="-78"/>
+              </a:rPr>
+              <a:t> و </a:t>
+            </a:r>
+            <a:r>
+              <a:rPr lang="en-US" sz="2000" dirty="0">
+                <a:cs typeface="B Nazanin" panose="00000400000000000000" pitchFamily="2" charset="-78"/>
+              </a:rPr>
+              <a:t>RAG</a:t>
+            </a:r>
+          </a:p>
+          <a:p>
+            <a:pPr algn="r" rtl="1"/>
+            <a:r>
+              <a:rPr lang="fa-IR" sz="2000" dirty="0">
+                <a:cs typeface="B Nazanin" panose="00000400000000000000" pitchFamily="2" charset="-78"/>
+              </a:rPr>
+              <a:t>مقایسه مزایا و معایب </a:t>
+            </a:r>
+            <a:r>
+              <a:rPr lang="en-US" sz="2000" dirty="0">
+                <a:cs typeface="B Nazanin" panose="00000400000000000000" pitchFamily="2" charset="-78"/>
+              </a:rPr>
+              <a:t>Fine-tuning </a:t>
+            </a:r>
+            <a:r>
+              <a:rPr lang="fa-IR" sz="2000" dirty="0">
+                <a:cs typeface="B Nazanin" panose="00000400000000000000" pitchFamily="2" charset="-78"/>
+              </a:rPr>
+              <a:t> و </a:t>
+            </a:r>
+            <a:r>
+              <a:rPr lang="en-US" sz="2000" dirty="0">
+                <a:cs typeface="B Nazanin" panose="00000400000000000000" pitchFamily="2" charset="-78"/>
+              </a:rPr>
+              <a:t>RAG</a:t>
+            </a:r>
+            <a:r>
+              <a:rPr lang="fa-IR" sz="2000" dirty="0">
+                <a:cs typeface="B Nazanin" panose="00000400000000000000" pitchFamily="2" charset="-78"/>
+              </a:rPr>
+              <a:t> و شرایط استفاده از هر کدام (مثلا کنترل میزان دسترسی کاربران)</a:t>
+            </a:r>
+          </a:p>
+          <a:p>
+            <a:pPr algn="r" rtl="1"/>
+            <a:r>
+              <a:rPr lang="fa-IR" sz="2000" dirty="0">
+                <a:cs typeface="B Nazanin" panose="00000400000000000000" pitchFamily="2" charset="-78"/>
+              </a:rPr>
+              <a:t>چالش ها و مشکلات </a:t>
+            </a:r>
+            <a:r>
+              <a:rPr lang="en-US" sz="2000" dirty="0">
+                <a:cs typeface="B Nazanin" panose="00000400000000000000" pitchFamily="2" charset="-78"/>
+              </a:rPr>
+              <a:t>RAG</a:t>
+            </a:r>
+            <a:r>
+              <a:rPr lang="fa-IR" sz="2000" dirty="0">
+                <a:cs typeface="B Nazanin" panose="00000400000000000000" pitchFamily="2" charset="-78"/>
+              </a:rPr>
+              <a:t> (مشکلات </a:t>
+            </a:r>
+            <a:r>
+              <a:rPr lang="en-US" sz="2000" dirty="0">
+                <a:cs typeface="B Nazanin" panose="00000400000000000000" pitchFamily="2" charset="-78"/>
+              </a:rPr>
+              <a:t>query</a:t>
+            </a:r>
+            <a:r>
+              <a:rPr lang="fa-IR" sz="2000" dirty="0">
+                <a:cs typeface="B Nazanin" panose="00000400000000000000" pitchFamily="2" charset="-78"/>
+              </a:rPr>
+              <a:t> های پیچیده ، دقت در پایگاه دانشی بزرگ ، پشتیبانی چند زبانی)</a:t>
+            </a:r>
+          </a:p>
+          <a:p>
+            <a:pPr algn="r" rtl="1"/>
+            <a:r>
+              <a:rPr lang="fa-IR" sz="2000" dirty="0">
+                <a:cs typeface="B Nazanin" panose="00000400000000000000" pitchFamily="2" charset="-78"/>
+              </a:rPr>
+              <a:t>ظرفیت های پیش رو: راهکارهای تقویت فرآیند </a:t>
+            </a:r>
+            <a:r>
+              <a:rPr lang="en-US" sz="2000" dirty="0">
+                <a:cs typeface="B Nazanin" panose="00000400000000000000" pitchFamily="2" charset="-78"/>
+              </a:rPr>
+              <a:t>RAG</a:t>
+            </a:r>
+            <a:r>
+              <a:rPr lang="fa-IR" sz="2000" dirty="0">
+                <a:cs typeface="B Nazanin" panose="00000400000000000000" pitchFamily="2" charset="-78"/>
+              </a:rPr>
+              <a:t> نظیر </a:t>
+            </a:r>
+            <a:r>
+              <a:rPr lang="en-US" sz="2000" dirty="0">
+                <a:cs typeface="B Nazanin" panose="00000400000000000000" pitchFamily="2" charset="-78"/>
+              </a:rPr>
+              <a:t>Fusion</a:t>
+            </a:r>
+            <a:r>
+              <a:rPr lang="fa-IR" sz="2000" dirty="0">
+                <a:cs typeface="B Nazanin" panose="00000400000000000000" pitchFamily="2" charset="-78"/>
+              </a:rPr>
+              <a:t> (ارائه اطلاعات پیش زمینه ای از مدل متخصص دیگر به مدل اصلی) ، بهبود سوال ، </a:t>
+            </a:r>
+            <a:r>
+              <a:rPr lang="fa-IR" sz="2000" dirty="0" err="1">
+                <a:cs typeface="B Nazanin" panose="00000400000000000000" pitchFamily="2" charset="-78"/>
+              </a:rPr>
+              <a:t>چندبخشی</a:t>
+            </a:r>
+            <a:r>
+              <a:rPr lang="fa-IR" sz="2000" dirty="0">
+                <a:cs typeface="B Nazanin" panose="00000400000000000000" pitchFamily="2" charset="-78"/>
+              </a:rPr>
+              <a:t> کردن سوال ، </a:t>
+            </a:r>
+          </a:p>
+          <a:p>
+            <a:pPr algn="r" rtl="1"/>
+            <a:endParaRPr lang="en-US" sz="2000" dirty="0">
+              <a:cs typeface="B Nazanin" panose="00000400000000000000" pitchFamily="2" charset="-78"/>
+            </a:endParaRPr>
+          </a:p>
+          <a:p>
+            <a:pPr algn="r" rtl="1"/>
+            <a:endParaRPr lang="en-US" sz="2000" dirty="0">
+              <a:cs typeface="B Nazanin" panose="00000400000000000000" pitchFamily="2" charset="-78"/>
+            </a:endParaRPr>
+          </a:p>
+          <a:p>
+            <a:pPr algn="r" rtl="1"/>
+            <a:endParaRPr lang="fa-IR" sz="2000" dirty="0">
+              <a:cs typeface="B Nazanin" panose="00000400000000000000" pitchFamily="2" charset="-78"/>
+            </a:endParaRPr>
           </a:p>
         </p:txBody>
       </p:sp>
     </p:spTree>
     <p:extLst>
       <p:ext uri="{BB962C8B-B14F-4D97-AF65-F5344CB8AC3E}">
-        <p14:creationId xmlns:p14="http://schemas.microsoft.com/office/powerpoint/2010/main" val="3301929542"/>
+        <p14:creationId xmlns:p14="http://schemas.microsoft.com/office/powerpoint/2010/main" val="2018849995"/>
       </p:ext>
     </p:extLst>
   </p:cSld>
@@ -10045,100 +9696,7 @@
 </p:sld>
 </file>
 
-<file path=ppt/slides/slide12.xml><?xml version="1.0" encoding="utf-8"?>
-<p:sld xmlns:a="http://schemas.openxmlformats.org/drawingml/2006/main" xmlns:r="http://schemas.openxmlformats.org/officeDocument/2006/relationships" xmlns:p="http://schemas.openxmlformats.org/presentationml/2006/main">
-  <p:cSld>
-    <p:spTree>
-      <p:nvGrpSpPr>
-        <p:cNvPr id="1" name=""/>
-        <p:cNvGrpSpPr/>
-        <p:nvPr/>
-      </p:nvGrpSpPr>
-      <p:grpSpPr>
-        <a:xfrm>
-          <a:off x="0" y="0"/>
-          <a:ext cx="0" cy="0"/>
-          <a:chOff x="0" y="0"/>
-          <a:chExt cx="0" cy="0"/>
-        </a:xfrm>
-      </p:grpSpPr>
-      <p:sp>
-        <p:nvSpPr>
-          <p:cNvPr id="2" name="Title 1">
-            <a:extLst>
-              <a:ext uri="{FF2B5EF4-FFF2-40B4-BE49-F238E27FC236}">
-                <a16:creationId xmlns:a16="http://schemas.microsoft.com/office/drawing/2014/main" id="{0DEEE280-61D4-C51E-550B-D6416CECC62B}"/>
-              </a:ext>
-            </a:extLst>
-          </p:cNvPr>
-          <p:cNvSpPr>
-            <a:spLocks noGrp="1"/>
-          </p:cNvSpPr>
-          <p:nvPr>
-            <p:ph type="title"/>
-          </p:nvPr>
-        </p:nvSpPr>
-        <p:spPr/>
-        <p:txBody>
-          <a:bodyPr>
-            <a:normAutofit/>
-          </a:bodyPr>
-          <a:lstStyle/>
-          <a:p>
-            <a:pPr algn="r" rtl="1"/>
-            <a:r>
-              <a:rPr lang="fa-IR" sz="4000" b="1" dirty="0">
-                <a:cs typeface="B Nazanin" panose="00000400000000000000" pitchFamily="2" charset="-78"/>
-              </a:rPr>
-              <a:t>نحوه عملکرد </a:t>
-            </a:r>
-            <a:r>
-              <a:rPr lang="en-US" sz="4000" b="1" dirty="0"/>
-              <a:t>RAG</a:t>
-            </a:r>
-            <a:endParaRPr lang="fa-IR" sz="4000" b="1" dirty="0"/>
-          </a:p>
-        </p:txBody>
-      </p:sp>
-      <p:sp>
-        <p:nvSpPr>
-          <p:cNvPr id="3" name="Content Placeholder 2">
-            <a:extLst>
-              <a:ext uri="{FF2B5EF4-FFF2-40B4-BE49-F238E27FC236}">
-                <a16:creationId xmlns:a16="http://schemas.microsoft.com/office/drawing/2014/main" id="{543A5400-804E-F8B5-03A3-429E5191212B}"/>
-              </a:ext>
-            </a:extLst>
-          </p:cNvPr>
-          <p:cNvSpPr>
-            <a:spLocks noGrp="1"/>
-          </p:cNvSpPr>
-          <p:nvPr>
-            <p:ph idx="1"/>
-          </p:nvPr>
-        </p:nvSpPr>
-        <p:spPr/>
-        <p:txBody>
-          <a:bodyPr/>
-          <a:lstStyle/>
-          <a:p>
-            <a:endParaRPr lang="fa-IR"/>
-          </a:p>
-        </p:txBody>
-      </p:sp>
-    </p:spTree>
-    <p:extLst>
-      <p:ext uri="{BB962C8B-B14F-4D97-AF65-F5344CB8AC3E}">
-        <p14:creationId xmlns:p14="http://schemas.microsoft.com/office/powerpoint/2010/main" val="3515634735"/>
-      </p:ext>
-    </p:extLst>
-  </p:cSld>
-  <p:clrMapOvr>
-    <a:masterClrMapping/>
-  </p:clrMapOvr>
-</p:sld>
-</file>
-
-<file path=ppt/slides/slide13.xml><?xml version="1.0" encoding="utf-8"?>
+<file path=ppt/slides/slide10.xml><?xml version="1.0" encoding="utf-8"?>
 <p:sld xmlns:a="http://schemas.openxmlformats.org/drawingml/2006/main" xmlns:r="http://schemas.openxmlformats.org/officeDocument/2006/relationships" xmlns:p="http://schemas.openxmlformats.org/presentationml/2006/main">
   <p:cSld>
     <p:spTree>
@@ -10218,7 +9776,7 @@
 </p:sld>
 </file>
 
-<file path=ppt/slides/slide14.xml><?xml version="1.0" encoding="utf-8"?>
+<file path=ppt/slides/slide11.xml><?xml version="1.0" encoding="utf-8"?>
 <p:sld xmlns:a="http://schemas.openxmlformats.org/drawingml/2006/main" xmlns:r="http://schemas.openxmlformats.org/officeDocument/2006/relationships" xmlns:p="http://schemas.openxmlformats.org/presentationml/2006/main">
   <p:cSld>
     <p:spTree>
@@ -10298,7 +9856,7 @@
 </p:sld>
 </file>
 
-<file path=ppt/slides/slide15.xml><?xml version="1.0" encoding="utf-8"?>
+<file path=ppt/slides/slide12.xml><?xml version="1.0" encoding="utf-8"?>
 <p:sld xmlns:a="http://schemas.openxmlformats.org/drawingml/2006/main" xmlns:r="http://schemas.openxmlformats.org/officeDocument/2006/relationships" xmlns:p="http://schemas.openxmlformats.org/presentationml/2006/main">
   <p:cSld>
     <p:spTree>
@@ -10378,7 +9936,7 @@
 </p:sld>
 </file>
 
-<file path=ppt/slides/slide16.xml><?xml version="1.0" encoding="utf-8"?>
+<file path=ppt/slides/slide13.xml><?xml version="1.0" encoding="utf-8"?>
 <p:sld xmlns:a="http://schemas.openxmlformats.org/drawingml/2006/main" xmlns:r="http://schemas.openxmlformats.org/officeDocument/2006/relationships" xmlns:p="http://schemas.openxmlformats.org/presentationml/2006/main">
   <p:cSld>
     <p:spTree>
@@ -10459,568 +10017,6 @@
 </file>
 
 <file path=ppt/slides/slide2.xml><?xml version="1.0" encoding="utf-8"?>
-<p:sld xmlns:a="http://schemas.openxmlformats.org/drawingml/2006/main" xmlns:r="http://schemas.openxmlformats.org/officeDocument/2006/relationships" xmlns:p="http://schemas.openxmlformats.org/presentationml/2006/main">
-  <p:cSld>
-    <p:spTree>
-      <p:nvGrpSpPr>
-        <p:cNvPr id="1" name=""/>
-        <p:cNvGrpSpPr/>
-        <p:nvPr/>
-      </p:nvGrpSpPr>
-      <p:grpSpPr>
-        <a:xfrm>
-          <a:off x="0" y="0"/>
-          <a:ext cx="0" cy="0"/>
-          <a:chOff x="0" y="0"/>
-          <a:chExt cx="0" cy="0"/>
-        </a:xfrm>
-      </p:grpSpPr>
-      <p:sp>
-        <p:nvSpPr>
-          <p:cNvPr id="2" name="Title 1">
-            <a:extLst>
-              <a:ext uri="{FF2B5EF4-FFF2-40B4-BE49-F238E27FC236}">
-                <a16:creationId xmlns:a16="http://schemas.microsoft.com/office/drawing/2014/main" id="{B588F0C2-4F12-0338-F2F0-9E31DFDC5AF7}"/>
-              </a:ext>
-            </a:extLst>
-          </p:cNvPr>
-          <p:cNvSpPr>
-            <a:spLocks noGrp="1"/>
-          </p:cNvSpPr>
-          <p:nvPr>
-            <p:ph type="title"/>
-          </p:nvPr>
-        </p:nvSpPr>
-        <p:spPr>
-          <a:xfrm>
-            <a:off x="416859" y="274872"/>
-            <a:ext cx="11300012" cy="940687"/>
-          </a:xfrm>
-        </p:spPr>
-        <p:txBody>
-          <a:bodyPr/>
-          <a:lstStyle/>
-          <a:p>
-            <a:r>
-              <a:rPr lang="en-US" dirty="0"/>
-              <a:t>Contents</a:t>
-            </a:r>
-            <a:endParaRPr lang="fa-IR" dirty="0"/>
-          </a:p>
-        </p:txBody>
-      </p:sp>
-      <p:sp>
-        <p:nvSpPr>
-          <p:cNvPr id="3" name="Content Placeholder 2">
-            <a:extLst>
-              <a:ext uri="{FF2B5EF4-FFF2-40B4-BE49-F238E27FC236}">
-                <a16:creationId xmlns:a16="http://schemas.microsoft.com/office/drawing/2014/main" id="{7B80F0E7-CED6-6FF2-BED0-E1DD5333E8C9}"/>
-              </a:ext>
-            </a:extLst>
-          </p:cNvPr>
-          <p:cNvSpPr>
-            <a:spLocks noGrp="1"/>
-          </p:cNvSpPr>
-          <p:nvPr>
-            <p:ph idx="1"/>
-          </p:nvPr>
-        </p:nvSpPr>
-        <p:spPr>
-          <a:xfrm>
-            <a:off x="838200" y="1215559"/>
-            <a:ext cx="10515600" cy="5239030"/>
-          </a:xfrm>
-        </p:spPr>
-        <p:txBody>
-          <a:bodyPr>
-            <a:normAutofit fontScale="92500" lnSpcReduction="20000"/>
-          </a:bodyPr>
-          <a:lstStyle/>
-          <a:p>
-            <a:pPr algn="r" rtl="1"/>
-            <a:r>
-              <a:rPr lang="fa-IR" sz="2000" dirty="0">
-                <a:cs typeface="B Nazanin" panose="00000400000000000000" pitchFamily="2" charset="-78"/>
-              </a:rPr>
-              <a:t>مدل های زبانی دانش به خصوص ندارند ( ضعف آنها در عدم دسترسی به اطلاعات به روز و خاص ، ارائه اطلاعات منسوخ ، سردرگمی اصطلاحات: وقتی که مفاهیم عمومی که مدل بر آن آموزش دیده با موضوعات و مفاهیم تخصصی ما تفاوت دارند ، توهم: به علت نوع یادگیری در </a:t>
-            </a:r>
-            <a:r>
-              <a:rPr lang="fa-IR" sz="2000" dirty="0" err="1">
-                <a:cs typeface="B Nazanin" panose="00000400000000000000" pitchFamily="2" charset="-78"/>
-              </a:rPr>
-              <a:t>مواردی</a:t>
-            </a:r>
-            <a:r>
-              <a:rPr lang="fa-IR" sz="2000" dirty="0">
-                <a:cs typeface="B Nazanin" panose="00000400000000000000" pitchFamily="2" charset="-78"/>
-              </a:rPr>
-              <a:t> که نمیدانند هم با قطعیت نظر میدهند ، ضرورت استفاده مدل زبانی از دانش سفارشی افزوده )</a:t>
-            </a:r>
-          </a:p>
-          <a:p>
-            <a:pPr algn="r" rtl="1"/>
-            <a:r>
-              <a:rPr lang="fa-IR" sz="2000" dirty="0">
-                <a:cs typeface="B Nazanin" panose="00000400000000000000" pitchFamily="2" charset="-78"/>
-              </a:rPr>
-              <a:t>مزیت استفاده از </a:t>
-            </a:r>
-            <a:r>
-              <a:rPr lang="en-US" sz="2000" dirty="0">
-                <a:cs typeface="B Nazanin" panose="00000400000000000000" pitchFamily="2" charset="-78"/>
-              </a:rPr>
-              <a:t>retrieval</a:t>
-            </a:r>
-            <a:r>
-              <a:rPr lang="fa-IR" sz="2000" dirty="0">
-                <a:cs typeface="B Nazanin" panose="00000400000000000000" pitchFamily="2" charset="-78"/>
-              </a:rPr>
-              <a:t> و </a:t>
-            </a:r>
-            <a:r>
-              <a:rPr lang="en-US" sz="2000" dirty="0">
-                <a:cs typeface="B Nazanin" panose="00000400000000000000" pitchFamily="2" charset="-78"/>
-              </a:rPr>
-              <a:t>generation</a:t>
-            </a:r>
-            <a:r>
-              <a:rPr lang="fa-IR" sz="2000" dirty="0">
-                <a:cs typeface="B Nazanin" panose="00000400000000000000" pitchFamily="2" charset="-78"/>
-              </a:rPr>
-              <a:t> با </a:t>
-            </a:r>
-            <a:r>
-              <a:rPr lang="fa-IR" sz="2000" dirty="0" err="1">
-                <a:cs typeface="B Nazanin" panose="00000400000000000000" pitchFamily="2" charset="-78"/>
-              </a:rPr>
-              <a:t>دیتابیس</a:t>
-            </a:r>
-            <a:r>
-              <a:rPr lang="fa-IR" sz="2000" dirty="0">
-                <a:cs typeface="B Nazanin" panose="00000400000000000000" pitchFamily="2" charset="-78"/>
-              </a:rPr>
-              <a:t> های برداری ، سنجشگر شباهت معنایی و  مدل های زبانی</a:t>
-            </a:r>
-          </a:p>
-          <a:p>
-            <a:pPr algn="r" rtl="1"/>
-            <a:r>
-              <a:rPr lang="fa-IR" sz="2000" dirty="0">
-                <a:cs typeface="B Nazanin" panose="00000400000000000000" pitchFamily="2" charset="-78"/>
-              </a:rPr>
-              <a:t>نحوه کار </a:t>
-            </a:r>
-            <a:r>
-              <a:rPr lang="en-US" sz="2000" dirty="0">
-                <a:cs typeface="B Nazanin" panose="00000400000000000000" pitchFamily="2" charset="-78"/>
-              </a:rPr>
-              <a:t>RAG</a:t>
-            </a:r>
-            <a:endParaRPr lang="fa-IR" sz="2000" dirty="0">
-              <a:cs typeface="B Nazanin" panose="00000400000000000000" pitchFamily="2" charset="-78"/>
-            </a:endParaRPr>
-          </a:p>
-          <a:p>
-            <a:pPr algn="r" rtl="1"/>
-            <a:r>
-              <a:rPr lang="fa-IR" sz="2000" dirty="0">
-                <a:cs typeface="B Nazanin" panose="00000400000000000000" pitchFamily="2" charset="-78"/>
-              </a:rPr>
-              <a:t>اهمیت مهندسی</a:t>
-            </a:r>
-            <a:r>
-              <a:rPr lang="en-US" sz="2000" dirty="0">
-                <a:cs typeface="B Nazanin" panose="00000400000000000000" pitchFamily="2" charset="-78"/>
-              </a:rPr>
-              <a:t>Prompt </a:t>
-            </a:r>
-            <a:endParaRPr lang="fa-IR" sz="2000" dirty="0">
-              <a:cs typeface="B Nazanin" panose="00000400000000000000" pitchFamily="2" charset="-78"/>
-            </a:endParaRPr>
-          </a:p>
-          <a:p>
-            <a:pPr algn="r" rtl="1"/>
-            <a:r>
-              <a:rPr lang="fa-IR" sz="2000" dirty="0">
-                <a:cs typeface="B Nazanin" panose="00000400000000000000" pitchFamily="2" charset="-78"/>
-              </a:rPr>
-              <a:t>مزایای </a:t>
-            </a:r>
-            <a:r>
-              <a:rPr lang="en-US" sz="2000" dirty="0">
-                <a:cs typeface="B Nazanin" panose="00000400000000000000" pitchFamily="2" charset="-78"/>
-              </a:rPr>
-              <a:t>RAG</a:t>
-            </a:r>
-            <a:r>
-              <a:rPr lang="fa-IR" sz="2000" dirty="0">
-                <a:cs typeface="B Nazanin" panose="00000400000000000000" pitchFamily="2" charset="-78"/>
-              </a:rPr>
-              <a:t> : ارائه پاسخ های به روز و دقیق ، کاهش </a:t>
-            </a:r>
-            <a:r>
-              <a:rPr lang="fa-IR" sz="2000" dirty="0" err="1">
-                <a:cs typeface="B Nazanin" panose="00000400000000000000" pitchFamily="2" charset="-78"/>
-              </a:rPr>
-              <a:t>پاسخ‌های</a:t>
-            </a:r>
-            <a:r>
-              <a:rPr lang="fa-IR" sz="2000" dirty="0">
-                <a:cs typeface="B Nazanin" panose="00000400000000000000" pitchFamily="2" charset="-78"/>
-              </a:rPr>
-              <a:t> نادرست یا </a:t>
-            </a:r>
-            <a:r>
-              <a:rPr lang="fa-IR" sz="2000" dirty="0" err="1">
-                <a:cs typeface="B Nazanin" panose="00000400000000000000" pitchFamily="2" charset="-78"/>
-              </a:rPr>
-              <a:t>توهم‌ها</a:t>
-            </a:r>
-            <a:r>
-              <a:rPr lang="fa-IR" sz="2000" dirty="0">
-                <a:cs typeface="B Nazanin" panose="00000400000000000000" pitchFamily="2" charset="-78"/>
-              </a:rPr>
-              <a:t> ، ارائه </a:t>
-            </a:r>
-            <a:r>
-              <a:rPr lang="fa-IR" sz="2000" dirty="0" err="1">
-                <a:cs typeface="B Nazanin" panose="00000400000000000000" pitchFamily="2" charset="-78"/>
-              </a:rPr>
-              <a:t>پاسخ‌های</a:t>
-            </a:r>
-            <a:r>
-              <a:rPr lang="fa-IR" sz="2000" dirty="0">
-                <a:cs typeface="B Nazanin" panose="00000400000000000000" pitchFamily="2" charset="-78"/>
-              </a:rPr>
-              <a:t> مربوط به یک دامنه دانشی خاص ، سریع و مقرون به صرفه بودن (در مقایسه با فرآیند </a:t>
-            </a:r>
-            <a:r>
-              <a:rPr lang="fa-IR" sz="2000" dirty="0" err="1">
-                <a:cs typeface="B Nazanin" panose="00000400000000000000" pitchFamily="2" charset="-78"/>
-              </a:rPr>
-              <a:t>چستجو</a:t>
-            </a:r>
-            <a:r>
-              <a:rPr lang="fa-IR" sz="2000" dirty="0">
-                <a:cs typeface="B Nazanin" panose="00000400000000000000" pitchFamily="2" charset="-78"/>
-              </a:rPr>
-              <a:t> و پیدا کردن جواب و نگارش تحلیل توسط انسان) ، به روز رسانی سریع داده ها، کنترل توسعه دهنده (مثلا در برنامه ما اطلاعاتی که کمتر از 25 درصد </a:t>
-            </a:r>
-            <a:r>
-              <a:rPr lang="fa-IR" sz="2000" dirty="0" err="1">
-                <a:cs typeface="B Nazanin" panose="00000400000000000000" pitchFamily="2" charset="-78"/>
-              </a:rPr>
-              <a:t>شباهات</a:t>
-            </a:r>
-            <a:r>
-              <a:rPr lang="fa-IR" sz="2000" dirty="0">
-                <a:cs typeface="B Nazanin" panose="00000400000000000000" pitchFamily="2" charset="-78"/>
-              </a:rPr>
-              <a:t> معنایی با سوال کاربر دارند </a:t>
-            </a:r>
-            <a:r>
-              <a:rPr lang="fa-IR" sz="2000" dirty="0" err="1">
-                <a:cs typeface="B Nazanin" panose="00000400000000000000" pitchFamily="2" charset="-78"/>
-              </a:rPr>
-              <a:t>پرامپت</a:t>
-            </a:r>
-            <a:r>
-              <a:rPr lang="fa-IR" sz="2000" dirty="0">
-                <a:cs typeface="B Nazanin" panose="00000400000000000000" pitchFamily="2" charset="-78"/>
-              </a:rPr>
-              <a:t> مدل نمیشوند)</a:t>
-            </a:r>
-          </a:p>
-          <a:p>
-            <a:pPr algn="r" rtl="1"/>
-            <a:r>
-              <a:rPr lang="fa-IR" sz="2000" dirty="0">
-                <a:cs typeface="B Nazanin" panose="00000400000000000000" pitchFamily="2" charset="-78"/>
-              </a:rPr>
-              <a:t>ارائه مثال از اینکه برنامه </a:t>
-            </a:r>
-            <a:r>
-              <a:rPr lang="en-US" sz="2000" dirty="0">
-                <a:cs typeface="B Nazanin" panose="00000400000000000000" pitchFamily="2" charset="-78"/>
-              </a:rPr>
-              <a:t>RAG</a:t>
-            </a:r>
-            <a:r>
-              <a:rPr lang="fa-IR" sz="2000" dirty="0">
-                <a:cs typeface="B Nazanin" panose="00000400000000000000" pitchFamily="2" charset="-78"/>
-              </a:rPr>
-              <a:t> چگونه میتواند اطلاعات مرتبط را از یک پایگاه عظیم اطلاعاتی شناسایی و استخراج کند و از یک مدل زبانی برای ارائه پاسخ و تحلیل استفاده کند.</a:t>
-            </a:r>
-          </a:p>
-          <a:p>
-            <a:pPr algn="r" rtl="1"/>
-            <a:r>
-              <a:rPr lang="fa-IR" sz="2000" dirty="0">
-                <a:cs typeface="B Nazanin" panose="00000400000000000000" pitchFamily="2" charset="-78"/>
-              </a:rPr>
-              <a:t>موارد استفاده: پرسش و پاسخ – مدیریت دانش سازمانی – جستجوی اسناد – </a:t>
-            </a:r>
-            <a:r>
-              <a:rPr lang="fa-IR" sz="2000" dirty="0" err="1">
-                <a:cs typeface="B Nazanin" panose="00000400000000000000" pitchFamily="2" charset="-78"/>
-              </a:rPr>
-              <a:t>ربات</a:t>
-            </a:r>
-            <a:r>
-              <a:rPr lang="fa-IR" sz="2000" dirty="0">
-                <a:cs typeface="B Nazanin" panose="00000400000000000000" pitchFamily="2" charset="-78"/>
-              </a:rPr>
-              <a:t> های پرسش و پاسخ (کمک دادن کاربران به جای </a:t>
-            </a:r>
-            <a:r>
-              <a:rPr lang="fa-IR" sz="2000" dirty="0" err="1">
-                <a:cs typeface="B Nazanin" panose="00000400000000000000" pitchFamily="2" charset="-78"/>
-              </a:rPr>
-              <a:t>اپراتور</a:t>
-            </a:r>
-            <a:r>
-              <a:rPr lang="fa-IR" sz="2000" dirty="0">
-                <a:cs typeface="B Nazanin" panose="00000400000000000000" pitchFamily="2" charset="-78"/>
-              </a:rPr>
-              <a:t>) ، تحلیل داده ، نگارش گزارش ، سیستم </a:t>
-            </a:r>
-            <a:r>
-              <a:rPr lang="en-US" sz="2000" dirty="0">
-                <a:cs typeface="B Nazanin" panose="00000400000000000000" pitchFamily="2" charset="-78"/>
-              </a:rPr>
-              <a:t>FAQ</a:t>
-            </a:r>
-            <a:r>
-              <a:rPr lang="fa-IR" sz="2000" dirty="0">
-                <a:cs typeface="B Nazanin" panose="00000400000000000000" pitchFamily="2" charset="-78"/>
-              </a:rPr>
-              <a:t> ، </a:t>
-            </a:r>
-            <a:r>
-              <a:rPr lang="en-US" sz="1400" b="1" i="0" dirty="0">
-                <a:solidFill>
-                  <a:srgbClr val="050A12"/>
-                </a:solidFill>
-                <a:effectLst/>
-                <a:latin typeface="Poppins" panose="00000500000000000000" pitchFamily="2" charset="0"/>
-              </a:rPr>
-              <a:t>Open-Domain QA</a:t>
-            </a:r>
-            <a:r>
-              <a:rPr lang="fa-IR" sz="1400" b="1" i="0" dirty="0">
-                <a:solidFill>
-                  <a:srgbClr val="050A12"/>
-                </a:solidFill>
-                <a:effectLst/>
-                <a:latin typeface="Poppins" panose="00000500000000000000" pitchFamily="2" charset="0"/>
-              </a:rPr>
-              <a:t> (کنار هم گذاشتن اطلاعات از منابع </a:t>
-            </a:r>
-            <a:r>
-              <a:rPr lang="fa-IR" sz="1400" b="1" i="0" dirty="0" err="1">
-                <a:solidFill>
-                  <a:srgbClr val="050A12"/>
-                </a:solidFill>
-                <a:effectLst/>
-                <a:latin typeface="Poppins" panose="00000500000000000000" pitchFamily="2" charset="0"/>
-              </a:rPr>
-              <a:t>مختف</a:t>
-            </a:r>
-            <a:r>
-              <a:rPr lang="fa-IR" sz="1400" b="1" i="0" dirty="0">
-                <a:solidFill>
-                  <a:srgbClr val="050A12"/>
-                </a:solidFill>
-                <a:effectLst/>
-                <a:latin typeface="Poppins" panose="00000500000000000000" pitchFamily="2" charset="0"/>
-              </a:rPr>
-              <a:t> و ارائه تحلیل) </a:t>
-            </a:r>
-            <a:r>
-              <a:rPr lang="fa-IR" sz="1400" b="1" dirty="0">
-                <a:solidFill>
-                  <a:srgbClr val="050A12"/>
-                </a:solidFill>
-                <a:latin typeface="Poppins" panose="00000500000000000000" pitchFamily="2" charset="0"/>
-              </a:rPr>
-              <a:t>، گزارش خبری (گزارش بر پایه اطلاعات از منابع مختلف) ، دستیار تحلیلی و تحقیقاتی</a:t>
-            </a:r>
-            <a:endParaRPr lang="fa-IR" sz="2000" dirty="0">
-              <a:cs typeface="B Nazanin" panose="00000400000000000000" pitchFamily="2" charset="-78"/>
-            </a:endParaRPr>
-          </a:p>
-          <a:p>
-            <a:pPr algn="r" rtl="1"/>
-            <a:r>
-              <a:rPr lang="fa-IR" sz="2000" dirty="0">
-                <a:cs typeface="B Nazanin" panose="00000400000000000000" pitchFamily="2" charset="-78"/>
-              </a:rPr>
-              <a:t>تقویت مدل زبانی با دانش و اطلاعات دیگر : </a:t>
-            </a:r>
-            <a:r>
-              <a:rPr lang="en-US" sz="2000" dirty="0">
-                <a:cs typeface="B Nazanin" panose="00000400000000000000" pitchFamily="2" charset="-78"/>
-              </a:rPr>
-              <a:t>Fine-tuning </a:t>
-            </a:r>
-            <a:r>
-              <a:rPr lang="fa-IR" sz="2000" dirty="0">
-                <a:cs typeface="B Nazanin" panose="00000400000000000000" pitchFamily="2" charset="-78"/>
-              </a:rPr>
-              <a:t> و </a:t>
-            </a:r>
-            <a:r>
-              <a:rPr lang="en-US" sz="2000" dirty="0">
-                <a:cs typeface="B Nazanin" panose="00000400000000000000" pitchFamily="2" charset="-78"/>
-              </a:rPr>
-              <a:t>RAG</a:t>
-            </a:r>
-          </a:p>
-          <a:p>
-            <a:pPr algn="r" rtl="1"/>
-            <a:r>
-              <a:rPr lang="fa-IR" sz="2000" dirty="0">
-                <a:cs typeface="B Nazanin" panose="00000400000000000000" pitchFamily="2" charset="-78"/>
-              </a:rPr>
-              <a:t>مقایسه مزایا و معایب </a:t>
-            </a:r>
-            <a:r>
-              <a:rPr lang="en-US" sz="2000" dirty="0">
-                <a:cs typeface="B Nazanin" panose="00000400000000000000" pitchFamily="2" charset="-78"/>
-              </a:rPr>
-              <a:t>Fine-tuning </a:t>
-            </a:r>
-            <a:r>
-              <a:rPr lang="fa-IR" sz="2000" dirty="0">
-                <a:cs typeface="B Nazanin" panose="00000400000000000000" pitchFamily="2" charset="-78"/>
-              </a:rPr>
-              <a:t> و </a:t>
-            </a:r>
-            <a:r>
-              <a:rPr lang="en-US" sz="2000" dirty="0">
-                <a:cs typeface="B Nazanin" panose="00000400000000000000" pitchFamily="2" charset="-78"/>
-              </a:rPr>
-              <a:t>RAG</a:t>
-            </a:r>
-            <a:r>
-              <a:rPr lang="fa-IR" sz="2000" dirty="0">
-                <a:cs typeface="B Nazanin" panose="00000400000000000000" pitchFamily="2" charset="-78"/>
-              </a:rPr>
-              <a:t> و شرایط استفاده از هر کدام (مثلا کنترل میزان دسترسی کاربران)</a:t>
-            </a:r>
-          </a:p>
-          <a:p>
-            <a:pPr algn="r" rtl="1"/>
-            <a:r>
-              <a:rPr lang="fa-IR" sz="2000" dirty="0">
-                <a:cs typeface="B Nazanin" panose="00000400000000000000" pitchFamily="2" charset="-78"/>
-              </a:rPr>
-              <a:t>چالش ها و مشکلات </a:t>
-            </a:r>
-            <a:r>
-              <a:rPr lang="en-US" sz="2000" dirty="0">
-                <a:cs typeface="B Nazanin" panose="00000400000000000000" pitchFamily="2" charset="-78"/>
-              </a:rPr>
-              <a:t>RAG</a:t>
-            </a:r>
-            <a:r>
-              <a:rPr lang="fa-IR" sz="2000" dirty="0">
-                <a:cs typeface="B Nazanin" panose="00000400000000000000" pitchFamily="2" charset="-78"/>
-              </a:rPr>
-              <a:t> (مشکلات </a:t>
-            </a:r>
-            <a:r>
-              <a:rPr lang="en-US" sz="2000" dirty="0">
-                <a:cs typeface="B Nazanin" panose="00000400000000000000" pitchFamily="2" charset="-78"/>
-              </a:rPr>
-              <a:t>query</a:t>
-            </a:r>
-            <a:r>
-              <a:rPr lang="fa-IR" sz="2000" dirty="0">
-                <a:cs typeface="B Nazanin" panose="00000400000000000000" pitchFamily="2" charset="-78"/>
-              </a:rPr>
-              <a:t> های پیچیده ، دقت در پایگاه دانشی بزرگ ، پشتیبانی چند زبانی)</a:t>
-            </a:r>
-          </a:p>
-          <a:p>
-            <a:pPr algn="r" rtl="1"/>
-            <a:r>
-              <a:rPr lang="fa-IR" sz="2000" dirty="0">
-                <a:cs typeface="B Nazanin" panose="00000400000000000000" pitchFamily="2" charset="-78"/>
-              </a:rPr>
-              <a:t>ظرفیت های پیش رو: راهکارهای تقویت فرآیند </a:t>
-            </a:r>
-            <a:r>
-              <a:rPr lang="en-US" sz="2000" dirty="0">
-                <a:cs typeface="B Nazanin" panose="00000400000000000000" pitchFamily="2" charset="-78"/>
-              </a:rPr>
-              <a:t>RAG</a:t>
-            </a:r>
-            <a:r>
-              <a:rPr lang="fa-IR" sz="2000" dirty="0">
-                <a:cs typeface="B Nazanin" panose="00000400000000000000" pitchFamily="2" charset="-78"/>
-              </a:rPr>
-              <a:t> نظیر </a:t>
-            </a:r>
-            <a:r>
-              <a:rPr lang="en-US" sz="2000" dirty="0">
-                <a:cs typeface="B Nazanin" panose="00000400000000000000" pitchFamily="2" charset="-78"/>
-              </a:rPr>
-              <a:t>Fusion</a:t>
-            </a:r>
-            <a:r>
-              <a:rPr lang="fa-IR" sz="2000" dirty="0">
-                <a:cs typeface="B Nazanin" panose="00000400000000000000" pitchFamily="2" charset="-78"/>
-              </a:rPr>
-              <a:t> (ارائه اطلاعات پیش زمینه ای از مدل متخصص دیگر به مدل اصلی) ، بهبود سوال ، </a:t>
-            </a:r>
-            <a:r>
-              <a:rPr lang="fa-IR" sz="2000" dirty="0" err="1">
-                <a:cs typeface="B Nazanin" panose="00000400000000000000" pitchFamily="2" charset="-78"/>
-              </a:rPr>
-              <a:t>چندبخشی</a:t>
-            </a:r>
-            <a:r>
-              <a:rPr lang="fa-IR" sz="2000" dirty="0">
-                <a:cs typeface="B Nazanin" panose="00000400000000000000" pitchFamily="2" charset="-78"/>
-              </a:rPr>
-              <a:t> کردن سوال ، </a:t>
-            </a:r>
-          </a:p>
-          <a:p>
-            <a:pPr algn="r" rtl="1"/>
-            <a:endParaRPr lang="en-US" sz="2000" dirty="0">
-              <a:cs typeface="B Nazanin" panose="00000400000000000000" pitchFamily="2" charset="-78"/>
-            </a:endParaRPr>
-          </a:p>
-          <a:p>
-            <a:pPr algn="r" rtl="1"/>
-            <a:endParaRPr lang="en-US" sz="2000" dirty="0">
-              <a:cs typeface="B Nazanin" panose="00000400000000000000" pitchFamily="2" charset="-78"/>
-            </a:endParaRPr>
-          </a:p>
-          <a:p>
-            <a:pPr algn="r" rtl="1"/>
-            <a:endParaRPr lang="fa-IR" sz="2000" dirty="0">
-              <a:cs typeface="B Nazanin" panose="00000400000000000000" pitchFamily="2" charset="-78"/>
-            </a:endParaRPr>
-          </a:p>
-        </p:txBody>
-      </p:sp>
-    </p:spTree>
-    <p:extLst>
-      <p:ext uri="{BB962C8B-B14F-4D97-AF65-F5344CB8AC3E}">
-        <p14:creationId xmlns:p14="http://schemas.microsoft.com/office/powerpoint/2010/main" val="2018849995"/>
-      </p:ext>
-    </p:extLst>
-  </p:cSld>
-  <p:clrMapOvr>
-    <a:masterClrMapping/>
-  </p:clrMapOvr>
-</p:sld>
-</file>
-
-<file path=ppt/slides/slide3.xml><?xml version="1.0" encoding="utf-8"?>
 <p:sld xmlns:a="http://schemas.openxmlformats.org/drawingml/2006/main" xmlns:r="http://schemas.openxmlformats.org/officeDocument/2006/relationships" xmlns:p="http://schemas.openxmlformats.org/presentationml/2006/main">
   <p:cSld>
     <p:bg>
@@ -11606,7 +10602,7 @@
 </p:sld>
 </file>
 
-<file path=ppt/slides/slide4.xml><?xml version="1.0" encoding="utf-8"?>
+<file path=ppt/slides/slide3.xml><?xml version="1.0" encoding="utf-8"?>
 <p:sld xmlns:a="http://schemas.openxmlformats.org/drawingml/2006/main" xmlns:r="http://schemas.openxmlformats.org/officeDocument/2006/relationships" xmlns:p="http://schemas.openxmlformats.org/presentationml/2006/main">
   <p:cSld>
     <p:spTree>
@@ -12489,7 +11485,7 @@
 </p:sld>
 </file>
 
-<file path=ppt/slides/slide5.xml><?xml version="1.0" encoding="utf-8"?>
+<file path=ppt/slides/slide4.xml><?xml version="1.0" encoding="utf-8"?>
 <p:sld xmlns:a="http://schemas.openxmlformats.org/drawingml/2006/main" xmlns:r="http://schemas.openxmlformats.org/officeDocument/2006/relationships" xmlns:p="http://schemas.openxmlformats.org/presentationml/2006/main">
   <p:cSld>
     <p:spTree>
@@ -13685,7 +12681,7 @@
 </p:sld>
 </file>
 
-<file path=ppt/slides/slide6.xml><?xml version="1.0" encoding="utf-8"?>
+<file path=ppt/slides/slide5.xml><?xml version="1.0" encoding="utf-8"?>
 <p:sld xmlns:a="http://schemas.openxmlformats.org/drawingml/2006/main" xmlns:r="http://schemas.openxmlformats.org/officeDocument/2006/relationships" xmlns:p="http://schemas.openxmlformats.org/presentationml/2006/main">
   <p:cSld>
     <p:spTree>
@@ -13702,6 +12698,48 @@
           <a:chExt cx="0" cy="0"/>
         </a:xfrm>
       </p:grpSpPr>
+      <p:cxnSp>
+        <p:nvCxnSpPr>
+          <p:cNvPr id="102" name="Straight Arrow Connector 101">
+            <a:extLst>
+              <a:ext uri="{FF2B5EF4-FFF2-40B4-BE49-F238E27FC236}">
+                <a16:creationId xmlns:a16="http://schemas.microsoft.com/office/drawing/2014/main" id="{44288537-A1B0-D053-A817-5EA8797368FE}"/>
+              </a:ext>
+            </a:extLst>
+          </p:cNvPr>
+          <p:cNvCxnSpPr>
+            <a:cxnSpLocks/>
+            <a:stCxn id="74" idx="3"/>
+          </p:cNvCxnSpPr>
+          <p:nvPr/>
+        </p:nvCxnSpPr>
+        <p:spPr>
+          <a:xfrm flipV="1">
+            <a:off x="9781310" y="3886852"/>
+            <a:ext cx="748145" cy="1237154"/>
+          </a:xfrm>
+          <a:prstGeom prst="straightConnector1">
+            <a:avLst/>
+          </a:prstGeom>
+          <a:ln>
+            <a:tailEnd type="triangle"/>
+          </a:ln>
+        </p:spPr>
+        <p:style>
+          <a:lnRef idx="3">
+            <a:schemeClr val="dk1"/>
+          </a:lnRef>
+          <a:fillRef idx="0">
+            <a:schemeClr val="dk1"/>
+          </a:fillRef>
+          <a:effectRef idx="2">
+            <a:schemeClr val="dk1"/>
+          </a:effectRef>
+          <a:fontRef idx="minor">
+            <a:schemeClr val="tx1"/>
+          </a:fontRef>
+        </p:style>
+      </p:cxnSp>
       <p:cxnSp>
         <p:nvCxnSpPr>
           <p:cNvPr id="103" name="Straight Arrow Connector 102">
@@ -14665,7 +13703,7 @@
               <a:avLst/>
             </a:prstGeom>
             <a:solidFill>
-              <a:srgbClr val="C9D1DD"/>
+              <a:srgbClr val="CBF9E4"/>
             </a:solidFill>
             <a:ln>
               <a:noFill/>
@@ -15479,48 +14517,6 @@
           </a:p>
         </p:txBody>
       </p:sp>
-      <p:cxnSp>
-        <p:nvCxnSpPr>
-          <p:cNvPr id="102" name="Straight Arrow Connector 101">
-            <a:extLst>
-              <a:ext uri="{FF2B5EF4-FFF2-40B4-BE49-F238E27FC236}">
-                <a16:creationId xmlns:a16="http://schemas.microsoft.com/office/drawing/2014/main" id="{44288537-A1B0-D053-A817-5EA8797368FE}"/>
-              </a:ext>
-            </a:extLst>
-          </p:cNvPr>
-          <p:cNvCxnSpPr>
-            <a:cxnSpLocks/>
-            <a:stCxn id="74" idx="3"/>
-          </p:cNvCxnSpPr>
-          <p:nvPr/>
-        </p:nvCxnSpPr>
-        <p:spPr>
-          <a:xfrm flipV="1">
-            <a:off x="9781310" y="3886852"/>
-            <a:ext cx="748145" cy="1237154"/>
-          </a:xfrm>
-          <a:prstGeom prst="straightConnector1">
-            <a:avLst/>
-          </a:prstGeom>
-          <a:ln>
-            <a:tailEnd type="triangle"/>
-          </a:ln>
-        </p:spPr>
-        <p:style>
-          <a:lnRef idx="3">
-            <a:schemeClr val="dk1"/>
-          </a:lnRef>
-          <a:fillRef idx="0">
-            <a:schemeClr val="dk1"/>
-          </a:fillRef>
-          <a:effectRef idx="2">
-            <a:schemeClr val="dk1"/>
-          </a:effectRef>
-          <a:fontRef idx="minor">
-            <a:schemeClr val="tx1"/>
-          </a:fontRef>
-        </p:style>
-      </p:cxnSp>
       <p:sp>
         <p:nvSpPr>
           <p:cNvPr id="114" name="TextBox 113">
@@ -15651,7 +14647,7 @@
 </p:sld>
 </file>
 
-<file path=ppt/slides/slide7.xml><?xml version="1.0" encoding="utf-8"?>
+<file path=ppt/slides/slide6.xml><?xml version="1.0" encoding="utf-8"?>
 <p:sld xmlns:a="http://schemas.openxmlformats.org/drawingml/2006/main" xmlns:r="http://schemas.openxmlformats.org/officeDocument/2006/relationships" xmlns:p="http://schemas.openxmlformats.org/presentationml/2006/main">
   <p:cSld>
     <p:spTree>
@@ -17416,7 +16412,7 @@
 </p:sld>
 </file>
 
-<file path=ppt/slides/slide8.xml><?xml version="1.0" encoding="utf-8"?>
+<file path=ppt/slides/slide7.xml><?xml version="1.0" encoding="utf-8"?>
 <p:sld xmlns:a="http://schemas.openxmlformats.org/drawingml/2006/main" xmlns:r="http://schemas.openxmlformats.org/officeDocument/2006/relationships" xmlns:p="http://schemas.openxmlformats.org/presentationml/2006/main">
   <p:cSld>
     <p:spTree>
@@ -17520,7 +16516,7 @@
 </p:sld>
 </file>
 
-<file path=ppt/slides/slide9.xml><?xml version="1.0" encoding="utf-8"?>
+<file path=ppt/slides/slide8.xml><?xml version="1.0" encoding="utf-8"?>
 <p:sld xmlns:a="http://schemas.openxmlformats.org/drawingml/2006/main" xmlns:r="http://schemas.openxmlformats.org/officeDocument/2006/relationships" xmlns:p="http://schemas.openxmlformats.org/presentationml/2006/main">
   <p:cSld>
     <p:spTree>
@@ -17555,7 +16551,7 @@
         </p:nvSpPr>
         <p:spPr>
           <a:xfrm>
-            <a:off x="316702" y="57370"/>
+            <a:off x="427538" y="0"/>
             <a:ext cx="11558591" cy="750588"/>
           </a:xfrm>
         </p:spPr>
@@ -17567,7 +16563,7 @@
           <a:p>
             <a:pPr algn="r" rtl="1"/>
             <a:r>
-              <a:rPr lang="fa-IR" sz="3200" b="1" dirty="0">
+              <a:rPr lang="fa-IR" sz="3000" b="1" dirty="0">
                 <a:solidFill>
                   <a:schemeClr val="accent1">
                     <a:lumMod val="75000"/>
@@ -17578,7 +16574,7 @@
               <a:t>مقایسه راهکارهای ایجاد دانش جدید در </a:t>
             </a:r>
             <a:r>
-              <a:rPr lang="fa-IR" sz="3200" b="1" dirty="0" err="1">
+              <a:rPr lang="fa-IR" sz="3000" b="1" dirty="0" err="1">
                 <a:solidFill>
                   <a:schemeClr val="accent1">
                     <a:lumMod val="75000"/>
@@ -17589,7 +16585,7 @@
               <a:t>مدل‌های</a:t>
             </a:r>
             <a:r>
-              <a:rPr lang="fa-IR" sz="3200" b="1" dirty="0">
+              <a:rPr lang="fa-IR" sz="3000" b="1" dirty="0">
                 <a:solidFill>
                   <a:schemeClr val="accent1">
                     <a:lumMod val="75000"/>
@@ -17599,7 +16595,7 @@
               </a:rPr>
               <a:t> زبانی</a:t>
             </a:r>
-            <a:endParaRPr lang="fa-IR" sz="3600" b="1" dirty="0">
+            <a:endParaRPr lang="fa-IR" sz="3000" b="1" dirty="0">
               <a:solidFill>
                 <a:schemeClr val="accent1">
                   <a:lumMod val="75000"/>
@@ -17625,14 +16621,14 @@
             <p:ph idx="1"/>
             <p:extLst>
               <p:ext uri="{D42A27DB-BD31-4B8C-83A1-F6EECF244321}">
-                <p14:modId xmlns:p14="http://schemas.microsoft.com/office/powerpoint/2010/main" val="2746341302"/>
+                <p14:modId xmlns:p14="http://schemas.microsoft.com/office/powerpoint/2010/main" val="1308487191"/>
               </p:ext>
             </p:extLst>
           </p:nvPr>
         </p:nvGraphicFramePr>
         <p:xfrm>
-          <a:off x="241479" y="858983"/>
-          <a:ext cx="11709039" cy="5710522"/>
+          <a:off x="73890" y="661983"/>
+          <a:ext cx="12044214" cy="6060280"/>
         </p:xfrm>
         <a:graphic>
           <a:graphicData uri="http://schemas.openxmlformats.org/drawingml/2006/table">
@@ -17641,28 +16637,28 @@
                 <a:tableStyleId>{5C22544A-7EE6-4342-B048-85BDC9FD1C3A}</a:tableStyleId>
               </a:tblPr>
               <a:tblGrid>
-                <a:gridCol w="1559846">
+                <a:gridCol w="1471046">
                   <a:extLst>
                     <a:ext uri="{9D8B030D-6E8A-4147-A177-3AD203B41FA5}">
                       <a16:colId xmlns:a16="http://schemas.microsoft.com/office/drawing/2014/main" val="3606271277"/>
                     </a:ext>
                   </a:extLst>
                 </a:gridCol>
-                <a:gridCol w="3749727">
+                <a:gridCol w="3732787">
                   <a:extLst>
                     <a:ext uri="{9D8B030D-6E8A-4147-A177-3AD203B41FA5}">
                       <a16:colId xmlns:a16="http://schemas.microsoft.com/office/drawing/2014/main" val="3450439336"/>
                     </a:ext>
                   </a:extLst>
                 </a:gridCol>
-                <a:gridCol w="3240630">
+                <a:gridCol w="3273083">
                   <a:extLst>
                     <a:ext uri="{9D8B030D-6E8A-4147-A177-3AD203B41FA5}">
                       <a16:colId xmlns:a16="http://schemas.microsoft.com/office/drawing/2014/main" val="1743241370"/>
                     </a:ext>
                   </a:extLst>
                 </a:gridCol>
-                <a:gridCol w="3158836">
+                <a:gridCol w="3567298">
                   <a:extLst>
                     <a:ext uri="{9D8B030D-6E8A-4147-A177-3AD203B41FA5}">
                       <a16:colId xmlns:a16="http://schemas.microsoft.com/office/drawing/2014/main" val="4055511178"/>
@@ -17670,7 +16666,7 @@
                   </a:extLst>
                 </a:gridCol>
               </a:tblGrid>
-              <a:tr h="512491">
+              <a:tr h="499252">
                 <a:tc>
                   <a:txBody>
                     <a:bodyPr/>
@@ -17831,7 +16827,7 @@
                   </a:ext>
                 </a:extLst>
               </a:tr>
-              <a:tr h="463503">
+              <a:tr h="451529">
                 <a:tc>
                   <a:txBody>
                     <a:bodyPr/>
@@ -17975,7 +16971,7 @@
                   </a:ext>
                 </a:extLst>
               </a:tr>
-              <a:tr h="1418771">
+              <a:tr h="1382121">
                 <a:tc>
                   <a:txBody>
                     <a:bodyPr/>
@@ -18517,7 +17513,7 @@
                   </a:ext>
                 </a:extLst>
               </a:tr>
-              <a:tr h="1430307">
+              <a:tr h="1277498">
                 <a:tc>
                   <a:txBody>
                     <a:bodyPr/>
@@ -18805,7 +17801,7 @@
                   </a:ext>
                 </a:extLst>
               </a:tr>
-              <a:tr h="1858960">
+              <a:tr h="2313145">
                 <a:tc>
                   <a:txBody>
                     <a:bodyPr/>
@@ -19431,6 +18427,26 @@
                         <a:t>و منابع اطلاعاتی</a:t>
                       </a:r>
                     </a:p>
+                    <a:p>
+                      <a:pPr marL="285750" indent="-285750" algn="r" defTabSz="914400" rtl="1" eaLnBrk="1" latinLnBrk="0" hangingPunct="1">
+                        <a:lnSpc>
+                          <a:spcPct val="150000"/>
+                        </a:lnSpc>
+                        <a:buFont typeface="Arial" panose="020B0604020202020204" pitchFamily="34" charset="0"/>
+                        <a:buChar char="•"/>
+                      </a:pPr>
+                      <a:r>
+                        <a:rPr lang="fa-IR" sz="1500" b="1" kern="1200" dirty="0">
+                          <a:solidFill>
+                            <a:schemeClr val="dk1"/>
+                          </a:solidFill>
+                          <a:latin typeface="+mn-lt"/>
+                          <a:ea typeface="+mn-ea"/>
+                          <a:cs typeface="B Nazanin" panose="00000400000000000000" pitchFamily="2" charset="-78"/>
+                        </a:rPr>
+                        <a:t>گزارش تحلیلی بر پایه اطلاعات از منابع مختلف</a:t>
+                      </a:r>
+                    </a:p>
                   </a:txBody>
                   <a:tcPr/>
                 </a:tc>
@@ -19458,7 +18474,7 @@
         </p:nvSpPr>
         <p:spPr>
           <a:xfrm>
-            <a:off x="3209636" y="2162916"/>
+            <a:off x="3435932" y="1970557"/>
             <a:ext cx="1671783" cy="246221"/>
           </a:xfrm>
           <a:prstGeom prst="rect">
@@ -19537,7 +18553,7 @@
         </p:nvCxnSpPr>
         <p:spPr>
           <a:xfrm rot="10800000" flipV="1">
-            <a:off x="4835243" y="2221375"/>
+            <a:off x="5070771" y="2030667"/>
             <a:ext cx="267855" cy="69248"/>
           </a:xfrm>
           <a:prstGeom prst="curvedConnector3">
@@ -19568,6 +18584,603 @@
     <p:extLst>
       <p:ext uri="{BB962C8B-B14F-4D97-AF65-F5344CB8AC3E}">
         <p14:creationId xmlns:p14="http://schemas.microsoft.com/office/powerpoint/2010/main" val="1909735869"/>
+      </p:ext>
+    </p:extLst>
+  </p:cSld>
+  <p:clrMapOvr>
+    <a:masterClrMapping/>
+  </p:clrMapOvr>
+</p:sld>
+</file>
+
+<file path=ppt/slides/slide9.xml><?xml version="1.0" encoding="utf-8"?>
+<p:sld xmlns:a="http://schemas.openxmlformats.org/drawingml/2006/main" xmlns:r="http://schemas.openxmlformats.org/officeDocument/2006/relationships" xmlns:p="http://schemas.openxmlformats.org/presentationml/2006/main">
+  <p:cSld>
+    <p:spTree>
+      <p:nvGrpSpPr>
+        <p:cNvPr id="1" name="">
+          <a:extLst>
+            <a:ext uri="{FF2B5EF4-FFF2-40B4-BE49-F238E27FC236}">
+              <a16:creationId xmlns:a16="http://schemas.microsoft.com/office/drawing/2014/main" id="{272AB6C1-B27D-8A14-DA33-11A17B57AD6B}"/>
+            </a:ext>
+          </a:extLst>
+        </p:cNvPr>
+        <p:cNvGrpSpPr/>
+        <p:nvPr/>
+      </p:nvGrpSpPr>
+      <p:grpSpPr>
+        <a:xfrm>
+          <a:off x="0" y="0"/>
+          <a:ext cx="0" cy="0"/>
+          <a:chOff x="0" y="0"/>
+          <a:chExt cx="0" cy="0"/>
+        </a:xfrm>
+      </p:grpSpPr>
+      <p:sp>
+        <p:nvSpPr>
+          <p:cNvPr id="2" name="Title 1">
+            <a:extLst>
+              <a:ext uri="{FF2B5EF4-FFF2-40B4-BE49-F238E27FC236}">
+                <a16:creationId xmlns:a16="http://schemas.microsoft.com/office/drawing/2014/main" id="{056D92D2-C91B-9937-1162-C9FA0927486D}"/>
+              </a:ext>
+            </a:extLst>
+          </p:cNvPr>
+          <p:cNvSpPr>
+            <a:spLocks noGrp="1"/>
+          </p:cNvSpPr>
+          <p:nvPr>
+            <p:ph type="title"/>
+          </p:nvPr>
+        </p:nvSpPr>
+        <p:spPr>
+          <a:xfrm>
+            <a:off x="998104" y="389602"/>
+            <a:ext cx="10515600" cy="1325563"/>
+          </a:xfrm>
+        </p:spPr>
+        <p:txBody>
+          <a:bodyPr/>
+          <a:lstStyle/>
+          <a:p>
+            <a:pPr algn="r" rtl="1"/>
+            <a:r>
+              <a:rPr lang="fa-IR" b="1" dirty="0">
+                <a:cs typeface="B Nazanin" panose="00000400000000000000" pitchFamily="2" charset="-78"/>
+              </a:rPr>
+              <a:t>چرا </a:t>
+            </a:r>
+            <a:r>
+              <a:rPr lang="en-US" sz="3600" b="1" dirty="0">
+                <a:latin typeface="Arial Black" panose="020B0A04020102020204" pitchFamily="34" charset="0"/>
+              </a:rPr>
+              <a:t>RAG</a:t>
+            </a:r>
+            <a:r>
+              <a:rPr lang="fa-IR" sz="3600" b="1" dirty="0">
+                <a:latin typeface="Arial Black" panose="020B0A04020102020204" pitchFamily="34" charset="0"/>
+              </a:rPr>
+              <a:t> </a:t>
+            </a:r>
+            <a:r>
+              <a:rPr lang="fa-IR" b="1" dirty="0">
+                <a:latin typeface="Arial Black" panose="020B0A04020102020204" pitchFamily="34" charset="0"/>
+                <a:cs typeface="B Roya" panose="00000400000000000000" pitchFamily="2" charset="-78"/>
+              </a:rPr>
+              <a:t>؟</a:t>
+            </a:r>
+          </a:p>
+        </p:txBody>
+      </p:sp>
+      <p:graphicFrame>
+        <p:nvGraphicFramePr>
+          <p:cNvPr id="6" name="Content Placeholder 5">
+            <a:extLst>
+              <a:ext uri="{FF2B5EF4-FFF2-40B4-BE49-F238E27FC236}">
+                <a16:creationId xmlns:a16="http://schemas.microsoft.com/office/drawing/2014/main" id="{AD505F06-E5C9-19CF-09EF-31F4B01C678D}"/>
+              </a:ext>
+            </a:extLst>
+          </p:cNvPr>
+          <p:cNvGraphicFramePr>
+            <a:graphicFrameLocks noGrp="1"/>
+          </p:cNvGraphicFramePr>
+          <p:nvPr>
+            <p:ph idx="1"/>
+            <p:extLst>
+              <p:ext uri="{D42A27DB-BD31-4B8C-83A1-F6EECF244321}">
+                <p14:modId xmlns:p14="http://schemas.microsoft.com/office/powerpoint/2010/main" val="1166548578"/>
+              </p:ext>
+            </p:extLst>
+          </p:nvPr>
+        </p:nvGraphicFramePr>
+        <p:xfrm>
+          <a:off x="5445417" y="1598324"/>
+          <a:ext cx="1799355" cy="1958108"/>
+        </p:xfrm>
+        <a:graphic>
+          <a:graphicData uri="http://schemas.openxmlformats.org/drawingml/2006/diagram">
+            <dgm:relIds xmlns:dgm="http://schemas.openxmlformats.org/drawingml/2006/diagram" xmlns:r="http://schemas.openxmlformats.org/officeDocument/2006/relationships" r:dm="rId3" r:lo="rId4" r:qs="rId5" r:cs="rId6"/>
+          </a:graphicData>
+        </a:graphic>
+      </p:graphicFrame>
+      <p:sp>
+        <p:nvSpPr>
+          <p:cNvPr id="8" name="Content Placeholder 2">
+            <a:extLst>
+              <a:ext uri="{FF2B5EF4-FFF2-40B4-BE49-F238E27FC236}">
+                <a16:creationId xmlns:a16="http://schemas.microsoft.com/office/drawing/2014/main" id="{B6F48053-AED1-D9DB-FA80-0FB8CA66158E}"/>
+              </a:ext>
+            </a:extLst>
+          </p:cNvPr>
+          <p:cNvSpPr txBox="1">
+            <a:spLocks/>
+          </p:cNvSpPr>
+          <p:nvPr/>
+        </p:nvSpPr>
+        <p:spPr>
+          <a:xfrm>
+            <a:off x="1231900" y="1690688"/>
+            <a:ext cx="10515600" cy="4608139"/>
+          </a:xfrm>
+          <a:prstGeom prst="rect">
+            <a:avLst/>
+          </a:prstGeom>
+        </p:spPr>
+        <p:txBody>
+          <a:bodyPr vert="horz" lIns="91440" tIns="45720" rIns="91440" bIns="45720" rtlCol="0">
+            <a:normAutofit fontScale="92500" lnSpcReduction="10000"/>
+          </a:bodyPr>
+          <a:lstStyle>
+            <a:lvl1pPr marL="228600" indent="-228600" algn="l" defTabSz="914400" rtl="0" eaLnBrk="1" latinLnBrk="0" hangingPunct="1">
+              <a:lnSpc>
+                <a:spcPct val="90000"/>
+              </a:lnSpc>
+              <a:spcBef>
+                <a:spcPts val="1000"/>
+              </a:spcBef>
+              <a:buFont typeface="Arial" panose="020B0604020202020204" pitchFamily="34" charset="0"/>
+              <a:buChar char="•"/>
+              <a:defRPr sz="2800" kern="1200">
+                <a:solidFill>
+                  <a:schemeClr val="tx1"/>
+                </a:solidFill>
+                <a:latin typeface="+mn-lt"/>
+                <a:ea typeface="+mn-ea"/>
+                <a:cs typeface="+mn-cs"/>
+              </a:defRPr>
+            </a:lvl1pPr>
+            <a:lvl2pPr marL="685800" indent="-228600" algn="l" defTabSz="914400" rtl="0" eaLnBrk="1" latinLnBrk="0" hangingPunct="1">
+              <a:lnSpc>
+                <a:spcPct val="90000"/>
+              </a:lnSpc>
+              <a:spcBef>
+                <a:spcPts val="500"/>
+              </a:spcBef>
+              <a:buFont typeface="Arial" panose="020B0604020202020204" pitchFamily="34" charset="0"/>
+              <a:buChar char="•"/>
+              <a:defRPr sz="2400" kern="1200">
+                <a:solidFill>
+                  <a:schemeClr val="tx1"/>
+                </a:solidFill>
+                <a:latin typeface="+mn-lt"/>
+                <a:ea typeface="+mn-ea"/>
+                <a:cs typeface="+mn-cs"/>
+              </a:defRPr>
+            </a:lvl2pPr>
+            <a:lvl3pPr marL="1143000" indent="-228600" algn="l" defTabSz="914400" rtl="0" eaLnBrk="1" latinLnBrk="0" hangingPunct="1">
+              <a:lnSpc>
+                <a:spcPct val="90000"/>
+              </a:lnSpc>
+              <a:spcBef>
+                <a:spcPts val="500"/>
+              </a:spcBef>
+              <a:buFont typeface="Arial" panose="020B0604020202020204" pitchFamily="34" charset="0"/>
+              <a:buChar char="•"/>
+              <a:defRPr sz="2000" kern="1200">
+                <a:solidFill>
+                  <a:schemeClr val="tx1"/>
+                </a:solidFill>
+                <a:latin typeface="+mn-lt"/>
+                <a:ea typeface="+mn-ea"/>
+                <a:cs typeface="+mn-cs"/>
+              </a:defRPr>
+            </a:lvl3pPr>
+            <a:lvl4pPr marL="1600200" indent="-228600" algn="l" defTabSz="914400" rtl="0" eaLnBrk="1" latinLnBrk="0" hangingPunct="1">
+              <a:lnSpc>
+                <a:spcPct val="90000"/>
+              </a:lnSpc>
+              <a:spcBef>
+                <a:spcPts val="500"/>
+              </a:spcBef>
+              <a:buFont typeface="Arial" panose="020B0604020202020204" pitchFamily="34" charset="0"/>
+              <a:buChar char="•"/>
+              <a:defRPr sz="1800" kern="1200">
+                <a:solidFill>
+                  <a:schemeClr val="tx1"/>
+                </a:solidFill>
+                <a:latin typeface="+mn-lt"/>
+                <a:ea typeface="+mn-ea"/>
+                <a:cs typeface="+mn-cs"/>
+              </a:defRPr>
+            </a:lvl4pPr>
+            <a:lvl5pPr marL="2057400" indent="-228600" algn="l" defTabSz="914400" rtl="0" eaLnBrk="1" latinLnBrk="0" hangingPunct="1">
+              <a:lnSpc>
+                <a:spcPct val="90000"/>
+              </a:lnSpc>
+              <a:spcBef>
+                <a:spcPts val="500"/>
+              </a:spcBef>
+              <a:buFont typeface="Arial" panose="020B0604020202020204" pitchFamily="34" charset="0"/>
+              <a:buChar char="•"/>
+              <a:defRPr sz="1800" kern="1200">
+                <a:solidFill>
+                  <a:schemeClr val="tx1"/>
+                </a:solidFill>
+                <a:latin typeface="+mn-lt"/>
+                <a:ea typeface="+mn-ea"/>
+                <a:cs typeface="+mn-cs"/>
+              </a:defRPr>
+            </a:lvl5pPr>
+            <a:lvl6pPr marL="2514600" indent="-228600" algn="l" defTabSz="914400" rtl="0" eaLnBrk="1" latinLnBrk="0" hangingPunct="1">
+              <a:lnSpc>
+                <a:spcPct val="90000"/>
+              </a:lnSpc>
+              <a:spcBef>
+                <a:spcPts val="500"/>
+              </a:spcBef>
+              <a:buFont typeface="Arial" panose="020B0604020202020204" pitchFamily="34" charset="0"/>
+              <a:buChar char="•"/>
+              <a:defRPr sz="1800" kern="1200">
+                <a:solidFill>
+                  <a:schemeClr val="tx1"/>
+                </a:solidFill>
+                <a:latin typeface="+mn-lt"/>
+                <a:ea typeface="+mn-ea"/>
+                <a:cs typeface="+mn-cs"/>
+              </a:defRPr>
+            </a:lvl6pPr>
+            <a:lvl7pPr marL="2971800" indent="-228600" algn="l" defTabSz="914400" rtl="0" eaLnBrk="1" latinLnBrk="0" hangingPunct="1">
+              <a:lnSpc>
+                <a:spcPct val="90000"/>
+              </a:lnSpc>
+              <a:spcBef>
+                <a:spcPts val="500"/>
+              </a:spcBef>
+              <a:buFont typeface="Arial" panose="020B0604020202020204" pitchFamily="34" charset="0"/>
+              <a:buChar char="•"/>
+              <a:defRPr sz="1800" kern="1200">
+                <a:solidFill>
+                  <a:schemeClr val="tx1"/>
+                </a:solidFill>
+                <a:latin typeface="+mn-lt"/>
+                <a:ea typeface="+mn-ea"/>
+                <a:cs typeface="+mn-cs"/>
+              </a:defRPr>
+            </a:lvl7pPr>
+            <a:lvl8pPr marL="3429000" indent="-228600" algn="l" defTabSz="914400" rtl="0" eaLnBrk="1" latinLnBrk="0" hangingPunct="1">
+              <a:lnSpc>
+                <a:spcPct val="90000"/>
+              </a:lnSpc>
+              <a:spcBef>
+                <a:spcPts val="500"/>
+              </a:spcBef>
+              <a:buFont typeface="Arial" panose="020B0604020202020204" pitchFamily="34" charset="0"/>
+              <a:buChar char="•"/>
+              <a:defRPr sz="1800" kern="1200">
+                <a:solidFill>
+                  <a:schemeClr val="tx1"/>
+                </a:solidFill>
+                <a:latin typeface="+mn-lt"/>
+                <a:ea typeface="+mn-ea"/>
+                <a:cs typeface="+mn-cs"/>
+              </a:defRPr>
+            </a:lvl8pPr>
+            <a:lvl9pPr marL="3886200" indent="-228600" algn="l" defTabSz="914400" rtl="0" eaLnBrk="1" latinLnBrk="0" hangingPunct="1">
+              <a:lnSpc>
+                <a:spcPct val="90000"/>
+              </a:lnSpc>
+              <a:spcBef>
+                <a:spcPts val="500"/>
+              </a:spcBef>
+              <a:buFont typeface="Arial" panose="020B0604020202020204" pitchFamily="34" charset="0"/>
+              <a:buChar char="•"/>
+              <a:defRPr sz="1800" kern="1200">
+                <a:solidFill>
+                  <a:schemeClr val="tx1"/>
+                </a:solidFill>
+                <a:latin typeface="+mn-lt"/>
+                <a:ea typeface="+mn-ea"/>
+                <a:cs typeface="+mn-cs"/>
+              </a:defRPr>
+            </a:lvl9pPr>
+          </a:lstStyle>
+          <a:p>
+            <a:pPr algn="r" rtl="1"/>
+            <a:endParaRPr lang="fa-IR" sz="2000" b="1" dirty="0">
+              <a:cs typeface="B Nazanin" panose="00000400000000000000" pitchFamily="2" charset="-78"/>
+            </a:endParaRPr>
+          </a:p>
+          <a:p>
+            <a:pPr algn="r" rtl="1"/>
+            <a:endParaRPr lang="fa-IR" sz="2000" b="1" dirty="0">
+              <a:cs typeface="B Nazanin" panose="00000400000000000000" pitchFamily="2" charset="-78"/>
+            </a:endParaRPr>
+          </a:p>
+          <a:p>
+            <a:pPr algn="r" rtl="1"/>
+            <a:r>
+              <a:rPr lang="fa-IR" sz="2000" b="1" dirty="0" err="1">
+                <a:cs typeface="B Nazanin" panose="00000400000000000000" pitchFamily="2" charset="-78"/>
+              </a:rPr>
+              <a:t>بهره‌مندی</a:t>
+            </a:r>
+            <a:r>
+              <a:rPr lang="fa-IR" sz="2000" b="1" dirty="0">
+                <a:cs typeface="B Nazanin" panose="00000400000000000000" pitchFamily="2" charset="-78"/>
+              </a:rPr>
+              <a:t> از قابلیت ‌های یک مدل زبانی پیشرفته</a:t>
+            </a:r>
+          </a:p>
+          <a:p>
+            <a:pPr algn="r" rtl="1"/>
+            <a:endParaRPr lang="fa-IR" sz="2000" b="1" dirty="0">
+              <a:cs typeface="B Nazanin" panose="00000400000000000000" pitchFamily="2" charset="-78"/>
+            </a:endParaRPr>
+          </a:p>
+          <a:p>
+            <a:pPr marL="0" indent="0" algn="r" rtl="1">
+              <a:buNone/>
+            </a:pPr>
+            <a:endParaRPr lang="fa-IR" sz="2000" b="1" dirty="0">
+              <a:cs typeface="B Nazanin" panose="00000400000000000000" pitchFamily="2" charset="-78"/>
+            </a:endParaRPr>
+          </a:p>
+          <a:p>
+            <a:pPr algn="r" rtl="1"/>
+            <a:r>
+              <a:rPr lang="fa-IR" sz="2000" b="1" dirty="0">
+                <a:cs typeface="B Nazanin" panose="00000400000000000000" pitchFamily="2" charset="-78"/>
+              </a:rPr>
+              <a:t>سرعت بالا در افزودن مدارک و منابع</a:t>
+            </a:r>
+          </a:p>
+          <a:p>
+            <a:pPr algn="r" rtl="1"/>
+            <a:endParaRPr lang="fa-IR" sz="2000" b="1" dirty="0">
+              <a:cs typeface="B Nazanin" panose="00000400000000000000" pitchFamily="2" charset="-78"/>
+            </a:endParaRPr>
+          </a:p>
+          <a:p>
+            <a:pPr algn="r" rtl="1"/>
+            <a:r>
+              <a:rPr lang="fa-IR" sz="2000" b="1" dirty="0">
+                <a:cs typeface="B Nazanin" panose="00000400000000000000" pitchFamily="2" charset="-78"/>
+              </a:rPr>
+              <a:t>کیفیت پاسخ بالا</a:t>
+            </a:r>
+          </a:p>
+          <a:p>
+            <a:pPr marL="0" indent="0" algn="r" rtl="1">
+              <a:buNone/>
+            </a:pPr>
+            <a:endParaRPr lang="fa-IR" sz="2000" b="1" dirty="0">
+              <a:cs typeface="B Nazanin" panose="00000400000000000000" pitchFamily="2" charset="-78"/>
+            </a:endParaRPr>
+          </a:p>
+          <a:p>
+            <a:pPr algn="r" rtl="1"/>
+            <a:r>
+              <a:rPr lang="fa-IR" sz="2000" b="1" dirty="0">
+                <a:cs typeface="B Nazanin" panose="00000400000000000000" pitchFamily="2" charset="-78"/>
+              </a:rPr>
+              <a:t>کنترل بالای دسترسی کاربران توسط مدیر</a:t>
+            </a:r>
+          </a:p>
+          <a:p>
+            <a:pPr algn="r" rtl="1"/>
+            <a:endParaRPr lang="fa-IR" sz="2000" b="1" dirty="0">
+              <a:cs typeface="B Nazanin" panose="00000400000000000000" pitchFamily="2" charset="-78"/>
+            </a:endParaRPr>
+          </a:p>
+          <a:p>
+            <a:pPr algn="r" rtl="1"/>
+            <a:r>
+              <a:rPr lang="fa-IR" sz="2000" b="1" dirty="0">
+                <a:cs typeface="B Nazanin" panose="00000400000000000000" pitchFamily="2" charset="-78"/>
+              </a:rPr>
+              <a:t>هزینه </a:t>
+            </a:r>
+            <a:r>
+              <a:rPr lang="fa-IR" sz="2000" b="1" dirty="0" err="1">
+                <a:cs typeface="B Nazanin" panose="00000400000000000000" pitchFamily="2" charset="-78"/>
+              </a:rPr>
+              <a:t>محاسباتی</a:t>
+            </a:r>
+            <a:r>
+              <a:rPr lang="fa-IR" sz="2000" b="1" dirty="0">
+                <a:cs typeface="B Nazanin" panose="00000400000000000000" pitchFamily="2" charset="-78"/>
+              </a:rPr>
+              <a:t> (و اقتصادی) پایین</a:t>
+            </a:r>
+          </a:p>
+          <a:p>
+            <a:pPr algn="r" rtl="1"/>
+            <a:endParaRPr lang="fa-IR" sz="1400" dirty="0"/>
+          </a:p>
+          <a:p>
+            <a:pPr algn="r" rtl="1"/>
+            <a:endParaRPr lang="fa-IR" sz="2000" b="1" dirty="0">
+              <a:cs typeface="B Nazanin" panose="00000400000000000000" pitchFamily="2" charset="-78"/>
+            </a:endParaRPr>
+          </a:p>
+          <a:p>
+            <a:pPr algn="r" rtl="1"/>
+            <a:endParaRPr lang="fa-IR" sz="2000" b="1" dirty="0">
+              <a:cs typeface="B Nazanin" panose="00000400000000000000" pitchFamily="2" charset="-78"/>
+            </a:endParaRPr>
+          </a:p>
+          <a:p>
+            <a:pPr algn="r" rtl="1"/>
+            <a:endParaRPr lang="fa-IR" sz="2000" b="1" dirty="0">
+              <a:cs typeface="B Nazanin" panose="00000400000000000000" pitchFamily="2" charset="-78"/>
+            </a:endParaRPr>
+          </a:p>
+          <a:p>
+            <a:pPr algn="r" rtl="1"/>
+            <a:endParaRPr lang="fa-IR" sz="2000" b="1" dirty="0">
+              <a:cs typeface="B Nazanin" panose="00000400000000000000" pitchFamily="2" charset="-78"/>
+            </a:endParaRPr>
+          </a:p>
+          <a:p>
+            <a:pPr algn="r" rtl="1"/>
+            <a:endParaRPr lang="fa-IR" sz="2000" b="1" dirty="0">
+              <a:cs typeface="B Nazanin" panose="00000400000000000000" pitchFamily="2" charset="-78"/>
+            </a:endParaRPr>
+          </a:p>
+          <a:p>
+            <a:pPr algn="r" rtl="1"/>
+            <a:endParaRPr lang="fa-IR" sz="2000" b="1" dirty="0">
+              <a:cs typeface="B Nazanin" panose="00000400000000000000" pitchFamily="2" charset="-78"/>
+            </a:endParaRPr>
+          </a:p>
+          <a:p>
+            <a:pPr algn="r" rtl="1"/>
+            <a:endParaRPr lang="fa-IR" sz="2000" b="1" dirty="0">
+              <a:cs typeface="B Nazanin" panose="00000400000000000000" pitchFamily="2" charset="-78"/>
+            </a:endParaRPr>
+          </a:p>
+          <a:p>
+            <a:pPr algn="r" rtl="1"/>
+            <a:endParaRPr lang="fa-IR" sz="2000" b="1" dirty="0">
+              <a:cs typeface="B Nazanin" panose="00000400000000000000" pitchFamily="2" charset="-78"/>
+            </a:endParaRPr>
+          </a:p>
+          <a:p>
+            <a:pPr algn="r" rtl="1"/>
+            <a:endParaRPr lang="fa-IR" sz="2000" b="1" dirty="0">
+              <a:cs typeface="B Nazanin" panose="00000400000000000000" pitchFamily="2" charset="-78"/>
+            </a:endParaRPr>
+          </a:p>
+          <a:p>
+            <a:pPr algn="r" rtl="1"/>
+            <a:endParaRPr lang="fa-IR" sz="2000" b="1" dirty="0">
+              <a:cs typeface="B Nazanin" panose="00000400000000000000" pitchFamily="2" charset="-78"/>
+            </a:endParaRPr>
+          </a:p>
+        </p:txBody>
+      </p:sp>
+      <p:sp>
+        <p:nvSpPr>
+          <p:cNvPr id="10" name="Cross 9">
+            <a:extLst>
+              <a:ext uri="{FF2B5EF4-FFF2-40B4-BE49-F238E27FC236}">
+                <a16:creationId xmlns:a16="http://schemas.microsoft.com/office/drawing/2014/main" id="{30213B54-C08B-4026-F33C-AF8DD197F837}"/>
+              </a:ext>
+            </a:extLst>
+          </p:cNvPr>
+          <p:cNvSpPr/>
+          <p:nvPr/>
+        </p:nvSpPr>
+        <p:spPr>
+          <a:xfrm>
+            <a:off x="4104122" y="2143611"/>
+            <a:ext cx="1088160" cy="1083762"/>
+          </a:xfrm>
+          <a:prstGeom prst="plus">
+            <a:avLst>
+              <a:gd name="adj" fmla="val 42774"/>
+            </a:avLst>
+          </a:prstGeom>
+          <a:gradFill flip="none" rotWithShape="1">
+            <a:gsLst>
+              <a:gs pos="0">
+                <a:schemeClr val="accent6">
+                  <a:lumMod val="60000"/>
+                  <a:lumOff val="40000"/>
+                  <a:shade val="30000"/>
+                  <a:satMod val="115000"/>
+                </a:schemeClr>
+              </a:gs>
+              <a:gs pos="50000">
+                <a:schemeClr val="accent6">
+                  <a:lumMod val="60000"/>
+                  <a:lumOff val="40000"/>
+                  <a:shade val="67500"/>
+                  <a:satMod val="115000"/>
+                </a:schemeClr>
+              </a:gs>
+              <a:gs pos="100000">
+                <a:schemeClr val="accent6">
+                  <a:lumMod val="60000"/>
+                  <a:lumOff val="40000"/>
+                  <a:shade val="100000"/>
+                  <a:satMod val="115000"/>
+                </a:schemeClr>
+              </a:gs>
+            </a:gsLst>
+            <a:lin ang="5400000" scaled="1"/>
+            <a:tileRect/>
+          </a:gradFill>
+          <a:ln>
+            <a:noFill/>
+          </a:ln>
+        </p:spPr>
+        <p:style>
+          <a:lnRef idx="2">
+            <a:schemeClr val="accent1">
+              <a:shade val="15000"/>
+            </a:schemeClr>
+          </a:lnRef>
+          <a:fillRef idx="1">
+            <a:schemeClr val="accent1"/>
+          </a:fillRef>
+          <a:effectRef idx="0">
+            <a:schemeClr val="accent1"/>
+          </a:effectRef>
+          <a:fontRef idx="minor">
+            <a:schemeClr val="lt1"/>
+          </a:fontRef>
+        </p:style>
+        <p:txBody>
+          <a:bodyPr rtlCol="1" anchor="ctr"/>
+          <a:lstStyle/>
+          <a:p>
+            <a:pPr algn="ctr"/>
+            <a:endParaRPr lang="fa-IR" dirty="0"/>
+          </a:p>
+        </p:txBody>
+      </p:sp>
+      <p:graphicFrame>
+        <p:nvGraphicFramePr>
+          <p:cNvPr id="15" name="Diagram 14">
+            <a:extLst>
+              <a:ext uri="{FF2B5EF4-FFF2-40B4-BE49-F238E27FC236}">
+                <a16:creationId xmlns:a16="http://schemas.microsoft.com/office/drawing/2014/main" id="{86ADEB2C-C55B-CFE0-2879-37C99269FD43}"/>
+              </a:ext>
+            </a:extLst>
+          </p:cNvPr>
+          <p:cNvGraphicFramePr/>
+          <p:nvPr>
+            <p:extLst>
+              <p:ext uri="{D42A27DB-BD31-4B8C-83A1-F6EECF244321}">
+                <p14:modId xmlns:p14="http://schemas.microsoft.com/office/powerpoint/2010/main" val="1714846956"/>
+              </p:ext>
+            </p:extLst>
+          </p:nvPr>
+        </p:nvGraphicFramePr>
+        <p:xfrm>
+          <a:off x="444500" y="2454660"/>
+          <a:ext cx="3406487" cy="461665"/>
+        </p:xfrm>
+        <a:graphic>
+          <a:graphicData uri="http://schemas.openxmlformats.org/drawingml/2006/diagram">
+            <dgm:relIds xmlns:dgm="http://schemas.openxmlformats.org/drawingml/2006/diagram" xmlns:r="http://schemas.openxmlformats.org/officeDocument/2006/relationships" r:dm="rId8" r:lo="rId9" r:qs="rId10" r:cs="rId11"/>
+          </a:graphicData>
+        </a:graphic>
+      </p:graphicFrame>
+    </p:spTree>
+    <p:extLst>
+      <p:ext uri="{BB962C8B-B14F-4D97-AF65-F5344CB8AC3E}">
+        <p14:creationId xmlns:p14="http://schemas.microsoft.com/office/powerpoint/2010/main" val="393327809"/>
       </p:ext>
     </p:extLst>
   </p:cSld>

--- a/RAG.pptx
+++ b/RAG.pptx
@@ -9729,12 +9729,71 @@
             <p:ph type="title"/>
           </p:nvPr>
         </p:nvSpPr>
-        <p:spPr/>
+        <p:spPr>
+          <a:xfrm>
+            <a:off x="1253836" y="198437"/>
+            <a:ext cx="10515600" cy="1325563"/>
+          </a:xfrm>
+        </p:spPr>
         <p:txBody>
-          <a:bodyPr/>
+          <a:bodyPr>
+            <a:normAutofit/>
+          </a:bodyPr>
           <a:lstStyle/>
           <a:p>
-            <a:endParaRPr lang="fa-IR"/>
+            <a:pPr algn="r" rtl="1"/>
+            <a:r>
+              <a:rPr lang="fa-IR" sz="4000" b="1" dirty="0">
+                <a:solidFill>
+                  <a:schemeClr val="accent1">
+                    <a:lumMod val="75000"/>
+                  </a:schemeClr>
+                </a:solidFill>
+                <a:cs typeface="B Nazanin" panose="00000400000000000000" pitchFamily="2" charset="-78"/>
+              </a:rPr>
+              <a:t>متغیرهای موثر بر پاسخ </a:t>
+            </a:r>
+            <a:r>
+              <a:rPr lang="fa-IR" sz="4000" b="1" dirty="0" err="1">
+                <a:solidFill>
+                  <a:schemeClr val="accent1">
+                    <a:lumMod val="75000"/>
+                  </a:schemeClr>
+                </a:solidFill>
+                <a:cs typeface="B Nazanin" panose="00000400000000000000" pitchFamily="2" charset="-78"/>
+              </a:rPr>
+              <a:t>مدل‌زبانی</a:t>
+            </a:r>
+            <a:r>
+              <a:rPr lang="fa-IR" sz="4000" b="1" dirty="0">
+                <a:solidFill>
+                  <a:schemeClr val="accent1">
+                    <a:lumMod val="75000"/>
+                  </a:schemeClr>
+                </a:solidFill>
+                <a:cs typeface="B Nazanin" panose="00000400000000000000" pitchFamily="2" charset="-78"/>
+              </a:rPr>
+              <a:t> با </a:t>
+            </a:r>
+            <a:r>
+              <a:rPr lang="en-US" sz="4000" b="1" dirty="0">
+                <a:solidFill>
+                  <a:schemeClr val="accent1">
+                    <a:lumMod val="75000"/>
+                  </a:schemeClr>
+                </a:solidFill>
+                <a:latin typeface="Arial Black" panose="020B0A04020102020204" pitchFamily="34" charset="0"/>
+              </a:rPr>
+              <a:t>RAG</a:t>
+            </a:r>
+            <a:endParaRPr lang="fa-IR" sz="4000" b="1" dirty="0">
+              <a:solidFill>
+                <a:schemeClr val="accent1">
+                  <a:lumMod val="75000"/>
+                </a:schemeClr>
+              </a:solidFill>
+              <a:cs typeface="B Nazanin" panose="00000400000000000000" pitchFamily="2" charset="-78"/>
+            </a:endParaRPr>
           </a:p>
         </p:txBody>
       </p:sp>
@@ -9754,12 +9813,33 @@
             <p:ph idx="1"/>
           </p:nvPr>
         </p:nvSpPr>
-        <p:spPr/>
+        <p:spPr>
+          <a:xfrm>
+            <a:off x="1078345" y="1357745"/>
+            <a:ext cx="10515600" cy="4652963"/>
+          </a:xfrm>
+        </p:spPr>
         <p:txBody>
           <a:bodyPr/>
           <a:lstStyle/>
           <a:p>
-            <a:endParaRPr lang="fa-IR"/>
+            <a:pPr algn="r" rtl="1"/>
+            <a:r>
+              <a:rPr lang="fa-IR" dirty="0"/>
+              <a:t>نوع مدل زبانی</a:t>
+            </a:r>
+          </a:p>
+          <a:p>
+            <a:pPr algn="r" rtl="1"/>
+            <a:r>
+              <a:rPr lang="fa-IR" dirty="0"/>
+              <a:t>اندازه </a:t>
+            </a:r>
+            <a:r>
+              <a:rPr lang="fa-IR" dirty="0" err="1"/>
+              <a:t>تکه‌متن</a:t>
+            </a:r>
+            <a:endParaRPr lang="en-US" dirty="0"/>
           </a:p>
         </p:txBody>
       </p:sp>
@@ -13926,7 +14006,7 @@
               <a:r>
                 <a:rPr lang="fa-IR" b="1" dirty="0" err="1">
                   <a:solidFill>
-                    <a:schemeClr val="tx1"/>
+                    <a:srgbClr val="2E471D"/>
                   </a:solidFill>
                   <a:cs typeface="B Nazanin" panose="00000400000000000000" pitchFamily="2" charset="-78"/>
                 </a:rPr>
@@ -13935,7 +14015,7 @@
               <a:r>
                 <a:rPr lang="fa-IR" b="1" dirty="0">
                   <a:solidFill>
-                    <a:schemeClr val="tx1"/>
+                    <a:srgbClr val="2E471D"/>
                   </a:solidFill>
                   <a:cs typeface="B Nazanin" panose="00000400000000000000" pitchFamily="2" charset="-78"/>
                 </a:rPr>
@@ -13943,7 +14023,7 @@
               </a:r>
               <a:endParaRPr lang="en-US" b="1" dirty="0">
                 <a:solidFill>
-                  <a:schemeClr val="tx1"/>
+                  <a:srgbClr val="2E471D"/>
                 </a:solidFill>
                 <a:cs typeface="B Nazanin" panose="00000400000000000000" pitchFamily="2" charset="-78"/>
               </a:endParaRPr>
@@ -13957,7 +14037,7 @@
               <a:r>
                 <a:rPr lang="en-US" b="1" dirty="0" err="1">
                   <a:solidFill>
-                    <a:schemeClr val="tx1"/>
+                    <a:srgbClr val="2E471D"/>
                   </a:solidFill>
                   <a:cs typeface="B Nazanin" panose="00000400000000000000" pitchFamily="2" charset="-78"/>
                 </a:rPr>
@@ -13966,7 +14046,7 @@
               <a:r>
                 <a:rPr lang="en-US" b="1" dirty="0">
                   <a:solidFill>
-                    <a:schemeClr val="tx1"/>
+                    <a:srgbClr val="2E471D"/>
                   </a:solidFill>
                   <a:cs typeface="B Nazanin" panose="00000400000000000000" pitchFamily="2" charset="-78"/>
                 </a:rPr>
@@ -13974,7 +14054,7 @@
               </a:r>
               <a:endParaRPr lang="fa-IR" b="1" dirty="0">
                 <a:solidFill>
-                  <a:schemeClr val="tx1"/>
+                  <a:srgbClr val="2E471D"/>
                 </a:solidFill>
                 <a:cs typeface="B Nazanin" panose="00000400000000000000" pitchFamily="2" charset="-78"/>
               </a:endParaRPr>
@@ -14531,8 +14611,8 @@
         </p:nvSpPr>
         <p:spPr>
           <a:xfrm>
-            <a:off x="8432813" y="5668712"/>
-            <a:ext cx="3513271" cy="646331"/>
+            <a:off x="8148156" y="5735837"/>
+            <a:ext cx="3799611" cy="646331"/>
           </a:xfrm>
           <a:prstGeom prst="rect">
             <a:avLst/>
@@ -14555,7 +14635,29 @@
                 </a:solidFill>
                 <a:cs typeface="B Nazanin" panose="00000400000000000000" pitchFamily="2" charset="-78"/>
               </a:rPr>
-              <a:t>ذخیره سازی متن به همراه بردار </a:t>
+              <a:t>ذخیره سازی </a:t>
+            </a:r>
+            <a:r>
+              <a:rPr lang="fa-IR" b="1" dirty="0" err="1">
+                <a:solidFill>
+                  <a:schemeClr val="accent6">
+                    <a:lumMod val="50000"/>
+                  </a:schemeClr>
+                </a:solidFill>
+                <a:cs typeface="B Nazanin" panose="00000400000000000000" pitchFamily="2" charset="-78"/>
+              </a:rPr>
+              <a:t>تکه‌متن</a:t>
+            </a:r>
+            <a:r>
+              <a:rPr lang="fa-IR" b="1" dirty="0">
+                <a:solidFill>
+                  <a:schemeClr val="accent6">
+                    <a:lumMod val="50000"/>
+                  </a:schemeClr>
+                </a:solidFill>
+                <a:cs typeface="B Nazanin" panose="00000400000000000000" pitchFamily="2" charset="-78"/>
+              </a:rPr>
+              <a:t> به همراه بردار </a:t>
             </a:r>
             <a:r>
               <a:rPr lang="fa-IR" b="1" dirty="0" err="1">
@@ -14634,6 +14736,93 @@
           </a:fontRef>
         </p:style>
       </p:cxnSp>
+      <p:cxnSp>
+        <p:nvCxnSpPr>
+          <p:cNvPr id="120" name="Connector: Curved 119">
+            <a:extLst>
+              <a:ext uri="{FF2B5EF4-FFF2-40B4-BE49-F238E27FC236}">
+                <a16:creationId xmlns:a16="http://schemas.microsoft.com/office/drawing/2014/main" id="{489A0380-DB57-7ED7-20A0-8A52EC0645DC}"/>
+              </a:ext>
+            </a:extLst>
+          </p:cNvPr>
+          <p:cNvCxnSpPr>
+            <a:cxnSpLocks/>
+          </p:cNvCxnSpPr>
+          <p:nvPr/>
+        </p:nvCxnSpPr>
+        <p:spPr>
+          <a:xfrm rot="5400000">
+            <a:off x="3125437" y="2474449"/>
+            <a:ext cx="293056" cy="254034"/>
+          </a:xfrm>
+          <a:prstGeom prst="curvedConnector3">
+            <a:avLst/>
+          </a:prstGeom>
+          <a:ln>
+            <a:tailEnd type="triangle"/>
+          </a:ln>
+        </p:spPr>
+        <p:style>
+          <a:lnRef idx="3">
+            <a:schemeClr val="accent1"/>
+          </a:lnRef>
+          <a:fillRef idx="0">
+            <a:schemeClr val="accent1"/>
+          </a:fillRef>
+          <a:effectRef idx="2">
+            <a:schemeClr val="accent1"/>
+          </a:effectRef>
+          <a:fontRef idx="minor">
+            <a:schemeClr val="tx1"/>
+          </a:fontRef>
+        </p:style>
+      </p:cxnSp>
+      <p:sp>
+        <p:nvSpPr>
+          <p:cNvPr id="123" name="TextBox 122">
+            <a:extLst>
+              <a:ext uri="{FF2B5EF4-FFF2-40B4-BE49-F238E27FC236}">
+                <a16:creationId xmlns:a16="http://schemas.microsoft.com/office/drawing/2014/main" id="{9BEF3BC7-5CA4-5B6C-0836-894076352570}"/>
+              </a:ext>
+            </a:extLst>
+          </p:cNvPr>
+          <p:cNvSpPr txBox="1"/>
+          <p:nvPr/>
+        </p:nvSpPr>
+        <p:spPr>
+          <a:xfrm>
+            <a:off x="3027532" y="2136399"/>
+            <a:ext cx="977800" cy="369332"/>
+          </a:xfrm>
+          <a:prstGeom prst="rect">
+            <a:avLst/>
+          </a:prstGeom>
+          <a:noFill/>
+        </p:spPr>
+        <p:txBody>
+          <a:bodyPr wrap="square" rtlCol="1">
+            <a:spAutoFit/>
+          </a:bodyPr>
+          <a:lstStyle/>
+          <a:p>
+            <a:r>
+              <a:rPr lang="fa-IR" b="1" dirty="0" err="1">
+                <a:solidFill>
+                  <a:srgbClr val="567FCA"/>
+                </a:solidFill>
+                <a:cs typeface="B Nazanin" panose="00000400000000000000" pitchFamily="2" charset="-78"/>
+              </a:rPr>
+              <a:t>تکه‌متن‌ها</a:t>
+            </a:r>
+            <a:endParaRPr lang="fa-IR" b="1" dirty="0">
+              <a:solidFill>
+                <a:srgbClr val="567FCA"/>
+              </a:solidFill>
+              <a:cs typeface="B Nazanin" panose="00000400000000000000" pitchFamily="2" charset="-78"/>
+            </a:endParaRPr>
+          </a:p>
+        </p:txBody>
+      </p:sp>
     </p:spTree>
     <p:extLst>
       <p:ext uri="{BB962C8B-B14F-4D97-AF65-F5344CB8AC3E}">
@@ -14994,25 +15183,43 @@
             <a:pPr algn="ctr"/>
             <a:r>
               <a:rPr lang="fa-IR" b="1" dirty="0">
+                <a:solidFill>
+                  <a:srgbClr val="060730"/>
+                </a:solidFill>
                 <a:cs typeface="B Nazanin" panose="00000400000000000000" pitchFamily="2" charset="-78"/>
               </a:rPr>
               <a:t>مدل مبدل متن به بردار معنایی</a:t>
             </a:r>
             <a:endParaRPr lang="en-US" b="1" dirty="0">
+              <a:solidFill>
+                <a:srgbClr val="060730"/>
+              </a:solidFill>
               <a:cs typeface="B Nazanin" panose="00000400000000000000" pitchFamily="2" charset="-78"/>
             </a:endParaRPr>
           </a:p>
           <a:p>
             <a:pPr algn="ctr"/>
-            <a:endParaRPr lang="en-US" dirty="0"/>
+            <a:endParaRPr lang="en-US" dirty="0">
+              <a:solidFill>
+                <a:srgbClr val="060730"/>
+              </a:solidFill>
+            </a:endParaRPr>
           </a:p>
           <a:p>
             <a:pPr algn="ctr"/>
             <a:r>
-              <a:rPr lang="en-US" b="1" dirty="0"/>
+              <a:rPr lang="en-US" b="1" dirty="0">
+                <a:solidFill>
+                  <a:srgbClr val="060730"/>
+                </a:solidFill>
+              </a:rPr>
               <a:t>Embedding model</a:t>
             </a:r>
-            <a:endParaRPr lang="fa-IR" b="1" dirty="0"/>
+            <a:endParaRPr lang="fa-IR" b="1" dirty="0">
+              <a:solidFill>
+                <a:srgbClr val="060730"/>
+              </a:solidFill>
+            </a:endParaRPr>
           </a:p>
         </p:txBody>
       </p:sp>
@@ -15418,7 +15625,7 @@
             <a:r>
               <a:rPr lang="fa-IR" b="1" dirty="0">
                 <a:solidFill>
-                  <a:schemeClr val="tx1"/>
+                  <a:srgbClr val="2A2A2A"/>
                 </a:solidFill>
                 <a:cs typeface="B Nazanin" panose="00000400000000000000" pitchFamily="2" charset="-78"/>
               </a:rPr>
@@ -15429,7 +15636,7 @@
             <a:pPr algn="ctr"/>
             <a:endParaRPr lang="fa-IR" dirty="0">
               <a:solidFill>
-                <a:schemeClr val="tx1"/>
+                <a:srgbClr val="2A2A2A"/>
               </a:solidFill>
               <a:cs typeface="B Nazanin" panose="00000400000000000000" pitchFamily="2" charset="-78"/>
             </a:endParaRPr>
@@ -15439,14 +15646,14 @@
             <a:r>
               <a:rPr lang="en-US" b="1" dirty="0">
                 <a:solidFill>
-                  <a:schemeClr val="tx1"/>
+                  <a:srgbClr val="2A2A2A"/>
                 </a:solidFill>
               </a:rPr>
               <a:t>User query</a:t>
             </a:r>
             <a:endParaRPr lang="fa-IR" b="1" dirty="0">
               <a:solidFill>
-                <a:schemeClr val="tx1"/>
+                <a:srgbClr val="2A2A2A"/>
               </a:solidFill>
             </a:endParaRPr>
           </a:p>
@@ -16069,6 +16276,9 @@
             <a:pPr algn="ctr"/>
             <a:r>
               <a:rPr lang="fa-IR" sz="1600" b="1" dirty="0">
+                <a:solidFill>
+                  <a:srgbClr val="002060"/>
+                </a:solidFill>
                 <a:cs typeface="B Nazanin" panose="00000400000000000000" pitchFamily="2" charset="-78"/>
               </a:rPr>
               <a:t>جستجوی شباهت</a:t>
@@ -16078,11 +16288,17 @@
             <a:pPr algn="ctr"/>
             <a:r>
               <a:rPr lang="en-US" sz="1600" b="1" dirty="0">
+                <a:solidFill>
+                  <a:srgbClr val="002060"/>
+                </a:solidFill>
                 <a:cs typeface="B Nazanin" panose="00000400000000000000" pitchFamily="2" charset="-78"/>
               </a:rPr>
               <a:t>Similarity search</a:t>
             </a:r>
             <a:endParaRPr lang="fa-IR" sz="1600" b="1" dirty="0">
+              <a:solidFill>
+                <a:srgbClr val="002060"/>
+              </a:solidFill>
               <a:cs typeface="B Nazanin" panose="00000400000000000000" pitchFamily="2" charset="-78"/>
             </a:endParaRPr>
           </a:p>
@@ -16102,7 +16318,7 @@
         </p:nvSpPr>
         <p:spPr>
           <a:xfrm>
-            <a:off x="749747" y="5845997"/>
+            <a:off x="303564" y="5845275"/>
             <a:ext cx="3635961" cy="584775"/>
           </a:xfrm>
           <a:prstGeom prst="rect">
@@ -16119,23 +16335,35 @@
             <a:pPr algn="ctr" rtl="1"/>
             <a:r>
               <a:rPr lang="fa-IR" sz="1600" b="1" dirty="0">
+                <a:solidFill>
+                  <a:srgbClr val="002060"/>
+                </a:solidFill>
                 <a:cs typeface="B Nazanin" panose="00000400000000000000" pitchFamily="2" charset="-78"/>
               </a:rPr>
               <a:t>تبدیل سوال به بردار معنایی (</a:t>
             </a:r>
             <a:r>
               <a:rPr lang="en-US" sz="1600" b="1" dirty="0">
+                <a:solidFill>
+                  <a:srgbClr val="002060"/>
+                </a:solidFill>
                 <a:cs typeface="B Nazanin" panose="00000400000000000000" pitchFamily="2" charset="-78"/>
               </a:rPr>
               <a:t>Semantic vector</a:t>
             </a:r>
             <a:r>
               <a:rPr lang="fa-IR" sz="1600" b="1" dirty="0">
+                <a:solidFill>
+                  <a:srgbClr val="002060"/>
+                </a:solidFill>
                 <a:cs typeface="B Nazanin" panose="00000400000000000000" pitchFamily="2" charset="-78"/>
               </a:rPr>
               <a:t>)</a:t>
             </a:r>
             <a:endParaRPr lang="en-US" sz="1600" b="1" dirty="0">
+              <a:solidFill>
+                <a:srgbClr val="002060"/>
+              </a:solidFill>
               <a:cs typeface="B Nazanin" panose="00000400000000000000" pitchFamily="2" charset="-78"/>
             </a:endParaRPr>
           </a:p>
@@ -16143,6 +16371,9 @@
             <a:pPr algn="ctr" rtl="1"/>
             <a:r>
               <a:rPr lang="en-US" sz="1600" b="1" dirty="0">
+                <a:solidFill>
+                  <a:srgbClr val="002060"/>
+                </a:solidFill>
                 <a:cs typeface="B Nazanin" panose="00000400000000000000" pitchFamily="2" charset="-78"/>
               </a:rPr>
               <a:t>[0.71  0.23  …  0.06  0.94]</a:t>
@@ -16272,7 +16503,7 @@
               <a:r>
                 <a:rPr lang="fa-IR" b="1" dirty="0">
                   <a:solidFill>
-                    <a:schemeClr val="tx1"/>
+                    <a:srgbClr val="2C451B"/>
                   </a:solidFill>
                   <a:cs typeface="B Nazanin" panose="00000400000000000000" pitchFamily="2" charset="-78"/>
                 </a:rPr>
@@ -16284,7 +16515,7 @@
               <a:r>
                 <a:rPr lang="en-US" b="1" dirty="0">
                   <a:solidFill>
-                    <a:schemeClr val="tx1"/>
+                    <a:srgbClr val="2C451B"/>
                   </a:solidFill>
                   <a:cs typeface="+mj-cs"/>
                 </a:rPr>
@@ -16292,7 +16523,7 @@
               </a:r>
               <a:endParaRPr lang="fa-IR" b="1" dirty="0">
                 <a:solidFill>
-                  <a:schemeClr val="tx1"/>
+                  <a:srgbClr val="2C451B"/>
                 </a:solidFill>
                 <a:cs typeface="+mj-cs"/>
               </a:endParaRPr>
@@ -16621,14 +16852,14 @@
             <p:ph idx="1"/>
             <p:extLst>
               <p:ext uri="{D42A27DB-BD31-4B8C-83A1-F6EECF244321}">
-                <p14:modId xmlns:p14="http://schemas.microsoft.com/office/powerpoint/2010/main" val="1308487191"/>
+                <p14:modId xmlns:p14="http://schemas.microsoft.com/office/powerpoint/2010/main" val="104676431"/>
               </p:ext>
             </p:extLst>
           </p:nvPr>
         </p:nvGraphicFramePr>
         <p:xfrm>
-          <a:off x="73890" y="661983"/>
-          <a:ext cx="12044214" cy="6060280"/>
+          <a:off x="73893" y="713644"/>
+          <a:ext cx="12044214" cy="6041372"/>
         </p:xfrm>
         <a:graphic>
           <a:graphicData uri="http://schemas.openxmlformats.org/drawingml/2006/table">
@@ -16712,7 +16943,7 @@
                         </a:lnSpc>
                       </a:pPr>
                       <a:r>
-                        <a:rPr lang="en-US" sz="2800" b="1" kern="1200" dirty="0">
+                        <a:rPr lang="en-US" sz="2600" b="1" kern="1200" dirty="0">
                           <a:solidFill>
                             <a:srgbClr val="007CA8"/>
                           </a:solidFill>
@@ -16722,7 +16953,7 @@
                         </a:rPr>
                         <a:t>Pre-training</a:t>
                       </a:r>
-                      <a:endParaRPr lang="fa-IR" sz="2800" b="1" kern="1200" dirty="0">
+                      <a:endParaRPr lang="fa-IR" sz="2600" b="1" kern="1200" dirty="0">
                         <a:solidFill>
                           <a:srgbClr val="007CA8"/>
                         </a:solidFill>
@@ -16752,7 +16983,7 @@
                         </a:lnSpc>
                       </a:pPr>
                       <a:r>
-                        <a:rPr lang="en-US" sz="2800" b="1" kern="1200" dirty="0">
+                        <a:rPr lang="en-US" sz="2600" b="1" kern="1200" dirty="0">
                           <a:solidFill>
                             <a:srgbClr val="007CA8"/>
                           </a:solidFill>
@@ -16762,7 +16993,7 @@
                         </a:rPr>
                         <a:t>Fine-tuning</a:t>
                       </a:r>
-                      <a:endParaRPr lang="fa-IR" sz="2800" b="1" kern="1200" dirty="0">
+                      <a:endParaRPr lang="fa-IR" sz="2600" b="1" kern="1200" dirty="0">
                         <a:solidFill>
                           <a:srgbClr val="007CA8"/>
                         </a:solidFill>
@@ -16792,7 +17023,7 @@
                         </a:lnSpc>
                       </a:pPr>
                       <a:r>
-                        <a:rPr lang="en-US" sz="2800" b="1" kern="1200" dirty="0">
+                        <a:rPr lang="en-US" sz="2600" b="1" kern="1200" dirty="0">
                           <a:solidFill>
                             <a:srgbClr val="007CA8"/>
                           </a:solidFill>
@@ -16802,7 +17033,7 @@
                         </a:rPr>
                         <a:t>RAG</a:t>
                       </a:r>
-                      <a:endParaRPr lang="fa-IR" sz="2800" b="1" kern="1200" dirty="0">
+                      <a:endParaRPr lang="fa-IR" sz="2600" b="1" kern="1200" dirty="0">
                         <a:solidFill>
                           <a:srgbClr val="007CA8"/>
                         </a:solidFill>
@@ -17501,7 +17732,7 @@
                           <a:ea typeface="+mn-ea"/>
                           <a:cs typeface="B Nazanin" panose="00000400000000000000" pitchFamily="2" charset="-78"/>
                         </a:rPr>
-                        <a:t> برای افزودن منابع دانشی و اطلاعات  </a:t>
+                        <a:t> برای افزودن منابع دانش و اطلاعات  </a:t>
                       </a:r>
                     </a:p>
                   </a:txBody>
@@ -18645,24 +18876,44 @@
             <a:pPr algn="r" rtl="1"/>
             <a:r>
               <a:rPr lang="fa-IR" b="1" dirty="0">
+                <a:solidFill>
+                  <a:schemeClr val="accent1">
+                    <a:lumMod val="75000"/>
+                  </a:schemeClr>
+                </a:solidFill>
                 <a:cs typeface="B Nazanin" panose="00000400000000000000" pitchFamily="2" charset="-78"/>
               </a:rPr>
               <a:t>چرا </a:t>
             </a:r>
             <a:r>
               <a:rPr lang="en-US" sz="3600" b="1" dirty="0">
+                <a:solidFill>
+                  <a:schemeClr val="accent1">
+                    <a:lumMod val="75000"/>
+                  </a:schemeClr>
+                </a:solidFill>
                 <a:latin typeface="Arial Black" panose="020B0A04020102020204" pitchFamily="34" charset="0"/>
               </a:rPr>
               <a:t>RAG</a:t>
             </a:r>
             <a:r>
               <a:rPr lang="fa-IR" sz="3600" b="1" dirty="0">
+                <a:solidFill>
+                  <a:schemeClr val="accent1">
+                    <a:lumMod val="75000"/>
+                  </a:schemeClr>
+                </a:solidFill>
                 <a:latin typeface="Arial Black" panose="020B0A04020102020204" pitchFamily="34" charset="0"/>
               </a:rPr>
               <a:t> </a:t>
             </a:r>
             <a:r>
               <a:rPr lang="fa-IR" b="1" dirty="0">
+                <a:solidFill>
+                  <a:schemeClr val="accent1">
+                    <a:lumMod val="75000"/>
+                  </a:schemeClr>
+                </a:solidFill>
                 <a:latin typeface="Arial Black" panose="020B0A04020102020204" pitchFamily="34" charset="0"/>
                 <a:cs typeface="B Roya" panose="00000400000000000000" pitchFamily="2" charset="-78"/>
               </a:rPr>
@@ -18687,13 +18938,13 @@
             <p:ph idx="1"/>
             <p:extLst>
               <p:ext uri="{D42A27DB-BD31-4B8C-83A1-F6EECF244321}">
-                <p14:modId xmlns:p14="http://schemas.microsoft.com/office/powerpoint/2010/main" val="1166548578"/>
+                <p14:modId xmlns:p14="http://schemas.microsoft.com/office/powerpoint/2010/main" val="3850540617"/>
               </p:ext>
             </p:extLst>
           </p:nvPr>
         </p:nvGraphicFramePr>
         <p:xfrm>
-          <a:off x="5445417" y="1598324"/>
+          <a:off x="5329240" y="1690688"/>
           <a:ext cx="1799355" cy="1958108"/>
         </p:xfrm>
         <a:graphic>
@@ -18727,7 +18978,7 @@
         </p:spPr>
         <p:txBody>
           <a:bodyPr vert="horz" lIns="91440" tIns="45720" rIns="91440" bIns="45720" rtlCol="0">
-            <a:normAutofit fontScale="92500" lnSpcReduction="10000"/>
+            <a:normAutofit/>
           </a:bodyPr>
           <a:lstStyle>
             <a:lvl1pPr marL="228600" indent="-228600" algn="l" defTabSz="914400" rtl="0" eaLnBrk="1" latinLnBrk="0" hangingPunct="1">
@@ -18940,22 +19191,7 @@
               <a:rPr lang="fa-IR" sz="2000" b="1" dirty="0">
                 <a:cs typeface="B Nazanin" panose="00000400000000000000" pitchFamily="2" charset="-78"/>
               </a:rPr>
-              <a:t>سرعت بالا در افزودن مدارک و منابع</a:t>
-            </a:r>
-          </a:p>
-          <a:p>
-            <a:pPr algn="r" rtl="1"/>
-            <a:endParaRPr lang="fa-IR" sz="2000" b="1" dirty="0">
-              <a:cs typeface="B Nazanin" panose="00000400000000000000" pitchFamily="2" charset="-78"/>
-            </a:endParaRPr>
-          </a:p>
-          <a:p>
-            <a:pPr algn="r" rtl="1"/>
-            <a:r>
-              <a:rPr lang="fa-IR" sz="2000" b="1" dirty="0">
-                <a:cs typeface="B Nazanin" panose="00000400000000000000" pitchFamily="2" charset="-78"/>
-              </a:rPr>
-              <a:t>کیفیت پاسخ بالا</a:t>
+              <a:t>سرعت بالا در افزودن منابع و اطلاعات</a:t>
             </a:r>
           </a:p>
           <a:p>
@@ -19082,7 +19318,7 @@
         </p:nvSpPr>
         <p:spPr>
           <a:xfrm>
-            <a:off x="4104122" y="2143611"/>
+            <a:off x="4046033" y="2143611"/>
             <a:ext cx="1088160" cy="1083762"/>
           </a:xfrm>
           <a:prstGeom prst="plus">

--- a/RAG.pptx
+++ b/RAG.pptx
@@ -9751,7 +9751,7 @@
                 </a:solidFill>
                 <a:cs typeface="B Nazanin" panose="00000400000000000000" pitchFamily="2" charset="-78"/>
               </a:rPr>
-              <a:t>متغیرهای موثر بر پاسخ </a:t>
+              <a:t>متغیرهای موثر بر کیفیت پاسخ </a:t>
             </a:r>
             <a:r>
               <a:rPr lang="fa-IR" sz="4000" b="1" dirty="0" err="1">
@@ -9820,26 +9820,182 @@
           </a:xfrm>
         </p:spPr>
         <p:txBody>
-          <a:bodyPr/>
+          <a:bodyPr>
+            <a:normAutofit lnSpcReduction="10000"/>
+          </a:bodyPr>
           <a:lstStyle/>
           <a:p>
-            <a:pPr algn="r" rtl="1"/>
-            <a:r>
-              <a:rPr lang="fa-IR" dirty="0"/>
+            <a:pPr algn="r" rtl="1">
+              <a:lnSpc>
+                <a:spcPct val="160000"/>
+              </a:lnSpc>
+            </a:pPr>
+            <a:r>
+              <a:rPr lang="fa-IR" b="1" dirty="0">
+                <a:cs typeface="B Nazanin" panose="00000400000000000000" pitchFamily="2" charset="-78"/>
+              </a:rPr>
               <a:t>نوع مدل زبانی</a:t>
             </a:r>
           </a:p>
           <a:p>
-            <a:pPr algn="r" rtl="1"/>
-            <a:r>
-              <a:rPr lang="fa-IR" dirty="0"/>
+            <a:pPr algn="r" rtl="1">
+              <a:lnSpc>
+                <a:spcPct val="160000"/>
+              </a:lnSpc>
+            </a:pPr>
+            <a:r>
+              <a:rPr lang="fa-IR" b="1" dirty="0">
+                <a:cs typeface="B Nazanin" panose="00000400000000000000" pitchFamily="2" charset="-78"/>
+              </a:rPr>
               <a:t>اندازه </a:t>
             </a:r>
             <a:r>
-              <a:rPr lang="fa-IR" dirty="0" err="1"/>
-              <a:t>تکه‌متن</a:t>
-            </a:r>
-            <a:endParaRPr lang="en-US" dirty="0"/>
+              <a:rPr lang="fa-IR" b="1" dirty="0" err="1">
+                <a:cs typeface="B Nazanin" panose="00000400000000000000" pitchFamily="2" charset="-78"/>
+              </a:rPr>
+              <a:t>تکه‌متن‌ها</a:t>
+            </a:r>
+            <a:r>
+              <a:rPr lang="fa-IR" b="1" dirty="0">
+                <a:cs typeface="B Nazanin" panose="00000400000000000000" pitchFamily="2" charset="-78"/>
+              </a:rPr>
+              <a:t> (</a:t>
+            </a:r>
+            <a:r>
+              <a:rPr lang="en-US" b="1" dirty="0">
+                <a:cs typeface="B Nazanin" panose="00000400000000000000" pitchFamily="2" charset="-78"/>
+              </a:rPr>
+              <a:t>Chunk size</a:t>
+            </a:r>
+            <a:r>
+              <a:rPr lang="fa-IR" b="1" dirty="0">
+                <a:cs typeface="B Nazanin" panose="00000400000000000000" pitchFamily="2" charset="-78"/>
+              </a:rPr>
+              <a:t>)</a:t>
+            </a:r>
+          </a:p>
+          <a:p>
+            <a:pPr algn="r" rtl="1">
+              <a:lnSpc>
+                <a:spcPct val="160000"/>
+              </a:lnSpc>
+            </a:pPr>
+            <a:r>
+              <a:rPr lang="fa-IR" b="1" dirty="0">
+                <a:cs typeface="B Nazanin" panose="00000400000000000000" pitchFamily="2" charset="-78"/>
+              </a:rPr>
+              <a:t>آستانه تشابه (</a:t>
+            </a:r>
+            <a:r>
+              <a:rPr lang="en-US" b="1" dirty="0">
+                <a:cs typeface="B Nazanin" panose="00000400000000000000" pitchFamily="2" charset="-78"/>
+              </a:rPr>
+              <a:t>Similarity threshold</a:t>
+            </a:r>
+            <a:r>
+              <a:rPr lang="fa-IR" b="1" dirty="0">
+                <a:cs typeface="B Nazanin" panose="00000400000000000000" pitchFamily="2" charset="-78"/>
+              </a:rPr>
+              <a:t>)</a:t>
+            </a:r>
+          </a:p>
+          <a:p>
+            <a:pPr algn="r" rtl="1">
+              <a:lnSpc>
+                <a:spcPct val="160000"/>
+              </a:lnSpc>
+            </a:pPr>
+            <a:r>
+              <a:rPr lang="en-US" b="1" dirty="0" err="1">
+                <a:cs typeface="B Nazanin" panose="00000400000000000000" pitchFamily="2" charset="-78"/>
+              </a:rPr>
+              <a:t>Top_k</a:t>
+            </a:r>
+            <a:r>
+              <a:rPr lang="fa-IR" b="1" dirty="0">
+                <a:cs typeface="B Nazanin" panose="00000400000000000000" pitchFamily="2" charset="-78"/>
+              </a:rPr>
+              <a:t> (حداکثر تعداد متون انتخابی </a:t>
+            </a:r>
+            <a:r>
+              <a:rPr lang="en-US" b="1" dirty="0">
+                <a:cs typeface="B Nazanin" panose="00000400000000000000" pitchFamily="2" charset="-78"/>
+              </a:rPr>
+              <a:t>RAG</a:t>
+            </a:r>
+            <a:r>
+              <a:rPr lang="fa-IR" b="1" dirty="0">
+                <a:cs typeface="B Nazanin" panose="00000400000000000000" pitchFamily="2" charset="-78"/>
+              </a:rPr>
+              <a:t>)</a:t>
+            </a:r>
+          </a:p>
+          <a:p>
+            <a:pPr algn="r" rtl="1">
+              <a:lnSpc>
+                <a:spcPct val="160000"/>
+              </a:lnSpc>
+            </a:pPr>
+            <a:r>
+              <a:rPr lang="fa-IR" b="1" dirty="0">
+                <a:cs typeface="B Nazanin" panose="00000400000000000000" pitchFamily="2" charset="-78"/>
+              </a:rPr>
+              <a:t>حداکثر طول مجاز متن ورودی به </a:t>
+            </a:r>
+            <a:r>
+              <a:rPr lang="fa-IR" b="1" dirty="0" err="1">
+                <a:cs typeface="B Nazanin" panose="00000400000000000000" pitchFamily="2" charset="-78"/>
+              </a:rPr>
+              <a:t>مدل‌زبانی</a:t>
+            </a:r>
+            <a:r>
+              <a:rPr lang="fa-IR" b="1" dirty="0">
+                <a:cs typeface="B Nazanin" panose="00000400000000000000" pitchFamily="2" charset="-78"/>
+              </a:rPr>
+              <a:t> (</a:t>
+            </a:r>
+            <a:r>
+              <a:rPr lang="en-US" b="1" i="0" dirty="0">
+                <a:effectLst/>
+                <a:latin typeface="arial" panose="020B0604020202020204" pitchFamily="34" charset="0"/>
+                <a:cs typeface="B Nazanin" panose="00000400000000000000" pitchFamily="2" charset="-78"/>
+              </a:rPr>
+              <a:t>maximum context length</a:t>
+            </a:r>
+            <a:r>
+              <a:rPr lang="fa-IR" b="1" dirty="0">
+                <a:cs typeface="B Nazanin" panose="00000400000000000000" pitchFamily="2" charset="-78"/>
+              </a:rPr>
+              <a:t>)</a:t>
+            </a:r>
+          </a:p>
+          <a:p>
+            <a:pPr algn="r" rtl="1">
+              <a:lnSpc>
+                <a:spcPct val="160000"/>
+              </a:lnSpc>
+            </a:pPr>
+            <a:r>
+              <a:rPr lang="fa-IR" b="1" dirty="0">
+                <a:cs typeface="B Nazanin" panose="00000400000000000000" pitchFamily="2" charset="-78"/>
+              </a:rPr>
+              <a:t>دستور توجیهی به مدل (</a:t>
+            </a:r>
+            <a:r>
+              <a:rPr lang="en-US" b="1" dirty="0">
+                <a:cs typeface="B Nazanin" panose="00000400000000000000" pitchFamily="2" charset="-78"/>
+              </a:rPr>
+              <a:t>Prompt</a:t>
+            </a:r>
+            <a:r>
+              <a:rPr lang="fa-IR" b="1" dirty="0">
+                <a:cs typeface="B Nazanin" panose="00000400000000000000" pitchFamily="2" charset="-78"/>
+              </a:rPr>
+              <a:t>)</a:t>
+            </a:r>
+            <a:endParaRPr lang="en-US" b="1" dirty="0">
+              <a:cs typeface="B Nazanin" panose="00000400000000000000" pitchFamily="2" charset="-78"/>
+            </a:endParaRPr>
           </a:p>
         </p:txBody>
       </p:sp>
@@ -16684,28 +16840,54 @@
             <a:pPr algn="r" rtl="1"/>
             <a:r>
               <a:rPr lang="fa-IR" sz="4400" b="1" dirty="0" err="1">
+                <a:solidFill>
+                  <a:schemeClr val="accent1">
+                    <a:lumMod val="75000"/>
+                  </a:schemeClr>
+                </a:solidFill>
                 <a:cs typeface="B Nazanin" panose="00000400000000000000" pitchFamily="2" charset="-78"/>
               </a:rPr>
               <a:t>شِمای</a:t>
             </a:r>
             <a:r>
               <a:rPr lang="fa-IR" sz="4400" b="1" dirty="0">
+                <a:solidFill>
+                  <a:schemeClr val="accent1">
+                    <a:lumMod val="75000"/>
+                  </a:schemeClr>
+                </a:solidFill>
                 <a:cs typeface="B Nazanin" panose="00000400000000000000" pitchFamily="2" charset="-78"/>
               </a:rPr>
               <a:t> کلی فرآیند </a:t>
             </a:r>
             <a:r>
               <a:rPr lang="en-US" sz="4400" b="1" dirty="0">
+                <a:solidFill>
+                  <a:schemeClr val="accent1">
+                    <a:lumMod val="75000"/>
+                  </a:schemeClr>
+                </a:solidFill>
                 <a:cs typeface="B Nazanin" panose="00000400000000000000" pitchFamily="2" charset="-78"/>
               </a:rPr>
               <a:t>Fine-tuning</a:t>
             </a:r>
             <a:br>
               <a:rPr lang="fa-IR" sz="4400" b="1" dirty="0">
+                <a:solidFill>
+                  <a:schemeClr val="accent1">
+                    <a:lumMod val="75000"/>
+                  </a:schemeClr>
+                </a:solidFill>
                 <a:cs typeface="B Nazanin" panose="00000400000000000000" pitchFamily="2" charset="-78"/>
               </a:rPr>
             </a:br>
-            <a:endParaRPr lang="fa-IR" dirty="0"/>
+            <a:endParaRPr lang="fa-IR" dirty="0">
+              <a:solidFill>
+                <a:schemeClr val="accent1">
+                  <a:lumMod val="75000"/>
+                </a:schemeClr>
+              </a:solidFill>
+            </a:endParaRPr>
           </a:p>
         </p:txBody>
       </p:sp>
@@ -16725,7 +16907,12 @@
             <p:ph idx="1"/>
           </p:nvPr>
         </p:nvSpPr>
-        <p:spPr/>
+        <p:spPr>
+          <a:xfrm>
+            <a:off x="838200" y="1440873"/>
+            <a:ext cx="10515600" cy="4736090"/>
+          </a:xfrm>
+        </p:spPr>
         <p:txBody>
           <a:bodyPr/>
           <a:lstStyle/>
@@ -18705,8 +18892,8 @@
         </p:nvSpPr>
         <p:spPr>
           <a:xfrm>
-            <a:off x="3435932" y="1970557"/>
-            <a:ext cx="1671783" cy="246221"/>
+            <a:off x="3602181" y="1993722"/>
+            <a:ext cx="1533242" cy="246221"/>
           </a:xfrm>
           <a:prstGeom prst="rect">
             <a:avLst/>
@@ -18784,8 +18971,8 @@
         </p:nvCxnSpPr>
         <p:spPr>
           <a:xfrm rot="10800000" flipV="1">
-            <a:off x="5070771" y="2030667"/>
-            <a:ext cx="267855" cy="69248"/>
+            <a:off x="5116951" y="2030666"/>
+            <a:ext cx="221676" cy="86165"/>
           </a:xfrm>
           <a:prstGeom prst="curvedConnector3">
             <a:avLst>

--- a/RAG.pptx
+++ b/RAG.pptx
@@ -17039,14 +17039,14 @@
             <p:ph idx="1"/>
             <p:extLst>
               <p:ext uri="{D42A27DB-BD31-4B8C-83A1-F6EECF244321}">
-                <p14:modId xmlns:p14="http://schemas.microsoft.com/office/powerpoint/2010/main" val="104676431"/>
+                <p14:modId xmlns:p14="http://schemas.microsoft.com/office/powerpoint/2010/main" val="1304185790"/>
               </p:ext>
             </p:extLst>
           </p:nvPr>
         </p:nvGraphicFramePr>
         <p:xfrm>
-          <a:off x="73893" y="713644"/>
-          <a:ext cx="12044214" cy="6041372"/>
+          <a:off x="178469" y="750588"/>
+          <a:ext cx="11835062" cy="5899352"/>
         </p:xfrm>
         <a:graphic>
           <a:graphicData uri="http://schemas.openxmlformats.org/drawingml/2006/table">
@@ -17055,28 +17055,28 @@
                 <a:tableStyleId>{5C22544A-7EE6-4342-B048-85BDC9FD1C3A}</a:tableStyleId>
               </a:tblPr>
               <a:tblGrid>
-                <a:gridCol w="1471046">
+                <a:gridCol w="1388622">
                   <a:extLst>
                     <a:ext uri="{9D8B030D-6E8A-4147-A177-3AD203B41FA5}">
                       <a16:colId xmlns:a16="http://schemas.microsoft.com/office/drawing/2014/main" val="3606271277"/>
                     </a:ext>
                   </a:extLst>
                 </a:gridCol>
-                <a:gridCol w="3732787">
+                <a:gridCol w="3594085">
                   <a:extLst>
                     <a:ext uri="{9D8B030D-6E8A-4147-A177-3AD203B41FA5}">
                       <a16:colId xmlns:a16="http://schemas.microsoft.com/office/drawing/2014/main" val="3450439336"/>
                     </a:ext>
                   </a:extLst>
                 </a:gridCol>
-                <a:gridCol w="3273083">
+                <a:gridCol w="3113057">
                   <a:extLst>
                     <a:ext uri="{9D8B030D-6E8A-4147-A177-3AD203B41FA5}">
                       <a16:colId xmlns:a16="http://schemas.microsoft.com/office/drawing/2014/main" val="1743241370"/>
                     </a:ext>
                   </a:extLst>
                 </a:gridCol>
-                <a:gridCol w="3567298">
+                <a:gridCol w="3739298">
                   <a:extLst>
                     <a:ext uri="{9D8B030D-6E8A-4147-A177-3AD203B41FA5}">
                       <a16:colId xmlns:a16="http://schemas.microsoft.com/office/drawing/2014/main" val="4055511178"/>
@@ -17084,7 +17084,7 @@
                   </a:extLst>
                 </a:gridCol>
               </a:tblGrid>
-              <a:tr h="499252">
+              <a:tr h="447697">
                 <a:tc>
                   <a:txBody>
                     <a:bodyPr/>
@@ -17096,7 +17096,7 @@
                         </a:lnSpc>
                       </a:pPr>
                       <a:r>
-                        <a:rPr lang="fa-IR" sz="1800" b="1" kern="1200" dirty="0">
+                        <a:rPr lang="fa-IR" sz="1600" b="1" kern="1200" dirty="0">
                           <a:solidFill>
                             <a:schemeClr val="accent1">
                               <a:lumMod val="50000"/>
@@ -17130,7 +17130,7 @@
                         </a:lnSpc>
                       </a:pPr>
                       <a:r>
-                        <a:rPr lang="en-US" sz="2600" b="1" kern="1200" dirty="0">
+                        <a:rPr lang="en-US" sz="2400" b="1" kern="1200" dirty="0">
                           <a:solidFill>
                             <a:srgbClr val="007CA8"/>
                           </a:solidFill>
@@ -17140,7 +17140,7 @@
                         </a:rPr>
                         <a:t>Pre-training</a:t>
                       </a:r>
-                      <a:endParaRPr lang="fa-IR" sz="2600" b="1" kern="1200" dirty="0">
+                      <a:endParaRPr lang="fa-IR" sz="2400" b="1" kern="1200" dirty="0">
                         <a:solidFill>
                           <a:srgbClr val="007CA8"/>
                         </a:solidFill>
@@ -17170,7 +17170,7 @@
                         </a:lnSpc>
                       </a:pPr>
                       <a:r>
-                        <a:rPr lang="en-US" sz="2600" b="1" kern="1200" dirty="0">
+                        <a:rPr lang="en-US" sz="2400" b="1" kern="1200" dirty="0">
                           <a:solidFill>
                             <a:srgbClr val="007CA8"/>
                           </a:solidFill>
@@ -17180,7 +17180,7 @@
                         </a:rPr>
                         <a:t>Fine-tuning</a:t>
                       </a:r>
-                      <a:endParaRPr lang="fa-IR" sz="2600" b="1" kern="1200" dirty="0">
+                      <a:endParaRPr lang="fa-IR" sz="2400" b="1" kern="1200" dirty="0">
                         <a:solidFill>
                           <a:srgbClr val="007CA8"/>
                         </a:solidFill>
@@ -17210,7 +17210,7 @@
                         </a:lnSpc>
                       </a:pPr>
                       <a:r>
-                        <a:rPr lang="en-US" sz="2600" b="1" kern="1200" dirty="0">
+                        <a:rPr lang="en-US" sz="2400" b="1" kern="1200" dirty="0">
                           <a:solidFill>
                             <a:srgbClr val="007CA8"/>
                           </a:solidFill>
@@ -17220,7 +17220,7 @@
                         </a:rPr>
                         <a:t>RAG</a:t>
                       </a:r>
-                      <a:endParaRPr lang="fa-IR" sz="2600" b="1" kern="1200" dirty="0">
+                      <a:endParaRPr lang="fa-IR" sz="2400" b="1" kern="1200" dirty="0">
                         <a:solidFill>
                           <a:srgbClr val="007CA8"/>
                         </a:solidFill>
@@ -17257,7 +17257,7 @@
                         </a:lnSpc>
                       </a:pPr>
                       <a:r>
-                        <a:rPr lang="fa-IR" b="1" dirty="0">
+                        <a:rPr lang="fa-IR" sz="1700" b="1" dirty="0">
                           <a:solidFill>
                             <a:schemeClr val="accent1">
                               <a:lumMod val="50000"/>
@@ -17286,7 +17286,7 @@
                         </a:lnSpc>
                       </a:pPr>
                       <a:r>
-                        <a:rPr lang="fa-IR" sz="1600" b="1" dirty="0">
+                        <a:rPr lang="fa-IR" sz="1500" b="1" dirty="0">
                           <a:cs typeface="B Nazanin" panose="00000400000000000000" pitchFamily="2" charset="-78"/>
                         </a:rPr>
                         <a:t>آموزش مدل زبانی از ابتدا</a:t>
@@ -17310,19 +17310,19 @@
                         </a:lnSpc>
                       </a:pPr>
                       <a:r>
-                        <a:rPr lang="fa-IR" sz="1600" b="1" dirty="0">
+                        <a:rPr lang="fa-IR" sz="1500" b="1" dirty="0">
                           <a:cs typeface="B Nazanin" panose="00000400000000000000" pitchFamily="2" charset="-78"/>
                         </a:rPr>
                         <a:t>تنظیم دقیق مدل ‌زبانی روی </a:t>
                       </a:r>
                       <a:r>
-                        <a:rPr lang="fa-IR" sz="1600" b="1" dirty="0" err="1">
+                        <a:rPr lang="fa-IR" sz="1500" b="1" dirty="0" err="1">
                           <a:cs typeface="B Nazanin" panose="00000400000000000000" pitchFamily="2" charset="-78"/>
                         </a:rPr>
                         <a:t>داده‌های</a:t>
                       </a:r>
                       <a:r>
-                        <a:rPr lang="fa-IR" sz="1600" b="1" dirty="0">
+                        <a:rPr lang="fa-IR" sz="1500" b="1" dirty="0">
                           <a:cs typeface="B Nazanin" panose="00000400000000000000" pitchFamily="2" charset="-78"/>
                         </a:rPr>
                         <a:t> جدید</a:t>
@@ -17358,19 +17358,19 @@
                         <a:defRPr/>
                       </a:pPr>
                       <a:r>
-                        <a:rPr lang="fa-IR" sz="1600" b="1" dirty="0">
+                        <a:rPr lang="fa-IR" sz="1500" b="1" dirty="0">
                           <a:cs typeface="B Nazanin" panose="00000400000000000000" pitchFamily="2" charset="-78"/>
                         </a:rPr>
                         <a:t> تقویت ورودی مدل ‌زبانی با اطلاعات</a:t>
                       </a:r>
                       <a:r>
-                        <a:rPr lang="en-US" sz="1600" b="1" dirty="0">
+                        <a:rPr lang="en-US" sz="1500" b="1" dirty="0">
                           <a:cs typeface="B Nazanin" panose="00000400000000000000" pitchFamily="2" charset="-78"/>
                         </a:rPr>
                         <a:t> </a:t>
                       </a:r>
                       <a:r>
-                        <a:rPr lang="fa-IR" sz="1600" b="1" dirty="0">
+                        <a:rPr lang="fa-IR" sz="1500" b="1" dirty="0">
                           <a:cs typeface="B Nazanin" panose="00000400000000000000" pitchFamily="2" charset="-78"/>
                         </a:rPr>
                         <a:t>مرتبط</a:t>
@@ -17400,23 +17400,8 @@
                           <a:spcPct val="150000"/>
                         </a:lnSpc>
                       </a:pPr>
-                      <a:endParaRPr lang="fa-IR" sz="1100" b="1" dirty="0">
-                        <a:solidFill>
-                          <a:schemeClr val="accent1">
-                            <a:lumMod val="50000"/>
-                          </a:schemeClr>
-                        </a:solidFill>
-                        <a:cs typeface="B Nazanin" panose="00000400000000000000" pitchFamily="2" charset="-78"/>
-                      </a:endParaRPr>
-                    </a:p>
-                    <a:p>
-                      <a:pPr algn="ctr" rtl="1">
-                        <a:lnSpc>
-                          <a:spcPct val="150000"/>
-                        </a:lnSpc>
-                      </a:pPr>
                       <a:r>
-                        <a:rPr lang="fa-IR" b="1" dirty="0">
+                        <a:rPr lang="fa-IR" sz="1700" b="1" dirty="0">
                           <a:solidFill>
                             <a:schemeClr val="accent1">
                               <a:lumMod val="50000"/>
@@ -17427,7 +17412,7 @@
                         <a:t>هزینه </a:t>
                       </a:r>
                       <a:r>
-                        <a:rPr lang="fa-IR" b="1" dirty="0" err="1">
+                        <a:rPr lang="fa-IR" sz="1700" b="1" dirty="0" err="1">
                           <a:solidFill>
                             <a:schemeClr val="accent1">
                               <a:lumMod val="50000"/>
@@ -17438,7 +17423,7 @@
                         <a:t>محاسباتی</a:t>
                       </a:r>
                       <a:r>
-                        <a:rPr lang="fa-IR" b="1" dirty="0">
+                        <a:rPr lang="fa-IR" sz="1700" b="1" dirty="0">
                           <a:solidFill>
                             <a:schemeClr val="accent1">
                               <a:lumMod val="50000"/>
@@ -17465,42 +17450,42 @@
                         <a:buChar char="•"/>
                       </a:pPr>
                       <a:r>
-                        <a:rPr lang="fa-IR" sz="1500" b="1" dirty="0">
+                        <a:rPr lang="fa-IR" sz="1450" b="1" dirty="0">
                           <a:cs typeface="B Nazanin" panose="00000400000000000000" pitchFamily="2" charset="-78"/>
                         </a:rPr>
                         <a:t>صدها هزار </a:t>
                       </a:r>
                       <a:r>
-                        <a:rPr lang="fa-IR" sz="1500" b="1" dirty="0" err="1">
+                        <a:rPr lang="fa-IR" sz="1450" b="1" dirty="0" err="1">
                           <a:cs typeface="B Nazanin" panose="00000400000000000000" pitchFamily="2" charset="-78"/>
                         </a:rPr>
                         <a:t>گیگابایت</a:t>
                       </a:r>
                       <a:r>
-                        <a:rPr lang="fa-IR" sz="1500" b="1" dirty="0">
+                        <a:rPr lang="fa-IR" sz="1450" b="1" dirty="0">
                           <a:cs typeface="B Nazanin" panose="00000400000000000000" pitchFamily="2" charset="-78"/>
                         </a:rPr>
                         <a:t> ظرفیت </a:t>
                       </a:r>
                       <a:r>
-                        <a:rPr lang="fa-IR" sz="1500" b="1" dirty="0" err="1">
+                        <a:rPr lang="fa-IR" sz="1450" b="1" dirty="0" err="1">
                           <a:cs typeface="B Nazanin" panose="00000400000000000000" pitchFamily="2" charset="-78"/>
                         </a:rPr>
                         <a:t>پردازشی</a:t>
                       </a:r>
                       <a:r>
-                        <a:rPr lang="fa-IR" sz="1500" b="1" dirty="0">
+                        <a:rPr lang="fa-IR" sz="1450" b="1" dirty="0">
                           <a:cs typeface="B Nazanin" panose="00000400000000000000" pitchFamily="2" charset="-78"/>
                         </a:rPr>
                         <a:t> </a:t>
                       </a:r>
                       <a:r>
-                        <a:rPr lang="fa-IR" sz="1500" b="1" dirty="0" err="1">
+                        <a:rPr lang="fa-IR" sz="1450" b="1" dirty="0" err="1">
                           <a:cs typeface="B Nazanin" panose="00000400000000000000" pitchFamily="2" charset="-78"/>
                         </a:rPr>
                         <a:t>گرافیکی</a:t>
                       </a:r>
-                      <a:endParaRPr lang="fa-IR" sz="1500" b="1" dirty="0">
+                      <a:endParaRPr lang="fa-IR" sz="1450" b="1" dirty="0">
                         <a:cs typeface="B Nazanin" panose="00000400000000000000" pitchFamily="2" charset="-78"/>
                       </a:endParaRPr>
                     </a:p>
@@ -17513,7 +17498,7 @@
                         <a:buChar char="•"/>
                       </a:pPr>
                       <a:r>
-                        <a:rPr lang="fa-IR" sz="1500" b="1" dirty="0">
+                        <a:rPr lang="fa-IR" sz="1450" b="1" dirty="0">
                           <a:cs typeface="B Nazanin" panose="00000400000000000000" pitchFamily="2" charset="-78"/>
                         </a:rPr>
                         <a:t>چندین ماه یا سال</a:t>
@@ -17528,24 +17513,24 @@
                         <a:buChar char="•"/>
                       </a:pPr>
                       <a:r>
-                        <a:rPr lang="fa-IR" sz="1500" b="1" dirty="0" err="1">
+                        <a:rPr lang="fa-IR" sz="1450" b="1" dirty="0" err="1">
                           <a:cs typeface="B Nazanin" panose="00000400000000000000" pitchFamily="2" charset="-78"/>
                         </a:rPr>
                         <a:t>ده‌ها</a:t>
                       </a:r>
                       <a:r>
-                        <a:rPr lang="fa-IR" sz="1500" b="1" dirty="0">
+                        <a:rPr lang="fa-IR" sz="1450" b="1" dirty="0">
                           <a:cs typeface="B Nazanin" panose="00000400000000000000" pitchFamily="2" charset="-78"/>
                         </a:rPr>
                         <a:t> متخصص و </a:t>
                       </a:r>
                       <a:r>
-                        <a:rPr lang="fa-IR" sz="1500" b="1" dirty="0" err="1">
+                        <a:rPr lang="fa-IR" sz="1450" b="1" dirty="0" err="1">
                           <a:cs typeface="B Nazanin" panose="00000400000000000000" pitchFamily="2" charset="-78"/>
                         </a:rPr>
                         <a:t>توسعه‌دهنده</a:t>
                       </a:r>
-                      <a:endParaRPr lang="fa-IR" sz="1500" b="1" dirty="0">
+                      <a:endParaRPr lang="fa-IR" sz="1450" b="1" dirty="0">
                         <a:cs typeface="B Nazanin" panose="00000400000000000000" pitchFamily="2" charset="-78"/>
                       </a:endParaRPr>
                     </a:p>
@@ -17568,7 +17553,7 @@
                         <a:defRPr/>
                       </a:pPr>
                       <a:r>
-                        <a:rPr lang="fa-IR" sz="1500" b="1" kern="1200" dirty="0">
+                        <a:rPr lang="fa-IR" sz="1450" b="1" kern="1200" dirty="0">
                           <a:solidFill>
                             <a:schemeClr val="dk1"/>
                           </a:solidFill>
@@ -17579,7 +17564,7 @@
                         <a:t>نیاز به تهیه مجموعه داده(</a:t>
                       </a:r>
                       <a:r>
-                        <a:rPr lang="en-US" sz="1500" b="1" kern="1200" dirty="0">
+                        <a:rPr lang="en-US" sz="1450" b="1" kern="1200" dirty="0">
                           <a:solidFill>
                             <a:schemeClr val="dk1"/>
                           </a:solidFill>
@@ -17590,7 +17575,7 @@
                         <a:t>Dataset</a:t>
                       </a:r>
                       <a:r>
-                        <a:rPr lang="fa-IR" sz="1500" b="1" kern="1200" dirty="0">
+                        <a:rPr lang="fa-IR" sz="1450" b="1" kern="1200" dirty="0">
                           <a:solidFill>
                             <a:schemeClr val="dk1"/>
                           </a:solidFill>
@@ -17600,7 +17585,7 @@
                         </a:rPr>
                         <a:t>)‌ عظیم </a:t>
                       </a:r>
-                      <a:endParaRPr lang="fa-IR" sz="1500" b="1" dirty="0">
+                      <a:endParaRPr lang="fa-IR" sz="1450" b="1" dirty="0">
                         <a:cs typeface="B Nazanin" panose="00000400000000000000" pitchFamily="2" charset="-78"/>
                       </a:endParaRPr>
                     </a:p>
@@ -17620,7 +17605,7 @@
                         <a:buChar char="•"/>
                       </a:pPr>
                       <a:r>
-                        <a:rPr lang="fa-IR" sz="1500" b="1" kern="1200" dirty="0" err="1">
+                        <a:rPr lang="fa-IR" sz="1450" b="1" kern="1200" dirty="0" err="1">
                           <a:solidFill>
                             <a:schemeClr val="dk1"/>
                           </a:solidFill>
@@ -17631,7 +17616,7 @@
                         <a:t>ده‌ها</a:t>
                       </a:r>
                       <a:r>
-                        <a:rPr lang="fa-IR" sz="1500" b="1" kern="1200" dirty="0">
+                        <a:rPr lang="fa-IR" sz="1450" b="1" kern="1200" dirty="0">
                           <a:solidFill>
                             <a:schemeClr val="dk1"/>
                           </a:solidFill>
@@ -17642,7 +17627,7 @@
                         <a:t> </a:t>
                       </a:r>
                       <a:r>
-                        <a:rPr lang="fa-IR" sz="1500" b="1" kern="1200" dirty="0" err="1">
+                        <a:rPr lang="fa-IR" sz="1450" b="1" kern="1200" dirty="0" err="1">
                           <a:solidFill>
                             <a:schemeClr val="dk1"/>
                           </a:solidFill>
@@ -17653,7 +17638,7 @@
                         <a:t>گیگابایت</a:t>
                       </a:r>
                       <a:r>
-                        <a:rPr lang="fa-IR" sz="1500" b="1" kern="1200" dirty="0">
+                        <a:rPr lang="fa-IR" sz="1450" b="1" kern="1200" dirty="0">
                           <a:solidFill>
                             <a:schemeClr val="dk1"/>
                           </a:solidFill>
@@ -17664,7 +17649,7 @@
                         <a:t> ظرفیت </a:t>
                       </a:r>
                       <a:r>
-                        <a:rPr lang="fa-IR" sz="1500" b="1" kern="1200" dirty="0" err="1">
+                        <a:rPr lang="fa-IR" sz="1450" b="1" kern="1200" dirty="0" err="1">
                           <a:solidFill>
                             <a:schemeClr val="dk1"/>
                           </a:solidFill>
@@ -17675,7 +17660,7 @@
                         <a:t>پردازشی</a:t>
                       </a:r>
                       <a:r>
-                        <a:rPr lang="fa-IR" sz="1500" b="1" kern="1200" dirty="0">
+                        <a:rPr lang="fa-IR" sz="1450" b="1" kern="1200" dirty="0">
                           <a:solidFill>
                             <a:schemeClr val="dk1"/>
                           </a:solidFill>
@@ -17686,7 +17671,7 @@
                         <a:t> </a:t>
                       </a:r>
                       <a:r>
-                        <a:rPr lang="fa-IR" sz="1500" b="1" kern="1200" dirty="0" err="1">
+                        <a:rPr lang="fa-IR" sz="1450" b="1" kern="1200" dirty="0" err="1">
                           <a:solidFill>
                             <a:schemeClr val="dk1"/>
                           </a:solidFill>
@@ -17696,7 +17681,7 @@
                         </a:rPr>
                         <a:t>گرافیکی</a:t>
                       </a:r>
-                      <a:endParaRPr lang="fa-IR" sz="1500" b="1" kern="1200" dirty="0">
+                      <a:endParaRPr lang="fa-IR" sz="1450" b="1" kern="1200" dirty="0">
                         <a:solidFill>
                           <a:schemeClr val="dk1"/>
                         </a:solidFill>
@@ -17714,7 +17699,7 @@
                         <a:buChar char="•"/>
                       </a:pPr>
                       <a:r>
-                        <a:rPr lang="fa-IR" sz="1500" b="1" kern="1200" dirty="0">
+                        <a:rPr lang="fa-IR" sz="1450" b="1" kern="1200" dirty="0">
                           <a:solidFill>
                             <a:schemeClr val="dk1"/>
                           </a:solidFill>
@@ -17734,7 +17719,7 @@
                         <a:buChar char="•"/>
                       </a:pPr>
                       <a:r>
-                        <a:rPr lang="fa-IR" sz="1500" b="1" kern="1200" dirty="0">
+                        <a:rPr lang="fa-IR" sz="1450" b="1" kern="1200" dirty="0">
                           <a:solidFill>
                             <a:schemeClr val="dk1"/>
                           </a:solidFill>
@@ -17745,7 +17730,7 @@
                         <a:t>یک </a:t>
                       </a:r>
                       <a:r>
-                        <a:rPr lang="fa-IR" sz="1500" b="1" kern="1200" dirty="0" err="1">
+                        <a:rPr lang="fa-IR" sz="1450" b="1" kern="1200" dirty="0" err="1">
                           <a:solidFill>
                             <a:schemeClr val="dk1"/>
                           </a:solidFill>
@@ -17755,7 +17740,7 @@
                         </a:rPr>
                         <a:t>توسعه‌دهنده</a:t>
                       </a:r>
-                      <a:endParaRPr lang="fa-IR" sz="1500" b="1" kern="1200" dirty="0">
+                      <a:endParaRPr lang="fa-IR" sz="1450" b="1" kern="1200" dirty="0">
                         <a:solidFill>
                           <a:schemeClr val="dk1"/>
                         </a:solidFill>
@@ -17783,7 +17768,7 @@
                         <a:defRPr/>
                       </a:pPr>
                       <a:r>
-                        <a:rPr lang="fa-IR" sz="1500" b="1" kern="1200" dirty="0">
+                        <a:rPr lang="fa-IR" sz="1450" b="1" kern="1200" dirty="0">
                           <a:solidFill>
                             <a:schemeClr val="dk1"/>
                           </a:solidFill>
@@ -17827,7 +17812,7 @@
                         <a:buChar char="•"/>
                       </a:pPr>
                       <a:r>
-                        <a:rPr lang="fa-IR" sz="1500" b="1" kern="1200" dirty="0">
+                        <a:rPr lang="fa-IR" sz="1450" b="1" kern="1200" dirty="0">
                           <a:solidFill>
                             <a:schemeClr val="dk1"/>
                           </a:solidFill>
@@ -17838,7 +17823,7 @@
                         <a:t>قابلیت </a:t>
                       </a:r>
                       <a:r>
-                        <a:rPr lang="fa-IR" sz="1500" b="1" kern="1200" dirty="0" err="1">
+                        <a:rPr lang="fa-IR" sz="1450" b="1" kern="1200" dirty="0" err="1">
                           <a:solidFill>
                             <a:schemeClr val="dk1"/>
                           </a:solidFill>
@@ -17849,7 +17834,7 @@
                         <a:t>بهره‌برداری</a:t>
                       </a:r>
                       <a:r>
-                        <a:rPr lang="fa-IR" sz="1500" b="1" kern="1200" dirty="0">
+                        <a:rPr lang="fa-IR" sz="1450" b="1" kern="1200" dirty="0">
                           <a:solidFill>
                             <a:schemeClr val="dk1"/>
                           </a:solidFill>
@@ -17869,7 +17854,7 @@
                         <a:buChar char="•"/>
                       </a:pPr>
                       <a:r>
-                        <a:rPr lang="fa-IR" sz="1500" b="1" kern="1200" dirty="0">
+                        <a:rPr lang="fa-IR" sz="1450" b="1" kern="1200" dirty="0">
                           <a:solidFill>
                             <a:schemeClr val="dk1"/>
                           </a:solidFill>
@@ -17889,7 +17874,7 @@
                         <a:buChar char="•"/>
                       </a:pPr>
                       <a:r>
-                        <a:rPr lang="fa-IR" sz="1500" b="1" kern="1200" dirty="0">
+                        <a:rPr lang="fa-IR" sz="1450" b="1" kern="1200" dirty="0">
                           <a:solidFill>
                             <a:schemeClr val="dk1"/>
                           </a:solidFill>
@@ -17900,7 +17885,7 @@
                         <a:t>عدم نیاز به </a:t>
                       </a:r>
                       <a:r>
-                        <a:rPr lang="fa-IR" sz="1500" b="1" kern="1200" dirty="0" err="1">
+                        <a:rPr lang="fa-IR" sz="1450" b="1" kern="1200" dirty="0" err="1">
                           <a:solidFill>
                             <a:schemeClr val="dk1"/>
                           </a:solidFill>
@@ -17911,7 +17896,7 @@
                         <a:t>توسعه‌دهنده</a:t>
                       </a:r>
                       <a:r>
-                        <a:rPr lang="fa-IR" sz="1500" b="1" kern="1200" dirty="0">
+                        <a:rPr lang="fa-IR" sz="1450" b="1" kern="1200" dirty="0">
                           <a:solidFill>
                             <a:schemeClr val="dk1"/>
                           </a:solidFill>
@@ -17958,7 +17943,7 @@
                         </a:lnSpc>
                       </a:pPr>
                       <a:r>
-                        <a:rPr lang="fa-IR" b="1" dirty="0">
+                        <a:rPr lang="fa-IR" sz="1700" b="1" dirty="0">
                           <a:solidFill>
                             <a:schemeClr val="accent1">
                               <a:lumMod val="50000"/>
@@ -18011,7 +17996,7 @@
                         <a:defRPr/>
                       </a:pPr>
                       <a:r>
-                        <a:rPr lang="fa-IR" sz="1500" b="1" dirty="0">
+                        <a:rPr lang="fa-IR" sz="1450" b="1" dirty="0">
                           <a:cs typeface="B Nazanin" panose="00000400000000000000" pitchFamily="2" charset="-78"/>
                         </a:rPr>
                         <a:t>فرآیندی بسیار پرهزینه و تخصصی‌ است.</a:t>
@@ -18035,7 +18020,7 @@
                         <a:tabLst/>
                         <a:defRPr/>
                       </a:pPr>
-                      <a:endParaRPr lang="fa-IR" sz="1500" b="1" dirty="0">
+                      <a:endParaRPr lang="fa-IR" sz="1450" b="1" dirty="0">
                         <a:cs typeface="B Nazanin" panose="00000400000000000000" pitchFamily="2" charset="-78"/>
                       </a:endParaRPr>
                     </a:p>
@@ -18058,7 +18043,7 @@
                         <a:defRPr/>
                       </a:pPr>
                       <a:r>
-                        <a:rPr lang="fa-IR" sz="1500" b="1" dirty="0">
+                        <a:rPr lang="fa-IR" sz="1450" b="1" dirty="0">
                           <a:cs typeface="B Nazanin" panose="00000400000000000000" pitchFamily="2" charset="-78"/>
                         </a:rPr>
                         <a:t>عدم امکان کنترل دسترسی کاربران به اطلاعات توسط مدیر</a:t>
@@ -18096,19 +18081,19 @@
                         <a:buChar char="•"/>
                       </a:pPr>
                       <a:r>
-                        <a:rPr lang="fa-IR" sz="1500" b="1" dirty="0">
+                        <a:rPr lang="fa-IR" sz="1450" b="1" dirty="0">
                           <a:cs typeface="B Nazanin" panose="00000400000000000000" pitchFamily="2" charset="-78"/>
                         </a:rPr>
                         <a:t>افزودن هر بار اطلاعات به مدل با این روش، علاوه بر </a:t>
                       </a:r>
                       <a:r>
-                        <a:rPr lang="fa-IR" sz="1500" b="1" dirty="0" err="1">
+                        <a:rPr lang="fa-IR" sz="1450" b="1" dirty="0" err="1">
                           <a:cs typeface="B Nazanin" panose="00000400000000000000" pitchFamily="2" charset="-78"/>
                         </a:rPr>
                         <a:t>زمان‌بر</a:t>
                       </a:r>
                       <a:r>
-                        <a:rPr lang="fa-IR" sz="1500" b="1" dirty="0">
+                        <a:rPr lang="fa-IR" sz="1450" b="1" dirty="0">
                           <a:cs typeface="B Nazanin" panose="00000400000000000000" pitchFamily="2" charset="-78"/>
                         </a:rPr>
                         <a:t> بودن، نیاز به تخصص دارد.</a:t>
@@ -18122,7 +18107,7 @@
                         <a:buFont typeface="Arial" panose="020B0604020202020204" pitchFamily="34" charset="0"/>
                         <a:buChar char="•"/>
                       </a:pPr>
-                      <a:endParaRPr lang="fa-IR" sz="1500" b="1" dirty="0">
+                      <a:endParaRPr lang="fa-IR" sz="1450" b="1" dirty="0">
                         <a:cs typeface="B Nazanin" panose="00000400000000000000" pitchFamily="2" charset="-78"/>
                       </a:endParaRPr>
                     </a:p>
@@ -18135,7 +18120,7 @@
                         <a:buChar char="•"/>
                       </a:pPr>
                       <a:r>
-                        <a:rPr lang="fa-IR" sz="1500" b="1" dirty="0">
+                        <a:rPr lang="fa-IR" sz="1450" b="1" dirty="0">
                           <a:cs typeface="B Nazanin" panose="00000400000000000000" pitchFamily="2" charset="-78"/>
                         </a:rPr>
                         <a:t>عدم امکان کنترل دسترسی کاربران به اطلاعات توسط مدیر</a:t>
@@ -18173,7 +18158,7 @@
                         <a:buChar char="•"/>
                       </a:pPr>
                       <a:r>
-                        <a:rPr lang="fa-IR" sz="1500" b="1" dirty="0">
+                        <a:rPr lang="fa-IR" sz="1450" b="1" dirty="0">
                           <a:cs typeface="B Nazanin" panose="00000400000000000000" pitchFamily="2" charset="-78"/>
                         </a:rPr>
                         <a:t>امکان افزودن سریع و آسان منابع علمی و اطلاعات توسط مدیر و کاربران</a:t>
@@ -18187,7 +18172,7 @@
                         <a:buFont typeface="Arial" panose="020B0604020202020204" pitchFamily="34" charset="0"/>
                         <a:buNone/>
                       </a:pPr>
-                      <a:endParaRPr lang="fa-IR" sz="1500" b="1" dirty="0">
+                      <a:endParaRPr lang="fa-IR" sz="1450" b="1" dirty="0">
                         <a:cs typeface="B Nazanin" panose="00000400000000000000" pitchFamily="2" charset="-78"/>
                       </a:endParaRPr>
                     </a:p>
@@ -18200,7 +18185,7 @@
                         <a:buChar char="•"/>
                       </a:pPr>
                       <a:r>
-                        <a:rPr lang="fa-IR" sz="1500" b="1" dirty="0">
+                        <a:rPr lang="fa-IR" sz="1450" b="1" dirty="0">
                           <a:cs typeface="B Nazanin" panose="00000400000000000000" pitchFamily="2" charset="-78"/>
                         </a:rPr>
                         <a:t>امکان کنترل دسترسی کاربران به اطلاعات توسط مدیر</a:t>
@@ -18246,7 +18231,7 @@
                         </a:lnSpc>
                       </a:pPr>
                       <a:r>
-                        <a:rPr lang="fa-IR" b="1" dirty="0">
+                        <a:rPr lang="fa-IR" sz="1700" b="1" dirty="0">
                           <a:solidFill>
                             <a:schemeClr val="accent1">
                               <a:lumMod val="50000"/>
@@ -18273,19 +18258,19 @@
                         <a:buChar char="•"/>
                       </a:pPr>
                       <a:r>
-                        <a:rPr lang="fa-IR" sz="1500" b="1" dirty="0">
+                        <a:rPr lang="fa-IR" sz="1450" b="1" dirty="0">
                           <a:cs typeface="B Nazanin" panose="00000400000000000000" pitchFamily="2" charset="-78"/>
                         </a:rPr>
                         <a:t>تهیه </a:t>
                       </a:r>
                       <a:r>
-                        <a:rPr lang="fa-IR" sz="1500" b="1" dirty="0" err="1">
+                        <a:rPr lang="fa-IR" sz="1450" b="1" dirty="0" err="1">
                           <a:cs typeface="B Nazanin" panose="00000400000000000000" pitchFamily="2" charset="-78"/>
                         </a:rPr>
                         <a:t>مدل‌زبانی</a:t>
                       </a:r>
                       <a:r>
-                        <a:rPr lang="fa-IR" sz="1500" b="1" dirty="0">
+                        <a:rPr lang="fa-IR" sz="1450" b="1" dirty="0">
                           <a:cs typeface="B Nazanin" panose="00000400000000000000" pitchFamily="2" charset="-78"/>
                         </a:rPr>
                         <a:t> بر روی زبانی که تا به حال کار نشده</a:t>
@@ -18300,42 +18285,42 @@
                         <a:buChar char="•"/>
                       </a:pPr>
                       <a:r>
-                        <a:rPr lang="fa-IR" sz="1500" b="1" dirty="0">
+                        <a:rPr lang="fa-IR" sz="1450" b="1" dirty="0">
                           <a:cs typeface="B Nazanin" panose="00000400000000000000" pitchFamily="2" charset="-78"/>
                         </a:rPr>
                         <a:t>تهیه مدلی بهتر نسبت به </a:t>
                       </a:r>
                       <a:r>
-                        <a:rPr lang="fa-IR" sz="1500" b="1" dirty="0" err="1">
+                        <a:rPr lang="fa-IR" sz="1450" b="1" dirty="0" err="1">
                           <a:cs typeface="B Nazanin" panose="00000400000000000000" pitchFamily="2" charset="-78"/>
                         </a:rPr>
                         <a:t>مدل‌های</a:t>
                       </a:r>
                       <a:r>
-                        <a:rPr lang="fa-IR" sz="1500" b="1" dirty="0">
+                        <a:rPr lang="fa-IR" sz="1450" b="1" dirty="0">
                           <a:cs typeface="B Nazanin" panose="00000400000000000000" pitchFamily="2" charset="-78"/>
                         </a:rPr>
                         <a:t> زبانی </a:t>
                       </a:r>
                       <a:r>
-                        <a:rPr lang="fa-IR" sz="1500" b="1" dirty="0" err="1">
+                        <a:rPr lang="fa-IR" sz="1450" b="1" dirty="0" err="1">
                           <a:cs typeface="B Nazanin" panose="00000400000000000000" pitchFamily="2" charset="-78"/>
                         </a:rPr>
                         <a:t>متن‌باز</a:t>
                       </a:r>
                       <a:r>
-                        <a:rPr lang="fa-IR" sz="1500" b="1" dirty="0">
+                        <a:rPr lang="fa-IR" sz="1450" b="1" dirty="0">
                           <a:cs typeface="B Nazanin" panose="00000400000000000000" pitchFamily="2" charset="-78"/>
                         </a:rPr>
                         <a:t> موجود، با از بین بردن نقاط ضعف </a:t>
                       </a:r>
                       <a:r>
-                        <a:rPr lang="fa-IR" sz="1500" b="1" dirty="0" err="1">
+                        <a:rPr lang="fa-IR" sz="1450" b="1" dirty="0" err="1">
                           <a:cs typeface="B Nazanin" panose="00000400000000000000" pitchFamily="2" charset="-78"/>
                         </a:rPr>
                         <a:t>آن‌ها</a:t>
                       </a:r>
-                      <a:endParaRPr lang="fa-IR" sz="1500" b="1" dirty="0">
+                      <a:endParaRPr lang="fa-IR" sz="1450" b="1" dirty="0">
                         <a:cs typeface="B Nazanin" panose="00000400000000000000" pitchFamily="2" charset="-78"/>
                       </a:endParaRPr>
                     </a:p>
@@ -18348,31 +18333,31 @@
                         <a:buChar char="•"/>
                       </a:pPr>
                       <a:r>
-                        <a:rPr lang="fa-IR" sz="1500" b="1" dirty="0">
+                        <a:rPr lang="fa-IR" sz="1450" b="1" dirty="0">
                           <a:cs typeface="B Nazanin" panose="00000400000000000000" pitchFamily="2" charset="-78"/>
                         </a:rPr>
                         <a:t>توسعه علمی و تحقیقاتی حوزه پردازش زبان طبیعی/ </a:t>
                       </a:r>
                       <a:r>
-                        <a:rPr lang="fa-IR" sz="1500" b="1" dirty="0" err="1">
+                        <a:rPr lang="fa-IR" sz="1450" b="1" dirty="0" err="1">
                           <a:cs typeface="B Nazanin" panose="00000400000000000000" pitchFamily="2" charset="-78"/>
                         </a:rPr>
                         <a:t>بومی‌سازی</a:t>
                       </a:r>
                       <a:r>
-                        <a:rPr lang="fa-IR" sz="1500" b="1" dirty="0">
+                        <a:rPr lang="fa-IR" sz="1450" b="1" dirty="0">
                           <a:cs typeface="B Nazanin" panose="00000400000000000000" pitchFamily="2" charset="-78"/>
                         </a:rPr>
                         <a:t> دانش </a:t>
                       </a:r>
                       <a:r>
-                        <a:rPr lang="fa-IR" sz="1500" b="1" dirty="0" err="1">
+                        <a:rPr lang="fa-IR" sz="1450" b="1" dirty="0" err="1">
                           <a:cs typeface="B Nazanin" panose="00000400000000000000" pitchFamily="2" charset="-78"/>
                         </a:rPr>
                         <a:t>مدل‌های</a:t>
                       </a:r>
                       <a:r>
-                        <a:rPr lang="fa-IR" sz="1500" b="1" dirty="0">
+                        <a:rPr lang="fa-IR" sz="1450" b="1" dirty="0">
                           <a:cs typeface="B Nazanin" panose="00000400000000000000" pitchFamily="2" charset="-78"/>
                         </a:rPr>
                         <a:t> زبانی و ...</a:t>
@@ -18394,7 +18379,7 @@
                         <a:buChar char="•"/>
                       </a:pPr>
                       <a:r>
-                        <a:rPr lang="fa-IR" sz="1500" b="1" kern="1200" dirty="0">
+                        <a:rPr lang="fa-IR" sz="1450" b="1" kern="1200" dirty="0">
                           <a:solidFill>
                             <a:schemeClr val="dk1"/>
                           </a:solidFill>
@@ -18405,7 +18390,7 @@
                         <a:t>تربیت </a:t>
                       </a:r>
                       <a:r>
-                        <a:rPr lang="fa-IR" sz="1500" b="1" kern="1200" dirty="0" err="1">
+                        <a:rPr lang="fa-IR" sz="1450" b="1" kern="1200" dirty="0" err="1">
                           <a:solidFill>
                             <a:schemeClr val="dk1"/>
                           </a:solidFill>
@@ -18416,7 +18401,7 @@
                         <a:t>مدل‌های</a:t>
                       </a:r>
                       <a:r>
-                        <a:rPr lang="fa-IR" sz="1500" b="1" kern="1200" dirty="0">
+                        <a:rPr lang="fa-IR" sz="1450" b="1" kern="1200" dirty="0">
                           <a:solidFill>
                             <a:schemeClr val="dk1"/>
                           </a:solidFill>
@@ -18427,7 +18412,7 @@
                         <a:t> </a:t>
                       </a:r>
                       <a:r>
-                        <a:rPr lang="fa-IR" sz="1500" b="1" kern="1200" dirty="0" err="1">
+                        <a:rPr lang="fa-IR" sz="1450" b="1" kern="1200" dirty="0" err="1">
                           <a:solidFill>
                             <a:schemeClr val="dk1"/>
                           </a:solidFill>
@@ -18438,7 +18423,7 @@
                         <a:t>وظیفه‌ای</a:t>
                       </a:r>
                       <a:r>
-                        <a:rPr lang="fa-IR" sz="1500" b="1" kern="1200" dirty="0">
+                        <a:rPr lang="fa-IR" sz="1450" b="1" kern="1200" dirty="0">
                           <a:solidFill>
                             <a:schemeClr val="dk1"/>
                           </a:solidFill>
@@ -18545,7 +18530,7 @@
                         <a:defRPr/>
                       </a:pPr>
                       <a:r>
-                        <a:rPr lang="fa-IR" sz="1500" b="1" kern="1200" dirty="0">
+                        <a:rPr lang="fa-IR" sz="1450" b="1" kern="1200" dirty="0">
                           <a:solidFill>
                             <a:schemeClr val="dk1"/>
                           </a:solidFill>
@@ -18556,7 +18541,7 @@
                         <a:t>تغییر ادبیات و بیان </a:t>
                       </a:r>
                       <a:r>
-                        <a:rPr lang="fa-IR" sz="1500" b="1" kern="1200" dirty="0" err="1">
+                        <a:rPr lang="fa-IR" sz="1450" b="1" kern="1200" dirty="0" err="1">
                           <a:solidFill>
                             <a:schemeClr val="dk1"/>
                           </a:solidFill>
@@ -18566,7 +18551,7 @@
                         </a:rPr>
                         <a:t>مدل‌زبانی</a:t>
                       </a:r>
-                      <a:endParaRPr lang="fa-IR" sz="1500" b="1" kern="1200" dirty="0">
+                      <a:endParaRPr lang="fa-IR" sz="1450" b="1" kern="1200" dirty="0">
                         <a:solidFill>
                           <a:schemeClr val="dk1"/>
                         </a:solidFill>
@@ -18584,7 +18569,7 @@
                         <a:buChar char="•"/>
                       </a:pPr>
                       <a:r>
-                        <a:rPr lang="fa-IR" sz="1500" b="1" kern="1200" dirty="0" err="1">
+                        <a:rPr lang="fa-IR" sz="1450" b="1" kern="1200" dirty="0" err="1">
                           <a:solidFill>
                             <a:schemeClr val="dk1"/>
                           </a:solidFill>
@@ -18595,7 +18580,7 @@
                         <a:t>شخصیت‌سازی</a:t>
                       </a:r>
                       <a:r>
-                        <a:rPr lang="fa-IR" sz="1500" b="1" kern="1200" dirty="0">
+                        <a:rPr lang="fa-IR" sz="1450" b="1" kern="1200" dirty="0">
                           <a:solidFill>
                             <a:schemeClr val="dk1"/>
                           </a:solidFill>
@@ -18606,7 +18591,7 @@
                         <a:t> برای </a:t>
                       </a:r>
                       <a:r>
-                        <a:rPr lang="fa-IR" sz="1500" b="1" kern="1200" dirty="0" err="1">
+                        <a:rPr lang="fa-IR" sz="1450" b="1" kern="1200" dirty="0" err="1">
                           <a:solidFill>
                             <a:schemeClr val="dk1"/>
                           </a:solidFill>
@@ -18616,7 +18601,7 @@
                         </a:rPr>
                         <a:t>مدل‌زبانی</a:t>
                       </a:r>
-                      <a:endParaRPr lang="fa-IR" sz="1500" b="1" kern="1200" dirty="0">
+                      <a:endParaRPr lang="fa-IR" sz="1450" b="1" kern="1200" dirty="0">
                         <a:solidFill>
                           <a:schemeClr val="dk1"/>
                         </a:solidFill>
@@ -18641,7 +18626,7 @@
                         <a:buChar char="•"/>
                       </a:pPr>
                       <a:r>
-                        <a:rPr lang="fa-IR" sz="1500" b="1" kern="1200" dirty="0" err="1">
+                        <a:rPr lang="fa-IR" sz="1450" b="1" kern="1200" dirty="0" err="1">
                           <a:solidFill>
                             <a:schemeClr val="dk1"/>
                           </a:solidFill>
@@ -18652,7 +18637,7 @@
                         <a:t>ربات</a:t>
                       </a:r>
                       <a:r>
-                        <a:rPr lang="fa-IR" sz="1500" b="1" kern="1200" dirty="0">
+                        <a:rPr lang="fa-IR" sz="1450" b="1" kern="1200" dirty="0">
                           <a:solidFill>
                             <a:schemeClr val="dk1"/>
                           </a:solidFill>
@@ -18663,7 +18648,7 @@
                         <a:t> پرسش و پاسخ </a:t>
                       </a:r>
                       <a:r>
-                        <a:rPr lang="fa-IR" sz="1500" b="1" kern="1200" dirty="0" err="1">
+                        <a:rPr lang="fa-IR" sz="1450" b="1" kern="1200" dirty="0" err="1">
                           <a:solidFill>
                             <a:schemeClr val="dk1"/>
                           </a:solidFill>
@@ -18673,7 +18658,7 @@
                         </a:rPr>
                         <a:t>فرازمینه‌ای</a:t>
                       </a:r>
-                      <a:endParaRPr lang="fa-IR" sz="1500" b="1" kern="1200" dirty="0">
+                      <a:endParaRPr lang="fa-IR" sz="1450" b="1" kern="1200" dirty="0">
                         <a:solidFill>
                           <a:schemeClr val="dk1"/>
                         </a:solidFill>
@@ -18792,7 +18777,7 @@
                         <a:defRPr/>
                       </a:pPr>
                       <a:r>
-                        <a:rPr lang="fa-IR" sz="1500" b="1" kern="1200" dirty="0">
+                        <a:rPr lang="fa-IR" sz="1450" b="1" kern="1200" dirty="0">
                           <a:solidFill>
                             <a:schemeClr val="dk1"/>
                           </a:solidFill>
@@ -18812,7 +18797,7 @@
                         <a:buChar char="•"/>
                       </a:pPr>
                       <a:r>
-                        <a:rPr lang="fa-IR" sz="1500" b="1" kern="1200" dirty="0">
+                        <a:rPr lang="fa-IR" sz="1450" b="1" kern="1200" dirty="0">
                           <a:solidFill>
                             <a:schemeClr val="dk1"/>
                           </a:solidFill>
@@ -18823,7 +18808,7 @@
                         <a:t>جستجوی اسناد</a:t>
                       </a:r>
                       <a:r>
-                        <a:rPr lang="en-US" sz="1500" b="1" kern="1200" dirty="0">
+                        <a:rPr lang="en-US" sz="1450" b="1" kern="1200" dirty="0">
                           <a:solidFill>
                             <a:schemeClr val="dk1"/>
                           </a:solidFill>
@@ -18834,7 +18819,7 @@
                         <a:t> </a:t>
                       </a:r>
                       <a:r>
-                        <a:rPr lang="fa-IR" sz="1500" b="1" kern="1200" dirty="0">
+                        <a:rPr lang="fa-IR" sz="1450" b="1" kern="1200" dirty="0">
                           <a:solidFill>
                             <a:schemeClr val="dk1"/>
                           </a:solidFill>
@@ -18854,7 +18839,7 @@
                         <a:buChar char="•"/>
                       </a:pPr>
                       <a:r>
-                        <a:rPr lang="fa-IR" sz="1500" b="1" kern="1200" dirty="0">
+                        <a:rPr lang="fa-IR" sz="1450" b="1" kern="1200" dirty="0">
                           <a:solidFill>
                             <a:schemeClr val="dk1"/>
                           </a:solidFill>
@@ -18892,7 +18877,7 @@
         </p:nvSpPr>
         <p:spPr>
           <a:xfrm>
-            <a:off x="3602181" y="1993722"/>
+            <a:off x="3897745" y="1984485"/>
             <a:ext cx="1533242" cy="246221"/>
           </a:xfrm>
           <a:prstGeom prst="rect">
@@ -18971,12 +18956,12 @@
         </p:nvCxnSpPr>
         <p:spPr>
           <a:xfrm rot="10800000" flipV="1">
-            <a:off x="5116951" y="2030666"/>
+            <a:off x="5366339" y="2021430"/>
             <a:ext cx="221676" cy="86165"/>
           </a:xfrm>
           <a:prstGeom prst="curvedConnector3">
             <a:avLst>
-              <a:gd name="adj1" fmla="val 50000"/>
+              <a:gd name="adj1" fmla="val 20834"/>
             </a:avLst>
           </a:prstGeom>
           <a:ln>

--- a/RAG.pptx
+++ b/RAG.pptx
@@ -9906,22 +9906,28 @@
               </a:lnSpc>
             </a:pPr>
             <a:r>
+              <a:rPr lang="fa-IR" b="1" dirty="0">
+                <a:cs typeface="B Nazanin" panose="00000400000000000000" pitchFamily="2" charset="-78"/>
+              </a:rPr>
+              <a:t>حداکثر تعداد متون انتخابی </a:t>
+            </a:r>
+            <a:r>
+              <a:rPr lang="en-US" b="1" dirty="0">
+                <a:cs typeface="B Nazanin" panose="00000400000000000000" pitchFamily="2" charset="-78"/>
+              </a:rPr>
+              <a:t>RAG</a:t>
+            </a:r>
+            <a:r>
+              <a:rPr lang="fa-IR" b="1" dirty="0">
+                <a:cs typeface="B Nazanin" panose="00000400000000000000" pitchFamily="2" charset="-78"/>
+              </a:rPr>
+              <a:t> (</a:t>
+            </a:r>
+            <a:r>
               <a:rPr lang="en-US" b="1" dirty="0" err="1">
                 <a:cs typeface="B Nazanin" panose="00000400000000000000" pitchFamily="2" charset="-78"/>
               </a:rPr>
               <a:t>Top_k</a:t>
-            </a:r>
-            <a:r>
-              <a:rPr lang="fa-IR" b="1" dirty="0">
-                <a:cs typeface="B Nazanin" panose="00000400000000000000" pitchFamily="2" charset="-78"/>
-              </a:rPr>
-              <a:t> (حداکثر تعداد متون انتخابی </a:t>
-            </a:r>
-            <a:r>
-              <a:rPr lang="en-US" b="1" dirty="0">
-                <a:cs typeface="B Nazanin" panose="00000400000000000000" pitchFamily="2" charset="-78"/>
-              </a:rPr>
-              <a:t>RAG</a:t>
             </a:r>
             <a:r>
               <a:rPr lang="fa-IR" b="1" dirty="0">
@@ -9952,21 +9958,7 @@
               <a:rPr lang="fa-IR" b="1" dirty="0">
                 <a:cs typeface="B Nazanin" panose="00000400000000000000" pitchFamily="2" charset="-78"/>
               </a:rPr>
-              <a:t> (</a:t>
-            </a:r>
-            <a:r>
-              <a:rPr lang="en-US" b="1" i="0" dirty="0">
-                <a:effectLst/>
-                <a:latin typeface="arial" panose="020B0604020202020204" pitchFamily="34" charset="0"/>
-                <a:cs typeface="B Nazanin" panose="00000400000000000000" pitchFamily="2" charset="-78"/>
-              </a:rPr>
-              <a:t>maximum context length</a:t>
-            </a:r>
-            <a:r>
-              <a:rPr lang="fa-IR" b="1" dirty="0">
-                <a:cs typeface="B Nazanin" panose="00000400000000000000" pitchFamily="2" charset="-78"/>
-              </a:rPr>
-              <a:t>)</a:t>
+              <a:t> </a:t>
             </a:r>
           </a:p>
           <a:p>
@@ -14697,7 +14689,7 @@
         <p:spPr>
           <a:xfrm>
             <a:off x="10244907" y="4246800"/>
-            <a:ext cx="1776811" cy="723275"/>
+            <a:ext cx="1776811" cy="684803"/>
           </a:xfrm>
           <a:prstGeom prst="rect">
             <a:avLst/>
@@ -14712,7 +14704,7 @@
           <a:p>
             <a:pPr algn="ctr">
               <a:spcBef>
-                <a:spcPts val="600"/>
+                <a:spcPts val="300"/>
               </a:spcBef>
             </a:pPr>
             <a:r>
@@ -14730,7 +14722,7 @@
           <a:p>
             <a:pPr algn="ctr">
               <a:spcBef>
-                <a:spcPts val="600"/>
+                <a:spcPts val="300"/>
               </a:spcBef>
             </a:pPr>
             <a:r>

--- a/RAG.pptx
+++ b/RAG.pptx
@@ -14183,22 +14183,13 @@
                 </a:spcBef>
               </a:pPr>
               <a:r>
-                <a:rPr lang="en-US" b="1" dirty="0" err="1">
-                  <a:solidFill>
-                    <a:srgbClr val="2E471D"/>
-                  </a:solidFill>
-                  <a:cs typeface="B Nazanin" panose="00000400000000000000" pitchFamily="2" charset="-78"/>
-                </a:rPr>
-                <a:t>Semanic</a:t>
-              </a:r>
-              <a:r>
                 <a:rPr lang="en-US" b="1" dirty="0">
                   <a:solidFill>
                     <a:srgbClr val="2E471D"/>
                   </a:solidFill>
                   <a:cs typeface="B Nazanin" panose="00000400000000000000" pitchFamily="2" charset="-78"/>
                 </a:rPr>
-                <a:t> vectors</a:t>
+                <a:t>Semantic vectors</a:t>
               </a:r>
               <a:endParaRPr lang="fa-IR" b="1" dirty="0">
                 <a:solidFill>

--- a/RAG.pptx
+++ b/RAG.pptx
@@ -15760,7 +15760,11 @@
           <a:bodyPr rtlCol="1" anchor="ctr"/>
           <a:lstStyle/>
           <a:p>
-            <a:pPr algn="ctr"/>
+            <a:pPr algn="ctr">
+              <a:lnSpc>
+                <a:spcPct val="150000"/>
+              </a:lnSpc>
+            </a:pPr>
             <a:r>
               <a:rPr lang="fa-IR" b="1" dirty="0">
                 <a:solidFill>
@@ -15770,9 +15774,6 @@
               </a:rPr>
               <a:t>سوال کاربر</a:t>
             </a:r>
-          </a:p>
-          <a:p>
-            <a:pPr algn="ctr"/>
             <a:endParaRPr lang="fa-IR" dirty="0">
               <a:solidFill>
                 <a:srgbClr val="2A2A2A"/>
@@ -15781,7 +15782,11 @@
             </a:endParaRPr>
           </a:p>
           <a:p>
-            <a:pPr algn="ctr"/>
+            <a:pPr algn="ctr">
+              <a:lnSpc>
+                <a:spcPct val="150000"/>
+              </a:lnSpc>
+            </a:pPr>
             <a:r>
               <a:rPr lang="en-US" b="1" dirty="0">
                 <a:solidFill>

--- a/RAG.pptx
+++ b/RAG.pptx
@@ -5,7 +5,7 @@
     <p:sldMasterId id="2147483648" r:id="rId1"/>
   </p:sldMasterIdLst>
   <p:notesMasterIdLst>
-    <p:notesMasterId r:id="rId15"/>
+    <p:notesMasterId r:id="rId13"/>
   </p:notesMasterIdLst>
   <p:sldIdLst>
     <p:sldId id="257" r:id="rId2"/>
@@ -18,9 +18,7 @@
     <p:sldId id="261" r:id="rId9"/>
     <p:sldId id="270" r:id="rId10"/>
     <p:sldId id="263" r:id="rId11"/>
-    <p:sldId id="264" r:id="rId12"/>
-    <p:sldId id="265" r:id="rId13"/>
-    <p:sldId id="259" r:id="rId14"/>
+    <p:sldId id="259" r:id="rId12"/>
   </p:sldIdLst>
   <p:sldSz cx="12192000" cy="6858000"/>
   <p:notesSz cx="6858000" cy="9144000"/>
@@ -9821,7 +9819,7 @@
         </p:spPr>
         <p:txBody>
           <a:bodyPr>
-            <a:normAutofit lnSpcReduction="10000"/>
+            <a:normAutofit/>
           </a:bodyPr>
           <a:lstStyle/>
           <a:p>
@@ -9831,7 +9829,7 @@
               </a:lnSpc>
             </a:pPr>
             <a:r>
-              <a:rPr lang="fa-IR" b="1" dirty="0">
+              <a:rPr lang="fa-IR" sz="2400" b="1" dirty="0">
                 <a:cs typeface="B Nazanin" panose="00000400000000000000" pitchFamily="2" charset="-78"/>
               </a:rPr>
               <a:t>نوع مدل زبانی</a:t>
@@ -9844,31 +9842,31 @@
               </a:lnSpc>
             </a:pPr>
             <a:r>
-              <a:rPr lang="fa-IR" b="1" dirty="0">
+              <a:rPr lang="fa-IR" sz="2400" b="1" dirty="0">
                 <a:cs typeface="B Nazanin" panose="00000400000000000000" pitchFamily="2" charset="-78"/>
               </a:rPr>
               <a:t>اندازه </a:t>
             </a:r>
             <a:r>
-              <a:rPr lang="fa-IR" b="1" dirty="0" err="1">
+              <a:rPr lang="fa-IR" sz="2400" b="1" dirty="0" err="1">
                 <a:cs typeface="B Nazanin" panose="00000400000000000000" pitchFamily="2" charset="-78"/>
               </a:rPr>
               <a:t>تکه‌متن‌ها</a:t>
             </a:r>
             <a:r>
-              <a:rPr lang="fa-IR" b="1" dirty="0">
+              <a:rPr lang="fa-IR" sz="2400" b="1" dirty="0">
                 <a:cs typeface="B Nazanin" panose="00000400000000000000" pitchFamily="2" charset="-78"/>
               </a:rPr>
               <a:t> (</a:t>
             </a:r>
             <a:r>
-              <a:rPr lang="en-US" b="1" dirty="0">
+              <a:rPr lang="en-US" sz="2400" b="1" dirty="0">
                 <a:cs typeface="B Nazanin" panose="00000400000000000000" pitchFamily="2" charset="-78"/>
               </a:rPr>
               <a:t>Chunk size</a:t>
             </a:r>
             <a:r>
-              <a:rPr lang="fa-IR" b="1" dirty="0">
+              <a:rPr lang="fa-IR" sz="2400" b="1" dirty="0">
                 <a:cs typeface="B Nazanin" panose="00000400000000000000" pitchFamily="2" charset="-78"/>
               </a:rPr>
               <a:t>)</a:t>
@@ -9881,19 +9879,19 @@
               </a:lnSpc>
             </a:pPr>
             <a:r>
-              <a:rPr lang="fa-IR" b="1" dirty="0">
+              <a:rPr lang="fa-IR" sz="2400" b="1" dirty="0">
                 <a:cs typeface="B Nazanin" panose="00000400000000000000" pitchFamily="2" charset="-78"/>
               </a:rPr>
-              <a:t>آستانه تشابه (</a:t>
-            </a:r>
-            <a:r>
-              <a:rPr lang="en-US" b="1" dirty="0">
+              <a:t>درصد آستانه تشابه (</a:t>
+            </a:r>
+            <a:r>
+              <a:rPr lang="en-US" sz="2400" b="1" dirty="0">
                 <a:cs typeface="B Nazanin" panose="00000400000000000000" pitchFamily="2" charset="-78"/>
               </a:rPr>
               <a:t>Similarity threshold</a:t>
             </a:r>
             <a:r>
-              <a:rPr lang="fa-IR" b="1" dirty="0">
+              <a:rPr lang="fa-IR" sz="2400" b="1" dirty="0">
                 <a:cs typeface="B Nazanin" panose="00000400000000000000" pitchFamily="2" charset="-78"/>
               </a:rPr>
               <a:t>)</a:t>
@@ -9906,31 +9904,31 @@
               </a:lnSpc>
             </a:pPr>
             <a:r>
-              <a:rPr lang="fa-IR" b="1" dirty="0">
+              <a:rPr lang="fa-IR" sz="2400" b="1" dirty="0">
                 <a:cs typeface="B Nazanin" panose="00000400000000000000" pitchFamily="2" charset="-78"/>
               </a:rPr>
               <a:t>حداکثر تعداد متون انتخابی </a:t>
             </a:r>
             <a:r>
-              <a:rPr lang="en-US" b="1" dirty="0">
+              <a:rPr lang="en-US" sz="2400" b="1" dirty="0">
                 <a:cs typeface="B Nazanin" panose="00000400000000000000" pitchFamily="2" charset="-78"/>
               </a:rPr>
               <a:t>RAG</a:t>
             </a:r>
             <a:r>
-              <a:rPr lang="fa-IR" b="1" dirty="0">
+              <a:rPr lang="fa-IR" sz="2400" b="1" dirty="0">
                 <a:cs typeface="B Nazanin" panose="00000400000000000000" pitchFamily="2" charset="-78"/>
               </a:rPr>
               <a:t> (</a:t>
             </a:r>
             <a:r>
-              <a:rPr lang="en-US" b="1" dirty="0" err="1">
+              <a:rPr lang="en-US" sz="2400" b="1" dirty="0" err="1">
                 <a:cs typeface="B Nazanin" panose="00000400000000000000" pitchFamily="2" charset="-78"/>
               </a:rPr>
               <a:t>Top_k</a:t>
             </a:r>
             <a:r>
-              <a:rPr lang="fa-IR" b="1" dirty="0">
+              <a:rPr lang="fa-IR" sz="2400" b="1" dirty="0">
                 <a:cs typeface="B Nazanin" panose="00000400000000000000" pitchFamily="2" charset="-78"/>
               </a:rPr>
               <a:t>)</a:t>
@@ -9943,19 +9941,19 @@
               </a:lnSpc>
             </a:pPr>
             <a:r>
-              <a:rPr lang="fa-IR" b="1" dirty="0">
+              <a:rPr lang="fa-IR" sz="2400" b="1" dirty="0">
                 <a:cs typeface="B Nazanin" panose="00000400000000000000" pitchFamily="2" charset="-78"/>
               </a:rPr>
               <a:t>حداکثر طول مجاز متن ورودی به </a:t>
             </a:r>
             <a:r>
-              <a:rPr lang="fa-IR" b="1" dirty="0" err="1">
+              <a:rPr lang="fa-IR" sz="2400" b="1" dirty="0" err="1">
                 <a:cs typeface="B Nazanin" panose="00000400000000000000" pitchFamily="2" charset="-78"/>
               </a:rPr>
               <a:t>مدل‌زبانی</a:t>
             </a:r>
             <a:r>
-              <a:rPr lang="fa-IR" b="1" dirty="0">
+              <a:rPr lang="fa-IR" sz="2400" b="1" dirty="0">
                 <a:cs typeface="B Nazanin" panose="00000400000000000000" pitchFamily="2" charset="-78"/>
               </a:rPr>
               <a:t> </a:t>
@@ -9968,24 +9966,24 @@
               </a:lnSpc>
             </a:pPr>
             <a:r>
-              <a:rPr lang="fa-IR" b="1" dirty="0">
+              <a:rPr lang="fa-IR" sz="2400" b="1" dirty="0">
                 <a:cs typeface="B Nazanin" panose="00000400000000000000" pitchFamily="2" charset="-78"/>
               </a:rPr>
               <a:t>دستور توجیهی به مدل (</a:t>
             </a:r>
             <a:r>
-              <a:rPr lang="en-US" b="1" dirty="0">
+              <a:rPr lang="en-US" sz="2400" b="1" dirty="0">
                 <a:cs typeface="B Nazanin" panose="00000400000000000000" pitchFamily="2" charset="-78"/>
               </a:rPr>
-              <a:t>Prompt</a:t>
-            </a:r>
-            <a:r>
-              <a:rPr lang="fa-IR" b="1" dirty="0">
+              <a:t>System prompt</a:t>
+            </a:r>
+            <a:r>
+              <a:rPr lang="fa-IR" sz="2400" b="1" dirty="0">
                 <a:cs typeface="B Nazanin" panose="00000400000000000000" pitchFamily="2" charset="-78"/>
               </a:rPr>
               <a:t>)</a:t>
             </a:r>
-            <a:endParaRPr lang="en-US" b="1" dirty="0">
+            <a:endParaRPr lang="en-US" sz="2400" b="1" dirty="0">
               <a:cs typeface="B Nazanin" panose="00000400000000000000" pitchFamily="2" charset="-78"/>
             </a:endParaRPr>
           </a:p>
@@ -10005,166 +10003,6 @@
 </file>
 
 <file path=ppt/slides/slide11.xml><?xml version="1.0" encoding="utf-8"?>
-<p:sld xmlns:a="http://schemas.openxmlformats.org/drawingml/2006/main" xmlns:r="http://schemas.openxmlformats.org/officeDocument/2006/relationships" xmlns:p="http://schemas.openxmlformats.org/presentationml/2006/main">
-  <p:cSld>
-    <p:spTree>
-      <p:nvGrpSpPr>
-        <p:cNvPr id="1" name=""/>
-        <p:cNvGrpSpPr/>
-        <p:nvPr/>
-      </p:nvGrpSpPr>
-      <p:grpSpPr>
-        <a:xfrm>
-          <a:off x="0" y="0"/>
-          <a:ext cx="0" cy="0"/>
-          <a:chOff x="0" y="0"/>
-          <a:chExt cx="0" cy="0"/>
-        </a:xfrm>
-      </p:grpSpPr>
-      <p:sp>
-        <p:nvSpPr>
-          <p:cNvPr id="2" name="Title 1">
-            <a:extLst>
-              <a:ext uri="{FF2B5EF4-FFF2-40B4-BE49-F238E27FC236}">
-                <a16:creationId xmlns:a16="http://schemas.microsoft.com/office/drawing/2014/main" id="{49692620-32EF-ED06-86F4-F45D4D2DEC61}"/>
-              </a:ext>
-            </a:extLst>
-          </p:cNvPr>
-          <p:cNvSpPr>
-            <a:spLocks noGrp="1"/>
-          </p:cNvSpPr>
-          <p:nvPr>
-            <p:ph type="title"/>
-          </p:nvPr>
-        </p:nvSpPr>
-        <p:spPr/>
-        <p:txBody>
-          <a:bodyPr/>
-          <a:lstStyle/>
-          <a:p>
-            <a:endParaRPr lang="fa-IR"/>
-          </a:p>
-        </p:txBody>
-      </p:sp>
-      <p:sp>
-        <p:nvSpPr>
-          <p:cNvPr id="3" name="Content Placeholder 2">
-            <a:extLst>
-              <a:ext uri="{FF2B5EF4-FFF2-40B4-BE49-F238E27FC236}">
-                <a16:creationId xmlns:a16="http://schemas.microsoft.com/office/drawing/2014/main" id="{64609014-3E9C-3A54-C1CE-4FC924A4FF30}"/>
-              </a:ext>
-            </a:extLst>
-          </p:cNvPr>
-          <p:cNvSpPr>
-            <a:spLocks noGrp="1"/>
-          </p:cNvSpPr>
-          <p:nvPr>
-            <p:ph idx="1"/>
-          </p:nvPr>
-        </p:nvSpPr>
-        <p:spPr/>
-        <p:txBody>
-          <a:bodyPr/>
-          <a:lstStyle/>
-          <a:p>
-            <a:endParaRPr lang="fa-IR"/>
-          </a:p>
-        </p:txBody>
-      </p:sp>
-    </p:spTree>
-    <p:extLst>
-      <p:ext uri="{BB962C8B-B14F-4D97-AF65-F5344CB8AC3E}">
-        <p14:creationId xmlns:p14="http://schemas.microsoft.com/office/powerpoint/2010/main" val="4022629440"/>
-      </p:ext>
-    </p:extLst>
-  </p:cSld>
-  <p:clrMapOvr>
-    <a:masterClrMapping/>
-  </p:clrMapOvr>
-</p:sld>
-</file>
-
-<file path=ppt/slides/slide12.xml><?xml version="1.0" encoding="utf-8"?>
-<p:sld xmlns:a="http://schemas.openxmlformats.org/drawingml/2006/main" xmlns:r="http://schemas.openxmlformats.org/officeDocument/2006/relationships" xmlns:p="http://schemas.openxmlformats.org/presentationml/2006/main">
-  <p:cSld>
-    <p:spTree>
-      <p:nvGrpSpPr>
-        <p:cNvPr id="1" name=""/>
-        <p:cNvGrpSpPr/>
-        <p:nvPr/>
-      </p:nvGrpSpPr>
-      <p:grpSpPr>
-        <a:xfrm>
-          <a:off x="0" y="0"/>
-          <a:ext cx="0" cy="0"/>
-          <a:chOff x="0" y="0"/>
-          <a:chExt cx="0" cy="0"/>
-        </a:xfrm>
-      </p:grpSpPr>
-      <p:sp>
-        <p:nvSpPr>
-          <p:cNvPr id="2" name="Title 1">
-            <a:extLst>
-              <a:ext uri="{FF2B5EF4-FFF2-40B4-BE49-F238E27FC236}">
-                <a16:creationId xmlns:a16="http://schemas.microsoft.com/office/drawing/2014/main" id="{43199FBF-A5B5-58B6-5DBF-490086264C30}"/>
-              </a:ext>
-            </a:extLst>
-          </p:cNvPr>
-          <p:cNvSpPr>
-            <a:spLocks noGrp="1"/>
-          </p:cNvSpPr>
-          <p:nvPr>
-            <p:ph type="title"/>
-          </p:nvPr>
-        </p:nvSpPr>
-        <p:spPr/>
-        <p:txBody>
-          <a:bodyPr/>
-          <a:lstStyle/>
-          <a:p>
-            <a:endParaRPr lang="fa-IR"/>
-          </a:p>
-        </p:txBody>
-      </p:sp>
-      <p:sp>
-        <p:nvSpPr>
-          <p:cNvPr id="3" name="Content Placeholder 2">
-            <a:extLst>
-              <a:ext uri="{FF2B5EF4-FFF2-40B4-BE49-F238E27FC236}">
-                <a16:creationId xmlns:a16="http://schemas.microsoft.com/office/drawing/2014/main" id="{B2F063A0-3C26-B4A0-17C9-9E6666A0B941}"/>
-              </a:ext>
-            </a:extLst>
-          </p:cNvPr>
-          <p:cNvSpPr>
-            <a:spLocks noGrp="1"/>
-          </p:cNvSpPr>
-          <p:nvPr>
-            <p:ph idx="1"/>
-          </p:nvPr>
-        </p:nvSpPr>
-        <p:spPr/>
-        <p:txBody>
-          <a:bodyPr/>
-          <a:lstStyle/>
-          <a:p>
-            <a:endParaRPr lang="fa-IR"/>
-          </a:p>
-        </p:txBody>
-      </p:sp>
-    </p:spTree>
-    <p:extLst>
-      <p:ext uri="{BB962C8B-B14F-4D97-AF65-F5344CB8AC3E}">
-        <p14:creationId xmlns:p14="http://schemas.microsoft.com/office/powerpoint/2010/main" val="2144957078"/>
-      </p:ext>
-    </p:extLst>
-  </p:cSld>
-  <p:clrMapOvr>
-    <a:masterClrMapping/>
-  </p:clrMapOvr>
-</p:sld>
-</file>
-
-<file path=ppt/slides/slide13.xml><?xml version="1.0" encoding="utf-8"?>
 <p:sld xmlns:a="http://schemas.openxmlformats.org/drawingml/2006/main" xmlns:r="http://schemas.openxmlformats.org/officeDocument/2006/relationships" xmlns:p="http://schemas.openxmlformats.org/presentationml/2006/main">
   <p:cSld>
     <p:spTree>
@@ -13931,16 +13769,16 @@
               <a:avLst/>
             </a:prstGeom>
             <a:solidFill>
-              <a:srgbClr val="CBF9E4"/>
+              <a:srgbClr val="A5CDF1"/>
             </a:solidFill>
             <a:ln>
               <a:noFill/>
             </a:ln>
             <a:effectLst>
-              <a:outerShdw blurRad="44450" dist="27940" dir="5400000" algn="ctr">
-                <a:srgbClr val="000000">
-                  <a:alpha val="32000"/>
-                </a:srgbClr>
+              <a:outerShdw blurRad="50800" dist="38100" dir="13500000" algn="br" rotWithShape="0">
+                <a:prstClr val="black">
+                  <a:alpha val="40000"/>
+                </a:prstClr>
               </a:outerShdw>
             </a:effectLst>
             <a:scene3d>
@@ -17027,7 +16865,7 @@
             <p:ph idx="1"/>
             <p:extLst>
               <p:ext uri="{D42A27DB-BD31-4B8C-83A1-F6EECF244321}">
-                <p14:modId xmlns:p14="http://schemas.microsoft.com/office/powerpoint/2010/main" val="1304185790"/>
+                <p14:modId xmlns:p14="http://schemas.microsoft.com/office/powerpoint/2010/main" val="3081175435"/>
               </p:ext>
             </p:extLst>
           </p:nvPr>
@@ -17050,14 +16888,14 @@
                     </a:ext>
                   </a:extLst>
                 </a:gridCol>
-                <a:gridCol w="3594085">
+                <a:gridCol w="3568327">
                   <a:extLst>
                     <a:ext uri="{9D8B030D-6E8A-4147-A177-3AD203B41FA5}">
                       <a16:colId xmlns:a16="http://schemas.microsoft.com/office/drawing/2014/main" val="3450439336"/>
                     </a:ext>
                   </a:extLst>
                 </a:gridCol>
-                <a:gridCol w="3113057">
+                <a:gridCol w="3138815">
                   <a:extLst>
                     <a:ext uri="{9D8B030D-6E8A-4147-A177-3AD203B41FA5}">
                       <a16:colId xmlns:a16="http://schemas.microsoft.com/office/drawing/2014/main" val="1743241370"/>

--- a/RAG.pptx
+++ b/RAG.pptx
@@ -19953,7 +19953,7 @@
         </p:nvSpPr>
         <p:spPr>
           <a:xfrm>
-            <a:off x="1537803" y="131415"/>
+            <a:off x="1528567" y="131415"/>
             <a:ext cx="10515600" cy="918730"/>
           </a:xfrm>
         </p:spPr>
@@ -22476,7 +22476,7 @@
         </p:nvSpPr>
         <p:spPr>
           <a:xfrm>
-            <a:off x="1501786" y="189500"/>
+            <a:off x="1529494" y="134802"/>
             <a:ext cx="10515600" cy="918730"/>
           </a:xfrm>
         </p:spPr>

--- a/RAG.pptx
+++ b/RAG.pptx
@@ -5687,7 +5687,7 @@
           <a:p>
             <a:fld id="{DD9737E2-E5A7-4798-8CE4-635A842BA6E2}" type="datetimeFigureOut">
               <a:rPr lang="fa-IR" smtClean="0"/>
-              <a:t>13/08/1445</a:t>
+              <a:t>17/08/1445</a:t>
             </a:fld>
             <a:endParaRPr lang="fa-IR"/>
           </a:p>
@@ -6692,7 +6692,7 @@
           <a:p>
             <a:fld id="{749F0CB5-BAA6-4AB1-867C-C29921453313}" type="datetimeFigureOut">
               <a:rPr lang="fa-IR" smtClean="0"/>
-              <a:t>13/08/1445</a:t>
+              <a:t>17/08/1445</a:t>
             </a:fld>
             <a:endParaRPr lang="fa-IR"/>
           </a:p>
@@ -6892,7 +6892,7 @@
           <a:p>
             <a:fld id="{749F0CB5-BAA6-4AB1-867C-C29921453313}" type="datetimeFigureOut">
               <a:rPr lang="fa-IR" smtClean="0"/>
-              <a:t>13/08/1445</a:t>
+              <a:t>17/08/1445</a:t>
             </a:fld>
             <a:endParaRPr lang="fa-IR"/>
           </a:p>
@@ -7102,7 +7102,7 @@
           <a:p>
             <a:fld id="{749F0CB5-BAA6-4AB1-867C-C29921453313}" type="datetimeFigureOut">
               <a:rPr lang="fa-IR" smtClean="0"/>
-              <a:t>13/08/1445</a:t>
+              <a:t>17/08/1445</a:t>
             </a:fld>
             <a:endParaRPr lang="fa-IR"/>
           </a:p>
@@ -7302,7 +7302,7 @@
           <a:p>
             <a:fld id="{749F0CB5-BAA6-4AB1-867C-C29921453313}" type="datetimeFigureOut">
               <a:rPr lang="fa-IR" smtClean="0"/>
-              <a:t>13/08/1445</a:t>
+              <a:t>17/08/1445</a:t>
             </a:fld>
             <a:endParaRPr lang="fa-IR"/>
           </a:p>
@@ -7578,7 +7578,7 @@
           <a:p>
             <a:fld id="{749F0CB5-BAA6-4AB1-867C-C29921453313}" type="datetimeFigureOut">
               <a:rPr lang="fa-IR" smtClean="0"/>
-              <a:t>13/08/1445</a:t>
+              <a:t>17/08/1445</a:t>
             </a:fld>
             <a:endParaRPr lang="fa-IR"/>
           </a:p>
@@ -7846,7 +7846,7 @@
           <a:p>
             <a:fld id="{749F0CB5-BAA6-4AB1-867C-C29921453313}" type="datetimeFigureOut">
               <a:rPr lang="fa-IR" smtClean="0"/>
-              <a:t>13/08/1445</a:t>
+              <a:t>17/08/1445</a:t>
             </a:fld>
             <a:endParaRPr lang="fa-IR"/>
           </a:p>
@@ -8261,7 +8261,7 @@
           <a:p>
             <a:fld id="{749F0CB5-BAA6-4AB1-867C-C29921453313}" type="datetimeFigureOut">
               <a:rPr lang="fa-IR" smtClean="0"/>
-              <a:t>13/08/1445</a:t>
+              <a:t>17/08/1445</a:t>
             </a:fld>
             <a:endParaRPr lang="fa-IR"/>
           </a:p>
@@ -8403,7 +8403,7 @@
           <a:p>
             <a:fld id="{749F0CB5-BAA6-4AB1-867C-C29921453313}" type="datetimeFigureOut">
               <a:rPr lang="fa-IR" smtClean="0"/>
-              <a:t>13/08/1445</a:t>
+              <a:t>17/08/1445</a:t>
             </a:fld>
             <a:endParaRPr lang="fa-IR"/>
           </a:p>
@@ -8516,7 +8516,7 @@
           <a:p>
             <a:fld id="{749F0CB5-BAA6-4AB1-867C-C29921453313}" type="datetimeFigureOut">
               <a:rPr lang="fa-IR" smtClean="0"/>
-              <a:t>13/08/1445</a:t>
+              <a:t>17/08/1445</a:t>
             </a:fld>
             <a:endParaRPr lang="fa-IR"/>
           </a:p>
@@ -8829,7 +8829,7 @@
           <a:p>
             <a:fld id="{749F0CB5-BAA6-4AB1-867C-C29921453313}" type="datetimeFigureOut">
               <a:rPr lang="fa-IR" smtClean="0"/>
-              <a:t>13/08/1445</a:t>
+              <a:t>17/08/1445</a:t>
             </a:fld>
             <a:endParaRPr lang="fa-IR"/>
           </a:p>
@@ -9118,7 +9118,7 @@
           <a:p>
             <a:fld id="{749F0CB5-BAA6-4AB1-867C-C29921453313}" type="datetimeFigureOut">
               <a:rPr lang="fa-IR" smtClean="0"/>
-              <a:t>13/08/1445</a:t>
+              <a:t>17/08/1445</a:t>
             </a:fld>
             <a:endParaRPr lang="fa-IR"/>
           </a:p>
@@ -9361,7 +9361,7 @@
           <a:p>
             <a:fld id="{749F0CB5-BAA6-4AB1-867C-C29921453313}" type="datetimeFigureOut">
               <a:rPr lang="fa-IR" smtClean="0"/>
-              <a:t>13/08/1445</a:t>
+              <a:t>17/08/1445</a:t>
             </a:fld>
             <a:endParaRPr lang="fa-IR"/>
           </a:p>
@@ -13418,8 +13418,8 @@
         </p:nvSpPr>
         <p:spPr>
           <a:xfrm>
-            <a:off x="838199" y="1419097"/>
-            <a:ext cx="2998510" cy="628743"/>
+            <a:off x="838199" y="1477818"/>
+            <a:ext cx="2994892" cy="570022"/>
           </a:xfrm>
           <a:noFill/>
         </p:spPr>
@@ -19937,6 +19937,58 @@
       </p:grpSpPr>
       <p:sp>
         <p:nvSpPr>
+          <p:cNvPr id="40" name="Rectangle: Top Corners Snipped 39">
+            <a:extLst>
+              <a:ext uri="{FF2B5EF4-FFF2-40B4-BE49-F238E27FC236}">
+                <a16:creationId xmlns:a16="http://schemas.microsoft.com/office/drawing/2014/main" id="{3B791696-EB2D-7401-DC40-CE5FE483A2BD}"/>
+              </a:ext>
+            </a:extLst>
+          </p:cNvPr>
+          <p:cNvSpPr/>
+          <p:nvPr/>
+        </p:nvSpPr>
+        <p:spPr>
+          <a:xfrm rot="10800000">
+            <a:off x="2536731" y="3216499"/>
+            <a:ext cx="1930985" cy="2376298"/>
+          </a:xfrm>
+          <a:prstGeom prst="snip2SameRect">
+            <a:avLst/>
+          </a:prstGeom>
+          <a:solidFill>
+            <a:schemeClr val="accent4">
+              <a:lumMod val="40000"/>
+              <a:lumOff val="60000"/>
+            </a:schemeClr>
+          </a:solidFill>
+        </p:spPr>
+        <p:style>
+          <a:lnRef idx="2">
+            <a:schemeClr val="accent1">
+              <a:shade val="15000"/>
+            </a:schemeClr>
+          </a:lnRef>
+          <a:fillRef idx="1">
+            <a:schemeClr val="accent1"/>
+          </a:fillRef>
+          <a:effectRef idx="0">
+            <a:schemeClr val="accent1"/>
+          </a:effectRef>
+          <a:fontRef idx="minor">
+            <a:schemeClr val="lt1"/>
+          </a:fontRef>
+        </p:style>
+        <p:txBody>
+          <a:bodyPr rtlCol="1" anchor="ctr"/>
+          <a:lstStyle/>
+          <a:p>
+            <a:pPr algn="ctr"/>
+            <a:endParaRPr lang="fa-IR"/>
+          </a:p>
+        </p:txBody>
+      </p:sp>
+      <p:sp>
+        <p:nvSpPr>
           <p:cNvPr id="2" name="Title 1">
             <a:extLst>
               <a:ext uri="{FF2B5EF4-FFF2-40B4-BE49-F238E27FC236}">
@@ -20047,8 +20099,8 @@
         </p:nvSpPr>
         <p:spPr>
           <a:xfrm>
-            <a:off x="1987910" y="2009693"/>
-            <a:ext cx="8713862" cy="400110"/>
+            <a:off x="1" y="2009693"/>
+            <a:ext cx="10701772" cy="707886"/>
           </a:xfrm>
           <a:prstGeom prst="rect">
             <a:avLst/>
@@ -20079,6 +20131,39 @@
                 <a:cs typeface="B Nazanin" panose="00000400000000000000" pitchFamily="2" charset="-78"/>
               </a:rPr>
               <a:t> یک زبان و اختصاص یک علامت (عدد) به هر کدام</a:t>
+            </a:r>
+          </a:p>
+          <a:p>
+            <a:pPr algn="r" rtl="1"/>
+            <a:r>
+              <a:rPr lang="fa-IR" sz="2000" b="1" dirty="0">
+                <a:cs typeface="B Nazanin" panose="00000400000000000000" pitchFamily="2" charset="-78"/>
+              </a:rPr>
+              <a:t> (با </a:t>
+            </a:r>
+            <a:r>
+              <a:rPr lang="fa-IR" sz="2000" b="1" dirty="0" err="1">
+                <a:cs typeface="B Nazanin" panose="00000400000000000000" pitchFamily="2" charset="-78"/>
+              </a:rPr>
+              <a:t>الگوریتم</a:t>
+            </a:r>
+            <a:r>
+              <a:rPr lang="fa-IR" sz="2000" b="1" dirty="0">
+                <a:cs typeface="B Nazanin" panose="00000400000000000000" pitchFamily="2" charset="-78"/>
+              </a:rPr>
+              <a:t> </a:t>
+            </a:r>
+            <a:r>
+              <a:rPr lang="fa-IR" sz="2000" b="1" dirty="0" err="1">
+                <a:cs typeface="B Nazanin" panose="00000400000000000000" pitchFamily="2" charset="-78"/>
+              </a:rPr>
+              <a:t>علامت‌ساز</a:t>
+            </a:r>
+            <a:r>
+              <a:rPr lang="fa-IR" sz="2000" b="1" dirty="0">
+                <a:cs typeface="B Nazanin" panose="00000400000000000000" pitchFamily="2" charset="-78"/>
+              </a:rPr>
+              <a:t>)</a:t>
             </a:r>
           </a:p>
         </p:txBody>
@@ -20097,7 +20182,7 @@
         </p:nvGrpSpPr>
         <p:grpSpPr>
           <a:xfrm>
-            <a:off x="2245540" y="4871706"/>
+            <a:off x="2245541" y="4890474"/>
             <a:ext cx="9100127" cy="551849"/>
             <a:chOff x="2623127" y="1274620"/>
             <a:chExt cx="9100127" cy="551849"/>
@@ -21465,12 +21550,12 @@
         </p:nvCxnSpPr>
         <p:spPr>
           <a:xfrm>
-            <a:off x="10701772" y="2209748"/>
-            <a:ext cx="84932" cy="618485"/>
+            <a:off x="10701773" y="2363636"/>
+            <a:ext cx="84931" cy="575501"/>
           </a:xfrm>
           <a:prstGeom prst="curvedConnector3">
             <a:avLst>
-              <a:gd name="adj1" fmla="val 369157"/>
+              <a:gd name="adj1" fmla="val 369160"/>
             </a:avLst>
           </a:prstGeom>
           <a:ln>
@@ -21506,7 +21591,7 @@
         </p:nvSpPr>
         <p:spPr>
           <a:xfrm>
-            <a:off x="865339" y="2597400"/>
+            <a:off x="865339" y="2708304"/>
             <a:ext cx="9921365" cy="461665"/>
           </a:xfrm>
           <a:prstGeom prst="rect">
@@ -21798,10 +21883,10 @@
         </p:nvGrpSpPr>
         <p:grpSpPr>
           <a:xfrm>
-            <a:off x="2350793" y="3514737"/>
-            <a:ext cx="5338184" cy="1016601"/>
-            <a:chOff x="2554296" y="3667463"/>
-            <a:chExt cx="5338184" cy="1016601"/>
+            <a:off x="4506209" y="3951564"/>
+            <a:ext cx="5108362" cy="615553"/>
+            <a:chOff x="1828124" y="3816522"/>
+            <a:chExt cx="5201634" cy="1083899"/>
           </a:xfrm>
         </p:grpSpPr>
         <p:sp>
@@ -21818,15 +21903,15 @@
           </p:nvSpPr>
           <p:spPr>
             <a:xfrm>
-              <a:off x="2554296" y="3667463"/>
-              <a:ext cx="5338184" cy="1016601"/>
+              <a:off x="1828124" y="3824754"/>
+              <a:ext cx="5201634" cy="1016601"/>
             </a:xfrm>
             <a:prstGeom prst="leftArrowCallout">
               <a:avLst>
-                <a:gd name="adj1" fmla="val 25000"/>
+                <a:gd name="adj1" fmla="val 51818"/>
                 <a:gd name="adj2" fmla="val 25909"/>
                 <a:gd name="adj3" fmla="val 25000"/>
-                <a:gd name="adj4" fmla="val 89777"/>
+                <a:gd name="adj4" fmla="val 97132"/>
               </a:avLst>
             </a:prstGeom>
             <a:solidFill>
@@ -21875,8 +21960,8 @@
           </p:nvSpPr>
           <p:spPr>
             <a:xfrm>
-              <a:off x="2976534" y="3743181"/>
-              <a:ext cx="4835661" cy="877163"/>
+              <a:off x="1935330" y="3816522"/>
+              <a:ext cx="5092772" cy="1083899"/>
             </a:xfrm>
             <a:prstGeom prst="rect">
               <a:avLst/>
@@ -21894,56 +21979,34 @@
                 <a:rPr lang="fa-IR" sz="1700" b="1" dirty="0">
                   <a:solidFill>
                     <a:schemeClr val="accent2">
-                      <a:lumMod val="75000"/>
+                      <a:lumMod val="50000"/>
                     </a:schemeClr>
                   </a:solidFill>
                   <a:cs typeface="B Nazanin" panose="00000400000000000000" pitchFamily="2" charset="-78"/>
                 </a:rPr>
-                <a:t>مقدار عدد هر لغت در </a:t>
+                <a:t>تبدیل علامت (</a:t>
               </a:r>
               <a:r>
-                <a:rPr lang="fa-IR" sz="1700" b="1" dirty="0" err="1">
+                <a:rPr lang="en-US" sz="1700" b="1" dirty="0">
                   <a:solidFill>
                     <a:schemeClr val="accent2">
-                      <a:lumMod val="75000"/>
+                      <a:lumMod val="50000"/>
                     </a:schemeClr>
                   </a:solidFill>
                   <a:cs typeface="B Nazanin" panose="00000400000000000000" pitchFamily="2" charset="-78"/>
                 </a:rPr>
-                <a:t>علامت‌گذاری</a:t>
+                <a:t>Token</a:t>
               </a:r>
               <a:r>
                 <a:rPr lang="fa-IR" sz="1700" b="1" dirty="0">
                   <a:solidFill>
                     <a:schemeClr val="accent2">
-                      <a:lumMod val="75000"/>
+                      <a:lumMod val="50000"/>
                     </a:schemeClr>
                   </a:solidFill>
                   <a:cs typeface="B Nazanin" panose="00000400000000000000" pitchFamily="2" charset="-78"/>
                 </a:rPr>
-                <a:t> اهمیت </a:t>
-              </a:r>
-              <a:r>
-                <a:rPr lang="fa-IR" sz="1700" b="1" dirty="0" err="1">
-                  <a:solidFill>
-                    <a:schemeClr val="accent2">
-                      <a:lumMod val="75000"/>
-                    </a:schemeClr>
-                  </a:solidFill>
-                  <a:cs typeface="B Nazanin" panose="00000400000000000000" pitchFamily="2" charset="-78"/>
-                </a:rPr>
-                <a:t>محاسباتی</a:t>
-              </a:r>
-              <a:r>
-                <a:rPr lang="fa-IR" sz="1700" b="1" dirty="0">
-                  <a:solidFill>
-                    <a:schemeClr val="accent2">
-                      <a:lumMod val="75000"/>
-                    </a:schemeClr>
-                  </a:solidFill>
-                  <a:cs typeface="B Nazanin" panose="00000400000000000000" pitchFamily="2" charset="-78"/>
-                </a:rPr>
-                <a:t> ندارد.</a:t>
+                <a:t>) به بردار یکه:</a:t>
               </a:r>
             </a:p>
             <a:p>
@@ -21957,10 +22020,10 @@
                   </a:solidFill>
                   <a:cs typeface="B Nazanin" panose="00000400000000000000" pitchFamily="2" charset="-78"/>
                 </a:rPr>
-                <a:t>در واقع، اعداد </a:t>
+                <a:t>هر لغت را بردار یکه آن نمایندگی خواهد کرد. (</a:t>
               </a:r>
               <a:r>
-                <a:rPr lang="fa-IR" sz="1700" b="1" dirty="0" err="1">
+                <a:rPr lang="en-US" sz="1700" b="1" dirty="0">
                   <a:solidFill>
                     <a:schemeClr val="accent2">
                       <a:lumMod val="75000"/>
@@ -21968,7 +22031,7 @@
                   </a:solidFill>
                   <a:cs typeface="B Nazanin" panose="00000400000000000000" pitchFamily="2" charset="-78"/>
                 </a:rPr>
-                <a:t>شمارشی</a:t>
+                <a:t>One-hot vector</a:t>
               </a:r>
               <a:r>
                 <a:rPr lang="fa-IR" sz="1700" b="1" dirty="0">
@@ -21979,76 +22042,7 @@
                   </a:solidFill>
                   <a:cs typeface="B Nazanin" panose="00000400000000000000" pitchFamily="2" charset="-78"/>
                 </a:rPr>
-                <a:t> و </a:t>
-              </a:r>
-              <a:r>
-                <a:rPr lang="fa-IR" sz="1700" b="1" dirty="0" err="1">
-                  <a:solidFill>
-                    <a:schemeClr val="accent2">
-                      <a:lumMod val="75000"/>
-                    </a:schemeClr>
-                  </a:solidFill>
-                  <a:cs typeface="B Nazanin" panose="00000400000000000000" pitchFamily="2" charset="-78"/>
-                </a:rPr>
-                <a:t>غیرترتیبی</a:t>
-              </a:r>
-              <a:r>
-                <a:rPr lang="fa-IR" sz="1700" b="1" dirty="0">
-                  <a:solidFill>
-                    <a:schemeClr val="accent2">
-                      <a:lumMod val="75000"/>
-                    </a:schemeClr>
-                  </a:solidFill>
-                  <a:cs typeface="B Nazanin" panose="00000400000000000000" pitchFamily="2" charset="-78"/>
-                </a:rPr>
-                <a:t> هستند.</a:t>
-              </a:r>
-            </a:p>
-            <a:p>
-              <a:pPr algn="r" rtl="1"/>
-              <a:r>
-                <a:rPr lang="fa-IR" sz="1700" b="1" dirty="0" err="1">
-                  <a:solidFill>
-                    <a:schemeClr val="accent2">
-                      <a:lumMod val="75000"/>
-                    </a:schemeClr>
-                  </a:solidFill>
-                  <a:cs typeface="B Nazanin" panose="00000400000000000000" pitchFamily="2" charset="-78"/>
-                </a:rPr>
-                <a:t>علامت‌گذاری</a:t>
-              </a:r>
-              <a:r>
-                <a:rPr lang="fa-IR" sz="1700" b="1" dirty="0">
-                  <a:solidFill>
-                    <a:schemeClr val="accent2">
-                      <a:lumMod val="75000"/>
-                    </a:schemeClr>
-                  </a:solidFill>
-                  <a:cs typeface="B Nazanin" panose="00000400000000000000" pitchFamily="2" charset="-78"/>
-                </a:rPr>
-                <a:t> لغات معمولا به ترتیب حروف الفبا انجام </a:t>
-              </a:r>
-              <a:r>
-                <a:rPr lang="fa-IR" sz="1700" b="1" dirty="0" err="1">
-                  <a:solidFill>
-                    <a:schemeClr val="accent2">
-                      <a:lumMod val="75000"/>
-                    </a:schemeClr>
-                  </a:solidFill>
-                  <a:cs typeface="B Nazanin" panose="00000400000000000000" pitchFamily="2" charset="-78"/>
-                </a:rPr>
-                <a:t>می‌شود</a:t>
-              </a:r>
-              <a:r>
-                <a:rPr lang="fa-IR" sz="1700" b="1" dirty="0">
-                  <a:solidFill>
-                    <a:schemeClr val="accent2">
-                      <a:lumMod val="75000"/>
-                    </a:schemeClr>
-                  </a:solidFill>
-                  <a:cs typeface="B Nazanin" panose="00000400000000000000" pitchFamily="2" charset="-78"/>
-                </a:rPr>
-                <a:t>.</a:t>
+                <a:t>)</a:t>
               </a:r>
               <a:endParaRPr lang="en-US" sz="1700" b="1" dirty="0">
                 <a:solidFill>
@@ -22114,7 +22108,7 @@
         </p:nvGrpSpPr>
         <p:grpSpPr>
           <a:xfrm>
-            <a:off x="2900218" y="6098256"/>
+            <a:off x="3250845" y="6106700"/>
             <a:ext cx="8487954" cy="523220"/>
             <a:chOff x="2900218" y="6098256"/>
             <a:chExt cx="8487954" cy="523220"/>
@@ -22206,57 +22200,6 @@
             <a:p>
               <a:pPr algn="r" rtl="1"/>
               <a:r>
-                <a:rPr lang="en-US" b="1" dirty="0">
-                  <a:solidFill>
-                    <a:schemeClr val="accent1">
-                      <a:lumMod val="75000"/>
-                    </a:schemeClr>
-                  </a:solidFill>
-                  <a:cs typeface="B Nazanin" panose="00000400000000000000" pitchFamily="2" charset="-78"/>
-                </a:rPr>
-                <a:t> </a:t>
-              </a:r>
-              <a:r>
-                <a:rPr lang="fa-IR" b="1" dirty="0" err="1">
-                  <a:solidFill>
-                    <a:schemeClr val="accent1">
-                      <a:lumMod val="75000"/>
-                    </a:schemeClr>
-                  </a:solidFill>
-                  <a:cs typeface="B Nazanin" panose="00000400000000000000" pitchFamily="2" charset="-78"/>
-                </a:rPr>
-                <a:t>الگوریتم</a:t>
-              </a:r>
-              <a:r>
-                <a:rPr lang="fa-IR" b="1" dirty="0">
-                  <a:solidFill>
-                    <a:schemeClr val="accent1">
-                      <a:lumMod val="75000"/>
-                    </a:schemeClr>
-                  </a:solidFill>
-                  <a:cs typeface="B Nazanin" panose="00000400000000000000" pitchFamily="2" charset="-78"/>
-                </a:rPr>
-                <a:t> </a:t>
-              </a:r>
-              <a:r>
-                <a:rPr lang="en-US" b="1" dirty="0">
-                  <a:solidFill>
-                    <a:srgbClr val="7030A0"/>
-                  </a:solidFill>
-                  <a:cs typeface="B Nazanin" panose="00000400000000000000" pitchFamily="2" charset="-78"/>
-                </a:rPr>
-                <a:t>(BPE) Byte Pair Encoding</a:t>
-              </a:r>
-              <a:r>
-                <a:rPr lang="fa-IR" b="1" dirty="0">
-                  <a:solidFill>
-                    <a:srgbClr val="7030A0"/>
-                  </a:solidFill>
-                  <a:cs typeface="B Nazanin" panose="00000400000000000000" pitchFamily="2" charset="-78"/>
-                </a:rPr>
-                <a:t> </a:t>
-              </a:r>
-              <a:r>
                 <a:rPr lang="fa-IR" b="1" dirty="0" err="1">
                   <a:solidFill>
                     <a:schemeClr val="accent1">
@@ -22320,7 +22263,7 @@
                   </a:solidFill>
                   <a:cs typeface="B Nazanin" panose="00000400000000000000" pitchFamily="2" charset="-78"/>
                 </a:rPr>
-                <a:t> زبانی جدید نظیر </a:t>
+                <a:t> زبانی جدید نظیر</a:t>
               </a:r>
               <a:r>
                 <a:rPr lang="en-US" b="1" dirty="0">
@@ -22331,7 +22274,7 @@
                   </a:solidFill>
                   <a:cs typeface="B Nazanin" panose="00000400000000000000" pitchFamily="2" charset="-78"/>
                 </a:rPr>
-                <a:t>GPT-4</a:t>
+                <a:t> GPT-4 </a:t>
               </a:r>
               <a:r>
                 <a:rPr lang="fa-IR" b="1" dirty="0">
@@ -22342,7 +22285,58 @@
                   </a:solidFill>
                   <a:cs typeface="B Nazanin" panose="00000400000000000000" pitchFamily="2" charset="-78"/>
                 </a:rPr>
-                <a:t> است.</a:t>
+                <a:t>، </a:t>
+              </a:r>
+              <a:r>
+                <a:rPr lang="fa-IR" b="1" dirty="0" err="1">
+                  <a:solidFill>
+                    <a:schemeClr val="accent1">
+                      <a:lumMod val="75000"/>
+                    </a:schemeClr>
+                  </a:solidFill>
+                  <a:cs typeface="B Nazanin" panose="00000400000000000000" pitchFamily="2" charset="-78"/>
+                </a:rPr>
+                <a:t>الگوریتم</a:t>
+              </a:r>
+              <a:r>
+                <a:rPr lang="fa-IR" b="1" dirty="0">
+                  <a:solidFill>
+                    <a:schemeClr val="accent1">
+                      <a:lumMod val="75000"/>
+                    </a:schemeClr>
+                  </a:solidFill>
+                  <a:cs typeface="B Nazanin" panose="00000400000000000000" pitchFamily="2" charset="-78"/>
+                </a:rPr>
+                <a:t> </a:t>
+              </a:r>
+              <a:r>
+                <a:rPr lang="en-US" b="1" dirty="0">
+                  <a:solidFill>
+                    <a:srgbClr val="7030A0"/>
+                  </a:solidFill>
+                  <a:cs typeface="B Nazanin" panose="00000400000000000000" pitchFamily="2" charset="-78"/>
+                </a:rPr>
+                <a:t>(BPE) Byte Pair Encoding</a:t>
+              </a:r>
+              <a:r>
+                <a:rPr lang="fa-IR" b="1" dirty="0">
+                  <a:solidFill>
+                    <a:srgbClr val="7030A0"/>
+                  </a:solidFill>
+                  <a:cs typeface="B Nazanin" panose="00000400000000000000" pitchFamily="2" charset="-78"/>
+                </a:rPr>
+                <a:t> </a:t>
+              </a:r>
+              <a:r>
+                <a:rPr lang="fa-IR" b="1" dirty="0">
+                  <a:solidFill>
+                    <a:schemeClr val="accent1">
+                      <a:lumMod val="75000"/>
+                    </a:schemeClr>
+                  </a:solidFill>
+                  <a:cs typeface="B Nazanin" panose="00000400000000000000" pitchFamily="2" charset="-78"/>
+                </a:rPr>
+                <a:t>است.</a:t>
               </a:r>
             </a:p>
           </p:txBody>
@@ -22365,8 +22359,8 @@
         </p:nvCxnSpPr>
         <p:spPr>
           <a:xfrm>
-            <a:off x="10701772" y="2209748"/>
-            <a:ext cx="882719" cy="1060411"/>
+            <a:off x="10701773" y="2363636"/>
+            <a:ext cx="882718" cy="906523"/>
           </a:xfrm>
           <a:prstGeom prst="curvedConnector2">
             <a:avLst/>
@@ -22390,12 +22384,416 @@
           </a:fontRef>
         </p:style>
       </p:cxnSp>
+      <p:grpSp>
+        <p:nvGrpSpPr>
+          <p:cNvPr id="3" name="Group 2">
+            <a:extLst>
+              <a:ext uri="{FF2B5EF4-FFF2-40B4-BE49-F238E27FC236}">
+                <a16:creationId xmlns:a16="http://schemas.microsoft.com/office/drawing/2014/main" id="{322BEF6A-AD29-FE3C-1A5D-FE80D4B10C33}"/>
+              </a:ext>
+            </a:extLst>
+          </p:cNvPr>
+          <p:cNvGrpSpPr/>
+          <p:nvPr/>
+        </p:nvGrpSpPr>
+        <p:grpSpPr>
+          <a:xfrm>
+            <a:off x="3728085" y="3299457"/>
+            <a:ext cx="494071" cy="3416320"/>
+            <a:chOff x="375853" y="449104"/>
+            <a:chExt cx="494071" cy="3416320"/>
+          </a:xfrm>
+        </p:grpSpPr>
+        <p:sp>
+          <p:nvSpPr>
+            <p:cNvPr id="5" name="TextBox 4">
+              <a:extLst>
+                <a:ext uri="{FF2B5EF4-FFF2-40B4-BE49-F238E27FC236}">
+                  <a16:creationId xmlns:a16="http://schemas.microsoft.com/office/drawing/2014/main" id="{82F57B67-04CA-238D-8B50-2405CA6AD8E0}"/>
+                </a:ext>
+              </a:extLst>
+            </p:cNvPr>
+            <p:cNvSpPr txBox="1"/>
+            <p:nvPr/>
+          </p:nvSpPr>
+          <p:spPr>
+            <a:xfrm>
+              <a:off x="375853" y="449104"/>
+              <a:ext cx="494071" cy="3416320"/>
+            </a:xfrm>
+            <a:prstGeom prst="rect">
+              <a:avLst/>
+            </a:prstGeom>
+            <a:noFill/>
+          </p:spPr>
+          <p:txBody>
+            <a:bodyPr wrap="square" rtlCol="1">
+              <a:spAutoFit/>
+            </a:bodyPr>
+            <a:lstStyle/>
+            <a:p>
+              <a:r>
+                <a:rPr lang="en-US" b="1" dirty="0">
+                  <a:solidFill>
+                    <a:srgbClr val="002060"/>
+                  </a:solidFill>
+                </a:rPr>
+                <a:t>[0</a:t>
+              </a:r>
+            </a:p>
+            <a:p>
+              <a:r>
+                <a:rPr lang="en-US" b="1" dirty="0">
+                  <a:solidFill>
+                    <a:srgbClr val="002060"/>
+                  </a:solidFill>
+                </a:rPr>
+                <a:t> 0</a:t>
+              </a:r>
+            </a:p>
+            <a:p>
+              <a:r>
+                <a:rPr lang="en-US" b="1" dirty="0">
+                  <a:solidFill>
+                    <a:srgbClr val="002060"/>
+                  </a:solidFill>
+                </a:rPr>
+                <a:t> 0</a:t>
+              </a:r>
+            </a:p>
+            <a:p>
+              <a:endParaRPr lang="en-US" b="1" dirty="0">
+                <a:solidFill>
+                  <a:srgbClr val="002060"/>
+                </a:solidFill>
+              </a:endParaRPr>
+            </a:p>
+            <a:p>
+              <a:r>
+                <a:rPr lang="en-US" b="1" dirty="0">
+                  <a:solidFill>
+                    <a:srgbClr val="002060"/>
+                  </a:solidFill>
+                </a:rPr>
+                <a:t> 1</a:t>
+              </a:r>
+            </a:p>
+            <a:p>
+              <a:endParaRPr lang="en-US" b="1" dirty="0">
+                <a:solidFill>
+                  <a:srgbClr val="002060"/>
+                </a:solidFill>
+              </a:endParaRPr>
+            </a:p>
+            <a:p>
+              <a:r>
+                <a:rPr lang="en-US" b="1" dirty="0">
+                  <a:solidFill>
+                    <a:srgbClr val="002060"/>
+                  </a:solidFill>
+                </a:rPr>
+                <a:t> 0</a:t>
+              </a:r>
+            </a:p>
+            <a:p>
+              <a:r>
+                <a:rPr lang="en-US" b="1" dirty="0">
+                  <a:solidFill>
+                    <a:srgbClr val="002060"/>
+                  </a:solidFill>
+                </a:rPr>
+                <a:t> 0]</a:t>
+              </a:r>
+            </a:p>
+            <a:p>
+              <a:endParaRPr lang="en-US" b="1" dirty="0">
+                <a:solidFill>
+                  <a:srgbClr val="002060"/>
+                </a:solidFill>
+              </a:endParaRPr>
+            </a:p>
+            <a:p>
+              <a:endParaRPr lang="en-US" b="1" dirty="0">
+                <a:solidFill>
+                  <a:srgbClr val="002060"/>
+                </a:solidFill>
+              </a:endParaRPr>
+            </a:p>
+            <a:p>
+              <a:endParaRPr lang="en-US" b="1" dirty="0">
+                <a:solidFill>
+                  <a:srgbClr val="002060"/>
+                </a:solidFill>
+              </a:endParaRPr>
+            </a:p>
+            <a:p>
+              <a:endParaRPr lang="fa-IR" b="1" dirty="0">
+                <a:solidFill>
+                  <a:srgbClr val="002060"/>
+                </a:solidFill>
+              </a:endParaRPr>
+            </a:p>
+          </p:txBody>
+        </p:sp>
+        <p:grpSp>
+          <p:nvGrpSpPr>
+            <p:cNvPr id="6" name="Group 5">
+              <a:extLst>
+                <a:ext uri="{FF2B5EF4-FFF2-40B4-BE49-F238E27FC236}">
+                  <a16:creationId xmlns:a16="http://schemas.microsoft.com/office/drawing/2014/main" id="{F0592BF4-3891-8C7F-5B59-3419BE2FB6FE}"/>
+                </a:ext>
+              </a:extLst>
+            </p:cNvPr>
+            <p:cNvGrpSpPr/>
+            <p:nvPr/>
+          </p:nvGrpSpPr>
+          <p:grpSpPr>
+            <a:xfrm>
+              <a:off x="455591" y="1162921"/>
+              <a:ext cx="279402" cy="447202"/>
+              <a:chOff x="1347693" y="1074592"/>
+              <a:chExt cx="279402" cy="447202"/>
+            </a:xfrm>
+          </p:grpSpPr>
+          <p:sp>
+            <p:nvSpPr>
+              <p:cNvPr id="18" name="TextBox 17">
+                <a:extLst>
+                  <a:ext uri="{FF2B5EF4-FFF2-40B4-BE49-F238E27FC236}">
+                    <a16:creationId xmlns:a16="http://schemas.microsoft.com/office/drawing/2014/main" id="{4567D3D7-3334-6BE3-EAFB-2B600E7C69DE}"/>
+                  </a:ext>
+                </a:extLst>
+              </p:cNvPr>
+              <p:cNvSpPr txBox="1"/>
+              <p:nvPr/>
+            </p:nvSpPr>
+            <p:spPr>
+              <a:xfrm>
+                <a:off x="1347693" y="1074592"/>
+                <a:ext cx="275690" cy="307777"/>
+              </a:xfrm>
+              <a:prstGeom prst="rect">
+                <a:avLst/>
+              </a:prstGeom>
+              <a:noFill/>
+            </p:spPr>
+            <p:txBody>
+              <a:bodyPr wrap="square" rtlCol="1">
+                <a:spAutoFit/>
+              </a:bodyPr>
+              <a:lstStyle/>
+              <a:p>
+                <a:r>
+                  <a:rPr lang="en-US" sz="1400" b="1" dirty="0"/>
+                  <a:t>.</a:t>
+                </a:r>
+              </a:p>
+            </p:txBody>
+          </p:sp>
+          <p:sp>
+            <p:nvSpPr>
+              <p:cNvPr id="25" name="TextBox 24">
+                <a:extLst>
+                  <a:ext uri="{FF2B5EF4-FFF2-40B4-BE49-F238E27FC236}">
+                    <a16:creationId xmlns:a16="http://schemas.microsoft.com/office/drawing/2014/main" id="{DC5D15ED-5B24-8FC8-87EE-6F540AC06093}"/>
+                  </a:ext>
+                </a:extLst>
+              </p:cNvPr>
+              <p:cNvSpPr txBox="1"/>
+              <p:nvPr/>
+            </p:nvSpPr>
+            <p:spPr>
+              <a:xfrm>
+                <a:off x="1351405" y="1145446"/>
+                <a:ext cx="275690" cy="307777"/>
+              </a:xfrm>
+              <a:prstGeom prst="rect">
+                <a:avLst/>
+              </a:prstGeom>
+              <a:noFill/>
+            </p:spPr>
+            <p:txBody>
+              <a:bodyPr wrap="square" rtlCol="1">
+                <a:spAutoFit/>
+              </a:bodyPr>
+              <a:lstStyle/>
+              <a:p>
+                <a:r>
+                  <a:rPr lang="en-US" sz="1400" b="1" dirty="0"/>
+                  <a:t>.</a:t>
+                </a:r>
+              </a:p>
+            </p:txBody>
+          </p:sp>
+          <p:sp>
+            <p:nvSpPr>
+              <p:cNvPr id="28" name="TextBox 27">
+                <a:extLst>
+                  <a:ext uri="{FF2B5EF4-FFF2-40B4-BE49-F238E27FC236}">
+                    <a16:creationId xmlns:a16="http://schemas.microsoft.com/office/drawing/2014/main" id="{86DC957C-39CA-B68A-DD34-28FCDB7C1C9F}"/>
+                  </a:ext>
+                </a:extLst>
+              </p:cNvPr>
+              <p:cNvSpPr txBox="1"/>
+              <p:nvPr/>
+            </p:nvSpPr>
+            <p:spPr>
+              <a:xfrm>
+                <a:off x="1351405" y="1214017"/>
+                <a:ext cx="275690" cy="307777"/>
+              </a:xfrm>
+              <a:prstGeom prst="rect">
+                <a:avLst/>
+              </a:prstGeom>
+              <a:noFill/>
+            </p:spPr>
+            <p:txBody>
+              <a:bodyPr wrap="square" rtlCol="1">
+                <a:spAutoFit/>
+              </a:bodyPr>
+              <a:lstStyle/>
+              <a:p>
+                <a:r>
+                  <a:rPr lang="en-US" sz="1400" b="1" dirty="0"/>
+                  <a:t>.</a:t>
+                </a:r>
+              </a:p>
+            </p:txBody>
+          </p:sp>
+        </p:grpSp>
+        <p:grpSp>
+          <p:nvGrpSpPr>
+            <p:cNvPr id="8" name="Group 7">
+              <a:extLst>
+                <a:ext uri="{FF2B5EF4-FFF2-40B4-BE49-F238E27FC236}">
+                  <a16:creationId xmlns:a16="http://schemas.microsoft.com/office/drawing/2014/main" id="{6FD84BD8-631B-B89A-7F89-70FC5B990C21}"/>
+                </a:ext>
+              </a:extLst>
+            </p:cNvPr>
+            <p:cNvGrpSpPr/>
+            <p:nvPr/>
+          </p:nvGrpSpPr>
+          <p:grpSpPr>
+            <a:xfrm>
+              <a:off x="467345" y="1739905"/>
+              <a:ext cx="279402" cy="447202"/>
+              <a:chOff x="1347693" y="1074592"/>
+              <a:chExt cx="279402" cy="447202"/>
+            </a:xfrm>
+          </p:grpSpPr>
+          <p:sp>
+            <p:nvSpPr>
+              <p:cNvPr id="12" name="TextBox 11">
+                <a:extLst>
+                  <a:ext uri="{FF2B5EF4-FFF2-40B4-BE49-F238E27FC236}">
+                    <a16:creationId xmlns:a16="http://schemas.microsoft.com/office/drawing/2014/main" id="{048F4EA9-1F94-3BA7-6C0D-40ACC70C1CB4}"/>
+                  </a:ext>
+                </a:extLst>
+              </p:cNvPr>
+              <p:cNvSpPr txBox="1"/>
+              <p:nvPr/>
+            </p:nvSpPr>
+            <p:spPr>
+              <a:xfrm>
+                <a:off x="1347693" y="1074592"/>
+                <a:ext cx="275690" cy="307777"/>
+              </a:xfrm>
+              <a:prstGeom prst="rect">
+                <a:avLst/>
+              </a:prstGeom>
+              <a:noFill/>
+            </p:spPr>
+            <p:txBody>
+              <a:bodyPr wrap="square" rtlCol="1">
+                <a:spAutoFit/>
+              </a:bodyPr>
+              <a:lstStyle/>
+              <a:p>
+                <a:r>
+                  <a:rPr lang="en-US" sz="1400" b="1" dirty="0"/>
+                  <a:t>.</a:t>
+                </a:r>
+              </a:p>
+            </p:txBody>
+          </p:sp>
+          <p:sp>
+            <p:nvSpPr>
+              <p:cNvPr id="14" name="TextBox 13">
+                <a:extLst>
+                  <a:ext uri="{FF2B5EF4-FFF2-40B4-BE49-F238E27FC236}">
+                    <a16:creationId xmlns:a16="http://schemas.microsoft.com/office/drawing/2014/main" id="{8EE04F65-EBBA-0BE6-9FC4-E32033CF5E30}"/>
+                  </a:ext>
+                </a:extLst>
+              </p:cNvPr>
+              <p:cNvSpPr txBox="1"/>
+              <p:nvPr/>
+            </p:nvSpPr>
+            <p:spPr>
+              <a:xfrm>
+                <a:off x="1351405" y="1145446"/>
+                <a:ext cx="275690" cy="307777"/>
+              </a:xfrm>
+              <a:prstGeom prst="rect">
+                <a:avLst/>
+              </a:prstGeom>
+              <a:noFill/>
+            </p:spPr>
+            <p:txBody>
+              <a:bodyPr wrap="square" rtlCol="1">
+                <a:spAutoFit/>
+              </a:bodyPr>
+              <a:lstStyle/>
+              <a:p>
+                <a:r>
+                  <a:rPr lang="en-US" sz="1400" b="1" dirty="0"/>
+                  <a:t>.</a:t>
+                </a:r>
+              </a:p>
+            </p:txBody>
+          </p:sp>
+          <p:sp>
+            <p:nvSpPr>
+              <p:cNvPr id="16" name="TextBox 15">
+                <a:extLst>
+                  <a:ext uri="{FF2B5EF4-FFF2-40B4-BE49-F238E27FC236}">
+                    <a16:creationId xmlns:a16="http://schemas.microsoft.com/office/drawing/2014/main" id="{84EEDE60-4696-72DC-E404-D2453B4FE13B}"/>
+                  </a:ext>
+                </a:extLst>
+              </p:cNvPr>
+              <p:cNvSpPr txBox="1"/>
+              <p:nvPr/>
+            </p:nvSpPr>
+            <p:spPr>
+              <a:xfrm>
+                <a:off x="1351405" y="1214017"/>
+                <a:ext cx="275690" cy="307777"/>
+              </a:xfrm>
+              <a:prstGeom prst="rect">
+                <a:avLst/>
+              </a:prstGeom>
+              <a:noFill/>
+            </p:spPr>
+            <p:txBody>
+              <a:bodyPr wrap="square" rtlCol="1">
+                <a:spAutoFit/>
+              </a:bodyPr>
+              <a:lstStyle/>
+              <a:p>
+                <a:r>
+                  <a:rPr lang="en-US" sz="1400" b="1" dirty="0"/>
+                  <a:t>.</a:t>
+                </a:r>
+              </a:p>
+            </p:txBody>
+          </p:sp>
+        </p:grpSp>
+      </p:grpSp>
       <p:sp>
         <p:nvSpPr>
-          <p:cNvPr id="106" name="TextBox 105">
+          <p:cNvPr id="29" name="TextBox 28">
             <a:extLst>
               <a:ext uri="{FF2B5EF4-FFF2-40B4-BE49-F238E27FC236}">
-                <a16:creationId xmlns:a16="http://schemas.microsoft.com/office/drawing/2014/main" id="{6E63F922-2DB2-C967-A722-5954529067CA}"/>
+                <a16:creationId xmlns:a16="http://schemas.microsoft.com/office/drawing/2014/main" id="{AA15BE43-BCF8-0BA7-49C0-AC1B2618B8A4}"/>
               </a:ext>
             </a:extLst>
           </p:cNvPr>
@@ -22404,8 +22802,8 @@
         </p:nvSpPr>
         <p:spPr>
           <a:xfrm>
-            <a:off x="8970926" y="3319054"/>
-            <a:ext cx="2783172" cy="646331"/>
+            <a:off x="2536730" y="4422706"/>
+            <a:ext cx="1277322" cy="1077218"/>
           </a:xfrm>
           <a:prstGeom prst="rect">
             <a:avLst/>
@@ -22418,16 +22816,373 @@
           </a:bodyPr>
           <a:lstStyle/>
           <a:p>
-            <a:pPr algn="r" rtl="1"/>
-            <a:r>
-              <a:rPr lang="fa-IR" b="1" dirty="0">
+            <a:r>
+              <a:rPr lang="fa-IR" sz="1600" b="1" dirty="0">
+                <a:solidFill>
+                  <a:schemeClr val="accent5">
+                    <a:lumMod val="50000"/>
+                  </a:schemeClr>
+                </a:solidFill>
                 <a:cs typeface="B Nazanin" panose="00000400000000000000" pitchFamily="2" charset="-78"/>
               </a:rPr>
-              <a:t>اندازه این مجموعه واژگان معمولا بین 50000 تا 500000 لغت است.</a:t>
+              <a:t>آرایه 6325</a:t>
+            </a:r>
+            <a:r>
+              <a:rPr lang="en-US" sz="1600" b="1" dirty="0">
+                <a:solidFill>
+                  <a:schemeClr val="accent5">
+                    <a:lumMod val="50000"/>
+                  </a:schemeClr>
+                </a:solidFill>
+                <a:cs typeface="B Nazanin" panose="00000400000000000000" pitchFamily="2" charset="-78"/>
+              </a:rPr>
+              <a:t> </a:t>
+            </a:r>
+            <a:r>
+              <a:rPr lang="fa-IR" sz="1600" b="1" dirty="0">
+                <a:solidFill>
+                  <a:schemeClr val="accent5">
+                    <a:lumMod val="50000"/>
+                  </a:schemeClr>
+                </a:solidFill>
+                <a:cs typeface="B Nazanin" panose="00000400000000000000" pitchFamily="2" charset="-78"/>
+              </a:rPr>
+              <a:t>از50000</a:t>
+            </a:r>
+          </a:p>
+          <a:p>
+            <a:r>
+              <a:rPr lang="fa-IR" sz="1600" b="1" dirty="0">
+                <a:solidFill>
+                  <a:schemeClr val="accent5">
+                    <a:lumMod val="50000"/>
+                  </a:schemeClr>
+                </a:solidFill>
+                <a:cs typeface="B Nazanin" panose="00000400000000000000" pitchFamily="2" charset="-78"/>
+              </a:rPr>
+              <a:t>(اندازه مجموعه واژگان)</a:t>
             </a:r>
           </a:p>
         </p:txBody>
       </p:sp>
+      <p:cxnSp>
+        <p:nvCxnSpPr>
+          <p:cNvPr id="36" name="Straight Arrow Connector 35">
+            <a:extLst>
+              <a:ext uri="{FF2B5EF4-FFF2-40B4-BE49-F238E27FC236}">
+                <a16:creationId xmlns:a16="http://schemas.microsoft.com/office/drawing/2014/main" id="{8F0F2349-004A-AF1F-93B2-A71A6199DA29}"/>
+              </a:ext>
+            </a:extLst>
+          </p:cNvPr>
+          <p:cNvCxnSpPr>
+            <a:cxnSpLocks/>
+          </p:cNvCxnSpPr>
+          <p:nvPr/>
+        </p:nvCxnSpPr>
+        <p:spPr>
+          <a:xfrm>
+            <a:off x="3508828" y="4592239"/>
+            <a:ext cx="301513" cy="2023"/>
+          </a:xfrm>
+          <a:prstGeom prst="straightConnector1">
+            <a:avLst/>
+          </a:prstGeom>
+          <a:ln w="38100">
+            <a:tailEnd type="triangle"/>
+          </a:ln>
+        </p:spPr>
+        <p:style>
+          <a:lnRef idx="1">
+            <a:schemeClr val="accent1"/>
+          </a:lnRef>
+          <a:fillRef idx="0">
+            <a:schemeClr val="accent1"/>
+          </a:fillRef>
+          <a:effectRef idx="0">
+            <a:schemeClr val="accent1"/>
+          </a:effectRef>
+          <a:fontRef idx="minor">
+            <a:schemeClr val="tx1"/>
+          </a:fontRef>
+        </p:style>
+      </p:cxnSp>
+      <p:sp>
+        <p:nvSpPr>
+          <p:cNvPr id="41" name="Arrow: Right 40">
+            <a:extLst>
+              <a:ext uri="{FF2B5EF4-FFF2-40B4-BE49-F238E27FC236}">
+                <a16:creationId xmlns:a16="http://schemas.microsoft.com/office/drawing/2014/main" id="{B0C7D9F6-7B8D-B9FC-8629-F8C1717D150B}"/>
+              </a:ext>
+            </a:extLst>
+          </p:cNvPr>
+          <p:cNvSpPr/>
+          <p:nvPr/>
+        </p:nvSpPr>
+        <p:spPr>
+          <a:xfrm>
+            <a:off x="2245541" y="3410962"/>
+            <a:ext cx="790387" cy="365262"/>
+          </a:xfrm>
+          <a:prstGeom prst="rightArrow">
+            <a:avLst/>
+          </a:prstGeom>
+          <a:solidFill>
+            <a:schemeClr val="accent4">
+              <a:lumMod val="50000"/>
+            </a:schemeClr>
+          </a:solidFill>
+        </p:spPr>
+        <p:style>
+          <a:lnRef idx="2">
+            <a:schemeClr val="accent1">
+              <a:shade val="15000"/>
+            </a:schemeClr>
+          </a:lnRef>
+          <a:fillRef idx="1">
+            <a:schemeClr val="accent1"/>
+          </a:fillRef>
+          <a:effectRef idx="0">
+            <a:schemeClr val="accent1"/>
+          </a:effectRef>
+          <a:fontRef idx="minor">
+            <a:schemeClr val="lt1"/>
+          </a:fontRef>
+        </p:style>
+        <p:txBody>
+          <a:bodyPr rtlCol="1" anchor="ctr"/>
+          <a:lstStyle/>
+          <a:p>
+            <a:pPr algn="ctr"/>
+            <a:endParaRPr lang="fa-IR"/>
+          </a:p>
+        </p:txBody>
+      </p:sp>
+      <p:sp>
+        <p:nvSpPr>
+          <p:cNvPr id="48" name="Oval 47">
+            <a:extLst>
+              <a:ext uri="{FF2B5EF4-FFF2-40B4-BE49-F238E27FC236}">
+                <a16:creationId xmlns:a16="http://schemas.microsoft.com/office/drawing/2014/main" id="{9F46BDD6-79B3-A11A-C62A-7502E0AEDE2D}"/>
+              </a:ext>
+            </a:extLst>
+          </p:cNvPr>
+          <p:cNvSpPr/>
+          <p:nvPr/>
+        </p:nvSpPr>
+        <p:spPr>
+          <a:xfrm>
+            <a:off x="350982" y="3351489"/>
+            <a:ext cx="1894559" cy="457170"/>
+          </a:xfrm>
+          <a:prstGeom prst="ellipse">
+            <a:avLst/>
+          </a:prstGeom>
+          <a:noFill/>
+          <a:ln>
+            <a:prstDash val="sysDash"/>
+          </a:ln>
+        </p:spPr>
+        <p:style>
+          <a:lnRef idx="2">
+            <a:schemeClr val="accent1">
+              <a:shade val="15000"/>
+            </a:schemeClr>
+          </a:lnRef>
+          <a:fillRef idx="1">
+            <a:schemeClr val="accent1"/>
+          </a:fillRef>
+          <a:effectRef idx="0">
+            <a:schemeClr val="accent1"/>
+          </a:effectRef>
+          <a:fontRef idx="minor">
+            <a:schemeClr val="lt1"/>
+          </a:fontRef>
+        </p:style>
+        <p:txBody>
+          <a:bodyPr rtlCol="1" anchor="ctr"/>
+          <a:lstStyle/>
+          <a:p>
+            <a:pPr algn="ctr"/>
+            <a:endParaRPr lang="fa-IR"/>
+          </a:p>
+        </p:txBody>
+      </p:sp>
+      <p:grpSp>
+        <p:nvGrpSpPr>
+          <p:cNvPr id="51" name="Group 50">
+            <a:extLst>
+              <a:ext uri="{FF2B5EF4-FFF2-40B4-BE49-F238E27FC236}">
+                <a16:creationId xmlns:a16="http://schemas.microsoft.com/office/drawing/2014/main" id="{9C4066C5-B60B-C3D4-0C00-FFEE2B688538}"/>
+              </a:ext>
+            </a:extLst>
+          </p:cNvPr>
+          <p:cNvGrpSpPr/>
+          <p:nvPr/>
+        </p:nvGrpSpPr>
+        <p:grpSpPr>
+          <a:xfrm>
+            <a:off x="6511636" y="3265541"/>
+            <a:ext cx="5242462" cy="422845"/>
+            <a:chOff x="6511636" y="3265541"/>
+            <a:chExt cx="5242462" cy="422845"/>
+          </a:xfrm>
+        </p:grpSpPr>
+        <p:sp>
+          <p:nvSpPr>
+            <p:cNvPr id="106" name="TextBox 105">
+              <a:extLst>
+                <a:ext uri="{FF2B5EF4-FFF2-40B4-BE49-F238E27FC236}">
+                  <a16:creationId xmlns:a16="http://schemas.microsoft.com/office/drawing/2014/main" id="{6E63F922-2DB2-C967-A722-5954529067CA}"/>
+                </a:ext>
+              </a:extLst>
+            </p:cNvPr>
+            <p:cNvSpPr txBox="1"/>
+            <p:nvPr/>
+          </p:nvSpPr>
+          <p:spPr>
+            <a:xfrm>
+              <a:off x="6511636" y="3319054"/>
+              <a:ext cx="5242462" cy="369332"/>
+            </a:xfrm>
+            <a:prstGeom prst="rect">
+              <a:avLst/>
+            </a:prstGeom>
+            <a:noFill/>
+          </p:spPr>
+          <p:txBody>
+            <a:bodyPr wrap="square" rtlCol="1">
+              <a:spAutoFit/>
+            </a:bodyPr>
+            <a:lstStyle/>
+            <a:p>
+              <a:pPr algn="r" rtl="1"/>
+              <a:r>
+                <a:rPr lang="fa-IR" b="1" dirty="0">
+                  <a:cs typeface="B Nazanin" panose="00000400000000000000" pitchFamily="2" charset="-78"/>
+                </a:rPr>
+                <a:t>اندازه این مجموعه واژگان معمولا بین 50000 الی 500000 لغت است.</a:t>
+              </a:r>
+            </a:p>
+          </p:txBody>
+        </p:sp>
+        <p:sp>
+          <p:nvSpPr>
+            <p:cNvPr id="49" name="TextBox 48">
+              <a:extLst>
+                <a:ext uri="{FF2B5EF4-FFF2-40B4-BE49-F238E27FC236}">
+                  <a16:creationId xmlns:a16="http://schemas.microsoft.com/office/drawing/2014/main" id="{219F4A9D-19BC-0DB4-9453-15C6DAE98344}"/>
+                </a:ext>
+              </a:extLst>
+            </p:cNvPr>
+            <p:cNvSpPr txBox="1"/>
+            <p:nvPr/>
+          </p:nvSpPr>
+          <p:spPr>
+            <a:xfrm>
+              <a:off x="7608098" y="3272305"/>
+              <a:ext cx="824276" cy="369332"/>
+            </a:xfrm>
+            <a:prstGeom prst="rect">
+              <a:avLst/>
+            </a:prstGeom>
+            <a:noFill/>
+          </p:spPr>
+          <p:txBody>
+            <a:bodyPr wrap="square" rtlCol="1">
+              <a:spAutoFit/>
+            </a:bodyPr>
+            <a:lstStyle/>
+            <a:p>
+              <a:r>
+                <a:rPr lang="en-US" dirty="0"/>
+                <a:t>,</a:t>
+              </a:r>
+              <a:endParaRPr lang="fa-IR" dirty="0"/>
+            </a:p>
+          </p:txBody>
+        </p:sp>
+        <p:sp>
+          <p:nvSpPr>
+            <p:cNvPr id="50" name="TextBox 49">
+              <a:extLst>
+                <a:ext uri="{FF2B5EF4-FFF2-40B4-BE49-F238E27FC236}">
+                  <a16:creationId xmlns:a16="http://schemas.microsoft.com/office/drawing/2014/main" id="{25479EB8-8808-C98A-72A2-B08060FBED78}"/>
+                </a:ext>
+              </a:extLst>
+            </p:cNvPr>
+            <p:cNvSpPr txBox="1"/>
+            <p:nvPr/>
+          </p:nvSpPr>
+          <p:spPr>
+            <a:xfrm>
+              <a:off x="8395733" y="3265541"/>
+              <a:ext cx="824276" cy="369332"/>
+            </a:xfrm>
+            <a:prstGeom prst="rect">
+              <a:avLst/>
+            </a:prstGeom>
+            <a:noFill/>
+          </p:spPr>
+          <p:txBody>
+            <a:bodyPr wrap="square" rtlCol="1">
+              <a:spAutoFit/>
+            </a:bodyPr>
+            <a:lstStyle/>
+            <a:p>
+              <a:r>
+                <a:rPr lang="en-US" dirty="0"/>
+                <a:t>,</a:t>
+              </a:r>
+              <a:endParaRPr lang="fa-IR" dirty="0"/>
+            </a:p>
+          </p:txBody>
+        </p:sp>
+      </p:grpSp>
+      <p:cxnSp>
+        <p:nvCxnSpPr>
+          <p:cNvPr id="53" name="Connector: Curved 52">
+            <a:extLst>
+              <a:ext uri="{FF2B5EF4-FFF2-40B4-BE49-F238E27FC236}">
+                <a16:creationId xmlns:a16="http://schemas.microsoft.com/office/drawing/2014/main" id="{15BFA5A1-1609-6042-7A83-9C6DE658257C}"/>
+              </a:ext>
+            </a:extLst>
+          </p:cNvPr>
+          <p:cNvCxnSpPr>
+            <a:cxnSpLocks/>
+            <a:stCxn id="33" idx="3"/>
+            <a:endCxn id="101" idx="3"/>
+          </p:cNvCxnSpPr>
+          <p:nvPr/>
+        </p:nvCxnSpPr>
+        <p:spPr>
+          <a:xfrm>
+            <a:off x="10701773" y="2363636"/>
+            <a:ext cx="1037026" cy="4004674"/>
+          </a:xfrm>
+          <a:prstGeom prst="curvedConnector3">
+            <a:avLst>
+              <a:gd name="adj1" fmla="val 122044"/>
+            </a:avLst>
+          </a:prstGeom>
+          <a:ln w="19050">
+            <a:tailEnd type="triangle"/>
+          </a:ln>
+        </p:spPr>
+        <p:style>
+          <a:lnRef idx="1">
+            <a:schemeClr val="accent1"/>
+          </a:lnRef>
+          <a:fillRef idx="0">
+            <a:schemeClr val="accent1"/>
+          </a:fillRef>
+          <a:effectRef idx="0">
+            <a:schemeClr val="accent1"/>
+          </a:effectRef>
+          <a:fontRef idx="minor">
+            <a:schemeClr val="tx1"/>
+          </a:fontRef>
+        </p:style>
+      </p:cxnSp>
     </p:spTree>
     <p:extLst>
       <p:ext uri="{BB962C8B-B14F-4D97-AF65-F5344CB8AC3E}">
@@ -22476,7 +23231,7 @@
         </p:nvSpPr>
         <p:spPr>
           <a:xfrm>
-            <a:off x="1529494" y="134802"/>
+            <a:off x="1529494" y="135217"/>
             <a:ext cx="10515600" cy="918730"/>
           </a:xfrm>
         </p:spPr>
@@ -22574,8 +23329,8 @@
         </p:nvSpPr>
         <p:spPr>
           <a:xfrm>
-            <a:off x="1004455" y="1163397"/>
-            <a:ext cx="10515600" cy="490904"/>
+            <a:off x="3512008" y="1119219"/>
+            <a:ext cx="8100961" cy="490904"/>
           </a:xfrm>
           <a:prstGeom prst="rect">
             <a:avLst/>
@@ -22617,8 +23372,8 @@
         </p:nvSpPr>
         <p:spPr>
           <a:xfrm>
-            <a:off x="847405" y="1692760"/>
-            <a:ext cx="10621819" cy="923330"/>
+            <a:off x="387930" y="1692760"/>
+            <a:ext cx="11470314" cy="630942"/>
           </a:xfrm>
           <a:prstGeom prst="rect">
             <a:avLst/>
@@ -22633,90 +23388,165 @@
           <a:p>
             <a:pPr algn="r" rtl="1"/>
             <a:r>
-              <a:rPr lang="fa-IR" b="1" dirty="0">
+              <a:rPr lang="fa-IR" sz="1750" b="1" dirty="0">
                 <a:cs typeface="B Nazanin" panose="00000400000000000000" pitchFamily="2" charset="-78"/>
               </a:rPr>
               <a:t>در این مرحله، بر اساس یک اندازه پنجره انتخابی، متن را تکه </a:t>
             </a:r>
             <a:r>
-              <a:rPr lang="fa-IR" b="1" dirty="0" err="1">
+              <a:rPr lang="fa-IR" sz="1750" b="1" dirty="0" err="1">
                 <a:cs typeface="B Nazanin" panose="00000400000000000000" pitchFamily="2" charset="-78"/>
               </a:rPr>
               <a:t>تکه</a:t>
             </a:r>
             <a:r>
-              <a:rPr lang="fa-IR" b="1" dirty="0">
+              <a:rPr lang="fa-IR" sz="1750" b="1" dirty="0">
                 <a:cs typeface="B Nazanin" panose="00000400000000000000" pitchFamily="2" charset="-78"/>
               </a:rPr>
               <a:t> </a:t>
             </a:r>
             <a:r>
-              <a:rPr lang="fa-IR" b="1" dirty="0" err="1">
+              <a:rPr lang="fa-IR" sz="1750" b="1" dirty="0" err="1">
                 <a:cs typeface="B Nazanin" panose="00000400000000000000" pitchFamily="2" charset="-78"/>
               </a:rPr>
               <a:t>می‌کنیم</a:t>
             </a:r>
             <a:r>
-              <a:rPr lang="fa-IR" b="1" dirty="0">
+              <a:rPr lang="fa-IR" sz="1750" b="1" dirty="0">
                 <a:cs typeface="B Nazanin" panose="00000400000000000000" pitchFamily="2" charset="-78"/>
               </a:rPr>
-              <a:t>. سپس، روی هر تکه ، لغت میانی را بر باقی لغات آن تکه متن بر یک مدل شبکه عصبی مصنوعی (با لایه آخر </a:t>
-            </a:r>
-            <a:r>
-              <a:rPr lang="en-US" b="1" dirty="0">
+              <a:t>. سپس، روی هر تکه ، </a:t>
+            </a:r>
+            <a:r>
+              <a:rPr lang="fa-IR" sz="1750" b="1" dirty="0">
+                <a:solidFill>
+                  <a:srgbClr val="FF0000"/>
+                </a:solidFill>
                 <a:cs typeface="B Nazanin" panose="00000400000000000000" pitchFamily="2" charset="-78"/>
               </a:rPr>
+              <a:t>لغت میانی </a:t>
+            </a:r>
+            <a:r>
+              <a:rPr lang="fa-IR" sz="1750" b="1" dirty="0">
+                <a:cs typeface="B Nazanin" panose="00000400000000000000" pitchFamily="2" charset="-78"/>
+              </a:rPr>
+              <a:t>را بر </a:t>
+            </a:r>
+            <a:r>
+              <a:rPr lang="fa-IR" sz="1750" b="1" dirty="0">
+                <a:solidFill>
+                  <a:srgbClr val="FF0000"/>
+                </a:solidFill>
+                <a:cs typeface="B Nazanin" panose="00000400000000000000" pitchFamily="2" charset="-78"/>
+              </a:rPr>
+              <a:t>باقی لغات </a:t>
+            </a:r>
+            <a:r>
+              <a:rPr lang="fa-IR" sz="1750" b="1" dirty="0">
+                <a:cs typeface="B Nazanin" panose="00000400000000000000" pitchFamily="2" charset="-78"/>
+              </a:rPr>
+              <a:t>آن تکه متن بر یک مدل شبکه عصبی مصنوعی (با</a:t>
+            </a:r>
+            <a:r>
+              <a:rPr lang="en-US" sz="1750" b="1" dirty="0">
+                <a:cs typeface="B Nazanin" panose="00000400000000000000" pitchFamily="2" charset="-78"/>
+              </a:rPr>
+              <a:t> </a:t>
+            </a:r>
+            <a:r>
+              <a:rPr lang="fa-IR" sz="1750" b="1" dirty="0" err="1">
+                <a:cs typeface="B Nazanin" panose="00000400000000000000" pitchFamily="2" charset="-78"/>
+              </a:rPr>
+              <a:t>فعالساز</a:t>
+            </a:r>
+            <a:r>
+              <a:rPr lang="fa-IR" sz="1750" b="1" dirty="0">
+                <a:cs typeface="B Nazanin" panose="00000400000000000000" pitchFamily="2" charset="-78"/>
+              </a:rPr>
+              <a:t> لایه آخر </a:t>
+            </a:r>
+            <a:r>
+              <a:rPr lang="en-US" sz="1750" b="1" dirty="0">
+                <a:cs typeface="B Nazanin" panose="00000400000000000000" pitchFamily="2" charset="-78"/>
+              </a:rPr>
               <a:t>(</a:t>
             </a:r>
             <a:r>
-              <a:rPr lang="en-US" b="1" dirty="0" err="1">
+              <a:rPr lang="en-US" sz="1750" b="1" dirty="0" err="1">
+                <a:solidFill>
+                  <a:schemeClr val="accent5">
+                    <a:lumMod val="50000"/>
+                  </a:schemeClr>
+                </a:solidFill>
                 <a:cs typeface="B Nazanin" panose="00000400000000000000" pitchFamily="2" charset="-78"/>
               </a:rPr>
               <a:t>Softmax</a:t>
             </a:r>
             <a:r>
-              <a:rPr lang="fa-IR" b="1" dirty="0">
+              <a:rPr lang="fa-IR" sz="1750" b="1" dirty="0">
                 <a:cs typeface="B Nazanin" panose="00000400000000000000" pitchFamily="2" charset="-78"/>
               </a:rPr>
               <a:t> آموزش </a:t>
             </a:r>
             <a:r>
-              <a:rPr lang="fa-IR" b="1" dirty="0" err="1">
+              <a:rPr lang="fa-IR" sz="1750" b="1" dirty="0" err="1">
                 <a:cs typeface="B Nazanin" panose="00000400000000000000" pitchFamily="2" charset="-78"/>
               </a:rPr>
               <a:t>می‌دهیم</a:t>
             </a:r>
             <a:r>
-              <a:rPr lang="fa-IR" b="1" dirty="0">
+              <a:rPr lang="fa-IR" sz="1750" b="1" dirty="0">
                 <a:cs typeface="B Nazanin" panose="00000400000000000000" pitchFamily="2" charset="-78"/>
               </a:rPr>
-              <a:t>. در نهایت، خروجی لایه قبل از </a:t>
-            </a:r>
-            <a:r>
-              <a:rPr lang="en-US" b="1" dirty="0" err="1">
+              <a:t>. در نهایت خروجی لایه نهایی ، </a:t>
+            </a:r>
+            <a:r>
+              <a:rPr lang="fa-IR" sz="1750" b="1" dirty="0">
+                <a:solidFill>
+                  <a:schemeClr val="accent2">
+                    <a:lumMod val="75000"/>
+                  </a:schemeClr>
+                </a:solidFill>
                 <a:cs typeface="B Nazanin" panose="00000400000000000000" pitchFamily="2" charset="-78"/>
               </a:rPr>
-              <a:t>Softmax</a:t>
-            </a:r>
-            <a:r>
-              <a:rPr lang="fa-IR" b="1" dirty="0">
+              <a:t>بردار معنایی </a:t>
+            </a:r>
+            <a:r>
+              <a:rPr lang="fa-IR" sz="1750" b="1" dirty="0">
                 <a:cs typeface="B Nazanin" panose="00000400000000000000" pitchFamily="2" charset="-78"/>
               </a:rPr>
-              <a:t> ، بردار معنایی به </a:t>
-            </a:r>
-            <a:r>
-              <a:rPr lang="fa-IR" b="1" dirty="0" err="1">
+              <a:t>به </a:t>
+            </a:r>
+            <a:r>
+              <a:rPr lang="fa-IR" sz="1750" b="1" dirty="0" err="1">
                 <a:cs typeface="B Nazanin" panose="00000400000000000000" pitchFamily="2" charset="-78"/>
               </a:rPr>
               <a:t>ازای</a:t>
             </a:r>
             <a:r>
-              <a:rPr lang="fa-IR" b="1" dirty="0">
+              <a:rPr lang="fa-IR" sz="1750" b="1" dirty="0">
                 <a:cs typeface="B Nazanin" panose="00000400000000000000" pitchFamily="2" charset="-78"/>
               </a:rPr>
-              <a:t> لغت ورودی است. </a:t>
-            </a:r>
-            <a:endParaRPr lang="fa-IR" dirty="0">
+              <a:t> </a:t>
+            </a:r>
+            <a:r>
+              <a:rPr lang="fa-IR" sz="1750" b="1" dirty="0">
+                <a:solidFill>
+                  <a:schemeClr val="accent2">
+                    <a:lumMod val="75000"/>
+                  </a:schemeClr>
+                </a:solidFill>
+                <a:cs typeface="B Nazanin" panose="00000400000000000000" pitchFamily="2" charset="-78"/>
+              </a:rPr>
+              <a:t>لغت ورودی </a:t>
+            </a:r>
+            <a:r>
+              <a:rPr lang="fa-IR" sz="1750" b="1" dirty="0">
+                <a:cs typeface="B Nazanin" panose="00000400000000000000" pitchFamily="2" charset="-78"/>
+              </a:rPr>
+              <a:t>خواهد بود. </a:t>
+            </a:r>
+            <a:endParaRPr lang="fa-IR" sz="1750" dirty="0">
               <a:cs typeface="B Nazanin" panose="00000400000000000000" pitchFamily="2" charset="-78"/>
             </a:endParaRPr>
           </a:p>
@@ -23319,7 +24149,7 @@
         </p:nvSpPr>
         <p:spPr>
           <a:xfrm>
-            <a:off x="3473106" y="3585287"/>
+            <a:off x="3528522" y="3585287"/>
             <a:ext cx="1152921" cy="707886"/>
           </a:xfrm>
           <a:prstGeom prst="rect">
@@ -23371,14 +24201,18 @@
             <a:r>
               <a:rPr lang="en-US" b="1" dirty="0" err="1">
                 <a:solidFill>
-                  <a:srgbClr val="C00000"/>
+                  <a:schemeClr val="accent5">
+                    <a:lumMod val="50000"/>
+                  </a:schemeClr>
                 </a:solidFill>
               </a:rPr>
               <a:t>Softmax</a:t>
             </a:r>
             <a:endParaRPr lang="fa-IR" b="1" dirty="0">
               <a:solidFill>
-                <a:srgbClr val="C00000"/>
+                <a:schemeClr val="accent5">
+                  <a:lumMod val="50000"/>
+                </a:schemeClr>
               </a:solidFill>
             </a:endParaRPr>
           </a:p>
@@ -23981,10 +24815,10 @@
         </p:nvGrpSpPr>
         <p:grpSpPr>
           <a:xfrm>
-            <a:off x="6143211" y="2180712"/>
-            <a:ext cx="5611099" cy="2065822"/>
+            <a:off x="6160910" y="1884347"/>
+            <a:ext cx="5611099" cy="1826226"/>
             <a:chOff x="5938241" y="2429918"/>
-            <a:chExt cx="5611099" cy="2065822"/>
+            <a:chExt cx="5611099" cy="1826226"/>
           </a:xfrm>
         </p:grpSpPr>
         <p:sp>
@@ -24018,18 +24852,33 @@
               <a:pPr algn="r"/>
               <a:r>
                 <a:rPr lang="fa-IR" b="1" dirty="0">
+                  <a:solidFill>
+                    <a:schemeClr val="accent5">
+                      <a:lumMod val="75000"/>
+                    </a:schemeClr>
+                  </a:solidFill>
                   <a:cs typeface="B Nazanin" panose="00000400000000000000" pitchFamily="2" charset="-78"/>
                 </a:rPr>
                 <a:t>تهران، </a:t>
               </a:r>
               <a:r>
                 <a:rPr lang="fa-IR" b="1" dirty="0" err="1">
+                  <a:solidFill>
+                    <a:schemeClr val="accent5">
+                      <a:lumMod val="75000"/>
+                    </a:schemeClr>
+                  </a:solidFill>
                   <a:cs typeface="B Nazanin" panose="00000400000000000000" pitchFamily="2" charset="-78"/>
                 </a:rPr>
                 <a:t>پرجمعیت‌ترین</a:t>
               </a:r>
               <a:r>
                 <a:rPr lang="fa-IR" b="1" dirty="0">
+                  <a:solidFill>
+                    <a:schemeClr val="accent5">
+                      <a:lumMod val="75000"/>
+                    </a:schemeClr>
+                  </a:solidFill>
                   <a:cs typeface="B Nazanin" panose="00000400000000000000" pitchFamily="2" charset="-78"/>
                 </a:rPr>
                 <a:t> شهر و </a:t>
@@ -24049,9 +24898,26 @@
                 <a:rPr lang="fa-IR" b="1" dirty="0">
                   <a:cs typeface="B Nazanin" panose="00000400000000000000" pitchFamily="2" charset="-78"/>
                 </a:rPr>
-                <a:t> ایران و مرکز استان تهران است.</a:t>
+                <a:t> </a:t>
               </a:r>
-              <a:endParaRPr lang="fa-IR" dirty="0"/>
+              <a:r>
+                <a:rPr lang="fa-IR" b="1" dirty="0">
+                  <a:solidFill>
+                    <a:schemeClr val="accent5">
+                      <a:lumMod val="75000"/>
+                    </a:schemeClr>
+                  </a:solidFill>
+                  <a:cs typeface="B Nazanin" panose="00000400000000000000" pitchFamily="2" charset="-78"/>
+                </a:rPr>
+                <a:t>ایران و مرکز استان تهران است.</a:t>
+              </a:r>
+              <a:endParaRPr lang="fa-IR" dirty="0">
+                <a:solidFill>
+                  <a:schemeClr val="accent5">
+                    <a:lumMod val="75000"/>
+                  </a:schemeClr>
+                </a:solidFill>
+              </a:endParaRPr>
             </a:p>
           </p:txBody>
         </p:sp>
@@ -24231,8 +25097,8 @@
           </p:nvSpPr>
           <p:spPr>
             <a:xfrm rot="5400000">
-              <a:off x="9038260" y="2289475"/>
-              <a:ext cx="2065822" cy="2346708"/>
+              <a:off x="9164051" y="2163684"/>
+              <a:ext cx="1814240" cy="2346708"/>
             </a:xfrm>
             <a:prstGeom prst="arc">
               <a:avLst>
@@ -24556,8 +25422,8 @@
         </p:nvSpPr>
         <p:spPr>
           <a:xfrm>
-            <a:off x="336818" y="3792150"/>
-            <a:ext cx="874839" cy="646331"/>
+            <a:off x="0" y="3792150"/>
+            <a:ext cx="1309138" cy="600164"/>
           </a:xfrm>
           <a:prstGeom prst="rect">
             <a:avLst/>
@@ -24570,7 +25436,7 @@
           </a:bodyPr>
           <a:lstStyle/>
           <a:p>
-            <a:pPr algn="ctr"/>
+            <a:pPr algn="ctr" rtl="1"/>
             <a:r>
               <a:rPr lang="fa-IR" b="1" dirty="0">
                 <a:solidFill>
@@ -24580,21 +25446,7 @@
                 </a:solidFill>
                 <a:cs typeface="B Nazanin" panose="00000400000000000000" pitchFamily="2" charset="-78"/>
               </a:rPr>
-              <a:t>6325</a:t>
-            </a:r>
-          </a:p>
-          <a:p>
-            <a:pPr algn="ctr"/>
-            <a:r>
-              <a:rPr lang="fa-IR" b="1" dirty="0">
-                <a:solidFill>
-                  <a:schemeClr val="accent2">
-                    <a:lumMod val="75000"/>
-                  </a:schemeClr>
-                </a:solidFill>
-                <a:cs typeface="B Nazanin" panose="00000400000000000000" pitchFamily="2" charset="-78"/>
-              </a:rPr>
-              <a:t>(تهران)</a:t>
+              <a:t>پایتخت</a:t>
             </a:r>
             <a:endParaRPr lang="en-US" b="1" dirty="0">
               <a:solidFill>
@@ -24604,6 +25456,20 @@
               </a:solidFill>
               <a:cs typeface="B Nazanin" panose="00000400000000000000" pitchFamily="2" charset="-78"/>
             </a:endParaRPr>
+          </a:p>
+          <a:p>
+            <a:pPr algn="r" rtl="1"/>
+            <a:r>
+              <a:rPr lang="fa-IR" sz="1500" b="1" dirty="0">
+                <a:solidFill>
+                  <a:schemeClr val="accent2">
+                    <a:lumMod val="75000"/>
+                  </a:schemeClr>
+                </a:solidFill>
+                <a:cs typeface="B Nazanin" panose="00000400000000000000" pitchFamily="2" charset="-78"/>
+              </a:rPr>
+              <a:t>(بردار یکه 4163)</a:t>
+            </a:r>
           </a:p>
         </p:txBody>
       </p:sp>
@@ -24625,8 +25491,8 @@
         </p:nvCxnSpPr>
         <p:spPr>
           <a:xfrm rot="5400000" flipH="1" flipV="1">
-            <a:off x="1170526" y="3344816"/>
-            <a:ext cx="51046" cy="843622"/>
+            <a:off x="1110691" y="3284982"/>
+            <a:ext cx="51046" cy="963291"/>
           </a:xfrm>
           <a:prstGeom prst="curvedConnector3">
             <a:avLst>
@@ -24761,10 +25627,10 @@
         </p:nvGrpSpPr>
         <p:grpSpPr>
           <a:xfrm>
-            <a:off x="8423564" y="4893738"/>
-            <a:ext cx="3593822" cy="1008964"/>
-            <a:chOff x="8423564" y="4606535"/>
-            <a:chExt cx="3593822" cy="1008964"/>
+            <a:off x="7623731" y="5092916"/>
+            <a:ext cx="4234513" cy="612477"/>
+            <a:chOff x="8096541" y="4591724"/>
+            <a:chExt cx="3898448" cy="1008964"/>
           </a:xfrm>
         </p:grpSpPr>
         <p:sp>
@@ -24781,8 +25647,8 @@
           </p:nvSpPr>
           <p:spPr>
             <a:xfrm>
-              <a:off x="8497021" y="4606535"/>
-              <a:ext cx="3520365" cy="1008964"/>
+              <a:off x="8238224" y="4591724"/>
+              <a:ext cx="3756765" cy="1008964"/>
             </a:xfrm>
             <a:prstGeom prst="roundRect">
               <a:avLst/>
@@ -24840,8 +25706,8 @@
           </p:nvSpPr>
           <p:spPr>
             <a:xfrm>
-              <a:off x="8423564" y="4634118"/>
-              <a:ext cx="3520364" cy="877163"/>
+              <a:off x="8096541" y="4634119"/>
+              <a:ext cx="3847387" cy="963329"/>
             </a:xfrm>
             <a:prstGeom prst="rect">
               <a:avLst/>
@@ -24856,43 +25722,34 @@
             <a:p>
               <a:pPr algn="r" rtl="1"/>
               <a:r>
-                <a:rPr lang="fa-IR" sz="1700" b="1" dirty="0">
+                <a:rPr lang="fa-IR" sz="1600" b="1" dirty="0">
                   <a:cs typeface="B Nazanin" panose="00000400000000000000" pitchFamily="2" charset="-78"/>
                 </a:rPr>
                 <a:t>سرانجام، </a:t>
               </a:r>
               <a:r>
-                <a:rPr lang="fa-IR" sz="1700" b="1" dirty="0" err="1">
+                <a:rPr lang="fa-IR" sz="1600" b="1" dirty="0" err="1">
                   <a:cs typeface="B Nazanin" panose="00000400000000000000" pitchFamily="2" charset="-78"/>
                 </a:rPr>
                 <a:t>واژه‌های</a:t>
               </a:r>
               <a:r>
-                <a:rPr lang="fa-IR" sz="1700" b="1" dirty="0">
+                <a:rPr lang="fa-IR" sz="1600" b="1" dirty="0">
                   <a:cs typeface="B Nazanin" panose="00000400000000000000" pitchFamily="2" charset="-78"/>
                 </a:rPr>
                 <a:t> نزدیک و مرتبط، </a:t>
               </a:r>
               <a:r>
-                <a:rPr lang="fa-IR" sz="1700" b="1" dirty="0" err="1">
+                <a:rPr lang="fa-IR" sz="1600" b="1" dirty="0" err="1">
                   <a:cs typeface="B Nazanin" panose="00000400000000000000" pitchFamily="2" charset="-78"/>
                 </a:rPr>
                 <a:t>بردارهای</a:t>
               </a:r>
               <a:r>
-                <a:rPr lang="fa-IR" sz="1700" b="1" dirty="0">
+                <a:rPr lang="fa-IR" sz="1600" b="1" dirty="0">
                   <a:cs typeface="B Nazanin" panose="00000400000000000000" pitchFamily="2" charset="-78"/>
                 </a:rPr>
-                <a:t> نزدیکی نیز نسبت به هم خواهند داشت.</a:t>
-              </a:r>
-            </a:p>
-            <a:p>
-              <a:pPr algn="r" rtl="1"/>
-              <a:r>
-                <a:rPr lang="fa-IR" sz="1700" b="1" dirty="0">
-                  <a:cs typeface="B Nazanin" panose="00000400000000000000" pitchFamily="2" charset="-78"/>
-                </a:rPr>
-                <a:t>(از لحاظ فاصله برداری) </a:t>
+                <a:t> نزدیکی نیز نسبت به هم خواهند داشت. (به لحاظ فاصله برداری) </a:t>
               </a:r>
             </a:p>
           </p:txBody>
@@ -24912,7 +25769,7 @@
         </p:nvSpPr>
         <p:spPr>
           <a:xfrm>
-            <a:off x="130449" y="6260873"/>
+            <a:off x="106122" y="6326181"/>
             <a:ext cx="11886937" cy="409118"/>
           </a:xfrm>
           <a:prstGeom prst="roundRect">
@@ -24970,7 +25827,7 @@
         </p:nvSpPr>
         <p:spPr>
           <a:xfrm>
-            <a:off x="101953" y="6305366"/>
+            <a:off x="109418" y="6361473"/>
             <a:ext cx="11813479" cy="323165"/>
           </a:xfrm>
           <a:prstGeom prst="rect">
@@ -25038,29 +25895,7 @@
                 </a:solidFill>
                 <a:cs typeface="B Nazanin" panose="00000400000000000000" pitchFamily="2" charset="-78"/>
               </a:rPr>
-              <a:t> نام دارد و </a:t>
-            </a:r>
-            <a:r>
-              <a:rPr lang="fa-IR" sz="1500" b="1" dirty="0" err="1">
-                <a:solidFill>
-                  <a:schemeClr val="accent1">
-                    <a:lumMod val="75000"/>
-                  </a:schemeClr>
-                </a:solidFill>
-                <a:cs typeface="B Nazanin" panose="00000400000000000000" pitchFamily="2" charset="-78"/>
-              </a:rPr>
-              <a:t>توسطه</a:t>
-            </a:r>
-            <a:r>
-              <a:rPr lang="fa-IR" sz="1500" b="1" dirty="0">
-                <a:solidFill>
-                  <a:schemeClr val="accent1">
-                    <a:lumMod val="75000"/>
-                  </a:schemeClr>
-                </a:solidFill>
-                <a:cs typeface="B Nazanin" panose="00000400000000000000" pitchFamily="2" charset="-78"/>
-              </a:rPr>
-              <a:t> دانشمند روسی</a:t>
+              <a:t> نام دارد و توسط دانشمند روسی</a:t>
             </a:r>
             <a:r>
               <a:rPr lang="en-US" sz="1500" b="1" dirty="0">
@@ -25130,14 +25965,17 @@
         </p:nvSpPr>
         <p:spPr>
           <a:xfrm>
-            <a:off x="5083229" y="2402663"/>
-            <a:ext cx="710135" cy="3315784"/>
+            <a:off x="5073630" y="2495163"/>
+            <a:ext cx="696229" cy="3315784"/>
           </a:xfrm>
           <a:prstGeom prst="roundRect">
             <a:avLst/>
           </a:prstGeom>
           <a:solidFill>
-            <a:schemeClr val="bg2"/>
+            <a:schemeClr val="accent5">
+              <a:lumMod val="20000"/>
+              <a:lumOff val="80000"/>
+            </a:schemeClr>
           </a:solidFill>
         </p:spPr>
         <p:style>
@@ -25179,8 +26017,8 @@
         </p:nvSpPr>
         <p:spPr>
           <a:xfrm>
-            <a:off x="5075603" y="2394792"/>
-            <a:ext cx="725402" cy="3395801"/>
+            <a:off x="5049254" y="2464845"/>
+            <a:ext cx="718196" cy="3395801"/>
           </a:xfrm>
           <a:prstGeom prst="rect">
             <a:avLst/>
@@ -25373,6 +26211,331 @@
           </a:p>
         </p:txBody>
       </p:sp>
+      <p:grpSp>
+        <p:nvGrpSpPr>
+          <p:cNvPr id="45" name="Group 44">
+            <a:extLst>
+              <a:ext uri="{FF2B5EF4-FFF2-40B4-BE49-F238E27FC236}">
+                <a16:creationId xmlns:a16="http://schemas.microsoft.com/office/drawing/2014/main" id="{16502E99-4E2E-943D-8DA9-F8BA029DD8C8}"/>
+              </a:ext>
+            </a:extLst>
+          </p:cNvPr>
+          <p:cNvGrpSpPr/>
+          <p:nvPr/>
+        </p:nvGrpSpPr>
+        <p:grpSpPr>
+          <a:xfrm>
+            <a:off x="7239009" y="3885451"/>
+            <a:ext cx="4610656" cy="635736"/>
+            <a:chOff x="7447696" y="4111273"/>
+            <a:chExt cx="4610656" cy="641085"/>
+          </a:xfrm>
+        </p:grpSpPr>
+        <p:sp>
+          <p:nvSpPr>
+            <p:cNvPr id="27" name="Rectangle: Rounded Corners 26">
+              <a:extLst>
+                <a:ext uri="{FF2B5EF4-FFF2-40B4-BE49-F238E27FC236}">
+                  <a16:creationId xmlns:a16="http://schemas.microsoft.com/office/drawing/2014/main" id="{791FB403-3B1D-8757-DD68-613023863E6D}"/>
+                </a:ext>
+              </a:extLst>
+            </p:cNvPr>
+            <p:cNvSpPr/>
+            <p:nvPr/>
+          </p:nvSpPr>
+          <p:spPr>
+            <a:xfrm>
+              <a:off x="7447696" y="4111273"/>
+              <a:ext cx="4610656" cy="641085"/>
+            </a:xfrm>
+            <a:prstGeom prst="roundRect">
+              <a:avLst/>
+            </a:prstGeom>
+            <a:solidFill>
+              <a:srgbClr val="FDCBCB"/>
+            </a:solidFill>
+          </p:spPr>
+          <p:style>
+            <a:lnRef idx="2">
+              <a:schemeClr val="accent1">
+                <a:shade val="15000"/>
+              </a:schemeClr>
+            </a:lnRef>
+            <a:fillRef idx="1">
+              <a:schemeClr val="accent1"/>
+            </a:fillRef>
+            <a:effectRef idx="0">
+              <a:schemeClr val="accent1"/>
+            </a:effectRef>
+            <a:fontRef idx="minor">
+              <a:schemeClr val="lt1"/>
+            </a:fontRef>
+          </p:style>
+          <p:txBody>
+            <a:bodyPr rtlCol="1" anchor="ctr"/>
+            <a:lstStyle/>
+            <a:p>
+              <a:pPr algn="ctr"/>
+              <a:endParaRPr lang="fa-IR"/>
+            </a:p>
+          </p:txBody>
+        </p:sp>
+        <p:sp>
+          <p:nvSpPr>
+            <p:cNvPr id="8" name="TextBox 7">
+              <a:extLst>
+                <a:ext uri="{FF2B5EF4-FFF2-40B4-BE49-F238E27FC236}">
+                  <a16:creationId xmlns:a16="http://schemas.microsoft.com/office/drawing/2014/main" id="{99B0A97B-C263-DC3A-87A9-C6DD80B43B6A}"/>
+                </a:ext>
+              </a:extLst>
+            </p:cNvPr>
+            <p:cNvSpPr txBox="1"/>
+            <p:nvPr/>
+          </p:nvSpPr>
+          <p:spPr>
+            <a:xfrm>
+              <a:off x="7447696" y="4136808"/>
+              <a:ext cx="4610656" cy="584775"/>
+            </a:xfrm>
+            <a:prstGeom prst="rect">
+              <a:avLst/>
+            </a:prstGeom>
+            <a:noFill/>
+          </p:spPr>
+          <p:txBody>
+            <a:bodyPr wrap="square" rtlCol="1">
+              <a:spAutoFit/>
+            </a:bodyPr>
+            <a:lstStyle/>
+            <a:p>
+              <a:pPr algn="r" rtl="1"/>
+              <a:r>
+                <a:rPr lang="fa-IR" sz="1600" b="1" dirty="0">
+                  <a:solidFill>
+                    <a:srgbClr val="7E0000"/>
+                  </a:solidFill>
+                  <a:cs typeface="B Nazanin" panose="00000400000000000000" pitchFamily="2" charset="-78"/>
+                </a:rPr>
+                <a:t>تابع هزینه:</a:t>
+              </a:r>
+            </a:p>
+            <a:p>
+              <a:pPr algn="r" rtl="1"/>
+              <a:r>
+                <a:rPr lang="fa-IR" sz="1600" b="1" dirty="0">
+                  <a:solidFill>
+                    <a:srgbClr val="7E0000"/>
+                  </a:solidFill>
+                  <a:cs typeface="B Nazanin" panose="00000400000000000000" pitchFamily="2" charset="-78"/>
+                </a:rPr>
+                <a:t>میانگین </a:t>
+              </a:r>
+              <a:r>
+                <a:rPr lang="fa-IR" sz="1600" b="1" dirty="0" err="1">
+                  <a:solidFill>
+                    <a:srgbClr val="7E0000"/>
+                  </a:solidFill>
+                  <a:cs typeface="B Nazanin" panose="00000400000000000000" pitchFamily="2" charset="-78"/>
+                </a:rPr>
+                <a:t>مربعات</a:t>
+              </a:r>
+              <a:r>
+                <a:rPr lang="fa-IR" sz="1600" b="1" dirty="0">
+                  <a:solidFill>
+                    <a:srgbClr val="7E0000"/>
+                  </a:solidFill>
+                  <a:cs typeface="B Nazanin" panose="00000400000000000000" pitchFamily="2" charset="-78"/>
+                </a:rPr>
+                <a:t> خطا </a:t>
+              </a:r>
+              <a:r>
+                <a:rPr lang="en-US" sz="1600" b="1" dirty="0">
+                  <a:solidFill>
+                    <a:srgbClr val="7E0000"/>
+                  </a:solidFill>
+                  <a:cs typeface="B Nazanin" panose="00000400000000000000" pitchFamily="2" charset="-78"/>
+                </a:rPr>
+                <a:t>)</a:t>
+              </a:r>
+              <a:r>
+                <a:rPr lang="fa-IR" sz="1600" b="1" dirty="0">
+                  <a:solidFill>
+                    <a:srgbClr val="7E0000"/>
+                  </a:solidFill>
+                  <a:cs typeface="B Nazanin" panose="00000400000000000000" pitchFamily="2" charset="-78"/>
+                </a:rPr>
+                <a:t>بردار یکه "تهران" ، بردار یکه "پایتخت“</a:t>
+              </a:r>
+              <a:r>
+                <a:rPr lang="en-US" sz="1600" b="1" dirty="0">
+                  <a:solidFill>
+                    <a:srgbClr val="7E0000"/>
+                  </a:solidFill>
+                  <a:cs typeface="B Nazanin" panose="00000400000000000000" pitchFamily="2" charset="-78"/>
+                </a:rPr>
+                <a:t>(</a:t>
+              </a:r>
+              <a:endParaRPr lang="fa-IR" sz="1600" b="1" dirty="0">
+                <a:solidFill>
+                  <a:srgbClr val="7E0000"/>
+                </a:solidFill>
+                <a:cs typeface="B Nazanin" panose="00000400000000000000" pitchFamily="2" charset="-78"/>
+              </a:endParaRPr>
+            </a:p>
+          </p:txBody>
+        </p:sp>
+      </p:grpSp>
+      <p:sp>
+        <p:nvSpPr>
+          <p:cNvPr id="52" name="TextBox 51">
+            <a:extLst>
+              <a:ext uri="{FF2B5EF4-FFF2-40B4-BE49-F238E27FC236}">
+                <a16:creationId xmlns:a16="http://schemas.microsoft.com/office/drawing/2014/main" id="{6CABF742-1182-5AB5-FE97-2A6F76E6DB2E}"/>
+              </a:ext>
+            </a:extLst>
+          </p:cNvPr>
+          <p:cNvSpPr txBox="1"/>
+          <p:nvPr/>
+        </p:nvSpPr>
+        <p:spPr>
+          <a:xfrm>
+            <a:off x="932873" y="5958019"/>
+            <a:ext cx="3435125" cy="338554"/>
+          </a:xfrm>
+          <a:prstGeom prst="rect">
+            <a:avLst/>
+          </a:prstGeom>
+          <a:noFill/>
+        </p:spPr>
+        <p:txBody>
+          <a:bodyPr wrap="square" rtlCol="1">
+            <a:spAutoFit/>
+          </a:bodyPr>
+          <a:lstStyle/>
+          <a:p>
+            <a:pPr algn="r" rtl="1"/>
+            <a:r>
+              <a:rPr lang="fa-IR" sz="1600" b="1" dirty="0">
+                <a:solidFill>
+                  <a:schemeClr val="accent5">
+                    <a:lumMod val="75000"/>
+                  </a:schemeClr>
+                </a:solidFill>
+                <a:cs typeface="B Nazanin" panose="00000400000000000000" pitchFamily="2" charset="-78"/>
+              </a:rPr>
+              <a:t>تعداد </a:t>
+            </a:r>
+            <a:r>
+              <a:rPr lang="fa-IR" sz="1600" b="1" dirty="0" err="1">
+                <a:solidFill>
+                  <a:schemeClr val="accent5">
+                    <a:lumMod val="75000"/>
+                  </a:schemeClr>
+                </a:solidFill>
+                <a:cs typeface="B Nazanin" panose="00000400000000000000" pitchFamily="2" charset="-78"/>
+              </a:rPr>
+              <a:t>نورون‌های</a:t>
+            </a:r>
+            <a:r>
+              <a:rPr lang="fa-IR" sz="1600" b="1" dirty="0">
+                <a:solidFill>
+                  <a:schemeClr val="accent5">
+                    <a:lumMod val="75000"/>
+                  </a:schemeClr>
+                </a:solidFill>
+                <a:cs typeface="B Nazanin" panose="00000400000000000000" pitchFamily="2" charset="-78"/>
+              </a:rPr>
+              <a:t> این لایه: اندازه مجموعه واژگان</a:t>
+            </a:r>
+          </a:p>
+        </p:txBody>
+      </p:sp>
+      <p:sp>
+        <p:nvSpPr>
+          <p:cNvPr id="53" name="TextBox 52">
+            <a:extLst>
+              <a:ext uri="{FF2B5EF4-FFF2-40B4-BE49-F238E27FC236}">
+                <a16:creationId xmlns:a16="http://schemas.microsoft.com/office/drawing/2014/main" id="{81F486F3-97F5-B05B-D581-6E605CEB6E8A}"/>
+              </a:ext>
+            </a:extLst>
+          </p:cNvPr>
+          <p:cNvSpPr txBox="1"/>
+          <p:nvPr/>
+        </p:nvSpPr>
+        <p:spPr>
+          <a:xfrm rot="5400000">
+            <a:off x="4697824" y="5622688"/>
+            <a:ext cx="307064" cy="584775"/>
+          </a:xfrm>
+          <a:prstGeom prst="rect">
+            <a:avLst/>
+          </a:prstGeom>
+          <a:noFill/>
+        </p:spPr>
+        <p:txBody>
+          <a:bodyPr wrap="square" rtlCol="1">
+            <a:spAutoFit/>
+          </a:bodyPr>
+          <a:lstStyle/>
+          <a:p>
+            <a:r>
+              <a:rPr lang="fa-IR" sz="3200" dirty="0"/>
+              <a:t>{</a:t>
+            </a:r>
+          </a:p>
+        </p:txBody>
+      </p:sp>
+      <p:cxnSp>
+        <p:nvCxnSpPr>
+          <p:cNvPr id="73" name="Connector: Curved 72">
+            <a:extLst>
+              <a:ext uri="{FF2B5EF4-FFF2-40B4-BE49-F238E27FC236}">
+                <a16:creationId xmlns:a16="http://schemas.microsoft.com/office/drawing/2014/main" id="{8C95D6E3-C9F3-862C-7D5E-199C188FB62F}"/>
+              </a:ext>
+            </a:extLst>
+          </p:cNvPr>
+          <p:cNvCxnSpPr>
+            <a:cxnSpLocks/>
+            <a:stCxn id="53" idx="3"/>
+            <a:endCxn id="52" idx="3"/>
+          </p:cNvCxnSpPr>
+          <p:nvPr/>
+        </p:nvCxnSpPr>
+        <p:spPr>
+          <a:xfrm rot="5400000">
+            <a:off x="4580333" y="5856273"/>
+            <a:ext cx="58688" cy="483358"/>
+          </a:xfrm>
+          <a:prstGeom prst="curvedConnector4">
+            <a:avLst>
+              <a:gd name="adj1" fmla="val 389517"/>
+              <a:gd name="adj2" fmla="val 65882"/>
+            </a:avLst>
+          </a:prstGeom>
+          <a:ln w="19050">
+            <a:solidFill>
+              <a:schemeClr val="tx2">
+                <a:lumMod val="50000"/>
+              </a:schemeClr>
+            </a:solidFill>
+            <a:tailEnd type="triangle"/>
+          </a:ln>
+        </p:spPr>
+        <p:style>
+          <a:lnRef idx="1">
+            <a:schemeClr val="accent1"/>
+          </a:lnRef>
+          <a:fillRef idx="0">
+            <a:schemeClr val="accent1"/>
+          </a:fillRef>
+          <a:effectRef idx="0">
+            <a:schemeClr val="accent1"/>
+          </a:effectRef>
+          <a:fontRef idx="minor">
+            <a:schemeClr val="tx1"/>
+          </a:fontRef>
+        </p:style>
+      </p:cxnSp>
     </p:spTree>
     <p:extLst>
       <p:ext uri="{BB962C8B-B14F-4D97-AF65-F5344CB8AC3E}">

--- a/RAG.pptx
+++ b/RAG.pptx
@@ -5687,7 +5687,7 @@
           <a:p>
             <a:fld id="{DD9737E2-E5A7-4798-8CE4-635A842BA6E2}" type="datetimeFigureOut">
               <a:rPr lang="fa-IR" smtClean="0"/>
-              <a:t>17/08/1445</a:t>
+              <a:t>08/10/1445</a:t>
             </a:fld>
             <a:endParaRPr lang="fa-IR"/>
           </a:p>
@@ -6692,7 +6692,7 @@
           <a:p>
             <a:fld id="{749F0CB5-BAA6-4AB1-867C-C29921453313}" type="datetimeFigureOut">
               <a:rPr lang="fa-IR" smtClean="0"/>
-              <a:t>17/08/1445</a:t>
+              <a:t>08/10/1445</a:t>
             </a:fld>
             <a:endParaRPr lang="fa-IR"/>
           </a:p>
@@ -6892,7 +6892,7 @@
           <a:p>
             <a:fld id="{749F0CB5-BAA6-4AB1-867C-C29921453313}" type="datetimeFigureOut">
               <a:rPr lang="fa-IR" smtClean="0"/>
-              <a:t>17/08/1445</a:t>
+              <a:t>08/10/1445</a:t>
             </a:fld>
             <a:endParaRPr lang="fa-IR"/>
           </a:p>
@@ -7102,7 +7102,7 @@
           <a:p>
             <a:fld id="{749F0CB5-BAA6-4AB1-867C-C29921453313}" type="datetimeFigureOut">
               <a:rPr lang="fa-IR" smtClean="0"/>
-              <a:t>17/08/1445</a:t>
+              <a:t>08/10/1445</a:t>
             </a:fld>
             <a:endParaRPr lang="fa-IR"/>
           </a:p>
@@ -7302,7 +7302,7 @@
           <a:p>
             <a:fld id="{749F0CB5-BAA6-4AB1-867C-C29921453313}" type="datetimeFigureOut">
               <a:rPr lang="fa-IR" smtClean="0"/>
-              <a:t>17/08/1445</a:t>
+              <a:t>08/10/1445</a:t>
             </a:fld>
             <a:endParaRPr lang="fa-IR"/>
           </a:p>
@@ -7578,7 +7578,7 @@
           <a:p>
             <a:fld id="{749F0CB5-BAA6-4AB1-867C-C29921453313}" type="datetimeFigureOut">
               <a:rPr lang="fa-IR" smtClean="0"/>
-              <a:t>17/08/1445</a:t>
+              <a:t>08/10/1445</a:t>
             </a:fld>
             <a:endParaRPr lang="fa-IR"/>
           </a:p>
@@ -7846,7 +7846,7 @@
           <a:p>
             <a:fld id="{749F0CB5-BAA6-4AB1-867C-C29921453313}" type="datetimeFigureOut">
               <a:rPr lang="fa-IR" smtClean="0"/>
-              <a:t>17/08/1445</a:t>
+              <a:t>08/10/1445</a:t>
             </a:fld>
             <a:endParaRPr lang="fa-IR"/>
           </a:p>
@@ -8261,7 +8261,7 @@
           <a:p>
             <a:fld id="{749F0CB5-BAA6-4AB1-867C-C29921453313}" type="datetimeFigureOut">
               <a:rPr lang="fa-IR" smtClean="0"/>
-              <a:t>17/08/1445</a:t>
+              <a:t>08/10/1445</a:t>
             </a:fld>
             <a:endParaRPr lang="fa-IR"/>
           </a:p>
@@ -8403,7 +8403,7 @@
           <a:p>
             <a:fld id="{749F0CB5-BAA6-4AB1-867C-C29921453313}" type="datetimeFigureOut">
               <a:rPr lang="fa-IR" smtClean="0"/>
-              <a:t>17/08/1445</a:t>
+              <a:t>08/10/1445</a:t>
             </a:fld>
             <a:endParaRPr lang="fa-IR"/>
           </a:p>
@@ -8516,7 +8516,7 @@
           <a:p>
             <a:fld id="{749F0CB5-BAA6-4AB1-867C-C29921453313}" type="datetimeFigureOut">
               <a:rPr lang="fa-IR" smtClean="0"/>
-              <a:t>17/08/1445</a:t>
+              <a:t>08/10/1445</a:t>
             </a:fld>
             <a:endParaRPr lang="fa-IR"/>
           </a:p>
@@ -8829,7 +8829,7 @@
           <a:p>
             <a:fld id="{749F0CB5-BAA6-4AB1-867C-C29921453313}" type="datetimeFigureOut">
               <a:rPr lang="fa-IR" smtClean="0"/>
-              <a:t>17/08/1445</a:t>
+              <a:t>08/10/1445</a:t>
             </a:fld>
             <a:endParaRPr lang="fa-IR"/>
           </a:p>
@@ -9118,7 +9118,7 @@
           <a:p>
             <a:fld id="{749F0CB5-BAA6-4AB1-867C-C29921453313}" type="datetimeFigureOut">
               <a:rPr lang="fa-IR" smtClean="0"/>
-              <a:t>17/08/1445</a:t>
+              <a:t>08/10/1445</a:t>
             </a:fld>
             <a:endParaRPr lang="fa-IR"/>
           </a:p>
@@ -9361,7 +9361,7 @@
           <a:p>
             <a:fld id="{749F0CB5-BAA6-4AB1-867C-C29921453313}" type="datetimeFigureOut">
               <a:rPr lang="fa-IR" smtClean="0"/>
-              <a:t>17/08/1445</a:t>
+              <a:t>08/10/1445</a:t>
             </a:fld>
             <a:endParaRPr lang="fa-IR"/>
           </a:p>
@@ -12721,12 +12721,22 @@
             <a:pPr algn="r" rtl="1"/>
             <a:r>
               <a:rPr lang="fa-IR" sz="2000" b="1" dirty="0" err="1">
+                <a:solidFill>
+                  <a:schemeClr val="accent1">
+                    <a:lumMod val="75000"/>
+                  </a:schemeClr>
+                </a:solidFill>
                 <a:cs typeface="B Nazanin" panose="00000400000000000000" pitchFamily="2" charset="-78"/>
               </a:rPr>
               <a:t>بهره‌مندی</a:t>
             </a:r>
             <a:r>
               <a:rPr lang="fa-IR" sz="2000" b="1" dirty="0">
+                <a:solidFill>
+                  <a:schemeClr val="accent1">
+                    <a:lumMod val="75000"/>
+                  </a:schemeClr>
+                </a:solidFill>
                 <a:cs typeface="B Nazanin" panose="00000400000000000000" pitchFamily="2" charset="-78"/>
               </a:rPr>
               <a:t> از قابلیت ‌های یک مدل زبانی پیشرفته</a:t>

--- a/RAG.pptx
+++ b/RAG.pptx
@@ -5687,7 +5687,7 @@
           <a:p>
             <a:fld id="{DD9737E2-E5A7-4798-8CE4-635A842BA6E2}" type="datetimeFigureOut">
               <a:rPr lang="fa-IR" smtClean="0"/>
-              <a:t>08/10/1445</a:t>
+              <a:t>25/11/1445</a:t>
             </a:fld>
             <a:endParaRPr lang="fa-IR"/>
           </a:p>
@@ -6692,7 +6692,7 @@
           <a:p>
             <a:fld id="{749F0CB5-BAA6-4AB1-867C-C29921453313}" type="datetimeFigureOut">
               <a:rPr lang="fa-IR" smtClean="0"/>
-              <a:t>08/10/1445</a:t>
+              <a:t>25/11/1445</a:t>
             </a:fld>
             <a:endParaRPr lang="fa-IR"/>
           </a:p>
@@ -6892,7 +6892,7 @@
           <a:p>
             <a:fld id="{749F0CB5-BAA6-4AB1-867C-C29921453313}" type="datetimeFigureOut">
               <a:rPr lang="fa-IR" smtClean="0"/>
-              <a:t>08/10/1445</a:t>
+              <a:t>25/11/1445</a:t>
             </a:fld>
             <a:endParaRPr lang="fa-IR"/>
           </a:p>
@@ -7102,7 +7102,7 @@
           <a:p>
             <a:fld id="{749F0CB5-BAA6-4AB1-867C-C29921453313}" type="datetimeFigureOut">
               <a:rPr lang="fa-IR" smtClean="0"/>
-              <a:t>08/10/1445</a:t>
+              <a:t>25/11/1445</a:t>
             </a:fld>
             <a:endParaRPr lang="fa-IR"/>
           </a:p>
@@ -7302,7 +7302,7 @@
           <a:p>
             <a:fld id="{749F0CB5-BAA6-4AB1-867C-C29921453313}" type="datetimeFigureOut">
               <a:rPr lang="fa-IR" smtClean="0"/>
-              <a:t>08/10/1445</a:t>
+              <a:t>25/11/1445</a:t>
             </a:fld>
             <a:endParaRPr lang="fa-IR"/>
           </a:p>
@@ -7578,7 +7578,7 @@
           <a:p>
             <a:fld id="{749F0CB5-BAA6-4AB1-867C-C29921453313}" type="datetimeFigureOut">
               <a:rPr lang="fa-IR" smtClean="0"/>
-              <a:t>08/10/1445</a:t>
+              <a:t>25/11/1445</a:t>
             </a:fld>
             <a:endParaRPr lang="fa-IR"/>
           </a:p>
@@ -7846,7 +7846,7 @@
           <a:p>
             <a:fld id="{749F0CB5-BAA6-4AB1-867C-C29921453313}" type="datetimeFigureOut">
               <a:rPr lang="fa-IR" smtClean="0"/>
-              <a:t>08/10/1445</a:t>
+              <a:t>25/11/1445</a:t>
             </a:fld>
             <a:endParaRPr lang="fa-IR"/>
           </a:p>
@@ -8261,7 +8261,7 @@
           <a:p>
             <a:fld id="{749F0CB5-BAA6-4AB1-867C-C29921453313}" type="datetimeFigureOut">
               <a:rPr lang="fa-IR" smtClean="0"/>
-              <a:t>08/10/1445</a:t>
+              <a:t>25/11/1445</a:t>
             </a:fld>
             <a:endParaRPr lang="fa-IR"/>
           </a:p>
@@ -8403,7 +8403,7 @@
           <a:p>
             <a:fld id="{749F0CB5-BAA6-4AB1-867C-C29921453313}" type="datetimeFigureOut">
               <a:rPr lang="fa-IR" smtClean="0"/>
-              <a:t>08/10/1445</a:t>
+              <a:t>25/11/1445</a:t>
             </a:fld>
             <a:endParaRPr lang="fa-IR"/>
           </a:p>
@@ -8516,7 +8516,7 @@
           <a:p>
             <a:fld id="{749F0CB5-BAA6-4AB1-867C-C29921453313}" type="datetimeFigureOut">
               <a:rPr lang="fa-IR" smtClean="0"/>
-              <a:t>08/10/1445</a:t>
+              <a:t>25/11/1445</a:t>
             </a:fld>
             <a:endParaRPr lang="fa-IR"/>
           </a:p>
@@ -8829,7 +8829,7 @@
           <a:p>
             <a:fld id="{749F0CB5-BAA6-4AB1-867C-C29921453313}" type="datetimeFigureOut">
               <a:rPr lang="fa-IR" smtClean="0"/>
-              <a:t>08/10/1445</a:t>
+              <a:t>25/11/1445</a:t>
             </a:fld>
             <a:endParaRPr lang="fa-IR"/>
           </a:p>
@@ -9118,7 +9118,7 @@
           <a:p>
             <a:fld id="{749F0CB5-BAA6-4AB1-867C-C29921453313}" type="datetimeFigureOut">
               <a:rPr lang="fa-IR" smtClean="0"/>
-              <a:t>08/10/1445</a:t>
+              <a:t>25/11/1445</a:t>
             </a:fld>
             <a:endParaRPr lang="fa-IR"/>
           </a:p>
@@ -9361,7 +9361,7 @@
           <a:p>
             <a:fld id="{749F0CB5-BAA6-4AB1-867C-C29921453313}" type="datetimeFigureOut">
               <a:rPr lang="fa-IR" smtClean="0"/>
-              <a:t>08/10/1445</a:t>
+              <a:t>25/11/1445</a:t>
             </a:fld>
             <a:endParaRPr lang="fa-IR"/>
           </a:p>
@@ -13259,7 +13259,19 @@
               <a:rPr lang="fa-IR" sz="2400" b="1" dirty="0">
                 <a:cs typeface="B Nazanin" panose="00000400000000000000" pitchFamily="2" charset="-78"/>
               </a:rPr>
-              <a:t> </a:t>
+              <a:t> (</a:t>
+            </a:r>
+            <a:r>
+              <a:rPr lang="en-US" sz="2400" b="1" dirty="0">
+                <a:cs typeface="B Nazanin" panose="00000400000000000000" pitchFamily="2" charset="-78"/>
+              </a:rPr>
+              <a:t>Context size</a:t>
+            </a:r>
+            <a:r>
+              <a:rPr lang="fa-IR" sz="2400" b="1" dirty="0">
+                <a:cs typeface="B Nazanin" panose="00000400000000000000" pitchFamily="2" charset="-78"/>
+              </a:rPr>
+              <a:t>) </a:t>
             </a:r>
           </a:p>
           <a:p>
@@ -13269,10 +13281,10 @@
               </a:lnSpc>
             </a:pPr>
             <a:r>
-              <a:rPr lang="fa-IR" sz="2400" b="1" dirty="0">
+              <a:rPr lang="fa-IR" sz="2400" b="1">
                 <a:cs typeface="B Nazanin" panose="00000400000000000000" pitchFamily="2" charset="-78"/>
               </a:rPr>
-              <a:t>دستور توجیهی به مدل (</a:t>
+              <a:t>دستور توجیهی مدل (</a:t>
             </a:r>
             <a:r>
               <a:rPr lang="en-US" sz="2400" b="1" dirty="0">
